--- a/docs/Presentations/MG-MIS/MG-MIS.pptx
+++ b/docs/Presentations/MG-MIS/MG-MIS.pptx
@@ -5869,14 +5869,14 @@
           <p:nvPr>
             <p:extLst>
               <p:ext uri="{D42A27DB-BD31-4B8C-83A1-F6EECF244321}">
-                <p14:modId xmlns:p14="http://schemas.microsoft.com/office/powerpoint/2010/main" val="970187871"/>
+                <p14:modId xmlns:p14="http://schemas.microsoft.com/office/powerpoint/2010/main" val="385791732"/>
               </p:ext>
             </p:extLst>
           </p:nvPr>
         </p:nvGraphicFramePr>
         <p:xfrm>
           <a:off x="947698" y="3310940"/>
-          <a:ext cx="6096000" cy="1112520"/>
+          <a:ext cx="6096000" cy="741680"/>
         </p:xfrm>
         <a:graphic>
           <a:graphicData uri="http://schemas.openxmlformats.org/drawingml/2006/table">
@@ -6073,110 +6073,6 @@
                     <a:p>
                       <a:pPr algn="ctr"/>
                       <a:r>
-                        <a:rPr lang="en-US" dirty="0">
-                          <a:solidFill>
-                            <a:schemeClr val="accent2">
-                              <a:lumMod val="50000"/>
-                            </a:schemeClr>
-                          </a:solidFill>
-                          <a:latin typeface="Roboto Condensed" panose="02000000000000000000" pitchFamily="2" charset="0"/>
-                          <a:ea typeface="Roboto Condensed" panose="02000000000000000000" pitchFamily="2" charset="0"/>
-                        </a:rPr>
-                        <a:t>-</a:t>
-                      </a:r>
-                    </a:p>
-                  </a:txBody>
-                  <a:tcPr anchor="ctr"/>
-                </a:tc>
-                <a:extLst>
-                  <a:ext uri="{0D108BD9-81ED-4DB2-BD59-A6C34878D82A}">
-                    <a16:rowId xmlns:a16="http://schemas.microsoft.com/office/drawing/2014/main" val="2526313314"/>
-                  </a:ext>
-                </a:extLst>
-              </a:tr>
-              <a:tr h="370840">
-                <a:tc>
-                  <a:txBody>
-                    <a:bodyPr/>
-                    <a:lstStyle/>
-                    <a:p>
-                      <a:pPr algn="ctr"/>
-                      <a:r>
-                        <a:rPr lang="en-US" dirty="0" err="1">
-                          <a:solidFill>
-                            <a:schemeClr val="accent2">
-                              <a:lumMod val="50000"/>
-                            </a:schemeClr>
-                          </a:solidFill>
-                          <a:latin typeface="Roboto Condensed" panose="02000000000000000000" pitchFamily="2" charset="0"/>
-                          <a:ea typeface="Roboto Condensed" panose="02000000000000000000" pitchFamily="2" charset="0"/>
-                        </a:rPr>
-                        <a:t>verify_param</a:t>
-                      </a:r>
-                      <a:endParaRPr lang="en-US" dirty="0">
-                        <a:solidFill>
-                          <a:schemeClr val="accent2">
-                            <a:lumMod val="50000"/>
-                          </a:schemeClr>
-                        </a:solidFill>
-                        <a:latin typeface="Roboto Condensed" panose="02000000000000000000" pitchFamily="2" charset="0"/>
-                        <a:ea typeface="Roboto Condensed" panose="02000000000000000000" pitchFamily="2" charset="0"/>
-                      </a:endParaRPr>
-                    </a:p>
-                  </a:txBody>
-                  <a:tcPr anchor="ctr"/>
-                </a:tc>
-                <a:tc>
-                  <a:txBody>
-                    <a:bodyPr/>
-                    <a:lstStyle/>
-                    <a:p>
-                      <a:pPr algn="ctr"/>
-                      <a:r>
-                        <a:rPr lang="en-US" dirty="0">
-                          <a:solidFill>
-                            <a:schemeClr val="accent2">
-                              <a:lumMod val="50000"/>
-                            </a:schemeClr>
-                          </a:solidFill>
-                          <a:latin typeface="Roboto Condensed" panose="02000000000000000000" pitchFamily="2" charset="0"/>
-                          <a:ea typeface="Roboto Condensed" panose="02000000000000000000" pitchFamily="2" charset="0"/>
-                        </a:rPr>
-                        <a:t>-</a:t>
-                      </a:r>
-                    </a:p>
-                  </a:txBody>
-                  <a:tcPr anchor="ctr"/>
-                </a:tc>
-                <a:tc>
-                  <a:txBody>
-                    <a:bodyPr/>
-                    <a:lstStyle/>
-                    <a:p>
-                      <a:pPr algn="ctr"/>
-                      <a:r>
-                        <a:rPr lang="en-US" dirty="0">
-                          <a:solidFill>
-                            <a:schemeClr val="accent2">
-                              <a:lumMod val="50000"/>
-                            </a:schemeClr>
-                          </a:solidFill>
-                          <a:latin typeface="Roboto Condensed" panose="02000000000000000000" pitchFamily="2" charset="0"/>
-                          <a:ea typeface="Roboto Condensed" panose="02000000000000000000" pitchFamily="2" charset="0"/>
-                        </a:rPr>
-                        <a:t>-</a:t>
-                      </a:r>
-                    </a:p>
-                  </a:txBody>
-                  <a:tcPr anchor="ctr"/>
-                </a:tc>
-                <a:tc>
-                  <a:txBody>
-                    <a:bodyPr/>
-                    <a:lstStyle/>
-                    <a:p>
-                      <a:pPr algn="ctr"/>
-                      <a:r>
                         <a:rPr lang="en-US" dirty="0" err="1">
                           <a:solidFill>
                             <a:schemeClr val="accent2">
@@ -6218,7 +6114,7 @@
                 </a:tc>
                 <a:extLst>
                   <a:ext uri="{0D108BD9-81ED-4DB2-BD59-A6C34878D82A}">
-                    <a16:rowId xmlns:a16="http://schemas.microsoft.com/office/drawing/2014/main" val="1821071434"/>
+                    <a16:rowId xmlns:a16="http://schemas.microsoft.com/office/drawing/2014/main" val="2526313314"/>
                   </a:ext>
                 </a:extLst>
               </a:tr>
@@ -6454,7 +6350,7 @@
               <p:nvPr>
                 <p:extLst>
                   <p:ext uri="{D42A27DB-BD31-4B8C-83A1-F6EECF244321}">
-                    <p14:modId xmlns:p14="http://schemas.microsoft.com/office/powerpoint/2010/main" val="1551795368"/>
+                    <p14:modId xmlns:p14="http://schemas.microsoft.com/office/powerpoint/2010/main" val="1593440838"/>
                   </p:ext>
                 </p:extLst>
               </p:nvPr>
@@ -6605,18 +6501,6 @@
                         <a:p>
                           <a:pPr algn="ctr"/>
                           <a:r>
-                            <a:rPr lang="en-US" dirty="0">
-                              <a:solidFill>
-                                <a:schemeClr val="accent2">
-                                  <a:lumMod val="50000"/>
-                                </a:schemeClr>
-                              </a:solidFill>
-                              <a:latin typeface="Roboto Condensed" panose="02000000000000000000" pitchFamily="2" charset="0"/>
-                              <a:ea typeface="Roboto Condensed" panose="02000000000000000000" pitchFamily="2" charset="0"/>
-                            </a:rPr>
-                            <a:t>[</a:t>
-                          </a:r>
-                          <a:r>
                             <a:rPr lang="en-US" dirty="0" err="1">
                               <a:solidFill>
                                 <a:schemeClr val="accent2">
@@ -6686,55 +6570,12 @@
                               <a:latin typeface="Roboto Condensed" panose="02000000000000000000" pitchFamily="2" charset="0"/>
                               <a:ea typeface="Roboto Condensed" panose="02000000000000000000" pitchFamily="2" charset="0"/>
                             </a:rPr>
-                            <a:t>, </a:t>
+                            <a:t>,</a:t>
                           </a:r>
                           <a14:m>
                             <m:oMath xmlns:m="http://schemas.openxmlformats.org/officeDocument/2006/math">
-                              <m:sSub>
-                                <m:sSubPr>
-                                  <m:ctrlPr>
-                                    <a:rPr lang="en-US" i="1" dirty="0" smtClean="0">
-                                      <a:solidFill>
-                                        <a:schemeClr val="accent2">
-                                          <a:lumMod val="50000"/>
-                                        </a:schemeClr>
-                                      </a:solidFill>
-                                      <a:latin typeface="Cambria Math" panose="02040503050406030204" pitchFamily="18" charset="0"/>
-                                      <a:ea typeface="Roboto Condensed" panose="02000000000000000000" pitchFamily="2" charset="0"/>
-                                    </a:rPr>
-                                  </m:ctrlPr>
-                                </m:sSubPr>
-                                <m:e>
-                                  <m:r>
-                                    <a:rPr lang="en-US" b="0" i="1" dirty="0" smtClean="0">
-                                      <a:solidFill>
-                                        <a:schemeClr val="accent2">
-                                          <a:lumMod val="50000"/>
-                                        </a:schemeClr>
-                                      </a:solidFill>
-                                      <a:latin typeface="Cambria Math" panose="02040503050406030204" pitchFamily="18" charset="0"/>
-                                      <a:ea typeface="Roboto Condensed" panose="02000000000000000000" pitchFamily="2" charset="0"/>
-                                    </a:rPr>
-                                    <m:t>𝐼</m:t>
-                                  </m:r>
-                                </m:e>
-                                <m:sub>
-                                  <m:r>
-                                    <a:rPr lang="en-US" b="0" i="1" dirty="0" smtClean="0">
-                                      <a:solidFill>
-                                        <a:schemeClr val="accent2">
-                                          <a:lumMod val="50000"/>
-                                        </a:schemeClr>
-                                      </a:solidFill>
-                                      <a:latin typeface="Cambria Math" panose="02040503050406030204" pitchFamily="18" charset="0"/>
-                                      <a:ea typeface="Roboto Condensed" panose="02000000000000000000" pitchFamily="2" charset="0"/>
-                                    </a:rPr>
-                                    <m:t>1</m:t>
-                                  </m:r>
-                                </m:sub>
-                              </m:sSub>
                               <m:r>
-                                <a:rPr lang="en-US" b="0" i="1" dirty="0" smtClean="0">
+                                <a:rPr lang="en-US" sz="1400" b="0" i="0" dirty="0" smtClean="0">
                                   <a:solidFill>
                                     <a:schemeClr val="accent2">
                                       <a:lumMod val="50000"/>
@@ -6743,53 +6584,10 @@
                                   <a:latin typeface="Cambria Math" panose="02040503050406030204" pitchFamily="18" charset="0"/>
                                   <a:ea typeface="Roboto Condensed" panose="02000000000000000000" pitchFamily="2" charset="0"/>
                                 </a:rPr>
-                                <m:t>,  </m:t>
+                                <m:t> </m:t>
                               </m:r>
-                              <m:sSub>
-                                <m:sSubPr>
-                                  <m:ctrlPr>
-                                    <a:rPr lang="en-US" i="1" dirty="0" smtClean="0">
-                                      <a:solidFill>
-                                        <a:schemeClr val="accent2">
-                                          <a:lumMod val="50000"/>
-                                        </a:schemeClr>
-                                      </a:solidFill>
-                                      <a:latin typeface="Cambria Math" panose="02040503050406030204" pitchFamily="18" charset="0"/>
-                                      <a:ea typeface="Roboto Condensed" panose="02000000000000000000" pitchFamily="2" charset="0"/>
-                                    </a:rPr>
-                                  </m:ctrlPr>
-                                </m:sSubPr>
-                                <m:e>
-                                  <m:r>
-                                    <a:rPr lang="en-US" b="0" i="1" dirty="0" smtClean="0">
-                                      <a:solidFill>
-                                        <a:schemeClr val="accent2">
-                                          <a:lumMod val="50000"/>
-                                        </a:schemeClr>
-                                      </a:solidFill>
-                                      <a:latin typeface="Cambria Math" panose="02040503050406030204" pitchFamily="18" charset="0"/>
-                                      <a:ea typeface="Roboto Condensed" panose="02000000000000000000" pitchFamily="2" charset="0"/>
-                                    </a:rPr>
-                                    <m:t>𝐼</m:t>
-                                  </m:r>
-                                </m:e>
-                                <m:sub>
-                                  <m:r>
-                                    <a:rPr lang="en-US" b="0" i="1" dirty="0" smtClean="0">
-                                      <a:solidFill>
-                                        <a:schemeClr val="accent2">
-                                          <a:lumMod val="50000"/>
-                                        </a:schemeClr>
-                                      </a:solidFill>
-                                      <a:latin typeface="Cambria Math" panose="02040503050406030204" pitchFamily="18" charset="0"/>
-                                      <a:ea typeface="Roboto Condensed" panose="02000000000000000000" pitchFamily="2" charset="0"/>
-                                    </a:rPr>
-                                    <m:t>2</m:t>
-                                  </m:r>
-                                </m:sub>
-                              </m:sSub>
                               <m:r>
-                                <a:rPr lang="en-US" b="0" i="1" dirty="0" smtClean="0">
+                                <a:rPr lang="en-US" sz="1400" b="0" i="1" dirty="0" smtClean="0">
                                   <a:solidFill>
                                     <a:schemeClr val="accent2">
                                       <a:lumMod val="50000"/>
@@ -6798,51 +6596,20 @@
                                   <a:latin typeface="Cambria Math" panose="02040503050406030204" pitchFamily="18" charset="0"/>
                                   <a:ea typeface="Roboto Condensed" panose="02000000000000000000" pitchFamily="2" charset="0"/>
                                 </a:rPr>
-                                <m:t>,  </m:t>
+                                <m:t> </m:t>
                               </m:r>
-                              <m:sSub>
-                                <m:sSubPr>
-                                  <m:ctrlPr>
-                                    <a:rPr lang="en-US" i="1" dirty="0" smtClean="0">
-                                      <a:solidFill>
-                                        <a:schemeClr val="accent2">
-                                          <a:lumMod val="50000"/>
-                                        </a:schemeClr>
-                                      </a:solidFill>
-                                      <a:latin typeface="Cambria Math" panose="02040503050406030204" pitchFamily="18" charset="0"/>
-                                      <a:ea typeface="Roboto Condensed" panose="02000000000000000000" pitchFamily="2" charset="0"/>
-                                    </a:rPr>
-                                  </m:ctrlPr>
-                                </m:sSubPr>
-                                <m:e>
-                                  <m:r>
-                                    <a:rPr lang="en-US" b="0" i="1" dirty="0" smtClean="0">
-                                      <a:solidFill>
-                                        <a:schemeClr val="accent2">
-                                          <a:lumMod val="50000"/>
-                                        </a:schemeClr>
-                                      </a:solidFill>
-                                      <a:latin typeface="Cambria Math" panose="02040503050406030204" pitchFamily="18" charset="0"/>
-                                      <a:ea typeface="Roboto Condensed" panose="02000000000000000000" pitchFamily="2" charset="0"/>
-                                    </a:rPr>
-                                    <m:t>𝐼</m:t>
-                                  </m:r>
-                                </m:e>
-                                <m:sub>
-                                  <m:r>
-                                    <a:rPr lang="en-US" b="0" i="1" dirty="0" smtClean="0">
-                                      <a:solidFill>
-                                        <a:schemeClr val="accent2">
-                                          <a:lumMod val="50000"/>
-                                        </a:schemeClr>
-                                      </a:solidFill>
-                                      <a:latin typeface="Cambria Math" panose="02040503050406030204" pitchFamily="18" charset="0"/>
-                                      <a:ea typeface="Roboto Condensed" panose="02000000000000000000" pitchFamily="2" charset="0"/>
-                                    </a:rPr>
-                                    <m:t>3</m:t>
-                                  </m:r>
-                                </m:sub>
-                              </m:sSub>
+                              <m:r>
+                                <a:rPr lang="en-US" sz="1400" b="0" i="1" dirty="0" smtClean="0">
+                                  <a:solidFill>
+                                    <a:schemeClr val="accent2">
+                                      <a:lumMod val="50000"/>
+                                    </a:schemeClr>
+                                  </a:solidFill>
+                                  <a:latin typeface="Cambria Math" panose="02040503050406030204" pitchFamily="18" charset="0"/>
+                                  <a:ea typeface="Roboto Condensed" panose="02000000000000000000" pitchFamily="2" charset="0"/>
+                                </a:rPr>
+                                <m:t>ℝ</m:t>
+                              </m:r>
                             </m:oMath>
                           </a14:m>
                           <a:r>
@@ -6855,8 +6622,61 @@
                               <a:latin typeface="Roboto Condensed" panose="02000000000000000000" pitchFamily="2" charset="0"/>
                               <a:ea typeface="Roboto Condensed" panose="02000000000000000000" pitchFamily="2" charset="0"/>
                             </a:rPr>
-                            <a:t>]</a:t>
+                            <a:t>, </a:t>
                           </a:r>
+                          <a14:m>
+                            <m:oMath xmlns:m="http://schemas.openxmlformats.org/officeDocument/2006/math">
+                              <m:r>
+                                <a:rPr lang="en-US" sz="1400" b="0" i="1" dirty="0" smtClean="0">
+                                  <a:solidFill>
+                                    <a:schemeClr val="accent2">
+                                      <a:lumMod val="50000"/>
+                                    </a:schemeClr>
+                                  </a:solidFill>
+                                  <a:latin typeface="Cambria Math" panose="02040503050406030204" pitchFamily="18" charset="0"/>
+                                  <a:ea typeface="Roboto Condensed" panose="02000000000000000000" pitchFamily="2" charset="0"/>
+                                </a:rPr>
+                                <m:t>ℝ</m:t>
+                              </m:r>
+                            </m:oMath>
+                          </a14:m>
+                          <a:r>
+                            <a:rPr lang="en-US" dirty="0">
+                              <a:solidFill>
+                                <a:schemeClr val="accent2">
+                                  <a:lumMod val="50000"/>
+                                </a:schemeClr>
+                              </a:solidFill>
+                              <a:latin typeface="Roboto Condensed" panose="02000000000000000000" pitchFamily="2" charset="0"/>
+                              <a:ea typeface="Roboto Condensed" panose="02000000000000000000" pitchFamily="2" charset="0"/>
+                            </a:rPr>
+                            <a:t>, </a:t>
+                          </a:r>
+                          <a14:m>
+                            <m:oMath xmlns:m="http://schemas.openxmlformats.org/officeDocument/2006/math">
+                              <m:r>
+                                <a:rPr lang="en-US" sz="1400" b="0" i="1" dirty="0" smtClean="0">
+                                  <a:solidFill>
+                                    <a:schemeClr val="accent2">
+                                      <a:lumMod val="50000"/>
+                                    </a:schemeClr>
+                                  </a:solidFill>
+                                  <a:latin typeface="Cambria Math" panose="02040503050406030204" pitchFamily="18" charset="0"/>
+                                  <a:ea typeface="Roboto Condensed" panose="02000000000000000000" pitchFamily="2" charset="0"/>
+                                </a:rPr>
+                                <m:t>ℝ</m:t>
+                              </m:r>
+                            </m:oMath>
+                          </a14:m>
+                          <a:endParaRPr lang="en-US" dirty="0">
+                            <a:solidFill>
+                              <a:schemeClr val="accent2">
+                                <a:lumMod val="50000"/>
+                              </a:schemeClr>
+                            </a:solidFill>
+                            <a:latin typeface="Roboto Condensed" panose="02000000000000000000" pitchFamily="2" charset="0"/>
+                            <a:ea typeface="Roboto Condensed" panose="02000000000000000000" pitchFamily="2" charset="0"/>
+                          </a:endParaRPr>
                         </a:p>
                       </a:txBody>
                       <a:tcPr anchor="ctr"/>
@@ -7069,18 +6889,36 @@
                         <a:lstStyle/>
                         <a:p>
                           <a:pPr algn="ctr"/>
-                          <a:r>
-                            <a:rPr lang="en-US" dirty="0">
-                              <a:solidFill>
-                                <a:schemeClr val="accent2">
-                                  <a:lumMod val="50000"/>
-                                </a:schemeClr>
-                              </a:solidFill>
-                              <a:latin typeface="Roboto Condensed" panose="02000000000000000000" pitchFamily="2" charset="0"/>
-                              <a:ea typeface="Roboto Condensed" panose="02000000000000000000" pitchFamily="2" charset="0"/>
-                            </a:rPr>
-                            <a:t>float</a:t>
-                          </a:r>
+                          <a14:m>
+                            <m:oMathPara xmlns:m="http://schemas.openxmlformats.org/officeDocument/2006/math">
+                              <m:oMathParaPr>
+                                <m:jc m:val="centerGroup"/>
+                              </m:oMathParaPr>
+                              <m:oMath xmlns:m="http://schemas.openxmlformats.org/officeDocument/2006/math">
+                                <m:r>
+                                  <a:rPr lang="en-US" sz="1400" b="0" i="1" dirty="0" smtClean="0">
+                                    <a:solidFill>
+                                      <a:schemeClr val="accent2">
+                                        <a:lumMod val="50000"/>
+                                      </a:schemeClr>
+                                    </a:solidFill>
+                                    <a:latin typeface="Cambria Math" panose="02040503050406030204" pitchFamily="18" charset="0"/>
+                                    <a:ea typeface="Roboto Condensed" panose="02000000000000000000" pitchFamily="2" charset="0"/>
+                                  </a:rPr>
+                                  <m:t>ℝ</m:t>
+                                </m:r>
+                              </m:oMath>
+                            </m:oMathPara>
+                          </a14:m>
+                          <a:endParaRPr lang="en-US" dirty="0">
+                            <a:solidFill>
+                              <a:schemeClr val="accent2">
+                                <a:lumMod val="50000"/>
+                              </a:schemeClr>
+                            </a:solidFill>
+                            <a:latin typeface="Roboto Condensed" panose="02000000000000000000" pitchFamily="2" charset="0"/>
+                            <a:ea typeface="Roboto Condensed" panose="02000000000000000000" pitchFamily="2" charset="0"/>
+                          </a:endParaRPr>
                         </a:p>
                       </a:txBody>
                       <a:tcPr anchor="ctr"/>
@@ -7131,7 +6969,7 @@
               <p:nvPr>
                 <p:extLst>
                   <p:ext uri="{D42A27DB-BD31-4B8C-83A1-F6EECF244321}">
-                    <p14:modId xmlns:p14="http://schemas.microsoft.com/office/powerpoint/2010/main" val="1551795368"/>
+                    <p14:modId xmlns:p14="http://schemas.microsoft.com/office/powerpoint/2010/main" val="1593440838"/>
                   </p:ext>
                 </p:extLst>
               </p:nvPr>
@@ -7499,22 +7337,17 @@
                         <a:bodyPr/>
                         <a:lstStyle/>
                         <a:p>
-                          <a:pPr algn="ctr"/>
-                          <a:r>
-                            <a:rPr lang="en-US" dirty="0">
-                              <a:solidFill>
-                                <a:schemeClr val="accent2">
-                                  <a:lumMod val="50000"/>
-                                </a:schemeClr>
-                              </a:solidFill>
-                              <a:latin typeface="Roboto Condensed" panose="02000000000000000000" pitchFamily="2" charset="0"/>
-                              <a:ea typeface="Roboto Condensed" panose="02000000000000000000" pitchFamily="2" charset="0"/>
-                            </a:rPr>
-                            <a:t>float</a:t>
-                          </a:r>
+                          <a:endParaRPr lang="en-US"/>
                         </a:p>
                       </a:txBody>
-                      <a:tcPr anchor="ctr"/>
+                      <a:tcPr anchor="ctr">
+                        <a:blipFill>
+                          <a:blip r:embed="rId2"/>
+                          <a:stretch>
+                            <a:fillRect l="-571429" t="-337097" r="-183333" b="-6452"/>
+                          </a:stretch>
+                        </a:blipFill>
+                      </a:tcPr>
                     </a:tc>
                     <a:tc>
                       <a:txBody>
@@ -7674,7 +7507,7 @@
         </p:nvSpPr>
         <p:spPr>
           <a:xfrm>
-            <a:off x="814274" y="1537988"/>
+            <a:off x="814274" y="1407360"/>
             <a:ext cx="7860999" cy="1483360"/>
           </a:xfrm>
         </p:spPr>
@@ -7684,7 +7517,7 @@
           <a:p>
             <a:pPr algn="just"/>
             <a:r>
-              <a:rPr lang="en-US" sz="2000" b="1" dirty="0">
+              <a:rPr lang="en-US" sz="1600" b="1" dirty="0">
                 <a:solidFill>
                   <a:srgbClr val="374151"/>
                 </a:solidFill>
@@ -7695,7 +7528,7 @@
               <a:t>Uses: </a:t>
             </a:r>
             <a:r>
-              <a:rPr lang="en-US" sz="2000" dirty="0">
+              <a:rPr lang="en-US" sz="1600" dirty="0">
                 <a:solidFill>
                   <a:srgbClr val="374151"/>
                 </a:solidFill>
@@ -7703,13 +7536,35 @@
                 <a:ea typeface="Roboto Condensed Light" panose="02000000000000000000" pitchFamily="2" charset="0"/>
                 <a:cs typeface="Roboto Condensed Light" panose="02000000000000000000" pitchFamily="2" charset="0"/>
               </a:rPr>
-              <a:t>Vector Module</a:t>
+              <a:t>Vector Module, </a:t>
+            </a:r>
+            <a:r>
+              <a:rPr lang="en-US" sz="1600" dirty="0" err="1">
+                <a:solidFill>
+                  <a:srgbClr val="374151"/>
+                </a:solidFill>
+                <a:latin typeface="Roboto Condensed Light" panose="02000000000000000000" pitchFamily="2" charset="0"/>
+                <a:ea typeface="Roboto Condensed Light" panose="02000000000000000000" pitchFamily="2" charset="0"/>
+                <a:cs typeface="Roboto Condensed Light" panose="02000000000000000000" pitchFamily="2" charset="0"/>
+              </a:rPr>
+              <a:t>CoilT</a:t>
+            </a:r>
+            <a:r>
+              <a:rPr lang="en-US" sz="1600" dirty="0">
+                <a:solidFill>
+                  <a:srgbClr val="374151"/>
+                </a:solidFill>
+                <a:latin typeface="Roboto Condensed Light" panose="02000000000000000000" pitchFamily="2" charset="0"/>
+                <a:ea typeface="Roboto Condensed Light" panose="02000000000000000000" pitchFamily="2" charset="0"/>
+                <a:cs typeface="Roboto Condensed Light" panose="02000000000000000000" pitchFamily="2" charset="0"/>
+              </a:rPr>
+              <a:t> Module</a:t>
             </a:r>
           </a:p>
           <a:p>
             <a:pPr algn="just"/>
             <a:r>
-              <a:rPr lang="en-CA" sz="2000" b="1" dirty="0">
+              <a:rPr lang="en-CA" sz="1600" b="1" dirty="0">
                 <a:solidFill>
                   <a:srgbClr val="374151"/>
                 </a:solidFill>
@@ -7720,21 +7575,14 @@
               <a:t>State Variables: </a:t>
             </a:r>
             <a:r>
-              <a:rPr lang="en-CA" sz="2000" dirty="0">
-                <a:solidFill>
-                  <a:srgbClr val="374151"/>
-                </a:solidFill>
-                <a:latin typeface="Roboto Condensed Light" panose="02000000000000000000" pitchFamily="2" charset="0"/>
-                <a:ea typeface="Roboto Condensed Light" panose="02000000000000000000" pitchFamily="2" charset="0"/>
-                <a:cs typeface="Roboto Condensed Light" panose="02000000000000000000" pitchFamily="2" charset="0"/>
-              </a:rPr>
-              <a:t>Magnetic Physical </a:t>
+              <a:rPr lang="en-US" sz="1600" dirty="0"/>
+              <a:t>3 × </a:t>
             </a:r>
             <a:r>
-              <a:rPr lang="en-US" dirty="0"/>
-              <a:t>constants</a:t>
+              <a:rPr lang="en-US" sz="1600" dirty="0" err="1"/>
+              <a:t>CoilT</a:t>
             </a:r>
-            <a:endParaRPr lang="en-CA" sz="2000" dirty="0">
+            <a:endParaRPr lang="en-CA" sz="1600" dirty="0">
               <a:solidFill>
                 <a:srgbClr val="374151"/>
               </a:solidFill>
@@ -7746,7 +7594,7 @@
           <a:p>
             <a:pPr algn="just"/>
             <a:r>
-              <a:rPr lang="en-CA" sz="2000" b="1" dirty="0">
+              <a:rPr lang="en-CA" sz="1600" b="1" dirty="0">
                 <a:solidFill>
                   <a:srgbClr val="374151"/>
                 </a:solidFill>
@@ -7756,7 +7604,7 @@
               </a:rPr>
               <a:t>Environment Variable: -</a:t>
             </a:r>
-            <a:endParaRPr lang="en-CA" sz="2000" dirty="0">
+            <a:endParaRPr lang="en-CA" sz="1600" dirty="0">
               <a:solidFill>
                 <a:srgbClr val="374151"/>
               </a:solidFill>
@@ -7784,14 +7632,14 @@
               <p:nvPr>
                 <p:extLst>
                   <p:ext uri="{D42A27DB-BD31-4B8C-83A1-F6EECF244321}">
-                    <p14:modId xmlns:p14="http://schemas.microsoft.com/office/powerpoint/2010/main" val="3383789017"/>
+                    <p14:modId xmlns:p14="http://schemas.microsoft.com/office/powerpoint/2010/main" val="2912758919"/>
                   </p:ext>
                 </p:extLst>
               </p:nvPr>
             </p:nvGraphicFramePr>
             <p:xfrm>
-              <a:off x="468727" y="2904564"/>
-              <a:ext cx="6446902" cy="1985564"/>
+              <a:off x="553252" y="2495901"/>
+              <a:ext cx="6393114" cy="2391777"/>
             </p:xfrm>
             <a:graphic>
               <a:graphicData uri="http://schemas.openxmlformats.org/drawingml/2006/table">
@@ -7800,21 +7648,21 @@
                     <a:tableStyleId>{E929F9F4-4A8F-4326-A1B4-22849713DDAB}</a:tableStyleId>
                   </a:tblPr>
                   <a:tblGrid>
-                    <a:gridCol w="2750883">
+                    <a:gridCol w="2727932">
                       <a:extLst>
                         <a:ext uri="{9D8B030D-6E8A-4147-A177-3AD203B41FA5}">
                           <a16:colId xmlns:a16="http://schemas.microsoft.com/office/drawing/2014/main" val="1527678177"/>
                         </a:ext>
                       </a:extLst>
                     </a:gridCol>
-                    <a:gridCol w="2374366">
+                    <a:gridCol w="2354556">
                       <a:extLst>
                         <a:ext uri="{9D8B030D-6E8A-4147-A177-3AD203B41FA5}">
                           <a16:colId xmlns:a16="http://schemas.microsoft.com/office/drawing/2014/main" val="529960761"/>
                         </a:ext>
                       </a:extLst>
                     </a:gridCol>
-                    <a:gridCol w="1321653">
+                    <a:gridCol w="1310626">
                       <a:extLst>
                         <a:ext uri="{9D8B030D-6E8A-4147-A177-3AD203B41FA5}">
                           <a16:colId xmlns:a16="http://schemas.microsoft.com/office/drawing/2014/main" val="314431527"/>
@@ -7822,7 +7670,7 @@
                       </a:extLst>
                     </a:gridCol>
                   </a:tblGrid>
-                  <a:tr h="366851">
+                  <a:tr h="242497">
                     <a:tc>
                       <a:txBody>
                         <a:bodyPr/>
@@ -7830,7 +7678,7 @@
                         <a:p>
                           <a:pPr algn="ctr"/>
                           <a:r>
-                            <a:rPr lang="en-US" dirty="0">
+                            <a:rPr lang="en-US" sz="1200" dirty="0">
                               <a:latin typeface="Roboto Condensed" panose="02000000000000000000" pitchFamily="2" charset="0"/>
                               <a:ea typeface="Roboto Condensed" panose="02000000000000000000" pitchFamily="2" charset="0"/>
                             </a:rPr>
@@ -7847,7 +7695,7 @@
                         <a:p>
                           <a:pPr algn="ctr"/>
                           <a:r>
-                            <a:rPr lang="en-US" dirty="0">
+                            <a:rPr lang="en-US" sz="1200" dirty="0">
                               <a:latin typeface="Roboto Condensed" panose="02000000000000000000" pitchFamily="2" charset="0"/>
                               <a:ea typeface="Roboto Condensed" panose="02000000000000000000" pitchFamily="2" charset="0"/>
                             </a:rPr>
@@ -7864,7 +7712,7 @@
                         <a:p>
                           <a:pPr algn="ctr"/>
                           <a:r>
-                            <a:rPr lang="en-US" dirty="0">
+                            <a:rPr lang="en-US" sz="1200" dirty="0">
                               <a:latin typeface="Roboto Condensed" panose="02000000000000000000" pitchFamily="2" charset="0"/>
                               <a:ea typeface="Roboto Condensed" panose="02000000000000000000" pitchFamily="2" charset="0"/>
                             </a:rPr>
@@ -7880,7 +7728,7 @@
                       </a:ext>
                     </a:extLst>
                   </a:tr>
-                  <a:tr h="366851">
+                  <a:tr h="242497">
                     <a:tc>
                       <a:txBody>
                         <a:bodyPr/>
@@ -7888,7 +7736,152 @@
                         <a:p>
                           <a:pPr algn="ctr"/>
                           <a:r>
-                            <a:rPr lang="en-US" dirty="0" err="1">
+                            <a:rPr lang="en-US" sz="1200" dirty="0">
+                              <a:solidFill>
+                                <a:schemeClr val="accent2">
+                                  <a:lumMod val="50000"/>
+                                </a:schemeClr>
+                              </a:solidFill>
+                              <a:latin typeface="Roboto Condensed" panose="02000000000000000000" pitchFamily="2" charset="0"/>
+                              <a:ea typeface="Roboto Condensed" panose="02000000000000000000" pitchFamily="2" charset="0"/>
+                            </a:rPr>
+                            <a:t>cons</a:t>
+                          </a:r>
+                        </a:p>
+                      </a:txBody>
+                      <a:tcPr anchor="ctr"/>
+                    </a:tc>
+                    <a:tc>
+                      <a:txBody>
+                        <a:bodyPr/>
+                        <a:lstStyle/>
+                        <a:p>
+                          <a:pPr marL="0" marR="0" lvl="0" indent="0" algn="ctr" defTabSz="914400" rtl="0" eaLnBrk="1" fontAlgn="auto" latinLnBrk="0" hangingPunct="1">
+                            <a:lnSpc>
+                              <a:spcPct val="100000"/>
+                            </a:lnSpc>
+                            <a:spcBef>
+                              <a:spcPts val="0"/>
+                            </a:spcBef>
+                            <a:spcAft>
+                              <a:spcPts val="0"/>
+                            </a:spcAft>
+                            <a:buClr>
+                              <a:srgbClr val="000000"/>
+                            </a:buClr>
+                            <a:buSzTx/>
+                            <a:buFont typeface="Arial"/>
+                            <a:buNone/>
+                            <a:tabLst/>
+                            <a:defRPr/>
+                          </a:pPr>
+                          <a:r>
+                            <a:rPr lang="en-US" sz="1200" dirty="0" err="1">
+                              <a:solidFill>
+                                <a:schemeClr val="accent2">
+                                  <a:lumMod val="50000"/>
+                                </a:schemeClr>
+                              </a:solidFill>
+                              <a:latin typeface="Roboto Condensed" panose="02000000000000000000" pitchFamily="2" charset="0"/>
+                              <a:ea typeface="Roboto Condensed" panose="02000000000000000000" pitchFamily="2" charset="0"/>
+                            </a:rPr>
+                            <a:t>CoilT</a:t>
+                          </a:r>
+                          <a:r>
+                            <a:rPr lang="en-US" sz="1200" dirty="0">
+                              <a:solidFill>
+                                <a:schemeClr val="accent2">
+                                  <a:lumMod val="50000"/>
+                                </a:schemeClr>
+                              </a:solidFill>
+                              <a:latin typeface="Roboto Condensed" panose="02000000000000000000" pitchFamily="2" charset="0"/>
+                              <a:ea typeface="Roboto Condensed" panose="02000000000000000000" pitchFamily="2" charset="0"/>
+                            </a:rPr>
+                            <a:t>, </a:t>
+                          </a:r>
+                          <a:r>
+                            <a:rPr lang="en-US" sz="1200" dirty="0" err="1">
+                              <a:solidFill>
+                                <a:schemeClr val="accent2">
+                                  <a:lumMod val="50000"/>
+                                </a:schemeClr>
+                              </a:solidFill>
+                              <a:latin typeface="Roboto Condensed" panose="02000000000000000000" pitchFamily="2" charset="0"/>
+                              <a:ea typeface="Roboto Condensed" panose="02000000000000000000" pitchFamily="2" charset="0"/>
+                            </a:rPr>
+                            <a:t>CoilT</a:t>
+                          </a:r>
+                          <a:r>
+                            <a:rPr lang="en-US" sz="1200" dirty="0">
+                              <a:solidFill>
+                                <a:schemeClr val="accent2">
+                                  <a:lumMod val="50000"/>
+                                </a:schemeClr>
+                              </a:solidFill>
+                              <a:latin typeface="Roboto Condensed" panose="02000000000000000000" pitchFamily="2" charset="0"/>
+                              <a:ea typeface="Roboto Condensed" panose="02000000000000000000" pitchFamily="2" charset="0"/>
+                            </a:rPr>
+                            <a:t>, </a:t>
+                          </a:r>
+                          <a:r>
+                            <a:rPr lang="en-US" sz="1200" dirty="0" err="1">
+                              <a:solidFill>
+                                <a:schemeClr val="accent2">
+                                  <a:lumMod val="50000"/>
+                                </a:schemeClr>
+                              </a:solidFill>
+                              <a:latin typeface="Roboto Condensed" panose="02000000000000000000" pitchFamily="2" charset="0"/>
+                              <a:ea typeface="Roboto Condensed" panose="02000000000000000000" pitchFamily="2" charset="0"/>
+                            </a:rPr>
+                            <a:t>CoilT</a:t>
+                          </a:r>
+                          <a:endParaRPr lang="en-US" sz="1200" dirty="0">
+                            <a:solidFill>
+                              <a:schemeClr val="accent2">
+                                <a:lumMod val="50000"/>
+                              </a:schemeClr>
+                            </a:solidFill>
+                            <a:latin typeface="Roboto Condensed" panose="02000000000000000000" pitchFamily="2" charset="0"/>
+                            <a:ea typeface="Roboto Condensed" panose="02000000000000000000" pitchFamily="2" charset="0"/>
+                          </a:endParaRPr>
+                        </a:p>
+                      </a:txBody>
+                      <a:tcPr anchor="ctr"/>
+                    </a:tc>
+                    <a:tc>
+                      <a:txBody>
+                        <a:bodyPr/>
+                        <a:lstStyle/>
+                        <a:p>
+                          <a:pPr algn="ctr"/>
+                          <a:endParaRPr lang="en-US" sz="1200" dirty="0">
+                            <a:solidFill>
+                              <a:schemeClr val="accent2">
+                                <a:lumMod val="50000"/>
+                              </a:schemeClr>
+                            </a:solidFill>
+                            <a:latin typeface="Roboto Condensed" panose="02000000000000000000" pitchFamily="2" charset="0"/>
+                            <a:ea typeface="Roboto Condensed" panose="02000000000000000000" pitchFamily="2" charset="0"/>
+                          </a:endParaRPr>
+                        </a:p>
+                      </a:txBody>
+                      <a:tcPr anchor="ctr"/>
+                    </a:tc>
+                    <a:extLst>
+                      <a:ext uri="{0D108BD9-81ED-4DB2-BD59-A6C34878D82A}">
+                        <a16:rowId xmlns:a16="http://schemas.microsoft.com/office/drawing/2014/main" val="4099083992"/>
+                      </a:ext>
+                    </a:extLst>
+                  </a:tr>
+                  <a:tr h="242497">
+                    <a:tc>
+                      <a:txBody>
+                        <a:bodyPr/>
+                        <a:lstStyle/>
+                        <a:p>
+                          <a:pPr algn="ctr"/>
+                          <a:r>
+                            <a:rPr lang="en-US" sz="1200" dirty="0" err="1">
                               <a:solidFill>
                                 <a:schemeClr val="accent2">
                                   <a:lumMod val="50000"/>
@@ -7899,7 +7892,7 @@
                             </a:rPr>
                             <a:t>calculate_torque</a:t>
                           </a:r>
-                          <a:endParaRPr lang="en-US" dirty="0">
+                          <a:endParaRPr lang="en-US" sz="1200" dirty="0">
                             <a:solidFill>
                               <a:schemeClr val="accent2">
                                 <a:lumMod val="50000"/>
@@ -7937,7 +7930,7 @@
                             <a:defRPr/>
                           </a:pPr>
                           <a:r>
-                            <a:rPr lang="en-US" dirty="0">
+                            <a:rPr lang="en-US" sz="1200" dirty="0">
                               <a:solidFill>
                                 <a:schemeClr val="accent2">
                                   <a:lumMod val="50000"/>
@@ -7950,51 +7943,20 @@
                           </a:r>
                           <a14:m>
                             <m:oMath xmlns:m="http://schemas.openxmlformats.org/officeDocument/2006/math">
-                              <m:sSub>
-                                <m:sSubPr>
-                                  <m:ctrlPr>
-                                    <a:rPr lang="en-US" i="1" dirty="0" smtClean="0">
-                                      <a:solidFill>
-                                        <a:schemeClr val="accent2">
-                                          <a:lumMod val="50000"/>
-                                        </a:schemeClr>
-                                      </a:solidFill>
-                                      <a:latin typeface="Cambria Math" panose="02040503050406030204" pitchFamily="18" charset="0"/>
-                                      <a:ea typeface="Roboto Condensed" panose="02000000000000000000" pitchFamily="2" charset="0"/>
-                                    </a:rPr>
-                                  </m:ctrlPr>
-                                </m:sSubPr>
-                                <m:e>
-                                  <m:r>
-                                    <a:rPr lang="en-US" b="0" i="1" dirty="0" smtClean="0">
-                                      <a:solidFill>
-                                        <a:schemeClr val="accent2">
-                                          <a:lumMod val="50000"/>
-                                        </a:schemeClr>
-                                      </a:solidFill>
-                                      <a:latin typeface="Cambria Math" panose="02040503050406030204" pitchFamily="18" charset="0"/>
-                                      <a:ea typeface="Roboto Condensed" panose="02000000000000000000" pitchFamily="2" charset="0"/>
-                                    </a:rPr>
-                                    <m:t>𝑚</m:t>
-                                  </m:r>
-                                </m:e>
-                                <m:sub>
-                                  <m:r>
-                                    <a:rPr lang="en-US" b="0" i="1" dirty="0" smtClean="0">
-                                      <a:solidFill>
-                                        <a:schemeClr val="accent2">
-                                          <a:lumMod val="50000"/>
-                                        </a:schemeClr>
-                                      </a:solidFill>
-                                      <a:latin typeface="Cambria Math" panose="02040503050406030204" pitchFamily="18" charset="0"/>
-                                      <a:ea typeface="Roboto Condensed" panose="02000000000000000000" pitchFamily="2" charset="0"/>
-                                    </a:rPr>
-                                    <m:t>𝑥</m:t>
-                                  </m:r>
-                                </m:sub>
-                              </m:sSub>
                               <m:r>
-                                <a:rPr lang="en-US" b="0" i="1" dirty="0" smtClean="0">
+                                <a:rPr lang="en-US" sz="1200" b="0" i="1" dirty="0" smtClean="0">
+                                  <a:solidFill>
+                                    <a:schemeClr val="accent2">
+                                      <a:lumMod val="50000"/>
+                                    </a:schemeClr>
+                                  </a:solidFill>
+                                  <a:latin typeface="Cambria Math" panose="02040503050406030204" pitchFamily="18" charset="0"/>
+                                  <a:ea typeface="Roboto Condensed" panose="02000000000000000000" pitchFamily="2" charset="0"/>
+                                </a:rPr>
+                                <m:t>ℝ</m:t>
+                              </m:r>
+                              <m:r>
+                                <a:rPr lang="en-US" sz="1200" b="0" i="1" dirty="0" smtClean="0">
                                   <a:solidFill>
                                     <a:schemeClr val="accent2">
                                       <a:lumMod val="50000"/>
@@ -8005,51 +7967,20 @@
                                 </a:rPr>
                                 <m:t>,</m:t>
                               </m:r>
-                              <m:sSub>
-                                <m:sSubPr>
-                                  <m:ctrlPr>
-                                    <a:rPr lang="en-US" i="1" dirty="0" smtClean="0">
-                                      <a:solidFill>
-                                        <a:schemeClr val="accent2">
-                                          <a:lumMod val="50000"/>
-                                        </a:schemeClr>
-                                      </a:solidFill>
-                                      <a:latin typeface="Cambria Math" panose="02040503050406030204" pitchFamily="18" charset="0"/>
-                                      <a:ea typeface="Roboto Condensed" panose="02000000000000000000" pitchFamily="2" charset="0"/>
-                                    </a:rPr>
-                                  </m:ctrlPr>
-                                </m:sSubPr>
-                                <m:e>
-                                  <m:r>
-                                    <a:rPr lang="en-US" b="0" i="1" dirty="0" smtClean="0">
-                                      <a:solidFill>
-                                        <a:schemeClr val="accent2">
-                                          <a:lumMod val="50000"/>
-                                        </a:schemeClr>
-                                      </a:solidFill>
-                                      <a:latin typeface="Cambria Math" panose="02040503050406030204" pitchFamily="18" charset="0"/>
-                                      <a:ea typeface="Roboto Condensed" panose="02000000000000000000" pitchFamily="2" charset="0"/>
-                                    </a:rPr>
-                                    <m:t>𝑚</m:t>
-                                  </m:r>
-                                </m:e>
-                                <m:sub>
-                                  <m:r>
-                                    <a:rPr lang="en-US" b="0" i="1" dirty="0" smtClean="0">
-                                      <a:solidFill>
-                                        <a:schemeClr val="accent2">
-                                          <a:lumMod val="50000"/>
-                                        </a:schemeClr>
-                                      </a:solidFill>
-                                      <a:latin typeface="Cambria Math" panose="02040503050406030204" pitchFamily="18" charset="0"/>
-                                      <a:ea typeface="Roboto Condensed" panose="02000000000000000000" pitchFamily="2" charset="0"/>
-                                    </a:rPr>
-                                    <m:t>𝑦</m:t>
-                                  </m:r>
-                                </m:sub>
-                              </m:sSub>
                               <m:r>
-                                <a:rPr lang="en-US" b="0" i="1" dirty="0" smtClean="0">
+                                <a:rPr lang="en-US" sz="1200" b="0" i="1" dirty="0" smtClean="0">
+                                  <a:solidFill>
+                                    <a:schemeClr val="accent2">
+                                      <a:lumMod val="50000"/>
+                                    </a:schemeClr>
+                                  </a:solidFill>
+                                  <a:latin typeface="Cambria Math" panose="02040503050406030204" pitchFamily="18" charset="0"/>
+                                  <a:ea typeface="Roboto Condensed" panose="02000000000000000000" pitchFamily="2" charset="0"/>
+                                </a:rPr>
+                                <m:t>ℝ</m:t>
+                              </m:r>
+                              <m:r>
+                                <a:rPr lang="en-US" sz="1200" b="0" i="1" dirty="0" smtClean="0">
                                   <a:solidFill>
                                     <a:schemeClr val="accent2">
                                       <a:lumMod val="50000"/>
@@ -8060,53 +7991,22 @@
                                 </a:rPr>
                                 <m:t>,</m:t>
                               </m:r>
-                              <m:sSub>
-                                <m:sSubPr>
-                                  <m:ctrlPr>
-                                    <a:rPr lang="en-US" i="1" dirty="0" smtClean="0">
-                                      <a:solidFill>
-                                        <a:schemeClr val="accent2">
-                                          <a:lumMod val="50000"/>
-                                        </a:schemeClr>
-                                      </a:solidFill>
-                                      <a:latin typeface="Cambria Math" panose="02040503050406030204" pitchFamily="18" charset="0"/>
-                                      <a:ea typeface="Roboto Condensed" panose="02000000000000000000" pitchFamily="2" charset="0"/>
-                                    </a:rPr>
-                                  </m:ctrlPr>
-                                </m:sSubPr>
-                                <m:e>
-                                  <m:r>
-                                    <a:rPr lang="en-US" b="0" i="1" dirty="0" smtClean="0">
-                                      <a:solidFill>
-                                        <a:schemeClr val="accent2">
-                                          <a:lumMod val="50000"/>
-                                        </a:schemeClr>
-                                      </a:solidFill>
-                                      <a:latin typeface="Cambria Math" panose="02040503050406030204" pitchFamily="18" charset="0"/>
-                                      <a:ea typeface="Roboto Condensed" panose="02000000000000000000" pitchFamily="2" charset="0"/>
-                                    </a:rPr>
-                                    <m:t>𝑚</m:t>
-                                  </m:r>
-                                </m:e>
-                                <m:sub>
-                                  <m:r>
-                                    <a:rPr lang="en-US" b="0" i="1" dirty="0" smtClean="0">
-                                      <a:solidFill>
-                                        <a:schemeClr val="accent2">
-                                          <a:lumMod val="50000"/>
-                                        </a:schemeClr>
-                                      </a:solidFill>
-                                      <a:latin typeface="Cambria Math" panose="02040503050406030204" pitchFamily="18" charset="0"/>
-                                      <a:ea typeface="Roboto Condensed" panose="02000000000000000000" pitchFamily="2" charset="0"/>
-                                    </a:rPr>
-                                    <m:t>𝑧</m:t>
-                                  </m:r>
-                                </m:sub>
-                              </m:sSub>
+                              <m:r>
+                                <a:rPr lang="en-US" sz="1200" b="0" i="1" dirty="0" smtClean="0">
+                                  <a:solidFill>
+                                    <a:schemeClr val="accent2">
+                                      <a:lumMod val="50000"/>
+                                    </a:schemeClr>
+                                  </a:solidFill>
+                                  <a:latin typeface="Cambria Math" panose="02040503050406030204" pitchFamily="18" charset="0"/>
+                                  <a:ea typeface="Roboto Condensed" panose="02000000000000000000" pitchFamily="2" charset="0"/>
+                                </a:rPr>
+                                <m:t>ℝ</m:t>
+                              </m:r>
                             </m:oMath>
                           </a14:m>
                           <a:r>
-                            <a:rPr lang="en-US" dirty="0">
+                            <a:rPr lang="en-US" sz="1200" dirty="0">
                               <a:solidFill>
                                 <a:schemeClr val="accent2">
                                   <a:lumMod val="50000"/>
@@ -8119,51 +8019,20 @@
                           </a:r>
                           <a14:m>
                             <m:oMath xmlns:m="http://schemas.openxmlformats.org/officeDocument/2006/math">
-                              <m:sSub>
-                                <m:sSubPr>
-                                  <m:ctrlPr>
-                                    <a:rPr lang="en-US" i="1" dirty="0" smtClean="0">
-                                      <a:solidFill>
-                                        <a:schemeClr val="accent2">
-                                          <a:lumMod val="50000"/>
-                                        </a:schemeClr>
-                                      </a:solidFill>
-                                      <a:latin typeface="Cambria Math" panose="02040503050406030204" pitchFamily="18" charset="0"/>
-                                      <a:ea typeface="Roboto Condensed" panose="02000000000000000000" pitchFamily="2" charset="0"/>
-                                    </a:rPr>
-                                  </m:ctrlPr>
-                                </m:sSubPr>
-                                <m:e>
-                                  <m:r>
-                                    <a:rPr lang="en-US" b="0" i="1" dirty="0" smtClean="0">
-                                      <a:solidFill>
-                                        <a:schemeClr val="accent2">
-                                          <a:lumMod val="50000"/>
-                                        </a:schemeClr>
-                                      </a:solidFill>
-                                      <a:latin typeface="Cambria Math" panose="02040503050406030204" pitchFamily="18" charset="0"/>
-                                      <a:ea typeface="Roboto Condensed" panose="02000000000000000000" pitchFamily="2" charset="0"/>
-                                    </a:rPr>
-                                    <m:t>𝐵</m:t>
-                                  </m:r>
-                                </m:e>
-                                <m:sub>
-                                  <m:r>
-                                    <a:rPr lang="en-US" b="0" i="1" dirty="0" smtClean="0">
-                                      <a:solidFill>
-                                        <a:schemeClr val="accent2">
-                                          <a:lumMod val="50000"/>
-                                        </a:schemeClr>
-                                      </a:solidFill>
-                                      <a:latin typeface="Cambria Math" panose="02040503050406030204" pitchFamily="18" charset="0"/>
-                                      <a:ea typeface="Roboto Condensed" panose="02000000000000000000" pitchFamily="2" charset="0"/>
-                                    </a:rPr>
-                                    <m:t>𝑥</m:t>
-                                  </m:r>
-                                </m:sub>
-                              </m:sSub>
                               <m:r>
-                                <a:rPr lang="en-US" b="0" i="1" dirty="0" smtClean="0">
+                                <a:rPr lang="en-US" sz="1200" b="0" i="1" dirty="0" smtClean="0">
+                                  <a:solidFill>
+                                    <a:schemeClr val="accent2">
+                                      <a:lumMod val="50000"/>
+                                    </a:schemeClr>
+                                  </a:solidFill>
+                                  <a:latin typeface="Cambria Math" panose="02040503050406030204" pitchFamily="18" charset="0"/>
+                                  <a:ea typeface="Roboto Condensed" panose="02000000000000000000" pitchFamily="2" charset="0"/>
+                                </a:rPr>
+                                <m:t>ℝ</m:t>
+                              </m:r>
+                              <m:r>
+                                <a:rPr lang="en-US" sz="1200" b="0" i="1" dirty="0" smtClean="0">
                                   <a:solidFill>
                                     <a:schemeClr val="accent2">
                                       <a:lumMod val="50000"/>
@@ -8174,51 +8043,20 @@
                                 </a:rPr>
                                 <m:t>,</m:t>
                               </m:r>
-                              <m:sSub>
-                                <m:sSubPr>
-                                  <m:ctrlPr>
-                                    <a:rPr lang="en-US" i="1" dirty="0" smtClean="0">
-                                      <a:solidFill>
-                                        <a:schemeClr val="accent2">
-                                          <a:lumMod val="50000"/>
-                                        </a:schemeClr>
-                                      </a:solidFill>
-                                      <a:latin typeface="Cambria Math" panose="02040503050406030204" pitchFamily="18" charset="0"/>
-                                      <a:ea typeface="Roboto Condensed" panose="02000000000000000000" pitchFamily="2" charset="0"/>
-                                    </a:rPr>
-                                  </m:ctrlPr>
-                                </m:sSubPr>
-                                <m:e>
-                                  <m:r>
-                                    <a:rPr lang="en-US" b="0" i="1" dirty="0" smtClean="0">
-                                      <a:solidFill>
-                                        <a:schemeClr val="accent2">
-                                          <a:lumMod val="50000"/>
-                                        </a:schemeClr>
-                                      </a:solidFill>
-                                      <a:latin typeface="Cambria Math" panose="02040503050406030204" pitchFamily="18" charset="0"/>
-                                      <a:ea typeface="Roboto Condensed" panose="02000000000000000000" pitchFamily="2" charset="0"/>
-                                    </a:rPr>
-                                    <m:t>𝐵</m:t>
-                                  </m:r>
-                                </m:e>
-                                <m:sub>
-                                  <m:r>
-                                    <a:rPr lang="en-US" b="0" i="1" dirty="0" smtClean="0">
-                                      <a:solidFill>
-                                        <a:schemeClr val="accent2">
-                                          <a:lumMod val="50000"/>
-                                        </a:schemeClr>
-                                      </a:solidFill>
-                                      <a:latin typeface="Cambria Math" panose="02040503050406030204" pitchFamily="18" charset="0"/>
-                                      <a:ea typeface="Roboto Condensed" panose="02000000000000000000" pitchFamily="2" charset="0"/>
-                                    </a:rPr>
-                                    <m:t>𝑦</m:t>
-                                  </m:r>
-                                </m:sub>
-                              </m:sSub>
                               <m:r>
-                                <a:rPr lang="en-US" b="0" i="1" dirty="0" smtClean="0">
+                                <a:rPr lang="en-US" sz="1200" b="0" i="1" dirty="0" smtClean="0">
+                                  <a:solidFill>
+                                    <a:schemeClr val="accent2">
+                                      <a:lumMod val="50000"/>
+                                    </a:schemeClr>
+                                  </a:solidFill>
+                                  <a:latin typeface="Cambria Math" panose="02040503050406030204" pitchFamily="18" charset="0"/>
+                                  <a:ea typeface="Roboto Condensed" panose="02000000000000000000" pitchFamily="2" charset="0"/>
+                                </a:rPr>
+                                <m:t>ℝ</m:t>
+                              </m:r>
+                              <m:r>
+                                <a:rPr lang="en-US" sz="1200" b="0" i="1" dirty="0" smtClean="0">
                                   <a:solidFill>
                                     <a:schemeClr val="accent2">
                                       <a:lumMod val="50000"/>
@@ -8229,53 +8067,22 @@
                                 </a:rPr>
                                 <m:t>,</m:t>
                               </m:r>
-                              <m:sSub>
-                                <m:sSubPr>
-                                  <m:ctrlPr>
-                                    <a:rPr lang="en-US" i="1" dirty="0" smtClean="0">
-                                      <a:solidFill>
-                                        <a:schemeClr val="accent2">
-                                          <a:lumMod val="50000"/>
-                                        </a:schemeClr>
-                                      </a:solidFill>
-                                      <a:latin typeface="Cambria Math" panose="02040503050406030204" pitchFamily="18" charset="0"/>
-                                      <a:ea typeface="Roboto Condensed" panose="02000000000000000000" pitchFamily="2" charset="0"/>
-                                    </a:rPr>
-                                  </m:ctrlPr>
-                                </m:sSubPr>
-                                <m:e>
-                                  <m:r>
-                                    <a:rPr lang="en-US" b="0" i="1" dirty="0" smtClean="0">
-                                      <a:solidFill>
-                                        <a:schemeClr val="accent2">
-                                          <a:lumMod val="50000"/>
-                                        </a:schemeClr>
-                                      </a:solidFill>
-                                      <a:latin typeface="Cambria Math" panose="02040503050406030204" pitchFamily="18" charset="0"/>
-                                      <a:ea typeface="Roboto Condensed" panose="02000000000000000000" pitchFamily="2" charset="0"/>
-                                    </a:rPr>
-                                    <m:t>𝐵</m:t>
-                                  </m:r>
-                                </m:e>
-                                <m:sub>
-                                  <m:r>
-                                    <a:rPr lang="en-US" b="0" i="1" dirty="0" smtClean="0">
-                                      <a:solidFill>
-                                        <a:schemeClr val="accent2">
-                                          <a:lumMod val="50000"/>
-                                        </a:schemeClr>
-                                      </a:solidFill>
-                                      <a:latin typeface="Cambria Math" panose="02040503050406030204" pitchFamily="18" charset="0"/>
-                                      <a:ea typeface="Roboto Condensed" panose="02000000000000000000" pitchFamily="2" charset="0"/>
-                                    </a:rPr>
-                                    <m:t>𝑧</m:t>
-                                  </m:r>
-                                </m:sub>
-                              </m:sSub>
+                              <m:r>
+                                <a:rPr lang="en-US" sz="1200" b="0" i="1" dirty="0" smtClean="0">
+                                  <a:solidFill>
+                                    <a:schemeClr val="accent2">
+                                      <a:lumMod val="50000"/>
+                                    </a:schemeClr>
+                                  </a:solidFill>
+                                  <a:latin typeface="Cambria Math" panose="02040503050406030204" pitchFamily="18" charset="0"/>
+                                  <a:ea typeface="Roboto Condensed" panose="02000000000000000000" pitchFamily="2" charset="0"/>
+                                </a:rPr>
+                                <m:t>ℝ</m:t>
+                              </m:r>
                             </m:oMath>
                           </a14:m>
                           <a:r>
-                            <a:rPr lang="en-US" dirty="0">
+                            <a:rPr lang="en-US" sz="1200" dirty="0">
                               <a:solidFill>
                                 <a:schemeClr val="accent2">
                                   <a:lumMod val="50000"/>
@@ -8303,7 +8110,7 @@
                               </m:oMathParaPr>
                               <m:oMath xmlns:m="http://schemas.openxmlformats.org/officeDocument/2006/math">
                                 <m:r>
-                                  <a:rPr lang="en-US" b="0" i="1" smtClean="0">
+                                  <a:rPr lang="en-US" sz="1200" b="0" i="1" smtClean="0">
                                     <a:solidFill>
                                       <a:schemeClr val="accent2">
                                         <a:lumMod val="50000"/>
@@ -8314,51 +8121,20 @@
                                   </a:rPr>
                                   <m:t>[</m:t>
                                 </m:r>
-                                <m:sSub>
-                                  <m:sSubPr>
-                                    <m:ctrlPr>
-                                      <a:rPr lang="en-US" i="1" smtClean="0">
-                                        <a:solidFill>
-                                          <a:schemeClr val="accent2">
-                                            <a:lumMod val="50000"/>
-                                          </a:schemeClr>
-                                        </a:solidFill>
-                                        <a:latin typeface="Cambria Math" panose="02040503050406030204" pitchFamily="18" charset="0"/>
-                                        <a:ea typeface="Roboto Condensed" panose="02000000000000000000" pitchFamily="2" charset="0"/>
-                                      </a:rPr>
-                                    </m:ctrlPr>
-                                  </m:sSubPr>
-                                  <m:e>
-                                    <m:r>
-                                      <a:rPr lang="en-US" i="1" smtClean="0">
-                                        <a:solidFill>
-                                          <a:schemeClr val="accent2">
-                                            <a:lumMod val="50000"/>
-                                          </a:schemeClr>
-                                        </a:solidFill>
-                                        <a:latin typeface="Cambria Math" panose="02040503050406030204" pitchFamily="18" charset="0"/>
-                                        <a:ea typeface="Cambria Math" panose="02040503050406030204" pitchFamily="18" charset="0"/>
-                                      </a:rPr>
-                                      <m:t>𝜏</m:t>
-                                    </m:r>
-                                  </m:e>
-                                  <m:sub>
-                                    <m:r>
-                                      <a:rPr lang="en-US" b="0" i="1" smtClean="0">
-                                        <a:solidFill>
-                                          <a:schemeClr val="accent2">
-                                            <a:lumMod val="50000"/>
-                                          </a:schemeClr>
-                                        </a:solidFill>
-                                        <a:latin typeface="Cambria Math" panose="02040503050406030204" pitchFamily="18" charset="0"/>
-                                        <a:ea typeface="Roboto Condensed" panose="02000000000000000000" pitchFamily="2" charset="0"/>
-                                      </a:rPr>
-                                      <m:t>𝑥</m:t>
-                                    </m:r>
-                                  </m:sub>
-                                </m:sSub>
                                 <m:r>
-                                  <a:rPr lang="en-US" b="0" i="1" smtClean="0">
+                                  <a:rPr lang="en-US" sz="1200" b="0" i="1" dirty="0" smtClean="0">
+                                    <a:solidFill>
+                                      <a:schemeClr val="accent2">
+                                        <a:lumMod val="50000"/>
+                                      </a:schemeClr>
+                                    </a:solidFill>
+                                    <a:latin typeface="Cambria Math" panose="02040503050406030204" pitchFamily="18" charset="0"/>
+                                    <a:ea typeface="Roboto Condensed" panose="02000000000000000000" pitchFamily="2" charset="0"/>
+                                  </a:rPr>
+                                  <m:t>ℝ</m:t>
+                                </m:r>
+                                <m:r>
+                                  <a:rPr lang="en-US" sz="1200" b="0" i="1" smtClean="0">
                                     <a:solidFill>
                                       <a:schemeClr val="accent2">
                                         <a:lumMod val="50000"/>
@@ -8369,51 +8145,20 @@
                                   </a:rPr>
                                   <m:t>,</m:t>
                                 </m:r>
-                                <m:sSub>
-                                  <m:sSubPr>
-                                    <m:ctrlPr>
-                                      <a:rPr lang="en-US" i="1" smtClean="0">
-                                        <a:solidFill>
-                                          <a:schemeClr val="accent2">
-                                            <a:lumMod val="50000"/>
-                                          </a:schemeClr>
-                                        </a:solidFill>
-                                        <a:latin typeface="Cambria Math" panose="02040503050406030204" pitchFamily="18" charset="0"/>
-                                        <a:ea typeface="Roboto Condensed" panose="02000000000000000000" pitchFamily="2" charset="0"/>
-                                      </a:rPr>
-                                    </m:ctrlPr>
-                                  </m:sSubPr>
-                                  <m:e>
-                                    <m:r>
-                                      <a:rPr lang="en-US" i="1" smtClean="0">
-                                        <a:solidFill>
-                                          <a:schemeClr val="accent2">
-                                            <a:lumMod val="50000"/>
-                                          </a:schemeClr>
-                                        </a:solidFill>
-                                        <a:latin typeface="Cambria Math" panose="02040503050406030204" pitchFamily="18" charset="0"/>
-                                        <a:ea typeface="Cambria Math" panose="02040503050406030204" pitchFamily="18" charset="0"/>
-                                      </a:rPr>
-                                      <m:t>𝜏</m:t>
-                                    </m:r>
-                                  </m:e>
-                                  <m:sub>
-                                    <m:r>
-                                      <a:rPr lang="en-US" b="0" i="1" smtClean="0">
-                                        <a:solidFill>
-                                          <a:schemeClr val="accent2">
-                                            <a:lumMod val="50000"/>
-                                          </a:schemeClr>
-                                        </a:solidFill>
-                                        <a:latin typeface="Cambria Math" panose="02040503050406030204" pitchFamily="18" charset="0"/>
-                                        <a:ea typeface="Cambria Math" panose="02040503050406030204" pitchFamily="18" charset="0"/>
-                                      </a:rPr>
-                                      <m:t>𝑦</m:t>
-                                    </m:r>
-                                  </m:sub>
-                                </m:sSub>
                                 <m:r>
-                                  <a:rPr lang="en-US" b="0" i="1" smtClean="0">
+                                  <a:rPr lang="en-US" sz="1200" b="0" i="1" dirty="0" smtClean="0">
+                                    <a:solidFill>
+                                      <a:schemeClr val="accent2">
+                                        <a:lumMod val="50000"/>
+                                      </a:schemeClr>
+                                    </a:solidFill>
+                                    <a:latin typeface="Cambria Math" panose="02040503050406030204" pitchFamily="18" charset="0"/>
+                                    <a:ea typeface="Roboto Condensed" panose="02000000000000000000" pitchFamily="2" charset="0"/>
+                                  </a:rPr>
+                                  <m:t>ℝ</m:t>
+                                </m:r>
+                                <m:r>
+                                  <a:rPr lang="en-US" sz="1200" b="0" i="1" smtClean="0">
                                     <a:solidFill>
                                       <a:schemeClr val="accent2">
                                         <a:lumMod val="50000"/>
@@ -8424,51 +8169,20 @@
                                   </a:rPr>
                                   <m:t>,</m:t>
                                 </m:r>
-                                <m:sSub>
-                                  <m:sSubPr>
-                                    <m:ctrlPr>
-                                      <a:rPr lang="en-US" i="1" smtClean="0">
-                                        <a:solidFill>
-                                          <a:schemeClr val="accent2">
-                                            <a:lumMod val="50000"/>
-                                          </a:schemeClr>
-                                        </a:solidFill>
-                                        <a:latin typeface="Cambria Math" panose="02040503050406030204" pitchFamily="18" charset="0"/>
-                                        <a:ea typeface="Roboto Condensed" panose="02000000000000000000" pitchFamily="2" charset="0"/>
-                                      </a:rPr>
-                                    </m:ctrlPr>
-                                  </m:sSubPr>
-                                  <m:e>
-                                    <m:r>
-                                      <a:rPr lang="en-US" i="1" smtClean="0">
-                                        <a:solidFill>
-                                          <a:schemeClr val="accent2">
-                                            <a:lumMod val="50000"/>
-                                          </a:schemeClr>
-                                        </a:solidFill>
-                                        <a:latin typeface="Cambria Math" panose="02040503050406030204" pitchFamily="18" charset="0"/>
-                                        <a:ea typeface="Cambria Math" panose="02040503050406030204" pitchFamily="18" charset="0"/>
-                                      </a:rPr>
-                                      <m:t>𝜏</m:t>
-                                    </m:r>
-                                  </m:e>
-                                  <m:sub>
-                                    <m:r>
-                                      <a:rPr lang="en-US" b="0" i="1" smtClean="0">
-                                        <a:solidFill>
-                                          <a:schemeClr val="accent2">
-                                            <a:lumMod val="50000"/>
-                                          </a:schemeClr>
-                                        </a:solidFill>
-                                        <a:latin typeface="Cambria Math" panose="02040503050406030204" pitchFamily="18" charset="0"/>
-                                        <a:ea typeface="Cambria Math" panose="02040503050406030204" pitchFamily="18" charset="0"/>
-                                      </a:rPr>
-                                      <m:t>𝑧</m:t>
-                                    </m:r>
-                                  </m:sub>
-                                </m:sSub>
                                 <m:r>
-                                  <a:rPr lang="en-US" b="0" i="1" smtClean="0">
+                                  <a:rPr lang="en-US" sz="1200" b="0" i="1" dirty="0" smtClean="0">
+                                    <a:solidFill>
+                                      <a:schemeClr val="accent2">
+                                        <a:lumMod val="50000"/>
+                                      </a:schemeClr>
+                                    </a:solidFill>
+                                    <a:latin typeface="Cambria Math" panose="02040503050406030204" pitchFamily="18" charset="0"/>
+                                    <a:ea typeface="Roboto Condensed" panose="02000000000000000000" pitchFamily="2" charset="0"/>
+                                  </a:rPr>
+                                  <m:t>ℝ</m:t>
+                                </m:r>
+                                <m:r>
+                                  <a:rPr lang="en-US" sz="1200" b="0" i="1" smtClean="0">
                                     <a:solidFill>
                                       <a:schemeClr val="accent2">
                                         <a:lumMod val="50000"/>
@@ -8482,7 +8196,7 @@
                               </m:oMath>
                             </m:oMathPara>
                           </a14:m>
-                          <a:endParaRPr lang="en-US" dirty="0">
+                          <a:endParaRPr lang="en-US" sz="1200" dirty="0">
                             <a:solidFill>
                               <a:schemeClr val="accent2">
                                 <a:lumMod val="50000"/>
@@ -8501,7 +8215,7 @@
                       </a:ext>
                     </a:extLst>
                   </a:tr>
-                  <a:tr h="366851">
+                  <a:tr h="242497">
                     <a:tc>
                       <a:txBody>
                         <a:bodyPr/>
@@ -8509,7 +8223,7 @@
                         <a:p>
                           <a:pPr algn="ctr"/>
                           <a:r>
-                            <a:rPr lang="en-US" dirty="0" err="1">
+                            <a:rPr lang="en-US" sz="1200" dirty="0" err="1">
                               <a:solidFill>
                                 <a:schemeClr val="accent2">
                                   <a:lumMod val="50000"/>
@@ -8520,7 +8234,7 @@
                             </a:rPr>
                             <a:t>calculate_force</a:t>
                           </a:r>
-                          <a:endParaRPr lang="en-US" dirty="0">
+                          <a:endParaRPr lang="en-US" sz="1200" dirty="0">
                             <a:solidFill>
                               <a:schemeClr val="accent2">
                                 <a:lumMod val="50000"/>
@@ -8558,7 +8272,7 @@
                             <a:defRPr/>
                           </a:pPr>
                           <a:r>
-                            <a:rPr lang="en-US" dirty="0">
+                            <a:rPr lang="en-US" sz="1200" dirty="0">
                               <a:solidFill>
                                 <a:schemeClr val="accent2">
                                   <a:lumMod val="50000"/>
@@ -8571,51 +8285,20 @@
                           </a:r>
                           <a14:m>
                             <m:oMath xmlns:m="http://schemas.openxmlformats.org/officeDocument/2006/math">
-                              <m:sSub>
-                                <m:sSubPr>
-                                  <m:ctrlPr>
-                                    <a:rPr lang="en-US" i="1" dirty="0" smtClean="0">
-                                      <a:solidFill>
-                                        <a:schemeClr val="accent2">
-                                          <a:lumMod val="50000"/>
-                                        </a:schemeClr>
-                                      </a:solidFill>
-                                      <a:latin typeface="Cambria Math" panose="02040503050406030204" pitchFamily="18" charset="0"/>
-                                      <a:ea typeface="Roboto Condensed" panose="02000000000000000000" pitchFamily="2" charset="0"/>
-                                    </a:rPr>
-                                  </m:ctrlPr>
-                                </m:sSubPr>
-                                <m:e>
-                                  <m:r>
-                                    <a:rPr lang="en-US" b="0" i="1" dirty="0" smtClean="0">
-                                      <a:solidFill>
-                                        <a:schemeClr val="accent2">
-                                          <a:lumMod val="50000"/>
-                                        </a:schemeClr>
-                                      </a:solidFill>
-                                      <a:latin typeface="Cambria Math" panose="02040503050406030204" pitchFamily="18" charset="0"/>
-                                      <a:ea typeface="Roboto Condensed" panose="02000000000000000000" pitchFamily="2" charset="0"/>
-                                    </a:rPr>
-                                    <m:t>𝑚</m:t>
-                                  </m:r>
-                                </m:e>
-                                <m:sub>
-                                  <m:r>
-                                    <a:rPr lang="en-US" b="0" i="1" dirty="0" smtClean="0">
-                                      <a:solidFill>
-                                        <a:schemeClr val="accent2">
-                                          <a:lumMod val="50000"/>
-                                        </a:schemeClr>
-                                      </a:solidFill>
-                                      <a:latin typeface="Cambria Math" panose="02040503050406030204" pitchFamily="18" charset="0"/>
-                                      <a:ea typeface="Roboto Condensed" panose="02000000000000000000" pitchFamily="2" charset="0"/>
-                                    </a:rPr>
-                                    <m:t>𝑥</m:t>
-                                  </m:r>
-                                </m:sub>
-                              </m:sSub>
                               <m:r>
-                                <a:rPr lang="en-US" b="0" i="1" dirty="0" smtClean="0">
+                                <a:rPr lang="en-US" sz="1200" b="0" i="1" dirty="0" smtClean="0">
+                                  <a:solidFill>
+                                    <a:schemeClr val="accent2">
+                                      <a:lumMod val="50000"/>
+                                    </a:schemeClr>
+                                  </a:solidFill>
+                                  <a:latin typeface="Cambria Math" panose="02040503050406030204" pitchFamily="18" charset="0"/>
+                                  <a:ea typeface="Roboto Condensed" panose="02000000000000000000" pitchFamily="2" charset="0"/>
+                                </a:rPr>
+                                <m:t>ℝ</m:t>
+                              </m:r>
+                              <m:r>
+                                <a:rPr lang="en-US" sz="1200" b="0" i="1" dirty="0" smtClean="0">
                                   <a:solidFill>
                                     <a:schemeClr val="accent2">
                                       <a:lumMod val="50000"/>
@@ -8626,51 +8309,20 @@
                                 </a:rPr>
                                 <m:t>,</m:t>
                               </m:r>
-                              <m:sSub>
-                                <m:sSubPr>
-                                  <m:ctrlPr>
-                                    <a:rPr lang="en-US" i="1" dirty="0" smtClean="0">
-                                      <a:solidFill>
-                                        <a:schemeClr val="accent2">
-                                          <a:lumMod val="50000"/>
-                                        </a:schemeClr>
-                                      </a:solidFill>
-                                      <a:latin typeface="Cambria Math" panose="02040503050406030204" pitchFamily="18" charset="0"/>
-                                      <a:ea typeface="Roboto Condensed" panose="02000000000000000000" pitchFamily="2" charset="0"/>
-                                    </a:rPr>
-                                  </m:ctrlPr>
-                                </m:sSubPr>
-                                <m:e>
-                                  <m:r>
-                                    <a:rPr lang="en-US" b="0" i="1" dirty="0" smtClean="0">
-                                      <a:solidFill>
-                                        <a:schemeClr val="accent2">
-                                          <a:lumMod val="50000"/>
-                                        </a:schemeClr>
-                                      </a:solidFill>
-                                      <a:latin typeface="Cambria Math" panose="02040503050406030204" pitchFamily="18" charset="0"/>
-                                      <a:ea typeface="Roboto Condensed" panose="02000000000000000000" pitchFamily="2" charset="0"/>
-                                    </a:rPr>
-                                    <m:t>𝑚</m:t>
-                                  </m:r>
-                                </m:e>
-                                <m:sub>
-                                  <m:r>
-                                    <a:rPr lang="en-US" b="0" i="1" dirty="0" smtClean="0">
-                                      <a:solidFill>
-                                        <a:schemeClr val="accent2">
-                                          <a:lumMod val="50000"/>
-                                        </a:schemeClr>
-                                      </a:solidFill>
-                                      <a:latin typeface="Cambria Math" panose="02040503050406030204" pitchFamily="18" charset="0"/>
-                                      <a:ea typeface="Roboto Condensed" panose="02000000000000000000" pitchFamily="2" charset="0"/>
-                                    </a:rPr>
-                                    <m:t>𝑦</m:t>
-                                  </m:r>
-                                </m:sub>
-                              </m:sSub>
                               <m:r>
-                                <a:rPr lang="en-US" b="0" i="1" dirty="0" smtClean="0">
+                                <a:rPr lang="en-US" sz="1200" b="0" i="1" dirty="0" smtClean="0">
+                                  <a:solidFill>
+                                    <a:schemeClr val="accent2">
+                                      <a:lumMod val="50000"/>
+                                    </a:schemeClr>
+                                  </a:solidFill>
+                                  <a:latin typeface="Cambria Math" panose="02040503050406030204" pitchFamily="18" charset="0"/>
+                                  <a:ea typeface="Roboto Condensed" panose="02000000000000000000" pitchFamily="2" charset="0"/>
+                                </a:rPr>
+                                <m:t>ℝ</m:t>
+                              </m:r>
+                              <m:r>
+                                <a:rPr lang="en-US" sz="1200" b="0" i="1" dirty="0" smtClean="0">
                                   <a:solidFill>
                                     <a:schemeClr val="accent2">
                                       <a:lumMod val="50000"/>
@@ -8681,53 +8333,22 @@
                                 </a:rPr>
                                 <m:t>,</m:t>
                               </m:r>
-                              <m:sSub>
-                                <m:sSubPr>
-                                  <m:ctrlPr>
-                                    <a:rPr lang="en-US" i="1" dirty="0" smtClean="0">
-                                      <a:solidFill>
-                                        <a:schemeClr val="accent2">
-                                          <a:lumMod val="50000"/>
-                                        </a:schemeClr>
-                                      </a:solidFill>
-                                      <a:latin typeface="Cambria Math" panose="02040503050406030204" pitchFamily="18" charset="0"/>
-                                      <a:ea typeface="Roboto Condensed" panose="02000000000000000000" pitchFamily="2" charset="0"/>
-                                    </a:rPr>
-                                  </m:ctrlPr>
-                                </m:sSubPr>
-                                <m:e>
-                                  <m:r>
-                                    <a:rPr lang="en-US" b="0" i="1" dirty="0" smtClean="0">
-                                      <a:solidFill>
-                                        <a:schemeClr val="accent2">
-                                          <a:lumMod val="50000"/>
-                                        </a:schemeClr>
-                                      </a:solidFill>
-                                      <a:latin typeface="Cambria Math" panose="02040503050406030204" pitchFamily="18" charset="0"/>
-                                      <a:ea typeface="Roboto Condensed" panose="02000000000000000000" pitchFamily="2" charset="0"/>
-                                    </a:rPr>
-                                    <m:t>𝑚</m:t>
-                                  </m:r>
-                                </m:e>
-                                <m:sub>
-                                  <m:r>
-                                    <a:rPr lang="en-US" b="0" i="1" dirty="0" smtClean="0">
-                                      <a:solidFill>
-                                        <a:schemeClr val="accent2">
-                                          <a:lumMod val="50000"/>
-                                        </a:schemeClr>
-                                      </a:solidFill>
-                                      <a:latin typeface="Cambria Math" panose="02040503050406030204" pitchFamily="18" charset="0"/>
-                                      <a:ea typeface="Roboto Condensed" panose="02000000000000000000" pitchFamily="2" charset="0"/>
-                                    </a:rPr>
-                                    <m:t>𝑧</m:t>
-                                  </m:r>
-                                </m:sub>
-                              </m:sSub>
+                              <m:r>
+                                <a:rPr lang="en-US" sz="1200" b="0" i="1" dirty="0" smtClean="0">
+                                  <a:solidFill>
+                                    <a:schemeClr val="accent2">
+                                      <a:lumMod val="50000"/>
+                                    </a:schemeClr>
+                                  </a:solidFill>
+                                  <a:latin typeface="Cambria Math" panose="02040503050406030204" pitchFamily="18" charset="0"/>
+                                  <a:ea typeface="Roboto Condensed" panose="02000000000000000000" pitchFamily="2" charset="0"/>
+                                </a:rPr>
+                                <m:t>ℝ</m:t>
+                              </m:r>
                             </m:oMath>
                           </a14:m>
                           <a:r>
-                            <a:rPr lang="en-US" dirty="0">
+                            <a:rPr lang="en-US" sz="1200" dirty="0">
                               <a:solidFill>
                                 <a:schemeClr val="accent2">
                                   <a:lumMod val="50000"/>
@@ -8740,63 +8361,20 @@
                           </a:r>
                           <a14:m>
                             <m:oMath xmlns:m="http://schemas.openxmlformats.org/officeDocument/2006/math">
-                              <m:sSub>
-                                <m:sSubPr>
-                                  <m:ctrlPr>
-                                    <a:rPr lang="en-US" i="1" dirty="0" smtClean="0">
-                                      <a:solidFill>
-                                        <a:schemeClr val="accent2">
-                                          <a:lumMod val="50000"/>
-                                        </a:schemeClr>
-                                      </a:solidFill>
-                                      <a:latin typeface="Cambria Math" panose="02040503050406030204" pitchFamily="18" charset="0"/>
-                                      <a:ea typeface="Roboto Condensed" panose="02000000000000000000" pitchFamily="2" charset="0"/>
-                                    </a:rPr>
-                                  </m:ctrlPr>
-                                </m:sSubPr>
-                                <m:e>
-                                  <m:r>
-                                    <a:rPr lang="en-US" b="0" i="1" dirty="0" smtClean="0">
-                                      <a:solidFill>
-                                        <a:schemeClr val="accent2">
-                                          <a:lumMod val="50000"/>
-                                        </a:schemeClr>
-                                      </a:solidFill>
-                                      <a:latin typeface="Cambria Math" panose="02040503050406030204" pitchFamily="18" charset="0"/>
-                                      <a:ea typeface="Roboto Condensed" panose="02000000000000000000" pitchFamily="2" charset="0"/>
-                                    </a:rPr>
-                                    <m:t>𝛻</m:t>
-                                  </m:r>
-                                  <m:r>
-                                    <a:rPr lang="en-US" b="0" i="1" dirty="0" smtClean="0">
-                                      <a:solidFill>
-                                        <a:schemeClr val="accent2">
-                                          <a:lumMod val="50000"/>
-                                        </a:schemeClr>
-                                      </a:solidFill>
-                                      <a:latin typeface="Cambria Math" panose="02040503050406030204" pitchFamily="18" charset="0"/>
-                                      <a:ea typeface="Roboto Condensed" panose="02000000000000000000" pitchFamily="2" charset="0"/>
-                                    </a:rPr>
-                                    <m:t>𝐵</m:t>
-                                  </m:r>
-                                </m:e>
-                                <m:sub>
-                                  <m:r>
-                                    <a:rPr lang="en-US" b="0" i="1" dirty="0" smtClean="0">
-                                      <a:solidFill>
-                                        <a:schemeClr val="accent2">
-                                          <a:lumMod val="50000"/>
-                                        </a:schemeClr>
-                                      </a:solidFill>
-                                      <a:latin typeface="Cambria Math" panose="02040503050406030204" pitchFamily="18" charset="0"/>
-                                      <a:ea typeface="Roboto Condensed" panose="02000000000000000000" pitchFamily="2" charset="0"/>
-                                    </a:rPr>
-                                    <m:t>𝑥</m:t>
-                                  </m:r>
-                                </m:sub>
-                              </m:sSub>
                               <m:r>
-                                <a:rPr lang="en-US" b="0" i="1" dirty="0" smtClean="0">
+                                <a:rPr lang="en-US" sz="1200" b="0" i="1" dirty="0" smtClean="0">
+                                  <a:solidFill>
+                                    <a:schemeClr val="accent2">
+                                      <a:lumMod val="50000"/>
+                                    </a:schemeClr>
+                                  </a:solidFill>
+                                  <a:latin typeface="Cambria Math" panose="02040503050406030204" pitchFamily="18" charset="0"/>
+                                  <a:ea typeface="Roboto Condensed" panose="02000000000000000000" pitchFamily="2" charset="0"/>
+                                </a:rPr>
+                                <m:t>ℝ</m:t>
+                              </m:r>
+                              <m:r>
+                                <a:rPr lang="en-US" sz="1200" b="0" i="1" dirty="0" smtClean="0">
                                   <a:solidFill>
                                     <a:schemeClr val="accent2">
                                       <a:lumMod val="50000"/>
@@ -8807,63 +8385,20 @@
                                 </a:rPr>
                                 <m:t>,</m:t>
                               </m:r>
-                              <m:sSub>
-                                <m:sSubPr>
-                                  <m:ctrlPr>
-                                    <a:rPr lang="en-US" i="1" dirty="0" smtClean="0">
-                                      <a:solidFill>
-                                        <a:schemeClr val="accent2">
-                                          <a:lumMod val="50000"/>
-                                        </a:schemeClr>
-                                      </a:solidFill>
-                                      <a:latin typeface="Cambria Math" panose="02040503050406030204" pitchFamily="18" charset="0"/>
-                                      <a:ea typeface="Roboto Condensed" panose="02000000000000000000" pitchFamily="2" charset="0"/>
-                                    </a:rPr>
-                                  </m:ctrlPr>
-                                </m:sSubPr>
-                                <m:e>
-                                  <m:r>
-                                    <a:rPr lang="en-US" b="0" i="1" dirty="0" smtClean="0">
-                                      <a:solidFill>
-                                        <a:schemeClr val="accent2">
-                                          <a:lumMod val="50000"/>
-                                        </a:schemeClr>
-                                      </a:solidFill>
-                                      <a:latin typeface="Cambria Math" panose="02040503050406030204" pitchFamily="18" charset="0"/>
-                                      <a:ea typeface="Roboto Condensed" panose="02000000000000000000" pitchFamily="2" charset="0"/>
-                                    </a:rPr>
-                                    <m:t>𝛻</m:t>
-                                  </m:r>
-                                  <m:r>
-                                    <a:rPr lang="en-US" b="0" i="1" dirty="0" smtClean="0">
-                                      <a:solidFill>
-                                        <a:schemeClr val="accent2">
-                                          <a:lumMod val="50000"/>
-                                        </a:schemeClr>
-                                      </a:solidFill>
-                                      <a:latin typeface="Cambria Math" panose="02040503050406030204" pitchFamily="18" charset="0"/>
-                                      <a:ea typeface="Roboto Condensed" panose="02000000000000000000" pitchFamily="2" charset="0"/>
-                                    </a:rPr>
-                                    <m:t>𝐵</m:t>
-                                  </m:r>
-                                </m:e>
-                                <m:sub>
-                                  <m:r>
-                                    <a:rPr lang="en-US" b="0" i="1" dirty="0" smtClean="0">
-                                      <a:solidFill>
-                                        <a:schemeClr val="accent2">
-                                          <a:lumMod val="50000"/>
-                                        </a:schemeClr>
-                                      </a:solidFill>
-                                      <a:latin typeface="Cambria Math" panose="02040503050406030204" pitchFamily="18" charset="0"/>
-                                      <a:ea typeface="Roboto Condensed" panose="02000000000000000000" pitchFamily="2" charset="0"/>
-                                    </a:rPr>
-                                    <m:t>𝑦</m:t>
-                                  </m:r>
-                                </m:sub>
-                              </m:sSub>
                               <m:r>
-                                <a:rPr lang="en-US" b="0" i="1" dirty="0" smtClean="0">
+                                <a:rPr lang="en-US" sz="1200" b="0" i="1" dirty="0" smtClean="0">
+                                  <a:solidFill>
+                                    <a:schemeClr val="accent2">
+                                      <a:lumMod val="50000"/>
+                                    </a:schemeClr>
+                                  </a:solidFill>
+                                  <a:latin typeface="Cambria Math" panose="02040503050406030204" pitchFamily="18" charset="0"/>
+                                  <a:ea typeface="Roboto Condensed" panose="02000000000000000000" pitchFamily="2" charset="0"/>
+                                </a:rPr>
+                                <m:t>ℝ</m:t>
+                              </m:r>
+                              <m:r>
+                                <a:rPr lang="en-US" sz="1200" b="0" i="1" dirty="0" smtClean="0">
                                   <a:solidFill>
                                     <a:schemeClr val="accent2">
                                       <a:lumMod val="50000"/>
@@ -8874,65 +8409,22 @@
                                 </a:rPr>
                                 <m:t>,</m:t>
                               </m:r>
-                              <m:sSub>
-                                <m:sSubPr>
-                                  <m:ctrlPr>
-                                    <a:rPr lang="en-US" i="1" dirty="0" smtClean="0">
-                                      <a:solidFill>
-                                        <a:schemeClr val="accent2">
-                                          <a:lumMod val="50000"/>
-                                        </a:schemeClr>
-                                      </a:solidFill>
-                                      <a:latin typeface="Cambria Math" panose="02040503050406030204" pitchFamily="18" charset="0"/>
-                                      <a:ea typeface="Roboto Condensed" panose="02000000000000000000" pitchFamily="2" charset="0"/>
-                                    </a:rPr>
-                                  </m:ctrlPr>
-                                </m:sSubPr>
-                                <m:e>
-                                  <m:r>
-                                    <a:rPr lang="en-US" b="0" i="1" dirty="0" smtClean="0">
-                                      <a:solidFill>
-                                        <a:schemeClr val="accent2">
-                                          <a:lumMod val="50000"/>
-                                        </a:schemeClr>
-                                      </a:solidFill>
-                                      <a:latin typeface="Cambria Math" panose="02040503050406030204" pitchFamily="18" charset="0"/>
-                                      <a:ea typeface="Roboto Condensed" panose="02000000000000000000" pitchFamily="2" charset="0"/>
-                                    </a:rPr>
-                                    <m:t>𝛻</m:t>
-                                  </m:r>
-                                  <m:r>
-                                    <a:rPr lang="en-US" b="0" i="1" dirty="0" smtClean="0">
-                                      <a:solidFill>
-                                        <a:schemeClr val="accent2">
-                                          <a:lumMod val="50000"/>
-                                        </a:schemeClr>
-                                      </a:solidFill>
-                                      <a:latin typeface="Cambria Math" panose="02040503050406030204" pitchFamily="18" charset="0"/>
-                                      <a:ea typeface="Roboto Condensed" panose="02000000000000000000" pitchFamily="2" charset="0"/>
-                                    </a:rPr>
-                                    <m:t>𝐵</m:t>
-                                  </m:r>
-                                </m:e>
-                                <m:sub>
-                                  <m:r>
-                                    <a:rPr lang="en-US" b="0" i="1" dirty="0" smtClean="0">
-                                      <a:solidFill>
-                                        <a:schemeClr val="accent2">
-                                          <a:lumMod val="50000"/>
-                                        </a:schemeClr>
-                                      </a:solidFill>
-                                      <a:latin typeface="Cambria Math" panose="02040503050406030204" pitchFamily="18" charset="0"/>
-                                      <a:ea typeface="Roboto Condensed" panose="02000000000000000000" pitchFamily="2" charset="0"/>
-                                    </a:rPr>
-                                    <m:t>𝑧</m:t>
-                                  </m:r>
-                                </m:sub>
-                              </m:sSub>
+                              <m:r>
+                                <a:rPr lang="en-US" sz="1200" b="0" i="1" dirty="0" smtClean="0">
+                                  <a:solidFill>
+                                    <a:schemeClr val="accent2">
+                                      <a:lumMod val="50000"/>
+                                    </a:schemeClr>
+                                  </a:solidFill>
+                                  <a:latin typeface="Cambria Math" panose="02040503050406030204" pitchFamily="18" charset="0"/>
+                                  <a:ea typeface="Roboto Condensed" panose="02000000000000000000" pitchFamily="2" charset="0"/>
+                                </a:rPr>
+                                <m:t>ℝ</m:t>
+                              </m:r>
                             </m:oMath>
                           </a14:m>
                           <a:r>
-                            <a:rPr lang="en-US" dirty="0">
+                            <a:rPr lang="en-US" sz="1200" dirty="0">
                               <a:solidFill>
                                 <a:schemeClr val="accent2">
                                   <a:lumMod val="50000"/>
@@ -8960,7 +8452,7 @@
                               </m:oMathParaPr>
                               <m:oMath xmlns:m="http://schemas.openxmlformats.org/officeDocument/2006/math">
                                 <m:r>
-                                  <a:rPr lang="en-US" b="0" i="1" smtClean="0">
+                                  <a:rPr lang="en-US" sz="1200" b="0" i="1" smtClean="0">
                                     <a:solidFill>
                                       <a:schemeClr val="accent2">
                                         <a:lumMod val="50000"/>
@@ -8971,51 +8463,20 @@
                                   </a:rPr>
                                   <m:t>[</m:t>
                                 </m:r>
-                                <m:sSub>
-                                  <m:sSubPr>
-                                    <m:ctrlPr>
-                                      <a:rPr lang="en-US" i="1" smtClean="0">
-                                        <a:solidFill>
-                                          <a:schemeClr val="accent2">
-                                            <a:lumMod val="50000"/>
-                                          </a:schemeClr>
-                                        </a:solidFill>
-                                        <a:latin typeface="Cambria Math" panose="02040503050406030204" pitchFamily="18" charset="0"/>
-                                        <a:ea typeface="Roboto Condensed" panose="02000000000000000000" pitchFamily="2" charset="0"/>
-                                      </a:rPr>
-                                    </m:ctrlPr>
-                                  </m:sSubPr>
-                                  <m:e>
-                                    <m:r>
-                                      <a:rPr lang="en-US" b="0" i="1" smtClean="0">
-                                        <a:solidFill>
-                                          <a:schemeClr val="accent2">
-                                            <a:lumMod val="50000"/>
-                                          </a:schemeClr>
-                                        </a:solidFill>
-                                        <a:latin typeface="Cambria Math" panose="02040503050406030204" pitchFamily="18" charset="0"/>
-                                        <a:ea typeface="Roboto Condensed" panose="02000000000000000000" pitchFamily="2" charset="0"/>
-                                      </a:rPr>
-                                      <m:t>𝐹</m:t>
-                                    </m:r>
-                                  </m:e>
-                                  <m:sub>
-                                    <m:r>
-                                      <a:rPr lang="en-US" b="0" i="1" smtClean="0">
-                                        <a:solidFill>
-                                          <a:schemeClr val="accent2">
-                                            <a:lumMod val="50000"/>
-                                          </a:schemeClr>
-                                        </a:solidFill>
-                                        <a:latin typeface="Cambria Math" panose="02040503050406030204" pitchFamily="18" charset="0"/>
-                                        <a:ea typeface="Roboto Condensed" panose="02000000000000000000" pitchFamily="2" charset="0"/>
-                                      </a:rPr>
-                                      <m:t>𝑥</m:t>
-                                    </m:r>
-                                  </m:sub>
-                                </m:sSub>
                                 <m:r>
-                                  <a:rPr lang="en-US" b="0" i="1" smtClean="0">
+                                  <a:rPr lang="en-US" sz="1200" b="0" i="1" dirty="0" smtClean="0">
+                                    <a:solidFill>
+                                      <a:schemeClr val="accent2">
+                                        <a:lumMod val="50000"/>
+                                      </a:schemeClr>
+                                    </a:solidFill>
+                                    <a:latin typeface="Cambria Math" panose="02040503050406030204" pitchFamily="18" charset="0"/>
+                                    <a:ea typeface="Roboto Condensed" panose="02000000000000000000" pitchFamily="2" charset="0"/>
+                                  </a:rPr>
+                                  <m:t>ℝ</m:t>
+                                </m:r>
+                                <m:r>
+                                  <a:rPr lang="en-US" sz="1200" b="0" i="1" smtClean="0">
                                     <a:solidFill>
                                       <a:schemeClr val="accent2">
                                         <a:lumMod val="50000"/>
@@ -9026,51 +8487,20 @@
                                   </a:rPr>
                                   <m:t>,</m:t>
                                 </m:r>
-                                <m:sSub>
-                                  <m:sSubPr>
-                                    <m:ctrlPr>
-                                      <a:rPr lang="en-US" i="1" smtClean="0">
-                                        <a:solidFill>
-                                          <a:schemeClr val="accent2">
-                                            <a:lumMod val="50000"/>
-                                          </a:schemeClr>
-                                        </a:solidFill>
-                                        <a:latin typeface="Cambria Math" panose="02040503050406030204" pitchFamily="18" charset="0"/>
-                                        <a:ea typeface="Roboto Condensed" panose="02000000000000000000" pitchFamily="2" charset="0"/>
-                                      </a:rPr>
-                                    </m:ctrlPr>
-                                  </m:sSubPr>
-                                  <m:e>
-                                    <m:r>
-                                      <a:rPr lang="en-US" b="0" i="1" smtClean="0">
-                                        <a:solidFill>
-                                          <a:schemeClr val="accent2">
-                                            <a:lumMod val="50000"/>
-                                          </a:schemeClr>
-                                        </a:solidFill>
-                                        <a:latin typeface="Cambria Math" panose="02040503050406030204" pitchFamily="18" charset="0"/>
-                                        <a:ea typeface="Cambria Math" panose="02040503050406030204" pitchFamily="18" charset="0"/>
-                                      </a:rPr>
-                                      <m:t>𝐹</m:t>
-                                    </m:r>
-                                  </m:e>
-                                  <m:sub>
-                                    <m:r>
-                                      <a:rPr lang="en-US" b="0" i="1" smtClean="0">
-                                        <a:solidFill>
-                                          <a:schemeClr val="accent2">
-                                            <a:lumMod val="50000"/>
-                                          </a:schemeClr>
-                                        </a:solidFill>
-                                        <a:latin typeface="Cambria Math" panose="02040503050406030204" pitchFamily="18" charset="0"/>
-                                        <a:ea typeface="Cambria Math" panose="02040503050406030204" pitchFamily="18" charset="0"/>
-                                      </a:rPr>
-                                      <m:t>𝑦</m:t>
-                                    </m:r>
-                                  </m:sub>
-                                </m:sSub>
                                 <m:r>
-                                  <a:rPr lang="en-US" b="0" i="1" smtClean="0">
+                                  <a:rPr lang="en-US" sz="1200" b="0" i="1" dirty="0" smtClean="0">
+                                    <a:solidFill>
+                                      <a:schemeClr val="accent2">
+                                        <a:lumMod val="50000"/>
+                                      </a:schemeClr>
+                                    </a:solidFill>
+                                    <a:latin typeface="Cambria Math" panose="02040503050406030204" pitchFamily="18" charset="0"/>
+                                    <a:ea typeface="Roboto Condensed" panose="02000000000000000000" pitchFamily="2" charset="0"/>
+                                  </a:rPr>
+                                  <m:t>ℝ</m:t>
+                                </m:r>
+                                <m:r>
+                                  <a:rPr lang="en-US" sz="1200" b="0" i="1" smtClean="0">
                                     <a:solidFill>
                                       <a:schemeClr val="accent2">
                                         <a:lumMod val="50000"/>
@@ -9081,51 +8511,20 @@
                                   </a:rPr>
                                   <m:t>,</m:t>
                                 </m:r>
-                                <m:sSub>
-                                  <m:sSubPr>
-                                    <m:ctrlPr>
-                                      <a:rPr lang="en-US" i="1" smtClean="0">
-                                        <a:solidFill>
-                                          <a:schemeClr val="accent2">
-                                            <a:lumMod val="50000"/>
-                                          </a:schemeClr>
-                                        </a:solidFill>
-                                        <a:latin typeface="Cambria Math" panose="02040503050406030204" pitchFamily="18" charset="0"/>
-                                        <a:ea typeface="Roboto Condensed" panose="02000000000000000000" pitchFamily="2" charset="0"/>
-                                      </a:rPr>
-                                    </m:ctrlPr>
-                                  </m:sSubPr>
-                                  <m:e>
-                                    <m:r>
-                                      <a:rPr lang="en-US" b="0" i="1" smtClean="0">
-                                        <a:solidFill>
-                                          <a:schemeClr val="accent2">
-                                            <a:lumMod val="50000"/>
-                                          </a:schemeClr>
-                                        </a:solidFill>
-                                        <a:latin typeface="Cambria Math" panose="02040503050406030204" pitchFamily="18" charset="0"/>
-                                        <a:ea typeface="Cambria Math" panose="02040503050406030204" pitchFamily="18" charset="0"/>
-                                      </a:rPr>
-                                      <m:t>𝐹</m:t>
-                                    </m:r>
-                                  </m:e>
-                                  <m:sub>
-                                    <m:r>
-                                      <a:rPr lang="en-US" b="0" i="1" smtClean="0">
-                                        <a:solidFill>
-                                          <a:schemeClr val="accent2">
-                                            <a:lumMod val="50000"/>
-                                          </a:schemeClr>
-                                        </a:solidFill>
-                                        <a:latin typeface="Cambria Math" panose="02040503050406030204" pitchFamily="18" charset="0"/>
-                                        <a:ea typeface="Cambria Math" panose="02040503050406030204" pitchFamily="18" charset="0"/>
-                                      </a:rPr>
-                                      <m:t>𝑧</m:t>
-                                    </m:r>
-                                  </m:sub>
-                                </m:sSub>
                                 <m:r>
-                                  <a:rPr lang="en-US" b="0" i="1" smtClean="0">
+                                  <a:rPr lang="en-US" sz="1200" b="0" i="1" dirty="0" smtClean="0">
+                                    <a:solidFill>
+                                      <a:schemeClr val="accent2">
+                                        <a:lumMod val="50000"/>
+                                      </a:schemeClr>
+                                    </a:solidFill>
+                                    <a:latin typeface="Cambria Math" panose="02040503050406030204" pitchFamily="18" charset="0"/>
+                                    <a:ea typeface="Roboto Condensed" panose="02000000000000000000" pitchFamily="2" charset="0"/>
+                                  </a:rPr>
+                                  <m:t>ℝ</m:t>
+                                </m:r>
+                                <m:r>
+                                  <a:rPr lang="en-US" sz="1200" b="0" i="1" smtClean="0">
                                     <a:solidFill>
                                       <a:schemeClr val="accent2">
                                         <a:lumMod val="50000"/>
@@ -9139,7 +8538,7 @@
                               </m:oMath>
                             </m:oMathPara>
                           </a14:m>
-                          <a:endParaRPr lang="en-US" dirty="0">
+                          <a:endParaRPr lang="en-US" sz="1200" dirty="0">
                             <a:solidFill>
                               <a:schemeClr val="accent2">
                                 <a:lumMod val="50000"/>
@@ -9158,7 +8557,7 @@
                       </a:ext>
                     </a:extLst>
                   </a:tr>
-                  <a:tr h="366851">
+                  <a:tr h="242497">
                     <a:tc>
                       <a:txBody>
                         <a:bodyPr/>
@@ -9166,7 +8565,7 @@
                         <a:p>
                           <a:pPr algn="ctr"/>
                           <a:r>
-                            <a:rPr lang="en-US" dirty="0" err="1">
+                            <a:rPr lang="en-US" sz="1200" dirty="0" err="1">
                               <a:solidFill>
                                 <a:schemeClr val="accent2">
                                   <a:lumMod val="50000"/>
@@ -9177,7 +8576,7 @@
                             </a:rPr>
                             <a:t>calculate_B_diff</a:t>
                           </a:r>
-                          <a:endParaRPr lang="en-US" dirty="0">
+                          <a:endParaRPr lang="en-US" sz="1200" dirty="0">
                             <a:solidFill>
                               <a:schemeClr val="accent2">
                                 <a:lumMod val="50000"/>
@@ -9215,7 +8614,7 @@
                             <a:defRPr/>
                           </a:pPr>
                           <a:r>
-                            <a:rPr lang="en-US" dirty="0" err="1">
+                            <a:rPr lang="en-US" sz="1200" dirty="0" err="1">
                               <a:solidFill>
                                 <a:schemeClr val="accent2">
                                   <a:lumMod val="50000"/>
@@ -9226,35 +8625,7 @@
                             </a:rPr>
                             <a:t>CoilT</a:t>
                           </a:r>
-                          <a:r>
-                            <a:rPr lang="en-US" dirty="0">
-                              <a:solidFill>
-                                <a:schemeClr val="accent2">
-                                  <a:lumMod val="50000"/>
-                                </a:schemeClr>
-                              </a:solidFill>
-                              <a:latin typeface="Roboto Condensed" panose="02000000000000000000" pitchFamily="2" charset="0"/>
-                              <a:ea typeface="Roboto Condensed" panose="02000000000000000000" pitchFamily="2" charset="0"/>
-                            </a:rPr>
-                            <a:t>, </a:t>
-                          </a:r>
-                          <a14:m>
-                            <m:oMath xmlns:m="http://schemas.openxmlformats.org/officeDocument/2006/math">
-                              <m:r>
-                                <a:rPr lang="en-US" b="0" i="1" dirty="0" smtClean="0">
-                                  <a:solidFill>
-                                    <a:schemeClr val="accent2">
-                                      <a:lumMod val="50000"/>
-                                    </a:schemeClr>
-                                  </a:solidFill>
-                                  <a:latin typeface="Cambria Math" panose="02040503050406030204" pitchFamily="18" charset="0"/>
-                                  <a:ea typeface="Roboto Condensed" panose="02000000000000000000" pitchFamily="2" charset="0"/>
-                                </a:rPr>
-                                <m:t>𝐵</m:t>
-                              </m:r>
-                            </m:oMath>
-                          </a14:m>
-                          <a:endParaRPr lang="en-US" dirty="0">
+                          <a:endParaRPr lang="en-US" sz="1200" dirty="0">
                             <a:solidFill>
                               <a:schemeClr val="accent2">
                                 <a:lumMod val="50000"/>
@@ -9274,47 +8645,112 @@
                         <a:p>
                           <a:pPr algn="ctr"/>
                           <a14:m>
-                            <m:oMathPara xmlns:m="http://schemas.openxmlformats.org/officeDocument/2006/math">
-                              <m:oMathParaPr>
-                                <m:jc m:val="centerGroup"/>
-                              </m:oMathParaPr>
-                              <m:oMath xmlns:m="http://schemas.openxmlformats.org/officeDocument/2006/math">
-                                <m:r>
-                                  <a:rPr lang="en-US" b="0" i="1" dirty="0" smtClean="0">
-                                    <a:solidFill>
-                                      <a:schemeClr val="accent2">
-                                        <a:lumMod val="50000"/>
-                                      </a:schemeClr>
-                                    </a:solidFill>
-                                    <a:latin typeface="Cambria Math" panose="02040503050406030204" pitchFamily="18" charset="0"/>
-                                    <a:ea typeface="Roboto Condensed" panose="02000000000000000000" pitchFamily="2" charset="0"/>
-                                  </a:rPr>
-                                  <m:t>𝛻</m:t>
-                                </m:r>
-                                <m:r>
-                                  <a:rPr lang="en-US" b="0" i="1" dirty="0" smtClean="0">
-                                    <a:solidFill>
-                                      <a:schemeClr val="accent2">
-                                        <a:lumMod val="50000"/>
-                                      </a:schemeClr>
-                                    </a:solidFill>
-                                    <a:latin typeface="Cambria Math" panose="02040503050406030204" pitchFamily="18" charset="0"/>
-                                    <a:ea typeface="Roboto Condensed" panose="02000000000000000000" pitchFamily="2" charset="0"/>
-                                  </a:rPr>
-                                  <m:t>𝐵</m:t>
-                                </m:r>
-                              </m:oMath>
-                            </m:oMathPara>
+                            <m:oMath xmlns:m="http://schemas.openxmlformats.org/officeDocument/2006/math">
+                              <m:r>
+                                <a:rPr lang="en-US" sz="1200" b="0" i="1" dirty="0" smtClean="0">
+                                  <a:solidFill>
+                                    <a:schemeClr val="accent2">
+                                      <a:lumMod val="50000"/>
+                                    </a:schemeClr>
+                                  </a:solidFill>
+                                  <a:latin typeface="Cambria Math" panose="02040503050406030204" pitchFamily="18" charset="0"/>
+                                  <a:ea typeface="Roboto Condensed" panose="02000000000000000000" pitchFamily="2" charset="0"/>
+                                </a:rPr>
+                                <m:t>[</m:t>
+                              </m:r>
+                              <m:r>
+                                <a:rPr lang="en-US" sz="1200" b="0" i="1" dirty="0" smtClean="0">
+                                  <a:solidFill>
+                                    <a:schemeClr val="accent2">
+                                      <a:lumMod val="50000"/>
+                                    </a:schemeClr>
+                                  </a:solidFill>
+                                  <a:latin typeface="Cambria Math" panose="02040503050406030204" pitchFamily="18" charset="0"/>
+                                  <a:ea typeface="Roboto Condensed" panose="02000000000000000000" pitchFamily="2" charset="0"/>
+                                </a:rPr>
+                                <m:t>ℝ</m:t>
+                              </m:r>
+                            </m:oMath>
                           </a14:m>
-                          <a:endParaRPr lang="en-US" dirty="0">
-                            <a:solidFill>
-                              <a:schemeClr val="accent2">
-                                <a:lumMod val="50000"/>
-                              </a:schemeClr>
-                            </a:solidFill>
-                            <a:latin typeface="Roboto Condensed" panose="02000000000000000000" pitchFamily="2" charset="0"/>
-                            <a:ea typeface="Roboto Condensed" panose="02000000000000000000" pitchFamily="2" charset="0"/>
-                          </a:endParaRPr>
+                          <a:r>
+                            <a:rPr lang="en-US" sz="1200" dirty="0">
+                              <a:solidFill>
+                                <a:schemeClr val="accent2">
+                                  <a:lumMod val="50000"/>
+                                </a:schemeClr>
+                              </a:solidFill>
+                              <a:latin typeface="Roboto Condensed" panose="02000000000000000000" pitchFamily="2" charset="0"/>
+                              <a:ea typeface="Roboto Condensed" panose="02000000000000000000" pitchFamily="2" charset="0"/>
+                            </a:rPr>
+                            <a:t>, </a:t>
+                          </a:r>
+                          <a14:m>
+                            <m:oMath xmlns:m="http://schemas.openxmlformats.org/officeDocument/2006/math">
+                              <m:r>
+                                <a:rPr lang="en-US" sz="1200" b="0" i="1" dirty="0" smtClean="0">
+                                  <a:solidFill>
+                                    <a:schemeClr val="accent2">
+                                      <a:lumMod val="50000"/>
+                                    </a:schemeClr>
+                                  </a:solidFill>
+                                  <a:latin typeface="Cambria Math" panose="02040503050406030204" pitchFamily="18" charset="0"/>
+                                  <a:ea typeface="Roboto Condensed" panose="02000000000000000000" pitchFamily="2" charset="0"/>
+                                </a:rPr>
+                                <m:t>ℝ</m:t>
+                              </m:r>
+                            </m:oMath>
+                          </a14:m>
+                          <a:r>
+                            <a:rPr lang="en-US" sz="1200" dirty="0">
+                              <a:solidFill>
+                                <a:schemeClr val="accent2">
+                                  <a:lumMod val="50000"/>
+                                </a:schemeClr>
+                              </a:solidFill>
+                              <a:latin typeface="Roboto Condensed" panose="02000000000000000000" pitchFamily="2" charset="0"/>
+                              <a:ea typeface="Roboto Condensed" panose="02000000000000000000" pitchFamily="2" charset="0"/>
+                            </a:rPr>
+                            <a:t>,</a:t>
+                          </a:r>
+                          <a:r>
+                            <a:rPr lang="en-US" sz="1200" b="0" dirty="0">
+                              <a:solidFill>
+                                <a:schemeClr val="accent2">
+                                  <a:lumMod val="50000"/>
+                                </a:schemeClr>
+                              </a:solidFill>
+                              <a:ea typeface="Roboto Condensed" panose="02000000000000000000" pitchFamily="2" charset="0"/>
+                            </a:rPr>
+                            <a:t> </a:t>
+                          </a:r>
+                          <a14:m>
+                            <m:oMath xmlns:m="http://schemas.openxmlformats.org/officeDocument/2006/math">
+                              <m:r>
+                                <a:rPr lang="en-US" sz="1200" b="0" i="1" dirty="0" smtClean="0">
+                                  <a:solidFill>
+                                    <a:schemeClr val="accent2">
+                                      <a:lumMod val="50000"/>
+                                    </a:schemeClr>
+                                  </a:solidFill>
+                                  <a:latin typeface="Cambria Math" panose="02040503050406030204" pitchFamily="18" charset="0"/>
+                                  <a:ea typeface="Roboto Condensed" panose="02000000000000000000" pitchFamily="2" charset="0"/>
+                                </a:rPr>
+                                <m:t>ℝ</m:t>
+                              </m:r>
+                            </m:oMath>
+                          </a14:m>
+                          <a:r>
+                            <a:rPr lang="en-US" sz="1200" dirty="0">
+                              <a:solidFill>
+                                <a:schemeClr val="accent2">
+                                  <a:lumMod val="50000"/>
+                                </a:schemeClr>
+                              </a:solidFill>
+                              <a:latin typeface="Roboto Condensed" panose="02000000000000000000" pitchFamily="2" charset="0"/>
+                              <a:ea typeface="Roboto Condensed" panose="02000000000000000000" pitchFamily="2" charset="0"/>
+                            </a:rPr>
+                            <a:t>]</a:t>
+                          </a:r>
                         </a:p>
                       </a:txBody>
                       <a:tcPr anchor="ctr"/>
@@ -9325,7 +8761,7 @@
                       </a:ext>
                     </a:extLst>
                   </a:tr>
-                  <a:tr h="512587">
+                  <a:tr h="342515">
                     <a:tc>
                       <a:txBody>
                         <a:bodyPr/>
@@ -9333,7 +8769,7 @@
                         <a:p>
                           <a:pPr algn="ctr"/>
                           <a:r>
-                            <a:rPr lang="en-US" dirty="0" err="1">
+                            <a:rPr lang="en-US" sz="1200" dirty="0" err="1">
                               <a:solidFill>
                                 <a:schemeClr val="accent2">
                                   <a:lumMod val="50000"/>
@@ -9344,7 +8780,7 @@
                             </a:rPr>
                             <a:t>calculate_magnetic_field_at_center</a:t>
                           </a:r>
-                          <a:endParaRPr lang="en-US" dirty="0">
+                          <a:endParaRPr lang="en-US" sz="1200" dirty="0">
                             <a:solidFill>
                               <a:schemeClr val="accent2">
                                 <a:lumMod val="50000"/>
@@ -9382,7 +8818,7 @@
                             <a:defRPr/>
                           </a:pPr>
                           <a:r>
-                            <a:rPr lang="en-US" dirty="0">
+                            <a:rPr lang="en-US" sz="1200" dirty="0" err="1">
                               <a:solidFill>
                                 <a:schemeClr val="accent2">
                                   <a:lumMod val="50000"/>
@@ -9391,9 +8827,201 @@
                               <a:latin typeface="Roboto Condensed" panose="02000000000000000000" pitchFamily="2" charset="0"/>
                               <a:ea typeface="Roboto Condensed" panose="02000000000000000000" pitchFamily="2" charset="0"/>
                             </a:rPr>
-                            <a:t>CoilT, bool</a:t>
+                            <a:t>CoilT</a:t>
+                          </a:r>
+                          <a:r>
+                            <a:rPr lang="en-US" sz="1200" dirty="0">
+                              <a:solidFill>
+                                <a:schemeClr val="accent2">
+                                  <a:lumMod val="50000"/>
+                                </a:schemeClr>
+                              </a:solidFill>
+                              <a:latin typeface="Roboto Condensed" panose="02000000000000000000" pitchFamily="2" charset="0"/>
+                              <a:ea typeface="Roboto Condensed" panose="02000000000000000000" pitchFamily="2" charset="0"/>
+                            </a:rPr>
+                            <a:t>, bool</a:t>
                           </a:r>
                         </a:p>
+                      </a:txBody>
+                      <a:tcPr anchor="ctr"/>
+                    </a:tc>
+                    <a:tc>
+                      <a:txBody>
+                        <a:bodyPr/>
+                        <a:lstStyle/>
+                        <a:p>
+                          <a:pPr algn="ctr"/>
+                          <a14:m>
+                            <m:oMathPara xmlns:m="http://schemas.openxmlformats.org/officeDocument/2006/math">
+                              <m:oMathParaPr>
+                                <m:jc m:val="centerGroup"/>
+                              </m:oMathParaPr>
+                              <m:oMath xmlns:m="http://schemas.openxmlformats.org/officeDocument/2006/math">
+                                <m:r>
+                                  <a:rPr lang="en-US" sz="1200" b="0" i="1" dirty="0" smtClean="0">
+                                    <a:solidFill>
+                                      <a:schemeClr val="accent2">
+                                        <a:lumMod val="50000"/>
+                                      </a:schemeClr>
+                                    </a:solidFill>
+                                    <a:latin typeface="Cambria Math" panose="02040503050406030204" pitchFamily="18" charset="0"/>
+                                    <a:ea typeface="Roboto Condensed" panose="02000000000000000000" pitchFamily="2" charset="0"/>
+                                  </a:rPr>
+                                  <m:t>[</m:t>
+                                </m:r>
+                                <m:r>
+                                  <a:rPr lang="en-US" sz="1200" b="0" i="1" dirty="0" smtClean="0">
+                                    <a:solidFill>
+                                      <a:schemeClr val="accent2">
+                                        <a:lumMod val="50000"/>
+                                      </a:schemeClr>
+                                    </a:solidFill>
+                                    <a:latin typeface="Cambria Math" panose="02040503050406030204" pitchFamily="18" charset="0"/>
+                                    <a:ea typeface="Roboto Condensed" panose="02000000000000000000" pitchFamily="2" charset="0"/>
+                                  </a:rPr>
+                                  <m:t>ℝ</m:t>
+                                </m:r>
+                                <m:r>
+                                  <m:rPr>
+                                    <m:nor/>
+                                  </m:rPr>
+                                  <a:rPr lang="en-US" sz="1200" dirty="0">
+                                    <a:solidFill>
+                                      <a:schemeClr val="accent2">
+                                        <a:lumMod val="50000"/>
+                                      </a:schemeClr>
+                                    </a:solidFill>
+                                    <a:latin typeface="Roboto Condensed" panose="02000000000000000000" pitchFamily="2" charset="0"/>
+                                    <a:ea typeface="Roboto Condensed" panose="02000000000000000000" pitchFamily="2" charset="0"/>
+                                  </a:rPr>
+                                  <m:t>, </m:t>
+                                </m:r>
+                                <m:r>
+                                  <a:rPr lang="en-US" sz="1200" b="0" i="1" dirty="0" smtClean="0">
+                                    <a:solidFill>
+                                      <a:schemeClr val="accent2">
+                                        <a:lumMod val="50000"/>
+                                      </a:schemeClr>
+                                    </a:solidFill>
+                                    <a:latin typeface="Cambria Math" panose="02040503050406030204" pitchFamily="18" charset="0"/>
+                                    <a:ea typeface="Roboto Condensed" panose="02000000000000000000" pitchFamily="2" charset="0"/>
+                                  </a:rPr>
+                                  <m:t>ℝ</m:t>
+                                </m:r>
+                                <m:r>
+                                  <m:rPr>
+                                    <m:nor/>
+                                  </m:rPr>
+                                  <a:rPr lang="en-US" sz="1200" dirty="0">
+                                    <a:solidFill>
+                                      <a:schemeClr val="accent2">
+                                        <a:lumMod val="50000"/>
+                                      </a:schemeClr>
+                                    </a:solidFill>
+                                    <a:latin typeface="Roboto Condensed" panose="02000000000000000000" pitchFamily="2" charset="0"/>
+                                    <a:ea typeface="Roboto Condensed" panose="02000000000000000000" pitchFamily="2" charset="0"/>
+                                  </a:rPr>
+                                  <m:t>,</m:t>
+                                </m:r>
+                                <m:r>
+                                  <m:rPr>
+                                    <m:nor/>
+                                  </m:rPr>
+                                  <a:rPr lang="en-US" sz="1200" b="0" dirty="0">
+                                    <a:solidFill>
+                                      <a:schemeClr val="accent2">
+                                        <a:lumMod val="50000"/>
+                                      </a:schemeClr>
+                                    </a:solidFill>
+                                    <a:ea typeface="Roboto Condensed" panose="02000000000000000000" pitchFamily="2" charset="0"/>
+                                  </a:rPr>
+                                  <m:t> </m:t>
+                                </m:r>
+                                <m:r>
+                                  <a:rPr lang="en-US" sz="1200" b="0" i="1" dirty="0" smtClean="0">
+                                    <a:solidFill>
+                                      <a:schemeClr val="accent2">
+                                        <a:lumMod val="50000"/>
+                                      </a:schemeClr>
+                                    </a:solidFill>
+                                    <a:latin typeface="Cambria Math" panose="02040503050406030204" pitchFamily="18" charset="0"/>
+                                    <a:ea typeface="Roboto Condensed" panose="02000000000000000000" pitchFamily="2" charset="0"/>
+                                  </a:rPr>
+                                  <m:t>ℝ</m:t>
+                                </m:r>
+                                <m:r>
+                                  <m:rPr>
+                                    <m:nor/>
+                                  </m:rPr>
+                                  <a:rPr lang="en-US" sz="1200" dirty="0">
+                                    <a:solidFill>
+                                      <a:schemeClr val="accent2">
+                                        <a:lumMod val="50000"/>
+                                      </a:schemeClr>
+                                    </a:solidFill>
+                                    <a:latin typeface="Roboto Condensed" panose="02000000000000000000" pitchFamily="2" charset="0"/>
+                                    <a:ea typeface="Roboto Condensed" panose="02000000000000000000" pitchFamily="2" charset="0"/>
+                                  </a:rPr>
+                                  <m:t>]</m:t>
+                                </m:r>
+                              </m:oMath>
+                            </m:oMathPara>
+                          </a14:m>
+                          <a:endParaRPr lang="en-US" sz="1200" dirty="0">
+                            <a:solidFill>
+                              <a:schemeClr val="accent2">
+                                <a:lumMod val="50000"/>
+                              </a:schemeClr>
+                            </a:solidFill>
+                            <a:latin typeface="Roboto Condensed" panose="02000000000000000000" pitchFamily="2" charset="0"/>
+                            <a:ea typeface="Roboto Condensed" panose="02000000000000000000" pitchFamily="2" charset="0"/>
+                          </a:endParaRPr>
+                        </a:p>
+                      </a:txBody>
+                      <a:tcPr anchor="ctr"/>
+                    </a:tc>
+                    <a:extLst>
+                      <a:ext uri="{0D108BD9-81ED-4DB2-BD59-A6C34878D82A}">
+                        <a16:rowId xmlns:a16="http://schemas.microsoft.com/office/drawing/2014/main" val="1086098234"/>
+                      </a:ext>
+                    </a:extLst>
+                  </a:tr>
+                  <a:tr h="338831">
+                    <a:tc>
+                      <a:txBody>
+                        <a:bodyPr/>
+                        <a:lstStyle/>
+                        <a:p>
+                          <a:pPr algn="ctr"/>
+                          <a:r>
+                            <a:rPr lang="en-US" sz="1200" dirty="0" err="1">
+                              <a:solidFill>
+                                <a:schemeClr val="accent2">
+                                  <a:lumMod val="50000"/>
+                                </a:schemeClr>
+                              </a:solidFill>
+                              <a:latin typeface="Roboto Condensed" panose="02000000000000000000" pitchFamily="2" charset="0"/>
+                              <a:ea typeface="Roboto Condensed" panose="02000000000000000000" pitchFamily="2" charset="0"/>
+                            </a:rPr>
+                            <a:t>calculate_current_of_target_torque</a:t>
+                          </a:r>
+                          <a:endParaRPr lang="en-US" sz="1200" dirty="0">
+                            <a:solidFill>
+                              <a:schemeClr val="accent2">
+                                <a:lumMod val="50000"/>
+                              </a:schemeClr>
+                            </a:solidFill>
+                            <a:latin typeface="Roboto Condensed" panose="02000000000000000000" pitchFamily="2" charset="0"/>
+                            <a:ea typeface="Roboto Condensed" panose="02000000000000000000" pitchFamily="2" charset="0"/>
+                          </a:endParaRPr>
+                        </a:p>
+                      </a:txBody>
+                      <a:tcPr anchor="ctr"/>
+                    </a:tc>
+                    <a:tc>
+                      <a:txBody>
+                        <a:bodyPr/>
+                        <a:lstStyle/>
                         <a:p>
                           <a:pPr marL="0" marR="0" lvl="0" indent="0" algn="ctr" defTabSz="914400" rtl="0" eaLnBrk="1" fontAlgn="auto" latinLnBrk="0" hangingPunct="1">
                             <a:lnSpc>
@@ -9414,7 +9042,100 @@
                             <a:tabLst/>
                             <a:defRPr/>
                           </a:pPr>
-                          <a:endParaRPr lang="en-US" dirty="0">
+                          <a14:m>
+                            <m:oMathPara xmlns:m="http://schemas.openxmlformats.org/officeDocument/2006/math">
+                              <m:oMathParaPr>
+                                <m:jc m:val="centerGroup"/>
+                              </m:oMathParaPr>
+                              <m:oMath xmlns:m="http://schemas.openxmlformats.org/officeDocument/2006/math">
+                                <m:r>
+                                  <a:rPr lang="en-US" sz="1200" b="0" i="1" smtClean="0">
+                                    <a:solidFill>
+                                      <a:schemeClr val="accent2">
+                                        <a:lumMod val="50000"/>
+                                      </a:schemeClr>
+                                    </a:solidFill>
+                                    <a:latin typeface="Cambria Math" panose="02040503050406030204" pitchFamily="18" charset="0"/>
+                                    <a:ea typeface="Roboto Condensed" panose="02000000000000000000" pitchFamily="2" charset="0"/>
+                                  </a:rPr>
+                                  <m:t>[</m:t>
+                                </m:r>
+                                <m:r>
+                                  <a:rPr lang="en-US" sz="1200" b="0" i="1" dirty="0" smtClean="0">
+                                    <a:solidFill>
+                                      <a:schemeClr val="accent2">
+                                        <a:lumMod val="50000"/>
+                                      </a:schemeClr>
+                                    </a:solidFill>
+                                    <a:latin typeface="Cambria Math" panose="02040503050406030204" pitchFamily="18" charset="0"/>
+                                    <a:ea typeface="Roboto Condensed" panose="02000000000000000000" pitchFamily="2" charset="0"/>
+                                  </a:rPr>
+                                  <m:t>ℝ</m:t>
+                                </m:r>
+                                <m:r>
+                                  <a:rPr lang="en-US" sz="1200" b="0" i="1" smtClean="0">
+                                    <a:solidFill>
+                                      <a:schemeClr val="accent2">
+                                        <a:lumMod val="50000"/>
+                                      </a:schemeClr>
+                                    </a:solidFill>
+                                    <a:latin typeface="Cambria Math" panose="02040503050406030204" pitchFamily="18" charset="0"/>
+                                    <a:ea typeface="Roboto Condensed" panose="02000000000000000000" pitchFamily="2" charset="0"/>
+                                  </a:rPr>
+                                  <m:t>,</m:t>
+                                </m:r>
+                                <m:r>
+                                  <a:rPr lang="en-US" sz="1200" b="0" i="1" dirty="0" smtClean="0">
+                                    <a:solidFill>
+                                      <a:schemeClr val="accent2">
+                                        <a:lumMod val="50000"/>
+                                      </a:schemeClr>
+                                    </a:solidFill>
+                                    <a:latin typeface="Cambria Math" panose="02040503050406030204" pitchFamily="18" charset="0"/>
+                                    <a:ea typeface="Roboto Condensed" panose="02000000000000000000" pitchFamily="2" charset="0"/>
+                                  </a:rPr>
+                                  <m:t>ℝ</m:t>
+                                </m:r>
+                                <m:r>
+                                  <a:rPr lang="en-US" sz="1200" b="0" i="1" smtClean="0">
+                                    <a:solidFill>
+                                      <a:schemeClr val="accent2">
+                                        <a:lumMod val="50000"/>
+                                      </a:schemeClr>
+                                    </a:solidFill>
+                                    <a:latin typeface="Cambria Math" panose="02040503050406030204" pitchFamily="18" charset="0"/>
+                                    <a:ea typeface="Cambria Math" panose="02040503050406030204" pitchFamily="18" charset="0"/>
+                                  </a:rPr>
+                                  <m:t>,</m:t>
+                                </m:r>
+                                <m:r>
+                                  <a:rPr lang="en-US" sz="1200" b="0" i="1" dirty="0" smtClean="0">
+                                    <a:solidFill>
+                                      <a:schemeClr val="accent2">
+                                        <a:lumMod val="50000"/>
+                                      </a:schemeClr>
+                                    </a:solidFill>
+                                    <a:latin typeface="Cambria Math" panose="02040503050406030204" pitchFamily="18" charset="0"/>
+                                    <a:ea typeface="Roboto Condensed" panose="02000000000000000000" pitchFamily="2" charset="0"/>
+                                  </a:rPr>
+                                  <m:t>ℝ</m:t>
+                                </m:r>
+                                <m:r>
+                                  <a:rPr lang="en-US" sz="1200" b="0" i="1" smtClean="0">
+                                    <a:solidFill>
+                                      <a:schemeClr val="accent2">
+                                        <a:lumMod val="50000"/>
+                                      </a:schemeClr>
+                                    </a:solidFill>
+                                    <a:latin typeface="Cambria Math" panose="02040503050406030204" pitchFamily="18" charset="0"/>
+                                    <a:ea typeface="Cambria Math" panose="02040503050406030204" pitchFamily="18" charset="0"/>
+                                  </a:rPr>
+                                  <m:t>]</m:t>
+                                </m:r>
+                              </m:oMath>
+                            </m:oMathPara>
+                          </a14:m>
+                          <a:endParaRPr lang="en-US" sz="1200" dirty="0">
                             <a:solidFill>
                               <a:schemeClr val="accent2">
                                 <a:lumMod val="50000"/>
@@ -9440,7 +9161,7 @@
                               </m:oMathParaPr>
                               <m:oMath xmlns:m="http://schemas.openxmlformats.org/officeDocument/2006/math">
                                 <m:r>
-                                  <a:rPr lang="en-US" b="0" i="1" dirty="0" smtClean="0">
+                                  <a:rPr lang="en-US" sz="1200" b="0" i="1" smtClean="0">
                                     <a:solidFill>
                                       <a:schemeClr val="accent2">
                                         <a:lumMod val="50000"/>
@@ -9449,12 +9170,84 @@
                                     <a:latin typeface="Cambria Math" panose="02040503050406030204" pitchFamily="18" charset="0"/>
                                     <a:ea typeface="Roboto Condensed" panose="02000000000000000000" pitchFamily="2" charset="0"/>
                                   </a:rPr>
-                                  <m:t>𝐵</m:t>
+                                  <m:t>[</m:t>
+                                </m:r>
+                                <m:r>
+                                  <a:rPr lang="en-US" sz="1200" b="0" i="1" dirty="0" smtClean="0">
+                                    <a:solidFill>
+                                      <a:schemeClr val="accent2">
+                                        <a:lumMod val="50000"/>
+                                      </a:schemeClr>
+                                    </a:solidFill>
+                                    <a:latin typeface="Cambria Math" panose="02040503050406030204" pitchFamily="18" charset="0"/>
+                                    <a:ea typeface="Roboto Condensed" panose="02000000000000000000" pitchFamily="2" charset="0"/>
+                                  </a:rPr>
+                                  <m:t>ℝ</m:t>
+                                </m:r>
+                                <m:r>
+                                  <a:rPr lang="en-US" sz="1200" b="0" i="1" dirty="0" smtClean="0">
+                                    <a:solidFill>
+                                      <a:schemeClr val="accent2">
+                                        <a:lumMod val="50000"/>
+                                      </a:schemeClr>
+                                    </a:solidFill>
+                                    <a:latin typeface="Cambria Math" panose="02040503050406030204" pitchFamily="18" charset="0"/>
+                                    <a:ea typeface="Roboto Condensed" panose="02000000000000000000" pitchFamily="2" charset="0"/>
+                                  </a:rPr>
+                                  <m:t>,</m:t>
+                                </m:r>
+                                <m:r>
+                                  <a:rPr lang="en-US" sz="1200" b="0" i="1" dirty="0" smtClean="0">
+                                    <a:solidFill>
+                                      <a:schemeClr val="accent2">
+                                        <a:lumMod val="50000"/>
+                                      </a:schemeClr>
+                                    </a:solidFill>
+                                    <a:latin typeface="Cambria Math" panose="02040503050406030204" pitchFamily="18" charset="0"/>
+                                    <a:ea typeface="Roboto Condensed" panose="02000000000000000000" pitchFamily="2" charset="0"/>
+                                  </a:rPr>
+                                  <m:t>ℝ</m:t>
+                                </m:r>
+                                <m:r>
+                                  <a:rPr lang="en-US" sz="1200" b="0" i="1" dirty="0" smtClean="0">
+                                    <a:solidFill>
+                                      <a:schemeClr val="accent2">
+                                        <a:lumMod val="50000"/>
+                                      </a:schemeClr>
+                                    </a:solidFill>
+                                    <a:latin typeface="Cambria Math" panose="02040503050406030204" pitchFamily="18" charset="0"/>
+                                    <a:ea typeface="Roboto Condensed" panose="02000000000000000000" pitchFamily="2" charset="0"/>
+                                  </a:rPr>
+                                  <m:t>,</m:t>
+                                </m:r>
+                                <m:r>
+                                  <a:rPr lang="en-US" sz="1200" b="0" i="1" dirty="0" smtClean="0">
+                                    <a:solidFill>
+                                      <a:schemeClr val="accent2">
+                                        <a:lumMod val="50000"/>
+                                      </a:schemeClr>
+                                    </a:solidFill>
+                                    <a:latin typeface="Cambria Math" panose="02040503050406030204" pitchFamily="18" charset="0"/>
+                                    <a:ea typeface="Roboto Condensed" panose="02000000000000000000" pitchFamily="2" charset="0"/>
+                                  </a:rPr>
+                                  <m:t>ℝ</m:t>
+                                </m:r>
+                                <m:r>
+                                  <a:rPr lang="en-US" sz="1200" b="0" i="1" smtClean="0">
+                                    <a:solidFill>
+                                      <a:schemeClr val="accent2">
+                                        <a:lumMod val="50000"/>
+                                      </a:schemeClr>
+                                    </a:solidFill>
+                                    <a:latin typeface="Cambria Math" panose="02040503050406030204" pitchFamily="18" charset="0"/>
+                                    <a:ea typeface="Cambria Math" panose="02040503050406030204" pitchFamily="18" charset="0"/>
+                                  </a:rPr>
+                                  <m:t>]</m:t>
                                 </m:r>
                               </m:oMath>
                             </m:oMathPara>
                           </a14:m>
-                          <a:endParaRPr lang="en-US" dirty="0">
+                          <a:endParaRPr lang="en-US" sz="1200" dirty="0">
                             <a:solidFill>
                               <a:schemeClr val="accent2">
                                 <a:lumMod val="50000"/>
@@ -9469,7 +9262,287 @@
                     </a:tc>
                     <a:extLst>
                       <a:ext uri="{0D108BD9-81ED-4DB2-BD59-A6C34878D82A}">
-                        <a16:rowId xmlns:a16="http://schemas.microsoft.com/office/drawing/2014/main" val="1086098234"/>
+                        <a16:rowId xmlns:a16="http://schemas.microsoft.com/office/drawing/2014/main" val="3679092715"/>
+                      </a:ext>
+                    </a:extLst>
+                  </a:tr>
+                  <a:tr h="338831">
+                    <a:tc>
+                      <a:txBody>
+                        <a:bodyPr/>
+                        <a:lstStyle/>
+                        <a:p>
+                          <a:pPr algn="ctr"/>
+                          <a:r>
+                            <a:rPr lang="en-US" sz="1200" dirty="0" err="1">
+                              <a:solidFill>
+                                <a:schemeClr val="accent2">
+                                  <a:lumMod val="50000"/>
+                                </a:schemeClr>
+                              </a:solidFill>
+                              <a:latin typeface="Roboto Condensed" panose="02000000000000000000" pitchFamily="2" charset="0"/>
+                              <a:ea typeface="Roboto Condensed" panose="02000000000000000000" pitchFamily="2" charset="0"/>
+                            </a:rPr>
+                            <a:t>calculate_current_of_target_force</a:t>
+                          </a:r>
+                          <a:endParaRPr lang="en-US" sz="1200" dirty="0">
+                            <a:solidFill>
+                              <a:schemeClr val="accent2">
+                                <a:lumMod val="50000"/>
+                              </a:schemeClr>
+                            </a:solidFill>
+                            <a:latin typeface="Roboto Condensed" panose="02000000000000000000" pitchFamily="2" charset="0"/>
+                            <a:ea typeface="Roboto Condensed" panose="02000000000000000000" pitchFamily="2" charset="0"/>
+                          </a:endParaRPr>
+                        </a:p>
+                      </a:txBody>
+                      <a:tcPr anchor="ctr"/>
+                    </a:tc>
+                    <a:tc>
+                      <a:txBody>
+                        <a:bodyPr/>
+                        <a:lstStyle/>
+                        <a:p>
+                          <a:pPr marL="0" marR="0" lvl="0" indent="0" algn="ctr" defTabSz="914400" rtl="0" eaLnBrk="1" fontAlgn="auto" latinLnBrk="0" hangingPunct="1">
+                            <a:lnSpc>
+                              <a:spcPct val="100000"/>
+                            </a:lnSpc>
+                            <a:spcBef>
+                              <a:spcPts val="0"/>
+                            </a:spcBef>
+                            <a:spcAft>
+                              <a:spcPts val="0"/>
+                            </a:spcAft>
+                            <a:buClr>
+                              <a:srgbClr val="000000"/>
+                            </a:buClr>
+                            <a:buSzTx/>
+                            <a:buFont typeface="Arial"/>
+                            <a:buNone/>
+                            <a:tabLst/>
+                            <a:defRPr/>
+                          </a:pPr>
+                          <a14:m>
+                            <m:oMathPara xmlns:m="http://schemas.openxmlformats.org/officeDocument/2006/math">
+                              <m:oMathParaPr>
+                                <m:jc m:val="centerGroup"/>
+                              </m:oMathParaPr>
+                              <m:oMath xmlns:m="http://schemas.openxmlformats.org/officeDocument/2006/math">
+                                <m:r>
+                                  <a:rPr lang="en-US" sz="1200" b="0" i="1" smtClean="0">
+                                    <a:solidFill>
+                                      <a:schemeClr val="accent2">
+                                        <a:lumMod val="50000"/>
+                                      </a:schemeClr>
+                                    </a:solidFill>
+                                    <a:latin typeface="Cambria Math" panose="02040503050406030204" pitchFamily="18" charset="0"/>
+                                    <a:ea typeface="Roboto Condensed" panose="02000000000000000000" pitchFamily="2" charset="0"/>
+                                  </a:rPr>
+                                  <m:t>[</m:t>
+                                </m:r>
+                                <m:r>
+                                  <a:rPr lang="en-US" sz="1200" b="0" i="1" dirty="0" smtClean="0">
+                                    <a:solidFill>
+                                      <a:schemeClr val="accent2">
+                                        <a:lumMod val="50000"/>
+                                      </a:schemeClr>
+                                    </a:solidFill>
+                                    <a:latin typeface="Cambria Math" panose="02040503050406030204" pitchFamily="18" charset="0"/>
+                                    <a:ea typeface="Roboto Condensed" panose="02000000000000000000" pitchFamily="2" charset="0"/>
+                                  </a:rPr>
+                                  <m:t>ℝ</m:t>
+                                </m:r>
+                                <m:r>
+                                  <a:rPr lang="en-US" sz="1200" b="0" i="1" smtClean="0">
+                                    <a:solidFill>
+                                      <a:schemeClr val="accent2">
+                                        <a:lumMod val="50000"/>
+                                      </a:schemeClr>
+                                    </a:solidFill>
+                                    <a:latin typeface="Cambria Math" panose="02040503050406030204" pitchFamily="18" charset="0"/>
+                                    <a:ea typeface="Roboto Condensed" panose="02000000000000000000" pitchFamily="2" charset="0"/>
+                                  </a:rPr>
+                                  <m:t>,</m:t>
+                                </m:r>
+                                <m:r>
+                                  <a:rPr lang="en-US" sz="1200" b="0" i="1" dirty="0" smtClean="0">
+                                    <a:solidFill>
+                                      <a:schemeClr val="accent2">
+                                        <a:lumMod val="50000"/>
+                                      </a:schemeClr>
+                                    </a:solidFill>
+                                    <a:latin typeface="Cambria Math" panose="02040503050406030204" pitchFamily="18" charset="0"/>
+                                    <a:ea typeface="Roboto Condensed" panose="02000000000000000000" pitchFamily="2" charset="0"/>
+                                  </a:rPr>
+                                  <m:t>ℝ</m:t>
+                                </m:r>
+                                <m:r>
+                                  <a:rPr lang="en-US" sz="1200" b="0" i="1" smtClean="0">
+                                    <a:solidFill>
+                                      <a:schemeClr val="accent2">
+                                        <a:lumMod val="50000"/>
+                                      </a:schemeClr>
+                                    </a:solidFill>
+                                    <a:latin typeface="Cambria Math" panose="02040503050406030204" pitchFamily="18" charset="0"/>
+                                    <a:ea typeface="Cambria Math" panose="02040503050406030204" pitchFamily="18" charset="0"/>
+                                  </a:rPr>
+                                  <m:t>,</m:t>
+                                </m:r>
+                                <m:r>
+                                  <a:rPr lang="en-US" sz="1200" b="0" i="1" dirty="0" smtClean="0">
+                                    <a:solidFill>
+                                      <a:schemeClr val="accent2">
+                                        <a:lumMod val="50000"/>
+                                      </a:schemeClr>
+                                    </a:solidFill>
+                                    <a:latin typeface="Cambria Math" panose="02040503050406030204" pitchFamily="18" charset="0"/>
+                                    <a:ea typeface="Roboto Condensed" panose="02000000000000000000" pitchFamily="2" charset="0"/>
+                                  </a:rPr>
+                                  <m:t>ℝ</m:t>
+                                </m:r>
+                                <m:r>
+                                  <a:rPr lang="en-US" sz="1200" b="0" i="1" smtClean="0">
+                                    <a:solidFill>
+                                      <a:schemeClr val="accent2">
+                                        <a:lumMod val="50000"/>
+                                      </a:schemeClr>
+                                    </a:solidFill>
+                                    <a:latin typeface="Cambria Math" panose="02040503050406030204" pitchFamily="18" charset="0"/>
+                                    <a:ea typeface="Cambria Math" panose="02040503050406030204" pitchFamily="18" charset="0"/>
+                                  </a:rPr>
+                                  <m:t>]</m:t>
+                                </m:r>
+                              </m:oMath>
+                            </m:oMathPara>
+                          </a14:m>
+                          <a:endParaRPr lang="en-US" sz="1200" dirty="0">
+                            <a:solidFill>
+                              <a:schemeClr val="accent2">
+                                <a:lumMod val="50000"/>
+                              </a:schemeClr>
+                            </a:solidFill>
+                            <a:latin typeface="Roboto Condensed" panose="02000000000000000000" pitchFamily="2" charset="0"/>
+                            <a:ea typeface="Roboto Condensed" panose="02000000000000000000" pitchFamily="2" charset="0"/>
+                          </a:endParaRPr>
+                        </a:p>
+                      </a:txBody>
+                      <a:tcPr anchor="ctr"/>
+                    </a:tc>
+                    <a:tc>
+                      <a:txBody>
+                        <a:bodyPr/>
+                        <a:lstStyle/>
+                        <a:p>
+                          <a:pPr algn="ctr"/>
+                          <a14:m>
+                            <m:oMathPara xmlns:m="http://schemas.openxmlformats.org/officeDocument/2006/math">
+                              <m:oMathParaPr>
+                                <m:jc m:val="centerGroup"/>
+                              </m:oMathParaPr>
+                              <m:oMath xmlns:m="http://schemas.openxmlformats.org/officeDocument/2006/math">
+                                <m:r>
+                                  <a:rPr lang="en-US" sz="1200" b="0" i="1" smtClean="0">
+                                    <a:solidFill>
+                                      <a:schemeClr val="accent2">
+                                        <a:lumMod val="50000"/>
+                                      </a:schemeClr>
+                                    </a:solidFill>
+                                    <a:latin typeface="Cambria Math" panose="02040503050406030204" pitchFamily="18" charset="0"/>
+                                    <a:ea typeface="Roboto Condensed" panose="02000000000000000000" pitchFamily="2" charset="0"/>
+                                  </a:rPr>
+                                  <m:t>[</m:t>
+                                </m:r>
+                                <m:r>
+                                  <a:rPr lang="en-US" sz="1200" b="0" i="1" dirty="0" smtClean="0">
+                                    <a:solidFill>
+                                      <a:schemeClr val="accent2">
+                                        <a:lumMod val="50000"/>
+                                      </a:schemeClr>
+                                    </a:solidFill>
+                                    <a:latin typeface="Cambria Math" panose="02040503050406030204" pitchFamily="18" charset="0"/>
+                                    <a:ea typeface="Roboto Condensed" panose="02000000000000000000" pitchFamily="2" charset="0"/>
+                                  </a:rPr>
+                                  <m:t>ℝ</m:t>
+                                </m:r>
+                                <m:r>
+                                  <a:rPr lang="en-US" sz="1200" b="0" i="1" dirty="0" smtClean="0">
+                                    <a:solidFill>
+                                      <a:schemeClr val="accent2">
+                                        <a:lumMod val="50000"/>
+                                      </a:schemeClr>
+                                    </a:solidFill>
+                                    <a:latin typeface="Cambria Math" panose="02040503050406030204" pitchFamily="18" charset="0"/>
+                                    <a:ea typeface="Roboto Condensed" panose="02000000000000000000" pitchFamily="2" charset="0"/>
+                                  </a:rPr>
+                                  <m:t>,</m:t>
+                                </m:r>
+                                <m:r>
+                                  <a:rPr lang="en-US" sz="1200" b="0" i="1" dirty="0" smtClean="0">
+                                    <a:solidFill>
+                                      <a:schemeClr val="accent2">
+                                        <a:lumMod val="50000"/>
+                                      </a:schemeClr>
+                                    </a:solidFill>
+                                    <a:latin typeface="Cambria Math" panose="02040503050406030204" pitchFamily="18" charset="0"/>
+                                    <a:ea typeface="Roboto Condensed" panose="02000000000000000000" pitchFamily="2" charset="0"/>
+                                  </a:rPr>
+                                  <m:t>ℝ</m:t>
+                                </m:r>
+                                <m:r>
+                                  <a:rPr lang="en-US" sz="1200" b="0" i="1" dirty="0" smtClean="0">
+                                    <a:solidFill>
+                                      <a:schemeClr val="accent2">
+                                        <a:lumMod val="50000"/>
+                                      </a:schemeClr>
+                                    </a:solidFill>
+                                    <a:latin typeface="Cambria Math" panose="02040503050406030204" pitchFamily="18" charset="0"/>
+                                    <a:ea typeface="Roboto Condensed" panose="02000000000000000000" pitchFamily="2" charset="0"/>
+                                  </a:rPr>
+                                  <m:t>,</m:t>
+                                </m:r>
+                                <m:r>
+                                  <a:rPr lang="en-US" sz="1200" b="0" i="1" dirty="0" smtClean="0">
+                                    <a:solidFill>
+                                      <a:schemeClr val="accent2">
+                                        <a:lumMod val="50000"/>
+                                      </a:schemeClr>
+                                    </a:solidFill>
+                                    <a:latin typeface="Cambria Math" panose="02040503050406030204" pitchFamily="18" charset="0"/>
+                                    <a:ea typeface="Roboto Condensed" panose="02000000000000000000" pitchFamily="2" charset="0"/>
+                                  </a:rPr>
+                                  <m:t>ℝ</m:t>
+                                </m:r>
+                                <m:r>
+                                  <a:rPr lang="en-US" sz="1200" b="0" i="1" smtClean="0">
+                                    <a:solidFill>
+                                      <a:schemeClr val="accent2">
+                                        <a:lumMod val="50000"/>
+                                      </a:schemeClr>
+                                    </a:solidFill>
+                                    <a:latin typeface="Cambria Math" panose="02040503050406030204" pitchFamily="18" charset="0"/>
+                                    <a:ea typeface="Cambria Math" panose="02040503050406030204" pitchFamily="18" charset="0"/>
+                                  </a:rPr>
+                                  <m:t>]</m:t>
+                                </m:r>
+                              </m:oMath>
+                            </m:oMathPara>
+                          </a14:m>
+                          <a:endParaRPr lang="en-US" sz="1200" dirty="0">
+                            <a:solidFill>
+                              <a:schemeClr val="accent2">
+                                <a:lumMod val="50000"/>
+                              </a:schemeClr>
+                            </a:solidFill>
+                            <a:latin typeface="Roboto Condensed" panose="02000000000000000000" pitchFamily="2" charset="0"/>
+                            <a:ea typeface="Roboto Condensed" panose="02000000000000000000" pitchFamily="2" charset="0"/>
+                          </a:endParaRPr>
+                        </a:p>
+                      </a:txBody>
+                      <a:tcPr anchor="ctr"/>
+                    </a:tc>
+                    <a:extLst>
+                      <a:ext uri="{0D108BD9-81ED-4DB2-BD59-A6C34878D82A}">
+                        <a16:rowId xmlns:a16="http://schemas.microsoft.com/office/drawing/2014/main" val="378497292"/>
                       </a:ext>
                     </a:extLst>
                   </a:tr>
@@ -9494,14 +9567,14 @@
               <p:nvPr>
                 <p:extLst>
                   <p:ext uri="{D42A27DB-BD31-4B8C-83A1-F6EECF244321}">
-                    <p14:modId xmlns:p14="http://schemas.microsoft.com/office/powerpoint/2010/main" val="3383789017"/>
+                    <p14:modId xmlns:p14="http://schemas.microsoft.com/office/powerpoint/2010/main" val="2912758919"/>
                   </p:ext>
                 </p:extLst>
               </p:nvPr>
             </p:nvGraphicFramePr>
             <p:xfrm>
-              <a:off x="468727" y="2904564"/>
-              <a:ext cx="6446902" cy="1985564"/>
+              <a:off x="553252" y="2495901"/>
+              <a:ext cx="6393114" cy="2391777"/>
             </p:xfrm>
             <a:graphic>
               <a:graphicData uri="http://schemas.openxmlformats.org/drawingml/2006/table">
@@ -9510,21 +9583,21 @@
                     <a:tableStyleId>{E929F9F4-4A8F-4326-A1B4-22849713DDAB}</a:tableStyleId>
                   </a:tblPr>
                   <a:tblGrid>
-                    <a:gridCol w="2750883">
+                    <a:gridCol w="2727932">
                       <a:extLst>
                         <a:ext uri="{9D8B030D-6E8A-4147-A177-3AD203B41FA5}">
                           <a16:colId xmlns:a16="http://schemas.microsoft.com/office/drawing/2014/main" val="1527678177"/>
                         </a:ext>
                       </a:extLst>
                     </a:gridCol>
-                    <a:gridCol w="2374366">
+                    <a:gridCol w="2354556">
                       <a:extLst>
                         <a:ext uri="{9D8B030D-6E8A-4147-A177-3AD203B41FA5}">
                           <a16:colId xmlns:a16="http://schemas.microsoft.com/office/drawing/2014/main" val="529960761"/>
                         </a:ext>
                       </a:extLst>
                     </a:gridCol>
-                    <a:gridCol w="1321653">
+                    <a:gridCol w="1310626">
                       <a:extLst>
                         <a:ext uri="{9D8B030D-6E8A-4147-A177-3AD203B41FA5}">
                           <a16:colId xmlns:a16="http://schemas.microsoft.com/office/drawing/2014/main" val="314431527"/>
@@ -9532,7 +9605,7 @@
                       </a:extLst>
                     </a:gridCol>
                   </a:tblGrid>
-                  <a:tr h="366851">
+                  <a:tr h="274320">
                     <a:tc>
                       <a:txBody>
                         <a:bodyPr/>
@@ -9540,7 +9613,7 @@
                         <a:p>
                           <a:pPr algn="ctr"/>
                           <a:r>
-                            <a:rPr lang="en-US" dirty="0">
+                            <a:rPr lang="en-US" sz="1200" dirty="0">
                               <a:latin typeface="Roboto Condensed" panose="02000000000000000000" pitchFamily="2" charset="0"/>
                               <a:ea typeface="Roboto Condensed" panose="02000000000000000000" pitchFamily="2" charset="0"/>
                             </a:rPr>
@@ -9557,7 +9630,7 @@
                         <a:p>
                           <a:pPr algn="ctr"/>
                           <a:r>
-                            <a:rPr lang="en-US" dirty="0">
+                            <a:rPr lang="en-US" sz="1200" dirty="0">
                               <a:latin typeface="Roboto Condensed" panose="02000000000000000000" pitchFamily="2" charset="0"/>
                               <a:ea typeface="Roboto Condensed" panose="02000000000000000000" pitchFamily="2" charset="0"/>
                             </a:rPr>
@@ -9574,7 +9647,7 @@
                         <a:p>
                           <a:pPr algn="ctr"/>
                           <a:r>
-                            <a:rPr lang="en-US" dirty="0">
+                            <a:rPr lang="en-US" sz="1200" dirty="0">
                               <a:latin typeface="Roboto Condensed" panose="02000000000000000000" pitchFamily="2" charset="0"/>
                               <a:ea typeface="Roboto Condensed" panose="02000000000000000000" pitchFamily="2" charset="0"/>
                             </a:rPr>
@@ -9590,7 +9663,7 @@
                       </a:ext>
                     </a:extLst>
                   </a:tr>
-                  <a:tr h="366851">
+                  <a:tr h="274320">
                     <a:tc>
                       <a:txBody>
                         <a:bodyPr/>
@@ -9598,7 +9671,152 @@
                         <a:p>
                           <a:pPr algn="ctr"/>
                           <a:r>
-                            <a:rPr lang="en-US" dirty="0" err="1">
+                            <a:rPr lang="en-US" sz="1200" dirty="0">
+                              <a:solidFill>
+                                <a:schemeClr val="accent2">
+                                  <a:lumMod val="50000"/>
+                                </a:schemeClr>
+                              </a:solidFill>
+                              <a:latin typeface="Roboto Condensed" panose="02000000000000000000" pitchFamily="2" charset="0"/>
+                              <a:ea typeface="Roboto Condensed" panose="02000000000000000000" pitchFamily="2" charset="0"/>
+                            </a:rPr>
+                            <a:t>cons</a:t>
+                          </a:r>
+                        </a:p>
+                      </a:txBody>
+                      <a:tcPr anchor="ctr"/>
+                    </a:tc>
+                    <a:tc>
+                      <a:txBody>
+                        <a:bodyPr/>
+                        <a:lstStyle/>
+                        <a:p>
+                          <a:pPr marL="0" marR="0" lvl="0" indent="0" algn="ctr" defTabSz="914400" rtl="0" eaLnBrk="1" fontAlgn="auto" latinLnBrk="0" hangingPunct="1">
+                            <a:lnSpc>
+                              <a:spcPct val="100000"/>
+                            </a:lnSpc>
+                            <a:spcBef>
+                              <a:spcPts val="0"/>
+                            </a:spcBef>
+                            <a:spcAft>
+                              <a:spcPts val="0"/>
+                            </a:spcAft>
+                            <a:buClr>
+                              <a:srgbClr val="000000"/>
+                            </a:buClr>
+                            <a:buSzTx/>
+                            <a:buFont typeface="Arial"/>
+                            <a:buNone/>
+                            <a:tabLst/>
+                            <a:defRPr/>
+                          </a:pPr>
+                          <a:r>
+                            <a:rPr lang="en-US" sz="1200" dirty="0" err="1">
+                              <a:solidFill>
+                                <a:schemeClr val="accent2">
+                                  <a:lumMod val="50000"/>
+                                </a:schemeClr>
+                              </a:solidFill>
+                              <a:latin typeface="Roboto Condensed" panose="02000000000000000000" pitchFamily="2" charset="0"/>
+                              <a:ea typeface="Roboto Condensed" panose="02000000000000000000" pitchFamily="2" charset="0"/>
+                            </a:rPr>
+                            <a:t>CoilT</a:t>
+                          </a:r>
+                          <a:r>
+                            <a:rPr lang="en-US" sz="1200" dirty="0">
+                              <a:solidFill>
+                                <a:schemeClr val="accent2">
+                                  <a:lumMod val="50000"/>
+                                </a:schemeClr>
+                              </a:solidFill>
+                              <a:latin typeface="Roboto Condensed" panose="02000000000000000000" pitchFamily="2" charset="0"/>
+                              <a:ea typeface="Roboto Condensed" panose="02000000000000000000" pitchFamily="2" charset="0"/>
+                            </a:rPr>
+                            <a:t>, </a:t>
+                          </a:r>
+                          <a:r>
+                            <a:rPr lang="en-US" sz="1200" dirty="0" err="1">
+                              <a:solidFill>
+                                <a:schemeClr val="accent2">
+                                  <a:lumMod val="50000"/>
+                                </a:schemeClr>
+                              </a:solidFill>
+                              <a:latin typeface="Roboto Condensed" panose="02000000000000000000" pitchFamily="2" charset="0"/>
+                              <a:ea typeface="Roboto Condensed" panose="02000000000000000000" pitchFamily="2" charset="0"/>
+                            </a:rPr>
+                            <a:t>CoilT</a:t>
+                          </a:r>
+                          <a:r>
+                            <a:rPr lang="en-US" sz="1200" dirty="0">
+                              <a:solidFill>
+                                <a:schemeClr val="accent2">
+                                  <a:lumMod val="50000"/>
+                                </a:schemeClr>
+                              </a:solidFill>
+                              <a:latin typeface="Roboto Condensed" panose="02000000000000000000" pitchFamily="2" charset="0"/>
+                              <a:ea typeface="Roboto Condensed" panose="02000000000000000000" pitchFamily="2" charset="0"/>
+                            </a:rPr>
+                            <a:t>, </a:t>
+                          </a:r>
+                          <a:r>
+                            <a:rPr lang="en-US" sz="1200" dirty="0" err="1">
+                              <a:solidFill>
+                                <a:schemeClr val="accent2">
+                                  <a:lumMod val="50000"/>
+                                </a:schemeClr>
+                              </a:solidFill>
+                              <a:latin typeface="Roboto Condensed" panose="02000000000000000000" pitchFamily="2" charset="0"/>
+                              <a:ea typeface="Roboto Condensed" panose="02000000000000000000" pitchFamily="2" charset="0"/>
+                            </a:rPr>
+                            <a:t>CoilT</a:t>
+                          </a:r>
+                          <a:endParaRPr lang="en-US" sz="1200" dirty="0">
+                            <a:solidFill>
+                              <a:schemeClr val="accent2">
+                                <a:lumMod val="50000"/>
+                              </a:schemeClr>
+                            </a:solidFill>
+                            <a:latin typeface="Roboto Condensed" panose="02000000000000000000" pitchFamily="2" charset="0"/>
+                            <a:ea typeface="Roboto Condensed" panose="02000000000000000000" pitchFamily="2" charset="0"/>
+                          </a:endParaRPr>
+                        </a:p>
+                      </a:txBody>
+                      <a:tcPr anchor="ctr"/>
+                    </a:tc>
+                    <a:tc>
+                      <a:txBody>
+                        <a:bodyPr/>
+                        <a:lstStyle/>
+                        <a:p>
+                          <a:pPr algn="ctr"/>
+                          <a:endParaRPr lang="en-US" sz="1200" dirty="0">
+                            <a:solidFill>
+                              <a:schemeClr val="accent2">
+                                <a:lumMod val="50000"/>
+                              </a:schemeClr>
+                            </a:solidFill>
+                            <a:latin typeface="Roboto Condensed" panose="02000000000000000000" pitchFamily="2" charset="0"/>
+                            <a:ea typeface="Roboto Condensed" panose="02000000000000000000" pitchFamily="2" charset="0"/>
+                          </a:endParaRPr>
+                        </a:p>
+                      </a:txBody>
+                      <a:tcPr anchor="ctr"/>
+                    </a:tc>
+                    <a:extLst>
+                      <a:ext uri="{0D108BD9-81ED-4DB2-BD59-A6C34878D82A}">
+                        <a16:rowId xmlns:a16="http://schemas.microsoft.com/office/drawing/2014/main" val="4099083992"/>
+                      </a:ext>
+                    </a:extLst>
+                  </a:tr>
+                  <a:tr h="274320">
+                    <a:tc>
+                      <a:txBody>
+                        <a:bodyPr/>
+                        <a:lstStyle/>
+                        <a:p>
+                          <a:pPr algn="ctr"/>
+                          <a:r>
+                            <a:rPr lang="en-US" sz="1200" dirty="0" err="1">
                               <a:solidFill>
                                 <a:schemeClr val="accent2">
                                   <a:lumMod val="50000"/>
@@ -9609,7 +9827,7 @@
                             </a:rPr>
                             <a:t>calculate_torque</a:t>
                           </a:r>
-                          <a:endParaRPr lang="en-US" dirty="0">
+                          <a:endParaRPr lang="en-US" sz="1200" dirty="0">
                             <a:solidFill>
                               <a:schemeClr val="accent2">
                                 <a:lumMod val="50000"/>
@@ -9634,7 +9852,7 @@
                         <a:blipFill>
                           <a:blip r:embed="rId2"/>
                           <a:stretch>
-                            <a:fillRect l="-115897" t="-98361" r="-56154" b="-337705"/>
+                            <a:fillRect l="-115762" t="-200000" r="-56072" b="-577778"/>
                           </a:stretch>
                         </a:blipFill>
                       </a:tcPr>
@@ -9651,7 +9869,7 @@
                         <a:blipFill>
                           <a:blip r:embed="rId2"/>
                           <a:stretch>
-                            <a:fillRect l="-388018" t="-98361" r="-922" b="-337705"/>
+                            <a:fillRect l="-388372" t="-200000" r="-930" b="-577778"/>
                           </a:stretch>
                         </a:blipFill>
                       </a:tcPr>
@@ -9662,7 +9880,7 @@
                       </a:ext>
                     </a:extLst>
                   </a:tr>
-                  <a:tr h="366851">
+                  <a:tr h="274320">
                     <a:tc>
                       <a:txBody>
                         <a:bodyPr/>
@@ -9670,7 +9888,7 @@
                         <a:p>
                           <a:pPr algn="ctr"/>
                           <a:r>
-                            <a:rPr lang="en-US" dirty="0" err="1">
+                            <a:rPr lang="en-US" sz="1200" dirty="0" err="1">
                               <a:solidFill>
                                 <a:schemeClr val="accent2">
                                   <a:lumMod val="50000"/>
@@ -9681,7 +9899,7 @@
                             </a:rPr>
                             <a:t>calculate_force</a:t>
                           </a:r>
-                          <a:endParaRPr lang="en-US" dirty="0">
+                          <a:endParaRPr lang="en-US" sz="1200" dirty="0">
                             <a:solidFill>
                               <a:schemeClr val="accent2">
                                 <a:lumMod val="50000"/>
@@ -9706,7 +9924,7 @@
                         <a:blipFill>
                           <a:blip r:embed="rId2"/>
                           <a:stretch>
-                            <a:fillRect l="-115897" t="-201667" r="-56154" b="-243333"/>
+                            <a:fillRect l="-115762" t="-300000" r="-56072" b="-477778"/>
                           </a:stretch>
                         </a:blipFill>
                       </a:tcPr>
@@ -9723,7 +9941,7 @@
                         <a:blipFill>
                           <a:blip r:embed="rId2"/>
                           <a:stretch>
-                            <a:fillRect l="-388018" t="-201667" r="-922" b="-243333"/>
+                            <a:fillRect l="-388372" t="-300000" r="-930" b="-477778"/>
                           </a:stretch>
                         </a:blipFill>
                       </a:tcPr>
@@ -9734,7 +9952,7 @@
                       </a:ext>
                     </a:extLst>
                   </a:tr>
-                  <a:tr h="366851">
+                  <a:tr h="274320">
                     <a:tc>
                       <a:txBody>
                         <a:bodyPr/>
@@ -9742,7 +9960,7 @@
                         <a:p>
                           <a:pPr algn="ctr"/>
                           <a:r>
-                            <a:rPr lang="en-US" dirty="0" err="1">
+                            <a:rPr lang="en-US" sz="1200" dirty="0" err="1">
                               <a:solidFill>
                                 <a:schemeClr val="accent2">
                                   <a:lumMod val="50000"/>
@@ -9753,79 +9971,7 @@
                             </a:rPr>
                             <a:t>calculate_B_diff</a:t>
                           </a:r>
-                          <a:endParaRPr lang="en-US" dirty="0">
-                            <a:solidFill>
-                              <a:schemeClr val="accent2">
-                                <a:lumMod val="50000"/>
-                              </a:schemeClr>
-                            </a:solidFill>
-                            <a:latin typeface="Roboto Condensed" panose="02000000000000000000" pitchFamily="2" charset="0"/>
-                            <a:ea typeface="Roboto Condensed" panose="02000000000000000000" pitchFamily="2" charset="0"/>
-                          </a:endParaRPr>
-                        </a:p>
-                      </a:txBody>
-                      <a:tcPr anchor="ctr"/>
-                    </a:tc>
-                    <a:tc>
-                      <a:txBody>
-                        <a:bodyPr/>
-                        <a:lstStyle/>
-                        <a:p>
-                          <a:endParaRPr lang="en-US"/>
-                        </a:p>
-                      </a:txBody>
-                      <a:tcPr anchor="ctr">
-                        <a:blipFill>
-                          <a:blip r:embed="rId2"/>
-                          <a:stretch>
-                            <a:fillRect l="-115897" t="-296721" r="-56154" b="-139344"/>
-                          </a:stretch>
-                        </a:blipFill>
-                      </a:tcPr>
-                    </a:tc>
-                    <a:tc>
-                      <a:txBody>
-                        <a:bodyPr/>
-                        <a:lstStyle/>
-                        <a:p>
-                          <a:endParaRPr lang="en-US"/>
-                        </a:p>
-                      </a:txBody>
-                      <a:tcPr anchor="ctr">
-                        <a:blipFill>
-                          <a:blip r:embed="rId2"/>
-                          <a:stretch>
-                            <a:fillRect l="-388018" t="-296721" r="-922" b="-139344"/>
-                          </a:stretch>
-                        </a:blipFill>
-                      </a:tcPr>
-                    </a:tc>
-                    <a:extLst>
-                      <a:ext uri="{0D108BD9-81ED-4DB2-BD59-A6C34878D82A}">
-                        <a16:rowId xmlns:a16="http://schemas.microsoft.com/office/drawing/2014/main" val="1995253890"/>
-                      </a:ext>
-                    </a:extLst>
-                  </a:tr>
-                  <a:tr h="518160">
-                    <a:tc>
-                      <a:txBody>
-                        <a:bodyPr/>
-                        <a:lstStyle/>
-                        <a:p>
-                          <a:pPr algn="ctr"/>
-                          <a:r>
-                            <a:rPr lang="en-US" dirty="0" err="1">
-                              <a:solidFill>
-                                <a:schemeClr val="accent2">
-                                  <a:lumMod val="50000"/>
-                                </a:schemeClr>
-                              </a:solidFill>
-                              <a:latin typeface="Roboto Condensed" panose="02000000000000000000" pitchFamily="2" charset="0"/>
-                              <a:ea typeface="Roboto Condensed" panose="02000000000000000000" pitchFamily="2" charset="0"/>
-                            </a:rPr>
-                            <a:t>calculate_magnetic_field_at_center</a:t>
-                          </a:r>
-                          <a:endParaRPr lang="en-US" dirty="0">
+                          <a:endParaRPr lang="en-US" sz="1200" dirty="0">
                             <a:solidFill>
                               <a:schemeClr val="accent2">
                                 <a:lumMod val="50000"/>
@@ -9863,7 +10009,7 @@
                             <a:defRPr/>
                           </a:pPr>
                           <a:r>
-                            <a:rPr lang="en-US" dirty="0">
+                            <a:rPr lang="en-US" sz="1200" dirty="0" err="1">
                               <a:solidFill>
                                 <a:schemeClr val="accent2">
                                   <a:lumMod val="50000"/>
@@ -9872,30 +10018,9 @@
                               <a:latin typeface="Roboto Condensed" panose="02000000000000000000" pitchFamily="2" charset="0"/>
                               <a:ea typeface="Roboto Condensed" panose="02000000000000000000" pitchFamily="2" charset="0"/>
                             </a:rPr>
-                            <a:t>CoilT, bool</a:t>
+                            <a:t>CoilT</a:t>
                           </a:r>
-                        </a:p>
-                        <a:p>
-                          <a:pPr marL="0" marR="0" lvl="0" indent="0" algn="ctr" defTabSz="914400" rtl="0" eaLnBrk="1" fontAlgn="auto" latinLnBrk="0" hangingPunct="1">
-                            <a:lnSpc>
-                              <a:spcPct val="100000"/>
-                            </a:lnSpc>
-                            <a:spcBef>
-                              <a:spcPts val="0"/>
-                            </a:spcBef>
-                            <a:spcAft>
-                              <a:spcPts val="0"/>
-                            </a:spcAft>
-                            <a:buClr>
-                              <a:srgbClr val="000000"/>
-                            </a:buClr>
-                            <a:buSzTx/>
-                            <a:buFont typeface="Arial"/>
-                            <a:buNone/>
-                            <a:tabLst/>
-                            <a:defRPr/>
-                          </a:pPr>
-                          <a:endParaRPr lang="en-US" dirty="0">
+                          <a:endParaRPr lang="en-US" sz="1200" dirty="0">
                             <a:solidFill>
                               <a:schemeClr val="accent2">
                                 <a:lumMod val="50000"/>
@@ -9920,7 +10045,114 @@
                         <a:blipFill>
                           <a:blip r:embed="rId2"/>
                           <a:stretch>
-                            <a:fillRect l="-388018" t="-284706" r="-922"/>
+                            <a:fillRect l="-388372" t="-400000" r="-930" b="-377778"/>
+                          </a:stretch>
+                        </a:blipFill>
+                      </a:tcPr>
+                    </a:tc>
+                    <a:extLst>
+                      <a:ext uri="{0D108BD9-81ED-4DB2-BD59-A6C34878D82A}">
+                        <a16:rowId xmlns:a16="http://schemas.microsoft.com/office/drawing/2014/main" val="1995253890"/>
+                      </a:ext>
+                    </a:extLst>
+                  </a:tr>
+                  <a:tr h="342515">
+                    <a:tc>
+                      <a:txBody>
+                        <a:bodyPr/>
+                        <a:lstStyle/>
+                        <a:p>
+                          <a:pPr algn="ctr"/>
+                          <a:r>
+                            <a:rPr lang="en-US" sz="1200" dirty="0" err="1">
+                              <a:solidFill>
+                                <a:schemeClr val="accent2">
+                                  <a:lumMod val="50000"/>
+                                </a:schemeClr>
+                              </a:solidFill>
+                              <a:latin typeface="Roboto Condensed" panose="02000000000000000000" pitchFamily="2" charset="0"/>
+                              <a:ea typeface="Roboto Condensed" panose="02000000000000000000" pitchFamily="2" charset="0"/>
+                            </a:rPr>
+                            <a:t>calculate_magnetic_field_at_center</a:t>
+                          </a:r>
+                          <a:endParaRPr lang="en-US" sz="1200" dirty="0">
+                            <a:solidFill>
+                              <a:schemeClr val="accent2">
+                                <a:lumMod val="50000"/>
+                              </a:schemeClr>
+                            </a:solidFill>
+                            <a:latin typeface="Roboto Condensed" panose="02000000000000000000" pitchFamily="2" charset="0"/>
+                            <a:ea typeface="Roboto Condensed" panose="02000000000000000000" pitchFamily="2" charset="0"/>
+                          </a:endParaRPr>
+                        </a:p>
+                      </a:txBody>
+                      <a:tcPr anchor="ctr"/>
+                    </a:tc>
+                    <a:tc>
+                      <a:txBody>
+                        <a:bodyPr/>
+                        <a:lstStyle/>
+                        <a:p>
+                          <a:pPr marL="0" marR="0" lvl="0" indent="0" algn="ctr" defTabSz="914400" rtl="0" eaLnBrk="1" fontAlgn="auto" latinLnBrk="0" hangingPunct="1">
+                            <a:lnSpc>
+                              <a:spcPct val="100000"/>
+                            </a:lnSpc>
+                            <a:spcBef>
+                              <a:spcPts val="0"/>
+                            </a:spcBef>
+                            <a:spcAft>
+                              <a:spcPts val="0"/>
+                            </a:spcAft>
+                            <a:buClr>
+                              <a:srgbClr val="000000"/>
+                            </a:buClr>
+                            <a:buSzTx/>
+                            <a:buFont typeface="Arial"/>
+                            <a:buNone/>
+                            <a:tabLst/>
+                            <a:defRPr/>
+                          </a:pPr>
+                          <a:r>
+                            <a:rPr lang="en-US" sz="1200" dirty="0" err="1">
+                              <a:solidFill>
+                                <a:schemeClr val="accent2">
+                                  <a:lumMod val="50000"/>
+                                </a:schemeClr>
+                              </a:solidFill>
+                              <a:latin typeface="Roboto Condensed" panose="02000000000000000000" pitchFamily="2" charset="0"/>
+                              <a:ea typeface="Roboto Condensed" panose="02000000000000000000" pitchFamily="2" charset="0"/>
+                            </a:rPr>
+                            <a:t>CoilT</a:t>
+                          </a:r>
+                          <a:r>
+                            <a:rPr lang="en-US" sz="1200" dirty="0">
+                              <a:solidFill>
+                                <a:schemeClr val="accent2">
+                                  <a:lumMod val="50000"/>
+                                </a:schemeClr>
+                              </a:solidFill>
+                              <a:latin typeface="Roboto Condensed" panose="02000000000000000000" pitchFamily="2" charset="0"/>
+                              <a:ea typeface="Roboto Condensed" panose="02000000000000000000" pitchFamily="2" charset="0"/>
+                            </a:rPr>
+                            <a:t>, bool</a:t>
+                          </a:r>
+                        </a:p>
+                      </a:txBody>
+                      <a:tcPr anchor="ctr"/>
+                    </a:tc>
+                    <a:tc>
+                      <a:txBody>
+                        <a:bodyPr/>
+                        <a:lstStyle/>
+                        <a:p>
+                          <a:endParaRPr lang="en-US"/>
+                        </a:p>
+                      </a:txBody>
+                      <a:tcPr anchor="ctr">
+                        <a:blipFill>
+                          <a:blip r:embed="rId2"/>
+                          <a:stretch>
+                            <a:fillRect l="-388372" t="-394737" r="-930" b="-198246"/>
                           </a:stretch>
                         </a:blipFill>
                       </a:tcPr>
@@ -9928,6 +10160,150 @@
                     <a:extLst>
                       <a:ext uri="{0D108BD9-81ED-4DB2-BD59-A6C34878D82A}">
                         <a16:rowId xmlns:a16="http://schemas.microsoft.com/office/drawing/2014/main" val="1086098234"/>
+                      </a:ext>
+                    </a:extLst>
+                  </a:tr>
+                  <a:tr h="338831">
+                    <a:tc>
+                      <a:txBody>
+                        <a:bodyPr/>
+                        <a:lstStyle/>
+                        <a:p>
+                          <a:pPr algn="ctr"/>
+                          <a:r>
+                            <a:rPr lang="en-US" sz="1200" dirty="0" err="1">
+                              <a:solidFill>
+                                <a:schemeClr val="accent2">
+                                  <a:lumMod val="50000"/>
+                                </a:schemeClr>
+                              </a:solidFill>
+                              <a:latin typeface="Roboto Condensed" panose="02000000000000000000" pitchFamily="2" charset="0"/>
+                              <a:ea typeface="Roboto Condensed" panose="02000000000000000000" pitchFamily="2" charset="0"/>
+                            </a:rPr>
+                            <a:t>calculate_current_of_target_torque</a:t>
+                          </a:r>
+                          <a:endParaRPr lang="en-US" sz="1200" dirty="0">
+                            <a:solidFill>
+                              <a:schemeClr val="accent2">
+                                <a:lumMod val="50000"/>
+                              </a:schemeClr>
+                            </a:solidFill>
+                            <a:latin typeface="Roboto Condensed" panose="02000000000000000000" pitchFamily="2" charset="0"/>
+                            <a:ea typeface="Roboto Condensed" panose="02000000000000000000" pitchFamily="2" charset="0"/>
+                          </a:endParaRPr>
+                        </a:p>
+                      </a:txBody>
+                      <a:tcPr anchor="ctr"/>
+                    </a:tc>
+                    <a:tc>
+                      <a:txBody>
+                        <a:bodyPr/>
+                        <a:lstStyle/>
+                        <a:p>
+                          <a:endParaRPr lang="en-US"/>
+                        </a:p>
+                      </a:txBody>
+                      <a:tcPr anchor="ctr">
+                        <a:blipFill>
+                          <a:blip r:embed="rId2"/>
+                          <a:stretch>
+                            <a:fillRect l="-115762" t="-512727" r="-56072" b="-105455"/>
+                          </a:stretch>
+                        </a:blipFill>
+                      </a:tcPr>
+                    </a:tc>
+                    <a:tc>
+                      <a:txBody>
+                        <a:bodyPr/>
+                        <a:lstStyle/>
+                        <a:p>
+                          <a:endParaRPr lang="en-US"/>
+                        </a:p>
+                      </a:txBody>
+                      <a:tcPr anchor="ctr">
+                        <a:blipFill>
+                          <a:blip r:embed="rId2"/>
+                          <a:stretch>
+                            <a:fillRect l="-388372" t="-512727" r="-930" b="-105455"/>
+                          </a:stretch>
+                        </a:blipFill>
+                      </a:tcPr>
+                    </a:tc>
+                    <a:extLst>
+                      <a:ext uri="{0D108BD9-81ED-4DB2-BD59-A6C34878D82A}">
+                        <a16:rowId xmlns:a16="http://schemas.microsoft.com/office/drawing/2014/main" val="3679092715"/>
+                      </a:ext>
+                    </a:extLst>
+                  </a:tr>
+                  <a:tr h="338831">
+                    <a:tc>
+                      <a:txBody>
+                        <a:bodyPr/>
+                        <a:lstStyle/>
+                        <a:p>
+                          <a:pPr algn="ctr"/>
+                          <a:r>
+                            <a:rPr lang="en-US" sz="1200" dirty="0" err="1">
+                              <a:solidFill>
+                                <a:schemeClr val="accent2">
+                                  <a:lumMod val="50000"/>
+                                </a:schemeClr>
+                              </a:solidFill>
+                              <a:latin typeface="Roboto Condensed" panose="02000000000000000000" pitchFamily="2" charset="0"/>
+                              <a:ea typeface="Roboto Condensed" panose="02000000000000000000" pitchFamily="2" charset="0"/>
+                            </a:rPr>
+                            <a:t>calculate_current_of_target_force</a:t>
+                          </a:r>
+                          <a:endParaRPr lang="en-US" sz="1200" dirty="0">
+                            <a:solidFill>
+                              <a:schemeClr val="accent2">
+                                <a:lumMod val="50000"/>
+                              </a:schemeClr>
+                            </a:solidFill>
+                            <a:latin typeface="Roboto Condensed" panose="02000000000000000000" pitchFamily="2" charset="0"/>
+                            <a:ea typeface="Roboto Condensed" panose="02000000000000000000" pitchFamily="2" charset="0"/>
+                          </a:endParaRPr>
+                        </a:p>
+                      </a:txBody>
+                      <a:tcPr anchor="ctr"/>
+                    </a:tc>
+                    <a:tc>
+                      <a:txBody>
+                        <a:bodyPr/>
+                        <a:lstStyle/>
+                        <a:p>
+                          <a:endParaRPr lang="en-US"/>
+                        </a:p>
+                      </a:txBody>
+                      <a:tcPr anchor="ctr">
+                        <a:blipFill>
+                          <a:blip r:embed="rId2"/>
+                          <a:stretch>
+                            <a:fillRect l="-115762" t="-601786" r="-56072" b="-3571"/>
+                          </a:stretch>
+                        </a:blipFill>
+                      </a:tcPr>
+                    </a:tc>
+                    <a:tc>
+                      <a:txBody>
+                        <a:bodyPr/>
+                        <a:lstStyle/>
+                        <a:p>
+                          <a:endParaRPr lang="en-US"/>
+                        </a:p>
+                      </a:txBody>
+                      <a:tcPr anchor="ctr">
+                        <a:blipFill>
+                          <a:blip r:embed="rId2"/>
+                          <a:stretch>
+                            <a:fillRect l="-388372" t="-601786" r="-930" b="-3571"/>
+                          </a:stretch>
+                        </a:blipFill>
+                      </a:tcPr>
+                    </a:tc>
+                    <a:extLst>
+                      <a:ext uri="{0D108BD9-81ED-4DB2-BD59-A6C34878D82A}">
+                        <a16:rowId xmlns:a16="http://schemas.microsoft.com/office/drawing/2014/main" val="378497292"/>
                       </a:ext>
                     </a:extLst>
                   </a:tr>
@@ -10041,7 +10417,7 @@
             </a:pPr>
             <a:r>
               <a:rPr lang="en-US" sz="2000" dirty="0" err="1"/>
-              <a:t>coilT</a:t>
+              <a:t>CoilT</a:t>
             </a:r>
             <a:r>
               <a:rPr lang="en-US" sz="2000" dirty="0"/>
@@ -10281,8 +10657,8 @@
           </p:sp>
         </mc:Fallback>
       </mc:AlternateContent>
-      <mc:AlternateContent xmlns:mc="http://schemas.openxmlformats.org/markup-compatibility/2006" xmlns:a14="http://schemas.microsoft.com/office/drawing/2010/main">
-        <mc:Choice Requires="a14">
+      <mc:AlternateContent xmlns:mc="http://schemas.openxmlformats.org/markup-compatibility/2006">
+        <mc:Choice xmlns:a14="http://schemas.microsoft.com/office/drawing/2010/main" Requires="a14">
           <p:graphicFrame>
             <p:nvGraphicFramePr>
               <p:cNvPr id="4" name="Table 3">
@@ -10298,7 +10674,7 @@
               <p:nvPr>
                 <p:extLst>
                   <p:ext uri="{D42A27DB-BD31-4B8C-83A1-F6EECF244321}">
-                    <p14:modId xmlns:p14="http://schemas.microsoft.com/office/powerpoint/2010/main" val="2432149403"/>
+                    <p14:modId xmlns:p14="http://schemas.microsoft.com/office/powerpoint/2010/main" val="2240057392"/>
                   </p:ext>
                 </p:extLst>
               </p:nvPr>
@@ -10344,12 +10720,16 @@
                         <a:p>
                           <a:pPr algn="ctr"/>
                           <a:r>
-                            <a:rPr lang="en-US" dirty="0">
+                            <a:rPr lang="en-US">
                               <a:latin typeface="Roboto Condensed" panose="02000000000000000000" pitchFamily="2" charset="0"/>
                               <a:ea typeface="Roboto Condensed" panose="02000000000000000000" pitchFamily="2" charset="0"/>
                             </a:rPr>
                             <a:t>Name</a:t>
                           </a:r>
+                          <a:endParaRPr lang="en-US" dirty="0">
+                            <a:latin typeface="Roboto Condensed" panose="02000000000000000000" pitchFamily="2" charset="0"/>
+                            <a:ea typeface="Roboto Condensed" panose="02000000000000000000" pitchFamily="2" charset="0"/>
+                          </a:endParaRPr>
                         </a:p>
                       </a:txBody>
                       <a:tcPr anchor="ctr"/>
@@ -10361,12 +10741,16 @@
                         <a:p>
                           <a:pPr algn="ctr"/>
                           <a:r>
-                            <a:rPr lang="en-US" dirty="0">
+                            <a:rPr lang="en-US">
                               <a:latin typeface="Roboto Condensed" panose="02000000000000000000" pitchFamily="2" charset="0"/>
                               <a:ea typeface="Roboto Condensed" panose="02000000000000000000" pitchFamily="2" charset="0"/>
                             </a:rPr>
                             <a:t>In</a:t>
                           </a:r>
+                          <a:endParaRPr lang="en-US" dirty="0">
+                            <a:latin typeface="Roboto Condensed" panose="02000000000000000000" pitchFamily="2" charset="0"/>
+                            <a:ea typeface="Roboto Condensed" panose="02000000000000000000" pitchFamily="2" charset="0"/>
+                          </a:endParaRPr>
                         </a:p>
                       </a:txBody>
                       <a:tcPr anchor="ctr"/>
@@ -10378,12 +10762,16 @@
                         <a:p>
                           <a:pPr algn="ctr"/>
                           <a:r>
-                            <a:rPr lang="en-US" dirty="0">
+                            <a:rPr lang="en-US">
                               <a:latin typeface="Roboto Condensed" panose="02000000000000000000" pitchFamily="2" charset="0"/>
                               <a:ea typeface="Roboto Condensed" panose="02000000000000000000" pitchFamily="2" charset="0"/>
                             </a:rPr>
                             <a:t>Out</a:t>
                           </a:r>
+                          <a:endParaRPr lang="en-US" dirty="0">
+                            <a:latin typeface="Roboto Condensed" panose="02000000000000000000" pitchFamily="2" charset="0"/>
+                            <a:ea typeface="Roboto Condensed" panose="02000000000000000000" pitchFamily="2" charset="0"/>
+                          </a:endParaRPr>
                         </a:p>
                       </a:txBody>
                       <a:tcPr anchor="ctr"/>
@@ -10402,7 +10790,7 @@
                         <a:p>
                           <a:pPr algn="ctr"/>
                           <a:r>
-                            <a:rPr lang="en-US" dirty="0">
+                            <a:rPr lang="en-US">
                               <a:solidFill>
                                 <a:schemeClr val="accent2">
                                   <a:lumMod val="50000"/>
@@ -10411,8 +10799,17 @@
                               <a:latin typeface="Roboto Condensed" panose="02000000000000000000" pitchFamily="2" charset="0"/>
                               <a:ea typeface="Roboto Condensed" panose="02000000000000000000" pitchFamily="2" charset="0"/>
                             </a:rPr>
-                            <a:t>cons</a:t>
+                            <a:t>CoilT</a:t>
                           </a:r>
+                          <a:endParaRPr lang="en-US" dirty="0">
+                            <a:solidFill>
+                              <a:schemeClr val="accent2">
+                                <a:lumMod val="50000"/>
+                              </a:schemeClr>
+                            </a:solidFill>
+                            <a:latin typeface="Roboto Condensed" panose="02000000000000000000" pitchFamily="2" charset="0"/>
+                            <a:ea typeface="Roboto Condensed" panose="02000000000000000000" pitchFamily="2" charset="0"/>
+                          </a:endParaRPr>
                         </a:p>
                       </a:txBody>
                       <a:tcPr anchor="ctr"/>
@@ -10422,25 +10819,7 @@
                         <a:bodyPr/>
                         <a:lstStyle/>
                         <a:p>
-                          <a:pPr marL="0" marR="0" lvl="0" indent="0" algn="ctr" defTabSz="914400" rtl="0" eaLnBrk="1" fontAlgn="auto" latinLnBrk="0" hangingPunct="1">
-                            <a:lnSpc>
-                              <a:spcPct val="100000"/>
-                            </a:lnSpc>
-                            <a:spcBef>
-                              <a:spcPts val="0"/>
-                            </a:spcBef>
-                            <a:spcAft>
-                              <a:spcPts val="0"/>
-                            </a:spcAft>
-                            <a:buClr>
-                              <a:srgbClr val="000000"/>
-                            </a:buClr>
-                            <a:buSzTx/>
-                            <a:buFont typeface="Arial"/>
-                            <a:buNone/>
-                            <a:tabLst/>
-                            <a:defRPr/>
-                          </a:pPr>
+                          <a:pPr algn="ctr"/>
                           <a14:m>
                             <m:oMathPara xmlns:m="http://schemas.openxmlformats.org/officeDocument/2006/math">
                               <m:oMathParaPr>
@@ -10448,7 +10827,7 @@
                               </m:oMathParaPr>
                               <m:oMath xmlns:m="http://schemas.openxmlformats.org/officeDocument/2006/math">
                                 <m:r>
-                                  <a:rPr lang="en-US" i="1" dirty="0" smtClean="0">
+                                  <a:rPr lang="en-US" sz="1400" b="0" i="1" dirty="0" smtClean="0">
                                     <a:solidFill>
                                       <a:schemeClr val="accent2">
                                         <a:lumMod val="50000"/>
@@ -10457,10 +10836,25 @@
                                     <a:latin typeface="Cambria Math" panose="02040503050406030204" pitchFamily="18" charset="0"/>
                                     <a:ea typeface="Roboto Condensed" panose="02000000000000000000" pitchFamily="2" charset="0"/>
                                   </a:rPr>
-                                  <m:t>𝑅</m:t>
+                                  <m:t>ℝ</m:t>
                                 </m:r>
                                 <m:r>
-                                  <a:rPr lang="en-US" i="1" dirty="0" smtClean="0">
+                                  <m:rPr>
+                                    <m:nor/>
+                                  </m:rPr>
+                                  <a:rPr lang="en-US" sz="1400" dirty="0">
+                                    <a:solidFill>
+                                      <a:schemeClr val="accent2">
+                                        <a:lumMod val="50000"/>
+                                      </a:schemeClr>
+                                    </a:solidFill>
+                                    <a:latin typeface="Roboto Condensed" panose="02000000000000000000" pitchFamily="2" charset="0"/>
+                                    <a:ea typeface="Roboto Condensed" panose="02000000000000000000" pitchFamily="2" charset="0"/>
+                                  </a:rPr>
+                                  <m:t>, </m:t>
+                                </m:r>
+                                <m:r>
+                                  <a:rPr lang="en-US" sz="1400" b="0" i="1" dirty="0" smtClean="0">
                                     <a:solidFill>
                                       <a:schemeClr val="accent2">
                                         <a:lumMod val="50000"/>
@@ -10469,22 +10863,57 @@
                                     <a:latin typeface="Cambria Math" panose="02040503050406030204" pitchFamily="18" charset="0"/>
                                     <a:ea typeface="Roboto Condensed" panose="02000000000000000000" pitchFamily="2" charset="0"/>
                                   </a:rPr>
-                                  <m:t>,</m:t>
+                                  <m:t>ℝ</m:t>
                                 </m:r>
                                 <m:r>
-                                  <a:rPr lang="en-US" b="0" i="1" dirty="0" smtClean="0">
+                                  <m:rPr>
+                                    <m:nor/>
+                                  </m:rPr>
+                                  <a:rPr lang="en-US" sz="1400" dirty="0">
                                     <a:solidFill>
                                       <a:schemeClr val="accent2">
                                         <a:lumMod val="50000"/>
                                       </a:schemeClr>
                                     </a:solidFill>
-                                    <a:latin typeface="Cambria Math" panose="02040503050406030204" pitchFamily="18" charset="0"/>
+                                    <a:latin typeface="Roboto Condensed" panose="02000000000000000000" pitchFamily="2" charset="0"/>
                                     <a:ea typeface="Roboto Condensed" panose="02000000000000000000" pitchFamily="2" charset="0"/>
                                   </a:rPr>
-                                  <m:t>𝑙</m:t>
+                                  <m:t>,</m:t>
                                 </m:r>
                                 <m:r>
-                                  <a:rPr lang="en-US" b="0" i="1" dirty="0" smtClean="0">
+                                  <m:rPr>
+                                    <m:nor/>
+                                  </m:rPr>
+                                  <a:rPr lang="en-US" sz="1400" b="0" i="0" dirty="0" smtClean="0">
+                                    <a:solidFill>
+                                      <a:schemeClr val="accent2">
+                                        <a:lumMod val="50000"/>
+                                      </a:schemeClr>
+                                    </a:solidFill>
+                                    <a:latin typeface="Roboto Condensed" panose="02000000000000000000" pitchFamily="2" charset="0"/>
+                                    <a:ea typeface="Roboto Condensed" panose="02000000000000000000" pitchFamily="2" charset="0"/>
+                                  </a:rPr>
+                                  <m:t> </m:t>
+                                </m:r>
+                                <m:r>
+                                  <m:rPr>
+                                    <m:nor/>
+                                  </m:rPr>
+                                  <a:rPr lang="en-US" sz="1400" b="0" i="0" dirty="0" smtClean="0">
+                                    <a:solidFill>
+                                      <a:schemeClr val="accent2">
+                                        <a:lumMod val="50000"/>
+                                      </a:schemeClr>
+                                    </a:solidFill>
+                                    <a:ea typeface="Roboto Condensed" panose="02000000000000000000" pitchFamily="2" charset="0"/>
+                                  </a:rPr>
+                                  <m:t>ℕ</m:t>
+                                </m:r>
+                                <m:r>
+                                  <m:rPr>
+                                    <m:nor/>
+                                  </m:rPr>
+                                  <a:rPr lang="en-US" sz="1400" b="0" i="0" dirty="0" smtClean="0">
                                     <a:solidFill>
                                       <a:schemeClr val="accent2">
                                         <a:lumMod val="50000"/>
@@ -10496,7 +10925,7 @@
                                   <m:t>, </m:t>
                                 </m:r>
                                 <m:r>
-                                  <a:rPr lang="en-US" b="0" i="1" dirty="0" smtClean="0">
+                                  <a:rPr lang="en-US" sz="1400" b="0" i="1" dirty="0" smtClean="0">
                                     <a:solidFill>
                                       <a:schemeClr val="accent2">
                                         <a:lumMod val="50000"/>
@@ -10505,42 +10934,19 @@
                                     <a:latin typeface="Cambria Math" panose="02040503050406030204" pitchFamily="18" charset="0"/>
                                     <a:ea typeface="Roboto Condensed" panose="02000000000000000000" pitchFamily="2" charset="0"/>
                                   </a:rPr>
-                                  <m:t>𝑁</m:t>
-                                </m:r>
-                                <m:r>
-                                  <a:rPr lang="en-US" b="0" i="1" dirty="0" smtClean="0">
-                                    <a:solidFill>
-                                      <a:schemeClr val="accent2">
-                                        <a:lumMod val="50000"/>
-                                      </a:schemeClr>
-                                    </a:solidFill>
-                                    <a:latin typeface="Cambria Math" panose="02040503050406030204" pitchFamily="18" charset="0"/>
-                                    <a:ea typeface="Roboto Condensed" panose="02000000000000000000" pitchFamily="2" charset="0"/>
-                                  </a:rPr>
-                                  <m:t>,</m:t>
-                                </m:r>
-                                <m:r>
-                                  <a:rPr lang="en-US" b="0" i="1" dirty="0" smtClean="0">
-                                    <a:solidFill>
-                                      <a:schemeClr val="accent2">
-                                        <a:lumMod val="50000"/>
-                                      </a:schemeClr>
-                                    </a:solidFill>
-                                    <a:latin typeface="Cambria Math" panose="02040503050406030204" pitchFamily="18" charset="0"/>
-                                    <a:ea typeface="Roboto Condensed" panose="02000000000000000000" pitchFamily="2" charset="0"/>
-                                  </a:rPr>
-                                  <m:t>𝑚𝑎𝑥𝐼</m:t>
+                                  <m:t>ℝ</m:t>
                                 </m:r>
                               </m:oMath>
                             </m:oMathPara>
                           </a14:m>
-                          <a:endParaRPr lang="en-CA" sz="1400" dirty="0">
+                          <a:endParaRPr lang="en-US" sz="1400" dirty="0">
                             <a:solidFill>
-                              <a:srgbClr val="374151"/>
+                              <a:schemeClr val="accent2">
+                                <a:lumMod val="50000"/>
+                              </a:schemeClr>
                             </a:solidFill>
-                            <a:latin typeface="Roboto Condensed Light" panose="02000000000000000000" pitchFamily="2" charset="0"/>
-                            <a:ea typeface="Roboto Condensed Light" panose="02000000000000000000" pitchFamily="2" charset="0"/>
-                            <a:cs typeface="Roboto Condensed Light" panose="02000000000000000000" pitchFamily="2" charset="0"/>
+                            <a:latin typeface="Roboto Condensed" panose="02000000000000000000" pitchFamily="2" charset="0"/>
+                            <a:ea typeface="Roboto Condensed" panose="02000000000000000000" pitchFamily="2" charset="0"/>
                           </a:endParaRPr>
                         </a:p>
                       </a:txBody>
@@ -10552,6 +10958,18 @@
                         <a:lstStyle/>
                         <a:p>
                           <a:pPr algn="ctr"/>
+                          <a:r>
+                            <a:rPr lang="en-US" dirty="0" err="1">
+                              <a:solidFill>
+                                <a:schemeClr val="accent2">
+                                  <a:lumMod val="50000"/>
+                                </a:schemeClr>
+                              </a:solidFill>
+                              <a:latin typeface="Roboto Condensed" panose="02000000000000000000" pitchFamily="2" charset="0"/>
+                              <a:ea typeface="Roboto Condensed" panose="02000000000000000000" pitchFamily="2" charset="0"/>
+                            </a:rPr>
+                            <a:t>CoilT</a:t>
+                          </a:r>
                           <a:endParaRPr lang="en-US" dirty="0">
                             <a:solidFill>
                               <a:schemeClr val="accent2">
@@ -10579,7 +10997,7 @@
                         <a:p>
                           <a:pPr algn="ctr"/>
                           <a:r>
-                            <a:rPr lang="en-US" dirty="0" err="1">
+                            <a:rPr lang="en-US">
                               <a:solidFill>
                                 <a:schemeClr val="accent2">
                                   <a:lumMod val="50000"/>
@@ -10628,7 +11046,7 @@
                             <a:defRPr/>
                           </a:pPr>
                           <a:r>
-                            <a:rPr lang="en-US" dirty="0">
+                            <a:rPr lang="en-US">
                               <a:solidFill>
                                 <a:schemeClr val="accent2">
                                   <a:lumMod val="50000"/>
@@ -10639,6 +11057,15 @@
                             </a:rPr>
                             <a:t>-</a:t>
                           </a:r>
+                          <a:endParaRPr lang="en-US" dirty="0">
+                            <a:solidFill>
+                              <a:schemeClr val="accent2">
+                                <a:lumMod val="50000"/>
+                              </a:schemeClr>
+                            </a:solidFill>
+                            <a:latin typeface="Roboto Condensed" panose="02000000000000000000" pitchFamily="2" charset="0"/>
+                            <a:ea typeface="Roboto Condensed" panose="02000000000000000000" pitchFamily="2" charset="0"/>
+                          </a:endParaRPr>
                         </a:p>
                       </a:txBody>
                       <a:tcPr anchor="ctr"/>
@@ -10656,7 +11083,7 @@
                               </m:oMathParaPr>
                               <m:oMath xmlns:m="http://schemas.openxmlformats.org/officeDocument/2006/math">
                                 <m:r>
-                                  <a:rPr lang="en-US" i="1" dirty="0" smtClean="0">
+                                  <a:rPr lang="en-US" sz="1400" b="0" i="1" dirty="0" smtClean="0">
                                     <a:solidFill>
                                       <a:schemeClr val="accent2">
                                         <a:lumMod val="50000"/>
@@ -10665,7 +11092,7 @@
                                     <a:latin typeface="Cambria Math" panose="02040503050406030204" pitchFamily="18" charset="0"/>
                                     <a:ea typeface="Roboto Condensed" panose="02000000000000000000" pitchFamily="2" charset="0"/>
                                   </a:rPr>
-                                  <m:t>𝑅</m:t>
+                                  <m:t>ℝ</m:t>
                                 </m:r>
                               </m:oMath>
                             </m:oMathPara>
@@ -10697,7 +11124,7 @@
                         <a:p>
                           <a:pPr algn="ctr"/>
                           <a:r>
-                            <a:rPr lang="en-US" dirty="0" err="1">
+                            <a:rPr lang="en-US">
                               <a:solidFill>
                                 <a:schemeClr val="accent2">
                                   <a:lumMod val="50000"/>
@@ -10746,7 +11173,7 @@
                             <a:defRPr/>
                           </a:pPr>
                           <a:r>
-                            <a:rPr lang="en-US" dirty="0">
+                            <a:rPr lang="en-US">
                               <a:solidFill>
                                 <a:schemeClr val="accent2">
                                   <a:lumMod val="50000"/>
@@ -10757,6 +11184,15 @@
                             </a:rPr>
                             <a:t>-</a:t>
                           </a:r>
+                          <a:endParaRPr lang="en-US" dirty="0">
+                            <a:solidFill>
+                              <a:schemeClr val="accent2">
+                                <a:lumMod val="50000"/>
+                              </a:schemeClr>
+                            </a:solidFill>
+                            <a:latin typeface="Roboto Condensed" panose="02000000000000000000" pitchFamily="2" charset="0"/>
+                            <a:ea typeface="Roboto Condensed" panose="02000000000000000000" pitchFamily="2" charset="0"/>
+                          </a:endParaRPr>
                         </a:p>
                       </a:txBody>
                       <a:tcPr anchor="ctr"/>
@@ -10774,7 +11210,7 @@
                               </m:oMathParaPr>
                               <m:oMath xmlns:m="http://schemas.openxmlformats.org/officeDocument/2006/math">
                                 <m:r>
-                                  <a:rPr lang="en-US" b="0" i="1" smtClean="0">
+                                  <a:rPr lang="en-US" sz="1400" b="0" i="1" dirty="0" smtClean="0">
                                     <a:solidFill>
                                       <a:schemeClr val="accent2">
                                         <a:lumMod val="50000"/>
@@ -10783,7 +11219,7 @@
                                     <a:latin typeface="Cambria Math" panose="02040503050406030204" pitchFamily="18" charset="0"/>
                                     <a:ea typeface="Roboto Condensed" panose="02000000000000000000" pitchFamily="2" charset="0"/>
                                   </a:rPr>
-                                  <m:t>𝑙</m:t>
+                                  <m:t>ℝ</m:t>
                                 </m:r>
                               </m:oMath>
                             </m:oMathPara>
@@ -10815,7 +11251,7 @@
                         <a:p>
                           <a:pPr algn="ctr"/>
                           <a:r>
-                            <a:rPr lang="en-US" dirty="0" err="1">
+                            <a:rPr lang="en-US">
                               <a:solidFill>
                                 <a:schemeClr val="accent2">
                                   <a:lumMod val="50000"/>
@@ -10864,7 +11300,7 @@
                             <a:defRPr/>
                           </a:pPr>
                           <a:r>
-                            <a:rPr lang="en-US" dirty="0">
+                            <a:rPr lang="en-US">
                               <a:solidFill>
                                 <a:schemeClr val="accent2">
                                   <a:lumMod val="50000"/>
@@ -10875,6 +11311,15 @@
                             </a:rPr>
                             <a:t>-</a:t>
                           </a:r>
+                          <a:endParaRPr lang="en-US" dirty="0">
+                            <a:solidFill>
+                              <a:schemeClr val="accent2">
+                                <a:lumMod val="50000"/>
+                              </a:schemeClr>
+                            </a:solidFill>
+                            <a:latin typeface="Roboto Condensed" panose="02000000000000000000" pitchFamily="2" charset="0"/>
+                            <a:ea typeface="Roboto Condensed" panose="02000000000000000000" pitchFamily="2" charset="0"/>
+                          </a:endParaRPr>
                         </a:p>
                       </a:txBody>
                       <a:tcPr anchor="ctr"/>
@@ -10892,16 +11337,18 @@
                               </m:oMathParaPr>
                               <m:oMath xmlns:m="http://schemas.openxmlformats.org/officeDocument/2006/math">
                                 <m:r>
-                                  <a:rPr lang="en-US" b="0" i="1" dirty="0" smtClean="0">
+                                  <m:rPr>
+                                    <m:nor/>
+                                  </m:rPr>
+                                  <a:rPr lang="en-US" sz="1400" b="0" i="0" dirty="0" smtClean="0">
                                     <a:solidFill>
                                       <a:schemeClr val="accent2">
                                         <a:lumMod val="50000"/>
                                       </a:schemeClr>
                                     </a:solidFill>
-                                    <a:latin typeface="Cambria Math" panose="02040503050406030204" pitchFamily="18" charset="0"/>
                                     <a:ea typeface="Roboto Condensed" panose="02000000000000000000" pitchFamily="2" charset="0"/>
                                   </a:rPr>
-                                  <m:t>𝑁</m:t>
+                                  <m:t>ℕ</m:t>
                                 </m:r>
                               </m:oMath>
                             </m:oMathPara>
@@ -10933,7 +11380,7 @@
                         <a:p>
                           <a:pPr algn="ctr"/>
                           <a:r>
-                            <a:rPr lang="en-US" dirty="0" err="1">
+                            <a:rPr lang="en-US">
                               <a:solidFill>
                                 <a:schemeClr val="accent2">
                                   <a:lumMod val="50000"/>
@@ -10982,7 +11429,7 @@
                             <a:defRPr/>
                           </a:pPr>
                           <a:r>
-                            <a:rPr lang="en-US" dirty="0">
+                            <a:rPr lang="en-US">
                               <a:solidFill>
                                 <a:schemeClr val="accent2">
                                   <a:lumMod val="50000"/>
@@ -11040,7 +11487,7 @@
                               </m:oMathParaPr>
                               <m:oMath xmlns:m="http://schemas.openxmlformats.org/officeDocument/2006/math">
                                 <m:r>
-                                  <a:rPr lang="en-US" b="0" i="1" dirty="0" smtClean="0">
+                                  <a:rPr lang="en-US" sz="1400" b="0" i="1" dirty="0" smtClean="0">
                                     <a:solidFill>
                                       <a:schemeClr val="accent2">
                                         <a:lumMod val="50000"/>
@@ -11049,7 +11496,7 @@
                                     <a:latin typeface="Cambria Math" panose="02040503050406030204" pitchFamily="18" charset="0"/>
                                     <a:ea typeface="Roboto Condensed" panose="02000000000000000000" pitchFamily="2" charset="0"/>
                                   </a:rPr>
-                                  <m:t>𝑚𝑎𝑥𝐼</m:t>
+                                  <m:t>ℝ</m:t>
                                 </m:r>
                               </m:oMath>
                             </m:oMathPara>
@@ -11078,7 +11525,7 @@
             </a:graphic>
           </p:graphicFrame>
         </mc:Choice>
-        <mc:Fallback xmlns="">
+        <mc:Fallback>
           <p:graphicFrame>
             <p:nvGraphicFramePr>
               <p:cNvPr id="4" name="Table 3">
@@ -11094,7 +11541,7 @@
               <p:nvPr>
                 <p:extLst>
                   <p:ext uri="{D42A27DB-BD31-4B8C-83A1-F6EECF244321}">
-                    <p14:modId xmlns:p14="http://schemas.microsoft.com/office/powerpoint/2010/main" val="2432149403"/>
+                    <p14:modId xmlns:p14="http://schemas.microsoft.com/office/powerpoint/2010/main" val="2240057392"/>
                   </p:ext>
                 </p:extLst>
               </p:nvPr>
@@ -11140,12 +11587,16 @@
                         <a:p>
                           <a:pPr algn="ctr"/>
                           <a:r>
-                            <a:rPr lang="en-US" dirty="0">
+                            <a:rPr lang="en-US">
                               <a:latin typeface="Roboto Condensed" panose="02000000000000000000" pitchFamily="2" charset="0"/>
                               <a:ea typeface="Roboto Condensed" panose="02000000000000000000" pitchFamily="2" charset="0"/>
                             </a:rPr>
                             <a:t>Name</a:t>
                           </a:r>
+                          <a:endParaRPr lang="en-US" dirty="0">
+                            <a:latin typeface="Roboto Condensed" panose="02000000000000000000" pitchFamily="2" charset="0"/>
+                            <a:ea typeface="Roboto Condensed" panose="02000000000000000000" pitchFamily="2" charset="0"/>
+                          </a:endParaRPr>
                         </a:p>
                       </a:txBody>
                       <a:tcPr anchor="ctr"/>
@@ -11157,12 +11608,16 @@
                         <a:p>
                           <a:pPr algn="ctr"/>
                           <a:r>
-                            <a:rPr lang="en-US" dirty="0">
+                            <a:rPr lang="en-US">
                               <a:latin typeface="Roboto Condensed" panose="02000000000000000000" pitchFamily="2" charset="0"/>
                               <a:ea typeface="Roboto Condensed" panose="02000000000000000000" pitchFamily="2" charset="0"/>
                             </a:rPr>
                             <a:t>In</a:t>
                           </a:r>
+                          <a:endParaRPr lang="en-US" dirty="0">
+                            <a:latin typeface="Roboto Condensed" panose="02000000000000000000" pitchFamily="2" charset="0"/>
+                            <a:ea typeface="Roboto Condensed" panose="02000000000000000000" pitchFamily="2" charset="0"/>
+                          </a:endParaRPr>
                         </a:p>
                       </a:txBody>
                       <a:tcPr anchor="ctr"/>
@@ -11174,12 +11629,16 @@
                         <a:p>
                           <a:pPr algn="ctr"/>
                           <a:r>
-                            <a:rPr lang="en-US" dirty="0">
+                            <a:rPr lang="en-US">
                               <a:latin typeface="Roboto Condensed" panose="02000000000000000000" pitchFamily="2" charset="0"/>
                               <a:ea typeface="Roboto Condensed" panose="02000000000000000000" pitchFamily="2" charset="0"/>
                             </a:rPr>
                             <a:t>Out</a:t>
                           </a:r>
+                          <a:endParaRPr lang="en-US" dirty="0">
+                            <a:latin typeface="Roboto Condensed" panose="02000000000000000000" pitchFamily="2" charset="0"/>
+                            <a:ea typeface="Roboto Condensed" panose="02000000000000000000" pitchFamily="2" charset="0"/>
+                          </a:endParaRPr>
                         </a:p>
                       </a:txBody>
                       <a:tcPr anchor="ctr"/>
@@ -11198,7 +11657,7 @@
                         <a:p>
                           <a:pPr algn="ctr"/>
                           <a:r>
-                            <a:rPr lang="en-US" dirty="0">
+                            <a:rPr lang="en-US">
                               <a:solidFill>
                                 <a:schemeClr val="accent2">
                                   <a:lumMod val="50000"/>
@@ -11207,8 +11666,17 @@
                               <a:latin typeface="Roboto Condensed" panose="02000000000000000000" pitchFamily="2" charset="0"/>
                               <a:ea typeface="Roboto Condensed" panose="02000000000000000000" pitchFamily="2" charset="0"/>
                             </a:rPr>
-                            <a:t>cons</a:t>
+                            <a:t>CoilT</a:t>
                           </a:r>
+                          <a:endParaRPr lang="en-US" dirty="0">
+                            <a:solidFill>
+                              <a:schemeClr val="accent2">
+                                <a:lumMod val="50000"/>
+                              </a:schemeClr>
+                            </a:solidFill>
+                            <a:latin typeface="Roboto Condensed" panose="02000000000000000000" pitchFamily="2" charset="0"/>
+                            <a:ea typeface="Roboto Condensed" panose="02000000000000000000" pitchFamily="2" charset="0"/>
+                          </a:endParaRPr>
                         </a:p>
                       </a:txBody>
                       <a:tcPr anchor="ctr"/>
@@ -11236,6 +11704,18 @@
                         <a:lstStyle/>
                         <a:p>
                           <a:pPr algn="ctr"/>
+                          <a:r>
+                            <a:rPr lang="en-US" dirty="0" err="1">
+                              <a:solidFill>
+                                <a:schemeClr val="accent2">
+                                  <a:lumMod val="50000"/>
+                                </a:schemeClr>
+                              </a:solidFill>
+                              <a:latin typeface="Roboto Condensed" panose="02000000000000000000" pitchFamily="2" charset="0"/>
+                              <a:ea typeface="Roboto Condensed" panose="02000000000000000000" pitchFamily="2" charset="0"/>
+                            </a:rPr>
+                            <a:t>CoilT</a:t>
+                          </a:r>
                           <a:endParaRPr lang="en-US" dirty="0">
                             <a:solidFill>
                               <a:schemeClr val="accent2">
@@ -11263,7 +11743,7 @@
                         <a:p>
                           <a:pPr algn="ctr"/>
                           <a:r>
-                            <a:rPr lang="en-US" dirty="0" err="1">
+                            <a:rPr lang="en-US">
                               <a:solidFill>
                                 <a:schemeClr val="accent2">
                                   <a:lumMod val="50000"/>
@@ -11312,7 +11792,7 @@
                             <a:defRPr/>
                           </a:pPr>
                           <a:r>
-                            <a:rPr lang="en-US" dirty="0">
+                            <a:rPr lang="en-US">
                               <a:solidFill>
                                 <a:schemeClr val="accent2">
                                   <a:lumMod val="50000"/>
@@ -11323,6 +11803,15 @@
                             </a:rPr>
                             <a:t>-</a:t>
                           </a:r>
+                          <a:endParaRPr lang="en-US" dirty="0">
+                            <a:solidFill>
+                              <a:schemeClr val="accent2">
+                                <a:lumMod val="50000"/>
+                              </a:schemeClr>
+                            </a:solidFill>
+                            <a:latin typeface="Roboto Condensed" panose="02000000000000000000" pitchFamily="2" charset="0"/>
+                            <a:ea typeface="Roboto Condensed" panose="02000000000000000000" pitchFamily="2" charset="0"/>
+                          </a:endParaRPr>
                         </a:p>
                       </a:txBody>
                       <a:tcPr anchor="ctr"/>
@@ -11358,7 +11847,7 @@
                         <a:p>
                           <a:pPr algn="ctr"/>
                           <a:r>
-                            <a:rPr lang="en-US" dirty="0" err="1">
+                            <a:rPr lang="en-US">
                               <a:solidFill>
                                 <a:schemeClr val="accent2">
                                   <a:lumMod val="50000"/>
@@ -11407,7 +11896,7 @@
                             <a:defRPr/>
                           </a:pPr>
                           <a:r>
-                            <a:rPr lang="en-US" dirty="0">
+                            <a:rPr lang="en-US">
                               <a:solidFill>
                                 <a:schemeClr val="accent2">
                                   <a:lumMod val="50000"/>
@@ -11418,6 +11907,15 @@
                             </a:rPr>
                             <a:t>-</a:t>
                           </a:r>
+                          <a:endParaRPr lang="en-US" dirty="0">
+                            <a:solidFill>
+                              <a:schemeClr val="accent2">
+                                <a:lumMod val="50000"/>
+                              </a:schemeClr>
+                            </a:solidFill>
+                            <a:latin typeface="Roboto Condensed" panose="02000000000000000000" pitchFamily="2" charset="0"/>
+                            <a:ea typeface="Roboto Condensed" panose="02000000000000000000" pitchFamily="2" charset="0"/>
+                          </a:endParaRPr>
                         </a:p>
                       </a:txBody>
                       <a:tcPr anchor="ctr"/>
@@ -11453,7 +11951,7 @@
                         <a:p>
                           <a:pPr algn="ctr"/>
                           <a:r>
-                            <a:rPr lang="en-US" dirty="0" err="1">
+                            <a:rPr lang="en-US">
                               <a:solidFill>
                                 <a:schemeClr val="accent2">
                                   <a:lumMod val="50000"/>
@@ -11502,7 +12000,7 @@
                             <a:defRPr/>
                           </a:pPr>
                           <a:r>
-                            <a:rPr lang="en-US" dirty="0">
+                            <a:rPr lang="en-US">
                               <a:solidFill>
                                 <a:schemeClr val="accent2">
                                   <a:lumMod val="50000"/>
@@ -11513,6 +12011,15 @@
                             </a:rPr>
                             <a:t>-</a:t>
                           </a:r>
+                          <a:endParaRPr lang="en-US" dirty="0">
+                            <a:solidFill>
+                              <a:schemeClr val="accent2">
+                                <a:lumMod val="50000"/>
+                              </a:schemeClr>
+                            </a:solidFill>
+                            <a:latin typeface="Roboto Condensed" panose="02000000000000000000" pitchFamily="2" charset="0"/>
+                            <a:ea typeface="Roboto Condensed" panose="02000000000000000000" pitchFamily="2" charset="0"/>
+                          </a:endParaRPr>
                         </a:p>
                       </a:txBody>
                       <a:tcPr anchor="ctr"/>
@@ -11548,7 +12055,7 @@
                         <a:p>
                           <a:pPr algn="ctr"/>
                           <a:r>
-                            <a:rPr lang="en-US" dirty="0" err="1">
+                            <a:rPr lang="en-US">
                               <a:solidFill>
                                 <a:schemeClr val="accent2">
                                   <a:lumMod val="50000"/>
@@ -11597,7 +12104,7 @@
                             <a:defRPr/>
                           </a:pPr>
                           <a:r>
-                            <a:rPr lang="en-US" dirty="0">
+                            <a:rPr lang="en-US">
                               <a:solidFill>
                                 <a:schemeClr val="accent2">
                                   <a:lumMod val="50000"/>
@@ -11775,7 +12282,7 @@
             </a:pPr>
             <a:r>
               <a:rPr lang="en-US" sz="2000" dirty="0"/>
-              <a:t>Helmholtz Module</a:t>
+              <a:t>Control Module</a:t>
             </a:r>
           </a:p>
         </p:txBody>
@@ -11827,8 +12334,20 @@
                 <a:ea typeface="Roboto Condensed Light" panose="02000000000000000000" pitchFamily="2" charset="0"/>
                 <a:cs typeface="Roboto Condensed Light" panose="02000000000000000000" pitchFamily="2" charset="0"/>
               </a:rPr>
-              <a:t>Vector, coil, magnetic, Output Format Module, Output Verification Module</a:t>
+              <a:t>Input Module, Output Format Module, </a:t>
             </a:r>
+            <a:r>
+              <a:rPr lang="en-US" sz="2000" dirty="0"/>
+              <a:t>Output Verification Module, Magnetic Core Module</a:t>
+            </a:r>
+            <a:endParaRPr lang="en-US" sz="2000" dirty="0">
+              <a:solidFill>
+                <a:srgbClr val="374151"/>
+              </a:solidFill>
+              <a:latin typeface="Roboto Condensed Light" panose="02000000000000000000" pitchFamily="2" charset="0"/>
+              <a:ea typeface="Roboto Condensed Light" panose="02000000000000000000" pitchFamily="2" charset="0"/>
+              <a:cs typeface="Roboto Condensed Light" panose="02000000000000000000" pitchFamily="2" charset="0"/>
+            </a:endParaRPr>
           </a:p>
           <a:p>
             <a:pPr algn="just"/>
@@ -11852,27 +12371,8 @@
                 <a:ea typeface="Roboto Condensed Light" panose="02000000000000000000" pitchFamily="2" charset="0"/>
                 <a:cs typeface="Roboto Condensed Light" panose="02000000000000000000" pitchFamily="2" charset="0"/>
               </a:rPr>
-              <a:t>3 x </a:t>
+              <a:t>-</a:t>
             </a:r>
-            <a:r>
-              <a:rPr lang="en-CA" sz="2000" dirty="0" err="1">
-                <a:solidFill>
-                  <a:srgbClr val="374151"/>
-                </a:solidFill>
-                <a:latin typeface="Roboto Condensed Light" panose="02000000000000000000" pitchFamily="2" charset="0"/>
-                <a:ea typeface="Roboto Condensed Light" panose="02000000000000000000" pitchFamily="2" charset="0"/>
-                <a:cs typeface="Roboto Condensed Light" panose="02000000000000000000" pitchFamily="2" charset="0"/>
-              </a:rPr>
-              <a:t>coilT</a:t>
-            </a:r>
-            <a:endParaRPr lang="en-CA" sz="2000" dirty="0">
-              <a:solidFill>
-                <a:srgbClr val="374151"/>
-              </a:solidFill>
-              <a:latin typeface="Roboto Condensed Light" panose="02000000000000000000" pitchFamily="2" charset="0"/>
-              <a:ea typeface="Roboto Condensed Light" panose="02000000000000000000" pitchFamily="2" charset="0"/>
-              <a:cs typeface="Roboto Condensed Light" panose="02000000000000000000" pitchFamily="2" charset="0"/>
-            </a:endParaRPr>
           </a:p>
           <a:p>
             <a:pPr algn="just"/>
@@ -11898,1600 +12398,228 @@
           </a:p>
         </p:txBody>
       </p:sp>
-      <mc:AlternateContent xmlns:mc="http://schemas.openxmlformats.org/markup-compatibility/2006">
-        <mc:Choice xmlns:a14="http://schemas.microsoft.com/office/drawing/2010/main" Requires="a14">
-          <p:graphicFrame>
-            <p:nvGraphicFramePr>
-              <p:cNvPr id="4" name="Table 3">
+      <p:graphicFrame>
+        <p:nvGraphicFramePr>
+          <p:cNvPr id="4" name="Table 3">
+            <a:extLst>
+              <a:ext uri="{FF2B5EF4-FFF2-40B4-BE49-F238E27FC236}">
+                <a16:creationId xmlns:a16="http://schemas.microsoft.com/office/drawing/2014/main" id="{EF58ADAC-52AF-D013-EEA2-B10E86F21E81}"/>
+              </a:ext>
+            </a:extLst>
+          </p:cNvPr>
+          <p:cNvGraphicFramePr>
+            <a:graphicFrameLocks noGrp="1"/>
+          </p:cNvGraphicFramePr>
+          <p:nvPr>
+            <p:extLst>
+              <p:ext uri="{D42A27DB-BD31-4B8C-83A1-F6EECF244321}">
+                <p14:modId xmlns:p14="http://schemas.microsoft.com/office/powerpoint/2010/main" val="2491987630"/>
+              </p:ext>
+            </p:extLst>
+          </p:nvPr>
+        </p:nvGraphicFramePr>
+        <p:xfrm>
+          <a:off x="1012294" y="3141980"/>
+          <a:ext cx="5488399" cy="741680"/>
+        </p:xfrm>
+        <a:graphic>
+          <a:graphicData uri="http://schemas.openxmlformats.org/drawingml/2006/table">
+            <a:tbl>
+              <a:tblPr firstRow="1" bandRow="1">
+                <a:tableStyleId>{E929F9F4-4A8F-4326-A1B4-22849713DDAB}</a:tableStyleId>
+              </a:tblPr>
+              <a:tblGrid>
+                <a:gridCol w="1524000">
+                  <a:extLst>
+                    <a:ext uri="{9D8B030D-6E8A-4147-A177-3AD203B41FA5}">
+                      <a16:colId xmlns:a16="http://schemas.microsoft.com/office/drawing/2014/main" val="1527678177"/>
+                    </a:ext>
+                  </a:extLst>
+                </a:gridCol>
+                <a:gridCol w="2450644">
+                  <a:extLst>
+                    <a:ext uri="{9D8B030D-6E8A-4147-A177-3AD203B41FA5}">
+                      <a16:colId xmlns:a16="http://schemas.microsoft.com/office/drawing/2014/main" val="529960761"/>
+                    </a:ext>
+                  </a:extLst>
+                </a:gridCol>
+                <a:gridCol w="1513755">
+                  <a:extLst>
+                    <a:ext uri="{9D8B030D-6E8A-4147-A177-3AD203B41FA5}">
+                      <a16:colId xmlns:a16="http://schemas.microsoft.com/office/drawing/2014/main" val="314431527"/>
+                    </a:ext>
+                  </a:extLst>
+                </a:gridCol>
+              </a:tblGrid>
+              <a:tr h="370840">
+                <a:tc>
+                  <a:txBody>
+                    <a:bodyPr/>
+                    <a:lstStyle/>
+                    <a:p>
+                      <a:pPr algn="ctr"/>
+                      <a:r>
+                        <a:rPr lang="en-US" dirty="0">
+                          <a:latin typeface="Roboto Condensed" panose="02000000000000000000" pitchFamily="2" charset="0"/>
+                          <a:ea typeface="Roboto Condensed" panose="02000000000000000000" pitchFamily="2" charset="0"/>
+                        </a:rPr>
+                        <a:t>Name</a:t>
+                      </a:r>
+                    </a:p>
+                  </a:txBody>
+                  <a:tcPr anchor="ctr"/>
+                </a:tc>
+                <a:tc>
+                  <a:txBody>
+                    <a:bodyPr/>
+                    <a:lstStyle/>
+                    <a:p>
+                      <a:pPr algn="ctr"/>
+                      <a:r>
+                        <a:rPr lang="en-US">
+                          <a:latin typeface="Roboto Condensed" panose="02000000000000000000" pitchFamily="2" charset="0"/>
+                          <a:ea typeface="Roboto Condensed" panose="02000000000000000000" pitchFamily="2" charset="0"/>
+                        </a:rPr>
+                        <a:t>In</a:t>
+                      </a:r>
+                      <a:endParaRPr lang="en-US" dirty="0">
+                        <a:latin typeface="Roboto Condensed" panose="02000000000000000000" pitchFamily="2" charset="0"/>
+                        <a:ea typeface="Roboto Condensed" panose="02000000000000000000" pitchFamily="2" charset="0"/>
+                      </a:endParaRPr>
+                    </a:p>
+                  </a:txBody>
+                  <a:tcPr anchor="ctr"/>
+                </a:tc>
+                <a:tc>
+                  <a:txBody>
+                    <a:bodyPr/>
+                    <a:lstStyle/>
+                    <a:p>
+                      <a:pPr algn="ctr"/>
+                      <a:r>
+                        <a:rPr lang="en-US">
+                          <a:latin typeface="Roboto Condensed" panose="02000000000000000000" pitchFamily="2" charset="0"/>
+                          <a:ea typeface="Roboto Condensed" panose="02000000000000000000" pitchFamily="2" charset="0"/>
+                        </a:rPr>
+                        <a:t>Out</a:t>
+                      </a:r>
+                      <a:endParaRPr lang="en-US" dirty="0">
+                        <a:latin typeface="Roboto Condensed" panose="02000000000000000000" pitchFamily="2" charset="0"/>
+                        <a:ea typeface="Roboto Condensed" panose="02000000000000000000" pitchFamily="2" charset="0"/>
+                      </a:endParaRPr>
+                    </a:p>
+                  </a:txBody>
+                  <a:tcPr anchor="ctr"/>
+                </a:tc>
                 <a:extLst>
-                  <a:ext uri="{FF2B5EF4-FFF2-40B4-BE49-F238E27FC236}">
-                    <a16:creationId xmlns:a16="http://schemas.microsoft.com/office/drawing/2014/main" id="{EF58ADAC-52AF-D013-EEA2-B10E86F21E81}"/>
+                  <a:ext uri="{0D108BD9-81ED-4DB2-BD59-A6C34878D82A}">
+                    <a16:rowId xmlns:a16="http://schemas.microsoft.com/office/drawing/2014/main" val="1781836610"/>
                   </a:ext>
                 </a:extLst>
-              </p:cNvPr>
-              <p:cNvGraphicFramePr>
-                <a:graphicFrameLocks noGrp="1"/>
-              </p:cNvGraphicFramePr>
-              <p:nvPr>
-                <p:extLst>
-                  <p:ext uri="{D42A27DB-BD31-4B8C-83A1-F6EECF244321}">
-                    <p14:modId xmlns:p14="http://schemas.microsoft.com/office/powerpoint/2010/main" val="2020468064"/>
-                  </p:ext>
-                </p:extLst>
-              </p:nvPr>
-            </p:nvGraphicFramePr>
-            <p:xfrm>
-              <a:off x="1012294" y="3141980"/>
-              <a:ext cx="5488399" cy="1778000"/>
-            </p:xfrm>
-            <a:graphic>
-              <a:graphicData uri="http://schemas.openxmlformats.org/drawingml/2006/table">
-                <a:tbl>
-                  <a:tblPr firstRow="1" bandRow="1">
-                    <a:tableStyleId>{E929F9F4-4A8F-4326-A1B4-22849713DDAB}</a:tableStyleId>
-                  </a:tblPr>
-                  <a:tblGrid>
-                    <a:gridCol w="1524000">
-                      <a:extLst>
-                        <a:ext uri="{9D8B030D-6E8A-4147-A177-3AD203B41FA5}">
-                          <a16:colId xmlns:a16="http://schemas.microsoft.com/office/drawing/2014/main" val="1527678177"/>
-                        </a:ext>
-                      </a:extLst>
-                    </a:gridCol>
-                    <a:gridCol w="2450644">
-                      <a:extLst>
-                        <a:ext uri="{9D8B030D-6E8A-4147-A177-3AD203B41FA5}">
-                          <a16:colId xmlns:a16="http://schemas.microsoft.com/office/drawing/2014/main" val="529960761"/>
-                        </a:ext>
-                      </a:extLst>
-                    </a:gridCol>
-                    <a:gridCol w="1513755">
-                      <a:extLst>
-                        <a:ext uri="{9D8B030D-6E8A-4147-A177-3AD203B41FA5}">
-                          <a16:colId xmlns:a16="http://schemas.microsoft.com/office/drawing/2014/main" val="314431527"/>
-                        </a:ext>
-                      </a:extLst>
-                    </a:gridCol>
-                  </a:tblGrid>
-                  <a:tr h="370840">
-                    <a:tc>
-                      <a:txBody>
-                        <a:bodyPr/>
-                        <a:lstStyle/>
-                        <a:p>
-                          <a:pPr algn="ctr"/>
-                          <a:r>
-                            <a:rPr lang="en-US">
-                              <a:latin typeface="Roboto Condensed" panose="02000000000000000000" pitchFamily="2" charset="0"/>
-                              <a:ea typeface="Roboto Condensed" panose="02000000000000000000" pitchFamily="2" charset="0"/>
-                            </a:rPr>
-                            <a:t>Name</a:t>
-                          </a:r>
-                          <a:endParaRPr lang="en-US" dirty="0">
-                            <a:latin typeface="Roboto Condensed" panose="02000000000000000000" pitchFamily="2" charset="0"/>
-                            <a:ea typeface="Roboto Condensed" panose="02000000000000000000" pitchFamily="2" charset="0"/>
-                          </a:endParaRPr>
-                        </a:p>
-                      </a:txBody>
-                      <a:tcPr anchor="ctr"/>
-                    </a:tc>
-                    <a:tc>
-                      <a:txBody>
-                        <a:bodyPr/>
-                        <a:lstStyle/>
-                        <a:p>
-                          <a:pPr algn="ctr"/>
-                          <a:r>
-                            <a:rPr lang="en-US">
-                              <a:latin typeface="Roboto Condensed" panose="02000000000000000000" pitchFamily="2" charset="0"/>
-                              <a:ea typeface="Roboto Condensed" panose="02000000000000000000" pitchFamily="2" charset="0"/>
-                            </a:rPr>
-                            <a:t>In</a:t>
-                          </a:r>
-                          <a:endParaRPr lang="en-US" dirty="0">
-                            <a:latin typeface="Roboto Condensed" panose="02000000000000000000" pitchFamily="2" charset="0"/>
-                            <a:ea typeface="Roboto Condensed" panose="02000000000000000000" pitchFamily="2" charset="0"/>
-                          </a:endParaRPr>
-                        </a:p>
-                      </a:txBody>
-                      <a:tcPr anchor="ctr"/>
-                    </a:tc>
-                    <a:tc>
-                      <a:txBody>
-                        <a:bodyPr/>
-                        <a:lstStyle/>
-                        <a:p>
-                          <a:pPr algn="ctr"/>
-                          <a:r>
-                            <a:rPr lang="en-US">
-                              <a:latin typeface="Roboto Condensed" panose="02000000000000000000" pitchFamily="2" charset="0"/>
-                              <a:ea typeface="Roboto Condensed" panose="02000000000000000000" pitchFamily="2" charset="0"/>
-                            </a:rPr>
-                            <a:t>Out</a:t>
-                          </a:r>
-                          <a:endParaRPr lang="en-US" dirty="0">
-                            <a:latin typeface="Roboto Condensed" panose="02000000000000000000" pitchFamily="2" charset="0"/>
-                            <a:ea typeface="Roboto Condensed" panose="02000000000000000000" pitchFamily="2" charset="0"/>
-                          </a:endParaRPr>
-                        </a:p>
-                      </a:txBody>
-                      <a:tcPr anchor="ctr"/>
-                    </a:tc>
-                    <a:extLst>
-                      <a:ext uri="{0D108BD9-81ED-4DB2-BD59-A6C34878D82A}">
-                        <a16:rowId xmlns:a16="http://schemas.microsoft.com/office/drawing/2014/main" val="1781836610"/>
-                      </a:ext>
-                    </a:extLst>
-                  </a:tr>
-                  <a:tr h="370840">
-                    <a:tc>
-                      <a:txBody>
-                        <a:bodyPr/>
-                        <a:lstStyle/>
-                        <a:p>
-                          <a:pPr algn="ctr"/>
-                          <a:endParaRPr lang="en-US" dirty="0">
-                            <a:solidFill>
-                              <a:schemeClr val="accent2">
-                                <a:lumMod val="50000"/>
-                              </a:schemeClr>
-                            </a:solidFill>
-                            <a:latin typeface="Roboto Condensed" panose="02000000000000000000" pitchFamily="2" charset="0"/>
-                            <a:ea typeface="Roboto Condensed" panose="02000000000000000000" pitchFamily="2" charset="0"/>
-                          </a:endParaRPr>
-                        </a:p>
-                      </a:txBody>
-                      <a:tcPr anchor="ctr"/>
-                    </a:tc>
-                    <a:tc>
-                      <a:txBody>
-                        <a:bodyPr/>
-                        <a:lstStyle/>
-                        <a:p>
-                          <a:pPr marL="0" marR="0" lvl="0" indent="0" algn="ctr" defTabSz="914400" rtl="0" eaLnBrk="1" fontAlgn="auto" latinLnBrk="0" hangingPunct="1">
-                            <a:lnSpc>
-                              <a:spcPct val="100000"/>
-                            </a:lnSpc>
-                            <a:spcBef>
-                              <a:spcPts val="0"/>
-                            </a:spcBef>
-                            <a:spcAft>
-                              <a:spcPts val="0"/>
-                            </a:spcAft>
-                            <a:buClr>
-                              <a:srgbClr val="000000"/>
-                            </a:buClr>
-                            <a:buSzTx/>
-                            <a:buFont typeface="Arial"/>
-                            <a:buNone/>
-                            <a:tabLst/>
-                            <a:defRPr/>
-                          </a:pPr>
-                          <a:r>
-                            <a:rPr lang="en-CA" sz="1400" dirty="0">
-                              <a:solidFill>
-                                <a:srgbClr val="374151"/>
-                              </a:solidFill>
-                              <a:latin typeface="Roboto Condensed" panose="02000000000000000000" pitchFamily="2" charset="0"/>
-                              <a:ea typeface="Roboto Condensed" panose="02000000000000000000" pitchFamily="2" charset="0"/>
-                              <a:cs typeface="Roboto Condensed Light" panose="02000000000000000000" pitchFamily="2" charset="0"/>
-                            </a:rPr>
-                            <a:t>coilT, </a:t>
-                          </a:r>
-                          <a:r>
-                            <a:rPr lang="en-CA" sz="1400" dirty="0" err="1">
-                              <a:solidFill>
-                                <a:srgbClr val="374151"/>
-                              </a:solidFill>
-                              <a:latin typeface="Roboto Condensed" panose="02000000000000000000" pitchFamily="2" charset="0"/>
-                              <a:ea typeface="Roboto Condensed" panose="02000000000000000000" pitchFamily="2" charset="0"/>
-                              <a:cs typeface="Roboto Condensed Light" panose="02000000000000000000" pitchFamily="2" charset="0"/>
-                            </a:rPr>
-                            <a:t>coilT</a:t>
-                          </a:r>
-                          <a:r>
-                            <a:rPr lang="en-CA" sz="1400" dirty="0">
-                              <a:solidFill>
-                                <a:srgbClr val="374151"/>
-                              </a:solidFill>
-                              <a:latin typeface="Roboto Condensed" panose="02000000000000000000" pitchFamily="2" charset="0"/>
-                              <a:ea typeface="Roboto Condensed" panose="02000000000000000000" pitchFamily="2" charset="0"/>
-                              <a:cs typeface="Roboto Condensed Light" panose="02000000000000000000" pitchFamily="2" charset="0"/>
-                            </a:rPr>
-                            <a:t>, </a:t>
-                          </a:r>
-                          <a:r>
-                            <a:rPr lang="en-CA" sz="1400" dirty="0" err="1">
-                              <a:solidFill>
-                                <a:srgbClr val="374151"/>
-                              </a:solidFill>
-                              <a:latin typeface="Roboto Condensed" panose="02000000000000000000" pitchFamily="2" charset="0"/>
-                              <a:ea typeface="Roboto Condensed" panose="02000000000000000000" pitchFamily="2" charset="0"/>
-                              <a:cs typeface="Roboto Condensed Light" panose="02000000000000000000" pitchFamily="2" charset="0"/>
-                            </a:rPr>
-                            <a:t>coilT</a:t>
-                          </a:r>
-                          <a:endParaRPr lang="en-US" dirty="0">
-                            <a:solidFill>
-                              <a:schemeClr val="accent2">
-                                <a:lumMod val="50000"/>
-                              </a:schemeClr>
-                            </a:solidFill>
-                            <a:latin typeface="Roboto Condensed" panose="02000000000000000000" pitchFamily="2" charset="0"/>
-                            <a:ea typeface="Roboto Condensed" panose="02000000000000000000" pitchFamily="2" charset="0"/>
-                          </a:endParaRPr>
-                        </a:p>
-                      </a:txBody>
-                      <a:tcPr anchor="ctr"/>
-                    </a:tc>
-                    <a:tc>
-                      <a:txBody>
-                        <a:bodyPr/>
-                        <a:lstStyle/>
-                        <a:p>
-                          <a:pPr algn="ctr"/>
-                          <a:r>
-                            <a:rPr lang="en-US" dirty="0">
-                              <a:solidFill>
-                                <a:schemeClr val="accent2">
-                                  <a:lumMod val="50000"/>
-                                </a:schemeClr>
-                              </a:solidFill>
-                              <a:latin typeface="Roboto Condensed" panose="02000000000000000000" pitchFamily="2" charset="0"/>
-                              <a:ea typeface="Roboto Condensed" panose="02000000000000000000" pitchFamily="2" charset="0"/>
-                            </a:rPr>
-                            <a:t>-</a:t>
-                          </a:r>
-                        </a:p>
-                      </a:txBody>
-                      <a:tcPr anchor="ctr"/>
-                    </a:tc>
-                    <a:extLst>
-                      <a:ext uri="{0D108BD9-81ED-4DB2-BD59-A6C34878D82A}">
-                        <a16:rowId xmlns:a16="http://schemas.microsoft.com/office/drawing/2014/main" val="4009617831"/>
-                      </a:ext>
-                    </a:extLst>
-                  </a:tr>
-                  <a:tr h="370840">
-                    <a:tc>
-                      <a:txBody>
-                        <a:bodyPr/>
-                        <a:lstStyle/>
-                        <a:p>
-                          <a:pPr algn="ctr"/>
-                          <a:r>
-                            <a:rPr lang="en-US" dirty="0" err="1">
-                              <a:solidFill>
-                                <a:schemeClr val="accent2">
-                                  <a:lumMod val="50000"/>
-                                </a:schemeClr>
-                              </a:solidFill>
-                              <a:latin typeface="Roboto Condensed" panose="02000000000000000000" pitchFamily="2" charset="0"/>
-                              <a:ea typeface="Roboto Condensed" panose="02000000000000000000" pitchFamily="2" charset="0"/>
-                            </a:rPr>
-                            <a:t>calculate_current_of_target_torque</a:t>
-                          </a:r>
-                          <a:endParaRPr lang="en-US" dirty="0">
-                            <a:solidFill>
-                              <a:schemeClr val="accent2">
-                                <a:lumMod val="50000"/>
-                              </a:schemeClr>
-                            </a:solidFill>
-                            <a:latin typeface="Roboto Condensed" panose="02000000000000000000" pitchFamily="2" charset="0"/>
-                            <a:ea typeface="Roboto Condensed" panose="02000000000000000000" pitchFamily="2" charset="0"/>
-                          </a:endParaRPr>
-                        </a:p>
-                      </a:txBody>
-                      <a:tcPr anchor="ctr"/>
-                    </a:tc>
-                    <a:tc>
-                      <a:txBody>
-                        <a:bodyPr/>
-                        <a:lstStyle/>
-                        <a:p>
-                          <a:pPr marL="0" marR="0" lvl="0" indent="0" algn="ctr" defTabSz="914400" rtl="0" eaLnBrk="1" fontAlgn="auto" latinLnBrk="0" hangingPunct="1">
-                            <a:lnSpc>
-                              <a:spcPct val="100000"/>
-                            </a:lnSpc>
-                            <a:spcBef>
-                              <a:spcPts val="0"/>
-                            </a:spcBef>
-                            <a:spcAft>
-                              <a:spcPts val="0"/>
-                            </a:spcAft>
-                            <a:buClr>
-                              <a:srgbClr val="000000"/>
-                            </a:buClr>
-                            <a:buSzTx/>
-                            <a:buFont typeface="Arial"/>
-                            <a:buNone/>
-                            <a:tabLst/>
-                            <a:defRPr/>
-                          </a:pPr>
-                          <a14:m>
-                            <m:oMathPara xmlns:m="http://schemas.openxmlformats.org/officeDocument/2006/math">
-                              <m:oMathParaPr>
-                                <m:jc m:val="centerGroup"/>
-                              </m:oMathParaPr>
-                              <m:oMath xmlns:m="http://schemas.openxmlformats.org/officeDocument/2006/math">
-                                <m:r>
-                                  <a:rPr lang="en-US" b="0" i="1" smtClean="0">
-                                    <a:solidFill>
-                                      <a:schemeClr val="accent2">
-                                        <a:lumMod val="50000"/>
-                                      </a:schemeClr>
-                                    </a:solidFill>
-                                    <a:latin typeface="Cambria Math" panose="02040503050406030204" pitchFamily="18" charset="0"/>
-                                    <a:ea typeface="Roboto Condensed" panose="02000000000000000000" pitchFamily="2" charset="0"/>
-                                  </a:rPr>
-                                  <m:t>[</m:t>
-                                </m:r>
-                                <m:sSub>
-                                  <m:sSubPr>
-                                    <m:ctrlPr>
-                                      <a:rPr lang="en-US" i="1" smtClean="0">
-                                        <a:solidFill>
-                                          <a:schemeClr val="accent2">
-                                            <a:lumMod val="50000"/>
-                                          </a:schemeClr>
-                                        </a:solidFill>
-                                        <a:latin typeface="Cambria Math" panose="02040503050406030204" pitchFamily="18" charset="0"/>
-                                        <a:ea typeface="Roboto Condensed" panose="02000000000000000000" pitchFamily="2" charset="0"/>
-                                      </a:rPr>
-                                    </m:ctrlPr>
-                                  </m:sSubPr>
-                                  <m:e>
-                                    <m:r>
-                                      <a:rPr lang="en-US" i="1" smtClean="0">
-                                        <a:solidFill>
-                                          <a:schemeClr val="accent2">
-                                            <a:lumMod val="50000"/>
-                                          </a:schemeClr>
-                                        </a:solidFill>
-                                        <a:latin typeface="Cambria Math" panose="02040503050406030204" pitchFamily="18" charset="0"/>
-                                        <a:ea typeface="Cambria Math" panose="02040503050406030204" pitchFamily="18" charset="0"/>
-                                      </a:rPr>
-                                      <m:t>𝜏</m:t>
-                                    </m:r>
-                                  </m:e>
-                                  <m:sub>
-                                    <m:r>
-                                      <a:rPr lang="en-US" b="0" i="1" smtClean="0">
-                                        <a:solidFill>
-                                          <a:schemeClr val="accent2">
-                                            <a:lumMod val="50000"/>
-                                          </a:schemeClr>
-                                        </a:solidFill>
-                                        <a:latin typeface="Cambria Math" panose="02040503050406030204" pitchFamily="18" charset="0"/>
-                                        <a:ea typeface="Roboto Condensed" panose="02000000000000000000" pitchFamily="2" charset="0"/>
-                                      </a:rPr>
-                                      <m:t>𝑥</m:t>
-                                    </m:r>
-                                  </m:sub>
-                                </m:sSub>
-                                <m:r>
-                                  <a:rPr lang="en-US" b="0" i="1" smtClean="0">
-                                    <a:solidFill>
-                                      <a:schemeClr val="accent2">
-                                        <a:lumMod val="50000"/>
-                                      </a:schemeClr>
-                                    </a:solidFill>
-                                    <a:latin typeface="Cambria Math" panose="02040503050406030204" pitchFamily="18" charset="0"/>
-                                    <a:ea typeface="Roboto Condensed" panose="02000000000000000000" pitchFamily="2" charset="0"/>
-                                  </a:rPr>
-                                  <m:t>,</m:t>
-                                </m:r>
-                                <m:sSub>
-                                  <m:sSubPr>
-                                    <m:ctrlPr>
-                                      <a:rPr lang="en-US" i="1" smtClean="0">
-                                        <a:solidFill>
-                                          <a:schemeClr val="accent2">
-                                            <a:lumMod val="50000"/>
-                                          </a:schemeClr>
-                                        </a:solidFill>
-                                        <a:latin typeface="Cambria Math" panose="02040503050406030204" pitchFamily="18" charset="0"/>
-                                        <a:ea typeface="Roboto Condensed" panose="02000000000000000000" pitchFamily="2" charset="0"/>
-                                      </a:rPr>
-                                    </m:ctrlPr>
-                                  </m:sSubPr>
-                                  <m:e>
-                                    <m:r>
-                                      <a:rPr lang="en-US" i="1" smtClean="0">
-                                        <a:solidFill>
-                                          <a:schemeClr val="accent2">
-                                            <a:lumMod val="50000"/>
-                                          </a:schemeClr>
-                                        </a:solidFill>
-                                        <a:latin typeface="Cambria Math" panose="02040503050406030204" pitchFamily="18" charset="0"/>
-                                        <a:ea typeface="Cambria Math" panose="02040503050406030204" pitchFamily="18" charset="0"/>
-                                      </a:rPr>
-                                      <m:t>𝜏</m:t>
-                                    </m:r>
-                                  </m:e>
-                                  <m:sub>
-                                    <m:r>
-                                      <a:rPr lang="en-US" b="0" i="1" smtClean="0">
-                                        <a:solidFill>
-                                          <a:schemeClr val="accent2">
-                                            <a:lumMod val="50000"/>
-                                          </a:schemeClr>
-                                        </a:solidFill>
-                                        <a:latin typeface="Cambria Math" panose="02040503050406030204" pitchFamily="18" charset="0"/>
-                                        <a:ea typeface="Cambria Math" panose="02040503050406030204" pitchFamily="18" charset="0"/>
-                                      </a:rPr>
-                                      <m:t>𝑦</m:t>
-                                    </m:r>
-                                  </m:sub>
-                                </m:sSub>
-                                <m:r>
-                                  <a:rPr lang="en-US" b="0" i="1" smtClean="0">
-                                    <a:solidFill>
-                                      <a:schemeClr val="accent2">
-                                        <a:lumMod val="50000"/>
-                                      </a:schemeClr>
-                                    </a:solidFill>
-                                    <a:latin typeface="Cambria Math" panose="02040503050406030204" pitchFamily="18" charset="0"/>
-                                    <a:ea typeface="Cambria Math" panose="02040503050406030204" pitchFamily="18" charset="0"/>
-                                  </a:rPr>
-                                  <m:t>,</m:t>
-                                </m:r>
-                                <m:sSub>
-                                  <m:sSubPr>
-                                    <m:ctrlPr>
-                                      <a:rPr lang="en-US" i="1" smtClean="0">
-                                        <a:solidFill>
-                                          <a:schemeClr val="accent2">
-                                            <a:lumMod val="50000"/>
-                                          </a:schemeClr>
-                                        </a:solidFill>
-                                        <a:latin typeface="Cambria Math" panose="02040503050406030204" pitchFamily="18" charset="0"/>
-                                        <a:ea typeface="Roboto Condensed" panose="02000000000000000000" pitchFamily="2" charset="0"/>
-                                      </a:rPr>
-                                    </m:ctrlPr>
-                                  </m:sSubPr>
-                                  <m:e>
-                                    <m:r>
-                                      <a:rPr lang="en-US" i="1" smtClean="0">
-                                        <a:solidFill>
-                                          <a:schemeClr val="accent2">
-                                            <a:lumMod val="50000"/>
-                                          </a:schemeClr>
-                                        </a:solidFill>
-                                        <a:latin typeface="Cambria Math" panose="02040503050406030204" pitchFamily="18" charset="0"/>
-                                        <a:ea typeface="Cambria Math" panose="02040503050406030204" pitchFamily="18" charset="0"/>
-                                      </a:rPr>
-                                      <m:t>𝜏</m:t>
-                                    </m:r>
-                                  </m:e>
-                                  <m:sub>
-                                    <m:r>
-                                      <a:rPr lang="en-US" b="0" i="1" smtClean="0">
-                                        <a:solidFill>
-                                          <a:schemeClr val="accent2">
-                                            <a:lumMod val="50000"/>
-                                          </a:schemeClr>
-                                        </a:solidFill>
-                                        <a:latin typeface="Cambria Math" panose="02040503050406030204" pitchFamily="18" charset="0"/>
-                                        <a:ea typeface="Cambria Math" panose="02040503050406030204" pitchFamily="18" charset="0"/>
-                                      </a:rPr>
-                                      <m:t>𝑧</m:t>
-                                    </m:r>
-                                  </m:sub>
-                                </m:sSub>
-                                <m:r>
-                                  <a:rPr lang="en-US" b="0" i="1" smtClean="0">
-                                    <a:solidFill>
-                                      <a:schemeClr val="accent2">
-                                        <a:lumMod val="50000"/>
-                                      </a:schemeClr>
-                                    </a:solidFill>
-                                    <a:latin typeface="Cambria Math" panose="02040503050406030204" pitchFamily="18" charset="0"/>
-                                    <a:ea typeface="Cambria Math" panose="02040503050406030204" pitchFamily="18" charset="0"/>
-                                  </a:rPr>
-                                  <m:t>]</m:t>
-                                </m:r>
-                              </m:oMath>
-                            </m:oMathPara>
-                          </a14:m>
-                          <a:endParaRPr lang="en-US" dirty="0">
-                            <a:solidFill>
-                              <a:schemeClr val="accent2">
-                                <a:lumMod val="50000"/>
-                              </a:schemeClr>
-                            </a:solidFill>
-                            <a:latin typeface="Roboto Condensed" panose="02000000000000000000" pitchFamily="2" charset="0"/>
-                            <a:ea typeface="Roboto Condensed" panose="02000000000000000000" pitchFamily="2" charset="0"/>
-                          </a:endParaRPr>
-                        </a:p>
-                      </a:txBody>
-                      <a:tcPr anchor="ctr"/>
-                    </a:tc>
-                    <a:tc>
-                      <a:txBody>
-                        <a:bodyPr/>
-                        <a:lstStyle/>
-                        <a:p>
-                          <a:pPr algn="ctr"/>
-                          <a14:m>
-                            <m:oMathPara xmlns:m="http://schemas.openxmlformats.org/officeDocument/2006/math">
-                              <m:oMathParaPr>
-                                <m:jc m:val="centerGroup"/>
-                              </m:oMathParaPr>
-                              <m:oMath xmlns:m="http://schemas.openxmlformats.org/officeDocument/2006/math">
-                                <m:r>
-                                  <a:rPr lang="en-US" b="0" i="1" smtClean="0">
-                                    <a:solidFill>
-                                      <a:schemeClr val="accent2">
-                                        <a:lumMod val="50000"/>
-                                      </a:schemeClr>
-                                    </a:solidFill>
-                                    <a:latin typeface="Cambria Math" panose="02040503050406030204" pitchFamily="18" charset="0"/>
-                                    <a:ea typeface="Roboto Condensed" panose="02000000000000000000" pitchFamily="2" charset="0"/>
-                                  </a:rPr>
-                                  <m:t>[</m:t>
-                                </m:r>
-                                <m:sSub>
-                                  <m:sSubPr>
-                                    <m:ctrlPr>
-                                      <a:rPr lang="en-US" i="1" smtClean="0">
-                                        <a:solidFill>
-                                          <a:schemeClr val="accent2">
-                                            <a:lumMod val="50000"/>
-                                          </a:schemeClr>
-                                        </a:solidFill>
-                                        <a:latin typeface="Cambria Math" panose="02040503050406030204" pitchFamily="18" charset="0"/>
-                                        <a:ea typeface="Roboto Condensed" panose="02000000000000000000" pitchFamily="2" charset="0"/>
-                                      </a:rPr>
-                                    </m:ctrlPr>
-                                  </m:sSubPr>
-                                  <m:e>
-                                    <m:r>
-                                      <a:rPr lang="en-US" b="0" i="1" smtClean="0">
-                                        <a:solidFill>
-                                          <a:schemeClr val="accent2">
-                                            <a:lumMod val="50000"/>
-                                          </a:schemeClr>
-                                        </a:solidFill>
-                                        <a:latin typeface="Cambria Math" panose="02040503050406030204" pitchFamily="18" charset="0"/>
-                                        <a:ea typeface="Roboto Condensed" panose="02000000000000000000" pitchFamily="2" charset="0"/>
-                                      </a:rPr>
-                                      <m:t>𝐼</m:t>
-                                    </m:r>
-                                  </m:e>
-                                  <m:sub>
-                                    <m:r>
-                                      <a:rPr lang="en-US" b="0" i="1" smtClean="0">
-                                        <a:solidFill>
-                                          <a:schemeClr val="accent2">
-                                            <a:lumMod val="50000"/>
-                                          </a:schemeClr>
-                                        </a:solidFill>
-                                        <a:latin typeface="Cambria Math" panose="02040503050406030204" pitchFamily="18" charset="0"/>
-                                        <a:ea typeface="Roboto Condensed" panose="02000000000000000000" pitchFamily="2" charset="0"/>
-                                      </a:rPr>
-                                      <m:t>𝑥</m:t>
-                                    </m:r>
-                                  </m:sub>
-                                </m:sSub>
-                                <m:r>
-                                  <a:rPr lang="en-US" b="0" i="1" smtClean="0">
-                                    <a:solidFill>
-                                      <a:schemeClr val="accent2">
-                                        <a:lumMod val="50000"/>
-                                      </a:schemeClr>
-                                    </a:solidFill>
-                                    <a:latin typeface="Cambria Math" panose="02040503050406030204" pitchFamily="18" charset="0"/>
-                                    <a:ea typeface="Roboto Condensed" panose="02000000000000000000" pitchFamily="2" charset="0"/>
-                                  </a:rPr>
-                                  <m:t>,</m:t>
-                                </m:r>
-                                <m:sSub>
-                                  <m:sSubPr>
-                                    <m:ctrlPr>
-                                      <a:rPr lang="en-US" i="1" smtClean="0">
-                                        <a:solidFill>
-                                          <a:schemeClr val="accent2">
-                                            <a:lumMod val="50000"/>
-                                          </a:schemeClr>
-                                        </a:solidFill>
-                                        <a:latin typeface="Cambria Math" panose="02040503050406030204" pitchFamily="18" charset="0"/>
-                                        <a:ea typeface="Roboto Condensed" panose="02000000000000000000" pitchFamily="2" charset="0"/>
-                                      </a:rPr>
-                                    </m:ctrlPr>
-                                  </m:sSubPr>
-                                  <m:e>
-                                    <m:r>
-                                      <a:rPr lang="en-US" b="0" i="1" smtClean="0">
-                                        <a:solidFill>
-                                          <a:schemeClr val="accent2">
-                                            <a:lumMod val="50000"/>
-                                          </a:schemeClr>
-                                        </a:solidFill>
-                                        <a:latin typeface="Cambria Math" panose="02040503050406030204" pitchFamily="18" charset="0"/>
-                                        <a:ea typeface="Cambria Math" panose="02040503050406030204" pitchFamily="18" charset="0"/>
-                                      </a:rPr>
-                                      <m:t>𝐼</m:t>
-                                    </m:r>
-                                  </m:e>
-                                  <m:sub>
-                                    <m:r>
-                                      <a:rPr lang="en-US" b="0" i="1" smtClean="0">
-                                        <a:solidFill>
-                                          <a:schemeClr val="accent2">
-                                            <a:lumMod val="50000"/>
-                                          </a:schemeClr>
-                                        </a:solidFill>
-                                        <a:latin typeface="Cambria Math" panose="02040503050406030204" pitchFamily="18" charset="0"/>
-                                        <a:ea typeface="Cambria Math" panose="02040503050406030204" pitchFamily="18" charset="0"/>
-                                      </a:rPr>
-                                      <m:t>𝑦</m:t>
-                                    </m:r>
-                                  </m:sub>
-                                </m:sSub>
-                                <m:r>
-                                  <a:rPr lang="en-US" b="0" i="1" smtClean="0">
-                                    <a:solidFill>
-                                      <a:schemeClr val="accent2">
-                                        <a:lumMod val="50000"/>
-                                      </a:schemeClr>
-                                    </a:solidFill>
-                                    <a:latin typeface="Cambria Math" panose="02040503050406030204" pitchFamily="18" charset="0"/>
-                                    <a:ea typeface="Cambria Math" panose="02040503050406030204" pitchFamily="18" charset="0"/>
-                                  </a:rPr>
-                                  <m:t>,</m:t>
-                                </m:r>
-                                <m:sSub>
-                                  <m:sSubPr>
-                                    <m:ctrlPr>
-                                      <a:rPr lang="en-US" i="1" smtClean="0">
-                                        <a:solidFill>
-                                          <a:schemeClr val="accent2">
-                                            <a:lumMod val="50000"/>
-                                          </a:schemeClr>
-                                        </a:solidFill>
-                                        <a:latin typeface="Cambria Math" panose="02040503050406030204" pitchFamily="18" charset="0"/>
-                                        <a:ea typeface="Roboto Condensed" panose="02000000000000000000" pitchFamily="2" charset="0"/>
-                                      </a:rPr>
-                                    </m:ctrlPr>
-                                  </m:sSubPr>
-                                  <m:e>
-                                    <m:r>
-                                      <a:rPr lang="en-US" b="0" i="1" smtClean="0">
-                                        <a:solidFill>
-                                          <a:schemeClr val="accent2">
-                                            <a:lumMod val="50000"/>
-                                          </a:schemeClr>
-                                        </a:solidFill>
-                                        <a:latin typeface="Cambria Math" panose="02040503050406030204" pitchFamily="18" charset="0"/>
-                                        <a:ea typeface="Roboto Condensed" panose="02000000000000000000" pitchFamily="2" charset="0"/>
-                                      </a:rPr>
-                                      <m:t>𝐼</m:t>
-                                    </m:r>
-                                  </m:e>
-                                  <m:sub>
-                                    <m:r>
-                                      <a:rPr lang="en-US" b="0" i="1" smtClean="0">
-                                        <a:solidFill>
-                                          <a:schemeClr val="accent2">
-                                            <a:lumMod val="50000"/>
-                                          </a:schemeClr>
-                                        </a:solidFill>
-                                        <a:latin typeface="Cambria Math" panose="02040503050406030204" pitchFamily="18" charset="0"/>
-                                        <a:ea typeface="Cambria Math" panose="02040503050406030204" pitchFamily="18" charset="0"/>
-                                      </a:rPr>
-                                      <m:t>𝑧</m:t>
-                                    </m:r>
-                                  </m:sub>
-                                </m:sSub>
-                                <m:r>
-                                  <a:rPr lang="en-US" b="0" i="1" smtClean="0">
-                                    <a:solidFill>
-                                      <a:schemeClr val="accent2">
-                                        <a:lumMod val="50000"/>
-                                      </a:schemeClr>
-                                    </a:solidFill>
-                                    <a:latin typeface="Cambria Math" panose="02040503050406030204" pitchFamily="18" charset="0"/>
-                                    <a:ea typeface="Cambria Math" panose="02040503050406030204" pitchFamily="18" charset="0"/>
-                                  </a:rPr>
-                                  <m:t>]</m:t>
-                                </m:r>
-                              </m:oMath>
-                            </m:oMathPara>
-                          </a14:m>
-                          <a:endParaRPr lang="en-US" dirty="0">
-                            <a:solidFill>
-                              <a:schemeClr val="accent2">
-                                <a:lumMod val="50000"/>
-                              </a:schemeClr>
-                            </a:solidFill>
-                            <a:latin typeface="Roboto Condensed" panose="02000000000000000000" pitchFamily="2" charset="0"/>
-                            <a:ea typeface="Roboto Condensed" panose="02000000000000000000" pitchFamily="2" charset="0"/>
-                          </a:endParaRPr>
-                        </a:p>
-                      </a:txBody>
-                      <a:tcPr anchor="ctr"/>
-                    </a:tc>
-                    <a:extLst>
-                      <a:ext uri="{0D108BD9-81ED-4DB2-BD59-A6C34878D82A}">
-                        <a16:rowId xmlns:a16="http://schemas.microsoft.com/office/drawing/2014/main" val="2526313314"/>
-                      </a:ext>
-                    </a:extLst>
-                  </a:tr>
-                  <a:tr h="370840">
-                    <a:tc>
-                      <a:txBody>
-                        <a:bodyPr/>
-                        <a:lstStyle/>
-                        <a:p>
-                          <a:pPr algn="ctr"/>
-                          <a:r>
-                            <a:rPr lang="en-US" dirty="0" err="1">
-                              <a:solidFill>
-                                <a:schemeClr val="accent2">
-                                  <a:lumMod val="50000"/>
-                                </a:schemeClr>
-                              </a:solidFill>
-                              <a:latin typeface="Roboto Condensed" panose="02000000000000000000" pitchFamily="2" charset="0"/>
-                              <a:ea typeface="Roboto Condensed" panose="02000000000000000000" pitchFamily="2" charset="0"/>
-                            </a:rPr>
-                            <a:t>calculate_current_of_target_force</a:t>
-                          </a:r>
-                          <a:endParaRPr lang="en-US" dirty="0">
-                            <a:solidFill>
-                              <a:schemeClr val="accent2">
-                                <a:lumMod val="50000"/>
-                              </a:schemeClr>
-                            </a:solidFill>
-                            <a:latin typeface="Roboto Condensed" panose="02000000000000000000" pitchFamily="2" charset="0"/>
-                            <a:ea typeface="Roboto Condensed" panose="02000000000000000000" pitchFamily="2" charset="0"/>
-                          </a:endParaRPr>
-                        </a:p>
-                      </a:txBody>
-                      <a:tcPr anchor="ctr"/>
-                    </a:tc>
-                    <a:tc>
-                      <a:txBody>
-                        <a:bodyPr/>
-                        <a:lstStyle/>
-                        <a:p>
-                          <a:pPr marL="0" marR="0" lvl="0" indent="0" algn="ctr" defTabSz="914400" rtl="0" eaLnBrk="1" fontAlgn="auto" latinLnBrk="0" hangingPunct="1">
-                            <a:lnSpc>
-                              <a:spcPct val="100000"/>
-                            </a:lnSpc>
-                            <a:spcBef>
-                              <a:spcPts val="0"/>
-                            </a:spcBef>
-                            <a:spcAft>
-                              <a:spcPts val="0"/>
-                            </a:spcAft>
-                            <a:buClr>
-                              <a:srgbClr val="000000"/>
-                            </a:buClr>
-                            <a:buSzTx/>
-                            <a:buFont typeface="Arial"/>
-                            <a:buNone/>
-                            <a:tabLst/>
-                            <a:defRPr/>
-                          </a:pPr>
-                          <a14:m>
-                            <m:oMathPara xmlns:m="http://schemas.openxmlformats.org/officeDocument/2006/math">
-                              <m:oMathParaPr>
-                                <m:jc m:val="centerGroup"/>
-                              </m:oMathParaPr>
-                              <m:oMath xmlns:m="http://schemas.openxmlformats.org/officeDocument/2006/math">
-                                <m:r>
-                                  <a:rPr lang="en-US" b="0" i="1" smtClean="0">
-                                    <a:solidFill>
-                                      <a:schemeClr val="accent2">
-                                        <a:lumMod val="50000"/>
-                                      </a:schemeClr>
-                                    </a:solidFill>
-                                    <a:latin typeface="Cambria Math" panose="02040503050406030204" pitchFamily="18" charset="0"/>
-                                    <a:ea typeface="Roboto Condensed" panose="02000000000000000000" pitchFamily="2" charset="0"/>
-                                  </a:rPr>
-                                  <m:t>[</m:t>
-                                </m:r>
-                                <m:sSub>
-                                  <m:sSubPr>
-                                    <m:ctrlPr>
-                                      <a:rPr lang="en-US" i="1" smtClean="0">
-                                        <a:solidFill>
-                                          <a:schemeClr val="accent2">
-                                            <a:lumMod val="50000"/>
-                                          </a:schemeClr>
-                                        </a:solidFill>
-                                        <a:latin typeface="Cambria Math" panose="02040503050406030204" pitchFamily="18" charset="0"/>
-                                        <a:ea typeface="Roboto Condensed" panose="02000000000000000000" pitchFamily="2" charset="0"/>
-                                      </a:rPr>
-                                    </m:ctrlPr>
-                                  </m:sSubPr>
-                                  <m:e>
-                                    <m:r>
-                                      <a:rPr lang="en-US" b="0" i="1" smtClean="0">
-                                        <a:solidFill>
-                                          <a:schemeClr val="accent2">
-                                            <a:lumMod val="50000"/>
-                                          </a:schemeClr>
-                                        </a:solidFill>
-                                        <a:latin typeface="Cambria Math" panose="02040503050406030204" pitchFamily="18" charset="0"/>
-                                        <a:ea typeface="Cambria Math" panose="02040503050406030204" pitchFamily="18" charset="0"/>
-                                      </a:rPr>
-                                      <m:t>𝐹</m:t>
-                                    </m:r>
-                                  </m:e>
-                                  <m:sub>
-                                    <m:r>
-                                      <a:rPr lang="en-US" b="0" i="1" smtClean="0">
-                                        <a:solidFill>
-                                          <a:schemeClr val="accent2">
-                                            <a:lumMod val="50000"/>
-                                          </a:schemeClr>
-                                        </a:solidFill>
-                                        <a:latin typeface="Cambria Math" panose="02040503050406030204" pitchFamily="18" charset="0"/>
-                                        <a:ea typeface="Roboto Condensed" panose="02000000000000000000" pitchFamily="2" charset="0"/>
-                                      </a:rPr>
-                                      <m:t>𝑥</m:t>
-                                    </m:r>
-                                  </m:sub>
-                                </m:sSub>
-                                <m:r>
-                                  <a:rPr lang="en-US" b="0" i="1" smtClean="0">
-                                    <a:solidFill>
-                                      <a:schemeClr val="accent2">
-                                        <a:lumMod val="50000"/>
-                                      </a:schemeClr>
-                                    </a:solidFill>
-                                    <a:latin typeface="Cambria Math" panose="02040503050406030204" pitchFamily="18" charset="0"/>
-                                    <a:ea typeface="Roboto Condensed" panose="02000000000000000000" pitchFamily="2" charset="0"/>
-                                  </a:rPr>
-                                  <m:t>,</m:t>
-                                </m:r>
-                                <m:sSub>
-                                  <m:sSubPr>
-                                    <m:ctrlPr>
-                                      <a:rPr lang="en-US" i="1" smtClean="0">
-                                        <a:solidFill>
-                                          <a:schemeClr val="accent2">
-                                            <a:lumMod val="50000"/>
-                                          </a:schemeClr>
-                                        </a:solidFill>
-                                        <a:latin typeface="Cambria Math" panose="02040503050406030204" pitchFamily="18" charset="0"/>
-                                        <a:ea typeface="Roboto Condensed" panose="02000000000000000000" pitchFamily="2" charset="0"/>
-                                      </a:rPr>
-                                    </m:ctrlPr>
-                                  </m:sSubPr>
-                                  <m:e>
-                                    <m:r>
-                                      <a:rPr lang="en-US" b="0" i="1" smtClean="0">
-                                        <a:solidFill>
-                                          <a:schemeClr val="accent2">
-                                            <a:lumMod val="50000"/>
-                                          </a:schemeClr>
-                                        </a:solidFill>
-                                        <a:latin typeface="Cambria Math" panose="02040503050406030204" pitchFamily="18" charset="0"/>
-                                        <a:ea typeface="Cambria Math" panose="02040503050406030204" pitchFamily="18" charset="0"/>
-                                      </a:rPr>
-                                      <m:t>𝐹</m:t>
-                                    </m:r>
-                                  </m:e>
-                                  <m:sub>
-                                    <m:r>
-                                      <a:rPr lang="en-US" b="0" i="1" smtClean="0">
-                                        <a:solidFill>
-                                          <a:schemeClr val="accent2">
-                                            <a:lumMod val="50000"/>
-                                          </a:schemeClr>
-                                        </a:solidFill>
-                                        <a:latin typeface="Cambria Math" panose="02040503050406030204" pitchFamily="18" charset="0"/>
-                                        <a:ea typeface="Cambria Math" panose="02040503050406030204" pitchFamily="18" charset="0"/>
-                                      </a:rPr>
-                                      <m:t>𝑦</m:t>
-                                    </m:r>
-                                  </m:sub>
-                                </m:sSub>
-                                <m:r>
-                                  <a:rPr lang="en-US" b="0" i="1" smtClean="0">
-                                    <a:solidFill>
-                                      <a:schemeClr val="accent2">
-                                        <a:lumMod val="50000"/>
-                                      </a:schemeClr>
-                                    </a:solidFill>
-                                    <a:latin typeface="Cambria Math" panose="02040503050406030204" pitchFamily="18" charset="0"/>
-                                    <a:ea typeface="Cambria Math" panose="02040503050406030204" pitchFamily="18" charset="0"/>
-                                  </a:rPr>
-                                  <m:t>,</m:t>
-                                </m:r>
-                                <m:sSub>
-                                  <m:sSubPr>
-                                    <m:ctrlPr>
-                                      <a:rPr lang="en-US" i="1" smtClean="0">
-                                        <a:solidFill>
-                                          <a:schemeClr val="accent2">
-                                            <a:lumMod val="50000"/>
-                                          </a:schemeClr>
-                                        </a:solidFill>
-                                        <a:latin typeface="Cambria Math" panose="02040503050406030204" pitchFamily="18" charset="0"/>
-                                        <a:ea typeface="Roboto Condensed" panose="02000000000000000000" pitchFamily="2" charset="0"/>
-                                      </a:rPr>
-                                    </m:ctrlPr>
-                                  </m:sSubPr>
-                                  <m:e>
-                                    <m:r>
-                                      <a:rPr lang="en-US" b="0" i="1" smtClean="0">
-                                        <a:solidFill>
-                                          <a:schemeClr val="accent2">
-                                            <a:lumMod val="50000"/>
-                                          </a:schemeClr>
-                                        </a:solidFill>
-                                        <a:latin typeface="Cambria Math" panose="02040503050406030204" pitchFamily="18" charset="0"/>
-                                        <a:ea typeface="Cambria Math" panose="02040503050406030204" pitchFamily="18" charset="0"/>
-                                      </a:rPr>
-                                      <m:t>𝐹</m:t>
-                                    </m:r>
-                                  </m:e>
-                                  <m:sub>
-                                    <m:r>
-                                      <a:rPr lang="en-US" b="0" i="1" smtClean="0">
-                                        <a:solidFill>
-                                          <a:schemeClr val="accent2">
-                                            <a:lumMod val="50000"/>
-                                          </a:schemeClr>
-                                        </a:solidFill>
-                                        <a:latin typeface="Cambria Math" panose="02040503050406030204" pitchFamily="18" charset="0"/>
-                                        <a:ea typeface="Cambria Math" panose="02040503050406030204" pitchFamily="18" charset="0"/>
-                                      </a:rPr>
-                                      <m:t>𝑧</m:t>
-                                    </m:r>
-                                  </m:sub>
-                                </m:sSub>
-                                <m:r>
-                                  <a:rPr lang="en-US" b="0" i="1" smtClean="0">
-                                    <a:solidFill>
-                                      <a:schemeClr val="accent2">
-                                        <a:lumMod val="50000"/>
-                                      </a:schemeClr>
-                                    </a:solidFill>
-                                    <a:latin typeface="Cambria Math" panose="02040503050406030204" pitchFamily="18" charset="0"/>
-                                    <a:ea typeface="Cambria Math" panose="02040503050406030204" pitchFamily="18" charset="0"/>
-                                  </a:rPr>
-                                  <m:t>]</m:t>
-                                </m:r>
-                              </m:oMath>
-                            </m:oMathPara>
-                          </a14:m>
-                          <a:endParaRPr lang="en-US" dirty="0">
-                            <a:solidFill>
-                              <a:schemeClr val="accent2">
-                                <a:lumMod val="50000"/>
-                              </a:schemeClr>
-                            </a:solidFill>
-                            <a:latin typeface="Roboto Condensed" panose="02000000000000000000" pitchFamily="2" charset="0"/>
-                            <a:ea typeface="Roboto Condensed" panose="02000000000000000000" pitchFamily="2" charset="0"/>
-                          </a:endParaRPr>
-                        </a:p>
-                      </a:txBody>
-                      <a:tcPr anchor="ctr"/>
-                    </a:tc>
-                    <a:tc>
-                      <a:txBody>
-                        <a:bodyPr/>
-                        <a:lstStyle/>
-                        <a:p>
-                          <a:pPr algn="ctr"/>
-                          <a14:m>
-                            <m:oMathPara xmlns:m="http://schemas.openxmlformats.org/officeDocument/2006/math">
-                              <m:oMathParaPr>
-                                <m:jc m:val="centerGroup"/>
-                              </m:oMathParaPr>
-                              <m:oMath xmlns:m="http://schemas.openxmlformats.org/officeDocument/2006/math">
-                                <m:r>
-                                  <a:rPr lang="en-US" b="0" i="1" smtClean="0">
-                                    <a:solidFill>
-                                      <a:schemeClr val="accent2">
-                                        <a:lumMod val="50000"/>
-                                      </a:schemeClr>
-                                    </a:solidFill>
-                                    <a:latin typeface="Cambria Math" panose="02040503050406030204" pitchFamily="18" charset="0"/>
-                                    <a:ea typeface="Roboto Condensed" panose="02000000000000000000" pitchFamily="2" charset="0"/>
-                                  </a:rPr>
-                                  <m:t>[</m:t>
-                                </m:r>
-                                <m:sSub>
-                                  <m:sSubPr>
-                                    <m:ctrlPr>
-                                      <a:rPr lang="en-US" i="1" smtClean="0">
-                                        <a:solidFill>
-                                          <a:schemeClr val="accent2">
-                                            <a:lumMod val="50000"/>
-                                          </a:schemeClr>
-                                        </a:solidFill>
-                                        <a:latin typeface="Cambria Math" panose="02040503050406030204" pitchFamily="18" charset="0"/>
-                                        <a:ea typeface="Roboto Condensed" panose="02000000000000000000" pitchFamily="2" charset="0"/>
-                                      </a:rPr>
-                                    </m:ctrlPr>
-                                  </m:sSubPr>
-                                  <m:e>
-                                    <m:r>
-                                      <a:rPr lang="en-US" b="0" i="1" smtClean="0">
-                                        <a:solidFill>
-                                          <a:schemeClr val="accent2">
-                                            <a:lumMod val="50000"/>
-                                          </a:schemeClr>
-                                        </a:solidFill>
-                                        <a:latin typeface="Cambria Math" panose="02040503050406030204" pitchFamily="18" charset="0"/>
-                                        <a:ea typeface="Roboto Condensed" panose="02000000000000000000" pitchFamily="2" charset="0"/>
-                                      </a:rPr>
-                                      <m:t>𝐼</m:t>
-                                    </m:r>
-                                  </m:e>
-                                  <m:sub>
-                                    <m:r>
-                                      <a:rPr lang="en-US" b="0" i="1" smtClean="0">
-                                        <a:solidFill>
-                                          <a:schemeClr val="accent2">
-                                            <a:lumMod val="50000"/>
-                                          </a:schemeClr>
-                                        </a:solidFill>
-                                        <a:latin typeface="Cambria Math" panose="02040503050406030204" pitchFamily="18" charset="0"/>
-                                        <a:ea typeface="Roboto Condensed" panose="02000000000000000000" pitchFamily="2" charset="0"/>
-                                      </a:rPr>
-                                      <m:t>𝑥</m:t>
-                                    </m:r>
-                                  </m:sub>
-                                </m:sSub>
-                                <m:r>
-                                  <a:rPr lang="en-US" b="0" i="1" smtClean="0">
-                                    <a:solidFill>
-                                      <a:schemeClr val="accent2">
-                                        <a:lumMod val="50000"/>
-                                      </a:schemeClr>
-                                    </a:solidFill>
-                                    <a:latin typeface="Cambria Math" panose="02040503050406030204" pitchFamily="18" charset="0"/>
-                                    <a:ea typeface="Roboto Condensed" panose="02000000000000000000" pitchFamily="2" charset="0"/>
-                                  </a:rPr>
-                                  <m:t>,</m:t>
-                                </m:r>
-                                <m:sSub>
-                                  <m:sSubPr>
-                                    <m:ctrlPr>
-                                      <a:rPr lang="en-US" i="1" smtClean="0">
-                                        <a:solidFill>
-                                          <a:schemeClr val="accent2">
-                                            <a:lumMod val="50000"/>
-                                          </a:schemeClr>
-                                        </a:solidFill>
-                                        <a:latin typeface="Cambria Math" panose="02040503050406030204" pitchFamily="18" charset="0"/>
-                                        <a:ea typeface="Roboto Condensed" panose="02000000000000000000" pitchFamily="2" charset="0"/>
-                                      </a:rPr>
-                                    </m:ctrlPr>
-                                  </m:sSubPr>
-                                  <m:e>
-                                    <m:r>
-                                      <a:rPr lang="en-US" b="0" i="1" smtClean="0">
-                                        <a:solidFill>
-                                          <a:schemeClr val="accent2">
-                                            <a:lumMod val="50000"/>
-                                          </a:schemeClr>
-                                        </a:solidFill>
-                                        <a:latin typeface="Cambria Math" panose="02040503050406030204" pitchFamily="18" charset="0"/>
-                                        <a:ea typeface="Cambria Math" panose="02040503050406030204" pitchFamily="18" charset="0"/>
-                                      </a:rPr>
-                                      <m:t>𝐼</m:t>
-                                    </m:r>
-                                  </m:e>
-                                  <m:sub>
-                                    <m:r>
-                                      <a:rPr lang="en-US" b="0" i="1" smtClean="0">
-                                        <a:solidFill>
-                                          <a:schemeClr val="accent2">
-                                            <a:lumMod val="50000"/>
-                                          </a:schemeClr>
-                                        </a:solidFill>
-                                        <a:latin typeface="Cambria Math" panose="02040503050406030204" pitchFamily="18" charset="0"/>
-                                        <a:ea typeface="Cambria Math" panose="02040503050406030204" pitchFamily="18" charset="0"/>
-                                      </a:rPr>
-                                      <m:t>𝑦</m:t>
-                                    </m:r>
-                                  </m:sub>
-                                </m:sSub>
-                                <m:r>
-                                  <a:rPr lang="en-US" b="0" i="1" smtClean="0">
-                                    <a:solidFill>
-                                      <a:schemeClr val="accent2">
-                                        <a:lumMod val="50000"/>
-                                      </a:schemeClr>
-                                    </a:solidFill>
-                                    <a:latin typeface="Cambria Math" panose="02040503050406030204" pitchFamily="18" charset="0"/>
-                                    <a:ea typeface="Cambria Math" panose="02040503050406030204" pitchFamily="18" charset="0"/>
-                                  </a:rPr>
-                                  <m:t>,</m:t>
-                                </m:r>
-                                <m:sSub>
-                                  <m:sSubPr>
-                                    <m:ctrlPr>
-                                      <a:rPr lang="en-US" i="1" smtClean="0">
-                                        <a:solidFill>
-                                          <a:schemeClr val="accent2">
-                                            <a:lumMod val="50000"/>
-                                          </a:schemeClr>
-                                        </a:solidFill>
-                                        <a:latin typeface="Cambria Math" panose="02040503050406030204" pitchFamily="18" charset="0"/>
-                                        <a:ea typeface="Roboto Condensed" panose="02000000000000000000" pitchFamily="2" charset="0"/>
-                                      </a:rPr>
-                                    </m:ctrlPr>
-                                  </m:sSubPr>
-                                  <m:e>
-                                    <m:r>
-                                      <a:rPr lang="en-US" b="0" i="1" smtClean="0">
-                                        <a:solidFill>
-                                          <a:schemeClr val="accent2">
-                                            <a:lumMod val="50000"/>
-                                          </a:schemeClr>
-                                        </a:solidFill>
-                                        <a:latin typeface="Cambria Math" panose="02040503050406030204" pitchFamily="18" charset="0"/>
-                                        <a:ea typeface="Roboto Condensed" panose="02000000000000000000" pitchFamily="2" charset="0"/>
-                                      </a:rPr>
-                                      <m:t>𝐼</m:t>
-                                    </m:r>
-                                  </m:e>
-                                  <m:sub>
-                                    <m:r>
-                                      <a:rPr lang="en-US" b="0" i="1" smtClean="0">
-                                        <a:solidFill>
-                                          <a:schemeClr val="accent2">
-                                            <a:lumMod val="50000"/>
-                                          </a:schemeClr>
-                                        </a:solidFill>
-                                        <a:latin typeface="Cambria Math" panose="02040503050406030204" pitchFamily="18" charset="0"/>
-                                        <a:ea typeface="Cambria Math" panose="02040503050406030204" pitchFamily="18" charset="0"/>
-                                      </a:rPr>
-                                      <m:t>𝑧</m:t>
-                                    </m:r>
-                                  </m:sub>
-                                </m:sSub>
-                                <m:r>
-                                  <a:rPr lang="en-US" b="0" i="1" smtClean="0">
-                                    <a:solidFill>
-                                      <a:schemeClr val="accent2">
-                                        <a:lumMod val="50000"/>
-                                      </a:schemeClr>
-                                    </a:solidFill>
-                                    <a:latin typeface="Cambria Math" panose="02040503050406030204" pitchFamily="18" charset="0"/>
-                                    <a:ea typeface="Cambria Math" panose="02040503050406030204" pitchFamily="18" charset="0"/>
-                                  </a:rPr>
-                                  <m:t>]</m:t>
-                                </m:r>
-                              </m:oMath>
-                            </m:oMathPara>
-                          </a14:m>
-                          <a:endParaRPr lang="en-US" dirty="0">
-                            <a:solidFill>
-                              <a:schemeClr val="accent2">
-                                <a:lumMod val="50000"/>
-                              </a:schemeClr>
-                            </a:solidFill>
-                            <a:latin typeface="Roboto Condensed" panose="02000000000000000000" pitchFamily="2" charset="0"/>
-                            <a:ea typeface="Roboto Condensed" panose="02000000000000000000" pitchFamily="2" charset="0"/>
-                          </a:endParaRPr>
-                        </a:p>
-                      </a:txBody>
-                      <a:tcPr anchor="ctr"/>
-                    </a:tc>
-                    <a:extLst>
-                      <a:ext uri="{0D108BD9-81ED-4DB2-BD59-A6C34878D82A}">
-                        <a16:rowId xmlns:a16="http://schemas.microsoft.com/office/drawing/2014/main" val="1821071434"/>
-                      </a:ext>
-                    </a:extLst>
-                  </a:tr>
-                </a:tbl>
-              </a:graphicData>
-            </a:graphic>
-          </p:graphicFrame>
-        </mc:Choice>
-        <mc:Fallback>
-          <p:graphicFrame>
-            <p:nvGraphicFramePr>
-              <p:cNvPr id="4" name="Table 3">
+              </a:tr>
+              <a:tr h="370840">
+                <a:tc>
+                  <a:txBody>
+                    <a:bodyPr/>
+                    <a:lstStyle/>
+                    <a:p>
+                      <a:pPr algn="ctr"/>
+                      <a:r>
+                        <a:rPr lang="en-US" dirty="0">
+                          <a:solidFill>
+                            <a:schemeClr val="accent2">
+                              <a:lumMod val="50000"/>
+                            </a:schemeClr>
+                          </a:solidFill>
+                          <a:latin typeface="Roboto Condensed" panose="02000000000000000000" pitchFamily="2" charset="0"/>
+                          <a:ea typeface="Roboto Condensed" panose="02000000000000000000" pitchFamily="2" charset="0"/>
+                        </a:rPr>
+                        <a:t>main</a:t>
+                      </a:r>
+                    </a:p>
+                  </a:txBody>
+                  <a:tcPr anchor="ctr"/>
+                </a:tc>
+                <a:tc>
+                  <a:txBody>
+                    <a:bodyPr/>
+                    <a:lstStyle/>
+                    <a:p>
+                      <a:pPr marL="0" marR="0" lvl="0" indent="0" algn="ctr" defTabSz="914400" rtl="0" eaLnBrk="1" fontAlgn="auto" latinLnBrk="0" hangingPunct="1">
+                        <a:lnSpc>
+                          <a:spcPct val="100000"/>
+                        </a:lnSpc>
+                        <a:spcBef>
+                          <a:spcPts val="0"/>
+                        </a:spcBef>
+                        <a:spcAft>
+                          <a:spcPts val="0"/>
+                        </a:spcAft>
+                        <a:buClr>
+                          <a:srgbClr val="000000"/>
+                        </a:buClr>
+                        <a:buSzTx/>
+                        <a:buFont typeface="Arial"/>
+                        <a:buNone/>
+                        <a:tabLst/>
+                        <a:defRPr/>
+                      </a:pPr>
+                      <a:r>
+                        <a:rPr lang="en-CA" sz="1400" dirty="0">
+                          <a:solidFill>
+                            <a:srgbClr val="374151"/>
+                          </a:solidFill>
+                          <a:latin typeface="Roboto Condensed" panose="02000000000000000000" pitchFamily="2" charset="0"/>
+                          <a:ea typeface="Roboto Condensed" panose="02000000000000000000" pitchFamily="2" charset="0"/>
+                          <a:cs typeface="Roboto Condensed Light" panose="02000000000000000000" pitchFamily="2" charset="0"/>
+                        </a:rPr>
+                        <a:t>-</a:t>
+                      </a:r>
+                      <a:endParaRPr lang="en-US" dirty="0">
+                        <a:solidFill>
+                          <a:schemeClr val="accent2">
+                            <a:lumMod val="50000"/>
+                          </a:schemeClr>
+                        </a:solidFill>
+                        <a:latin typeface="Roboto Condensed" panose="02000000000000000000" pitchFamily="2" charset="0"/>
+                        <a:ea typeface="Roboto Condensed" panose="02000000000000000000" pitchFamily="2" charset="0"/>
+                      </a:endParaRPr>
+                    </a:p>
+                  </a:txBody>
+                  <a:tcPr anchor="ctr"/>
+                </a:tc>
+                <a:tc>
+                  <a:txBody>
+                    <a:bodyPr/>
+                    <a:lstStyle/>
+                    <a:p>
+                      <a:pPr algn="ctr"/>
+                      <a:r>
+                        <a:rPr lang="en-US" dirty="0">
+                          <a:solidFill>
+                            <a:schemeClr val="accent2">
+                              <a:lumMod val="50000"/>
+                            </a:schemeClr>
+                          </a:solidFill>
+                          <a:latin typeface="Roboto Condensed" panose="02000000000000000000" pitchFamily="2" charset="0"/>
+                          <a:ea typeface="Roboto Condensed" panose="02000000000000000000" pitchFamily="2" charset="0"/>
+                        </a:rPr>
+                        <a:t>-</a:t>
+                      </a:r>
+                    </a:p>
+                  </a:txBody>
+                  <a:tcPr anchor="ctr"/>
+                </a:tc>
                 <a:extLst>
-                  <a:ext uri="{FF2B5EF4-FFF2-40B4-BE49-F238E27FC236}">
-                    <a16:creationId xmlns:a16="http://schemas.microsoft.com/office/drawing/2014/main" id="{EF58ADAC-52AF-D013-EEA2-B10E86F21E81}"/>
+                  <a:ext uri="{0D108BD9-81ED-4DB2-BD59-A6C34878D82A}">
+                    <a16:rowId xmlns:a16="http://schemas.microsoft.com/office/drawing/2014/main" val="4009617831"/>
                   </a:ext>
                 </a:extLst>
-              </p:cNvPr>
-              <p:cNvGraphicFramePr>
-                <a:graphicFrameLocks noGrp="1"/>
-              </p:cNvGraphicFramePr>
-              <p:nvPr>
-                <p:extLst>
-                  <p:ext uri="{D42A27DB-BD31-4B8C-83A1-F6EECF244321}">
-                    <p14:modId xmlns:p14="http://schemas.microsoft.com/office/powerpoint/2010/main" val="2020468064"/>
-                  </p:ext>
-                </p:extLst>
-              </p:nvPr>
-            </p:nvGraphicFramePr>
-            <p:xfrm>
-              <a:off x="1012294" y="3141980"/>
-              <a:ext cx="5488399" cy="1778000"/>
-            </p:xfrm>
-            <a:graphic>
-              <a:graphicData uri="http://schemas.openxmlformats.org/drawingml/2006/table">
-                <a:tbl>
-                  <a:tblPr firstRow="1" bandRow="1">
-                    <a:tableStyleId>{E929F9F4-4A8F-4326-A1B4-22849713DDAB}</a:tableStyleId>
-                  </a:tblPr>
-                  <a:tblGrid>
-                    <a:gridCol w="1524000">
-                      <a:extLst>
-                        <a:ext uri="{9D8B030D-6E8A-4147-A177-3AD203B41FA5}">
-                          <a16:colId xmlns:a16="http://schemas.microsoft.com/office/drawing/2014/main" val="1527678177"/>
-                        </a:ext>
-                      </a:extLst>
-                    </a:gridCol>
-                    <a:gridCol w="2450644">
-                      <a:extLst>
-                        <a:ext uri="{9D8B030D-6E8A-4147-A177-3AD203B41FA5}">
-                          <a16:colId xmlns:a16="http://schemas.microsoft.com/office/drawing/2014/main" val="529960761"/>
-                        </a:ext>
-                      </a:extLst>
-                    </a:gridCol>
-                    <a:gridCol w="1513755">
-                      <a:extLst>
-                        <a:ext uri="{9D8B030D-6E8A-4147-A177-3AD203B41FA5}">
-                          <a16:colId xmlns:a16="http://schemas.microsoft.com/office/drawing/2014/main" val="314431527"/>
-                        </a:ext>
-                      </a:extLst>
-                    </a:gridCol>
-                  </a:tblGrid>
-                  <a:tr h="370840">
-                    <a:tc>
-                      <a:txBody>
-                        <a:bodyPr/>
-                        <a:lstStyle/>
-                        <a:p>
-                          <a:pPr algn="ctr"/>
-                          <a:r>
-                            <a:rPr lang="en-US">
-                              <a:latin typeface="Roboto Condensed" panose="02000000000000000000" pitchFamily="2" charset="0"/>
-                              <a:ea typeface="Roboto Condensed" panose="02000000000000000000" pitchFamily="2" charset="0"/>
-                            </a:rPr>
-                            <a:t>Name</a:t>
-                          </a:r>
-                          <a:endParaRPr lang="en-US" dirty="0">
-                            <a:latin typeface="Roboto Condensed" panose="02000000000000000000" pitchFamily="2" charset="0"/>
-                            <a:ea typeface="Roboto Condensed" panose="02000000000000000000" pitchFamily="2" charset="0"/>
-                          </a:endParaRPr>
-                        </a:p>
-                      </a:txBody>
-                      <a:tcPr anchor="ctr"/>
-                    </a:tc>
-                    <a:tc>
-                      <a:txBody>
-                        <a:bodyPr/>
-                        <a:lstStyle/>
-                        <a:p>
-                          <a:pPr algn="ctr"/>
-                          <a:r>
-                            <a:rPr lang="en-US">
-                              <a:latin typeface="Roboto Condensed" panose="02000000000000000000" pitchFamily="2" charset="0"/>
-                              <a:ea typeface="Roboto Condensed" panose="02000000000000000000" pitchFamily="2" charset="0"/>
-                            </a:rPr>
-                            <a:t>In</a:t>
-                          </a:r>
-                          <a:endParaRPr lang="en-US" dirty="0">
-                            <a:latin typeface="Roboto Condensed" panose="02000000000000000000" pitchFamily="2" charset="0"/>
-                            <a:ea typeface="Roboto Condensed" panose="02000000000000000000" pitchFamily="2" charset="0"/>
-                          </a:endParaRPr>
-                        </a:p>
-                      </a:txBody>
-                      <a:tcPr anchor="ctr"/>
-                    </a:tc>
-                    <a:tc>
-                      <a:txBody>
-                        <a:bodyPr/>
-                        <a:lstStyle/>
-                        <a:p>
-                          <a:pPr algn="ctr"/>
-                          <a:r>
-                            <a:rPr lang="en-US">
-                              <a:latin typeface="Roboto Condensed" panose="02000000000000000000" pitchFamily="2" charset="0"/>
-                              <a:ea typeface="Roboto Condensed" panose="02000000000000000000" pitchFamily="2" charset="0"/>
-                            </a:rPr>
-                            <a:t>Out</a:t>
-                          </a:r>
-                          <a:endParaRPr lang="en-US" dirty="0">
-                            <a:latin typeface="Roboto Condensed" panose="02000000000000000000" pitchFamily="2" charset="0"/>
-                            <a:ea typeface="Roboto Condensed" panose="02000000000000000000" pitchFamily="2" charset="0"/>
-                          </a:endParaRPr>
-                        </a:p>
-                      </a:txBody>
-                      <a:tcPr anchor="ctr"/>
-                    </a:tc>
-                    <a:extLst>
-                      <a:ext uri="{0D108BD9-81ED-4DB2-BD59-A6C34878D82A}">
-                        <a16:rowId xmlns:a16="http://schemas.microsoft.com/office/drawing/2014/main" val="1781836610"/>
-                      </a:ext>
-                    </a:extLst>
-                  </a:tr>
-                  <a:tr h="370840">
-                    <a:tc>
-                      <a:txBody>
-                        <a:bodyPr/>
-                        <a:lstStyle/>
-                        <a:p>
-                          <a:pPr algn="ctr"/>
-                          <a:endParaRPr lang="en-US" dirty="0">
-                            <a:solidFill>
-                              <a:schemeClr val="accent2">
-                                <a:lumMod val="50000"/>
-                              </a:schemeClr>
-                            </a:solidFill>
-                            <a:latin typeface="Roboto Condensed" panose="02000000000000000000" pitchFamily="2" charset="0"/>
-                            <a:ea typeface="Roboto Condensed" panose="02000000000000000000" pitchFamily="2" charset="0"/>
-                          </a:endParaRPr>
-                        </a:p>
-                      </a:txBody>
-                      <a:tcPr anchor="ctr"/>
-                    </a:tc>
-                    <a:tc>
-                      <a:txBody>
-                        <a:bodyPr/>
-                        <a:lstStyle/>
-                        <a:p>
-                          <a:pPr marL="0" marR="0" lvl="0" indent="0" algn="ctr" defTabSz="914400" rtl="0" eaLnBrk="1" fontAlgn="auto" latinLnBrk="0" hangingPunct="1">
-                            <a:lnSpc>
-                              <a:spcPct val="100000"/>
-                            </a:lnSpc>
-                            <a:spcBef>
-                              <a:spcPts val="0"/>
-                            </a:spcBef>
-                            <a:spcAft>
-                              <a:spcPts val="0"/>
-                            </a:spcAft>
-                            <a:buClr>
-                              <a:srgbClr val="000000"/>
-                            </a:buClr>
-                            <a:buSzTx/>
-                            <a:buFont typeface="Arial"/>
-                            <a:buNone/>
-                            <a:tabLst/>
-                            <a:defRPr/>
-                          </a:pPr>
-                          <a:r>
-                            <a:rPr lang="en-CA" sz="1400" dirty="0">
-                              <a:solidFill>
-                                <a:srgbClr val="374151"/>
-                              </a:solidFill>
-                              <a:latin typeface="Roboto Condensed" panose="02000000000000000000" pitchFamily="2" charset="0"/>
-                              <a:ea typeface="Roboto Condensed" panose="02000000000000000000" pitchFamily="2" charset="0"/>
-                              <a:cs typeface="Roboto Condensed Light" panose="02000000000000000000" pitchFamily="2" charset="0"/>
-                            </a:rPr>
-                            <a:t>coilT, </a:t>
-                          </a:r>
-                          <a:r>
-                            <a:rPr lang="en-CA" sz="1400" dirty="0" err="1">
-                              <a:solidFill>
-                                <a:srgbClr val="374151"/>
-                              </a:solidFill>
-                              <a:latin typeface="Roboto Condensed" panose="02000000000000000000" pitchFamily="2" charset="0"/>
-                              <a:ea typeface="Roboto Condensed" panose="02000000000000000000" pitchFamily="2" charset="0"/>
-                              <a:cs typeface="Roboto Condensed Light" panose="02000000000000000000" pitchFamily="2" charset="0"/>
-                            </a:rPr>
-                            <a:t>coilT</a:t>
-                          </a:r>
-                          <a:r>
-                            <a:rPr lang="en-CA" sz="1400" dirty="0">
-                              <a:solidFill>
-                                <a:srgbClr val="374151"/>
-                              </a:solidFill>
-                              <a:latin typeface="Roboto Condensed" panose="02000000000000000000" pitchFamily="2" charset="0"/>
-                              <a:ea typeface="Roboto Condensed" panose="02000000000000000000" pitchFamily="2" charset="0"/>
-                              <a:cs typeface="Roboto Condensed Light" panose="02000000000000000000" pitchFamily="2" charset="0"/>
-                            </a:rPr>
-                            <a:t>, </a:t>
-                          </a:r>
-                          <a:r>
-                            <a:rPr lang="en-CA" sz="1400" dirty="0" err="1">
-                              <a:solidFill>
-                                <a:srgbClr val="374151"/>
-                              </a:solidFill>
-                              <a:latin typeface="Roboto Condensed" panose="02000000000000000000" pitchFamily="2" charset="0"/>
-                              <a:ea typeface="Roboto Condensed" panose="02000000000000000000" pitchFamily="2" charset="0"/>
-                              <a:cs typeface="Roboto Condensed Light" panose="02000000000000000000" pitchFamily="2" charset="0"/>
-                            </a:rPr>
-                            <a:t>coilT</a:t>
-                          </a:r>
-                          <a:endParaRPr lang="en-US" dirty="0">
-                            <a:solidFill>
-                              <a:schemeClr val="accent2">
-                                <a:lumMod val="50000"/>
-                              </a:schemeClr>
-                            </a:solidFill>
-                            <a:latin typeface="Roboto Condensed" panose="02000000000000000000" pitchFamily="2" charset="0"/>
-                            <a:ea typeface="Roboto Condensed" panose="02000000000000000000" pitchFamily="2" charset="0"/>
-                          </a:endParaRPr>
-                        </a:p>
-                      </a:txBody>
-                      <a:tcPr anchor="ctr"/>
-                    </a:tc>
-                    <a:tc>
-                      <a:txBody>
-                        <a:bodyPr/>
-                        <a:lstStyle/>
-                        <a:p>
-                          <a:pPr algn="ctr"/>
-                          <a:r>
-                            <a:rPr lang="en-US" dirty="0">
-                              <a:solidFill>
-                                <a:schemeClr val="accent2">
-                                  <a:lumMod val="50000"/>
-                                </a:schemeClr>
-                              </a:solidFill>
-                              <a:latin typeface="Roboto Condensed" panose="02000000000000000000" pitchFamily="2" charset="0"/>
-                              <a:ea typeface="Roboto Condensed" panose="02000000000000000000" pitchFamily="2" charset="0"/>
-                            </a:rPr>
-                            <a:t>-</a:t>
-                          </a:r>
-                        </a:p>
-                      </a:txBody>
-                      <a:tcPr anchor="ctr"/>
-                    </a:tc>
-                    <a:extLst>
-                      <a:ext uri="{0D108BD9-81ED-4DB2-BD59-A6C34878D82A}">
-                        <a16:rowId xmlns:a16="http://schemas.microsoft.com/office/drawing/2014/main" val="4009617831"/>
-                      </a:ext>
-                    </a:extLst>
-                  </a:tr>
-                  <a:tr h="518160">
-                    <a:tc>
-                      <a:txBody>
-                        <a:bodyPr/>
-                        <a:lstStyle/>
-                        <a:p>
-                          <a:pPr algn="ctr"/>
-                          <a:r>
-                            <a:rPr lang="en-US" dirty="0" err="1">
-                              <a:solidFill>
-                                <a:schemeClr val="accent2">
-                                  <a:lumMod val="50000"/>
-                                </a:schemeClr>
-                              </a:solidFill>
-                              <a:latin typeface="Roboto Condensed" panose="02000000000000000000" pitchFamily="2" charset="0"/>
-                              <a:ea typeface="Roboto Condensed" panose="02000000000000000000" pitchFamily="2" charset="0"/>
-                            </a:rPr>
-                            <a:t>calculate_current_of_target_torque</a:t>
-                          </a:r>
-                          <a:endParaRPr lang="en-US" dirty="0">
-                            <a:solidFill>
-                              <a:schemeClr val="accent2">
-                                <a:lumMod val="50000"/>
-                              </a:schemeClr>
-                            </a:solidFill>
-                            <a:latin typeface="Roboto Condensed" panose="02000000000000000000" pitchFamily="2" charset="0"/>
-                            <a:ea typeface="Roboto Condensed" panose="02000000000000000000" pitchFamily="2" charset="0"/>
-                          </a:endParaRPr>
-                        </a:p>
-                      </a:txBody>
-                      <a:tcPr anchor="ctr"/>
-                    </a:tc>
-                    <a:tc>
-                      <a:txBody>
-                        <a:bodyPr/>
-                        <a:lstStyle/>
-                        <a:p>
-                          <a:endParaRPr lang="en-US"/>
-                        </a:p>
-                      </a:txBody>
-                      <a:tcPr anchor="ctr">
-                        <a:blipFill>
-                          <a:blip r:embed="rId2"/>
-                          <a:stretch>
-                            <a:fillRect l="-62189" t="-141860" r="-62438" b="-110465"/>
-                          </a:stretch>
-                        </a:blipFill>
-                      </a:tcPr>
-                    </a:tc>
-                    <a:tc>
-                      <a:txBody>
-                        <a:bodyPr/>
-                        <a:lstStyle/>
-                        <a:p>
-                          <a:endParaRPr lang="en-US"/>
-                        </a:p>
-                      </a:txBody>
-                      <a:tcPr anchor="ctr">
-                        <a:blipFill>
-                          <a:blip r:embed="rId2"/>
-                          <a:stretch>
-                            <a:fillRect l="-261847" t="-141860" r="-803" b="-110465"/>
-                          </a:stretch>
-                        </a:blipFill>
-                      </a:tcPr>
-                    </a:tc>
-                    <a:extLst>
-                      <a:ext uri="{0D108BD9-81ED-4DB2-BD59-A6C34878D82A}">
-                        <a16:rowId xmlns:a16="http://schemas.microsoft.com/office/drawing/2014/main" val="2526313314"/>
-                      </a:ext>
-                    </a:extLst>
-                  </a:tr>
-                  <a:tr h="518160">
-                    <a:tc>
-                      <a:txBody>
-                        <a:bodyPr/>
-                        <a:lstStyle/>
-                        <a:p>
-                          <a:pPr algn="ctr"/>
-                          <a:r>
-                            <a:rPr lang="en-US" dirty="0" err="1">
-                              <a:solidFill>
-                                <a:schemeClr val="accent2">
-                                  <a:lumMod val="50000"/>
-                                </a:schemeClr>
-                              </a:solidFill>
-                              <a:latin typeface="Roboto Condensed" panose="02000000000000000000" pitchFamily="2" charset="0"/>
-                              <a:ea typeface="Roboto Condensed" panose="02000000000000000000" pitchFamily="2" charset="0"/>
-                            </a:rPr>
-                            <a:t>calculate_current_of_target_force</a:t>
-                          </a:r>
-                          <a:endParaRPr lang="en-US" dirty="0">
-                            <a:solidFill>
-                              <a:schemeClr val="accent2">
-                                <a:lumMod val="50000"/>
-                              </a:schemeClr>
-                            </a:solidFill>
-                            <a:latin typeface="Roboto Condensed" panose="02000000000000000000" pitchFamily="2" charset="0"/>
-                            <a:ea typeface="Roboto Condensed" panose="02000000000000000000" pitchFamily="2" charset="0"/>
-                          </a:endParaRPr>
-                        </a:p>
-                      </a:txBody>
-                      <a:tcPr anchor="ctr"/>
-                    </a:tc>
-                    <a:tc>
-                      <a:txBody>
-                        <a:bodyPr/>
-                        <a:lstStyle/>
-                        <a:p>
-                          <a:endParaRPr lang="en-US"/>
-                        </a:p>
-                      </a:txBody>
-                      <a:tcPr anchor="ctr">
-                        <a:blipFill>
-                          <a:blip r:embed="rId2"/>
-                          <a:stretch>
-                            <a:fillRect l="-62189" t="-244706" r="-62438" b="-11765"/>
-                          </a:stretch>
-                        </a:blipFill>
-                      </a:tcPr>
-                    </a:tc>
-                    <a:tc>
-                      <a:txBody>
-                        <a:bodyPr/>
-                        <a:lstStyle/>
-                        <a:p>
-                          <a:endParaRPr lang="en-US"/>
-                        </a:p>
-                      </a:txBody>
-                      <a:tcPr anchor="ctr">
-                        <a:blipFill>
-                          <a:blip r:embed="rId2"/>
-                          <a:stretch>
-                            <a:fillRect l="-261847" t="-244706" r="-803" b="-11765"/>
-                          </a:stretch>
-                        </a:blipFill>
-                      </a:tcPr>
-                    </a:tc>
-                    <a:extLst>
-                      <a:ext uri="{0D108BD9-81ED-4DB2-BD59-A6C34878D82A}">
-                        <a16:rowId xmlns:a16="http://schemas.microsoft.com/office/drawing/2014/main" val="1821071434"/>
-                      </a:ext>
-                    </a:extLst>
-                  </a:tr>
-                </a:tbl>
-              </a:graphicData>
-            </a:graphic>
-          </p:graphicFrame>
-        </mc:Fallback>
-      </mc:AlternateContent>
+              </a:tr>
+            </a:tbl>
+          </a:graphicData>
+        </a:graphic>
+      </p:graphicFrame>
       <p:sp>
         <p:nvSpPr>
           <p:cNvPr id="6" name="Slide Number Placeholder 4">
@@ -14037,7 +13165,7 @@
           <p:nvPr>
             <p:extLst>
               <p:ext uri="{D42A27DB-BD31-4B8C-83A1-F6EECF244321}">
-                <p14:modId xmlns:p14="http://schemas.microsoft.com/office/powerpoint/2010/main" val="3868126748"/>
+                <p14:modId xmlns:p14="http://schemas.microsoft.com/office/powerpoint/2010/main" val="21485020"/>
               </p:ext>
             </p:extLst>
           </p:nvPr>
@@ -14373,6 +13501,31 @@
                     <a:bodyPr/>
                     <a:lstStyle/>
                     <a:p>
+                      <a:pPr marL="0" marR="0" lvl="1" indent="0" algn="l" defTabSz="914400" rtl="0" eaLnBrk="1" fontAlgn="auto" latinLnBrk="0" hangingPunct="1">
+                        <a:lnSpc>
+                          <a:spcPct val="150000"/>
+                        </a:lnSpc>
+                        <a:spcBef>
+                          <a:spcPts val="0"/>
+                        </a:spcBef>
+                        <a:spcAft>
+                          <a:spcPts val="0"/>
+                        </a:spcAft>
+                        <a:buClr>
+                          <a:srgbClr val="000000"/>
+                        </a:buClr>
+                        <a:buSzTx/>
+                        <a:buFont typeface="Arial"/>
+                        <a:buNone/>
+                        <a:tabLst/>
+                        <a:defRPr/>
+                      </a:pPr>
+                      <a:r>
+                        <a:rPr lang="en-US" sz="1400" dirty="0"/>
+                        <a:t>Control Module</a:t>
+                      </a:r>
+                    </a:p>
+                    <a:p>
                       <a:pPr lvl="1">
                         <a:lnSpc>
                           <a:spcPct val="150000"/>
@@ -14424,22 +13577,11 @@
                       </a:pPr>
                       <a:r>
                         <a:rPr lang="en-US" sz="1400" dirty="0" err="1"/>
-                        <a:t>coilT</a:t>
+                        <a:t>CoilT</a:t>
                       </a:r>
                       <a:r>
                         <a:rPr lang="en-US" sz="1400" dirty="0"/>
-                        <a:t> module</a:t>
-                      </a:r>
-                    </a:p>
-                    <a:p>
-                      <a:pPr lvl="1">
-                        <a:lnSpc>
-                          <a:spcPct val="150000"/>
-                        </a:lnSpc>
-                      </a:pPr>
-                      <a:r>
-                        <a:rPr lang="en-US" sz="1400" dirty="0"/>
-                        <a:t>Helmholtz Module</a:t>
+                        <a:t> Module</a:t>
                       </a:r>
                     </a:p>
                   </a:txBody>
@@ -14599,100 +13741,6 @@
           </a:graphicData>
         </a:graphic>
       </p:graphicFrame>
-      <p:sp>
-        <p:nvSpPr>
-          <p:cNvPr id="3" name="TextBox 2">
-            <a:extLst>
-              <a:ext uri="{FF2B5EF4-FFF2-40B4-BE49-F238E27FC236}">
-                <a16:creationId xmlns:a16="http://schemas.microsoft.com/office/drawing/2014/main" id="{F6CC11CE-BC01-8CF5-8496-EFFF3B52A215}"/>
-              </a:ext>
-            </a:extLst>
-          </p:cNvPr>
-          <p:cNvSpPr txBox="1"/>
-          <p:nvPr/>
-        </p:nvSpPr>
-        <p:spPr>
-          <a:xfrm>
-            <a:off x="7046261" y="1982480"/>
-            <a:ext cx="2097740" cy="900246"/>
-          </a:xfrm>
-          <a:prstGeom prst="rect">
-            <a:avLst/>
-          </a:prstGeom>
-        </p:spPr>
-        <p:style>
-          <a:lnRef idx="2">
-            <a:schemeClr val="accent1"/>
-          </a:lnRef>
-          <a:fillRef idx="1">
-            <a:schemeClr val="lt1"/>
-          </a:fillRef>
-          <a:effectRef idx="0">
-            <a:schemeClr val="accent1"/>
-          </a:effectRef>
-          <a:fontRef idx="minor">
-            <a:schemeClr val="dk1"/>
-          </a:fontRef>
-        </p:style>
-        <p:txBody>
-          <a:bodyPr wrap="square" rtlCol="0">
-            <a:spAutoFit/>
-          </a:bodyPr>
-          <a:lstStyle/>
-          <a:p>
-            <a:pPr algn="just"/>
-            <a:r>
-              <a:rPr lang="en-US" sz="1050" dirty="0"/>
-              <a:t>? (I assume it can be merged with the Helmholtz module since it only needs to print the value of I for three pairs of coils)</a:t>
-            </a:r>
-          </a:p>
-          <a:p>
-            <a:pPr algn="just"/>
-            <a:endParaRPr lang="en-US" sz="1050" dirty="0"/>
-          </a:p>
-        </p:txBody>
-      </p:sp>
-      <p:cxnSp>
-        <p:nvCxnSpPr>
-          <p:cNvPr id="7" name="Connector: Curved 6">
-            <a:extLst>
-              <a:ext uri="{FF2B5EF4-FFF2-40B4-BE49-F238E27FC236}">
-                <a16:creationId xmlns:a16="http://schemas.microsoft.com/office/drawing/2014/main" id="{BD9C2B2E-B9C9-A38B-5626-CE7948610EAE}"/>
-              </a:ext>
-            </a:extLst>
-          </p:cNvPr>
-          <p:cNvCxnSpPr>
-            <a:stCxn id="3" idx="2"/>
-          </p:cNvCxnSpPr>
-          <p:nvPr/>
-        </p:nvCxnSpPr>
-        <p:spPr>
-          <a:xfrm rot="5400000">
-            <a:off x="6776004" y="1800591"/>
-            <a:ext cx="236992" cy="2401262"/>
-          </a:xfrm>
-          <a:prstGeom prst="curvedConnector2">
-            <a:avLst/>
-          </a:prstGeom>
-          <a:ln>
-            <a:tailEnd type="triangle"/>
-          </a:ln>
-        </p:spPr>
-        <p:style>
-          <a:lnRef idx="1">
-            <a:schemeClr val="accent1"/>
-          </a:lnRef>
-          <a:fillRef idx="0">
-            <a:schemeClr val="accent1"/>
-          </a:fillRef>
-          <a:effectRef idx="0">
-            <a:schemeClr val="accent1"/>
-          </a:effectRef>
-          <a:fontRef idx="minor">
-            <a:schemeClr val="tx1"/>
-          </a:fontRef>
-        </p:style>
-      </p:cxnSp>
     </p:spTree>
     <p:extLst>
       <p:ext uri="{BB962C8B-B14F-4D97-AF65-F5344CB8AC3E}">
@@ -14956,7 +14004,7 @@
             </a:r>
             <a:r>
               <a:rPr lang="en-US" dirty="0"/>
-              <a:t>The physical constants and algorithm used to implement the magnetic equations</a:t>
+              <a:t>The physical constants and algorithm used to implement the magnetic equations to calculate the required currents</a:t>
             </a:r>
           </a:p>
           <a:p>
@@ -14965,11 +14013,11 @@
                 <a:latin typeface="Roboto Condensed" panose="02000000000000000000" pitchFamily="2" charset="0"/>
                 <a:ea typeface="Roboto Condensed" panose="02000000000000000000" pitchFamily="2" charset="0"/>
               </a:rPr>
-              <a:t>Services: </a:t>
+              <a:t>Services:  </a:t>
             </a:r>
             <a:r>
               <a:rPr lang="en-US" dirty="0"/>
-              <a:t>Define the magnetic equations needed in the program</a:t>
+              <a:t>Define the current calculator equations.</a:t>
             </a:r>
           </a:p>
           <a:p>
@@ -15086,11 +14134,19 @@
             </a:pPr>
             <a:r>
               <a:rPr lang="en-US" sz="2000" dirty="0" err="1"/>
-              <a:t>coilT</a:t>
+              <a:t>CoilT</a:t>
             </a:r>
             <a:r>
               <a:rPr lang="en-US" sz="2000" dirty="0"/>
-              <a:t> module</a:t>
+              <a:t> </a:t>
+            </a:r>
+            <a:r>
+              <a:rPr lang="en-US" dirty="0"/>
+              <a:t>M</a:t>
+            </a:r>
+            <a:r>
+              <a:rPr lang="en-US" sz="2000" dirty="0"/>
+              <a:t>odule</a:t>
             </a:r>
           </a:p>
         </p:txBody>
@@ -15270,8 +14326,12 @@
               </a:lnSpc>
             </a:pPr>
             <a:r>
+              <a:rPr lang="en-US" dirty="0"/>
+              <a:t>Control</a:t>
+            </a:r>
+            <a:r>
               <a:rPr lang="en-US" sz="2000" dirty="0"/>
-              <a:t>Helmholtz Module</a:t>
+              <a:t> Module</a:t>
             </a:r>
           </a:p>
         </p:txBody>
@@ -15311,7 +14371,7 @@
             </a:r>
             <a:r>
               <a:rPr lang="en-US" dirty="0"/>
-              <a:t>The algorithms that integrate data and calculations from the Coil and Magnetic modules Calculate the required currents.</a:t>
+              <a:t>The algorithm for coordinating the running of the program</a:t>
             </a:r>
           </a:p>
           <a:p>
@@ -15324,15 +14384,7 @@
             </a:r>
             <a:r>
               <a:rPr lang="en-US" dirty="0"/>
-              <a:t>Define the current calculator equation using the Magnetic Core and </a:t>
-            </a:r>
-            <a:r>
-              <a:rPr lang="en-US" dirty="0" err="1"/>
-              <a:t>coilT</a:t>
-            </a:r>
-            <a:r>
-              <a:rPr lang="en-US" dirty="0"/>
-              <a:t> modules</a:t>
+              <a:t>Provide the main program</a:t>
             </a:r>
           </a:p>
           <a:p>
@@ -15647,7 +14699,7 @@
         </p:nvSpPr>
         <p:spPr>
           <a:xfrm>
-            <a:off x="1433256" y="748656"/>
+            <a:off x="4654410" y="3507338"/>
             <a:ext cx="1260182" cy="591671"/>
           </a:xfrm>
           <a:prstGeom prst="roundRect">
@@ -15697,7 +14749,7 @@
         </p:nvSpPr>
         <p:spPr>
           <a:xfrm>
-            <a:off x="729802" y="2971203"/>
+            <a:off x="3949593" y="2456346"/>
             <a:ext cx="1260182" cy="591671"/>
           </a:xfrm>
           <a:prstGeom prst="roundRect">
@@ -15747,7 +14799,7 @@
         </p:nvSpPr>
         <p:spPr>
           <a:xfrm>
-            <a:off x="1379014" y="1538065"/>
+            <a:off x="5043505" y="1679935"/>
             <a:ext cx="1260182" cy="591671"/>
           </a:xfrm>
           <a:prstGeom prst="roundRect">
@@ -15797,7 +14849,7 @@
         </p:nvSpPr>
         <p:spPr>
           <a:xfrm>
-            <a:off x="6737271" y="2885055"/>
+            <a:off x="6627093" y="1679934"/>
             <a:ext cx="1260182" cy="591671"/>
           </a:xfrm>
           <a:prstGeom prst="roundRect">
@@ -15847,7 +14899,7 @@
         </p:nvSpPr>
         <p:spPr>
           <a:xfrm>
-            <a:off x="2620075" y="3843455"/>
+            <a:off x="1560467" y="1624387"/>
             <a:ext cx="1260182" cy="591671"/>
           </a:xfrm>
           <a:prstGeom prst="roundRect">
@@ -15901,7 +14953,7 @@
         </p:nvSpPr>
         <p:spPr>
           <a:xfrm>
-            <a:off x="4572000" y="4371679"/>
+            <a:off x="3941909" y="4262494"/>
             <a:ext cx="1260182" cy="591671"/>
           </a:xfrm>
           <a:prstGeom prst="roundRect">
@@ -15951,7 +15003,7 @@
         </p:nvSpPr>
         <p:spPr>
           <a:xfrm>
-            <a:off x="3857205" y="1532427"/>
+            <a:off x="3941909" y="452820"/>
             <a:ext cx="1260182" cy="591671"/>
           </a:xfrm>
           <a:prstGeom prst="roundRect">
@@ -15982,7 +15034,7 @@
                 <a:latin typeface="Roboto Condensed" panose="02000000000000000000" pitchFamily="2" charset="0"/>
                 <a:ea typeface="Roboto Condensed" panose="02000000000000000000" pitchFamily="2" charset="0"/>
               </a:rPr>
-              <a:t>Helmholtz Module</a:t>
+              <a:t>Control Module</a:t>
             </a:r>
           </a:p>
         </p:txBody>
@@ -16001,7 +15053,7 @@
         </p:nvSpPr>
         <p:spPr>
           <a:xfrm>
-            <a:off x="2620075" y="2977264"/>
+            <a:off x="3196885" y="3510593"/>
             <a:ext cx="1260182" cy="591671"/>
           </a:xfrm>
           <a:prstGeom prst="roundRect">
@@ -16032,7 +15084,7 @@
                 <a:latin typeface="Roboto Condensed" panose="02000000000000000000" pitchFamily="2" charset="0"/>
                 <a:ea typeface="Roboto Condensed" panose="02000000000000000000" pitchFamily="2" charset="0"/>
               </a:rPr>
-              <a:t>coilT</a:t>
+              <a:t>CoilT</a:t>
             </a:r>
             <a:r>
               <a:rPr lang="en-US" sz="1100" dirty="0">
@@ -16046,48 +15098,6 @@
       </p:sp>
       <p:cxnSp>
         <p:nvCxnSpPr>
-          <p:cNvPr id="15" name="Connector: Curved 14">
-            <a:extLst>
-              <a:ext uri="{FF2B5EF4-FFF2-40B4-BE49-F238E27FC236}">
-                <a16:creationId xmlns:a16="http://schemas.microsoft.com/office/drawing/2014/main" id="{24080D28-E135-8D14-0EE5-28BB64C0C9D6}"/>
-              </a:ext>
-            </a:extLst>
-          </p:cNvPr>
-          <p:cNvCxnSpPr>
-            <a:stCxn id="12" idx="2"/>
-            <a:endCxn id="13" idx="0"/>
-          </p:cNvCxnSpPr>
-          <p:nvPr/>
-        </p:nvCxnSpPr>
-        <p:spPr>
-          <a:xfrm rot="5400000">
-            <a:off x="3442148" y="1932116"/>
-            <a:ext cx="853166" cy="1237130"/>
-          </a:xfrm>
-          <a:prstGeom prst="curvedConnector3">
-            <a:avLst/>
-          </a:prstGeom>
-          <a:ln>
-            <a:tailEnd type="triangle"/>
-          </a:ln>
-        </p:spPr>
-        <p:style>
-          <a:lnRef idx="1">
-            <a:schemeClr val="accent1"/>
-          </a:lnRef>
-          <a:fillRef idx="0">
-            <a:schemeClr val="accent1"/>
-          </a:fillRef>
-          <a:effectRef idx="0">
-            <a:schemeClr val="accent1"/>
-          </a:effectRef>
-          <a:fontRef idx="minor">
-            <a:schemeClr val="tx1"/>
-          </a:fontRef>
-        </p:style>
-      </p:cxnSp>
-      <p:cxnSp>
-        <p:nvCxnSpPr>
           <p:cNvPr id="19" name="Connector: Curved 18">
             <a:extLst>
               <a:ext uri="{FF2B5EF4-FFF2-40B4-BE49-F238E27FC236}">
@@ -16096,15 +15106,16 @@
             </a:extLst>
           </p:cNvPr>
           <p:cNvCxnSpPr>
+            <a:cxnSpLocks/>
             <a:stCxn id="12" idx="2"/>
             <a:endCxn id="7" idx="0"/>
           </p:cNvCxnSpPr>
           <p:nvPr/>
         </p:nvCxnSpPr>
         <p:spPr>
-          <a:xfrm rot="5400000">
-            <a:off x="2500043" y="983949"/>
-            <a:ext cx="847105" cy="3127403"/>
+          <a:xfrm rot="16200000" flipH="1">
+            <a:off x="3869915" y="1746576"/>
+            <a:ext cx="1411855" cy="7684"/>
           </a:xfrm>
           <a:prstGeom prst="curvedConnector3">
             <a:avLst/>
@@ -16145,53 +15156,10 @@
         </p:nvCxnSpPr>
         <p:spPr>
           <a:xfrm rot="16200000" flipH="1">
-            <a:off x="5546851" y="1064543"/>
-            <a:ext cx="760957" cy="2880066"/>
+            <a:off x="5596871" y="19620"/>
+            <a:ext cx="635443" cy="2685184"/>
           </a:xfrm>
           <a:prstGeom prst="curvedConnector3">
-            <a:avLst/>
-          </a:prstGeom>
-          <a:ln>
-            <a:tailEnd type="triangle"/>
-          </a:ln>
-        </p:spPr>
-        <p:style>
-          <a:lnRef idx="1">
-            <a:schemeClr val="accent1"/>
-          </a:lnRef>
-          <a:fillRef idx="0">
-            <a:schemeClr val="accent1"/>
-          </a:fillRef>
-          <a:effectRef idx="0">
-            <a:schemeClr val="accent1"/>
-          </a:effectRef>
-          <a:fontRef idx="minor">
-            <a:schemeClr val="tx1"/>
-          </a:fontRef>
-        </p:style>
-      </p:cxnSp>
-      <p:cxnSp>
-        <p:nvCxnSpPr>
-          <p:cNvPr id="26" name="Straight Arrow Connector 25">
-            <a:extLst>
-              <a:ext uri="{FF2B5EF4-FFF2-40B4-BE49-F238E27FC236}">
-                <a16:creationId xmlns:a16="http://schemas.microsoft.com/office/drawing/2014/main" id="{6F004300-970C-A0F9-C9BD-64E3961C4118}"/>
-              </a:ext>
-            </a:extLst>
-          </p:cNvPr>
-          <p:cNvCxnSpPr>
-            <a:cxnSpLocks/>
-            <a:stCxn id="10" idx="0"/>
-            <a:endCxn id="13" idx="2"/>
-          </p:cNvCxnSpPr>
-          <p:nvPr/>
-        </p:nvCxnSpPr>
-        <p:spPr>
-          <a:xfrm flipV="1">
-            <a:off x="3250166" y="3568935"/>
-            <a:ext cx="0" cy="274520"/>
-          </a:xfrm>
-          <a:prstGeom prst="straightConnector1">
             <a:avLst/>
           </a:prstGeom>
           <a:ln>
@@ -16231,95 +15199,8 @@
         </p:nvCxnSpPr>
         <p:spPr>
           <a:xfrm rot="5400000">
-            <a:off x="6004378" y="3304530"/>
-            <a:ext cx="1190789" cy="1535180"/>
-          </a:xfrm>
-          <a:prstGeom prst="curvedConnector2">
-            <a:avLst/>
-          </a:prstGeom>
-          <a:ln>
-            <a:tailEnd type="triangle"/>
-          </a:ln>
-        </p:spPr>
-        <p:style>
-          <a:lnRef idx="1">
-            <a:schemeClr val="accent1"/>
-          </a:lnRef>
-          <a:fillRef idx="0">
-            <a:schemeClr val="accent1"/>
-          </a:fillRef>
-          <a:effectRef idx="0">
-            <a:schemeClr val="accent1"/>
-          </a:effectRef>
-          <a:fontRef idx="minor">
-            <a:schemeClr val="tx1"/>
-          </a:fontRef>
-        </p:style>
-      </p:cxnSp>
-      <p:cxnSp>
-        <p:nvCxnSpPr>
-          <p:cNvPr id="37" name="Connector: Curved 36">
-            <a:extLst>
-              <a:ext uri="{FF2B5EF4-FFF2-40B4-BE49-F238E27FC236}">
-                <a16:creationId xmlns:a16="http://schemas.microsoft.com/office/drawing/2014/main" id="{00AF6E18-43FC-E0E5-0ADC-6E4830D71810}"/>
-              </a:ext>
-            </a:extLst>
-          </p:cNvPr>
-          <p:cNvCxnSpPr>
-            <a:cxnSpLocks/>
-            <a:stCxn id="7" idx="1"/>
-            <a:endCxn id="6" idx="1"/>
-          </p:cNvCxnSpPr>
-          <p:nvPr/>
-        </p:nvCxnSpPr>
-        <p:spPr>
-          <a:xfrm rot="10800000" flipH="1">
-            <a:off x="729802" y="1044493"/>
-            <a:ext cx="703454" cy="2222547"/>
-          </a:xfrm>
-          <a:prstGeom prst="curvedConnector3">
-            <a:avLst>
-              <a:gd name="adj1" fmla="val -32497"/>
-            </a:avLst>
-          </a:prstGeom>
-          <a:ln>
-            <a:tailEnd type="triangle"/>
-          </a:ln>
-        </p:spPr>
-        <p:style>
-          <a:lnRef idx="1">
-            <a:schemeClr val="accent1"/>
-          </a:lnRef>
-          <a:fillRef idx="0">
-            <a:schemeClr val="accent1"/>
-          </a:fillRef>
-          <a:effectRef idx="0">
-            <a:schemeClr val="accent1"/>
-          </a:effectRef>
-          <a:fontRef idx="minor">
-            <a:schemeClr val="tx1"/>
-          </a:fontRef>
-        </p:style>
-      </p:cxnSp>
-      <p:cxnSp>
-        <p:nvCxnSpPr>
-          <p:cNvPr id="43" name="Connector: Curved 42">
-            <a:extLst>
-              <a:ext uri="{FF2B5EF4-FFF2-40B4-BE49-F238E27FC236}">
-                <a16:creationId xmlns:a16="http://schemas.microsoft.com/office/drawing/2014/main" id="{246B275E-B88C-C65F-BF41-CA32E047848F}"/>
-              </a:ext>
-            </a:extLst>
-          </p:cNvPr>
-          <p:cNvCxnSpPr>
-            <a:stCxn id="12" idx="0"/>
-            <a:endCxn id="6" idx="3"/>
-          </p:cNvCxnSpPr>
-          <p:nvPr/>
-        </p:nvCxnSpPr>
-        <p:spPr>
-          <a:xfrm rot="16200000" flipV="1">
-            <a:off x="3346400" y="391531"/>
-            <a:ext cx="487935" cy="1793858"/>
+            <a:off x="5086276" y="2387421"/>
+            <a:ext cx="2286725" cy="2055093"/>
           </a:xfrm>
           <a:prstGeom prst="curvedConnector2">
             <a:avLst/>
@@ -16354,15 +15235,15 @@
           </p:cNvPr>
           <p:cNvCxnSpPr>
             <a:cxnSpLocks/>
-            <a:stCxn id="12" idx="1"/>
-            <a:endCxn id="8" idx="3"/>
+            <a:stCxn id="12" idx="2"/>
+            <a:endCxn id="8" idx="0"/>
           </p:cNvCxnSpPr>
           <p:nvPr/>
         </p:nvCxnSpPr>
         <p:spPr>
-          <a:xfrm rot="10800000" flipV="1">
-            <a:off x="2639197" y="1828263"/>
-            <a:ext cx="1218009" cy="5638"/>
+          <a:xfrm rot="16200000" flipH="1">
+            <a:off x="4805076" y="811415"/>
+            <a:ext cx="635444" cy="1101596"/>
           </a:xfrm>
           <a:prstGeom prst="curvedConnector3">
             <a:avLst>
@@ -16405,93 +15286,8 @@
         </p:nvCxnSpPr>
         <p:spPr>
           <a:xfrm rot="16200000" flipH="1">
-            <a:off x="3794889" y="3890403"/>
-            <a:ext cx="232389" cy="1321834"/>
-          </a:xfrm>
-          <a:prstGeom prst="curvedConnector2">
-            <a:avLst/>
-          </a:prstGeom>
-          <a:ln>
-            <a:tailEnd type="triangle"/>
-          </a:ln>
-        </p:spPr>
-        <p:style>
-          <a:lnRef idx="1">
-            <a:schemeClr val="accent1"/>
-          </a:lnRef>
-          <a:fillRef idx="0">
-            <a:schemeClr val="accent1"/>
-          </a:fillRef>
-          <a:effectRef idx="0">
-            <a:schemeClr val="accent1"/>
-          </a:effectRef>
-          <a:fontRef idx="minor">
-            <a:schemeClr val="tx1"/>
-          </a:fontRef>
-        </p:style>
-      </p:cxnSp>
-      <p:cxnSp>
-        <p:nvCxnSpPr>
-          <p:cNvPr id="22" name="Connector: Curved 21">
-            <a:extLst>
-              <a:ext uri="{FF2B5EF4-FFF2-40B4-BE49-F238E27FC236}">
-                <a16:creationId xmlns:a16="http://schemas.microsoft.com/office/drawing/2014/main" id="{0252D090-B440-975D-9A17-831F6528567E}"/>
-              </a:ext>
-            </a:extLst>
-          </p:cNvPr>
-          <p:cNvCxnSpPr>
-            <a:cxnSpLocks/>
-            <a:stCxn id="8" idx="1"/>
-          </p:cNvCxnSpPr>
-          <p:nvPr/>
-        </p:nvCxnSpPr>
-        <p:spPr>
-          <a:xfrm rot="10800000" flipV="1">
-            <a:off x="1000190" y="1833900"/>
-            <a:ext cx="378824" cy="1143363"/>
-          </a:xfrm>
-          <a:prstGeom prst="curvedConnector2">
-            <a:avLst/>
-          </a:prstGeom>
-          <a:ln>
-            <a:tailEnd type="triangle"/>
-          </a:ln>
-        </p:spPr>
-        <p:style>
-          <a:lnRef idx="1">
-            <a:schemeClr val="accent1"/>
-          </a:lnRef>
-          <a:fillRef idx="0">
-            <a:schemeClr val="accent1"/>
-          </a:fillRef>
-          <a:effectRef idx="0">
-            <a:schemeClr val="accent1"/>
-          </a:effectRef>
-          <a:fontRef idx="minor">
-            <a:schemeClr val="tx1"/>
-          </a:fontRef>
-        </p:style>
-      </p:cxnSp>
-      <p:cxnSp>
-        <p:nvCxnSpPr>
-          <p:cNvPr id="31" name="Connector: Curved 30">
-            <a:extLst>
-              <a:ext uri="{FF2B5EF4-FFF2-40B4-BE49-F238E27FC236}">
-                <a16:creationId xmlns:a16="http://schemas.microsoft.com/office/drawing/2014/main" id="{DBB2B554-2ED3-AECD-2AD0-07569A0C406C}"/>
-              </a:ext>
-            </a:extLst>
-          </p:cNvPr>
-          <p:cNvCxnSpPr>
-            <a:cxnSpLocks/>
-            <a:stCxn id="8" idx="2"/>
-            <a:endCxn id="13" idx="1"/>
-          </p:cNvCxnSpPr>
-          <p:nvPr/>
-        </p:nvCxnSpPr>
-        <p:spPr>
-          <a:xfrm rot="16200000" flipH="1">
-            <a:off x="1742908" y="2395933"/>
-            <a:ext cx="1143364" cy="610970"/>
+            <a:off x="1895097" y="2511518"/>
+            <a:ext cx="2342272" cy="1751351"/>
           </a:xfrm>
           <a:prstGeom prst="curvedConnector2">
             <a:avLst/>
@@ -16798,6 +15594,220 @@
           </a:p>
         </p:txBody>
       </p:sp>
+      <p:cxnSp>
+        <p:nvCxnSpPr>
+          <p:cNvPr id="41" name="Connector: Curved 40">
+            <a:extLst>
+              <a:ext uri="{FF2B5EF4-FFF2-40B4-BE49-F238E27FC236}">
+                <a16:creationId xmlns:a16="http://schemas.microsoft.com/office/drawing/2014/main" id="{96EC44A1-ED1A-B30A-B280-65BF54073E05}"/>
+              </a:ext>
+            </a:extLst>
+          </p:cNvPr>
+          <p:cNvCxnSpPr>
+            <a:stCxn id="12" idx="2"/>
+            <a:endCxn id="10" idx="0"/>
+          </p:cNvCxnSpPr>
+          <p:nvPr/>
+        </p:nvCxnSpPr>
+        <p:spPr>
+          <a:xfrm rot="5400000">
+            <a:off x="3091331" y="143718"/>
+            <a:ext cx="579896" cy="2381442"/>
+          </a:xfrm>
+          <a:prstGeom prst="curvedConnector3">
+            <a:avLst/>
+          </a:prstGeom>
+          <a:ln>
+            <a:tailEnd type="triangle"/>
+          </a:ln>
+        </p:spPr>
+        <p:style>
+          <a:lnRef idx="1">
+            <a:schemeClr val="accent1"/>
+          </a:lnRef>
+          <a:fillRef idx="0">
+            <a:schemeClr val="accent1"/>
+          </a:fillRef>
+          <a:effectRef idx="0">
+            <a:schemeClr val="accent1"/>
+          </a:effectRef>
+          <a:fontRef idx="minor">
+            <a:schemeClr val="tx1"/>
+          </a:fontRef>
+        </p:style>
+      </p:cxnSp>
+      <p:cxnSp>
+        <p:nvCxnSpPr>
+          <p:cNvPr id="192" name="Connector: Curved 191">
+            <a:extLst>
+              <a:ext uri="{FF2B5EF4-FFF2-40B4-BE49-F238E27FC236}">
+                <a16:creationId xmlns:a16="http://schemas.microsoft.com/office/drawing/2014/main" id="{1AD6C19E-2CC3-C45B-4A11-52BE6109A277}"/>
+              </a:ext>
+            </a:extLst>
+          </p:cNvPr>
+          <p:cNvCxnSpPr>
+            <a:cxnSpLocks/>
+            <a:stCxn id="8" idx="1"/>
+            <a:endCxn id="7" idx="0"/>
+          </p:cNvCxnSpPr>
+          <p:nvPr/>
+        </p:nvCxnSpPr>
+        <p:spPr>
+          <a:xfrm rot="10800000" flipV="1">
+            <a:off x="4579685" y="1975770"/>
+            <a:ext cx="463821" cy="480575"/>
+          </a:xfrm>
+          <a:prstGeom prst="curvedConnector2">
+            <a:avLst/>
+          </a:prstGeom>
+          <a:ln>
+            <a:tailEnd type="triangle"/>
+          </a:ln>
+        </p:spPr>
+        <p:style>
+          <a:lnRef idx="1">
+            <a:schemeClr val="accent1"/>
+          </a:lnRef>
+          <a:fillRef idx="0">
+            <a:schemeClr val="accent1"/>
+          </a:fillRef>
+          <a:effectRef idx="0">
+            <a:schemeClr val="accent1"/>
+          </a:effectRef>
+          <a:fontRef idx="minor">
+            <a:schemeClr val="tx1"/>
+          </a:fontRef>
+        </p:style>
+      </p:cxnSp>
+      <p:cxnSp>
+        <p:nvCxnSpPr>
+          <p:cNvPr id="196" name="Connector: Curved 195">
+            <a:extLst>
+              <a:ext uri="{FF2B5EF4-FFF2-40B4-BE49-F238E27FC236}">
+                <a16:creationId xmlns:a16="http://schemas.microsoft.com/office/drawing/2014/main" id="{FEC68094-4784-526A-826C-7E0698C388C3}"/>
+              </a:ext>
+            </a:extLst>
+          </p:cNvPr>
+          <p:cNvCxnSpPr>
+            <a:stCxn id="7" idx="2"/>
+            <a:endCxn id="13" idx="0"/>
+          </p:cNvCxnSpPr>
+          <p:nvPr/>
+        </p:nvCxnSpPr>
+        <p:spPr>
+          <a:xfrm rot="5400000">
+            <a:off x="3972042" y="2902951"/>
+            <a:ext cx="462576" cy="752708"/>
+          </a:xfrm>
+          <a:prstGeom prst="curvedConnector3">
+            <a:avLst/>
+          </a:prstGeom>
+          <a:ln>
+            <a:tailEnd type="triangle"/>
+          </a:ln>
+        </p:spPr>
+        <p:style>
+          <a:lnRef idx="1">
+            <a:schemeClr val="accent1"/>
+          </a:lnRef>
+          <a:fillRef idx="0">
+            <a:schemeClr val="accent1"/>
+          </a:fillRef>
+          <a:effectRef idx="0">
+            <a:schemeClr val="accent1"/>
+          </a:effectRef>
+          <a:fontRef idx="minor">
+            <a:schemeClr val="tx1"/>
+          </a:fontRef>
+        </p:style>
+      </p:cxnSp>
+      <p:cxnSp>
+        <p:nvCxnSpPr>
+          <p:cNvPr id="198" name="Connector: Curved 197">
+            <a:extLst>
+              <a:ext uri="{FF2B5EF4-FFF2-40B4-BE49-F238E27FC236}">
+                <a16:creationId xmlns:a16="http://schemas.microsoft.com/office/drawing/2014/main" id="{20EA595D-26BD-CAA6-ED75-8D0BBBB894C6}"/>
+              </a:ext>
+            </a:extLst>
+          </p:cNvPr>
+          <p:cNvCxnSpPr>
+            <a:cxnSpLocks/>
+            <a:stCxn id="10" idx="2"/>
+            <a:endCxn id="13" idx="0"/>
+          </p:cNvCxnSpPr>
+          <p:nvPr/>
+        </p:nvCxnSpPr>
+        <p:spPr>
+          <a:xfrm rot="16200000" flipH="1">
+            <a:off x="2361500" y="2045116"/>
+            <a:ext cx="1294535" cy="1636418"/>
+          </a:xfrm>
+          <a:prstGeom prst="curvedConnector3">
+            <a:avLst>
+              <a:gd name="adj1" fmla="val 50000"/>
+            </a:avLst>
+          </a:prstGeom>
+          <a:ln>
+            <a:tailEnd type="triangle"/>
+          </a:ln>
+        </p:spPr>
+        <p:style>
+          <a:lnRef idx="1">
+            <a:schemeClr val="accent1"/>
+          </a:lnRef>
+          <a:fillRef idx="0">
+            <a:schemeClr val="accent1"/>
+          </a:fillRef>
+          <a:effectRef idx="0">
+            <a:schemeClr val="accent1"/>
+          </a:effectRef>
+          <a:fontRef idx="minor">
+            <a:schemeClr val="tx1"/>
+          </a:fontRef>
+        </p:style>
+      </p:cxnSp>
+      <p:cxnSp>
+        <p:nvCxnSpPr>
+          <p:cNvPr id="205" name="Connector: Curved 204">
+            <a:extLst>
+              <a:ext uri="{FF2B5EF4-FFF2-40B4-BE49-F238E27FC236}">
+                <a16:creationId xmlns:a16="http://schemas.microsoft.com/office/drawing/2014/main" id="{D88B21D8-F84B-C760-2744-67A7299BC1A2}"/>
+              </a:ext>
+            </a:extLst>
+          </p:cNvPr>
+          <p:cNvCxnSpPr>
+            <a:stCxn id="7" idx="2"/>
+            <a:endCxn id="6" idx="0"/>
+          </p:cNvCxnSpPr>
+          <p:nvPr/>
+        </p:nvCxnSpPr>
+        <p:spPr>
+          <a:xfrm rot="16200000" flipH="1">
+            <a:off x="4702432" y="2925268"/>
+            <a:ext cx="459321" cy="704817"/>
+          </a:xfrm>
+          <a:prstGeom prst="curvedConnector3">
+            <a:avLst/>
+          </a:prstGeom>
+          <a:ln>
+            <a:tailEnd type="triangle"/>
+          </a:ln>
+        </p:spPr>
+        <p:style>
+          <a:lnRef idx="1">
+            <a:schemeClr val="accent1"/>
+          </a:lnRef>
+          <a:fillRef idx="0">
+            <a:schemeClr val="accent1"/>
+          </a:fillRef>
+          <a:effectRef idx="0">
+            <a:schemeClr val="accent1"/>
+          </a:effectRef>
+          <a:fontRef idx="minor">
+            <a:schemeClr val="tx1"/>
+          </a:fontRef>
+        </p:style>
+      </p:cxnSp>
     </p:spTree>
   </p:cSld>
   <p:clrMapOvr>

--- a/docs/Presentations/MG-MIS/MG-MIS.pptx
+++ b/docs/Presentations/MG-MIS/MG-MIS.pptx
@@ -5849,279 +5849,1049 @@
                 <a:ea typeface="Roboto Condensed Light" panose="02000000000000000000" pitchFamily="2" charset="0"/>
                 <a:cs typeface="Roboto Condensed Light" panose="02000000000000000000" pitchFamily="2" charset="0"/>
               </a:rPr>
-              <a:t>command line input</a:t>
+              <a:t>file, command line input</a:t>
             </a:r>
           </a:p>
         </p:txBody>
       </p:sp>
-      <p:graphicFrame>
-        <p:nvGraphicFramePr>
-          <p:cNvPr id="4" name="Table 3">
-            <a:extLst>
-              <a:ext uri="{FF2B5EF4-FFF2-40B4-BE49-F238E27FC236}">
-                <a16:creationId xmlns:a16="http://schemas.microsoft.com/office/drawing/2014/main" id="{EF58ADAC-52AF-D013-EEA2-B10E86F21E81}"/>
-              </a:ext>
-            </a:extLst>
-          </p:cNvPr>
-          <p:cNvGraphicFramePr>
-            <a:graphicFrameLocks noGrp="1"/>
-          </p:cNvGraphicFramePr>
-          <p:nvPr>
-            <p:extLst>
-              <p:ext uri="{D42A27DB-BD31-4B8C-83A1-F6EECF244321}">
-                <p14:modId xmlns:p14="http://schemas.microsoft.com/office/powerpoint/2010/main" val="385791732"/>
-              </p:ext>
-            </p:extLst>
-          </p:nvPr>
-        </p:nvGraphicFramePr>
-        <p:xfrm>
-          <a:off x="947698" y="3310940"/>
-          <a:ext cx="6096000" cy="741680"/>
-        </p:xfrm>
-        <a:graphic>
-          <a:graphicData uri="http://schemas.openxmlformats.org/drawingml/2006/table">
-            <a:tbl>
-              <a:tblPr firstRow="1" bandRow="1">
-                <a:tableStyleId>{E929F9F4-4A8F-4326-A1B4-22849713DDAB}</a:tableStyleId>
-              </a:tblPr>
-              <a:tblGrid>
-                <a:gridCol w="1524000">
-                  <a:extLst>
-                    <a:ext uri="{9D8B030D-6E8A-4147-A177-3AD203B41FA5}">
-                      <a16:colId xmlns:a16="http://schemas.microsoft.com/office/drawing/2014/main" val="1527678177"/>
-                    </a:ext>
-                  </a:extLst>
-                </a:gridCol>
-                <a:gridCol w="1524000">
-                  <a:extLst>
-                    <a:ext uri="{9D8B030D-6E8A-4147-A177-3AD203B41FA5}">
-                      <a16:colId xmlns:a16="http://schemas.microsoft.com/office/drawing/2014/main" val="529960761"/>
-                    </a:ext>
-                  </a:extLst>
-                </a:gridCol>
-                <a:gridCol w="1524000">
-                  <a:extLst>
-                    <a:ext uri="{9D8B030D-6E8A-4147-A177-3AD203B41FA5}">
-                      <a16:colId xmlns:a16="http://schemas.microsoft.com/office/drawing/2014/main" val="314431527"/>
-                    </a:ext>
-                  </a:extLst>
-                </a:gridCol>
-                <a:gridCol w="1524000">
-                  <a:extLst>
-                    <a:ext uri="{9D8B030D-6E8A-4147-A177-3AD203B41FA5}">
-                      <a16:colId xmlns:a16="http://schemas.microsoft.com/office/drawing/2014/main" val="2799991699"/>
-                    </a:ext>
-                  </a:extLst>
-                </a:gridCol>
-              </a:tblGrid>
-              <a:tr h="370840">
-                <a:tc>
-                  <a:txBody>
-                    <a:bodyPr/>
-                    <a:lstStyle/>
-                    <a:p>
-                      <a:pPr algn="ctr"/>
-                      <a:r>
-                        <a:rPr lang="en-US" dirty="0">
-                          <a:latin typeface="Roboto Condensed" panose="02000000000000000000" pitchFamily="2" charset="0"/>
-                          <a:ea typeface="Roboto Condensed" panose="02000000000000000000" pitchFamily="2" charset="0"/>
-                        </a:rPr>
-                        <a:t>Name</a:t>
-                      </a:r>
-                    </a:p>
-                  </a:txBody>
-                  <a:tcPr anchor="ctr"/>
-                </a:tc>
-                <a:tc>
-                  <a:txBody>
-                    <a:bodyPr/>
-                    <a:lstStyle/>
-                    <a:p>
-                      <a:pPr algn="ctr"/>
-                      <a:r>
-                        <a:rPr lang="en-US" dirty="0">
-                          <a:latin typeface="Roboto Condensed" panose="02000000000000000000" pitchFamily="2" charset="0"/>
-                          <a:ea typeface="Roboto Condensed" panose="02000000000000000000" pitchFamily="2" charset="0"/>
-                        </a:rPr>
-                        <a:t>In</a:t>
-                      </a:r>
-                    </a:p>
-                  </a:txBody>
-                  <a:tcPr anchor="ctr"/>
-                </a:tc>
-                <a:tc>
-                  <a:txBody>
-                    <a:bodyPr/>
-                    <a:lstStyle/>
-                    <a:p>
-                      <a:pPr algn="ctr"/>
-                      <a:r>
-                        <a:rPr lang="en-US" dirty="0">
-                          <a:latin typeface="Roboto Condensed" panose="02000000000000000000" pitchFamily="2" charset="0"/>
-                          <a:ea typeface="Roboto Condensed" panose="02000000000000000000" pitchFamily="2" charset="0"/>
-                        </a:rPr>
-                        <a:t>Out</a:t>
-                      </a:r>
-                    </a:p>
-                  </a:txBody>
-                  <a:tcPr anchor="ctr"/>
-                </a:tc>
-                <a:tc>
-                  <a:txBody>
-                    <a:bodyPr/>
-                    <a:lstStyle/>
-                    <a:p>
-                      <a:pPr algn="ctr"/>
-                      <a:r>
-                        <a:rPr lang="en-US" dirty="0"/>
-                        <a:t>Exceptions</a:t>
-                      </a:r>
-                      <a:endParaRPr lang="en-US" dirty="0">
-                        <a:latin typeface="Roboto Condensed" panose="02000000000000000000" pitchFamily="2" charset="0"/>
-                        <a:ea typeface="Roboto Condensed" panose="02000000000000000000" pitchFamily="2" charset="0"/>
-                      </a:endParaRPr>
-                    </a:p>
-                  </a:txBody>
-                  <a:tcPr anchor="ctr"/>
-                </a:tc>
+      <mc:AlternateContent xmlns:mc="http://schemas.openxmlformats.org/markup-compatibility/2006">
+        <mc:Choice xmlns:a14="http://schemas.microsoft.com/office/drawing/2010/main" Requires="a14">
+          <p:graphicFrame>
+            <p:nvGraphicFramePr>
+              <p:cNvPr id="4" name="Table 3">
                 <a:extLst>
-                  <a:ext uri="{0D108BD9-81ED-4DB2-BD59-A6C34878D82A}">
-                    <a16:rowId xmlns:a16="http://schemas.microsoft.com/office/drawing/2014/main" val="1781836610"/>
+                  <a:ext uri="{FF2B5EF4-FFF2-40B4-BE49-F238E27FC236}">
+                    <a16:creationId xmlns:a16="http://schemas.microsoft.com/office/drawing/2014/main" id="{EF58ADAC-52AF-D013-EEA2-B10E86F21E81}"/>
                   </a:ext>
                 </a:extLst>
-              </a:tr>
-              <a:tr h="370840">
-                <a:tc>
-                  <a:txBody>
-                    <a:bodyPr/>
-                    <a:lstStyle/>
-                    <a:p>
-                      <a:pPr algn="ctr"/>
-                      <a:r>
-                        <a:rPr lang="en-US" dirty="0" err="1">
-                          <a:solidFill>
-                            <a:schemeClr val="accent2">
-                              <a:lumMod val="50000"/>
-                            </a:schemeClr>
-                          </a:solidFill>
-                          <a:latin typeface="Roboto Condensed" panose="02000000000000000000" pitchFamily="2" charset="0"/>
-                          <a:ea typeface="Roboto Condensed" panose="02000000000000000000" pitchFamily="2" charset="0"/>
-                        </a:rPr>
-                        <a:t>load_params</a:t>
-                      </a:r>
-                      <a:endParaRPr lang="en-US" dirty="0">
-                        <a:solidFill>
-                          <a:schemeClr val="accent2">
-                            <a:lumMod val="50000"/>
-                          </a:schemeClr>
-                        </a:solidFill>
-                        <a:latin typeface="Roboto Condensed" panose="02000000000000000000" pitchFamily="2" charset="0"/>
-                        <a:ea typeface="Roboto Condensed" panose="02000000000000000000" pitchFamily="2" charset="0"/>
-                      </a:endParaRPr>
-                    </a:p>
-                  </a:txBody>
-                  <a:tcPr anchor="ctr"/>
-                </a:tc>
-                <a:tc>
-                  <a:txBody>
-                    <a:bodyPr/>
-                    <a:lstStyle/>
-                    <a:p>
-                      <a:pPr algn="ctr"/>
-                      <a:r>
-                        <a:rPr lang="en-US" dirty="0">
-                          <a:solidFill>
-                            <a:schemeClr val="accent2">
-                              <a:lumMod val="50000"/>
-                            </a:schemeClr>
-                          </a:solidFill>
-                          <a:latin typeface="Roboto Condensed" panose="02000000000000000000" pitchFamily="2" charset="0"/>
-                          <a:ea typeface="Roboto Condensed" panose="02000000000000000000" pitchFamily="2" charset="0"/>
-                        </a:rPr>
-                        <a:t>string</a:t>
-                      </a:r>
-                    </a:p>
-                  </a:txBody>
-                  <a:tcPr anchor="ctr"/>
-                </a:tc>
-                <a:tc>
-                  <a:txBody>
-                    <a:bodyPr/>
-                    <a:lstStyle/>
-                    <a:p>
-                      <a:pPr algn="ctr"/>
-                      <a:r>
-                        <a:rPr lang="en-US" dirty="0">
-                          <a:solidFill>
-                            <a:schemeClr val="accent2">
-                              <a:lumMod val="50000"/>
-                            </a:schemeClr>
-                          </a:solidFill>
-                          <a:latin typeface="Roboto Condensed" panose="02000000000000000000" pitchFamily="2" charset="0"/>
-                          <a:ea typeface="Roboto Condensed" panose="02000000000000000000" pitchFamily="2" charset="0"/>
-                        </a:rPr>
-                        <a:t>-</a:t>
-                      </a:r>
-                    </a:p>
-                  </a:txBody>
-                  <a:tcPr anchor="ctr"/>
-                </a:tc>
-                <a:tc>
-                  <a:txBody>
-                    <a:bodyPr/>
-                    <a:lstStyle/>
-                    <a:p>
-                      <a:pPr algn="ctr"/>
-                      <a:r>
-                        <a:rPr lang="en-US" dirty="0" err="1">
-                          <a:solidFill>
-                            <a:schemeClr val="accent2">
-                              <a:lumMod val="50000"/>
-                            </a:schemeClr>
-                          </a:solidFill>
-                          <a:latin typeface="Roboto Condensed" panose="02000000000000000000" pitchFamily="2" charset="0"/>
-                          <a:ea typeface="Roboto Condensed" panose="02000000000000000000" pitchFamily="2" charset="0"/>
-                        </a:rPr>
-                        <a:t>ValueError</a:t>
-                      </a:r>
-                      <a:r>
-                        <a:rPr lang="en-US" sz="1400" b="0" i="0" u="none" strike="noStrike" cap="none" dirty="0">
-                          <a:solidFill>
-                            <a:schemeClr val="accent2">
-                              <a:lumMod val="50000"/>
-                            </a:schemeClr>
-                          </a:solidFill>
-                          <a:effectLst/>
-                          <a:latin typeface="Roboto Condensed" panose="02000000000000000000" pitchFamily="2" charset="0"/>
-                          <a:ea typeface="Roboto Condensed" panose="02000000000000000000" pitchFamily="2" charset="0"/>
-                          <a:cs typeface="+mn-cs"/>
-                          <a:sym typeface="Arial"/>
-                        </a:rPr>
-                        <a:t> </a:t>
-                      </a:r>
-                      <a:endParaRPr lang="en-US" dirty="0">
-                        <a:solidFill>
-                          <a:schemeClr val="accent2">
-                            <a:lumMod val="50000"/>
-                          </a:schemeClr>
-                        </a:solidFill>
-                        <a:latin typeface="Roboto Condensed" panose="02000000000000000000" pitchFamily="2" charset="0"/>
-                        <a:ea typeface="Roboto Condensed" panose="02000000000000000000" pitchFamily="2" charset="0"/>
-                      </a:endParaRPr>
-                    </a:p>
-                  </a:txBody>
-                  <a:tcPr anchor="ctr"/>
-                </a:tc>
+              </p:cNvPr>
+              <p:cNvGraphicFramePr>
+                <a:graphicFrameLocks noGrp="1"/>
+              </p:cNvGraphicFramePr>
+              <p:nvPr>
+                <p:extLst>
+                  <p:ext uri="{D42A27DB-BD31-4B8C-83A1-F6EECF244321}">
+                    <p14:modId xmlns:p14="http://schemas.microsoft.com/office/powerpoint/2010/main" val="632629999"/>
+                  </p:ext>
+                </p:extLst>
+              </p:nvPr>
+            </p:nvGraphicFramePr>
+            <p:xfrm>
+              <a:off x="947698" y="3310940"/>
+              <a:ext cx="6096000" cy="1112520"/>
+            </p:xfrm>
+            <a:graphic>
+              <a:graphicData uri="http://schemas.openxmlformats.org/drawingml/2006/table">
+                <a:tbl>
+                  <a:tblPr firstRow="1" bandRow="1">
+                    <a:tableStyleId>{E929F9F4-4A8F-4326-A1B4-22849713DDAB}</a:tableStyleId>
+                  </a:tblPr>
+                  <a:tblGrid>
+                    <a:gridCol w="1524000">
+                      <a:extLst>
+                        <a:ext uri="{9D8B030D-6E8A-4147-A177-3AD203B41FA5}">
+                          <a16:colId xmlns:a16="http://schemas.microsoft.com/office/drawing/2014/main" val="1527678177"/>
+                        </a:ext>
+                      </a:extLst>
+                    </a:gridCol>
+                    <a:gridCol w="1524000">
+                      <a:extLst>
+                        <a:ext uri="{9D8B030D-6E8A-4147-A177-3AD203B41FA5}">
+                          <a16:colId xmlns:a16="http://schemas.microsoft.com/office/drawing/2014/main" val="529960761"/>
+                        </a:ext>
+                      </a:extLst>
+                    </a:gridCol>
+                    <a:gridCol w="1524000">
+                      <a:extLst>
+                        <a:ext uri="{9D8B030D-6E8A-4147-A177-3AD203B41FA5}">
+                          <a16:colId xmlns:a16="http://schemas.microsoft.com/office/drawing/2014/main" val="314431527"/>
+                        </a:ext>
+                      </a:extLst>
+                    </a:gridCol>
+                    <a:gridCol w="1524000">
+                      <a:extLst>
+                        <a:ext uri="{9D8B030D-6E8A-4147-A177-3AD203B41FA5}">
+                          <a16:colId xmlns:a16="http://schemas.microsoft.com/office/drawing/2014/main" val="2799991699"/>
+                        </a:ext>
+                      </a:extLst>
+                    </a:gridCol>
+                  </a:tblGrid>
+                  <a:tr h="370840">
+                    <a:tc>
+                      <a:txBody>
+                        <a:bodyPr/>
+                        <a:lstStyle/>
+                        <a:p>
+                          <a:pPr algn="ctr"/>
+                          <a:r>
+                            <a:rPr lang="en-US" dirty="0">
+                              <a:latin typeface="Roboto Condensed" panose="02000000000000000000" pitchFamily="2" charset="0"/>
+                              <a:ea typeface="Roboto Condensed" panose="02000000000000000000" pitchFamily="2" charset="0"/>
+                            </a:rPr>
+                            <a:t>Name</a:t>
+                          </a:r>
+                        </a:p>
+                      </a:txBody>
+                      <a:tcPr anchor="ctr"/>
+                    </a:tc>
+                    <a:tc>
+                      <a:txBody>
+                        <a:bodyPr/>
+                        <a:lstStyle/>
+                        <a:p>
+                          <a:pPr algn="ctr"/>
+                          <a:r>
+                            <a:rPr lang="en-US" dirty="0">
+                              <a:latin typeface="Roboto Condensed" panose="02000000000000000000" pitchFamily="2" charset="0"/>
+                              <a:ea typeface="Roboto Condensed" panose="02000000000000000000" pitchFamily="2" charset="0"/>
+                            </a:rPr>
+                            <a:t>In</a:t>
+                          </a:r>
+                        </a:p>
+                      </a:txBody>
+                      <a:tcPr anchor="ctr"/>
+                    </a:tc>
+                    <a:tc>
+                      <a:txBody>
+                        <a:bodyPr/>
+                        <a:lstStyle/>
+                        <a:p>
+                          <a:pPr algn="ctr"/>
+                          <a:r>
+                            <a:rPr lang="en-US" dirty="0">
+                              <a:latin typeface="Roboto Condensed" panose="02000000000000000000" pitchFamily="2" charset="0"/>
+                              <a:ea typeface="Roboto Condensed" panose="02000000000000000000" pitchFamily="2" charset="0"/>
+                            </a:rPr>
+                            <a:t>Out</a:t>
+                          </a:r>
+                        </a:p>
+                      </a:txBody>
+                      <a:tcPr anchor="ctr"/>
+                    </a:tc>
+                    <a:tc>
+                      <a:txBody>
+                        <a:bodyPr/>
+                        <a:lstStyle/>
+                        <a:p>
+                          <a:pPr algn="ctr"/>
+                          <a:r>
+                            <a:rPr lang="en-US" dirty="0"/>
+                            <a:t>Exceptions</a:t>
+                          </a:r>
+                          <a:endParaRPr lang="en-US" dirty="0">
+                            <a:latin typeface="Roboto Condensed" panose="02000000000000000000" pitchFamily="2" charset="0"/>
+                            <a:ea typeface="Roboto Condensed" panose="02000000000000000000" pitchFamily="2" charset="0"/>
+                          </a:endParaRPr>
+                        </a:p>
+                      </a:txBody>
+                      <a:tcPr anchor="ctr"/>
+                    </a:tc>
+                    <a:extLst>
+                      <a:ext uri="{0D108BD9-81ED-4DB2-BD59-A6C34878D82A}">
+                        <a16:rowId xmlns:a16="http://schemas.microsoft.com/office/drawing/2014/main" val="1781836610"/>
+                      </a:ext>
+                    </a:extLst>
+                  </a:tr>
+                  <a:tr h="370840">
+                    <a:tc>
+                      <a:txBody>
+                        <a:bodyPr/>
+                        <a:lstStyle/>
+                        <a:p>
+                          <a:pPr algn="ctr"/>
+                          <a:r>
+                            <a:rPr lang="en-US" dirty="0" err="1">
+                              <a:solidFill>
+                                <a:schemeClr val="accent2">
+                                  <a:lumMod val="50000"/>
+                                </a:schemeClr>
+                              </a:solidFill>
+                              <a:latin typeface="Roboto Condensed" panose="02000000000000000000" pitchFamily="2" charset="0"/>
+                              <a:ea typeface="Roboto Condensed" panose="02000000000000000000" pitchFamily="2" charset="0"/>
+                            </a:rPr>
+                            <a:t>load_coils</a:t>
+                          </a:r>
+                          <a:endParaRPr lang="en-US" dirty="0">
+                            <a:solidFill>
+                              <a:schemeClr val="accent2">
+                                <a:lumMod val="50000"/>
+                              </a:schemeClr>
+                            </a:solidFill>
+                            <a:latin typeface="Roboto Condensed" panose="02000000000000000000" pitchFamily="2" charset="0"/>
+                            <a:ea typeface="Roboto Condensed" panose="02000000000000000000" pitchFamily="2" charset="0"/>
+                          </a:endParaRPr>
+                        </a:p>
+                      </a:txBody>
+                      <a:tcPr anchor="ctr"/>
+                    </a:tc>
+                    <a:tc>
+                      <a:txBody>
+                        <a:bodyPr/>
+                        <a:lstStyle/>
+                        <a:p>
+                          <a:pPr algn="ctr"/>
+                          <a:r>
+                            <a:rPr lang="en-US" dirty="0">
+                              <a:solidFill>
+                                <a:schemeClr val="accent2">
+                                  <a:lumMod val="50000"/>
+                                </a:schemeClr>
+                              </a:solidFill>
+                              <a:latin typeface="Roboto Condensed" panose="02000000000000000000" pitchFamily="2" charset="0"/>
+                              <a:ea typeface="Roboto Condensed" panose="02000000000000000000" pitchFamily="2" charset="0"/>
+                            </a:rPr>
+                            <a:t>string</a:t>
+                          </a:r>
+                        </a:p>
+                      </a:txBody>
+                      <a:tcPr anchor="ctr"/>
+                    </a:tc>
+                    <a:tc>
+                      <a:txBody>
+                        <a:bodyPr/>
+                        <a:lstStyle/>
+                        <a:p>
+                          <a:pPr algn="ctr"/>
+                          <a:r>
+                            <a:rPr lang="en-US" dirty="0">
+                              <a:solidFill>
+                                <a:schemeClr val="accent2">
+                                  <a:lumMod val="50000"/>
+                                </a:schemeClr>
+                              </a:solidFill>
+                              <a:latin typeface="Roboto Condensed" panose="02000000000000000000" pitchFamily="2" charset="0"/>
+                              <a:ea typeface="Roboto Condensed" panose="02000000000000000000" pitchFamily="2" charset="0"/>
+                            </a:rPr>
+                            <a:t>[</a:t>
+                          </a:r>
+                          <a:r>
+                            <a:rPr lang="en-US" dirty="0" err="1">
+                              <a:solidFill>
+                                <a:schemeClr val="accent2">
+                                  <a:lumMod val="50000"/>
+                                </a:schemeClr>
+                              </a:solidFill>
+                              <a:latin typeface="Roboto Condensed" panose="02000000000000000000" pitchFamily="2" charset="0"/>
+                              <a:ea typeface="Roboto Condensed" panose="02000000000000000000" pitchFamily="2" charset="0"/>
+                            </a:rPr>
+                            <a:t>CoilT</a:t>
+                          </a:r>
+                          <a:r>
+                            <a:rPr lang="en-US" dirty="0">
+                              <a:solidFill>
+                                <a:schemeClr val="accent2">
+                                  <a:lumMod val="50000"/>
+                                </a:schemeClr>
+                              </a:solidFill>
+                              <a:latin typeface="Roboto Condensed" panose="02000000000000000000" pitchFamily="2" charset="0"/>
+                              <a:ea typeface="Roboto Condensed" panose="02000000000000000000" pitchFamily="2" charset="0"/>
+                            </a:rPr>
+                            <a:t>, </a:t>
+                          </a:r>
+                          <a:r>
+                            <a:rPr lang="en-US" dirty="0" err="1">
+                              <a:solidFill>
+                                <a:schemeClr val="accent2">
+                                  <a:lumMod val="50000"/>
+                                </a:schemeClr>
+                              </a:solidFill>
+                              <a:latin typeface="Roboto Condensed" panose="02000000000000000000" pitchFamily="2" charset="0"/>
+                              <a:ea typeface="Roboto Condensed" panose="02000000000000000000" pitchFamily="2" charset="0"/>
+                            </a:rPr>
+                            <a:t>CoilT</a:t>
+                          </a:r>
+                          <a:r>
+                            <a:rPr lang="en-US" dirty="0">
+                              <a:solidFill>
+                                <a:schemeClr val="accent2">
+                                  <a:lumMod val="50000"/>
+                                </a:schemeClr>
+                              </a:solidFill>
+                              <a:latin typeface="Roboto Condensed" panose="02000000000000000000" pitchFamily="2" charset="0"/>
+                              <a:ea typeface="Roboto Condensed" panose="02000000000000000000" pitchFamily="2" charset="0"/>
+                            </a:rPr>
+                            <a:t>, </a:t>
+                          </a:r>
+                          <a:r>
+                            <a:rPr lang="en-US" dirty="0" err="1">
+                              <a:solidFill>
+                                <a:schemeClr val="accent2">
+                                  <a:lumMod val="50000"/>
+                                </a:schemeClr>
+                              </a:solidFill>
+                              <a:latin typeface="Roboto Condensed" panose="02000000000000000000" pitchFamily="2" charset="0"/>
+                              <a:ea typeface="Roboto Condensed" panose="02000000000000000000" pitchFamily="2" charset="0"/>
+                            </a:rPr>
+                            <a:t>CoilT</a:t>
+                          </a:r>
+                          <a:r>
+                            <a:rPr lang="en-US" dirty="0">
+                              <a:solidFill>
+                                <a:schemeClr val="accent2">
+                                  <a:lumMod val="50000"/>
+                                </a:schemeClr>
+                              </a:solidFill>
+                              <a:latin typeface="Roboto Condensed" panose="02000000000000000000" pitchFamily="2" charset="0"/>
+                              <a:ea typeface="Roboto Condensed" panose="02000000000000000000" pitchFamily="2" charset="0"/>
+                            </a:rPr>
+                            <a:t>]</a:t>
+                          </a:r>
+                        </a:p>
+                      </a:txBody>
+                      <a:tcPr anchor="ctr"/>
+                    </a:tc>
+                    <a:tc>
+                      <a:txBody>
+                        <a:bodyPr/>
+                        <a:lstStyle/>
+                        <a:p>
+                          <a:pPr algn="ctr"/>
+                          <a:r>
+                            <a:rPr lang="en-US" dirty="0" err="1">
+                              <a:solidFill>
+                                <a:schemeClr val="accent2">
+                                  <a:lumMod val="50000"/>
+                                </a:schemeClr>
+                              </a:solidFill>
+                              <a:latin typeface="Roboto Condensed" panose="02000000000000000000" pitchFamily="2" charset="0"/>
+                              <a:ea typeface="Roboto Condensed" panose="02000000000000000000" pitchFamily="2" charset="0"/>
+                            </a:rPr>
+                            <a:t>ValueError</a:t>
+                          </a:r>
+                          <a:r>
+                            <a:rPr lang="en-US" sz="1400" b="0" i="0" u="none" strike="noStrike" cap="none" dirty="0">
+                              <a:solidFill>
+                                <a:schemeClr val="accent2">
+                                  <a:lumMod val="50000"/>
+                                </a:schemeClr>
+                              </a:solidFill>
+                              <a:effectLst/>
+                              <a:latin typeface="Roboto Condensed" panose="02000000000000000000" pitchFamily="2" charset="0"/>
+                              <a:ea typeface="Roboto Condensed" panose="02000000000000000000" pitchFamily="2" charset="0"/>
+                              <a:cs typeface="+mn-cs"/>
+                              <a:sym typeface="Arial"/>
+                            </a:rPr>
+                            <a:t> </a:t>
+                          </a:r>
+                          <a:endParaRPr lang="en-US" dirty="0">
+                            <a:solidFill>
+                              <a:schemeClr val="accent2">
+                                <a:lumMod val="50000"/>
+                              </a:schemeClr>
+                            </a:solidFill>
+                            <a:latin typeface="Roboto Condensed" panose="02000000000000000000" pitchFamily="2" charset="0"/>
+                            <a:ea typeface="Roboto Condensed" panose="02000000000000000000" pitchFamily="2" charset="0"/>
+                          </a:endParaRPr>
+                        </a:p>
+                      </a:txBody>
+                      <a:tcPr anchor="ctr"/>
+                    </a:tc>
+                    <a:extLst>
+                      <a:ext uri="{0D108BD9-81ED-4DB2-BD59-A6C34878D82A}">
+                        <a16:rowId xmlns:a16="http://schemas.microsoft.com/office/drawing/2014/main" val="2526313314"/>
+                      </a:ext>
+                    </a:extLst>
+                  </a:tr>
+                  <a:tr h="370840">
+                    <a:tc>
+                      <a:txBody>
+                        <a:bodyPr/>
+                        <a:lstStyle/>
+                        <a:p>
+                          <a:pPr algn="ctr"/>
+                          <a:r>
+                            <a:rPr lang="en-US" dirty="0" err="1">
+                              <a:solidFill>
+                                <a:schemeClr val="accent2">
+                                  <a:lumMod val="50000"/>
+                                </a:schemeClr>
+                              </a:solidFill>
+                              <a:latin typeface="Roboto Condensed" panose="02000000000000000000" pitchFamily="2" charset="0"/>
+                              <a:ea typeface="Roboto Condensed" panose="02000000000000000000" pitchFamily="2" charset="0"/>
+                            </a:rPr>
+                            <a:t>load_force_torque</a:t>
+                          </a:r>
+                          <a:endParaRPr lang="en-US" dirty="0">
+                            <a:solidFill>
+                              <a:schemeClr val="accent2">
+                                <a:lumMod val="50000"/>
+                              </a:schemeClr>
+                            </a:solidFill>
+                            <a:latin typeface="Roboto Condensed" panose="02000000000000000000" pitchFamily="2" charset="0"/>
+                            <a:ea typeface="Roboto Condensed" panose="02000000000000000000" pitchFamily="2" charset="0"/>
+                          </a:endParaRPr>
+                        </a:p>
+                      </a:txBody>
+                      <a:tcPr anchor="ctr"/>
+                    </a:tc>
+                    <a:tc>
+                      <a:txBody>
+                        <a:bodyPr/>
+                        <a:lstStyle/>
+                        <a:p>
+                          <a:pPr algn="ctr"/>
+                          <a:r>
+                            <a:rPr lang="en-US" dirty="0">
+                              <a:solidFill>
+                                <a:schemeClr val="accent2">
+                                  <a:lumMod val="50000"/>
+                                </a:schemeClr>
+                              </a:solidFill>
+                              <a:latin typeface="Roboto Condensed" panose="02000000000000000000" pitchFamily="2" charset="0"/>
+                              <a:ea typeface="Roboto Condensed" panose="02000000000000000000" pitchFamily="2" charset="0"/>
+                            </a:rPr>
+                            <a:t>string</a:t>
+                          </a:r>
+                        </a:p>
+                      </a:txBody>
+                      <a:tcPr anchor="ctr"/>
+                    </a:tc>
+                    <a:tc>
+                      <a:txBody>
+                        <a:bodyPr/>
+                        <a:lstStyle/>
+                        <a:p>
+                          <a:pPr algn="ctr"/>
+                          <a14:m>
+                            <m:oMath xmlns:m="http://schemas.openxmlformats.org/officeDocument/2006/math">
+                              <m:r>
+                                <a:rPr lang="en-US" b="0" i="1" smtClean="0">
+                                  <a:solidFill>
+                                    <a:schemeClr val="accent2">
+                                      <a:lumMod val="50000"/>
+                                    </a:schemeClr>
+                                  </a:solidFill>
+                                  <a:latin typeface="Cambria Math" panose="02040503050406030204" pitchFamily="18" charset="0"/>
+                                  <a:ea typeface="Roboto Condensed" panose="02000000000000000000" pitchFamily="2" charset="0"/>
+                                </a:rPr>
+                                <m:t>[</m:t>
+                              </m:r>
+                              <m:r>
+                                <a:rPr lang="en-US" sz="1400" b="0" i="1" dirty="0" smtClean="0">
+                                  <a:solidFill>
+                                    <a:schemeClr val="accent2">
+                                      <a:lumMod val="50000"/>
+                                    </a:schemeClr>
+                                  </a:solidFill>
+                                  <a:latin typeface="Cambria Math" panose="02040503050406030204" pitchFamily="18" charset="0"/>
+                                  <a:ea typeface="Roboto Condensed" panose="02000000000000000000" pitchFamily="2" charset="0"/>
+                                </a:rPr>
+                                <m:t>ℝ</m:t>
+                              </m:r>
+                            </m:oMath>
+                          </a14:m>
+                          <a:r>
+                            <a:rPr lang="en-US" dirty="0">
+                              <a:solidFill>
+                                <a:schemeClr val="accent2">
+                                  <a:lumMod val="50000"/>
+                                </a:schemeClr>
+                              </a:solidFill>
+                              <a:latin typeface="Roboto Condensed" panose="02000000000000000000" pitchFamily="2" charset="0"/>
+                              <a:ea typeface="Roboto Condensed" panose="02000000000000000000" pitchFamily="2" charset="0"/>
+                            </a:rPr>
+                            <a:t>, </a:t>
+                          </a:r>
+                          <a14:m>
+                            <m:oMath xmlns:m="http://schemas.openxmlformats.org/officeDocument/2006/math">
+                              <m:r>
+                                <a:rPr lang="en-US" sz="1400" b="0" i="1" dirty="0" smtClean="0">
+                                  <a:solidFill>
+                                    <a:schemeClr val="accent2">
+                                      <a:lumMod val="50000"/>
+                                    </a:schemeClr>
+                                  </a:solidFill>
+                                  <a:latin typeface="Cambria Math" panose="02040503050406030204" pitchFamily="18" charset="0"/>
+                                  <a:ea typeface="Roboto Condensed" panose="02000000000000000000" pitchFamily="2" charset="0"/>
+                                </a:rPr>
+                                <m:t>ℝ</m:t>
+                              </m:r>
+                              <m:r>
+                                <a:rPr lang="en-US" sz="1400" b="0" i="0" dirty="0" smtClean="0">
+                                  <a:solidFill>
+                                    <a:schemeClr val="accent2">
+                                      <a:lumMod val="50000"/>
+                                    </a:schemeClr>
+                                  </a:solidFill>
+                                  <a:latin typeface="Cambria Math" panose="02040503050406030204" pitchFamily="18" charset="0"/>
+                                  <a:ea typeface="Roboto Condensed" panose="02000000000000000000" pitchFamily="2" charset="0"/>
+                                </a:rPr>
+                                <m:t>]</m:t>
+                              </m:r>
+                            </m:oMath>
+                          </a14:m>
+                          <a:endParaRPr lang="en-US" dirty="0">
+                            <a:solidFill>
+                              <a:schemeClr val="accent2">
+                                <a:lumMod val="50000"/>
+                              </a:schemeClr>
+                            </a:solidFill>
+                            <a:latin typeface="Roboto Condensed" panose="02000000000000000000" pitchFamily="2" charset="0"/>
+                            <a:ea typeface="Roboto Condensed" panose="02000000000000000000" pitchFamily="2" charset="0"/>
+                          </a:endParaRPr>
+                        </a:p>
+                      </a:txBody>
+                      <a:tcPr anchor="ctr"/>
+                    </a:tc>
+                    <a:tc>
+                      <a:txBody>
+                        <a:bodyPr/>
+                        <a:lstStyle/>
+                        <a:p>
+                          <a:pPr marL="0" marR="0" lvl="0" indent="0" algn="ctr" defTabSz="914400" rtl="0" eaLnBrk="1" fontAlgn="auto" latinLnBrk="0" hangingPunct="1">
+                            <a:lnSpc>
+                              <a:spcPct val="100000"/>
+                            </a:lnSpc>
+                            <a:spcBef>
+                              <a:spcPts val="0"/>
+                            </a:spcBef>
+                            <a:spcAft>
+                              <a:spcPts val="0"/>
+                            </a:spcAft>
+                            <a:buClr>
+                              <a:srgbClr val="000000"/>
+                            </a:buClr>
+                            <a:buSzTx/>
+                            <a:buFont typeface="Arial"/>
+                            <a:buNone/>
+                            <a:tabLst/>
+                            <a:defRPr/>
+                          </a:pPr>
+                          <a:r>
+                            <a:rPr lang="en-US" dirty="0" err="1">
+                              <a:solidFill>
+                                <a:schemeClr val="accent2">
+                                  <a:lumMod val="50000"/>
+                                </a:schemeClr>
+                              </a:solidFill>
+                              <a:latin typeface="Roboto Condensed" panose="02000000000000000000" pitchFamily="2" charset="0"/>
+                              <a:ea typeface="Roboto Condensed" panose="02000000000000000000" pitchFamily="2" charset="0"/>
+                            </a:rPr>
+                            <a:t>ValueError</a:t>
+                          </a:r>
+                          <a:r>
+                            <a:rPr lang="en-US" sz="1400" b="0" i="0" u="none" strike="noStrike" cap="none" dirty="0">
+                              <a:solidFill>
+                                <a:schemeClr val="accent2">
+                                  <a:lumMod val="50000"/>
+                                </a:schemeClr>
+                              </a:solidFill>
+                              <a:effectLst/>
+                              <a:latin typeface="Roboto Condensed" panose="02000000000000000000" pitchFamily="2" charset="0"/>
+                              <a:ea typeface="Roboto Condensed" panose="02000000000000000000" pitchFamily="2" charset="0"/>
+                              <a:cs typeface="+mn-cs"/>
+                              <a:sym typeface="Arial"/>
+                            </a:rPr>
+                            <a:t> </a:t>
+                          </a:r>
+                          <a:endParaRPr lang="en-US" dirty="0">
+                            <a:solidFill>
+                              <a:schemeClr val="accent2">
+                                <a:lumMod val="50000"/>
+                              </a:schemeClr>
+                            </a:solidFill>
+                            <a:latin typeface="Roboto Condensed" panose="02000000000000000000" pitchFamily="2" charset="0"/>
+                            <a:ea typeface="Roboto Condensed" panose="02000000000000000000" pitchFamily="2" charset="0"/>
+                          </a:endParaRPr>
+                        </a:p>
+                      </a:txBody>
+                      <a:tcPr anchor="ctr"/>
+                    </a:tc>
+                    <a:extLst>
+                      <a:ext uri="{0D108BD9-81ED-4DB2-BD59-A6C34878D82A}">
+                        <a16:rowId xmlns:a16="http://schemas.microsoft.com/office/drawing/2014/main" val="823574980"/>
+                      </a:ext>
+                    </a:extLst>
+                  </a:tr>
+                </a:tbl>
+              </a:graphicData>
+            </a:graphic>
+          </p:graphicFrame>
+        </mc:Choice>
+        <mc:Fallback>
+          <p:graphicFrame>
+            <p:nvGraphicFramePr>
+              <p:cNvPr id="4" name="Table 3">
                 <a:extLst>
-                  <a:ext uri="{0D108BD9-81ED-4DB2-BD59-A6C34878D82A}">
-                    <a16:rowId xmlns:a16="http://schemas.microsoft.com/office/drawing/2014/main" val="2526313314"/>
+                  <a:ext uri="{FF2B5EF4-FFF2-40B4-BE49-F238E27FC236}">
+                    <a16:creationId xmlns:a16="http://schemas.microsoft.com/office/drawing/2014/main" id="{EF58ADAC-52AF-D013-EEA2-B10E86F21E81}"/>
                   </a:ext>
                 </a:extLst>
-              </a:tr>
-            </a:tbl>
-          </a:graphicData>
-        </a:graphic>
-      </p:graphicFrame>
+              </p:cNvPr>
+              <p:cNvGraphicFramePr>
+                <a:graphicFrameLocks noGrp="1"/>
+              </p:cNvGraphicFramePr>
+              <p:nvPr>
+                <p:extLst>
+                  <p:ext uri="{D42A27DB-BD31-4B8C-83A1-F6EECF244321}">
+                    <p14:modId xmlns:p14="http://schemas.microsoft.com/office/powerpoint/2010/main" val="632629999"/>
+                  </p:ext>
+                </p:extLst>
+              </p:nvPr>
+            </p:nvGraphicFramePr>
+            <p:xfrm>
+              <a:off x="947698" y="3310940"/>
+              <a:ext cx="6096000" cy="1112520"/>
+            </p:xfrm>
+            <a:graphic>
+              <a:graphicData uri="http://schemas.openxmlformats.org/drawingml/2006/table">
+                <a:tbl>
+                  <a:tblPr firstRow="1" bandRow="1">
+                    <a:tableStyleId>{E929F9F4-4A8F-4326-A1B4-22849713DDAB}</a:tableStyleId>
+                  </a:tblPr>
+                  <a:tblGrid>
+                    <a:gridCol w="1524000">
+                      <a:extLst>
+                        <a:ext uri="{9D8B030D-6E8A-4147-A177-3AD203B41FA5}">
+                          <a16:colId xmlns:a16="http://schemas.microsoft.com/office/drawing/2014/main" val="1527678177"/>
+                        </a:ext>
+                      </a:extLst>
+                    </a:gridCol>
+                    <a:gridCol w="1524000">
+                      <a:extLst>
+                        <a:ext uri="{9D8B030D-6E8A-4147-A177-3AD203B41FA5}">
+                          <a16:colId xmlns:a16="http://schemas.microsoft.com/office/drawing/2014/main" val="529960761"/>
+                        </a:ext>
+                      </a:extLst>
+                    </a:gridCol>
+                    <a:gridCol w="1524000">
+                      <a:extLst>
+                        <a:ext uri="{9D8B030D-6E8A-4147-A177-3AD203B41FA5}">
+                          <a16:colId xmlns:a16="http://schemas.microsoft.com/office/drawing/2014/main" val="314431527"/>
+                        </a:ext>
+                      </a:extLst>
+                    </a:gridCol>
+                    <a:gridCol w="1524000">
+                      <a:extLst>
+                        <a:ext uri="{9D8B030D-6E8A-4147-A177-3AD203B41FA5}">
+                          <a16:colId xmlns:a16="http://schemas.microsoft.com/office/drawing/2014/main" val="2799991699"/>
+                        </a:ext>
+                      </a:extLst>
+                    </a:gridCol>
+                  </a:tblGrid>
+                  <a:tr h="370840">
+                    <a:tc>
+                      <a:txBody>
+                        <a:bodyPr/>
+                        <a:lstStyle/>
+                        <a:p>
+                          <a:pPr algn="ctr"/>
+                          <a:r>
+                            <a:rPr lang="en-US" dirty="0">
+                              <a:latin typeface="Roboto Condensed" panose="02000000000000000000" pitchFamily="2" charset="0"/>
+                              <a:ea typeface="Roboto Condensed" panose="02000000000000000000" pitchFamily="2" charset="0"/>
+                            </a:rPr>
+                            <a:t>Name</a:t>
+                          </a:r>
+                        </a:p>
+                      </a:txBody>
+                      <a:tcPr anchor="ctr"/>
+                    </a:tc>
+                    <a:tc>
+                      <a:txBody>
+                        <a:bodyPr/>
+                        <a:lstStyle/>
+                        <a:p>
+                          <a:pPr algn="ctr"/>
+                          <a:r>
+                            <a:rPr lang="en-US" dirty="0">
+                              <a:latin typeface="Roboto Condensed" panose="02000000000000000000" pitchFamily="2" charset="0"/>
+                              <a:ea typeface="Roboto Condensed" panose="02000000000000000000" pitchFamily="2" charset="0"/>
+                            </a:rPr>
+                            <a:t>In</a:t>
+                          </a:r>
+                        </a:p>
+                      </a:txBody>
+                      <a:tcPr anchor="ctr"/>
+                    </a:tc>
+                    <a:tc>
+                      <a:txBody>
+                        <a:bodyPr/>
+                        <a:lstStyle/>
+                        <a:p>
+                          <a:pPr algn="ctr"/>
+                          <a:r>
+                            <a:rPr lang="en-US" dirty="0">
+                              <a:latin typeface="Roboto Condensed" panose="02000000000000000000" pitchFamily="2" charset="0"/>
+                              <a:ea typeface="Roboto Condensed" panose="02000000000000000000" pitchFamily="2" charset="0"/>
+                            </a:rPr>
+                            <a:t>Out</a:t>
+                          </a:r>
+                        </a:p>
+                      </a:txBody>
+                      <a:tcPr anchor="ctr"/>
+                    </a:tc>
+                    <a:tc>
+                      <a:txBody>
+                        <a:bodyPr/>
+                        <a:lstStyle/>
+                        <a:p>
+                          <a:pPr algn="ctr"/>
+                          <a:r>
+                            <a:rPr lang="en-US" dirty="0"/>
+                            <a:t>Exceptions</a:t>
+                          </a:r>
+                          <a:endParaRPr lang="en-US" dirty="0">
+                            <a:latin typeface="Roboto Condensed" panose="02000000000000000000" pitchFamily="2" charset="0"/>
+                            <a:ea typeface="Roboto Condensed" panose="02000000000000000000" pitchFamily="2" charset="0"/>
+                          </a:endParaRPr>
+                        </a:p>
+                      </a:txBody>
+                      <a:tcPr anchor="ctr"/>
+                    </a:tc>
+                    <a:extLst>
+                      <a:ext uri="{0D108BD9-81ED-4DB2-BD59-A6C34878D82A}">
+                        <a16:rowId xmlns:a16="http://schemas.microsoft.com/office/drawing/2014/main" val="1781836610"/>
+                      </a:ext>
+                    </a:extLst>
+                  </a:tr>
+                  <a:tr h="370840">
+                    <a:tc>
+                      <a:txBody>
+                        <a:bodyPr/>
+                        <a:lstStyle/>
+                        <a:p>
+                          <a:pPr algn="ctr"/>
+                          <a:r>
+                            <a:rPr lang="en-US" dirty="0" err="1">
+                              <a:solidFill>
+                                <a:schemeClr val="accent2">
+                                  <a:lumMod val="50000"/>
+                                </a:schemeClr>
+                              </a:solidFill>
+                              <a:latin typeface="Roboto Condensed" panose="02000000000000000000" pitchFamily="2" charset="0"/>
+                              <a:ea typeface="Roboto Condensed" panose="02000000000000000000" pitchFamily="2" charset="0"/>
+                            </a:rPr>
+                            <a:t>load_coils</a:t>
+                          </a:r>
+                          <a:endParaRPr lang="en-US" dirty="0">
+                            <a:solidFill>
+                              <a:schemeClr val="accent2">
+                                <a:lumMod val="50000"/>
+                              </a:schemeClr>
+                            </a:solidFill>
+                            <a:latin typeface="Roboto Condensed" panose="02000000000000000000" pitchFamily="2" charset="0"/>
+                            <a:ea typeface="Roboto Condensed" panose="02000000000000000000" pitchFamily="2" charset="0"/>
+                          </a:endParaRPr>
+                        </a:p>
+                      </a:txBody>
+                      <a:tcPr anchor="ctr"/>
+                    </a:tc>
+                    <a:tc>
+                      <a:txBody>
+                        <a:bodyPr/>
+                        <a:lstStyle/>
+                        <a:p>
+                          <a:pPr algn="ctr"/>
+                          <a:r>
+                            <a:rPr lang="en-US" dirty="0">
+                              <a:solidFill>
+                                <a:schemeClr val="accent2">
+                                  <a:lumMod val="50000"/>
+                                </a:schemeClr>
+                              </a:solidFill>
+                              <a:latin typeface="Roboto Condensed" panose="02000000000000000000" pitchFamily="2" charset="0"/>
+                              <a:ea typeface="Roboto Condensed" panose="02000000000000000000" pitchFamily="2" charset="0"/>
+                            </a:rPr>
+                            <a:t>string</a:t>
+                          </a:r>
+                        </a:p>
+                      </a:txBody>
+                      <a:tcPr anchor="ctr"/>
+                    </a:tc>
+                    <a:tc>
+                      <a:txBody>
+                        <a:bodyPr/>
+                        <a:lstStyle/>
+                        <a:p>
+                          <a:pPr algn="ctr"/>
+                          <a:r>
+                            <a:rPr lang="en-US" dirty="0">
+                              <a:solidFill>
+                                <a:schemeClr val="accent2">
+                                  <a:lumMod val="50000"/>
+                                </a:schemeClr>
+                              </a:solidFill>
+                              <a:latin typeface="Roboto Condensed" panose="02000000000000000000" pitchFamily="2" charset="0"/>
+                              <a:ea typeface="Roboto Condensed" panose="02000000000000000000" pitchFamily="2" charset="0"/>
+                            </a:rPr>
+                            <a:t>[</a:t>
+                          </a:r>
+                          <a:r>
+                            <a:rPr lang="en-US" dirty="0" err="1">
+                              <a:solidFill>
+                                <a:schemeClr val="accent2">
+                                  <a:lumMod val="50000"/>
+                                </a:schemeClr>
+                              </a:solidFill>
+                              <a:latin typeface="Roboto Condensed" panose="02000000000000000000" pitchFamily="2" charset="0"/>
+                              <a:ea typeface="Roboto Condensed" panose="02000000000000000000" pitchFamily="2" charset="0"/>
+                            </a:rPr>
+                            <a:t>CoilT</a:t>
+                          </a:r>
+                          <a:r>
+                            <a:rPr lang="en-US" dirty="0">
+                              <a:solidFill>
+                                <a:schemeClr val="accent2">
+                                  <a:lumMod val="50000"/>
+                                </a:schemeClr>
+                              </a:solidFill>
+                              <a:latin typeface="Roboto Condensed" panose="02000000000000000000" pitchFamily="2" charset="0"/>
+                              <a:ea typeface="Roboto Condensed" panose="02000000000000000000" pitchFamily="2" charset="0"/>
+                            </a:rPr>
+                            <a:t>, </a:t>
+                          </a:r>
+                          <a:r>
+                            <a:rPr lang="en-US" dirty="0" err="1">
+                              <a:solidFill>
+                                <a:schemeClr val="accent2">
+                                  <a:lumMod val="50000"/>
+                                </a:schemeClr>
+                              </a:solidFill>
+                              <a:latin typeface="Roboto Condensed" panose="02000000000000000000" pitchFamily="2" charset="0"/>
+                              <a:ea typeface="Roboto Condensed" panose="02000000000000000000" pitchFamily="2" charset="0"/>
+                            </a:rPr>
+                            <a:t>CoilT</a:t>
+                          </a:r>
+                          <a:r>
+                            <a:rPr lang="en-US" dirty="0">
+                              <a:solidFill>
+                                <a:schemeClr val="accent2">
+                                  <a:lumMod val="50000"/>
+                                </a:schemeClr>
+                              </a:solidFill>
+                              <a:latin typeface="Roboto Condensed" panose="02000000000000000000" pitchFamily="2" charset="0"/>
+                              <a:ea typeface="Roboto Condensed" panose="02000000000000000000" pitchFamily="2" charset="0"/>
+                            </a:rPr>
+                            <a:t>, </a:t>
+                          </a:r>
+                          <a:r>
+                            <a:rPr lang="en-US" dirty="0" err="1">
+                              <a:solidFill>
+                                <a:schemeClr val="accent2">
+                                  <a:lumMod val="50000"/>
+                                </a:schemeClr>
+                              </a:solidFill>
+                              <a:latin typeface="Roboto Condensed" panose="02000000000000000000" pitchFamily="2" charset="0"/>
+                              <a:ea typeface="Roboto Condensed" panose="02000000000000000000" pitchFamily="2" charset="0"/>
+                            </a:rPr>
+                            <a:t>CoilT</a:t>
+                          </a:r>
+                          <a:r>
+                            <a:rPr lang="en-US" dirty="0">
+                              <a:solidFill>
+                                <a:schemeClr val="accent2">
+                                  <a:lumMod val="50000"/>
+                                </a:schemeClr>
+                              </a:solidFill>
+                              <a:latin typeface="Roboto Condensed" panose="02000000000000000000" pitchFamily="2" charset="0"/>
+                              <a:ea typeface="Roboto Condensed" panose="02000000000000000000" pitchFamily="2" charset="0"/>
+                            </a:rPr>
+                            <a:t>]</a:t>
+                          </a:r>
+                        </a:p>
+                      </a:txBody>
+                      <a:tcPr anchor="ctr"/>
+                    </a:tc>
+                    <a:tc>
+                      <a:txBody>
+                        <a:bodyPr/>
+                        <a:lstStyle/>
+                        <a:p>
+                          <a:pPr algn="ctr"/>
+                          <a:r>
+                            <a:rPr lang="en-US" dirty="0" err="1">
+                              <a:solidFill>
+                                <a:schemeClr val="accent2">
+                                  <a:lumMod val="50000"/>
+                                </a:schemeClr>
+                              </a:solidFill>
+                              <a:latin typeface="Roboto Condensed" panose="02000000000000000000" pitchFamily="2" charset="0"/>
+                              <a:ea typeface="Roboto Condensed" panose="02000000000000000000" pitchFamily="2" charset="0"/>
+                            </a:rPr>
+                            <a:t>ValueError</a:t>
+                          </a:r>
+                          <a:r>
+                            <a:rPr lang="en-US" sz="1400" b="0" i="0" u="none" strike="noStrike" cap="none" dirty="0">
+                              <a:solidFill>
+                                <a:schemeClr val="accent2">
+                                  <a:lumMod val="50000"/>
+                                </a:schemeClr>
+                              </a:solidFill>
+                              <a:effectLst/>
+                              <a:latin typeface="Roboto Condensed" panose="02000000000000000000" pitchFamily="2" charset="0"/>
+                              <a:ea typeface="Roboto Condensed" panose="02000000000000000000" pitchFamily="2" charset="0"/>
+                              <a:cs typeface="+mn-cs"/>
+                              <a:sym typeface="Arial"/>
+                            </a:rPr>
+                            <a:t> </a:t>
+                          </a:r>
+                          <a:endParaRPr lang="en-US" dirty="0">
+                            <a:solidFill>
+                              <a:schemeClr val="accent2">
+                                <a:lumMod val="50000"/>
+                              </a:schemeClr>
+                            </a:solidFill>
+                            <a:latin typeface="Roboto Condensed" panose="02000000000000000000" pitchFamily="2" charset="0"/>
+                            <a:ea typeface="Roboto Condensed" panose="02000000000000000000" pitchFamily="2" charset="0"/>
+                          </a:endParaRPr>
+                        </a:p>
+                      </a:txBody>
+                      <a:tcPr anchor="ctr"/>
+                    </a:tc>
+                    <a:extLst>
+                      <a:ext uri="{0D108BD9-81ED-4DB2-BD59-A6C34878D82A}">
+                        <a16:rowId xmlns:a16="http://schemas.microsoft.com/office/drawing/2014/main" val="2526313314"/>
+                      </a:ext>
+                    </a:extLst>
+                  </a:tr>
+                  <a:tr h="370840">
+                    <a:tc>
+                      <a:txBody>
+                        <a:bodyPr/>
+                        <a:lstStyle/>
+                        <a:p>
+                          <a:pPr algn="ctr"/>
+                          <a:r>
+                            <a:rPr lang="en-US" dirty="0" err="1">
+                              <a:solidFill>
+                                <a:schemeClr val="accent2">
+                                  <a:lumMod val="50000"/>
+                                </a:schemeClr>
+                              </a:solidFill>
+                              <a:latin typeface="Roboto Condensed" panose="02000000000000000000" pitchFamily="2" charset="0"/>
+                              <a:ea typeface="Roboto Condensed" panose="02000000000000000000" pitchFamily="2" charset="0"/>
+                            </a:rPr>
+                            <a:t>load_force_torque</a:t>
+                          </a:r>
+                          <a:endParaRPr lang="en-US" dirty="0">
+                            <a:solidFill>
+                              <a:schemeClr val="accent2">
+                                <a:lumMod val="50000"/>
+                              </a:schemeClr>
+                            </a:solidFill>
+                            <a:latin typeface="Roboto Condensed" panose="02000000000000000000" pitchFamily="2" charset="0"/>
+                            <a:ea typeface="Roboto Condensed" panose="02000000000000000000" pitchFamily="2" charset="0"/>
+                          </a:endParaRPr>
+                        </a:p>
+                      </a:txBody>
+                      <a:tcPr anchor="ctr"/>
+                    </a:tc>
+                    <a:tc>
+                      <a:txBody>
+                        <a:bodyPr/>
+                        <a:lstStyle/>
+                        <a:p>
+                          <a:pPr algn="ctr"/>
+                          <a:r>
+                            <a:rPr lang="en-US" dirty="0">
+                              <a:solidFill>
+                                <a:schemeClr val="accent2">
+                                  <a:lumMod val="50000"/>
+                                </a:schemeClr>
+                              </a:solidFill>
+                              <a:latin typeface="Roboto Condensed" panose="02000000000000000000" pitchFamily="2" charset="0"/>
+                              <a:ea typeface="Roboto Condensed" panose="02000000000000000000" pitchFamily="2" charset="0"/>
+                            </a:rPr>
+                            <a:t>string</a:t>
+                          </a:r>
+                        </a:p>
+                      </a:txBody>
+                      <a:tcPr anchor="ctr"/>
+                    </a:tc>
+                    <a:tc>
+                      <a:txBody>
+                        <a:bodyPr/>
+                        <a:lstStyle/>
+                        <a:p>
+                          <a:endParaRPr lang="en-US"/>
+                        </a:p>
+                      </a:txBody>
+                      <a:tcPr anchor="ctr">
+                        <a:blipFill>
+                          <a:blip r:embed="rId2"/>
+                          <a:stretch>
+                            <a:fillRect l="-200400" t="-200000" r="-100800" b="-8197"/>
+                          </a:stretch>
+                        </a:blipFill>
+                      </a:tcPr>
+                    </a:tc>
+                    <a:tc>
+                      <a:txBody>
+                        <a:bodyPr/>
+                        <a:lstStyle/>
+                        <a:p>
+                          <a:pPr marL="0" marR="0" lvl="0" indent="0" algn="ctr" defTabSz="914400" rtl="0" eaLnBrk="1" fontAlgn="auto" latinLnBrk="0" hangingPunct="1">
+                            <a:lnSpc>
+                              <a:spcPct val="100000"/>
+                            </a:lnSpc>
+                            <a:spcBef>
+                              <a:spcPts val="0"/>
+                            </a:spcBef>
+                            <a:spcAft>
+                              <a:spcPts val="0"/>
+                            </a:spcAft>
+                            <a:buClr>
+                              <a:srgbClr val="000000"/>
+                            </a:buClr>
+                            <a:buSzTx/>
+                            <a:buFont typeface="Arial"/>
+                            <a:buNone/>
+                            <a:tabLst/>
+                            <a:defRPr/>
+                          </a:pPr>
+                          <a:r>
+                            <a:rPr lang="en-US" dirty="0" err="1">
+                              <a:solidFill>
+                                <a:schemeClr val="accent2">
+                                  <a:lumMod val="50000"/>
+                                </a:schemeClr>
+                              </a:solidFill>
+                              <a:latin typeface="Roboto Condensed" panose="02000000000000000000" pitchFamily="2" charset="0"/>
+                              <a:ea typeface="Roboto Condensed" panose="02000000000000000000" pitchFamily="2" charset="0"/>
+                            </a:rPr>
+                            <a:t>ValueError</a:t>
+                          </a:r>
+                          <a:r>
+                            <a:rPr lang="en-US" sz="1400" b="0" i="0" u="none" strike="noStrike" cap="none" dirty="0">
+                              <a:solidFill>
+                                <a:schemeClr val="accent2">
+                                  <a:lumMod val="50000"/>
+                                </a:schemeClr>
+                              </a:solidFill>
+                              <a:effectLst/>
+                              <a:latin typeface="Roboto Condensed" panose="02000000000000000000" pitchFamily="2" charset="0"/>
+                              <a:ea typeface="Roboto Condensed" panose="02000000000000000000" pitchFamily="2" charset="0"/>
+                              <a:cs typeface="+mn-cs"/>
+                              <a:sym typeface="Arial"/>
+                            </a:rPr>
+                            <a:t> </a:t>
+                          </a:r>
+                          <a:endParaRPr lang="en-US" dirty="0">
+                            <a:solidFill>
+                              <a:schemeClr val="accent2">
+                                <a:lumMod val="50000"/>
+                              </a:schemeClr>
+                            </a:solidFill>
+                            <a:latin typeface="Roboto Condensed" panose="02000000000000000000" pitchFamily="2" charset="0"/>
+                            <a:ea typeface="Roboto Condensed" panose="02000000000000000000" pitchFamily="2" charset="0"/>
+                          </a:endParaRPr>
+                        </a:p>
+                      </a:txBody>
+                      <a:tcPr anchor="ctr"/>
+                    </a:tc>
+                    <a:extLst>
+                      <a:ext uri="{0D108BD9-81ED-4DB2-BD59-A6C34878D82A}">
+                        <a16:rowId xmlns:a16="http://schemas.microsoft.com/office/drawing/2014/main" val="823574980"/>
+                      </a:ext>
+                    </a:extLst>
+                  </a:tr>
+                </a:tbl>
+              </a:graphicData>
+            </a:graphic>
+          </p:graphicFrame>
+        </mc:Fallback>
+      </mc:AlternateContent>
       <p:sp>
         <p:nvSpPr>
           <p:cNvPr id="6" name="Slide Number Placeholder 4">
@@ -6350,7 +7120,7 @@
               <p:nvPr>
                 <p:extLst>
                   <p:ext uri="{D42A27DB-BD31-4B8C-83A1-F6EECF244321}">
-                    <p14:modId xmlns:p14="http://schemas.microsoft.com/office/powerpoint/2010/main" val="1593440838"/>
+                    <p14:modId xmlns:p14="http://schemas.microsoft.com/office/powerpoint/2010/main" val="2900643877"/>
                   </p:ext>
                 </p:extLst>
               </p:nvPr>
@@ -6798,7 +7568,7 @@
                               <a:latin typeface="Roboto Condensed" panose="02000000000000000000" pitchFamily="2" charset="0"/>
                               <a:ea typeface="Roboto Condensed" panose="02000000000000000000" pitchFamily="2" charset="0"/>
                             </a:rPr>
-                            <a:t>bool</a:t>
+                            <a:t>Bool</a:t>
                           </a:r>
                         </a:p>
                       </a:txBody>
@@ -6969,7 +7739,7 @@
               <p:nvPr>
                 <p:extLst>
                   <p:ext uri="{D42A27DB-BD31-4B8C-83A1-F6EECF244321}">
-                    <p14:modId xmlns:p14="http://schemas.microsoft.com/office/powerpoint/2010/main" val="1593440838"/>
+                    <p14:modId xmlns:p14="http://schemas.microsoft.com/office/powerpoint/2010/main" val="2900643877"/>
                   </p:ext>
                 </p:extLst>
               </p:nvPr>
@@ -7247,7 +8017,7 @@
                               <a:latin typeface="Roboto Condensed" panose="02000000000000000000" pitchFamily="2" charset="0"/>
                               <a:ea typeface="Roboto Condensed" panose="02000000000000000000" pitchFamily="2" charset="0"/>
                             </a:rPr>
-                            <a:t>bool</a:t>
+                            <a:t>Bool</a:t>
                           </a:r>
                         </a:p>
                       </a:txBody>
@@ -7615,8 +8385,8 @@
           </a:p>
         </p:txBody>
       </p:sp>
-      <mc:AlternateContent xmlns:mc="http://schemas.openxmlformats.org/markup-compatibility/2006">
-        <mc:Choice xmlns:a14="http://schemas.microsoft.com/office/drawing/2010/main" Requires="a14">
+      <mc:AlternateContent xmlns:mc="http://schemas.openxmlformats.org/markup-compatibility/2006" xmlns:a14="http://schemas.microsoft.com/office/drawing/2010/main">
+        <mc:Choice Requires="a14">
           <p:graphicFrame>
             <p:nvGraphicFramePr>
               <p:cNvPr id="4" name="Table 3">
@@ -9551,7 +10321,7 @@
             </a:graphic>
           </p:graphicFrame>
         </mc:Choice>
-        <mc:Fallback>
+        <mc:Fallback xmlns="">
           <p:graphicFrame>
             <p:nvGraphicFramePr>
               <p:cNvPr id="4" name="Table 3">
@@ -10657,8 +11427,8 @@
           </p:sp>
         </mc:Fallback>
       </mc:AlternateContent>
-      <mc:AlternateContent xmlns:mc="http://schemas.openxmlformats.org/markup-compatibility/2006">
-        <mc:Choice xmlns:a14="http://schemas.microsoft.com/office/drawing/2010/main" Requires="a14">
+      <mc:AlternateContent xmlns:mc="http://schemas.openxmlformats.org/markup-compatibility/2006" xmlns:a14="http://schemas.microsoft.com/office/drawing/2010/main">
+        <mc:Choice Requires="a14">
           <p:graphicFrame>
             <p:nvGraphicFramePr>
               <p:cNvPr id="4" name="Table 3">
@@ -11525,7 +12295,7 @@
             </a:graphic>
           </p:graphicFrame>
         </mc:Choice>
-        <mc:Fallback>
+        <mc:Fallback xmlns="">
           <p:graphicFrame>
             <p:nvGraphicFramePr>
               <p:cNvPr id="4" name="Table 3">

--- a/docs/Presentations/MG-MIS/MG-MIS.pptx
+++ b/docs/Presentations/MG-MIS/MG-MIS.pptx
@@ -5,59 +5,58 @@
     <p:sldMasterId id="2147483657" r:id="rId1"/>
   </p:sldMasterIdLst>
   <p:notesMasterIdLst>
-    <p:notesMasterId r:id="rId17"/>
+    <p:notesMasterId r:id="rId16"/>
   </p:notesMasterIdLst>
   <p:sldIdLst>
     <p:sldId id="256" r:id="rId2"/>
     <p:sldId id="261" r:id="rId3"/>
     <p:sldId id="295" r:id="rId4"/>
-    <p:sldId id="296" r:id="rId5"/>
+    <p:sldId id="299" r:id="rId5"/>
     <p:sldId id="298" r:id="rId6"/>
-    <p:sldId id="299" r:id="rId7"/>
+    <p:sldId id="300" r:id="rId7"/>
     <p:sldId id="297" r:id="rId8"/>
-    <p:sldId id="300" r:id="rId9"/>
-    <p:sldId id="258" r:id="rId10"/>
-    <p:sldId id="303" r:id="rId11"/>
-    <p:sldId id="304" r:id="rId12"/>
-    <p:sldId id="305" r:id="rId13"/>
-    <p:sldId id="307" r:id="rId14"/>
-    <p:sldId id="308" r:id="rId15"/>
-    <p:sldId id="278" r:id="rId16"/>
+    <p:sldId id="307" r:id="rId9"/>
+    <p:sldId id="303" r:id="rId10"/>
+    <p:sldId id="304" r:id="rId11"/>
+    <p:sldId id="305" r:id="rId12"/>
+    <p:sldId id="308" r:id="rId13"/>
+    <p:sldId id="258" r:id="rId14"/>
+    <p:sldId id="278" r:id="rId15"/>
   </p:sldIdLst>
   <p:sldSz cx="9144000" cy="5143500" type="screen16x9"/>
   <p:notesSz cx="6858000" cy="9144000"/>
   <p:embeddedFontLst>
     <p:embeddedFont>
       <p:font typeface="Arial Nova" panose="020B0504020202020204" pitchFamily="34" charset="0"/>
-      <p:regular r:id="rId18"/>
-      <p:bold r:id="rId19"/>
-      <p:italic r:id="rId20"/>
-      <p:boldItalic r:id="rId21"/>
+      <p:regular r:id="rId17"/>
+      <p:bold r:id="rId18"/>
+      <p:italic r:id="rId19"/>
+      <p:boldItalic r:id="rId20"/>
     </p:embeddedFont>
     <p:embeddedFont>
       <p:font typeface="Arvo" panose="020B0604020202020204" charset="0"/>
-      <p:regular r:id="rId22"/>
-      <p:bold r:id="rId23"/>
-      <p:italic r:id="rId24"/>
-      <p:boldItalic r:id="rId25"/>
+      <p:regular r:id="rId21"/>
+      <p:bold r:id="rId22"/>
+      <p:italic r:id="rId23"/>
+      <p:boldItalic r:id="rId24"/>
     </p:embeddedFont>
     <p:embeddedFont>
       <p:font typeface="Cambria Math" panose="02040503050406030204" pitchFamily="18" charset="0"/>
-      <p:regular r:id="rId26"/>
+      <p:regular r:id="rId25"/>
     </p:embeddedFont>
     <p:embeddedFont>
       <p:font typeface="Roboto Condensed" panose="02000000000000000000" pitchFamily="2" charset="0"/>
-      <p:regular r:id="rId27"/>
-      <p:bold r:id="rId28"/>
-      <p:italic r:id="rId29"/>
-      <p:boldItalic r:id="rId30"/>
+      <p:regular r:id="rId26"/>
+      <p:bold r:id="rId27"/>
+      <p:italic r:id="rId28"/>
+      <p:boldItalic r:id="rId29"/>
     </p:embeddedFont>
     <p:embeddedFont>
       <p:font typeface="Roboto Condensed Light" panose="02000000000000000000" pitchFamily="2" charset="0"/>
-      <p:regular r:id="rId31"/>
-      <p:bold r:id="rId32"/>
-      <p:italic r:id="rId33"/>
-      <p:boldItalic r:id="rId34"/>
+      <p:regular r:id="rId30"/>
+      <p:bold r:id="rId31"/>
+      <p:italic r:id="rId32"/>
+      <p:boldItalic r:id="rId33"/>
     </p:embeddedFont>
   </p:embeddedFontLst>
   <p:defaultTextStyle>
@@ -297,21 +296,20 @@
             <p14:sldId id="256"/>
             <p14:sldId id="261"/>
             <p14:sldId id="295"/>
-            <p14:sldId id="296"/>
+            <p14:sldId id="299"/>
             <p14:sldId id="298"/>
-            <p14:sldId id="299"/>
+            <p14:sldId id="300"/>
             <p14:sldId id="297"/>
-            <p14:sldId id="300"/>
-            <p14:sldId id="258"/>
+            <p14:sldId id="307"/>
             <p14:sldId id="303"/>
             <p14:sldId id="304"/>
             <p14:sldId id="305"/>
-            <p14:sldId id="307"/>
           </p14:sldIdLst>
         </p14:section>
         <p14:section name="Untitled Section" id="{3388DE83-600D-4497-903A-72D58D6DB457}">
           <p14:sldIdLst>
             <p14:sldId id="308"/>
+            <p14:sldId id="258"/>
             <p14:sldId id="278"/>
           </p14:sldIdLst>
         </p14:section>
@@ -5747,1255 +5745,6 @@
             </a:pPr>
             <a:r>
               <a:rPr lang="en-US" sz="2000" dirty="0"/>
-              <a:t>Input Format Module</a:t>
-            </a:r>
-          </a:p>
-        </p:txBody>
-      </p:sp>
-      <p:sp>
-        <p:nvSpPr>
-          <p:cNvPr id="3" name="Text Placeholder 2">
-            <a:extLst>
-              <a:ext uri="{FF2B5EF4-FFF2-40B4-BE49-F238E27FC236}">
-                <a16:creationId xmlns:a16="http://schemas.microsoft.com/office/drawing/2014/main" id="{D9D3AE8E-2C35-A103-EF12-D3D3C362C4A3}"/>
-              </a:ext>
-            </a:extLst>
-          </p:cNvPr>
-          <p:cNvSpPr>
-            <a:spLocks noGrp="1"/>
-          </p:cNvSpPr>
-          <p:nvPr>
-            <p:ph type="body" idx="1"/>
-          </p:nvPr>
-        </p:nvSpPr>
-        <p:spPr>
-          <a:xfrm>
-            <a:off x="814274" y="1537988"/>
-            <a:ext cx="7860999" cy="1483360"/>
-          </a:xfrm>
-        </p:spPr>
-        <p:txBody>
-          <a:bodyPr/>
-          <a:lstStyle/>
-          <a:p>
-            <a:pPr algn="just"/>
-            <a:r>
-              <a:rPr lang="en-US" sz="2000" b="1" dirty="0">
-                <a:solidFill>
-                  <a:srgbClr val="374151"/>
-                </a:solidFill>
-                <a:latin typeface="Roboto Condensed Light" panose="02000000000000000000" pitchFamily="2" charset="0"/>
-                <a:ea typeface="Roboto Condensed Light" panose="02000000000000000000" pitchFamily="2" charset="0"/>
-                <a:cs typeface="Roboto Condensed Light" panose="02000000000000000000" pitchFamily="2" charset="0"/>
-              </a:rPr>
-              <a:t>Uses: </a:t>
-            </a:r>
-            <a:r>
-              <a:rPr lang="en-US" sz="2000" dirty="0">
-                <a:solidFill>
-                  <a:srgbClr val="374151"/>
-                </a:solidFill>
-                <a:latin typeface="Roboto Condensed Light" panose="02000000000000000000" pitchFamily="2" charset="0"/>
-                <a:ea typeface="Roboto Condensed Light" panose="02000000000000000000" pitchFamily="2" charset="0"/>
-                <a:cs typeface="Roboto Condensed Light" panose="02000000000000000000" pitchFamily="2" charset="0"/>
-              </a:rPr>
-              <a:t>Hardware Hiding Modules</a:t>
-            </a:r>
-          </a:p>
-          <a:p>
-            <a:pPr algn="just"/>
-            <a:r>
-              <a:rPr lang="en-CA" sz="2000" b="1" dirty="0">
-                <a:solidFill>
-                  <a:srgbClr val="374151"/>
-                </a:solidFill>
-                <a:latin typeface="Roboto Condensed Light" panose="02000000000000000000" pitchFamily="2" charset="0"/>
-                <a:ea typeface="Roboto Condensed Light" panose="02000000000000000000" pitchFamily="2" charset="0"/>
-                <a:cs typeface="Roboto Condensed Light" panose="02000000000000000000" pitchFamily="2" charset="0"/>
-              </a:rPr>
-              <a:t>State Variables: </a:t>
-            </a:r>
-            <a:r>
-              <a:rPr lang="en-CA" sz="2000" dirty="0">
-                <a:solidFill>
-                  <a:srgbClr val="374151"/>
-                </a:solidFill>
-                <a:latin typeface="Roboto Condensed Light" panose="02000000000000000000" pitchFamily="2" charset="0"/>
-                <a:ea typeface="Roboto Condensed Light" panose="02000000000000000000" pitchFamily="2" charset="0"/>
-                <a:cs typeface="Roboto Condensed Light" panose="02000000000000000000" pitchFamily="2" charset="0"/>
-              </a:rPr>
-              <a:t>-</a:t>
-            </a:r>
-          </a:p>
-          <a:p>
-            <a:pPr algn="just"/>
-            <a:r>
-              <a:rPr lang="en-CA" sz="2000" b="1" dirty="0">
-                <a:solidFill>
-                  <a:srgbClr val="374151"/>
-                </a:solidFill>
-                <a:latin typeface="Roboto Condensed Light" panose="02000000000000000000" pitchFamily="2" charset="0"/>
-                <a:ea typeface="Roboto Condensed Light" panose="02000000000000000000" pitchFamily="2" charset="0"/>
-                <a:cs typeface="Roboto Condensed Light" panose="02000000000000000000" pitchFamily="2" charset="0"/>
-              </a:rPr>
-              <a:t>Environment Variable: </a:t>
-            </a:r>
-            <a:r>
-              <a:rPr lang="en-CA" sz="2000" dirty="0">
-                <a:solidFill>
-                  <a:srgbClr val="374151"/>
-                </a:solidFill>
-                <a:latin typeface="Roboto Condensed Light" panose="02000000000000000000" pitchFamily="2" charset="0"/>
-                <a:ea typeface="Roboto Condensed Light" panose="02000000000000000000" pitchFamily="2" charset="0"/>
-                <a:cs typeface="Roboto Condensed Light" panose="02000000000000000000" pitchFamily="2" charset="0"/>
-              </a:rPr>
-              <a:t>file, command line input</a:t>
-            </a:r>
-          </a:p>
-        </p:txBody>
-      </p:sp>
-      <mc:AlternateContent xmlns:mc="http://schemas.openxmlformats.org/markup-compatibility/2006">
-        <mc:Choice xmlns:a14="http://schemas.microsoft.com/office/drawing/2010/main" Requires="a14">
-          <p:graphicFrame>
-            <p:nvGraphicFramePr>
-              <p:cNvPr id="4" name="Table 3">
-                <a:extLst>
-                  <a:ext uri="{FF2B5EF4-FFF2-40B4-BE49-F238E27FC236}">
-                    <a16:creationId xmlns:a16="http://schemas.microsoft.com/office/drawing/2014/main" id="{EF58ADAC-52AF-D013-EEA2-B10E86F21E81}"/>
-                  </a:ext>
-                </a:extLst>
-              </p:cNvPr>
-              <p:cNvGraphicFramePr>
-                <a:graphicFrameLocks noGrp="1"/>
-              </p:cNvGraphicFramePr>
-              <p:nvPr>
-                <p:extLst>
-                  <p:ext uri="{D42A27DB-BD31-4B8C-83A1-F6EECF244321}">
-                    <p14:modId xmlns:p14="http://schemas.microsoft.com/office/powerpoint/2010/main" val="632629999"/>
-                  </p:ext>
-                </p:extLst>
-              </p:nvPr>
-            </p:nvGraphicFramePr>
-            <p:xfrm>
-              <a:off x="947698" y="3310940"/>
-              <a:ext cx="6096000" cy="1112520"/>
-            </p:xfrm>
-            <a:graphic>
-              <a:graphicData uri="http://schemas.openxmlformats.org/drawingml/2006/table">
-                <a:tbl>
-                  <a:tblPr firstRow="1" bandRow="1">
-                    <a:tableStyleId>{E929F9F4-4A8F-4326-A1B4-22849713DDAB}</a:tableStyleId>
-                  </a:tblPr>
-                  <a:tblGrid>
-                    <a:gridCol w="1524000">
-                      <a:extLst>
-                        <a:ext uri="{9D8B030D-6E8A-4147-A177-3AD203B41FA5}">
-                          <a16:colId xmlns:a16="http://schemas.microsoft.com/office/drawing/2014/main" val="1527678177"/>
-                        </a:ext>
-                      </a:extLst>
-                    </a:gridCol>
-                    <a:gridCol w="1524000">
-                      <a:extLst>
-                        <a:ext uri="{9D8B030D-6E8A-4147-A177-3AD203B41FA5}">
-                          <a16:colId xmlns:a16="http://schemas.microsoft.com/office/drawing/2014/main" val="529960761"/>
-                        </a:ext>
-                      </a:extLst>
-                    </a:gridCol>
-                    <a:gridCol w="1524000">
-                      <a:extLst>
-                        <a:ext uri="{9D8B030D-6E8A-4147-A177-3AD203B41FA5}">
-                          <a16:colId xmlns:a16="http://schemas.microsoft.com/office/drawing/2014/main" val="314431527"/>
-                        </a:ext>
-                      </a:extLst>
-                    </a:gridCol>
-                    <a:gridCol w="1524000">
-                      <a:extLst>
-                        <a:ext uri="{9D8B030D-6E8A-4147-A177-3AD203B41FA5}">
-                          <a16:colId xmlns:a16="http://schemas.microsoft.com/office/drawing/2014/main" val="2799991699"/>
-                        </a:ext>
-                      </a:extLst>
-                    </a:gridCol>
-                  </a:tblGrid>
-                  <a:tr h="370840">
-                    <a:tc>
-                      <a:txBody>
-                        <a:bodyPr/>
-                        <a:lstStyle/>
-                        <a:p>
-                          <a:pPr algn="ctr"/>
-                          <a:r>
-                            <a:rPr lang="en-US" dirty="0">
-                              <a:latin typeface="Roboto Condensed" panose="02000000000000000000" pitchFamily="2" charset="0"/>
-                              <a:ea typeface="Roboto Condensed" panose="02000000000000000000" pitchFamily="2" charset="0"/>
-                            </a:rPr>
-                            <a:t>Name</a:t>
-                          </a:r>
-                        </a:p>
-                      </a:txBody>
-                      <a:tcPr anchor="ctr"/>
-                    </a:tc>
-                    <a:tc>
-                      <a:txBody>
-                        <a:bodyPr/>
-                        <a:lstStyle/>
-                        <a:p>
-                          <a:pPr algn="ctr"/>
-                          <a:r>
-                            <a:rPr lang="en-US" dirty="0">
-                              <a:latin typeface="Roboto Condensed" panose="02000000000000000000" pitchFamily="2" charset="0"/>
-                              <a:ea typeface="Roboto Condensed" panose="02000000000000000000" pitchFamily="2" charset="0"/>
-                            </a:rPr>
-                            <a:t>In</a:t>
-                          </a:r>
-                        </a:p>
-                      </a:txBody>
-                      <a:tcPr anchor="ctr"/>
-                    </a:tc>
-                    <a:tc>
-                      <a:txBody>
-                        <a:bodyPr/>
-                        <a:lstStyle/>
-                        <a:p>
-                          <a:pPr algn="ctr"/>
-                          <a:r>
-                            <a:rPr lang="en-US" dirty="0">
-                              <a:latin typeface="Roboto Condensed" panose="02000000000000000000" pitchFamily="2" charset="0"/>
-                              <a:ea typeface="Roboto Condensed" panose="02000000000000000000" pitchFamily="2" charset="0"/>
-                            </a:rPr>
-                            <a:t>Out</a:t>
-                          </a:r>
-                        </a:p>
-                      </a:txBody>
-                      <a:tcPr anchor="ctr"/>
-                    </a:tc>
-                    <a:tc>
-                      <a:txBody>
-                        <a:bodyPr/>
-                        <a:lstStyle/>
-                        <a:p>
-                          <a:pPr algn="ctr"/>
-                          <a:r>
-                            <a:rPr lang="en-US" dirty="0"/>
-                            <a:t>Exceptions</a:t>
-                          </a:r>
-                          <a:endParaRPr lang="en-US" dirty="0">
-                            <a:latin typeface="Roboto Condensed" panose="02000000000000000000" pitchFamily="2" charset="0"/>
-                            <a:ea typeface="Roboto Condensed" panose="02000000000000000000" pitchFamily="2" charset="0"/>
-                          </a:endParaRPr>
-                        </a:p>
-                      </a:txBody>
-                      <a:tcPr anchor="ctr"/>
-                    </a:tc>
-                    <a:extLst>
-                      <a:ext uri="{0D108BD9-81ED-4DB2-BD59-A6C34878D82A}">
-                        <a16:rowId xmlns:a16="http://schemas.microsoft.com/office/drawing/2014/main" val="1781836610"/>
-                      </a:ext>
-                    </a:extLst>
-                  </a:tr>
-                  <a:tr h="370840">
-                    <a:tc>
-                      <a:txBody>
-                        <a:bodyPr/>
-                        <a:lstStyle/>
-                        <a:p>
-                          <a:pPr algn="ctr"/>
-                          <a:r>
-                            <a:rPr lang="en-US" dirty="0" err="1">
-                              <a:solidFill>
-                                <a:schemeClr val="accent2">
-                                  <a:lumMod val="50000"/>
-                                </a:schemeClr>
-                              </a:solidFill>
-                              <a:latin typeface="Roboto Condensed" panose="02000000000000000000" pitchFamily="2" charset="0"/>
-                              <a:ea typeface="Roboto Condensed" panose="02000000000000000000" pitchFamily="2" charset="0"/>
-                            </a:rPr>
-                            <a:t>load_coils</a:t>
-                          </a:r>
-                          <a:endParaRPr lang="en-US" dirty="0">
-                            <a:solidFill>
-                              <a:schemeClr val="accent2">
-                                <a:lumMod val="50000"/>
-                              </a:schemeClr>
-                            </a:solidFill>
-                            <a:latin typeface="Roboto Condensed" panose="02000000000000000000" pitchFamily="2" charset="0"/>
-                            <a:ea typeface="Roboto Condensed" panose="02000000000000000000" pitchFamily="2" charset="0"/>
-                          </a:endParaRPr>
-                        </a:p>
-                      </a:txBody>
-                      <a:tcPr anchor="ctr"/>
-                    </a:tc>
-                    <a:tc>
-                      <a:txBody>
-                        <a:bodyPr/>
-                        <a:lstStyle/>
-                        <a:p>
-                          <a:pPr algn="ctr"/>
-                          <a:r>
-                            <a:rPr lang="en-US" dirty="0">
-                              <a:solidFill>
-                                <a:schemeClr val="accent2">
-                                  <a:lumMod val="50000"/>
-                                </a:schemeClr>
-                              </a:solidFill>
-                              <a:latin typeface="Roboto Condensed" panose="02000000000000000000" pitchFamily="2" charset="0"/>
-                              <a:ea typeface="Roboto Condensed" panose="02000000000000000000" pitchFamily="2" charset="0"/>
-                            </a:rPr>
-                            <a:t>string</a:t>
-                          </a:r>
-                        </a:p>
-                      </a:txBody>
-                      <a:tcPr anchor="ctr"/>
-                    </a:tc>
-                    <a:tc>
-                      <a:txBody>
-                        <a:bodyPr/>
-                        <a:lstStyle/>
-                        <a:p>
-                          <a:pPr algn="ctr"/>
-                          <a:r>
-                            <a:rPr lang="en-US" dirty="0">
-                              <a:solidFill>
-                                <a:schemeClr val="accent2">
-                                  <a:lumMod val="50000"/>
-                                </a:schemeClr>
-                              </a:solidFill>
-                              <a:latin typeface="Roboto Condensed" panose="02000000000000000000" pitchFamily="2" charset="0"/>
-                              <a:ea typeface="Roboto Condensed" panose="02000000000000000000" pitchFamily="2" charset="0"/>
-                            </a:rPr>
-                            <a:t>[</a:t>
-                          </a:r>
-                          <a:r>
-                            <a:rPr lang="en-US" dirty="0" err="1">
-                              <a:solidFill>
-                                <a:schemeClr val="accent2">
-                                  <a:lumMod val="50000"/>
-                                </a:schemeClr>
-                              </a:solidFill>
-                              <a:latin typeface="Roboto Condensed" panose="02000000000000000000" pitchFamily="2" charset="0"/>
-                              <a:ea typeface="Roboto Condensed" panose="02000000000000000000" pitchFamily="2" charset="0"/>
-                            </a:rPr>
-                            <a:t>CoilT</a:t>
-                          </a:r>
-                          <a:r>
-                            <a:rPr lang="en-US" dirty="0">
-                              <a:solidFill>
-                                <a:schemeClr val="accent2">
-                                  <a:lumMod val="50000"/>
-                                </a:schemeClr>
-                              </a:solidFill>
-                              <a:latin typeface="Roboto Condensed" panose="02000000000000000000" pitchFamily="2" charset="0"/>
-                              <a:ea typeface="Roboto Condensed" panose="02000000000000000000" pitchFamily="2" charset="0"/>
-                            </a:rPr>
-                            <a:t>, </a:t>
-                          </a:r>
-                          <a:r>
-                            <a:rPr lang="en-US" dirty="0" err="1">
-                              <a:solidFill>
-                                <a:schemeClr val="accent2">
-                                  <a:lumMod val="50000"/>
-                                </a:schemeClr>
-                              </a:solidFill>
-                              <a:latin typeface="Roboto Condensed" panose="02000000000000000000" pitchFamily="2" charset="0"/>
-                              <a:ea typeface="Roboto Condensed" panose="02000000000000000000" pitchFamily="2" charset="0"/>
-                            </a:rPr>
-                            <a:t>CoilT</a:t>
-                          </a:r>
-                          <a:r>
-                            <a:rPr lang="en-US" dirty="0">
-                              <a:solidFill>
-                                <a:schemeClr val="accent2">
-                                  <a:lumMod val="50000"/>
-                                </a:schemeClr>
-                              </a:solidFill>
-                              <a:latin typeface="Roboto Condensed" panose="02000000000000000000" pitchFamily="2" charset="0"/>
-                              <a:ea typeface="Roboto Condensed" panose="02000000000000000000" pitchFamily="2" charset="0"/>
-                            </a:rPr>
-                            <a:t>, </a:t>
-                          </a:r>
-                          <a:r>
-                            <a:rPr lang="en-US" dirty="0" err="1">
-                              <a:solidFill>
-                                <a:schemeClr val="accent2">
-                                  <a:lumMod val="50000"/>
-                                </a:schemeClr>
-                              </a:solidFill>
-                              <a:latin typeface="Roboto Condensed" panose="02000000000000000000" pitchFamily="2" charset="0"/>
-                              <a:ea typeface="Roboto Condensed" panose="02000000000000000000" pitchFamily="2" charset="0"/>
-                            </a:rPr>
-                            <a:t>CoilT</a:t>
-                          </a:r>
-                          <a:r>
-                            <a:rPr lang="en-US" dirty="0">
-                              <a:solidFill>
-                                <a:schemeClr val="accent2">
-                                  <a:lumMod val="50000"/>
-                                </a:schemeClr>
-                              </a:solidFill>
-                              <a:latin typeface="Roboto Condensed" panose="02000000000000000000" pitchFamily="2" charset="0"/>
-                              <a:ea typeface="Roboto Condensed" panose="02000000000000000000" pitchFamily="2" charset="0"/>
-                            </a:rPr>
-                            <a:t>]</a:t>
-                          </a:r>
-                        </a:p>
-                      </a:txBody>
-                      <a:tcPr anchor="ctr"/>
-                    </a:tc>
-                    <a:tc>
-                      <a:txBody>
-                        <a:bodyPr/>
-                        <a:lstStyle/>
-                        <a:p>
-                          <a:pPr algn="ctr"/>
-                          <a:r>
-                            <a:rPr lang="en-US" dirty="0" err="1">
-                              <a:solidFill>
-                                <a:schemeClr val="accent2">
-                                  <a:lumMod val="50000"/>
-                                </a:schemeClr>
-                              </a:solidFill>
-                              <a:latin typeface="Roboto Condensed" panose="02000000000000000000" pitchFamily="2" charset="0"/>
-                              <a:ea typeface="Roboto Condensed" panose="02000000000000000000" pitchFamily="2" charset="0"/>
-                            </a:rPr>
-                            <a:t>ValueError</a:t>
-                          </a:r>
-                          <a:r>
-                            <a:rPr lang="en-US" sz="1400" b="0" i="0" u="none" strike="noStrike" cap="none" dirty="0">
-                              <a:solidFill>
-                                <a:schemeClr val="accent2">
-                                  <a:lumMod val="50000"/>
-                                </a:schemeClr>
-                              </a:solidFill>
-                              <a:effectLst/>
-                              <a:latin typeface="Roboto Condensed" panose="02000000000000000000" pitchFamily="2" charset="0"/>
-                              <a:ea typeface="Roboto Condensed" panose="02000000000000000000" pitchFamily="2" charset="0"/>
-                              <a:cs typeface="+mn-cs"/>
-                              <a:sym typeface="Arial"/>
-                            </a:rPr>
-                            <a:t> </a:t>
-                          </a:r>
-                          <a:endParaRPr lang="en-US" dirty="0">
-                            <a:solidFill>
-                              <a:schemeClr val="accent2">
-                                <a:lumMod val="50000"/>
-                              </a:schemeClr>
-                            </a:solidFill>
-                            <a:latin typeface="Roboto Condensed" panose="02000000000000000000" pitchFamily="2" charset="0"/>
-                            <a:ea typeface="Roboto Condensed" panose="02000000000000000000" pitchFamily="2" charset="0"/>
-                          </a:endParaRPr>
-                        </a:p>
-                      </a:txBody>
-                      <a:tcPr anchor="ctr"/>
-                    </a:tc>
-                    <a:extLst>
-                      <a:ext uri="{0D108BD9-81ED-4DB2-BD59-A6C34878D82A}">
-                        <a16:rowId xmlns:a16="http://schemas.microsoft.com/office/drawing/2014/main" val="2526313314"/>
-                      </a:ext>
-                    </a:extLst>
-                  </a:tr>
-                  <a:tr h="370840">
-                    <a:tc>
-                      <a:txBody>
-                        <a:bodyPr/>
-                        <a:lstStyle/>
-                        <a:p>
-                          <a:pPr algn="ctr"/>
-                          <a:r>
-                            <a:rPr lang="en-US" dirty="0" err="1">
-                              <a:solidFill>
-                                <a:schemeClr val="accent2">
-                                  <a:lumMod val="50000"/>
-                                </a:schemeClr>
-                              </a:solidFill>
-                              <a:latin typeface="Roboto Condensed" panose="02000000000000000000" pitchFamily="2" charset="0"/>
-                              <a:ea typeface="Roboto Condensed" panose="02000000000000000000" pitchFamily="2" charset="0"/>
-                            </a:rPr>
-                            <a:t>load_force_torque</a:t>
-                          </a:r>
-                          <a:endParaRPr lang="en-US" dirty="0">
-                            <a:solidFill>
-                              <a:schemeClr val="accent2">
-                                <a:lumMod val="50000"/>
-                              </a:schemeClr>
-                            </a:solidFill>
-                            <a:latin typeface="Roboto Condensed" panose="02000000000000000000" pitchFamily="2" charset="0"/>
-                            <a:ea typeface="Roboto Condensed" panose="02000000000000000000" pitchFamily="2" charset="0"/>
-                          </a:endParaRPr>
-                        </a:p>
-                      </a:txBody>
-                      <a:tcPr anchor="ctr"/>
-                    </a:tc>
-                    <a:tc>
-                      <a:txBody>
-                        <a:bodyPr/>
-                        <a:lstStyle/>
-                        <a:p>
-                          <a:pPr algn="ctr"/>
-                          <a:r>
-                            <a:rPr lang="en-US" dirty="0">
-                              <a:solidFill>
-                                <a:schemeClr val="accent2">
-                                  <a:lumMod val="50000"/>
-                                </a:schemeClr>
-                              </a:solidFill>
-                              <a:latin typeface="Roboto Condensed" panose="02000000000000000000" pitchFamily="2" charset="0"/>
-                              <a:ea typeface="Roboto Condensed" panose="02000000000000000000" pitchFamily="2" charset="0"/>
-                            </a:rPr>
-                            <a:t>string</a:t>
-                          </a:r>
-                        </a:p>
-                      </a:txBody>
-                      <a:tcPr anchor="ctr"/>
-                    </a:tc>
-                    <a:tc>
-                      <a:txBody>
-                        <a:bodyPr/>
-                        <a:lstStyle/>
-                        <a:p>
-                          <a:pPr algn="ctr"/>
-                          <a14:m>
-                            <m:oMath xmlns:m="http://schemas.openxmlformats.org/officeDocument/2006/math">
-                              <m:r>
-                                <a:rPr lang="en-US" b="0" i="1" smtClean="0">
-                                  <a:solidFill>
-                                    <a:schemeClr val="accent2">
-                                      <a:lumMod val="50000"/>
-                                    </a:schemeClr>
-                                  </a:solidFill>
-                                  <a:latin typeface="Cambria Math" panose="02040503050406030204" pitchFamily="18" charset="0"/>
-                                  <a:ea typeface="Roboto Condensed" panose="02000000000000000000" pitchFamily="2" charset="0"/>
-                                </a:rPr>
-                                <m:t>[</m:t>
-                              </m:r>
-                              <m:r>
-                                <a:rPr lang="en-US" sz="1400" b="0" i="1" dirty="0" smtClean="0">
-                                  <a:solidFill>
-                                    <a:schemeClr val="accent2">
-                                      <a:lumMod val="50000"/>
-                                    </a:schemeClr>
-                                  </a:solidFill>
-                                  <a:latin typeface="Cambria Math" panose="02040503050406030204" pitchFamily="18" charset="0"/>
-                                  <a:ea typeface="Roboto Condensed" panose="02000000000000000000" pitchFamily="2" charset="0"/>
-                                </a:rPr>
-                                <m:t>ℝ</m:t>
-                              </m:r>
-                            </m:oMath>
-                          </a14:m>
-                          <a:r>
-                            <a:rPr lang="en-US" dirty="0">
-                              <a:solidFill>
-                                <a:schemeClr val="accent2">
-                                  <a:lumMod val="50000"/>
-                                </a:schemeClr>
-                              </a:solidFill>
-                              <a:latin typeface="Roboto Condensed" panose="02000000000000000000" pitchFamily="2" charset="0"/>
-                              <a:ea typeface="Roboto Condensed" panose="02000000000000000000" pitchFamily="2" charset="0"/>
-                            </a:rPr>
-                            <a:t>, </a:t>
-                          </a:r>
-                          <a14:m>
-                            <m:oMath xmlns:m="http://schemas.openxmlformats.org/officeDocument/2006/math">
-                              <m:r>
-                                <a:rPr lang="en-US" sz="1400" b="0" i="1" dirty="0" smtClean="0">
-                                  <a:solidFill>
-                                    <a:schemeClr val="accent2">
-                                      <a:lumMod val="50000"/>
-                                    </a:schemeClr>
-                                  </a:solidFill>
-                                  <a:latin typeface="Cambria Math" panose="02040503050406030204" pitchFamily="18" charset="0"/>
-                                  <a:ea typeface="Roboto Condensed" panose="02000000000000000000" pitchFamily="2" charset="0"/>
-                                </a:rPr>
-                                <m:t>ℝ</m:t>
-                              </m:r>
-                              <m:r>
-                                <a:rPr lang="en-US" sz="1400" b="0" i="0" dirty="0" smtClean="0">
-                                  <a:solidFill>
-                                    <a:schemeClr val="accent2">
-                                      <a:lumMod val="50000"/>
-                                    </a:schemeClr>
-                                  </a:solidFill>
-                                  <a:latin typeface="Cambria Math" panose="02040503050406030204" pitchFamily="18" charset="0"/>
-                                  <a:ea typeface="Roboto Condensed" panose="02000000000000000000" pitchFamily="2" charset="0"/>
-                                </a:rPr>
-                                <m:t>]</m:t>
-                              </m:r>
-                            </m:oMath>
-                          </a14:m>
-                          <a:endParaRPr lang="en-US" dirty="0">
-                            <a:solidFill>
-                              <a:schemeClr val="accent2">
-                                <a:lumMod val="50000"/>
-                              </a:schemeClr>
-                            </a:solidFill>
-                            <a:latin typeface="Roboto Condensed" panose="02000000000000000000" pitchFamily="2" charset="0"/>
-                            <a:ea typeface="Roboto Condensed" panose="02000000000000000000" pitchFamily="2" charset="0"/>
-                          </a:endParaRPr>
-                        </a:p>
-                      </a:txBody>
-                      <a:tcPr anchor="ctr"/>
-                    </a:tc>
-                    <a:tc>
-                      <a:txBody>
-                        <a:bodyPr/>
-                        <a:lstStyle/>
-                        <a:p>
-                          <a:pPr marL="0" marR="0" lvl="0" indent="0" algn="ctr" defTabSz="914400" rtl="0" eaLnBrk="1" fontAlgn="auto" latinLnBrk="0" hangingPunct="1">
-                            <a:lnSpc>
-                              <a:spcPct val="100000"/>
-                            </a:lnSpc>
-                            <a:spcBef>
-                              <a:spcPts val="0"/>
-                            </a:spcBef>
-                            <a:spcAft>
-                              <a:spcPts val="0"/>
-                            </a:spcAft>
-                            <a:buClr>
-                              <a:srgbClr val="000000"/>
-                            </a:buClr>
-                            <a:buSzTx/>
-                            <a:buFont typeface="Arial"/>
-                            <a:buNone/>
-                            <a:tabLst/>
-                            <a:defRPr/>
-                          </a:pPr>
-                          <a:r>
-                            <a:rPr lang="en-US" dirty="0" err="1">
-                              <a:solidFill>
-                                <a:schemeClr val="accent2">
-                                  <a:lumMod val="50000"/>
-                                </a:schemeClr>
-                              </a:solidFill>
-                              <a:latin typeface="Roboto Condensed" panose="02000000000000000000" pitchFamily="2" charset="0"/>
-                              <a:ea typeface="Roboto Condensed" panose="02000000000000000000" pitchFamily="2" charset="0"/>
-                            </a:rPr>
-                            <a:t>ValueError</a:t>
-                          </a:r>
-                          <a:r>
-                            <a:rPr lang="en-US" sz="1400" b="0" i="0" u="none" strike="noStrike" cap="none" dirty="0">
-                              <a:solidFill>
-                                <a:schemeClr val="accent2">
-                                  <a:lumMod val="50000"/>
-                                </a:schemeClr>
-                              </a:solidFill>
-                              <a:effectLst/>
-                              <a:latin typeface="Roboto Condensed" panose="02000000000000000000" pitchFamily="2" charset="0"/>
-                              <a:ea typeface="Roboto Condensed" panose="02000000000000000000" pitchFamily="2" charset="0"/>
-                              <a:cs typeface="+mn-cs"/>
-                              <a:sym typeface="Arial"/>
-                            </a:rPr>
-                            <a:t> </a:t>
-                          </a:r>
-                          <a:endParaRPr lang="en-US" dirty="0">
-                            <a:solidFill>
-                              <a:schemeClr val="accent2">
-                                <a:lumMod val="50000"/>
-                              </a:schemeClr>
-                            </a:solidFill>
-                            <a:latin typeface="Roboto Condensed" panose="02000000000000000000" pitchFamily="2" charset="0"/>
-                            <a:ea typeface="Roboto Condensed" panose="02000000000000000000" pitchFamily="2" charset="0"/>
-                          </a:endParaRPr>
-                        </a:p>
-                      </a:txBody>
-                      <a:tcPr anchor="ctr"/>
-                    </a:tc>
-                    <a:extLst>
-                      <a:ext uri="{0D108BD9-81ED-4DB2-BD59-A6C34878D82A}">
-                        <a16:rowId xmlns:a16="http://schemas.microsoft.com/office/drawing/2014/main" val="823574980"/>
-                      </a:ext>
-                    </a:extLst>
-                  </a:tr>
-                </a:tbl>
-              </a:graphicData>
-            </a:graphic>
-          </p:graphicFrame>
-        </mc:Choice>
-        <mc:Fallback>
-          <p:graphicFrame>
-            <p:nvGraphicFramePr>
-              <p:cNvPr id="4" name="Table 3">
-                <a:extLst>
-                  <a:ext uri="{FF2B5EF4-FFF2-40B4-BE49-F238E27FC236}">
-                    <a16:creationId xmlns:a16="http://schemas.microsoft.com/office/drawing/2014/main" id="{EF58ADAC-52AF-D013-EEA2-B10E86F21E81}"/>
-                  </a:ext>
-                </a:extLst>
-              </p:cNvPr>
-              <p:cNvGraphicFramePr>
-                <a:graphicFrameLocks noGrp="1"/>
-              </p:cNvGraphicFramePr>
-              <p:nvPr>
-                <p:extLst>
-                  <p:ext uri="{D42A27DB-BD31-4B8C-83A1-F6EECF244321}">
-                    <p14:modId xmlns:p14="http://schemas.microsoft.com/office/powerpoint/2010/main" val="632629999"/>
-                  </p:ext>
-                </p:extLst>
-              </p:nvPr>
-            </p:nvGraphicFramePr>
-            <p:xfrm>
-              <a:off x="947698" y="3310940"/>
-              <a:ext cx="6096000" cy="1112520"/>
-            </p:xfrm>
-            <a:graphic>
-              <a:graphicData uri="http://schemas.openxmlformats.org/drawingml/2006/table">
-                <a:tbl>
-                  <a:tblPr firstRow="1" bandRow="1">
-                    <a:tableStyleId>{E929F9F4-4A8F-4326-A1B4-22849713DDAB}</a:tableStyleId>
-                  </a:tblPr>
-                  <a:tblGrid>
-                    <a:gridCol w="1524000">
-                      <a:extLst>
-                        <a:ext uri="{9D8B030D-6E8A-4147-A177-3AD203B41FA5}">
-                          <a16:colId xmlns:a16="http://schemas.microsoft.com/office/drawing/2014/main" val="1527678177"/>
-                        </a:ext>
-                      </a:extLst>
-                    </a:gridCol>
-                    <a:gridCol w="1524000">
-                      <a:extLst>
-                        <a:ext uri="{9D8B030D-6E8A-4147-A177-3AD203B41FA5}">
-                          <a16:colId xmlns:a16="http://schemas.microsoft.com/office/drawing/2014/main" val="529960761"/>
-                        </a:ext>
-                      </a:extLst>
-                    </a:gridCol>
-                    <a:gridCol w="1524000">
-                      <a:extLst>
-                        <a:ext uri="{9D8B030D-6E8A-4147-A177-3AD203B41FA5}">
-                          <a16:colId xmlns:a16="http://schemas.microsoft.com/office/drawing/2014/main" val="314431527"/>
-                        </a:ext>
-                      </a:extLst>
-                    </a:gridCol>
-                    <a:gridCol w="1524000">
-                      <a:extLst>
-                        <a:ext uri="{9D8B030D-6E8A-4147-A177-3AD203B41FA5}">
-                          <a16:colId xmlns:a16="http://schemas.microsoft.com/office/drawing/2014/main" val="2799991699"/>
-                        </a:ext>
-                      </a:extLst>
-                    </a:gridCol>
-                  </a:tblGrid>
-                  <a:tr h="370840">
-                    <a:tc>
-                      <a:txBody>
-                        <a:bodyPr/>
-                        <a:lstStyle/>
-                        <a:p>
-                          <a:pPr algn="ctr"/>
-                          <a:r>
-                            <a:rPr lang="en-US" dirty="0">
-                              <a:latin typeface="Roboto Condensed" panose="02000000000000000000" pitchFamily="2" charset="0"/>
-                              <a:ea typeface="Roboto Condensed" panose="02000000000000000000" pitchFamily="2" charset="0"/>
-                            </a:rPr>
-                            <a:t>Name</a:t>
-                          </a:r>
-                        </a:p>
-                      </a:txBody>
-                      <a:tcPr anchor="ctr"/>
-                    </a:tc>
-                    <a:tc>
-                      <a:txBody>
-                        <a:bodyPr/>
-                        <a:lstStyle/>
-                        <a:p>
-                          <a:pPr algn="ctr"/>
-                          <a:r>
-                            <a:rPr lang="en-US" dirty="0">
-                              <a:latin typeface="Roboto Condensed" panose="02000000000000000000" pitchFamily="2" charset="0"/>
-                              <a:ea typeface="Roboto Condensed" panose="02000000000000000000" pitchFamily="2" charset="0"/>
-                            </a:rPr>
-                            <a:t>In</a:t>
-                          </a:r>
-                        </a:p>
-                      </a:txBody>
-                      <a:tcPr anchor="ctr"/>
-                    </a:tc>
-                    <a:tc>
-                      <a:txBody>
-                        <a:bodyPr/>
-                        <a:lstStyle/>
-                        <a:p>
-                          <a:pPr algn="ctr"/>
-                          <a:r>
-                            <a:rPr lang="en-US" dirty="0">
-                              <a:latin typeface="Roboto Condensed" panose="02000000000000000000" pitchFamily="2" charset="0"/>
-                              <a:ea typeface="Roboto Condensed" panose="02000000000000000000" pitchFamily="2" charset="0"/>
-                            </a:rPr>
-                            <a:t>Out</a:t>
-                          </a:r>
-                        </a:p>
-                      </a:txBody>
-                      <a:tcPr anchor="ctr"/>
-                    </a:tc>
-                    <a:tc>
-                      <a:txBody>
-                        <a:bodyPr/>
-                        <a:lstStyle/>
-                        <a:p>
-                          <a:pPr algn="ctr"/>
-                          <a:r>
-                            <a:rPr lang="en-US" dirty="0"/>
-                            <a:t>Exceptions</a:t>
-                          </a:r>
-                          <a:endParaRPr lang="en-US" dirty="0">
-                            <a:latin typeface="Roboto Condensed" panose="02000000000000000000" pitchFamily="2" charset="0"/>
-                            <a:ea typeface="Roboto Condensed" panose="02000000000000000000" pitchFamily="2" charset="0"/>
-                          </a:endParaRPr>
-                        </a:p>
-                      </a:txBody>
-                      <a:tcPr anchor="ctr"/>
-                    </a:tc>
-                    <a:extLst>
-                      <a:ext uri="{0D108BD9-81ED-4DB2-BD59-A6C34878D82A}">
-                        <a16:rowId xmlns:a16="http://schemas.microsoft.com/office/drawing/2014/main" val="1781836610"/>
-                      </a:ext>
-                    </a:extLst>
-                  </a:tr>
-                  <a:tr h="370840">
-                    <a:tc>
-                      <a:txBody>
-                        <a:bodyPr/>
-                        <a:lstStyle/>
-                        <a:p>
-                          <a:pPr algn="ctr"/>
-                          <a:r>
-                            <a:rPr lang="en-US" dirty="0" err="1">
-                              <a:solidFill>
-                                <a:schemeClr val="accent2">
-                                  <a:lumMod val="50000"/>
-                                </a:schemeClr>
-                              </a:solidFill>
-                              <a:latin typeface="Roboto Condensed" panose="02000000000000000000" pitchFamily="2" charset="0"/>
-                              <a:ea typeface="Roboto Condensed" panose="02000000000000000000" pitchFamily="2" charset="0"/>
-                            </a:rPr>
-                            <a:t>load_coils</a:t>
-                          </a:r>
-                          <a:endParaRPr lang="en-US" dirty="0">
-                            <a:solidFill>
-                              <a:schemeClr val="accent2">
-                                <a:lumMod val="50000"/>
-                              </a:schemeClr>
-                            </a:solidFill>
-                            <a:latin typeface="Roboto Condensed" panose="02000000000000000000" pitchFamily="2" charset="0"/>
-                            <a:ea typeface="Roboto Condensed" panose="02000000000000000000" pitchFamily="2" charset="0"/>
-                          </a:endParaRPr>
-                        </a:p>
-                      </a:txBody>
-                      <a:tcPr anchor="ctr"/>
-                    </a:tc>
-                    <a:tc>
-                      <a:txBody>
-                        <a:bodyPr/>
-                        <a:lstStyle/>
-                        <a:p>
-                          <a:pPr algn="ctr"/>
-                          <a:r>
-                            <a:rPr lang="en-US" dirty="0">
-                              <a:solidFill>
-                                <a:schemeClr val="accent2">
-                                  <a:lumMod val="50000"/>
-                                </a:schemeClr>
-                              </a:solidFill>
-                              <a:latin typeface="Roboto Condensed" panose="02000000000000000000" pitchFamily="2" charset="0"/>
-                              <a:ea typeface="Roboto Condensed" panose="02000000000000000000" pitchFamily="2" charset="0"/>
-                            </a:rPr>
-                            <a:t>string</a:t>
-                          </a:r>
-                        </a:p>
-                      </a:txBody>
-                      <a:tcPr anchor="ctr"/>
-                    </a:tc>
-                    <a:tc>
-                      <a:txBody>
-                        <a:bodyPr/>
-                        <a:lstStyle/>
-                        <a:p>
-                          <a:pPr algn="ctr"/>
-                          <a:r>
-                            <a:rPr lang="en-US" dirty="0">
-                              <a:solidFill>
-                                <a:schemeClr val="accent2">
-                                  <a:lumMod val="50000"/>
-                                </a:schemeClr>
-                              </a:solidFill>
-                              <a:latin typeface="Roboto Condensed" panose="02000000000000000000" pitchFamily="2" charset="0"/>
-                              <a:ea typeface="Roboto Condensed" panose="02000000000000000000" pitchFamily="2" charset="0"/>
-                            </a:rPr>
-                            <a:t>[</a:t>
-                          </a:r>
-                          <a:r>
-                            <a:rPr lang="en-US" dirty="0" err="1">
-                              <a:solidFill>
-                                <a:schemeClr val="accent2">
-                                  <a:lumMod val="50000"/>
-                                </a:schemeClr>
-                              </a:solidFill>
-                              <a:latin typeface="Roboto Condensed" panose="02000000000000000000" pitchFamily="2" charset="0"/>
-                              <a:ea typeface="Roboto Condensed" panose="02000000000000000000" pitchFamily="2" charset="0"/>
-                            </a:rPr>
-                            <a:t>CoilT</a:t>
-                          </a:r>
-                          <a:r>
-                            <a:rPr lang="en-US" dirty="0">
-                              <a:solidFill>
-                                <a:schemeClr val="accent2">
-                                  <a:lumMod val="50000"/>
-                                </a:schemeClr>
-                              </a:solidFill>
-                              <a:latin typeface="Roboto Condensed" panose="02000000000000000000" pitchFamily="2" charset="0"/>
-                              <a:ea typeface="Roboto Condensed" panose="02000000000000000000" pitchFamily="2" charset="0"/>
-                            </a:rPr>
-                            <a:t>, </a:t>
-                          </a:r>
-                          <a:r>
-                            <a:rPr lang="en-US" dirty="0" err="1">
-                              <a:solidFill>
-                                <a:schemeClr val="accent2">
-                                  <a:lumMod val="50000"/>
-                                </a:schemeClr>
-                              </a:solidFill>
-                              <a:latin typeface="Roboto Condensed" panose="02000000000000000000" pitchFamily="2" charset="0"/>
-                              <a:ea typeface="Roboto Condensed" panose="02000000000000000000" pitchFamily="2" charset="0"/>
-                            </a:rPr>
-                            <a:t>CoilT</a:t>
-                          </a:r>
-                          <a:r>
-                            <a:rPr lang="en-US" dirty="0">
-                              <a:solidFill>
-                                <a:schemeClr val="accent2">
-                                  <a:lumMod val="50000"/>
-                                </a:schemeClr>
-                              </a:solidFill>
-                              <a:latin typeface="Roboto Condensed" panose="02000000000000000000" pitchFamily="2" charset="0"/>
-                              <a:ea typeface="Roboto Condensed" panose="02000000000000000000" pitchFamily="2" charset="0"/>
-                            </a:rPr>
-                            <a:t>, </a:t>
-                          </a:r>
-                          <a:r>
-                            <a:rPr lang="en-US" dirty="0" err="1">
-                              <a:solidFill>
-                                <a:schemeClr val="accent2">
-                                  <a:lumMod val="50000"/>
-                                </a:schemeClr>
-                              </a:solidFill>
-                              <a:latin typeface="Roboto Condensed" panose="02000000000000000000" pitchFamily="2" charset="0"/>
-                              <a:ea typeface="Roboto Condensed" panose="02000000000000000000" pitchFamily="2" charset="0"/>
-                            </a:rPr>
-                            <a:t>CoilT</a:t>
-                          </a:r>
-                          <a:r>
-                            <a:rPr lang="en-US" dirty="0">
-                              <a:solidFill>
-                                <a:schemeClr val="accent2">
-                                  <a:lumMod val="50000"/>
-                                </a:schemeClr>
-                              </a:solidFill>
-                              <a:latin typeface="Roboto Condensed" panose="02000000000000000000" pitchFamily="2" charset="0"/>
-                              <a:ea typeface="Roboto Condensed" panose="02000000000000000000" pitchFamily="2" charset="0"/>
-                            </a:rPr>
-                            <a:t>]</a:t>
-                          </a:r>
-                        </a:p>
-                      </a:txBody>
-                      <a:tcPr anchor="ctr"/>
-                    </a:tc>
-                    <a:tc>
-                      <a:txBody>
-                        <a:bodyPr/>
-                        <a:lstStyle/>
-                        <a:p>
-                          <a:pPr algn="ctr"/>
-                          <a:r>
-                            <a:rPr lang="en-US" dirty="0" err="1">
-                              <a:solidFill>
-                                <a:schemeClr val="accent2">
-                                  <a:lumMod val="50000"/>
-                                </a:schemeClr>
-                              </a:solidFill>
-                              <a:latin typeface="Roboto Condensed" panose="02000000000000000000" pitchFamily="2" charset="0"/>
-                              <a:ea typeface="Roboto Condensed" panose="02000000000000000000" pitchFamily="2" charset="0"/>
-                            </a:rPr>
-                            <a:t>ValueError</a:t>
-                          </a:r>
-                          <a:r>
-                            <a:rPr lang="en-US" sz="1400" b="0" i="0" u="none" strike="noStrike" cap="none" dirty="0">
-                              <a:solidFill>
-                                <a:schemeClr val="accent2">
-                                  <a:lumMod val="50000"/>
-                                </a:schemeClr>
-                              </a:solidFill>
-                              <a:effectLst/>
-                              <a:latin typeface="Roboto Condensed" panose="02000000000000000000" pitchFamily="2" charset="0"/>
-                              <a:ea typeface="Roboto Condensed" panose="02000000000000000000" pitchFamily="2" charset="0"/>
-                              <a:cs typeface="+mn-cs"/>
-                              <a:sym typeface="Arial"/>
-                            </a:rPr>
-                            <a:t> </a:t>
-                          </a:r>
-                          <a:endParaRPr lang="en-US" dirty="0">
-                            <a:solidFill>
-                              <a:schemeClr val="accent2">
-                                <a:lumMod val="50000"/>
-                              </a:schemeClr>
-                            </a:solidFill>
-                            <a:latin typeface="Roboto Condensed" panose="02000000000000000000" pitchFamily="2" charset="0"/>
-                            <a:ea typeface="Roboto Condensed" panose="02000000000000000000" pitchFamily="2" charset="0"/>
-                          </a:endParaRPr>
-                        </a:p>
-                      </a:txBody>
-                      <a:tcPr anchor="ctr"/>
-                    </a:tc>
-                    <a:extLst>
-                      <a:ext uri="{0D108BD9-81ED-4DB2-BD59-A6C34878D82A}">
-                        <a16:rowId xmlns:a16="http://schemas.microsoft.com/office/drawing/2014/main" val="2526313314"/>
-                      </a:ext>
-                    </a:extLst>
-                  </a:tr>
-                  <a:tr h="370840">
-                    <a:tc>
-                      <a:txBody>
-                        <a:bodyPr/>
-                        <a:lstStyle/>
-                        <a:p>
-                          <a:pPr algn="ctr"/>
-                          <a:r>
-                            <a:rPr lang="en-US" dirty="0" err="1">
-                              <a:solidFill>
-                                <a:schemeClr val="accent2">
-                                  <a:lumMod val="50000"/>
-                                </a:schemeClr>
-                              </a:solidFill>
-                              <a:latin typeface="Roboto Condensed" panose="02000000000000000000" pitchFamily="2" charset="0"/>
-                              <a:ea typeface="Roboto Condensed" panose="02000000000000000000" pitchFamily="2" charset="0"/>
-                            </a:rPr>
-                            <a:t>load_force_torque</a:t>
-                          </a:r>
-                          <a:endParaRPr lang="en-US" dirty="0">
-                            <a:solidFill>
-                              <a:schemeClr val="accent2">
-                                <a:lumMod val="50000"/>
-                              </a:schemeClr>
-                            </a:solidFill>
-                            <a:latin typeface="Roboto Condensed" panose="02000000000000000000" pitchFamily="2" charset="0"/>
-                            <a:ea typeface="Roboto Condensed" panose="02000000000000000000" pitchFamily="2" charset="0"/>
-                          </a:endParaRPr>
-                        </a:p>
-                      </a:txBody>
-                      <a:tcPr anchor="ctr"/>
-                    </a:tc>
-                    <a:tc>
-                      <a:txBody>
-                        <a:bodyPr/>
-                        <a:lstStyle/>
-                        <a:p>
-                          <a:pPr algn="ctr"/>
-                          <a:r>
-                            <a:rPr lang="en-US" dirty="0">
-                              <a:solidFill>
-                                <a:schemeClr val="accent2">
-                                  <a:lumMod val="50000"/>
-                                </a:schemeClr>
-                              </a:solidFill>
-                              <a:latin typeface="Roboto Condensed" panose="02000000000000000000" pitchFamily="2" charset="0"/>
-                              <a:ea typeface="Roboto Condensed" panose="02000000000000000000" pitchFamily="2" charset="0"/>
-                            </a:rPr>
-                            <a:t>string</a:t>
-                          </a:r>
-                        </a:p>
-                      </a:txBody>
-                      <a:tcPr anchor="ctr"/>
-                    </a:tc>
-                    <a:tc>
-                      <a:txBody>
-                        <a:bodyPr/>
-                        <a:lstStyle/>
-                        <a:p>
-                          <a:endParaRPr lang="en-US"/>
-                        </a:p>
-                      </a:txBody>
-                      <a:tcPr anchor="ctr">
-                        <a:blipFill>
-                          <a:blip r:embed="rId2"/>
-                          <a:stretch>
-                            <a:fillRect l="-200400" t="-200000" r="-100800" b="-8197"/>
-                          </a:stretch>
-                        </a:blipFill>
-                      </a:tcPr>
-                    </a:tc>
-                    <a:tc>
-                      <a:txBody>
-                        <a:bodyPr/>
-                        <a:lstStyle/>
-                        <a:p>
-                          <a:pPr marL="0" marR="0" lvl="0" indent="0" algn="ctr" defTabSz="914400" rtl="0" eaLnBrk="1" fontAlgn="auto" latinLnBrk="0" hangingPunct="1">
-                            <a:lnSpc>
-                              <a:spcPct val="100000"/>
-                            </a:lnSpc>
-                            <a:spcBef>
-                              <a:spcPts val="0"/>
-                            </a:spcBef>
-                            <a:spcAft>
-                              <a:spcPts val="0"/>
-                            </a:spcAft>
-                            <a:buClr>
-                              <a:srgbClr val="000000"/>
-                            </a:buClr>
-                            <a:buSzTx/>
-                            <a:buFont typeface="Arial"/>
-                            <a:buNone/>
-                            <a:tabLst/>
-                            <a:defRPr/>
-                          </a:pPr>
-                          <a:r>
-                            <a:rPr lang="en-US" dirty="0" err="1">
-                              <a:solidFill>
-                                <a:schemeClr val="accent2">
-                                  <a:lumMod val="50000"/>
-                                </a:schemeClr>
-                              </a:solidFill>
-                              <a:latin typeface="Roboto Condensed" panose="02000000000000000000" pitchFamily="2" charset="0"/>
-                              <a:ea typeface="Roboto Condensed" panose="02000000000000000000" pitchFamily="2" charset="0"/>
-                            </a:rPr>
-                            <a:t>ValueError</a:t>
-                          </a:r>
-                          <a:r>
-                            <a:rPr lang="en-US" sz="1400" b="0" i="0" u="none" strike="noStrike" cap="none" dirty="0">
-                              <a:solidFill>
-                                <a:schemeClr val="accent2">
-                                  <a:lumMod val="50000"/>
-                                </a:schemeClr>
-                              </a:solidFill>
-                              <a:effectLst/>
-                              <a:latin typeface="Roboto Condensed" panose="02000000000000000000" pitchFamily="2" charset="0"/>
-                              <a:ea typeface="Roboto Condensed" panose="02000000000000000000" pitchFamily="2" charset="0"/>
-                              <a:cs typeface="+mn-cs"/>
-                              <a:sym typeface="Arial"/>
-                            </a:rPr>
-                            <a:t> </a:t>
-                          </a:r>
-                          <a:endParaRPr lang="en-US" dirty="0">
-                            <a:solidFill>
-                              <a:schemeClr val="accent2">
-                                <a:lumMod val="50000"/>
-                              </a:schemeClr>
-                            </a:solidFill>
-                            <a:latin typeface="Roboto Condensed" panose="02000000000000000000" pitchFamily="2" charset="0"/>
-                            <a:ea typeface="Roboto Condensed" panose="02000000000000000000" pitchFamily="2" charset="0"/>
-                          </a:endParaRPr>
-                        </a:p>
-                      </a:txBody>
-                      <a:tcPr anchor="ctr"/>
-                    </a:tc>
-                    <a:extLst>
-                      <a:ext uri="{0D108BD9-81ED-4DB2-BD59-A6C34878D82A}">
-                        <a16:rowId xmlns:a16="http://schemas.microsoft.com/office/drawing/2014/main" val="823574980"/>
-                      </a:ext>
-                    </a:extLst>
-                  </a:tr>
-                </a:tbl>
-              </a:graphicData>
-            </a:graphic>
-          </p:graphicFrame>
-        </mc:Fallback>
-      </mc:AlternateContent>
-      <p:sp>
-        <p:nvSpPr>
-          <p:cNvPr id="6" name="Slide Number Placeholder 4">
-            <a:extLst>
-              <a:ext uri="{FF2B5EF4-FFF2-40B4-BE49-F238E27FC236}">
-                <a16:creationId xmlns:a16="http://schemas.microsoft.com/office/drawing/2014/main" id="{6B32BA04-D199-6875-E473-5EBE831CE3FF}"/>
-              </a:ext>
-            </a:extLst>
-          </p:cNvPr>
-          <p:cNvSpPr>
-            <a:spLocks noGrp="1"/>
-          </p:cNvSpPr>
-          <p:nvPr>
-            <p:ph type="sldNum" idx="12"/>
-          </p:nvPr>
-        </p:nvSpPr>
-        <p:spPr>
-          <a:xfrm>
-            <a:off x="7618000" y="4636500"/>
-            <a:ext cx="1487400" cy="315600"/>
-          </a:xfrm>
-        </p:spPr>
-        <p:txBody>
-          <a:bodyPr/>
-          <a:lstStyle/>
-          <a:p>
-            <a:pPr marL="0" lvl="0" indent="0" algn="r" rtl="0">
-              <a:spcBef>
-                <a:spcPts val="0"/>
-              </a:spcBef>
-              <a:spcAft>
-                <a:spcPts val="0"/>
-              </a:spcAft>
-              <a:buNone/>
-            </a:pPr>
-            <a:fld id="{00000000-1234-1234-1234-123412341234}" type="slidenum">
-              <a:rPr lang="en" smtClean="0"/>
-              <a:t>10</a:t>
-            </a:fld>
-            <a:r>
-              <a:rPr lang="en" dirty="0"/>
-              <a:t>/15</a:t>
-            </a:r>
-          </a:p>
-        </p:txBody>
-      </p:sp>
-    </p:spTree>
-    <p:extLst>
-      <p:ext uri="{BB962C8B-B14F-4D97-AF65-F5344CB8AC3E}">
-        <p14:creationId xmlns:p14="http://schemas.microsoft.com/office/powerpoint/2010/main" val="3596428012"/>
-      </p:ext>
-    </p:extLst>
-  </p:cSld>
-  <p:clrMapOvr>
-    <a:masterClrMapping/>
-  </p:clrMapOvr>
-</p:sld>
-</file>
-
-<file path=ppt/slides/slide11.xml><?xml version="1.0" encoding="utf-8"?>
-<p:sld xmlns:a="http://schemas.openxmlformats.org/drawingml/2006/main" xmlns:r="http://schemas.openxmlformats.org/officeDocument/2006/relationships" xmlns:p="http://schemas.openxmlformats.org/presentationml/2006/main">
-  <p:cSld>
-    <p:spTree>
-      <p:nvGrpSpPr>
-        <p:cNvPr id="1" name=""/>
-        <p:cNvGrpSpPr/>
-        <p:nvPr/>
-      </p:nvGrpSpPr>
-      <p:grpSpPr>
-        <a:xfrm>
-          <a:off x="0" y="0"/>
-          <a:ext cx="0" cy="0"/>
-          <a:chOff x="0" y="0"/>
-          <a:chExt cx="0" cy="0"/>
-        </a:xfrm>
-      </p:grpSpPr>
-      <p:sp>
-        <p:nvSpPr>
-          <p:cNvPr id="2" name="Title 1">
-            <a:extLst>
-              <a:ext uri="{FF2B5EF4-FFF2-40B4-BE49-F238E27FC236}">
-                <a16:creationId xmlns:a16="http://schemas.microsoft.com/office/drawing/2014/main" id="{BE65B89E-D4AA-0F19-8605-420D5082E0F1}"/>
-              </a:ext>
-            </a:extLst>
-          </p:cNvPr>
-          <p:cNvSpPr>
-            <a:spLocks noGrp="1"/>
-          </p:cNvSpPr>
-          <p:nvPr>
-            <p:ph type="title"/>
-          </p:nvPr>
-        </p:nvSpPr>
-        <p:spPr/>
-        <p:txBody>
-          <a:bodyPr/>
-          <a:lstStyle/>
-          <a:p>
-            <a:pPr lvl="1">
-              <a:lnSpc>
-                <a:spcPct val="150000"/>
-              </a:lnSpc>
-            </a:pPr>
-            <a:r>
-              <a:rPr lang="en-US" sz="2000" dirty="0"/>
               <a:t>Output Verification Module</a:t>
             </a:r>
           </a:p>
@@ -7048,7 +5797,29 @@
                 <a:ea typeface="Roboto Condensed Light" panose="02000000000000000000" pitchFamily="2" charset="0"/>
                 <a:cs typeface="Roboto Condensed Light" panose="02000000000000000000" pitchFamily="2" charset="0"/>
               </a:rPr>
-              <a:t> Coil, Magnetic Core</a:t>
+              <a:t> </a:t>
+            </a:r>
+            <a:r>
+              <a:rPr lang="en-US" sz="2000" dirty="0" err="1">
+                <a:solidFill>
+                  <a:srgbClr val="374151"/>
+                </a:solidFill>
+                <a:latin typeface="Roboto Condensed Light" panose="02000000000000000000" pitchFamily="2" charset="0"/>
+                <a:ea typeface="Roboto Condensed Light" panose="02000000000000000000" pitchFamily="2" charset="0"/>
+                <a:cs typeface="Roboto Condensed Light" panose="02000000000000000000" pitchFamily="2" charset="0"/>
+              </a:rPr>
+              <a:t>CoilT</a:t>
+            </a:r>
+            <a:r>
+              <a:rPr lang="en-US" sz="2000" dirty="0">
+                <a:solidFill>
+                  <a:srgbClr val="374151"/>
+                </a:solidFill>
+                <a:latin typeface="Roboto Condensed Light" panose="02000000000000000000" pitchFamily="2" charset="0"/>
+                <a:ea typeface="Roboto Condensed Light" panose="02000000000000000000" pitchFamily="2" charset="0"/>
+                <a:cs typeface="Roboto Condensed Light" panose="02000000000000000000" pitchFamily="2" charset="0"/>
+              </a:rPr>
+              <a:t>, Magnetic Core</a:t>
             </a:r>
           </a:p>
           <a:p>
@@ -7103,8 +5874,8 @@
           </a:p>
         </p:txBody>
       </p:sp>
-      <mc:AlternateContent xmlns:mc="http://schemas.openxmlformats.org/markup-compatibility/2006">
-        <mc:Choice xmlns:a14="http://schemas.microsoft.com/office/drawing/2010/main" Requires="a14">
+      <mc:AlternateContent xmlns:mc="http://schemas.openxmlformats.org/markup-compatibility/2006" xmlns:a14="http://schemas.microsoft.com/office/drawing/2010/main">
+        <mc:Choice Requires="a14">
           <p:graphicFrame>
             <p:nvGraphicFramePr>
               <p:cNvPr id="4" name="Table 3">
@@ -7723,7 +6494,7 @@
             </a:graphic>
           </p:graphicFrame>
         </mc:Choice>
-        <mc:Fallback>
+        <mc:Fallback xmlns="">
           <p:graphicFrame>
             <p:nvGraphicFramePr>
               <p:cNvPr id="4" name="Table 3">
@@ -8187,11 +6958,11 @@
             </a:pPr>
             <a:fld id="{00000000-1234-1234-1234-123412341234}" type="slidenum">
               <a:rPr lang="en" smtClean="0"/>
-              <a:t>11</a:t>
+              <a:t>10</a:t>
             </a:fld>
             <a:r>
               <a:rPr lang="en" dirty="0"/>
-              <a:t>/15</a:t>
+              <a:t>/14</a:t>
             </a:r>
           </a:p>
         </p:txBody>
@@ -8209,7 +6980,7 @@
 </p:sld>
 </file>
 
-<file path=ppt/slides/slide12.xml><?xml version="1.0" encoding="utf-8"?>
+<file path=ppt/slides/slide11.xml><?xml version="1.0" encoding="utf-8"?>
 <p:sld xmlns:a="http://schemas.openxmlformats.org/drawingml/2006/main" xmlns:r="http://schemas.openxmlformats.org/officeDocument/2006/relationships" xmlns:p="http://schemas.openxmlformats.org/presentationml/2006/main">
   <p:cSld>
     <p:spTree>
@@ -11120,11 +9891,11 @@
             </a:pPr>
             <a:fld id="{00000000-1234-1234-1234-123412341234}" type="slidenum">
               <a:rPr lang="en" smtClean="0"/>
-              <a:t>12</a:t>
+              <a:t>11</a:t>
             </a:fld>
             <a:r>
               <a:rPr lang="en" dirty="0"/>
-              <a:t>/15</a:t>
+              <a:t>/14</a:t>
             </a:r>
           </a:p>
         </p:txBody>
@@ -11142,7 +9913,3420 @@
 </p:sld>
 </file>
 
+<file path=ppt/slides/slide12.xml><?xml version="1.0" encoding="utf-8"?>
+<p:sld xmlns:a="http://schemas.openxmlformats.org/drawingml/2006/main" xmlns:r="http://schemas.openxmlformats.org/officeDocument/2006/relationships" xmlns:p="http://schemas.openxmlformats.org/presentationml/2006/main">
+  <p:cSld>
+    <p:spTree>
+      <p:nvGrpSpPr>
+        <p:cNvPr id="1" name=""/>
+        <p:cNvGrpSpPr/>
+        <p:nvPr/>
+      </p:nvGrpSpPr>
+      <p:grpSpPr>
+        <a:xfrm>
+          <a:off x="0" y="0"/>
+          <a:ext cx="0" cy="0"/>
+          <a:chOff x="0" y="0"/>
+          <a:chExt cx="0" cy="0"/>
+        </a:xfrm>
+      </p:grpSpPr>
+      <p:sp>
+        <p:nvSpPr>
+          <p:cNvPr id="2" name="Title 1">
+            <a:extLst>
+              <a:ext uri="{FF2B5EF4-FFF2-40B4-BE49-F238E27FC236}">
+                <a16:creationId xmlns:a16="http://schemas.microsoft.com/office/drawing/2014/main" id="{BE65B89E-D4AA-0F19-8605-420D5082E0F1}"/>
+              </a:ext>
+            </a:extLst>
+          </p:cNvPr>
+          <p:cNvSpPr>
+            <a:spLocks noGrp="1"/>
+          </p:cNvSpPr>
+          <p:nvPr>
+            <p:ph type="title"/>
+          </p:nvPr>
+        </p:nvSpPr>
+        <p:spPr/>
+        <p:txBody>
+          <a:bodyPr/>
+          <a:lstStyle/>
+          <a:p>
+            <a:pPr lvl="1">
+              <a:lnSpc>
+                <a:spcPct val="150000"/>
+              </a:lnSpc>
+            </a:pPr>
+            <a:r>
+              <a:rPr lang="en-US" sz="2000" dirty="0"/>
+              <a:t>Control Module</a:t>
+            </a:r>
+          </a:p>
+        </p:txBody>
+      </p:sp>
+      <p:sp>
+        <p:nvSpPr>
+          <p:cNvPr id="3" name="Text Placeholder 2">
+            <a:extLst>
+              <a:ext uri="{FF2B5EF4-FFF2-40B4-BE49-F238E27FC236}">
+                <a16:creationId xmlns:a16="http://schemas.microsoft.com/office/drawing/2014/main" id="{D9D3AE8E-2C35-A103-EF12-D3D3C362C4A3}"/>
+              </a:ext>
+            </a:extLst>
+          </p:cNvPr>
+          <p:cNvSpPr>
+            <a:spLocks noGrp="1"/>
+          </p:cNvSpPr>
+          <p:nvPr>
+            <p:ph type="body" idx="1"/>
+          </p:nvPr>
+        </p:nvSpPr>
+        <p:spPr>
+          <a:xfrm>
+            <a:off x="814274" y="1537988"/>
+            <a:ext cx="7860999" cy="1483360"/>
+          </a:xfrm>
+        </p:spPr>
+        <p:txBody>
+          <a:bodyPr/>
+          <a:lstStyle/>
+          <a:p>
+            <a:pPr algn="just"/>
+            <a:r>
+              <a:rPr lang="en-US" sz="2000" b="1" dirty="0">
+                <a:solidFill>
+                  <a:srgbClr val="374151"/>
+                </a:solidFill>
+                <a:latin typeface="Roboto Condensed Light" panose="02000000000000000000" pitchFamily="2" charset="0"/>
+                <a:ea typeface="Roboto Condensed Light" panose="02000000000000000000" pitchFamily="2" charset="0"/>
+                <a:cs typeface="Roboto Condensed Light" panose="02000000000000000000" pitchFamily="2" charset="0"/>
+              </a:rPr>
+              <a:t>Uses: </a:t>
+            </a:r>
+            <a:r>
+              <a:rPr lang="en-US" sz="2000" dirty="0">
+                <a:solidFill>
+                  <a:srgbClr val="374151"/>
+                </a:solidFill>
+                <a:latin typeface="Roboto Condensed Light" panose="02000000000000000000" pitchFamily="2" charset="0"/>
+                <a:ea typeface="Roboto Condensed Light" panose="02000000000000000000" pitchFamily="2" charset="0"/>
+                <a:cs typeface="Roboto Condensed Light" panose="02000000000000000000" pitchFamily="2" charset="0"/>
+              </a:rPr>
+              <a:t>Input Module, Output Format Module, </a:t>
+            </a:r>
+            <a:r>
+              <a:rPr lang="en-US" sz="2000" dirty="0"/>
+              <a:t>Output Verification Module, Magnetic Core Module</a:t>
+            </a:r>
+            <a:endParaRPr lang="en-US" sz="2000" dirty="0">
+              <a:solidFill>
+                <a:srgbClr val="374151"/>
+              </a:solidFill>
+              <a:latin typeface="Roboto Condensed Light" panose="02000000000000000000" pitchFamily="2" charset="0"/>
+              <a:ea typeface="Roboto Condensed Light" panose="02000000000000000000" pitchFamily="2" charset="0"/>
+              <a:cs typeface="Roboto Condensed Light" panose="02000000000000000000" pitchFamily="2" charset="0"/>
+            </a:endParaRPr>
+          </a:p>
+          <a:p>
+            <a:pPr algn="just"/>
+            <a:r>
+              <a:rPr lang="en-CA" sz="2000" b="1" dirty="0">
+                <a:solidFill>
+                  <a:srgbClr val="374151"/>
+                </a:solidFill>
+                <a:latin typeface="Roboto Condensed Light" panose="02000000000000000000" pitchFamily="2" charset="0"/>
+                <a:ea typeface="Roboto Condensed Light" panose="02000000000000000000" pitchFamily="2" charset="0"/>
+                <a:cs typeface="Roboto Condensed Light" panose="02000000000000000000" pitchFamily="2" charset="0"/>
+              </a:rPr>
+              <a:t>State Variables: </a:t>
+            </a:r>
+            <a:r>
+              <a:rPr lang="en-CA" sz="2000" dirty="0">
+                <a:solidFill>
+                  <a:srgbClr val="374151"/>
+                </a:solidFill>
+                <a:latin typeface="Roboto Condensed Light" panose="02000000000000000000" pitchFamily="2" charset="0"/>
+                <a:ea typeface="Roboto Condensed Light" panose="02000000000000000000" pitchFamily="2" charset="0"/>
+                <a:cs typeface="Roboto Condensed Light" panose="02000000000000000000" pitchFamily="2" charset="0"/>
+              </a:rPr>
+              <a:t>-</a:t>
+            </a:r>
+          </a:p>
+          <a:p>
+            <a:pPr algn="just"/>
+            <a:r>
+              <a:rPr lang="en-CA" sz="2000" b="1" dirty="0">
+                <a:solidFill>
+                  <a:srgbClr val="374151"/>
+                </a:solidFill>
+                <a:latin typeface="Roboto Condensed Light" panose="02000000000000000000" pitchFamily="2" charset="0"/>
+                <a:ea typeface="Roboto Condensed Light" panose="02000000000000000000" pitchFamily="2" charset="0"/>
+                <a:cs typeface="Roboto Condensed Light" panose="02000000000000000000" pitchFamily="2" charset="0"/>
+              </a:rPr>
+              <a:t>Environment Variable: -</a:t>
+            </a:r>
+            <a:endParaRPr lang="en-CA" sz="2000" dirty="0">
+              <a:solidFill>
+                <a:srgbClr val="374151"/>
+              </a:solidFill>
+              <a:latin typeface="Roboto Condensed Light" panose="02000000000000000000" pitchFamily="2" charset="0"/>
+              <a:ea typeface="Roboto Condensed Light" panose="02000000000000000000" pitchFamily="2" charset="0"/>
+              <a:cs typeface="Roboto Condensed Light" panose="02000000000000000000" pitchFamily="2" charset="0"/>
+            </a:endParaRPr>
+          </a:p>
+        </p:txBody>
+      </p:sp>
+      <p:graphicFrame>
+        <p:nvGraphicFramePr>
+          <p:cNvPr id="4" name="Table 3">
+            <a:extLst>
+              <a:ext uri="{FF2B5EF4-FFF2-40B4-BE49-F238E27FC236}">
+                <a16:creationId xmlns:a16="http://schemas.microsoft.com/office/drawing/2014/main" id="{EF58ADAC-52AF-D013-EEA2-B10E86F21E81}"/>
+              </a:ext>
+            </a:extLst>
+          </p:cNvPr>
+          <p:cNvGraphicFramePr>
+            <a:graphicFrameLocks noGrp="1"/>
+          </p:cNvGraphicFramePr>
+          <p:nvPr>
+            <p:extLst>
+              <p:ext uri="{D42A27DB-BD31-4B8C-83A1-F6EECF244321}">
+                <p14:modId xmlns:p14="http://schemas.microsoft.com/office/powerpoint/2010/main" val="2491987630"/>
+              </p:ext>
+            </p:extLst>
+          </p:nvPr>
+        </p:nvGraphicFramePr>
+        <p:xfrm>
+          <a:off x="1012294" y="3141980"/>
+          <a:ext cx="5488399" cy="741680"/>
+        </p:xfrm>
+        <a:graphic>
+          <a:graphicData uri="http://schemas.openxmlformats.org/drawingml/2006/table">
+            <a:tbl>
+              <a:tblPr firstRow="1" bandRow="1">
+                <a:tableStyleId>{E929F9F4-4A8F-4326-A1B4-22849713DDAB}</a:tableStyleId>
+              </a:tblPr>
+              <a:tblGrid>
+                <a:gridCol w="1524000">
+                  <a:extLst>
+                    <a:ext uri="{9D8B030D-6E8A-4147-A177-3AD203B41FA5}">
+                      <a16:colId xmlns:a16="http://schemas.microsoft.com/office/drawing/2014/main" val="1527678177"/>
+                    </a:ext>
+                  </a:extLst>
+                </a:gridCol>
+                <a:gridCol w="2450644">
+                  <a:extLst>
+                    <a:ext uri="{9D8B030D-6E8A-4147-A177-3AD203B41FA5}">
+                      <a16:colId xmlns:a16="http://schemas.microsoft.com/office/drawing/2014/main" val="529960761"/>
+                    </a:ext>
+                  </a:extLst>
+                </a:gridCol>
+                <a:gridCol w="1513755">
+                  <a:extLst>
+                    <a:ext uri="{9D8B030D-6E8A-4147-A177-3AD203B41FA5}">
+                      <a16:colId xmlns:a16="http://schemas.microsoft.com/office/drawing/2014/main" val="314431527"/>
+                    </a:ext>
+                  </a:extLst>
+                </a:gridCol>
+              </a:tblGrid>
+              <a:tr h="370840">
+                <a:tc>
+                  <a:txBody>
+                    <a:bodyPr/>
+                    <a:lstStyle/>
+                    <a:p>
+                      <a:pPr algn="ctr"/>
+                      <a:r>
+                        <a:rPr lang="en-US" dirty="0">
+                          <a:latin typeface="Roboto Condensed" panose="02000000000000000000" pitchFamily="2" charset="0"/>
+                          <a:ea typeface="Roboto Condensed" panose="02000000000000000000" pitchFamily="2" charset="0"/>
+                        </a:rPr>
+                        <a:t>Name</a:t>
+                      </a:r>
+                    </a:p>
+                  </a:txBody>
+                  <a:tcPr anchor="ctr"/>
+                </a:tc>
+                <a:tc>
+                  <a:txBody>
+                    <a:bodyPr/>
+                    <a:lstStyle/>
+                    <a:p>
+                      <a:pPr algn="ctr"/>
+                      <a:r>
+                        <a:rPr lang="en-US">
+                          <a:latin typeface="Roboto Condensed" panose="02000000000000000000" pitchFamily="2" charset="0"/>
+                          <a:ea typeface="Roboto Condensed" panose="02000000000000000000" pitchFamily="2" charset="0"/>
+                        </a:rPr>
+                        <a:t>In</a:t>
+                      </a:r>
+                      <a:endParaRPr lang="en-US" dirty="0">
+                        <a:latin typeface="Roboto Condensed" panose="02000000000000000000" pitchFamily="2" charset="0"/>
+                        <a:ea typeface="Roboto Condensed" panose="02000000000000000000" pitchFamily="2" charset="0"/>
+                      </a:endParaRPr>
+                    </a:p>
+                  </a:txBody>
+                  <a:tcPr anchor="ctr"/>
+                </a:tc>
+                <a:tc>
+                  <a:txBody>
+                    <a:bodyPr/>
+                    <a:lstStyle/>
+                    <a:p>
+                      <a:pPr algn="ctr"/>
+                      <a:r>
+                        <a:rPr lang="en-US">
+                          <a:latin typeface="Roboto Condensed" panose="02000000000000000000" pitchFamily="2" charset="0"/>
+                          <a:ea typeface="Roboto Condensed" panose="02000000000000000000" pitchFamily="2" charset="0"/>
+                        </a:rPr>
+                        <a:t>Out</a:t>
+                      </a:r>
+                      <a:endParaRPr lang="en-US" dirty="0">
+                        <a:latin typeface="Roboto Condensed" panose="02000000000000000000" pitchFamily="2" charset="0"/>
+                        <a:ea typeface="Roboto Condensed" panose="02000000000000000000" pitchFamily="2" charset="0"/>
+                      </a:endParaRPr>
+                    </a:p>
+                  </a:txBody>
+                  <a:tcPr anchor="ctr"/>
+                </a:tc>
+                <a:extLst>
+                  <a:ext uri="{0D108BD9-81ED-4DB2-BD59-A6C34878D82A}">
+                    <a16:rowId xmlns:a16="http://schemas.microsoft.com/office/drawing/2014/main" val="1781836610"/>
+                  </a:ext>
+                </a:extLst>
+              </a:tr>
+              <a:tr h="370840">
+                <a:tc>
+                  <a:txBody>
+                    <a:bodyPr/>
+                    <a:lstStyle/>
+                    <a:p>
+                      <a:pPr algn="ctr"/>
+                      <a:r>
+                        <a:rPr lang="en-US" dirty="0">
+                          <a:solidFill>
+                            <a:schemeClr val="accent2">
+                              <a:lumMod val="50000"/>
+                            </a:schemeClr>
+                          </a:solidFill>
+                          <a:latin typeface="Roboto Condensed" panose="02000000000000000000" pitchFamily="2" charset="0"/>
+                          <a:ea typeface="Roboto Condensed" panose="02000000000000000000" pitchFamily="2" charset="0"/>
+                        </a:rPr>
+                        <a:t>main</a:t>
+                      </a:r>
+                    </a:p>
+                  </a:txBody>
+                  <a:tcPr anchor="ctr"/>
+                </a:tc>
+                <a:tc>
+                  <a:txBody>
+                    <a:bodyPr/>
+                    <a:lstStyle/>
+                    <a:p>
+                      <a:pPr marL="0" marR="0" lvl="0" indent="0" algn="ctr" defTabSz="914400" rtl="0" eaLnBrk="1" fontAlgn="auto" latinLnBrk="0" hangingPunct="1">
+                        <a:lnSpc>
+                          <a:spcPct val="100000"/>
+                        </a:lnSpc>
+                        <a:spcBef>
+                          <a:spcPts val="0"/>
+                        </a:spcBef>
+                        <a:spcAft>
+                          <a:spcPts val="0"/>
+                        </a:spcAft>
+                        <a:buClr>
+                          <a:srgbClr val="000000"/>
+                        </a:buClr>
+                        <a:buSzTx/>
+                        <a:buFont typeface="Arial"/>
+                        <a:buNone/>
+                        <a:tabLst/>
+                        <a:defRPr/>
+                      </a:pPr>
+                      <a:r>
+                        <a:rPr lang="en-CA" sz="1400" dirty="0">
+                          <a:solidFill>
+                            <a:srgbClr val="374151"/>
+                          </a:solidFill>
+                          <a:latin typeface="Roboto Condensed" panose="02000000000000000000" pitchFamily="2" charset="0"/>
+                          <a:ea typeface="Roboto Condensed" panose="02000000000000000000" pitchFamily="2" charset="0"/>
+                          <a:cs typeface="Roboto Condensed Light" panose="02000000000000000000" pitchFamily="2" charset="0"/>
+                        </a:rPr>
+                        <a:t>-</a:t>
+                      </a:r>
+                      <a:endParaRPr lang="en-US" dirty="0">
+                        <a:solidFill>
+                          <a:schemeClr val="accent2">
+                            <a:lumMod val="50000"/>
+                          </a:schemeClr>
+                        </a:solidFill>
+                        <a:latin typeface="Roboto Condensed" panose="02000000000000000000" pitchFamily="2" charset="0"/>
+                        <a:ea typeface="Roboto Condensed" panose="02000000000000000000" pitchFamily="2" charset="0"/>
+                      </a:endParaRPr>
+                    </a:p>
+                  </a:txBody>
+                  <a:tcPr anchor="ctr"/>
+                </a:tc>
+                <a:tc>
+                  <a:txBody>
+                    <a:bodyPr/>
+                    <a:lstStyle/>
+                    <a:p>
+                      <a:pPr algn="ctr"/>
+                      <a:r>
+                        <a:rPr lang="en-US" dirty="0">
+                          <a:solidFill>
+                            <a:schemeClr val="accent2">
+                              <a:lumMod val="50000"/>
+                            </a:schemeClr>
+                          </a:solidFill>
+                          <a:latin typeface="Roboto Condensed" panose="02000000000000000000" pitchFamily="2" charset="0"/>
+                          <a:ea typeface="Roboto Condensed" panose="02000000000000000000" pitchFamily="2" charset="0"/>
+                        </a:rPr>
+                        <a:t>-</a:t>
+                      </a:r>
+                    </a:p>
+                  </a:txBody>
+                  <a:tcPr anchor="ctr"/>
+                </a:tc>
+                <a:extLst>
+                  <a:ext uri="{0D108BD9-81ED-4DB2-BD59-A6C34878D82A}">
+                    <a16:rowId xmlns:a16="http://schemas.microsoft.com/office/drawing/2014/main" val="4009617831"/>
+                  </a:ext>
+                </a:extLst>
+              </a:tr>
+            </a:tbl>
+          </a:graphicData>
+        </a:graphic>
+      </p:graphicFrame>
+      <p:sp>
+        <p:nvSpPr>
+          <p:cNvPr id="6" name="Slide Number Placeholder 4">
+            <a:extLst>
+              <a:ext uri="{FF2B5EF4-FFF2-40B4-BE49-F238E27FC236}">
+                <a16:creationId xmlns:a16="http://schemas.microsoft.com/office/drawing/2014/main" id="{EEA021BB-CB6B-1913-0BC8-8A560FFFE7F3}"/>
+              </a:ext>
+            </a:extLst>
+          </p:cNvPr>
+          <p:cNvSpPr>
+            <a:spLocks noGrp="1"/>
+          </p:cNvSpPr>
+          <p:nvPr>
+            <p:ph type="sldNum" idx="12"/>
+          </p:nvPr>
+        </p:nvSpPr>
+        <p:spPr>
+          <a:xfrm>
+            <a:off x="7618000" y="4636500"/>
+            <a:ext cx="1487400" cy="315600"/>
+          </a:xfrm>
+        </p:spPr>
+        <p:txBody>
+          <a:bodyPr/>
+          <a:lstStyle/>
+          <a:p>
+            <a:pPr marL="0" lvl="0" indent="0" algn="r" rtl="0">
+              <a:spcBef>
+                <a:spcPts val="0"/>
+              </a:spcBef>
+              <a:spcAft>
+                <a:spcPts val="0"/>
+              </a:spcAft>
+              <a:buNone/>
+            </a:pPr>
+            <a:fld id="{00000000-1234-1234-1234-123412341234}" type="slidenum">
+              <a:rPr lang="en" smtClean="0"/>
+              <a:t>12</a:t>
+            </a:fld>
+            <a:r>
+              <a:rPr lang="en" dirty="0"/>
+              <a:t>/14</a:t>
+            </a:r>
+          </a:p>
+        </p:txBody>
+      </p:sp>
+    </p:spTree>
+    <p:extLst>
+      <p:ext uri="{BB962C8B-B14F-4D97-AF65-F5344CB8AC3E}">
+        <p14:creationId xmlns:p14="http://schemas.microsoft.com/office/powerpoint/2010/main" val="1743083407"/>
+      </p:ext>
+    </p:extLst>
+  </p:cSld>
+  <p:clrMapOvr>
+    <a:masterClrMapping/>
+  </p:clrMapOvr>
+</p:sld>
+</file>
+
 <file path=ppt/slides/slide13.xml><?xml version="1.0" encoding="utf-8"?>
+<p:sld xmlns:a="http://schemas.openxmlformats.org/drawingml/2006/main" xmlns:r="http://schemas.openxmlformats.org/officeDocument/2006/relationships" xmlns:p="http://schemas.openxmlformats.org/presentationml/2006/main">
+  <p:cSld>
+    <p:spTree>
+      <p:nvGrpSpPr>
+        <p:cNvPr id="1" name="Shape 212"/>
+        <p:cNvGrpSpPr/>
+        <p:nvPr/>
+      </p:nvGrpSpPr>
+      <p:grpSpPr>
+        <a:xfrm>
+          <a:off x="0" y="0"/>
+          <a:ext cx="0" cy="0"/>
+          <a:chOff x="0" y="0"/>
+          <a:chExt cx="0" cy="0"/>
+        </a:xfrm>
+      </p:grpSpPr>
+      <p:sp>
+        <p:nvSpPr>
+          <p:cNvPr id="216" name="Google Shape;216;p13"/>
+          <p:cNvSpPr txBox="1">
+            <a:spLocks noGrp="1"/>
+          </p:cNvSpPr>
+          <p:nvPr>
+            <p:ph type="sldNum" idx="12"/>
+          </p:nvPr>
+        </p:nvSpPr>
+        <p:spPr>
+          <a:xfrm>
+            <a:off x="7656600" y="5620057"/>
+            <a:ext cx="1487400" cy="315600"/>
+          </a:xfrm>
+          <a:prstGeom prst="rect">
+            <a:avLst/>
+          </a:prstGeom>
+        </p:spPr>
+        <p:txBody>
+          <a:bodyPr spcFirstLastPara="1" wrap="square" lIns="91425" tIns="91425" rIns="91425" bIns="91425" anchor="ctr" anchorCtr="0">
+            <a:noAutofit/>
+          </a:bodyPr>
+          <a:lstStyle/>
+          <a:p>
+            <a:pPr marL="0" lvl="0" indent="0" algn="r" rtl="0">
+              <a:spcBef>
+                <a:spcPts val="0"/>
+              </a:spcBef>
+              <a:spcAft>
+                <a:spcPts val="0"/>
+              </a:spcAft>
+              <a:buNone/>
+            </a:pPr>
+            <a:fld id="{00000000-1234-1234-1234-123412341234}" type="slidenum">
+              <a:rPr lang="en"/>
+              <a:t>13</a:t>
+            </a:fld>
+            <a:endParaRPr/>
+          </a:p>
+        </p:txBody>
+      </p:sp>
+      <p:sp>
+        <p:nvSpPr>
+          <p:cNvPr id="6" name="Rectangle: Rounded Corners 5">
+            <a:extLst>
+              <a:ext uri="{FF2B5EF4-FFF2-40B4-BE49-F238E27FC236}">
+                <a16:creationId xmlns:a16="http://schemas.microsoft.com/office/drawing/2014/main" id="{80A8C3A7-539C-3B59-EAF8-034942678CEA}"/>
+              </a:ext>
+            </a:extLst>
+          </p:cNvPr>
+          <p:cNvSpPr/>
+          <p:nvPr/>
+        </p:nvSpPr>
+        <p:spPr>
+          <a:xfrm>
+            <a:off x="4654410" y="3507338"/>
+            <a:ext cx="1260182" cy="591671"/>
+          </a:xfrm>
+          <a:prstGeom prst="roundRect">
+            <a:avLst/>
+          </a:prstGeom>
+        </p:spPr>
+        <p:style>
+          <a:lnRef idx="2">
+            <a:schemeClr val="accent4"/>
+          </a:lnRef>
+          <a:fillRef idx="1">
+            <a:schemeClr val="lt1"/>
+          </a:fillRef>
+          <a:effectRef idx="0">
+            <a:schemeClr val="accent4"/>
+          </a:effectRef>
+          <a:fontRef idx="minor">
+            <a:schemeClr val="dk1"/>
+          </a:fontRef>
+        </p:style>
+        <p:txBody>
+          <a:bodyPr rtlCol="0" anchor="ctr"/>
+          <a:lstStyle/>
+          <a:p>
+            <a:pPr algn="ctr"/>
+            <a:r>
+              <a:rPr lang="en-US" sz="1100" dirty="0">
+                <a:latin typeface="Roboto Condensed" panose="02000000000000000000" pitchFamily="2" charset="0"/>
+                <a:ea typeface="Roboto Condensed" panose="02000000000000000000" pitchFamily="2" charset="0"/>
+              </a:rPr>
+              <a:t>Vector Module</a:t>
+            </a:r>
+          </a:p>
+        </p:txBody>
+      </p:sp>
+      <p:sp>
+        <p:nvSpPr>
+          <p:cNvPr id="7" name="Rectangle: Rounded Corners 6">
+            <a:extLst>
+              <a:ext uri="{FF2B5EF4-FFF2-40B4-BE49-F238E27FC236}">
+                <a16:creationId xmlns:a16="http://schemas.microsoft.com/office/drawing/2014/main" id="{96F57190-146A-1AA0-090A-F394651E2A03}"/>
+              </a:ext>
+            </a:extLst>
+          </p:cNvPr>
+          <p:cNvSpPr/>
+          <p:nvPr/>
+        </p:nvSpPr>
+        <p:spPr>
+          <a:xfrm>
+            <a:off x="3949593" y="2456346"/>
+            <a:ext cx="1260182" cy="591671"/>
+          </a:xfrm>
+          <a:prstGeom prst="roundRect">
+            <a:avLst/>
+          </a:prstGeom>
+        </p:spPr>
+        <p:style>
+          <a:lnRef idx="2">
+            <a:schemeClr val="accent4"/>
+          </a:lnRef>
+          <a:fillRef idx="1">
+            <a:schemeClr val="lt1"/>
+          </a:fillRef>
+          <a:effectRef idx="0">
+            <a:schemeClr val="accent4"/>
+          </a:effectRef>
+          <a:fontRef idx="minor">
+            <a:schemeClr val="dk1"/>
+          </a:fontRef>
+        </p:style>
+        <p:txBody>
+          <a:bodyPr rtlCol="0" anchor="ctr"/>
+          <a:lstStyle/>
+          <a:p>
+            <a:pPr algn="ctr"/>
+            <a:r>
+              <a:rPr lang="en-US" sz="1100" dirty="0">
+                <a:latin typeface="Roboto Condensed" panose="02000000000000000000" pitchFamily="2" charset="0"/>
+                <a:ea typeface="Roboto Condensed" panose="02000000000000000000" pitchFamily="2" charset="0"/>
+              </a:rPr>
+              <a:t>Magnetic Core Module</a:t>
+            </a:r>
+          </a:p>
+        </p:txBody>
+      </p:sp>
+      <p:sp>
+        <p:nvSpPr>
+          <p:cNvPr id="8" name="Rectangle: Rounded Corners 7">
+            <a:extLst>
+              <a:ext uri="{FF2B5EF4-FFF2-40B4-BE49-F238E27FC236}">
+                <a16:creationId xmlns:a16="http://schemas.microsoft.com/office/drawing/2014/main" id="{18E60DB1-F644-279C-E2B4-D40135866413}"/>
+              </a:ext>
+            </a:extLst>
+          </p:cNvPr>
+          <p:cNvSpPr/>
+          <p:nvPr/>
+        </p:nvSpPr>
+        <p:spPr>
+          <a:xfrm>
+            <a:off x="5043505" y="1679935"/>
+            <a:ext cx="1260182" cy="591671"/>
+          </a:xfrm>
+          <a:prstGeom prst="roundRect">
+            <a:avLst/>
+          </a:prstGeom>
+        </p:spPr>
+        <p:style>
+          <a:lnRef idx="2">
+            <a:schemeClr val="accent4"/>
+          </a:lnRef>
+          <a:fillRef idx="1">
+            <a:schemeClr val="lt1"/>
+          </a:fillRef>
+          <a:effectRef idx="0">
+            <a:schemeClr val="accent4"/>
+          </a:effectRef>
+          <a:fontRef idx="minor">
+            <a:schemeClr val="dk1"/>
+          </a:fontRef>
+        </p:style>
+        <p:txBody>
+          <a:bodyPr rtlCol="0" anchor="ctr"/>
+          <a:lstStyle/>
+          <a:p>
+            <a:pPr algn="ctr"/>
+            <a:r>
+              <a:rPr lang="en-US" sz="1100" dirty="0">
+                <a:latin typeface="Roboto Condensed" panose="02000000000000000000" pitchFamily="2" charset="0"/>
+                <a:ea typeface="Roboto Condensed" panose="02000000000000000000" pitchFamily="2" charset="0"/>
+              </a:rPr>
+              <a:t>Output Verification Module</a:t>
+            </a:r>
+          </a:p>
+        </p:txBody>
+      </p:sp>
+      <p:sp>
+        <p:nvSpPr>
+          <p:cNvPr id="9" name="Rectangle: Rounded Corners 8">
+            <a:extLst>
+              <a:ext uri="{FF2B5EF4-FFF2-40B4-BE49-F238E27FC236}">
+                <a16:creationId xmlns:a16="http://schemas.microsoft.com/office/drawing/2014/main" id="{2822B65E-B348-0F5B-2E3A-7B00D35A463C}"/>
+              </a:ext>
+            </a:extLst>
+          </p:cNvPr>
+          <p:cNvSpPr/>
+          <p:nvPr/>
+        </p:nvSpPr>
+        <p:spPr>
+          <a:xfrm>
+            <a:off x="6627093" y="1679934"/>
+            <a:ext cx="1260182" cy="591671"/>
+          </a:xfrm>
+          <a:prstGeom prst="roundRect">
+            <a:avLst/>
+          </a:prstGeom>
+        </p:spPr>
+        <p:style>
+          <a:lnRef idx="2">
+            <a:schemeClr val="accent4"/>
+          </a:lnRef>
+          <a:fillRef idx="1">
+            <a:schemeClr val="lt1"/>
+          </a:fillRef>
+          <a:effectRef idx="0">
+            <a:schemeClr val="accent4"/>
+          </a:effectRef>
+          <a:fontRef idx="minor">
+            <a:schemeClr val="dk1"/>
+          </a:fontRef>
+        </p:style>
+        <p:txBody>
+          <a:bodyPr rtlCol="0" anchor="ctr"/>
+          <a:lstStyle/>
+          <a:p>
+            <a:pPr algn="ctr"/>
+            <a:r>
+              <a:rPr lang="en-US" sz="1100" dirty="0">
+                <a:latin typeface="Roboto Condensed" panose="02000000000000000000" pitchFamily="2" charset="0"/>
+                <a:ea typeface="Roboto Condensed" panose="02000000000000000000" pitchFamily="2" charset="0"/>
+              </a:rPr>
+              <a:t>Output Format Module</a:t>
+            </a:r>
+          </a:p>
+        </p:txBody>
+      </p:sp>
+      <p:sp>
+        <p:nvSpPr>
+          <p:cNvPr id="10" name="Rectangle: Rounded Corners 9">
+            <a:extLst>
+              <a:ext uri="{FF2B5EF4-FFF2-40B4-BE49-F238E27FC236}">
+                <a16:creationId xmlns:a16="http://schemas.microsoft.com/office/drawing/2014/main" id="{25AFD70F-D1BD-D71A-9557-9D4D98B10CB0}"/>
+              </a:ext>
+            </a:extLst>
+          </p:cNvPr>
+          <p:cNvSpPr/>
+          <p:nvPr/>
+        </p:nvSpPr>
+        <p:spPr>
+          <a:xfrm>
+            <a:off x="1560467" y="1624387"/>
+            <a:ext cx="1260182" cy="591671"/>
+          </a:xfrm>
+          <a:prstGeom prst="roundRect">
+            <a:avLst/>
+          </a:prstGeom>
+        </p:spPr>
+        <p:style>
+          <a:lnRef idx="2">
+            <a:schemeClr val="accent4"/>
+          </a:lnRef>
+          <a:fillRef idx="1">
+            <a:schemeClr val="lt1"/>
+          </a:fillRef>
+          <a:effectRef idx="0">
+            <a:schemeClr val="accent4"/>
+          </a:effectRef>
+          <a:fontRef idx="minor">
+            <a:schemeClr val="dk1"/>
+          </a:fontRef>
+        </p:style>
+        <p:txBody>
+          <a:bodyPr rtlCol="0" anchor="ctr"/>
+          <a:lstStyle/>
+          <a:p>
+            <a:pPr lvl="1" algn="ctr">
+              <a:lnSpc>
+                <a:spcPct val="150000"/>
+              </a:lnSpc>
+            </a:pPr>
+            <a:r>
+              <a:rPr lang="en-US" sz="1100" dirty="0">
+                <a:latin typeface="Roboto Condensed" panose="02000000000000000000" pitchFamily="2" charset="0"/>
+                <a:ea typeface="Roboto Condensed" panose="02000000000000000000" pitchFamily="2" charset="0"/>
+              </a:rPr>
+              <a:t>Input Format Module</a:t>
+            </a:r>
+          </a:p>
+        </p:txBody>
+      </p:sp>
+      <p:sp>
+        <p:nvSpPr>
+          <p:cNvPr id="11" name="Rectangle: Rounded Corners 10">
+            <a:extLst>
+              <a:ext uri="{FF2B5EF4-FFF2-40B4-BE49-F238E27FC236}">
+                <a16:creationId xmlns:a16="http://schemas.microsoft.com/office/drawing/2014/main" id="{35C657C0-A43D-57F1-EBF6-DE8C4259A82D}"/>
+              </a:ext>
+            </a:extLst>
+          </p:cNvPr>
+          <p:cNvSpPr/>
+          <p:nvPr/>
+        </p:nvSpPr>
+        <p:spPr>
+          <a:xfrm>
+            <a:off x="3941909" y="4262494"/>
+            <a:ext cx="1260182" cy="591671"/>
+          </a:xfrm>
+          <a:prstGeom prst="roundRect">
+            <a:avLst/>
+          </a:prstGeom>
+        </p:spPr>
+        <p:style>
+          <a:lnRef idx="2">
+            <a:schemeClr val="accent4"/>
+          </a:lnRef>
+          <a:fillRef idx="1">
+            <a:schemeClr val="lt1"/>
+          </a:fillRef>
+          <a:effectRef idx="0">
+            <a:schemeClr val="accent4"/>
+          </a:effectRef>
+          <a:fontRef idx="minor">
+            <a:schemeClr val="dk1"/>
+          </a:fontRef>
+        </p:style>
+        <p:txBody>
+          <a:bodyPr rtlCol="0" anchor="ctr"/>
+          <a:lstStyle/>
+          <a:p>
+            <a:pPr algn="ctr"/>
+            <a:r>
+              <a:rPr lang="en-US" sz="1100" dirty="0">
+                <a:latin typeface="Roboto Condensed" panose="02000000000000000000" pitchFamily="2" charset="0"/>
+                <a:ea typeface="Roboto Condensed" panose="02000000000000000000" pitchFamily="2" charset="0"/>
+              </a:rPr>
+              <a:t>Hardware Hiding Modules</a:t>
+            </a:r>
+          </a:p>
+        </p:txBody>
+      </p:sp>
+      <p:sp>
+        <p:nvSpPr>
+          <p:cNvPr id="12" name="Rectangle: Rounded Corners 11">
+            <a:extLst>
+              <a:ext uri="{FF2B5EF4-FFF2-40B4-BE49-F238E27FC236}">
+                <a16:creationId xmlns:a16="http://schemas.microsoft.com/office/drawing/2014/main" id="{2B8C06D8-84DD-B62A-028A-B22D7DD0628D}"/>
+              </a:ext>
+            </a:extLst>
+          </p:cNvPr>
+          <p:cNvSpPr/>
+          <p:nvPr/>
+        </p:nvSpPr>
+        <p:spPr>
+          <a:xfrm>
+            <a:off x="3941909" y="452820"/>
+            <a:ext cx="1260182" cy="591671"/>
+          </a:xfrm>
+          <a:prstGeom prst="roundRect">
+            <a:avLst/>
+          </a:prstGeom>
+        </p:spPr>
+        <p:style>
+          <a:lnRef idx="2">
+            <a:schemeClr val="accent4"/>
+          </a:lnRef>
+          <a:fillRef idx="1">
+            <a:schemeClr val="lt1"/>
+          </a:fillRef>
+          <a:effectRef idx="0">
+            <a:schemeClr val="accent4"/>
+          </a:effectRef>
+          <a:fontRef idx="minor">
+            <a:schemeClr val="dk1"/>
+          </a:fontRef>
+        </p:style>
+        <p:txBody>
+          <a:bodyPr rtlCol="0" anchor="ctr"/>
+          <a:lstStyle/>
+          <a:p>
+            <a:pPr algn="ctr"/>
+            <a:r>
+              <a:rPr lang="en-US" sz="1100" dirty="0">
+                <a:latin typeface="Roboto Condensed" panose="02000000000000000000" pitchFamily="2" charset="0"/>
+                <a:ea typeface="Roboto Condensed" panose="02000000000000000000" pitchFamily="2" charset="0"/>
+              </a:rPr>
+              <a:t>Control Module</a:t>
+            </a:r>
+          </a:p>
+        </p:txBody>
+      </p:sp>
+      <p:sp>
+        <p:nvSpPr>
+          <p:cNvPr id="13" name="Rectangle: Rounded Corners 12">
+            <a:extLst>
+              <a:ext uri="{FF2B5EF4-FFF2-40B4-BE49-F238E27FC236}">
+                <a16:creationId xmlns:a16="http://schemas.microsoft.com/office/drawing/2014/main" id="{17F7BEC1-0344-B800-B880-431D52DAC291}"/>
+              </a:ext>
+            </a:extLst>
+          </p:cNvPr>
+          <p:cNvSpPr/>
+          <p:nvPr/>
+        </p:nvSpPr>
+        <p:spPr>
+          <a:xfrm>
+            <a:off x="3196885" y="3510593"/>
+            <a:ext cx="1260182" cy="591671"/>
+          </a:xfrm>
+          <a:prstGeom prst="roundRect">
+            <a:avLst/>
+          </a:prstGeom>
+        </p:spPr>
+        <p:style>
+          <a:lnRef idx="2">
+            <a:schemeClr val="accent4"/>
+          </a:lnRef>
+          <a:fillRef idx="1">
+            <a:schemeClr val="lt1"/>
+          </a:fillRef>
+          <a:effectRef idx="0">
+            <a:schemeClr val="accent4"/>
+          </a:effectRef>
+          <a:fontRef idx="minor">
+            <a:schemeClr val="dk1"/>
+          </a:fontRef>
+        </p:style>
+        <p:txBody>
+          <a:bodyPr rtlCol="0" anchor="ctr"/>
+          <a:lstStyle/>
+          <a:p>
+            <a:pPr algn="ctr"/>
+            <a:r>
+              <a:rPr lang="en-US" sz="1100" dirty="0" err="1">
+                <a:latin typeface="Roboto Condensed" panose="02000000000000000000" pitchFamily="2" charset="0"/>
+                <a:ea typeface="Roboto Condensed" panose="02000000000000000000" pitchFamily="2" charset="0"/>
+              </a:rPr>
+              <a:t>CoilT</a:t>
+            </a:r>
+            <a:r>
+              <a:rPr lang="en-US" sz="1100" dirty="0">
+                <a:latin typeface="Roboto Condensed" panose="02000000000000000000" pitchFamily="2" charset="0"/>
+                <a:ea typeface="Roboto Condensed" panose="02000000000000000000" pitchFamily="2" charset="0"/>
+              </a:rPr>
+              <a:t> module</a:t>
+            </a:r>
+          </a:p>
+        </p:txBody>
+      </p:sp>
+      <p:cxnSp>
+        <p:nvCxnSpPr>
+          <p:cNvPr id="19" name="Connector: Curved 18">
+            <a:extLst>
+              <a:ext uri="{FF2B5EF4-FFF2-40B4-BE49-F238E27FC236}">
+                <a16:creationId xmlns:a16="http://schemas.microsoft.com/office/drawing/2014/main" id="{DC1B663D-C64B-F7AC-57DB-56699A2BB49F}"/>
+              </a:ext>
+            </a:extLst>
+          </p:cNvPr>
+          <p:cNvCxnSpPr>
+            <a:cxnSpLocks/>
+            <a:stCxn id="12" idx="2"/>
+            <a:endCxn id="7" idx="0"/>
+          </p:cNvCxnSpPr>
+          <p:nvPr/>
+        </p:nvCxnSpPr>
+        <p:spPr>
+          <a:xfrm rot="16200000" flipH="1">
+            <a:off x="3869915" y="1746576"/>
+            <a:ext cx="1411855" cy="7684"/>
+          </a:xfrm>
+          <a:prstGeom prst="curvedConnector3">
+            <a:avLst/>
+          </a:prstGeom>
+          <a:ln>
+            <a:tailEnd type="triangle"/>
+          </a:ln>
+        </p:spPr>
+        <p:style>
+          <a:lnRef idx="1">
+            <a:schemeClr val="accent1"/>
+          </a:lnRef>
+          <a:fillRef idx="0">
+            <a:schemeClr val="accent1"/>
+          </a:fillRef>
+          <a:effectRef idx="0">
+            <a:schemeClr val="accent1"/>
+          </a:effectRef>
+          <a:fontRef idx="minor">
+            <a:schemeClr val="tx1"/>
+          </a:fontRef>
+        </p:style>
+      </p:cxnSp>
+      <p:cxnSp>
+        <p:nvCxnSpPr>
+          <p:cNvPr id="21" name="Connector: Curved 20">
+            <a:extLst>
+              <a:ext uri="{FF2B5EF4-FFF2-40B4-BE49-F238E27FC236}">
+                <a16:creationId xmlns:a16="http://schemas.microsoft.com/office/drawing/2014/main" id="{22C20C3E-496F-E275-C4D0-A754BCBB9AD1}"/>
+              </a:ext>
+            </a:extLst>
+          </p:cNvPr>
+          <p:cNvCxnSpPr>
+            <a:stCxn id="12" idx="2"/>
+            <a:endCxn id="9" idx="0"/>
+          </p:cNvCxnSpPr>
+          <p:nvPr/>
+        </p:nvCxnSpPr>
+        <p:spPr>
+          <a:xfrm rot="16200000" flipH="1">
+            <a:off x="5596871" y="19620"/>
+            <a:ext cx="635443" cy="2685184"/>
+          </a:xfrm>
+          <a:prstGeom prst="curvedConnector3">
+            <a:avLst/>
+          </a:prstGeom>
+          <a:ln>
+            <a:tailEnd type="triangle"/>
+          </a:ln>
+        </p:spPr>
+        <p:style>
+          <a:lnRef idx="1">
+            <a:schemeClr val="accent1"/>
+          </a:lnRef>
+          <a:fillRef idx="0">
+            <a:schemeClr val="accent1"/>
+          </a:fillRef>
+          <a:effectRef idx="0">
+            <a:schemeClr val="accent1"/>
+          </a:effectRef>
+          <a:fontRef idx="minor">
+            <a:schemeClr val="tx1"/>
+          </a:fontRef>
+        </p:style>
+      </p:cxnSp>
+      <p:cxnSp>
+        <p:nvCxnSpPr>
+          <p:cNvPr id="30" name="Connector: Curved 29">
+            <a:extLst>
+              <a:ext uri="{FF2B5EF4-FFF2-40B4-BE49-F238E27FC236}">
+                <a16:creationId xmlns:a16="http://schemas.microsoft.com/office/drawing/2014/main" id="{09EEE5FC-2E6C-9C36-2DFD-B514E72E27D3}"/>
+              </a:ext>
+            </a:extLst>
+          </p:cNvPr>
+          <p:cNvCxnSpPr>
+            <a:cxnSpLocks/>
+            <a:stCxn id="9" idx="2"/>
+            <a:endCxn id="11" idx="3"/>
+          </p:cNvCxnSpPr>
+          <p:nvPr/>
+        </p:nvCxnSpPr>
+        <p:spPr>
+          <a:xfrm rot="5400000">
+            <a:off x="5086276" y="2387421"/>
+            <a:ext cx="2286725" cy="2055093"/>
+          </a:xfrm>
+          <a:prstGeom prst="curvedConnector2">
+            <a:avLst/>
+          </a:prstGeom>
+          <a:ln>
+            <a:tailEnd type="triangle"/>
+          </a:ln>
+        </p:spPr>
+        <p:style>
+          <a:lnRef idx="1">
+            <a:schemeClr val="accent1"/>
+          </a:lnRef>
+          <a:fillRef idx="0">
+            <a:schemeClr val="accent1"/>
+          </a:fillRef>
+          <a:effectRef idx="0">
+            <a:schemeClr val="accent1"/>
+          </a:effectRef>
+          <a:fontRef idx="minor">
+            <a:schemeClr val="tx1"/>
+          </a:fontRef>
+        </p:style>
+      </p:cxnSp>
+      <p:cxnSp>
+        <p:nvCxnSpPr>
+          <p:cNvPr id="45" name="Connector: Curved 44">
+            <a:extLst>
+              <a:ext uri="{FF2B5EF4-FFF2-40B4-BE49-F238E27FC236}">
+                <a16:creationId xmlns:a16="http://schemas.microsoft.com/office/drawing/2014/main" id="{1F5C34E9-1A31-3F66-9C59-7C9CE941C612}"/>
+              </a:ext>
+            </a:extLst>
+          </p:cNvPr>
+          <p:cNvCxnSpPr>
+            <a:cxnSpLocks/>
+            <a:stCxn id="12" idx="2"/>
+            <a:endCxn id="8" idx="0"/>
+          </p:cNvCxnSpPr>
+          <p:nvPr/>
+        </p:nvCxnSpPr>
+        <p:spPr>
+          <a:xfrm rot="16200000" flipH="1">
+            <a:off x="4805076" y="811415"/>
+            <a:ext cx="635444" cy="1101596"/>
+          </a:xfrm>
+          <a:prstGeom prst="curvedConnector3">
+            <a:avLst>
+              <a:gd name="adj1" fmla="val 50000"/>
+            </a:avLst>
+          </a:prstGeom>
+          <a:ln>
+            <a:tailEnd type="triangle"/>
+          </a:ln>
+        </p:spPr>
+        <p:style>
+          <a:lnRef idx="1">
+            <a:schemeClr val="accent1"/>
+          </a:lnRef>
+          <a:fillRef idx="0">
+            <a:schemeClr val="accent1"/>
+          </a:fillRef>
+          <a:effectRef idx="0">
+            <a:schemeClr val="accent1"/>
+          </a:effectRef>
+          <a:fontRef idx="minor">
+            <a:schemeClr val="tx1"/>
+          </a:fontRef>
+        </p:style>
+      </p:cxnSp>
+      <p:cxnSp>
+        <p:nvCxnSpPr>
+          <p:cNvPr id="52" name="Connector: Curved 51">
+            <a:extLst>
+              <a:ext uri="{FF2B5EF4-FFF2-40B4-BE49-F238E27FC236}">
+                <a16:creationId xmlns:a16="http://schemas.microsoft.com/office/drawing/2014/main" id="{A3BCDC4B-909F-346D-ED73-4E49B4137FC2}"/>
+              </a:ext>
+            </a:extLst>
+          </p:cNvPr>
+          <p:cNvCxnSpPr>
+            <a:stCxn id="10" idx="2"/>
+            <a:endCxn id="11" idx="1"/>
+          </p:cNvCxnSpPr>
+          <p:nvPr/>
+        </p:nvCxnSpPr>
+        <p:spPr>
+          <a:xfrm rot="16200000" flipH="1">
+            <a:off x="1895097" y="2511518"/>
+            <a:ext cx="2342272" cy="1751351"/>
+          </a:xfrm>
+          <a:prstGeom prst="curvedConnector2">
+            <a:avLst/>
+          </a:prstGeom>
+          <a:ln>
+            <a:tailEnd type="triangle"/>
+          </a:ln>
+        </p:spPr>
+        <p:style>
+          <a:lnRef idx="1">
+            <a:schemeClr val="accent1"/>
+          </a:lnRef>
+          <a:fillRef idx="0">
+            <a:schemeClr val="accent1"/>
+          </a:fillRef>
+          <a:effectRef idx="0">
+            <a:schemeClr val="accent1"/>
+          </a:effectRef>
+          <a:fontRef idx="minor">
+            <a:schemeClr val="tx1"/>
+          </a:fontRef>
+        </p:style>
+      </p:cxnSp>
+      <p:sp>
+        <p:nvSpPr>
+          <p:cNvPr id="2" name="Slide Number Placeholder 4">
+            <a:extLst>
+              <a:ext uri="{FF2B5EF4-FFF2-40B4-BE49-F238E27FC236}">
+                <a16:creationId xmlns:a16="http://schemas.microsoft.com/office/drawing/2014/main" id="{42320851-7177-3E13-77EC-84A1C3548253}"/>
+              </a:ext>
+            </a:extLst>
+          </p:cNvPr>
+          <p:cNvSpPr txBox="1">
+            <a:spLocks/>
+          </p:cNvSpPr>
+          <p:nvPr/>
+        </p:nvSpPr>
+        <p:spPr>
+          <a:xfrm>
+            <a:off x="7618000" y="4636500"/>
+            <a:ext cx="1487400" cy="315600"/>
+          </a:xfrm>
+          <a:prstGeom prst="rect">
+            <a:avLst/>
+          </a:prstGeom>
+          <a:noFill/>
+          <a:ln>
+            <a:noFill/>
+          </a:ln>
+        </p:spPr>
+        <p:txBody>
+          <a:bodyPr spcFirstLastPara="1" wrap="square" lIns="91425" tIns="91425" rIns="91425" bIns="91425" anchor="ctr" anchorCtr="0">
+            <a:noAutofit/>
+          </a:bodyPr>
+          <a:lstStyle>
+            <a:defPPr marR="0" lvl="0" algn="l" rtl="0">
+              <a:lnSpc>
+                <a:spcPct val="100000"/>
+              </a:lnSpc>
+              <a:spcBef>
+                <a:spcPts val="0"/>
+              </a:spcBef>
+              <a:spcAft>
+                <a:spcPts val="0"/>
+              </a:spcAft>
+            </a:defPPr>
+            <a:lvl1pPr marR="0" lvl="0" algn="r" rtl="0">
+              <a:lnSpc>
+                <a:spcPct val="100000"/>
+              </a:lnSpc>
+              <a:spcBef>
+                <a:spcPts val="0"/>
+              </a:spcBef>
+              <a:spcAft>
+                <a:spcPts val="0"/>
+              </a:spcAft>
+              <a:buClr>
+                <a:srgbClr val="000000"/>
+              </a:buClr>
+              <a:buFont typeface="Arial"/>
+              <a:buNone/>
+              <a:defRPr sz="1200" b="1" i="0" u="none" strike="noStrike" cap="none">
+                <a:solidFill>
+                  <a:schemeClr val="lt1"/>
+                </a:solidFill>
+                <a:latin typeface="Roboto Condensed"/>
+                <a:ea typeface="Roboto Condensed"/>
+                <a:cs typeface="Roboto Condensed"/>
+                <a:sym typeface="Roboto Condensed"/>
+              </a:defRPr>
+            </a:lvl1pPr>
+            <a:lvl2pPr marR="0" lvl="1" algn="r" rtl="0">
+              <a:lnSpc>
+                <a:spcPct val="100000"/>
+              </a:lnSpc>
+              <a:spcBef>
+                <a:spcPts val="0"/>
+              </a:spcBef>
+              <a:spcAft>
+                <a:spcPts val="0"/>
+              </a:spcAft>
+              <a:buClr>
+                <a:srgbClr val="000000"/>
+              </a:buClr>
+              <a:buFont typeface="Arial"/>
+              <a:buNone/>
+              <a:defRPr sz="1200" b="1" i="0" u="none" strike="noStrike" cap="none">
+                <a:solidFill>
+                  <a:schemeClr val="lt1"/>
+                </a:solidFill>
+                <a:latin typeface="Roboto Condensed"/>
+                <a:ea typeface="Roboto Condensed"/>
+                <a:cs typeface="Roboto Condensed"/>
+                <a:sym typeface="Roboto Condensed"/>
+              </a:defRPr>
+            </a:lvl2pPr>
+            <a:lvl3pPr marR="0" lvl="2" algn="r" rtl="0">
+              <a:lnSpc>
+                <a:spcPct val="100000"/>
+              </a:lnSpc>
+              <a:spcBef>
+                <a:spcPts val="0"/>
+              </a:spcBef>
+              <a:spcAft>
+                <a:spcPts val="0"/>
+              </a:spcAft>
+              <a:buClr>
+                <a:srgbClr val="000000"/>
+              </a:buClr>
+              <a:buFont typeface="Arial"/>
+              <a:buNone/>
+              <a:defRPr sz="1200" b="1" i="0" u="none" strike="noStrike" cap="none">
+                <a:solidFill>
+                  <a:schemeClr val="lt1"/>
+                </a:solidFill>
+                <a:latin typeface="Roboto Condensed"/>
+                <a:ea typeface="Roboto Condensed"/>
+                <a:cs typeface="Roboto Condensed"/>
+                <a:sym typeface="Roboto Condensed"/>
+              </a:defRPr>
+            </a:lvl3pPr>
+            <a:lvl4pPr marR="0" lvl="3" algn="r" rtl="0">
+              <a:lnSpc>
+                <a:spcPct val="100000"/>
+              </a:lnSpc>
+              <a:spcBef>
+                <a:spcPts val="0"/>
+              </a:spcBef>
+              <a:spcAft>
+                <a:spcPts val="0"/>
+              </a:spcAft>
+              <a:buClr>
+                <a:srgbClr val="000000"/>
+              </a:buClr>
+              <a:buFont typeface="Arial"/>
+              <a:buNone/>
+              <a:defRPr sz="1200" b="1" i="0" u="none" strike="noStrike" cap="none">
+                <a:solidFill>
+                  <a:schemeClr val="lt1"/>
+                </a:solidFill>
+                <a:latin typeface="Roboto Condensed"/>
+                <a:ea typeface="Roboto Condensed"/>
+                <a:cs typeface="Roboto Condensed"/>
+                <a:sym typeface="Roboto Condensed"/>
+              </a:defRPr>
+            </a:lvl4pPr>
+            <a:lvl5pPr marR="0" lvl="4" algn="r" rtl="0">
+              <a:lnSpc>
+                <a:spcPct val="100000"/>
+              </a:lnSpc>
+              <a:spcBef>
+                <a:spcPts val="0"/>
+              </a:spcBef>
+              <a:spcAft>
+                <a:spcPts val="0"/>
+              </a:spcAft>
+              <a:buClr>
+                <a:srgbClr val="000000"/>
+              </a:buClr>
+              <a:buFont typeface="Arial"/>
+              <a:buNone/>
+              <a:defRPr sz="1200" b="1" i="0" u="none" strike="noStrike" cap="none">
+                <a:solidFill>
+                  <a:schemeClr val="lt1"/>
+                </a:solidFill>
+                <a:latin typeface="Roboto Condensed"/>
+                <a:ea typeface="Roboto Condensed"/>
+                <a:cs typeface="Roboto Condensed"/>
+                <a:sym typeface="Roboto Condensed"/>
+              </a:defRPr>
+            </a:lvl5pPr>
+            <a:lvl6pPr marR="0" lvl="5" algn="r" rtl="0">
+              <a:lnSpc>
+                <a:spcPct val="100000"/>
+              </a:lnSpc>
+              <a:spcBef>
+                <a:spcPts val="0"/>
+              </a:spcBef>
+              <a:spcAft>
+                <a:spcPts val="0"/>
+              </a:spcAft>
+              <a:buClr>
+                <a:srgbClr val="000000"/>
+              </a:buClr>
+              <a:buFont typeface="Arial"/>
+              <a:buNone/>
+              <a:defRPr sz="1200" b="1" i="0" u="none" strike="noStrike" cap="none">
+                <a:solidFill>
+                  <a:schemeClr val="lt1"/>
+                </a:solidFill>
+                <a:latin typeface="Roboto Condensed"/>
+                <a:ea typeface="Roboto Condensed"/>
+                <a:cs typeface="Roboto Condensed"/>
+                <a:sym typeface="Roboto Condensed"/>
+              </a:defRPr>
+            </a:lvl6pPr>
+            <a:lvl7pPr marR="0" lvl="6" algn="r" rtl="0">
+              <a:lnSpc>
+                <a:spcPct val="100000"/>
+              </a:lnSpc>
+              <a:spcBef>
+                <a:spcPts val="0"/>
+              </a:spcBef>
+              <a:spcAft>
+                <a:spcPts val="0"/>
+              </a:spcAft>
+              <a:buClr>
+                <a:srgbClr val="000000"/>
+              </a:buClr>
+              <a:buFont typeface="Arial"/>
+              <a:buNone/>
+              <a:defRPr sz="1200" b="1" i="0" u="none" strike="noStrike" cap="none">
+                <a:solidFill>
+                  <a:schemeClr val="lt1"/>
+                </a:solidFill>
+                <a:latin typeface="Roboto Condensed"/>
+                <a:ea typeface="Roboto Condensed"/>
+                <a:cs typeface="Roboto Condensed"/>
+                <a:sym typeface="Roboto Condensed"/>
+              </a:defRPr>
+            </a:lvl7pPr>
+            <a:lvl8pPr marR="0" lvl="7" algn="r" rtl="0">
+              <a:lnSpc>
+                <a:spcPct val="100000"/>
+              </a:lnSpc>
+              <a:spcBef>
+                <a:spcPts val="0"/>
+              </a:spcBef>
+              <a:spcAft>
+                <a:spcPts val="0"/>
+              </a:spcAft>
+              <a:buClr>
+                <a:srgbClr val="000000"/>
+              </a:buClr>
+              <a:buFont typeface="Arial"/>
+              <a:buNone/>
+              <a:defRPr sz="1200" b="1" i="0" u="none" strike="noStrike" cap="none">
+                <a:solidFill>
+                  <a:schemeClr val="lt1"/>
+                </a:solidFill>
+                <a:latin typeface="Roboto Condensed"/>
+                <a:ea typeface="Roboto Condensed"/>
+                <a:cs typeface="Roboto Condensed"/>
+                <a:sym typeface="Roboto Condensed"/>
+              </a:defRPr>
+            </a:lvl8pPr>
+            <a:lvl9pPr marR="0" lvl="8" algn="r" rtl="0">
+              <a:lnSpc>
+                <a:spcPct val="100000"/>
+              </a:lnSpc>
+              <a:spcBef>
+                <a:spcPts val="0"/>
+              </a:spcBef>
+              <a:spcAft>
+                <a:spcPts val="0"/>
+              </a:spcAft>
+              <a:buClr>
+                <a:srgbClr val="000000"/>
+              </a:buClr>
+              <a:buFont typeface="Arial"/>
+              <a:buNone/>
+              <a:defRPr sz="1200" b="1" i="0" u="none" strike="noStrike" cap="none">
+                <a:solidFill>
+                  <a:schemeClr val="lt1"/>
+                </a:solidFill>
+                <a:latin typeface="Roboto Condensed"/>
+                <a:ea typeface="Roboto Condensed"/>
+                <a:cs typeface="Roboto Condensed"/>
+                <a:sym typeface="Roboto Condensed"/>
+              </a:defRPr>
+            </a:lvl9pPr>
+          </a:lstStyle>
+          <a:p>
+            <a:fld id="{00000000-1234-1234-1234-123412341234}" type="slidenum">
+              <a:rPr lang="en" smtClean="0"/>
+              <a:pPr/>
+              <a:t>13</a:t>
+            </a:fld>
+            <a:r>
+              <a:rPr lang="en" dirty="0"/>
+              <a:t>/14</a:t>
+            </a:r>
+          </a:p>
+        </p:txBody>
+      </p:sp>
+      <p:cxnSp>
+        <p:nvCxnSpPr>
+          <p:cNvPr id="41" name="Connector: Curved 40">
+            <a:extLst>
+              <a:ext uri="{FF2B5EF4-FFF2-40B4-BE49-F238E27FC236}">
+                <a16:creationId xmlns:a16="http://schemas.microsoft.com/office/drawing/2014/main" id="{96EC44A1-ED1A-B30A-B280-65BF54073E05}"/>
+              </a:ext>
+            </a:extLst>
+          </p:cNvPr>
+          <p:cNvCxnSpPr>
+            <a:stCxn id="12" idx="2"/>
+            <a:endCxn id="10" idx="0"/>
+          </p:cNvCxnSpPr>
+          <p:nvPr/>
+        </p:nvCxnSpPr>
+        <p:spPr>
+          <a:xfrm rot="5400000">
+            <a:off x="3091331" y="143718"/>
+            <a:ext cx="579896" cy="2381442"/>
+          </a:xfrm>
+          <a:prstGeom prst="curvedConnector3">
+            <a:avLst/>
+          </a:prstGeom>
+          <a:ln>
+            <a:tailEnd type="triangle"/>
+          </a:ln>
+        </p:spPr>
+        <p:style>
+          <a:lnRef idx="1">
+            <a:schemeClr val="accent1"/>
+          </a:lnRef>
+          <a:fillRef idx="0">
+            <a:schemeClr val="accent1"/>
+          </a:fillRef>
+          <a:effectRef idx="0">
+            <a:schemeClr val="accent1"/>
+          </a:effectRef>
+          <a:fontRef idx="minor">
+            <a:schemeClr val="tx1"/>
+          </a:fontRef>
+        </p:style>
+      </p:cxnSp>
+      <p:cxnSp>
+        <p:nvCxnSpPr>
+          <p:cNvPr id="192" name="Connector: Curved 191">
+            <a:extLst>
+              <a:ext uri="{FF2B5EF4-FFF2-40B4-BE49-F238E27FC236}">
+                <a16:creationId xmlns:a16="http://schemas.microsoft.com/office/drawing/2014/main" id="{1AD6C19E-2CC3-C45B-4A11-52BE6109A277}"/>
+              </a:ext>
+            </a:extLst>
+          </p:cNvPr>
+          <p:cNvCxnSpPr>
+            <a:cxnSpLocks/>
+            <a:stCxn id="8" idx="1"/>
+            <a:endCxn id="7" idx="0"/>
+          </p:cNvCxnSpPr>
+          <p:nvPr/>
+        </p:nvCxnSpPr>
+        <p:spPr>
+          <a:xfrm rot="10800000" flipV="1">
+            <a:off x="4579685" y="1975770"/>
+            <a:ext cx="463821" cy="480575"/>
+          </a:xfrm>
+          <a:prstGeom prst="curvedConnector2">
+            <a:avLst/>
+          </a:prstGeom>
+          <a:ln>
+            <a:tailEnd type="triangle"/>
+          </a:ln>
+        </p:spPr>
+        <p:style>
+          <a:lnRef idx="1">
+            <a:schemeClr val="accent1"/>
+          </a:lnRef>
+          <a:fillRef idx="0">
+            <a:schemeClr val="accent1"/>
+          </a:fillRef>
+          <a:effectRef idx="0">
+            <a:schemeClr val="accent1"/>
+          </a:effectRef>
+          <a:fontRef idx="minor">
+            <a:schemeClr val="tx1"/>
+          </a:fontRef>
+        </p:style>
+      </p:cxnSp>
+      <p:cxnSp>
+        <p:nvCxnSpPr>
+          <p:cNvPr id="196" name="Connector: Curved 195">
+            <a:extLst>
+              <a:ext uri="{FF2B5EF4-FFF2-40B4-BE49-F238E27FC236}">
+                <a16:creationId xmlns:a16="http://schemas.microsoft.com/office/drawing/2014/main" id="{FEC68094-4784-526A-826C-7E0698C388C3}"/>
+              </a:ext>
+            </a:extLst>
+          </p:cNvPr>
+          <p:cNvCxnSpPr>
+            <a:stCxn id="7" idx="2"/>
+            <a:endCxn id="13" idx="0"/>
+          </p:cNvCxnSpPr>
+          <p:nvPr/>
+        </p:nvCxnSpPr>
+        <p:spPr>
+          <a:xfrm rot="5400000">
+            <a:off x="3972042" y="2902951"/>
+            <a:ext cx="462576" cy="752708"/>
+          </a:xfrm>
+          <a:prstGeom prst="curvedConnector3">
+            <a:avLst/>
+          </a:prstGeom>
+          <a:ln>
+            <a:tailEnd type="triangle"/>
+          </a:ln>
+        </p:spPr>
+        <p:style>
+          <a:lnRef idx="1">
+            <a:schemeClr val="accent1"/>
+          </a:lnRef>
+          <a:fillRef idx="0">
+            <a:schemeClr val="accent1"/>
+          </a:fillRef>
+          <a:effectRef idx="0">
+            <a:schemeClr val="accent1"/>
+          </a:effectRef>
+          <a:fontRef idx="minor">
+            <a:schemeClr val="tx1"/>
+          </a:fontRef>
+        </p:style>
+      </p:cxnSp>
+      <p:cxnSp>
+        <p:nvCxnSpPr>
+          <p:cNvPr id="198" name="Connector: Curved 197">
+            <a:extLst>
+              <a:ext uri="{FF2B5EF4-FFF2-40B4-BE49-F238E27FC236}">
+                <a16:creationId xmlns:a16="http://schemas.microsoft.com/office/drawing/2014/main" id="{20EA595D-26BD-CAA6-ED75-8D0BBBB894C6}"/>
+              </a:ext>
+            </a:extLst>
+          </p:cNvPr>
+          <p:cNvCxnSpPr>
+            <a:cxnSpLocks/>
+            <a:stCxn id="10" idx="2"/>
+            <a:endCxn id="13" idx="0"/>
+          </p:cNvCxnSpPr>
+          <p:nvPr/>
+        </p:nvCxnSpPr>
+        <p:spPr>
+          <a:xfrm rot="16200000" flipH="1">
+            <a:off x="2361500" y="2045116"/>
+            <a:ext cx="1294535" cy="1636418"/>
+          </a:xfrm>
+          <a:prstGeom prst="curvedConnector3">
+            <a:avLst>
+              <a:gd name="adj1" fmla="val 50000"/>
+            </a:avLst>
+          </a:prstGeom>
+          <a:ln>
+            <a:tailEnd type="triangle"/>
+          </a:ln>
+        </p:spPr>
+        <p:style>
+          <a:lnRef idx="1">
+            <a:schemeClr val="accent1"/>
+          </a:lnRef>
+          <a:fillRef idx="0">
+            <a:schemeClr val="accent1"/>
+          </a:fillRef>
+          <a:effectRef idx="0">
+            <a:schemeClr val="accent1"/>
+          </a:effectRef>
+          <a:fontRef idx="minor">
+            <a:schemeClr val="tx1"/>
+          </a:fontRef>
+        </p:style>
+      </p:cxnSp>
+      <p:cxnSp>
+        <p:nvCxnSpPr>
+          <p:cNvPr id="205" name="Connector: Curved 204">
+            <a:extLst>
+              <a:ext uri="{FF2B5EF4-FFF2-40B4-BE49-F238E27FC236}">
+                <a16:creationId xmlns:a16="http://schemas.microsoft.com/office/drawing/2014/main" id="{D88B21D8-F84B-C760-2744-67A7299BC1A2}"/>
+              </a:ext>
+            </a:extLst>
+          </p:cNvPr>
+          <p:cNvCxnSpPr>
+            <a:stCxn id="7" idx="2"/>
+            <a:endCxn id="6" idx="0"/>
+          </p:cNvCxnSpPr>
+          <p:nvPr/>
+        </p:nvCxnSpPr>
+        <p:spPr>
+          <a:xfrm rot="16200000" flipH="1">
+            <a:off x="4702432" y="2925268"/>
+            <a:ext cx="459321" cy="704817"/>
+          </a:xfrm>
+          <a:prstGeom prst="curvedConnector3">
+            <a:avLst/>
+          </a:prstGeom>
+          <a:ln>
+            <a:tailEnd type="triangle"/>
+          </a:ln>
+        </p:spPr>
+        <p:style>
+          <a:lnRef idx="1">
+            <a:schemeClr val="accent1"/>
+          </a:lnRef>
+          <a:fillRef idx="0">
+            <a:schemeClr val="accent1"/>
+          </a:fillRef>
+          <a:effectRef idx="0">
+            <a:schemeClr val="accent1"/>
+          </a:effectRef>
+          <a:fontRef idx="minor">
+            <a:schemeClr val="tx1"/>
+          </a:fontRef>
+        </p:style>
+      </p:cxnSp>
+    </p:spTree>
+  </p:cSld>
+  <p:clrMapOvr>
+    <a:masterClrMapping/>
+  </p:clrMapOvr>
+</p:sld>
+</file>
+
+<file path=ppt/slides/slide14.xml><?xml version="1.0" encoding="utf-8"?>
+<p:sld xmlns:a="http://schemas.openxmlformats.org/drawingml/2006/main" xmlns:r="http://schemas.openxmlformats.org/officeDocument/2006/relationships" xmlns:p="http://schemas.openxmlformats.org/presentationml/2006/main">
+  <p:cSld>
+    <p:spTree>
+      <p:nvGrpSpPr>
+        <p:cNvPr id="1" name="Shape 522"/>
+        <p:cNvGrpSpPr/>
+        <p:nvPr/>
+      </p:nvGrpSpPr>
+      <p:grpSpPr>
+        <a:xfrm>
+          <a:off x="0" y="0"/>
+          <a:ext cx="0" cy="0"/>
+          <a:chOff x="0" y="0"/>
+          <a:chExt cx="0" cy="0"/>
+        </a:xfrm>
+      </p:grpSpPr>
+      <p:sp>
+        <p:nvSpPr>
+          <p:cNvPr id="524" name="Google Shape;524;p33"/>
+          <p:cNvSpPr txBox="1">
+            <a:spLocks noGrp="1"/>
+          </p:cNvSpPr>
+          <p:nvPr>
+            <p:ph type="ctrTitle" idx="4294967295"/>
+          </p:nvPr>
+        </p:nvSpPr>
+        <p:spPr>
+          <a:xfrm>
+            <a:off x="1275150" y="1849200"/>
+            <a:ext cx="6593700" cy="1159800"/>
+          </a:xfrm>
+          <a:prstGeom prst="rect">
+            <a:avLst/>
+          </a:prstGeom>
+        </p:spPr>
+        <p:txBody>
+          <a:bodyPr spcFirstLastPara="1" wrap="square" lIns="91425" tIns="91425" rIns="91425" bIns="91425" anchor="ctr" anchorCtr="0">
+            <a:noAutofit/>
+          </a:bodyPr>
+          <a:lstStyle/>
+          <a:p>
+            <a:pPr marL="0" lvl="0" indent="0" algn="ctr" rtl="0">
+              <a:spcBef>
+                <a:spcPts val="0"/>
+              </a:spcBef>
+              <a:spcAft>
+                <a:spcPts val="0"/>
+              </a:spcAft>
+              <a:buNone/>
+            </a:pPr>
+            <a:r>
+              <a:rPr lang="en" sz="6000" dirty="0">
+                <a:solidFill>
+                  <a:schemeClr val="accent5"/>
+                </a:solidFill>
+              </a:rPr>
+              <a:t>THANK You!</a:t>
+            </a:r>
+            <a:endParaRPr sz="6000" dirty="0">
+              <a:solidFill>
+                <a:schemeClr val="accent5"/>
+              </a:solidFill>
+            </a:endParaRPr>
+          </a:p>
+        </p:txBody>
+      </p:sp>
+      <p:sp>
+        <p:nvSpPr>
+          <p:cNvPr id="525" name="Google Shape;525;p33"/>
+          <p:cNvSpPr txBox="1">
+            <a:spLocks noGrp="1"/>
+          </p:cNvSpPr>
+          <p:nvPr>
+            <p:ph type="subTitle" idx="4294967295"/>
+          </p:nvPr>
+        </p:nvSpPr>
+        <p:spPr>
+          <a:xfrm>
+            <a:off x="1275150" y="2648590"/>
+            <a:ext cx="6593700" cy="1342200"/>
+          </a:xfrm>
+          <a:prstGeom prst="rect">
+            <a:avLst/>
+          </a:prstGeom>
+        </p:spPr>
+        <p:txBody>
+          <a:bodyPr spcFirstLastPara="1" wrap="square" lIns="91425" tIns="91425" rIns="91425" bIns="91425" anchor="ctr" anchorCtr="0">
+            <a:noAutofit/>
+          </a:bodyPr>
+          <a:lstStyle/>
+          <a:p>
+            <a:pPr marL="0" lvl="0" indent="0" algn="ctr" rtl="0">
+              <a:spcBef>
+                <a:spcPts val="0"/>
+              </a:spcBef>
+              <a:spcAft>
+                <a:spcPts val="0"/>
+              </a:spcAft>
+              <a:buNone/>
+            </a:pPr>
+            <a:r>
+              <a:rPr lang="en" sz="2000" b="1" dirty="0"/>
+              <a:t>Any questions?</a:t>
+            </a:r>
+            <a:endParaRPr sz="2000" b="1" dirty="0"/>
+          </a:p>
+        </p:txBody>
+      </p:sp>
+      <p:sp>
+        <p:nvSpPr>
+          <p:cNvPr id="3" name="Slide Number Placeholder 4">
+            <a:extLst>
+              <a:ext uri="{FF2B5EF4-FFF2-40B4-BE49-F238E27FC236}">
+                <a16:creationId xmlns:a16="http://schemas.microsoft.com/office/drawing/2014/main" id="{93CF12E6-2F04-6F88-6225-F817FA56E5A2}"/>
+              </a:ext>
+            </a:extLst>
+          </p:cNvPr>
+          <p:cNvSpPr>
+            <a:spLocks noGrp="1"/>
+          </p:cNvSpPr>
+          <p:nvPr>
+            <p:ph type="sldNum" idx="12"/>
+          </p:nvPr>
+        </p:nvSpPr>
+        <p:spPr>
+          <a:xfrm>
+            <a:off x="7618000" y="4636500"/>
+            <a:ext cx="1487400" cy="315600"/>
+          </a:xfrm>
+        </p:spPr>
+        <p:txBody>
+          <a:bodyPr/>
+          <a:lstStyle/>
+          <a:p>
+            <a:pPr marL="0" lvl="0" indent="0" algn="r" rtl="0">
+              <a:spcBef>
+                <a:spcPts val="0"/>
+              </a:spcBef>
+              <a:spcAft>
+                <a:spcPts val="0"/>
+              </a:spcAft>
+              <a:buNone/>
+            </a:pPr>
+            <a:fld id="{00000000-1234-1234-1234-123412341234}" type="slidenum">
+              <a:rPr lang="en" smtClean="0"/>
+              <a:t>14</a:t>
+            </a:fld>
+            <a:r>
+              <a:rPr lang="en" dirty="0"/>
+              <a:t>/14</a:t>
+            </a:r>
+          </a:p>
+        </p:txBody>
+      </p:sp>
+    </p:spTree>
+  </p:cSld>
+  <p:clrMapOvr>
+    <a:masterClrMapping/>
+  </p:clrMapOvr>
+</p:sld>
+</file>
+
+<file path=ppt/slides/slide2.xml><?xml version="1.0" encoding="utf-8"?>
+<p:sld xmlns:a="http://schemas.openxmlformats.org/drawingml/2006/main" xmlns:r="http://schemas.openxmlformats.org/officeDocument/2006/relationships" xmlns:p="http://schemas.openxmlformats.org/presentationml/2006/main">
+  <p:cSld>
+    <p:spTree>
+      <p:nvGrpSpPr>
+        <p:cNvPr id="1" name="Shape 235"/>
+        <p:cNvGrpSpPr/>
+        <p:nvPr/>
+      </p:nvGrpSpPr>
+      <p:grpSpPr>
+        <a:xfrm>
+          <a:off x="0" y="0"/>
+          <a:ext cx="0" cy="0"/>
+          <a:chOff x="0" y="0"/>
+          <a:chExt cx="0" cy="0"/>
+        </a:xfrm>
+      </p:grpSpPr>
+      <p:pic>
+        <p:nvPicPr>
+          <p:cNvPr id="3" name="Picture 2">
+            <a:extLst>
+              <a:ext uri="{FF2B5EF4-FFF2-40B4-BE49-F238E27FC236}">
+                <a16:creationId xmlns:a16="http://schemas.microsoft.com/office/drawing/2014/main" id="{A0FF39CB-14BA-48DE-8B49-206886FF504A}"/>
+              </a:ext>
+            </a:extLst>
+          </p:cNvPr>
+          <p:cNvPicPr>
+            <a:picLocks noChangeAspect="1"/>
+          </p:cNvPicPr>
+          <p:nvPr/>
+        </p:nvPicPr>
+        <p:blipFill>
+          <a:blip r:embed="rId3"/>
+          <a:stretch>
+            <a:fillRect/>
+          </a:stretch>
+        </p:blipFill>
+        <p:spPr>
+          <a:xfrm>
+            <a:off x="246919" y="2075244"/>
+            <a:ext cx="4678676" cy="2876856"/>
+          </a:xfrm>
+          <a:prstGeom prst="rect">
+            <a:avLst/>
+          </a:prstGeom>
+        </p:spPr>
+      </p:pic>
+      <p:sp>
+        <p:nvSpPr>
+          <p:cNvPr id="236" name="Google Shape;236;p16"/>
+          <p:cNvSpPr txBox="1">
+            <a:spLocks noGrp="1"/>
+          </p:cNvSpPr>
+          <p:nvPr>
+            <p:ph type="title"/>
+          </p:nvPr>
+        </p:nvSpPr>
+        <p:spPr>
+          <a:xfrm>
+            <a:off x="814275" y="392575"/>
+            <a:ext cx="5492400" cy="766200"/>
+          </a:xfrm>
+          <a:prstGeom prst="rect">
+            <a:avLst/>
+          </a:prstGeom>
+        </p:spPr>
+        <p:txBody>
+          <a:bodyPr spcFirstLastPara="1" wrap="square" lIns="91425" tIns="91425" rIns="91425" bIns="91425" anchor="ctr" anchorCtr="0">
+            <a:noAutofit/>
+          </a:bodyPr>
+          <a:lstStyle/>
+          <a:p>
+            <a:pPr marL="0" lvl="0" indent="0" algn="l" rtl="0">
+              <a:spcBef>
+                <a:spcPts val="0"/>
+              </a:spcBef>
+              <a:spcAft>
+                <a:spcPts val="0"/>
+              </a:spcAft>
+              <a:buNone/>
+            </a:pPr>
+            <a:r>
+              <a:rPr lang="en" dirty="0"/>
+              <a:t>Introduction</a:t>
+            </a:r>
+            <a:endParaRPr dirty="0"/>
+          </a:p>
+        </p:txBody>
+      </p:sp>
+      <p:sp>
+        <p:nvSpPr>
+          <p:cNvPr id="237" name="Google Shape;237;p16"/>
+          <p:cNvSpPr txBox="1">
+            <a:spLocks noGrp="1"/>
+          </p:cNvSpPr>
+          <p:nvPr>
+            <p:ph type="body" idx="1"/>
+          </p:nvPr>
+        </p:nvSpPr>
+        <p:spPr>
+          <a:xfrm>
+            <a:off x="814274" y="1327350"/>
+            <a:ext cx="6447137" cy="3145500"/>
+          </a:xfrm>
+          <a:prstGeom prst="rect">
+            <a:avLst/>
+          </a:prstGeom>
+        </p:spPr>
+        <p:txBody>
+          <a:bodyPr spcFirstLastPara="1" wrap="square" lIns="91425" tIns="91425" rIns="91425" bIns="91425" anchor="t" anchorCtr="0">
+            <a:noAutofit/>
+          </a:bodyPr>
+          <a:lstStyle/>
+          <a:p>
+            <a:pPr marL="457200" lvl="0" indent="-381000" algn="l" rtl="0">
+              <a:spcBef>
+                <a:spcPts val="0"/>
+              </a:spcBef>
+              <a:spcAft>
+                <a:spcPts val="0"/>
+              </a:spcAft>
+              <a:buSzPts val="2400"/>
+              <a:buChar char="▰"/>
+            </a:pPr>
+            <a:r>
+              <a:rPr lang="en-US" sz="1600" dirty="0">
+                <a:latin typeface="Arial Nova" panose="020F0502020204030204" pitchFamily="34" charset="0"/>
+                <a:ea typeface="+mn-lt"/>
+                <a:cs typeface="+mn-lt"/>
+              </a:rPr>
+              <a:t>Calculate the current required for each of the 3 pairs of coils of a three-axis Helmholtz coil system to achieve the</a:t>
+            </a:r>
+            <a:r>
+              <a:rPr lang="en-US" sz="1600" dirty="0">
+                <a:latin typeface="Arial Nova" panose="020F0502020204030204" pitchFamily="34" charset="0"/>
+              </a:rPr>
+              <a:t> target magnetic force and torque at the center.</a:t>
+            </a:r>
+          </a:p>
+          <a:p>
+            <a:pPr marL="457200" lvl="0" indent="-381000" algn="l" rtl="0">
+              <a:spcBef>
+                <a:spcPts val="0"/>
+              </a:spcBef>
+              <a:spcAft>
+                <a:spcPts val="0"/>
+              </a:spcAft>
+              <a:buSzPts val="2400"/>
+              <a:buChar char="▰"/>
+            </a:pPr>
+            <a:endParaRPr lang="en-US" sz="1600" dirty="0">
+              <a:latin typeface="Arial Nova" panose="020F0502020204030204" pitchFamily="34" charset="0"/>
+            </a:endParaRPr>
+          </a:p>
+          <a:p>
+            <a:pPr marL="457200" lvl="0" indent="-381000" algn="l" rtl="0">
+              <a:spcBef>
+                <a:spcPts val="0"/>
+              </a:spcBef>
+              <a:spcAft>
+                <a:spcPts val="0"/>
+              </a:spcAft>
+              <a:buSzPts val="2400"/>
+              <a:buChar char="▰"/>
+            </a:pPr>
+            <a:endParaRPr sz="1600" dirty="0">
+              <a:latin typeface="Arial Nova" panose="020F0502020204030204" pitchFamily="34" charset="0"/>
+            </a:endParaRPr>
+          </a:p>
+        </p:txBody>
+      </p:sp>
+      <p:sp>
+        <p:nvSpPr>
+          <p:cNvPr id="238" name="Google Shape;238;p16"/>
+          <p:cNvSpPr txBox="1">
+            <a:spLocks noGrp="1"/>
+          </p:cNvSpPr>
+          <p:nvPr>
+            <p:ph type="sldNum" idx="12"/>
+          </p:nvPr>
+        </p:nvSpPr>
+        <p:spPr>
+          <a:xfrm>
+            <a:off x="7618000" y="4636500"/>
+            <a:ext cx="1487400" cy="315600"/>
+          </a:xfrm>
+          <a:prstGeom prst="rect">
+            <a:avLst/>
+          </a:prstGeom>
+        </p:spPr>
+        <p:txBody>
+          <a:bodyPr spcFirstLastPara="1" wrap="square" lIns="91425" tIns="91425" rIns="91425" bIns="91425" anchor="ctr" anchorCtr="0">
+            <a:noAutofit/>
+          </a:bodyPr>
+          <a:lstStyle/>
+          <a:p>
+            <a:pPr marL="0" lvl="0" indent="0" algn="r" rtl="0">
+              <a:spcBef>
+                <a:spcPts val="0"/>
+              </a:spcBef>
+              <a:spcAft>
+                <a:spcPts val="0"/>
+              </a:spcAft>
+              <a:buNone/>
+            </a:pPr>
+            <a:fld id="{00000000-1234-1234-1234-123412341234}" type="slidenum">
+              <a:rPr lang="en" smtClean="0"/>
+              <a:t>2</a:t>
+            </a:fld>
+            <a:r>
+              <a:rPr lang="en" dirty="0"/>
+              <a:t>/14</a:t>
+            </a:r>
+            <a:endParaRPr dirty="0"/>
+          </a:p>
+        </p:txBody>
+      </p:sp>
+    </p:spTree>
+  </p:cSld>
+  <p:clrMapOvr>
+    <a:masterClrMapping/>
+  </p:clrMapOvr>
+</p:sld>
+</file>
+
+<file path=ppt/slides/slide3.xml><?xml version="1.0" encoding="utf-8"?>
+<p:sld xmlns:a="http://schemas.openxmlformats.org/drawingml/2006/main" xmlns:r="http://schemas.openxmlformats.org/officeDocument/2006/relationships" xmlns:p="http://schemas.openxmlformats.org/presentationml/2006/main">
+  <p:cSld>
+    <p:spTree>
+      <p:nvGrpSpPr>
+        <p:cNvPr id="1" name=""/>
+        <p:cNvGrpSpPr/>
+        <p:nvPr/>
+      </p:nvGrpSpPr>
+      <p:grpSpPr>
+        <a:xfrm>
+          <a:off x="0" y="0"/>
+          <a:ext cx="0" cy="0"/>
+          <a:chOff x="0" y="0"/>
+          <a:chExt cx="0" cy="0"/>
+        </a:xfrm>
+      </p:grpSpPr>
+      <p:sp>
+        <p:nvSpPr>
+          <p:cNvPr id="2" name="Title 1">
+            <a:extLst>
+              <a:ext uri="{FF2B5EF4-FFF2-40B4-BE49-F238E27FC236}">
+                <a16:creationId xmlns:a16="http://schemas.microsoft.com/office/drawing/2014/main" id="{6A631500-5AA0-43D2-352D-B5CED25798FF}"/>
+              </a:ext>
+            </a:extLst>
+          </p:cNvPr>
+          <p:cNvSpPr>
+            <a:spLocks noGrp="1"/>
+          </p:cNvSpPr>
+          <p:nvPr>
+            <p:ph type="title"/>
+          </p:nvPr>
+        </p:nvSpPr>
+        <p:spPr/>
+        <p:txBody>
+          <a:bodyPr/>
+          <a:lstStyle/>
+          <a:p>
+            <a:endParaRPr lang="en-US" dirty="0"/>
+          </a:p>
+        </p:txBody>
+      </p:sp>
+      <p:sp>
+        <p:nvSpPr>
+          <p:cNvPr id="5" name="Slide Number Placeholder 4">
+            <a:extLst>
+              <a:ext uri="{FF2B5EF4-FFF2-40B4-BE49-F238E27FC236}">
+                <a16:creationId xmlns:a16="http://schemas.microsoft.com/office/drawing/2014/main" id="{6EC4A460-0AD7-541D-6156-A75994767342}"/>
+              </a:ext>
+            </a:extLst>
+          </p:cNvPr>
+          <p:cNvSpPr>
+            <a:spLocks noGrp="1"/>
+          </p:cNvSpPr>
+          <p:nvPr>
+            <p:ph type="sldNum" idx="12"/>
+          </p:nvPr>
+        </p:nvSpPr>
+        <p:spPr/>
+        <p:txBody>
+          <a:bodyPr/>
+          <a:lstStyle/>
+          <a:p>
+            <a:pPr marL="0" lvl="0" indent="0" algn="r" rtl="0">
+              <a:spcBef>
+                <a:spcPts val="0"/>
+              </a:spcBef>
+              <a:spcAft>
+                <a:spcPts val="0"/>
+              </a:spcAft>
+              <a:buNone/>
+            </a:pPr>
+            <a:fld id="{00000000-1234-1234-1234-123412341234}" type="slidenum">
+              <a:rPr lang="en" smtClean="0"/>
+              <a:t>3</a:t>
+            </a:fld>
+            <a:r>
+              <a:rPr lang="en" dirty="0"/>
+              <a:t>/14</a:t>
+            </a:r>
+          </a:p>
+        </p:txBody>
+      </p:sp>
+      <p:graphicFrame>
+        <p:nvGraphicFramePr>
+          <p:cNvPr id="6" name="Table 5">
+            <a:extLst>
+              <a:ext uri="{FF2B5EF4-FFF2-40B4-BE49-F238E27FC236}">
+                <a16:creationId xmlns:a16="http://schemas.microsoft.com/office/drawing/2014/main" id="{1AC068BE-D220-E44A-399D-E0768AE6A4A0}"/>
+              </a:ext>
+            </a:extLst>
+          </p:cNvPr>
+          <p:cNvGraphicFramePr>
+            <a:graphicFrameLocks noGrp="1"/>
+          </p:cNvGraphicFramePr>
+          <p:nvPr>
+            <p:extLst>
+              <p:ext uri="{D42A27DB-BD31-4B8C-83A1-F6EECF244321}">
+                <p14:modId xmlns:p14="http://schemas.microsoft.com/office/powerpoint/2010/main" val="21485020"/>
+              </p:ext>
+            </p:extLst>
+          </p:nvPr>
+        </p:nvGraphicFramePr>
+        <p:xfrm>
+          <a:off x="755597" y="1830070"/>
+          <a:ext cx="6096000" cy="3084640"/>
+        </p:xfrm>
+        <a:graphic>
+          <a:graphicData uri="http://schemas.openxmlformats.org/drawingml/2006/table">
+            <a:tbl>
+              <a:tblPr firstRow="1" bandRow="1">
+                <a:tableStyleId>{17292A2E-F333-43FB-9621-5CBBE7FDCDCB}</a:tableStyleId>
+              </a:tblPr>
+              <a:tblGrid>
+                <a:gridCol w="3048000">
+                  <a:extLst>
+                    <a:ext uri="{9D8B030D-6E8A-4147-A177-3AD203B41FA5}">
+                      <a16:colId xmlns:a16="http://schemas.microsoft.com/office/drawing/2014/main" val="4052763119"/>
+                    </a:ext>
+                  </a:extLst>
+                </a:gridCol>
+                <a:gridCol w="3048000">
+                  <a:extLst>
+                    <a:ext uri="{9D8B030D-6E8A-4147-A177-3AD203B41FA5}">
+                      <a16:colId xmlns:a16="http://schemas.microsoft.com/office/drawing/2014/main" val="4102860638"/>
+                    </a:ext>
+                  </a:extLst>
+                </a:gridCol>
+              </a:tblGrid>
+              <a:tr h="370840">
+                <a:tc>
+                  <a:txBody>
+                    <a:bodyPr/>
+                    <a:lstStyle/>
+                    <a:p>
+                      <a:r>
+                        <a:rPr lang="en-US" sz="1400" dirty="0"/>
+                        <a:t>Level 1</a:t>
+                      </a:r>
+                    </a:p>
+                  </a:txBody>
+                  <a:tcPr>
+                    <a:lnL w="12700" cap="flat" cmpd="sng" algn="ctr">
+                      <a:solidFill>
+                        <a:schemeClr val="tx2"/>
+                      </a:solidFill>
+                      <a:prstDash val="solid"/>
+                      <a:round/>
+                      <a:headEnd type="none" w="med" len="med"/>
+                      <a:tailEnd type="none" w="med" len="med"/>
+                    </a:lnL>
+                    <a:lnR w="12700" cap="flat" cmpd="sng" algn="ctr">
+                      <a:solidFill>
+                        <a:schemeClr val="tx2"/>
+                      </a:solidFill>
+                      <a:prstDash val="solid"/>
+                      <a:round/>
+                      <a:headEnd type="none" w="med" len="med"/>
+                      <a:tailEnd type="none" w="med" len="med"/>
+                    </a:lnR>
+                    <a:lnT w="12700" cap="flat" cmpd="sng" algn="ctr">
+                      <a:solidFill>
+                        <a:schemeClr val="tx2"/>
+                      </a:solidFill>
+                      <a:prstDash val="solid"/>
+                      <a:round/>
+                      <a:headEnd type="none" w="med" len="med"/>
+                      <a:tailEnd type="none" w="med" len="med"/>
+                    </a:lnT>
+                    <a:lnB w="12700" cap="flat" cmpd="sng" algn="ctr">
+                      <a:solidFill>
+                        <a:schemeClr val="tx2"/>
+                      </a:solidFill>
+                      <a:prstDash val="solid"/>
+                      <a:round/>
+                      <a:headEnd type="none" w="med" len="med"/>
+                      <a:tailEnd type="none" w="med" len="med"/>
+                    </a:lnB>
+                  </a:tcPr>
+                </a:tc>
+                <a:tc>
+                  <a:txBody>
+                    <a:bodyPr/>
+                    <a:lstStyle/>
+                    <a:p>
+                      <a:r>
+                        <a:rPr lang="en-US" sz="1400" dirty="0"/>
+                        <a:t>Level 2</a:t>
+                      </a:r>
+                    </a:p>
+                  </a:txBody>
+                  <a:tcPr>
+                    <a:lnL w="12700" cap="flat" cmpd="sng" algn="ctr">
+                      <a:solidFill>
+                        <a:schemeClr val="tx2"/>
+                      </a:solidFill>
+                      <a:prstDash val="solid"/>
+                      <a:round/>
+                      <a:headEnd type="none" w="med" len="med"/>
+                      <a:tailEnd type="none" w="med" len="med"/>
+                    </a:lnL>
+                    <a:lnR w="12700" cap="flat" cmpd="sng" algn="ctr">
+                      <a:solidFill>
+                        <a:schemeClr val="tx2"/>
+                      </a:solidFill>
+                      <a:prstDash val="solid"/>
+                      <a:round/>
+                      <a:headEnd type="none" w="med" len="med"/>
+                      <a:tailEnd type="none" w="med" len="med"/>
+                    </a:lnR>
+                    <a:lnT w="12700" cap="flat" cmpd="sng" algn="ctr">
+                      <a:solidFill>
+                        <a:schemeClr val="tx2"/>
+                      </a:solidFill>
+                      <a:prstDash val="solid"/>
+                      <a:round/>
+                      <a:headEnd type="none" w="med" len="med"/>
+                      <a:tailEnd type="none" w="med" len="med"/>
+                    </a:lnT>
+                    <a:lnB w="12700" cap="flat" cmpd="sng" algn="ctr">
+                      <a:solidFill>
+                        <a:schemeClr val="tx2"/>
+                      </a:solidFill>
+                      <a:prstDash val="solid"/>
+                      <a:round/>
+                      <a:headEnd type="none" w="med" len="med"/>
+                      <a:tailEnd type="none" w="med" len="med"/>
+                    </a:lnB>
+                  </a:tcPr>
+                </a:tc>
+                <a:extLst>
+                  <a:ext uri="{0D108BD9-81ED-4DB2-BD59-A6C34878D82A}">
+                    <a16:rowId xmlns:a16="http://schemas.microsoft.com/office/drawing/2014/main" val="3499163293"/>
+                  </a:ext>
+                </a:extLst>
+              </a:tr>
+              <a:tr h="370840">
+                <a:tc>
+                  <a:txBody>
+                    <a:bodyPr/>
+                    <a:lstStyle/>
+                    <a:p>
+                      <a:pPr marL="0" marR="0" lvl="0" indent="0" algn="l" defTabSz="914400" rtl="0" eaLnBrk="1" fontAlgn="auto" latinLnBrk="0" hangingPunct="1">
+                        <a:lnSpc>
+                          <a:spcPct val="100000"/>
+                        </a:lnSpc>
+                        <a:spcBef>
+                          <a:spcPts val="0"/>
+                        </a:spcBef>
+                        <a:spcAft>
+                          <a:spcPts val="0"/>
+                        </a:spcAft>
+                        <a:buClr>
+                          <a:srgbClr val="000000"/>
+                        </a:buClr>
+                        <a:buSzTx/>
+                        <a:buFont typeface="Arial"/>
+                        <a:buNone/>
+                        <a:tabLst/>
+                        <a:defRPr/>
+                      </a:pPr>
+                      <a:r>
+                        <a:rPr lang="en-US" sz="1400" dirty="0"/>
+                        <a:t>Hardware Hiding Modules</a:t>
+                      </a:r>
+                    </a:p>
+                  </a:txBody>
+                  <a:tcPr>
+                    <a:lnL w="12700" cap="flat" cmpd="sng" algn="ctr">
+                      <a:solidFill>
+                        <a:schemeClr val="tx2"/>
+                      </a:solidFill>
+                      <a:prstDash val="solid"/>
+                      <a:round/>
+                      <a:headEnd type="none" w="med" len="med"/>
+                      <a:tailEnd type="none" w="med" len="med"/>
+                    </a:lnL>
+                    <a:lnR w="12700" cap="flat" cmpd="sng" algn="ctr">
+                      <a:solidFill>
+                        <a:schemeClr val="tx2"/>
+                      </a:solidFill>
+                      <a:prstDash val="solid"/>
+                      <a:round/>
+                      <a:headEnd type="none" w="med" len="med"/>
+                      <a:tailEnd type="none" w="med" len="med"/>
+                    </a:lnR>
+                    <a:lnT w="12700" cap="flat" cmpd="sng" algn="ctr">
+                      <a:solidFill>
+                        <a:schemeClr val="tx2"/>
+                      </a:solidFill>
+                      <a:prstDash val="solid"/>
+                      <a:round/>
+                      <a:headEnd type="none" w="med" len="med"/>
+                      <a:tailEnd type="none" w="med" len="med"/>
+                    </a:lnT>
+                    <a:lnB w="12700" cap="flat" cmpd="sng" algn="ctr">
+                      <a:solidFill>
+                        <a:schemeClr val="tx2"/>
+                      </a:solidFill>
+                      <a:prstDash val="solid"/>
+                      <a:round/>
+                      <a:headEnd type="none" w="med" len="med"/>
+                      <a:tailEnd type="none" w="med" len="med"/>
+                    </a:lnB>
+                  </a:tcPr>
+                </a:tc>
+                <a:tc>
+                  <a:txBody>
+                    <a:bodyPr/>
+                    <a:lstStyle/>
+                    <a:p>
+                      <a:endParaRPr lang="en-US" sz="1400" dirty="0"/>
+                    </a:p>
+                  </a:txBody>
+                  <a:tcPr>
+                    <a:lnL w="12700" cap="flat" cmpd="sng" algn="ctr">
+                      <a:solidFill>
+                        <a:schemeClr val="tx2"/>
+                      </a:solidFill>
+                      <a:prstDash val="solid"/>
+                      <a:round/>
+                      <a:headEnd type="none" w="med" len="med"/>
+                      <a:tailEnd type="none" w="med" len="med"/>
+                    </a:lnL>
+                    <a:lnR w="12700" cap="flat" cmpd="sng" algn="ctr">
+                      <a:solidFill>
+                        <a:schemeClr val="tx2"/>
+                      </a:solidFill>
+                      <a:prstDash val="solid"/>
+                      <a:round/>
+                      <a:headEnd type="none" w="med" len="med"/>
+                      <a:tailEnd type="none" w="med" len="med"/>
+                    </a:lnR>
+                    <a:lnT w="12700" cap="flat" cmpd="sng" algn="ctr">
+                      <a:solidFill>
+                        <a:schemeClr val="tx2"/>
+                      </a:solidFill>
+                      <a:prstDash val="solid"/>
+                      <a:round/>
+                      <a:headEnd type="none" w="med" len="med"/>
+                      <a:tailEnd type="none" w="med" len="med"/>
+                    </a:lnT>
+                    <a:lnB w="12700" cap="flat" cmpd="sng" algn="ctr">
+                      <a:solidFill>
+                        <a:schemeClr val="tx2"/>
+                      </a:solidFill>
+                      <a:prstDash val="solid"/>
+                      <a:round/>
+                      <a:headEnd type="none" w="med" len="med"/>
+                      <a:tailEnd type="none" w="med" len="med"/>
+                    </a:lnB>
+                  </a:tcPr>
+                </a:tc>
+                <a:extLst>
+                  <a:ext uri="{0D108BD9-81ED-4DB2-BD59-A6C34878D82A}">
+                    <a16:rowId xmlns:a16="http://schemas.microsoft.com/office/drawing/2014/main" val="366638094"/>
+                  </a:ext>
+                </a:extLst>
+              </a:tr>
+              <a:tr h="370840">
+                <a:tc>
+                  <a:txBody>
+                    <a:bodyPr/>
+                    <a:lstStyle/>
+                    <a:p>
+                      <a:pPr marL="0" marR="0" lvl="0" indent="0" algn="l" defTabSz="914400" rtl="0" eaLnBrk="1" fontAlgn="auto" latinLnBrk="0" hangingPunct="1">
+                        <a:lnSpc>
+                          <a:spcPct val="100000"/>
+                        </a:lnSpc>
+                        <a:spcBef>
+                          <a:spcPts val="0"/>
+                        </a:spcBef>
+                        <a:spcAft>
+                          <a:spcPts val="0"/>
+                        </a:spcAft>
+                        <a:buClr>
+                          <a:srgbClr val="000000"/>
+                        </a:buClr>
+                        <a:buSzTx/>
+                        <a:buFont typeface="Arial"/>
+                        <a:buNone/>
+                        <a:tabLst/>
+                        <a:defRPr/>
+                      </a:pPr>
+                      <a:r>
+                        <a:rPr lang="en-US" sz="1400" dirty="0"/>
+                        <a:t>Behavior-Hiding Module</a:t>
+                      </a:r>
+                    </a:p>
+                  </a:txBody>
+                  <a:tcPr>
+                    <a:lnL w="12700" cap="flat" cmpd="sng" algn="ctr">
+                      <a:solidFill>
+                        <a:schemeClr val="tx2"/>
+                      </a:solidFill>
+                      <a:prstDash val="solid"/>
+                      <a:round/>
+                      <a:headEnd type="none" w="med" len="med"/>
+                      <a:tailEnd type="none" w="med" len="med"/>
+                    </a:lnL>
+                    <a:lnR w="12700" cap="flat" cmpd="sng" algn="ctr">
+                      <a:solidFill>
+                        <a:schemeClr val="tx2"/>
+                      </a:solidFill>
+                      <a:prstDash val="solid"/>
+                      <a:round/>
+                      <a:headEnd type="none" w="med" len="med"/>
+                      <a:tailEnd type="none" w="med" len="med"/>
+                    </a:lnR>
+                    <a:lnT w="12700" cap="flat" cmpd="sng" algn="ctr">
+                      <a:solidFill>
+                        <a:schemeClr val="tx2"/>
+                      </a:solidFill>
+                      <a:prstDash val="solid"/>
+                      <a:round/>
+                      <a:headEnd type="none" w="med" len="med"/>
+                      <a:tailEnd type="none" w="med" len="med"/>
+                    </a:lnT>
+                    <a:lnB w="12700" cap="flat" cmpd="sng" algn="ctr">
+                      <a:solidFill>
+                        <a:schemeClr val="tx2"/>
+                      </a:solidFill>
+                      <a:prstDash val="solid"/>
+                      <a:round/>
+                      <a:headEnd type="none" w="med" len="med"/>
+                      <a:tailEnd type="none" w="med" len="med"/>
+                    </a:lnB>
+                  </a:tcPr>
+                </a:tc>
+                <a:tc>
+                  <a:txBody>
+                    <a:bodyPr/>
+                    <a:lstStyle/>
+                    <a:p>
+                      <a:pPr marL="0" marR="0" lvl="1" indent="0" algn="l" defTabSz="914400" rtl="0" eaLnBrk="1" fontAlgn="auto" latinLnBrk="0" hangingPunct="1">
+                        <a:lnSpc>
+                          <a:spcPct val="150000"/>
+                        </a:lnSpc>
+                        <a:spcBef>
+                          <a:spcPts val="0"/>
+                        </a:spcBef>
+                        <a:spcAft>
+                          <a:spcPts val="0"/>
+                        </a:spcAft>
+                        <a:buClr>
+                          <a:srgbClr val="000000"/>
+                        </a:buClr>
+                        <a:buSzTx/>
+                        <a:buFont typeface="Arial"/>
+                        <a:buNone/>
+                        <a:tabLst/>
+                        <a:defRPr/>
+                      </a:pPr>
+                      <a:r>
+                        <a:rPr lang="en-US" sz="1400" dirty="0"/>
+                        <a:t>Control Module</a:t>
+                      </a:r>
+                    </a:p>
+                    <a:p>
+                      <a:pPr lvl="1">
+                        <a:lnSpc>
+                          <a:spcPct val="150000"/>
+                        </a:lnSpc>
+                      </a:pPr>
+                      <a:r>
+                        <a:rPr lang="en-US" sz="1400" dirty="0"/>
+                        <a:t>Input Format Module</a:t>
+                      </a:r>
+                    </a:p>
+                    <a:p>
+                      <a:pPr lvl="1">
+                        <a:lnSpc>
+                          <a:spcPct val="150000"/>
+                        </a:lnSpc>
+                      </a:pPr>
+                      <a:r>
+                        <a:rPr lang="en-US" sz="1400" dirty="0"/>
+                        <a:t>Output Format Module </a:t>
+                      </a:r>
+                    </a:p>
+                    <a:p>
+                      <a:pPr lvl="1">
+                        <a:lnSpc>
+                          <a:spcPct val="150000"/>
+                        </a:lnSpc>
+                      </a:pPr>
+                      <a:r>
+                        <a:rPr lang="en-US" sz="1400" dirty="0"/>
+                        <a:t>Output Verification Module</a:t>
+                      </a:r>
+                    </a:p>
+                    <a:p>
+                      <a:pPr lvl="1">
+                        <a:lnSpc>
+                          <a:spcPct val="150000"/>
+                        </a:lnSpc>
+                      </a:pPr>
+                      <a:r>
+                        <a:rPr lang="en-US" sz="1400" dirty="0"/>
+                        <a:t>Magnetic Core Module</a:t>
+                      </a:r>
+                    </a:p>
+                    <a:p>
+                      <a:pPr lvl="1">
+                        <a:lnSpc>
+                          <a:spcPct val="150000"/>
+                        </a:lnSpc>
+                      </a:pPr>
+                      <a:r>
+                        <a:rPr lang="en-US" sz="1400" dirty="0" err="1"/>
+                        <a:t>CoilT</a:t>
+                      </a:r>
+                      <a:r>
+                        <a:rPr lang="en-US" sz="1400" dirty="0"/>
+                        <a:t> Module</a:t>
+                      </a:r>
+                    </a:p>
+                  </a:txBody>
+                  <a:tcPr>
+                    <a:lnL w="12700" cap="flat" cmpd="sng" algn="ctr">
+                      <a:solidFill>
+                        <a:schemeClr val="tx2"/>
+                      </a:solidFill>
+                      <a:prstDash val="solid"/>
+                      <a:round/>
+                      <a:headEnd type="none" w="med" len="med"/>
+                      <a:tailEnd type="none" w="med" len="med"/>
+                    </a:lnL>
+                    <a:lnR w="12700" cap="flat" cmpd="sng" algn="ctr">
+                      <a:solidFill>
+                        <a:schemeClr val="tx2"/>
+                      </a:solidFill>
+                      <a:prstDash val="solid"/>
+                      <a:round/>
+                      <a:headEnd type="none" w="med" len="med"/>
+                      <a:tailEnd type="none" w="med" len="med"/>
+                    </a:lnR>
+                    <a:lnT w="12700" cap="flat" cmpd="sng" algn="ctr">
+                      <a:solidFill>
+                        <a:schemeClr val="tx2"/>
+                      </a:solidFill>
+                      <a:prstDash val="solid"/>
+                      <a:round/>
+                      <a:headEnd type="none" w="med" len="med"/>
+                      <a:tailEnd type="none" w="med" len="med"/>
+                    </a:lnT>
+                    <a:lnB w="12700" cap="flat" cmpd="sng" algn="ctr">
+                      <a:solidFill>
+                        <a:schemeClr val="tx2"/>
+                      </a:solidFill>
+                      <a:prstDash val="solid"/>
+                      <a:round/>
+                      <a:headEnd type="none" w="med" len="med"/>
+                      <a:tailEnd type="none" w="med" len="med"/>
+                    </a:lnB>
+                  </a:tcPr>
+                </a:tc>
+                <a:extLst>
+                  <a:ext uri="{0D108BD9-81ED-4DB2-BD59-A6C34878D82A}">
+                    <a16:rowId xmlns:a16="http://schemas.microsoft.com/office/drawing/2014/main" val="4188371122"/>
+                  </a:ext>
+                </a:extLst>
+              </a:tr>
+              <a:tr h="370840">
+                <a:tc>
+                  <a:txBody>
+                    <a:bodyPr/>
+                    <a:lstStyle/>
+                    <a:p>
+                      <a:r>
+                        <a:rPr lang="en-US" sz="1400" dirty="0"/>
+                        <a:t>Software Decision Module </a:t>
+                      </a:r>
+                    </a:p>
+                  </a:txBody>
+                  <a:tcPr>
+                    <a:lnL w="12700" cap="flat" cmpd="sng" algn="ctr">
+                      <a:solidFill>
+                        <a:schemeClr val="tx2"/>
+                      </a:solidFill>
+                      <a:prstDash val="solid"/>
+                      <a:round/>
+                      <a:headEnd type="none" w="med" len="med"/>
+                      <a:tailEnd type="none" w="med" len="med"/>
+                    </a:lnL>
+                    <a:lnR w="12700" cap="flat" cmpd="sng" algn="ctr">
+                      <a:solidFill>
+                        <a:schemeClr val="tx2"/>
+                      </a:solidFill>
+                      <a:prstDash val="solid"/>
+                      <a:round/>
+                      <a:headEnd type="none" w="med" len="med"/>
+                      <a:tailEnd type="none" w="med" len="med"/>
+                    </a:lnR>
+                    <a:lnT w="12700" cap="flat" cmpd="sng" algn="ctr">
+                      <a:solidFill>
+                        <a:schemeClr val="tx2"/>
+                      </a:solidFill>
+                      <a:prstDash val="solid"/>
+                      <a:round/>
+                      <a:headEnd type="none" w="med" len="med"/>
+                      <a:tailEnd type="none" w="med" len="med"/>
+                    </a:lnT>
+                    <a:lnB w="12700" cap="flat" cmpd="sng" algn="ctr">
+                      <a:solidFill>
+                        <a:schemeClr val="tx2"/>
+                      </a:solidFill>
+                      <a:prstDash val="solid"/>
+                      <a:round/>
+                      <a:headEnd type="none" w="med" len="med"/>
+                      <a:tailEnd type="none" w="med" len="med"/>
+                    </a:lnB>
+                  </a:tcPr>
+                </a:tc>
+                <a:tc>
+                  <a:txBody>
+                    <a:bodyPr/>
+                    <a:lstStyle/>
+                    <a:p>
+                      <a:r>
+                        <a:rPr lang="en-US" sz="1400" dirty="0"/>
+                        <a:t>Vector Module</a:t>
+                      </a:r>
+                    </a:p>
+                  </a:txBody>
+                  <a:tcPr>
+                    <a:lnL w="12700" cap="flat" cmpd="sng" algn="ctr">
+                      <a:solidFill>
+                        <a:schemeClr val="tx2"/>
+                      </a:solidFill>
+                      <a:prstDash val="solid"/>
+                      <a:round/>
+                      <a:headEnd type="none" w="med" len="med"/>
+                      <a:tailEnd type="none" w="med" len="med"/>
+                    </a:lnL>
+                    <a:lnR w="12700" cap="flat" cmpd="sng" algn="ctr">
+                      <a:solidFill>
+                        <a:schemeClr val="tx2"/>
+                      </a:solidFill>
+                      <a:prstDash val="solid"/>
+                      <a:round/>
+                      <a:headEnd type="none" w="med" len="med"/>
+                      <a:tailEnd type="none" w="med" len="med"/>
+                    </a:lnR>
+                    <a:lnT w="12700" cap="flat" cmpd="sng" algn="ctr">
+                      <a:solidFill>
+                        <a:schemeClr val="tx2"/>
+                      </a:solidFill>
+                      <a:prstDash val="solid"/>
+                      <a:round/>
+                      <a:headEnd type="none" w="med" len="med"/>
+                      <a:tailEnd type="none" w="med" len="med"/>
+                    </a:lnT>
+                    <a:lnB w="12700" cap="flat" cmpd="sng" algn="ctr">
+                      <a:solidFill>
+                        <a:schemeClr val="tx2"/>
+                      </a:solidFill>
+                      <a:prstDash val="solid"/>
+                      <a:round/>
+                      <a:headEnd type="none" w="med" len="med"/>
+                      <a:tailEnd type="none" w="med" len="med"/>
+                    </a:lnB>
+                  </a:tcPr>
+                </a:tc>
+                <a:extLst>
+                  <a:ext uri="{0D108BD9-81ED-4DB2-BD59-A6C34878D82A}">
+                    <a16:rowId xmlns:a16="http://schemas.microsoft.com/office/drawing/2014/main" val="1381407181"/>
+                  </a:ext>
+                </a:extLst>
+              </a:tr>
+            </a:tbl>
+          </a:graphicData>
+        </a:graphic>
+      </p:graphicFrame>
+    </p:spTree>
+    <p:extLst>
+      <p:ext uri="{BB962C8B-B14F-4D97-AF65-F5344CB8AC3E}">
+        <p14:creationId xmlns:p14="http://schemas.microsoft.com/office/powerpoint/2010/main" val="686894175"/>
+      </p:ext>
+    </p:extLst>
+  </p:cSld>
+  <p:clrMapOvr>
+    <a:masterClrMapping/>
+  </p:clrMapOvr>
+</p:sld>
+</file>
+
+<file path=ppt/slides/slide4.xml><?xml version="1.0" encoding="utf-8"?>
+<p:sld xmlns:a="http://schemas.openxmlformats.org/drawingml/2006/main" xmlns:r="http://schemas.openxmlformats.org/officeDocument/2006/relationships" xmlns:p="http://schemas.openxmlformats.org/presentationml/2006/main">
+  <p:cSld>
+    <p:spTree>
+      <p:nvGrpSpPr>
+        <p:cNvPr id="1" name=""/>
+        <p:cNvGrpSpPr/>
+        <p:nvPr/>
+      </p:nvGrpSpPr>
+      <p:grpSpPr>
+        <a:xfrm>
+          <a:off x="0" y="0"/>
+          <a:ext cx="0" cy="0"/>
+          <a:chOff x="0" y="0"/>
+          <a:chExt cx="0" cy="0"/>
+        </a:xfrm>
+      </p:grpSpPr>
+      <p:sp>
+        <p:nvSpPr>
+          <p:cNvPr id="2" name="Title 1">
+            <a:extLst>
+              <a:ext uri="{FF2B5EF4-FFF2-40B4-BE49-F238E27FC236}">
+                <a16:creationId xmlns:a16="http://schemas.microsoft.com/office/drawing/2014/main" id="{BE65B89E-D4AA-0F19-8605-420D5082E0F1}"/>
+              </a:ext>
+            </a:extLst>
+          </p:cNvPr>
+          <p:cNvSpPr>
+            <a:spLocks noGrp="1"/>
+          </p:cNvSpPr>
+          <p:nvPr>
+            <p:ph type="title"/>
+          </p:nvPr>
+        </p:nvSpPr>
+        <p:spPr/>
+        <p:txBody>
+          <a:bodyPr/>
+          <a:lstStyle/>
+          <a:p>
+            <a:pPr lvl="1">
+              <a:lnSpc>
+                <a:spcPct val="150000"/>
+              </a:lnSpc>
+            </a:pPr>
+            <a:r>
+              <a:rPr lang="en-US" sz="2000" dirty="0" err="1"/>
+              <a:t>CoilT</a:t>
+            </a:r>
+            <a:r>
+              <a:rPr lang="en-US" sz="2000" dirty="0"/>
+              <a:t> </a:t>
+            </a:r>
+            <a:r>
+              <a:rPr lang="en-US" dirty="0"/>
+              <a:t>M</a:t>
+            </a:r>
+            <a:r>
+              <a:rPr lang="en-US" sz="2000" dirty="0"/>
+              <a:t>odule</a:t>
+            </a:r>
+          </a:p>
+        </p:txBody>
+      </p:sp>
+      <p:sp>
+        <p:nvSpPr>
+          <p:cNvPr id="3" name="Text Placeholder 2">
+            <a:extLst>
+              <a:ext uri="{FF2B5EF4-FFF2-40B4-BE49-F238E27FC236}">
+                <a16:creationId xmlns:a16="http://schemas.microsoft.com/office/drawing/2014/main" id="{D9D3AE8E-2C35-A103-EF12-D3D3C362C4A3}"/>
+              </a:ext>
+            </a:extLst>
+          </p:cNvPr>
+          <p:cNvSpPr>
+            <a:spLocks noGrp="1"/>
+          </p:cNvSpPr>
+          <p:nvPr>
+            <p:ph type="body" idx="1"/>
+          </p:nvPr>
+        </p:nvSpPr>
+        <p:spPr>
+          <a:xfrm>
+            <a:off x="814275" y="1537988"/>
+            <a:ext cx="7630478" cy="2724300"/>
+          </a:xfrm>
+        </p:spPr>
+        <p:txBody>
+          <a:bodyPr/>
+          <a:lstStyle/>
+          <a:p>
+            <a:r>
+              <a:rPr lang="en-US" b="1" dirty="0">
+                <a:latin typeface="Roboto Condensed" panose="02000000000000000000" pitchFamily="2" charset="0"/>
+                <a:ea typeface="Roboto Condensed" panose="02000000000000000000" pitchFamily="2" charset="0"/>
+              </a:rPr>
+              <a:t>Secrets:</a:t>
+            </a:r>
+            <a:r>
+              <a:rPr lang="en-US" dirty="0">
+                <a:latin typeface="Roboto Condensed" panose="02000000000000000000" pitchFamily="2" charset="0"/>
+                <a:ea typeface="Roboto Condensed" panose="02000000000000000000" pitchFamily="2" charset="0"/>
+              </a:rPr>
+              <a:t> </a:t>
+            </a:r>
+            <a:r>
+              <a:rPr lang="en-US" dirty="0"/>
+              <a:t>The data structure of a pair of Coils</a:t>
+            </a:r>
+          </a:p>
+          <a:p>
+            <a:r>
+              <a:rPr lang="en-US" b="1" dirty="0">
+                <a:latin typeface="Roboto Condensed" panose="02000000000000000000" pitchFamily="2" charset="0"/>
+                <a:ea typeface="Roboto Condensed" panose="02000000000000000000" pitchFamily="2" charset="0"/>
+              </a:rPr>
+              <a:t>Services: </a:t>
+            </a:r>
+            <a:r>
+              <a:rPr lang="en-US" dirty="0"/>
+              <a:t>Provides comprehensive data on the coil pair's configuration, using the detailed coil parameters defined in the input parameters module. </a:t>
+            </a:r>
+            <a:endParaRPr lang="en-US" b="1" dirty="0">
+              <a:latin typeface="Roboto Condensed" panose="02000000000000000000" pitchFamily="2" charset="0"/>
+              <a:ea typeface="Roboto Condensed" panose="02000000000000000000" pitchFamily="2" charset="0"/>
+            </a:endParaRPr>
+          </a:p>
+          <a:p>
+            <a:r>
+              <a:rPr lang="en-US" b="1" dirty="0">
+                <a:latin typeface="Roboto Condensed" panose="02000000000000000000" pitchFamily="2" charset="0"/>
+                <a:ea typeface="Roboto Condensed" panose="02000000000000000000" pitchFamily="2" charset="0"/>
+              </a:rPr>
+              <a:t>Implemented By:</a:t>
+            </a:r>
+            <a:r>
+              <a:rPr lang="en-US" dirty="0"/>
+              <a:t> 3D-HCCC </a:t>
+            </a:r>
+          </a:p>
+        </p:txBody>
+      </p:sp>
+      <p:sp>
+        <p:nvSpPr>
+          <p:cNvPr id="5" name="Slide Number Placeholder 4">
+            <a:extLst>
+              <a:ext uri="{FF2B5EF4-FFF2-40B4-BE49-F238E27FC236}">
+                <a16:creationId xmlns:a16="http://schemas.microsoft.com/office/drawing/2014/main" id="{77BB4ACB-8C26-D8C5-D887-0D40B86E94C0}"/>
+              </a:ext>
+            </a:extLst>
+          </p:cNvPr>
+          <p:cNvSpPr>
+            <a:spLocks noGrp="1"/>
+          </p:cNvSpPr>
+          <p:nvPr>
+            <p:ph type="sldNum" idx="12"/>
+          </p:nvPr>
+        </p:nvSpPr>
+        <p:spPr/>
+        <p:txBody>
+          <a:bodyPr/>
+          <a:lstStyle/>
+          <a:p>
+            <a:pPr marL="0" lvl="0" indent="0" algn="r" rtl="0">
+              <a:spcBef>
+                <a:spcPts val="0"/>
+              </a:spcBef>
+              <a:spcAft>
+                <a:spcPts val="0"/>
+              </a:spcAft>
+              <a:buNone/>
+            </a:pPr>
+            <a:fld id="{00000000-1234-1234-1234-123412341234}" type="slidenum">
+              <a:rPr lang="en" smtClean="0"/>
+              <a:t>4</a:t>
+            </a:fld>
+            <a:r>
+              <a:rPr lang="en" dirty="0"/>
+              <a:t>/14</a:t>
+            </a:r>
+          </a:p>
+        </p:txBody>
+      </p:sp>
+    </p:spTree>
+    <p:extLst>
+      <p:ext uri="{BB962C8B-B14F-4D97-AF65-F5344CB8AC3E}">
+        <p14:creationId xmlns:p14="http://schemas.microsoft.com/office/powerpoint/2010/main" val="3917426726"/>
+      </p:ext>
+    </p:extLst>
+  </p:cSld>
+  <p:clrMapOvr>
+    <a:masterClrMapping/>
+  </p:clrMapOvr>
+</p:sld>
+</file>
+
+<file path=ppt/slides/slide5.xml><?xml version="1.0" encoding="utf-8"?>
+<p:sld xmlns:a="http://schemas.openxmlformats.org/drawingml/2006/main" xmlns:r="http://schemas.openxmlformats.org/officeDocument/2006/relationships" xmlns:p="http://schemas.openxmlformats.org/presentationml/2006/main">
+  <p:cSld>
+    <p:spTree>
+      <p:nvGrpSpPr>
+        <p:cNvPr id="1" name=""/>
+        <p:cNvGrpSpPr/>
+        <p:nvPr/>
+      </p:nvGrpSpPr>
+      <p:grpSpPr>
+        <a:xfrm>
+          <a:off x="0" y="0"/>
+          <a:ext cx="0" cy="0"/>
+          <a:chOff x="0" y="0"/>
+          <a:chExt cx="0" cy="0"/>
+        </a:xfrm>
+      </p:grpSpPr>
+      <p:sp>
+        <p:nvSpPr>
+          <p:cNvPr id="2" name="Title 1">
+            <a:extLst>
+              <a:ext uri="{FF2B5EF4-FFF2-40B4-BE49-F238E27FC236}">
+                <a16:creationId xmlns:a16="http://schemas.microsoft.com/office/drawing/2014/main" id="{BE65B89E-D4AA-0F19-8605-420D5082E0F1}"/>
+              </a:ext>
+            </a:extLst>
+          </p:cNvPr>
+          <p:cNvSpPr>
+            <a:spLocks noGrp="1"/>
+          </p:cNvSpPr>
+          <p:nvPr>
+            <p:ph type="title"/>
+          </p:nvPr>
+        </p:nvSpPr>
+        <p:spPr/>
+        <p:txBody>
+          <a:bodyPr/>
+          <a:lstStyle/>
+          <a:p>
+            <a:pPr lvl="1">
+              <a:lnSpc>
+                <a:spcPct val="150000"/>
+              </a:lnSpc>
+            </a:pPr>
+            <a:r>
+              <a:rPr lang="en-US" sz="2000" dirty="0"/>
+              <a:t>Magnetic Core Module</a:t>
+            </a:r>
+          </a:p>
+        </p:txBody>
+      </p:sp>
+      <p:sp>
+        <p:nvSpPr>
+          <p:cNvPr id="3" name="Text Placeholder 2">
+            <a:extLst>
+              <a:ext uri="{FF2B5EF4-FFF2-40B4-BE49-F238E27FC236}">
+                <a16:creationId xmlns:a16="http://schemas.microsoft.com/office/drawing/2014/main" id="{D9D3AE8E-2C35-A103-EF12-D3D3C362C4A3}"/>
+              </a:ext>
+            </a:extLst>
+          </p:cNvPr>
+          <p:cNvSpPr>
+            <a:spLocks noGrp="1"/>
+          </p:cNvSpPr>
+          <p:nvPr>
+            <p:ph type="body" idx="1"/>
+          </p:nvPr>
+        </p:nvSpPr>
+        <p:spPr>
+          <a:xfrm>
+            <a:off x="814275" y="1537988"/>
+            <a:ext cx="7630478" cy="2724300"/>
+          </a:xfrm>
+        </p:spPr>
+        <p:txBody>
+          <a:bodyPr/>
+          <a:lstStyle/>
+          <a:p>
+            <a:r>
+              <a:rPr lang="en-US" b="1" dirty="0">
+                <a:latin typeface="Roboto Condensed" panose="02000000000000000000" pitchFamily="2" charset="0"/>
+                <a:ea typeface="Roboto Condensed" panose="02000000000000000000" pitchFamily="2" charset="0"/>
+              </a:rPr>
+              <a:t>Secrets: </a:t>
+            </a:r>
+            <a:r>
+              <a:rPr lang="en-US" dirty="0"/>
+              <a:t>The physical constants and algorithm used to implement the magnetic equations to calculate the required currents</a:t>
+            </a:r>
+          </a:p>
+          <a:p>
+            <a:r>
+              <a:rPr lang="en-US" b="1" dirty="0">
+                <a:latin typeface="Roboto Condensed" panose="02000000000000000000" pitchFamily="2" charset="0"/>
+                <a:ea typeface="Roboto Condensed" panose="02000000000000000000" pitchFamily="2" charset="0"/>
+              </a:rPr>
+              <a:t>Services:  </a:t>
+            </a:r>
+            <a:r>
+              <a:rPr lang="en-US" dirty="0"/>
+              <a:t>Define the current calculator equations.</a:t>
+            </a:r>
+          </a:p>
+          <a:p>
+            <a:r>
+              <a:rPr lang="en-US" b="1" dirty="0">
+                <a:latin typeface="Roboto Condensed" panose="02000000000000000000" pitchFamily="2" charset="0"/>
+                <a:ea typeface="Roboto Condensed" panose="02000000000000000000" pitchFamily="2" charset="0"/>
+              </a:rPr>
+              <a:t>Implemented By:</a:t>
+            </a:r>
+            <a:r>
+              <a:rPr lang="en-US" dirty="0"/>
+              <a:t> 3D-HCCC </a:t>
+            </a:r>
+          </a:p>
+        </p:txBody>
+      </p:sp>
+      <p:sp>
+        <p:nvSpPr>
+          <p:cNvPr id="5" name="Slide Number Placeholder 4">
+            <a:extLst>
+              <a:ext uri="{FF2B5EF4-FFF2-40B4-BE49-F238E27FC236}">
+                <a16:creationId xmlns:a16="http://schemas.microsoft.com/office/drawing/2014/main" id="{77BB4ACB-8C26-D8C5-D887-0D40B86E94C0}"/>
+              </a:ext>
+            </a:extLst>
+          </p:cNvPr>
+          <p:cNvSpPr>
+            <a:spLocks noGrp="1"/>
+          </p:cNvSpPr>
+          <p:nvPr>
+            <p:ph type="sldNum" idx="12"/>
+          </p:nvPr>
+        </p:nvSpPr>
+        <p:spPr/>
+        <p:txBody>
+          <a:bodyPr/>
+          <a:lstStyle/>
+          <a:p>
+            <a:pPr marL="0" lvl="0" indent="0" algn="r" rtl="0">
+              <a:spcBef>
+                <a:spcPts val="0"/>
+              </a:spcBef>
+              <a:spcAft>
+                <a:spcPts val="0"/>
+              </a:spcAft>
+              <a:buNone/>
+            </a:pPr>
+            <a:fld id="{00000000-1234-1234-1234-123412341234}" type="slidenum">
+              <a:rPr lang="en" smtClean="0"/>
+              <a:t>5</a:t>
+            </a:fld>
+            <a:r>
+              <a:rPr lang="en" dirty="0"/>
+              <a:t>/14</a:t>
+            </a:r>
+          </a:p>
+        </p:txBody>
+      </p:sp>
+    </p:spTree>
+    <p:extLst>
+      <p:ext uri="{BB962C8B-B14F-4D97-AF65-F5344CB8AC3E}">
+        <p14:creationId xmlns:p14="http://schemas.microsoft.com/office/powerpoint/2010/main" val="3263853148"/>
+      </p:ext>
+    </p:extLst>
+  </p:cSld>
+  <p:clrMapOvr>
+    <a:masterClrMapping/>
+  </p:clrMapOvr>
+</p:sld>
+</file>
+
+<file path=ppt/slides/slide6.xml><?xml version="1.0" encoding="utf-8"?>
+<p:sld xmlns:a="http://schemas.openxmlformats.org/drawingml/2006/main" xmlns:r="http://schemas.openxmlformats.org/officeDocument/2006/relationships" xmlns:p="http://schemas.openxmlformats.org/presentationml/2006/main">
+  <p:cSld>
+    <p:spTree>
+      <p:nvGrpSpPr>
+        <p:cNvPr id="1" name=""/>
+        <p:cNvGrpSpPr/>
+        <p:nvPr/>
+      </p:nvGrpSpPr>
+      <p:grpSpPr>
+        <a:xfrm>
+          <a:off x="0" y="0"/>
+          <a:ext cx="0" cy="0"/>
+          <a:chOff x="0" y="0"/>
+          <a:chExt cx="0" cy="0"/>
+        </a:xfrm>
+      </p:grpSpPr>
+      <p:sp>
+        <p:nvSpPr>
+          <p:cNvPr id="2" name="Title 1">
+            <a:extLst>
+              <a:ext uri="{FF2B5EF4-FFF2-40B4-BE49-F238E27FC236}">
+                <a16:creationId xmlns:a16="http://schemas.microsoft.com/office/drawing/2014/main" id="{BE65B89E-D4AA-0F19-8605-420D5082E0F1}"/>
+              </a:ext>
+            </a:extLst>
+          </p:cNvPr>
+          <p:cNvSpPr>
+            <a:spLocks noGrp="1"/>
+          </p:cNvSpPr>
+          <p:nvPr>
+            <p:ph type="title"/>
+          </p:nvPr>
+        </p:nvSpPr>
+        <p:spPr/>
+        <p:txBody>
+          <a:bodyPr/>
+          <a:lstStyle/>
+          <a:p>
+            <a:pPr lvl="1">
+              <a:lnSpc>
+                <a:spcPct val="150000"/>
+              </a:lnSpc>
+            </a:pPr>
+            <a:r>
+              <a:rPr lang="en-US" sz="2000" dirty="0"/>
+              <a:t>Vector Module</a:t>
+            </a:r>
+          </a:p>
+        </p:txBody>
+      </p:sp>
+      <p:sp>
+        <p:nvSpPr>
+          <p:cNvPr id="3" name="Text Placeholder 2">
+            <a:extLst>
+              <a:ext uri="{FF2B5EF4-FFF2-40B4-BE49-F238E27FC236}">
+                <a16:creationId xmlns:a16="http://schemas.microsoft.com/office/drawing/2014/main" id="{D9D3AE8E-2C35-A103-EF12-D3D3C362C4A3}"/>
+              </a:ext>
+            </a:extLst>
+          </p:cNvPr>
+          <p:cNvSpPr>
+            <a:spLocks noGrp="1"/>
+          </p:cNvSpPr>
+          <p:nvPr>
+            <p:ph type="body" idx="1"/>
+          </p:nvPr>
+        </p:nvSpPr>
+        <p:spPr>
+          <a:xfrm>
+            <a:off x="814274" y="1537988"/>
+            <a:ext cx="7860999" cy="2724300"/>
+          </a:xfrm>
+        </p:spPr>
+        <p:txBody>
+          <a:bodyPr/>
+          <a:lstStyle/>
+          <a:p>
+            <a:r>
+              <a:rPr lang="en-US" b="1" dirty="0">
+                <a:latin typeface="Roboto Condensed" panose="02000000000000000000" pitchFamily="2" charset="0"/>
+                <a:ea typeface="Roboto Condensed" panose="02000000000000000000" pitchFamily="2" charset="0"/>
+              </a:rPr>
+              <a:t>Secrets: </a:t>
+            </a:r>
+            <a:r>
+              <a:rPr lang="en-US" dirty="0"/>
+              <a:t>The algorithms for performing a wide range of vector operations</a:t>
+            </a:r>
+          </a:p>
+          <a:p>
+            <a:r>
+              <a:rPr lang="en-US" b="1" dirty="0">
+                <a:latin typeface="Roboto Condensed" panose="02000000000000000000" pitchFamily="2" charset="0"/>
+                <a:ea typeface="Roboto Condensed" panose="02000000000000000000" pitchFamily="2" charset="0"/>
+              </a:rPr>
+              <a:t>Services: </a:t>
+            </a:r>
+            <a:r>
+              <a:rPr lang="en-US" dirty="0"/>
+              <a:t>Provides functions executing various vector operations.</a:t>
+            </a:r>
+          </a:p>
+          <a:p>
+            <a:r>
+              <a:rPr lang="en-US" b="1" dirty="0">
+                <a:latin typeface="Roboto Condensed" panose="02000000000000000000" pitchFamily="2" charset="0"/>
+                <a:ea typeface="Roboto Condensed" panose="02000000000000000000" pitchFamily="2" charset="0"/>
+              </a:rPr>
+              <a:t>Implemented By:</a:t>
+            </a:r>
+            <a:r>
+              <a:rPr lang="en-US" dirty="0"/>
+              <a:t> NumPy</a:t>
+            </a:r>
+          </a:p>
+        </p:txBody>
+      </p:sp>
+      <p:sp>
+        <p:nvSpPr>
+          <p:cNvPr id="5" name="Slide Number Placeholder 4">
+            <a:extLst>
+              <a:ext uri="{FF2B5EF4-FFF2-40B4-BE49-F238E27FC236}">
+                <a16:creationId xmlns:a16="http://schemas.microsoft.com/office/drawing/2014/main" id="{77BB4ACB-8C26-D8C5-D887-0D40B86E94C0}"/>
+              </a:ext>
+            </a:extLst>
+          </p:cNvPr>
+          <p:cNvSpPr>
+            <a:spLocks noGrp="1"/>
+          </p:cNvSpPr>
+          <p:nvPr>
+            <p:ph type="sldNum" idx="12"/>
+          </p:nvPr>
+        </p:nvSpPr>
+        <p:spPr/>
+        <p:txBody>
+          <a:bodyPr/>
+          <a:lstStyle/>
+          <a:p>
+            <a:pPr marL="0" lvl="0" indent="0" algn="r" rtl="0">
+              <a:spcBef>
+                <a:spcPts val="0"/>
+              </a:spcBef>
+              <a:spcAft>
+                <a:spcPts val="0"/>
+              </a:spcAft>
+              <a:buNone/>
+            </a:pPr>
+            <a:fld id="{00000000-1234-1234-1234-123412341234}" type="slidenum">
+              <a:rPr lang="en" smtClean="0"/>
+              <a:t>6</a:t>
+            </a:fld>
+            <a:r>
+              <a:rPr lang="en" dirty="0"/>
+              <a:t>/14</a:t>
+            </a:r>
+          </a:p>
+        </p:txBody>
+      </p:sp>
+    </p:spTree>
+    <p:extLst>
+      <p:ext uri="{BB962C8B-B14F-4D97-AF65-F5344CB8AC3E}">
+        <p14:creationId xmlns:p14="http://schemas.microsoft.com/office/powerpoint/2010/main" val="3075611508"/>
+      </p:ext>
+    </p:extLst>
+  </p:cSld>
+  <p:clrMapOvr>
+    <a:masterClrMapping/>
+  </p:clrMapOvr>
+</p:sld>
+</file>
+
+<file path=ppt/slides/slide7.xml><?xml version="1.0" encoding="utf-8"?>
+<p:sld xmlns:a="http://schemas.openxmlformats.org/drawingml/2006/main" xmlns:r="http://schemas.openxmlformats.org/officeDocument/2006/relationships" xmlns:p="http://schemas.openxmlformats.org/presentationml/2006/main">
+  <p:cSld>
+    <p:spTree>
+      <p:nvGrpSpPr>
+        <p:cNvPr id="1" name=""/>
+        <p:cNvGrpSpPr/>
+        <p:nvPr/>
+      </p:nvGrpSpPr>
+      <p:grpSpPr>
+        <a:xfrm>
+          <a:off x="0" y="0"/>
+          <a:ext cx="0" cy="0"/>
+          <a:chOff x="0" y="0"/>
+          <a:chExt cx="0" cy="0"/>
+        </a:xfrm>
+      </p:grpSpPr>
+      <p:sp>
+        <p:nvSpPr>
+          <p:cNvPr id="2" name="Title 1">
+            <a:extLst>
+              <a:ext uri="{FF2B5EF4-FFF2-40B4-BE49-F238E27FC236}">
+                <a16:creationId xmlns:a16="http://schemas.microsoft.com/office/drawing/2014/main" id="{BE65B89E-D4AA-0F19-8605-420D5082E0F1}"/>
+              </a:ext>
+            </a:extLst>
+          </p:cNvPr>
+          <p:cNvSpPr>
+            <a:spLocks noGrp="1"/>
+          </p:cNvSpPr>
+          <p:nvPr>
+            <p:ph type="title"/>
+          </p:nvPr>
+        </p:nvSpPr>
+        <p:spPr/>
+        <p:txBody>
+          <a:bodyPr/>
+          <a:lstStyle/>
+          <a:p>
+            <a:pPr lvl="1">
+              <a:lnSpc>
+                <a:spcPct val="150000"/>
+              </a:lnSpc>
+            </a:pPr>
+            <a:r>
+              <a:rPr lang="en-US" dirty="0"/>
+              <a:t>Control</a:t>
+            </a:r>
+            <a:r>
+              <a:rPr lang="en-US" sz="2000" dirty="0"/>
+              <a:t> Module</a:t>
+            </a:r>
+          </a:p>
+        </p:txBody>
+      </p:sp>
+      <p:sp>
+        <p:nvSpPr>
+          <p:cNvPr id="3" name="Text Placeholder 2">
+            <a:extLst>
+              <a:ext uri="{FF2B5EF4-FFF2-40B4-BE49-F238E27FC236}">
+                <a16:creationId xmlns:a16="http://schemas.microsoft.com/office/drawing/2014/main" id="{D9D3AE8E-2C35-A103-EF12-D3D3C362C4A3}"/>
+              </a:ext>
+            </a:extLst>
+          </p:cNvPr>
+          <p:cNvSpPr>
+            <a:spLocks noGrp="1"/>
+          </p:cNvSpPr>
+          <p:nvPr>
+            <p:ph type="body" idx="1"/>
+          </p:nvPr>
+        </p:nvSpPr>
+        <p:spPr>
+          <a:xfrm>
+            <a:off x="814275" y="1537988"/>
+            <a:ext cx="7630478" cy="2724300"/>
+          </a:xfrm>
+        </p:spPr>
+        <p:txBody>
+          <a:bodyPr/>
+          <a:lstStyle/>
+          <a:p>
+            <a:r>
+              <a:rPr lang="en-US" b="1" dirty="0">
+                <a:latin typeface="Roboto Condensed" panose="02000000000000000000" pitchFamily="2" charset="0"/>
+                <a:ea typeface="Roboto Condensed" panose="02000000000000000000" pitchFamily="2" charset="0"/>
+              </a:rPr>
+              <a:t>Secrets: </a:t>
+            </a:r>
+            <a:r>
+              <a:rPr lang="en-US" dirty="0"/>
+              <a:t>The algorithm for coordinating the running of the program</a:t>
+            </a:r>
+          </a:p>
+          <a:p>
+            <a:r>
+              <a:rPr lang="en-US" b="1" dirty="0">
+                <a:latin typeface="Roboto Condensed" panose="02000000000000000000" pitchFamily="2" charset="0"/>
+                <a:ea typeface="Roboto Condensed" panose="02000000000000000000" pitchFamily="2" charset="0"/>
+              </a:rPr>
+              <a:t>Services: </a:t>
+            </a:r>
+            <a:r>
+              <a:rPr lang="en-US" dirty="0"/>
+              <a:t>Provide the main program</a:t>
+            </a:r>
+          </a:p>
+          <a:p>
+            <a:r>
+              <a:rPr lang="en-US" b="1" dirty="0">
+                <a:latin typeface="Roboto Condensed" panose="02000000000000000000" pitchFamily="2" charset="0"/>
+                <a:ea typeface="Roboto Condensed" panose="02000000000000000000" pitchFamily="2" charset="0"/>
+              </a:rPr>
+              <a:t>Implemented By:</a:t>
+            </a:r>
+            <a:r>
+              <a:rPr lang="en-US" dirty="0"/>
+              <a:t> 3D-HCCC </a:t>
+            </a:r>
+          </a:p>
+        </p:txBody>
+      </p:sp>
+      <p:sp>
+        <p:nvSpPr>
+          <p:cNvPr id="5" name="Slide Number Placeholder 4">
+            <a:extLst>
+              <a:ext uri="{FF2B5EF4-FFF2-40B4-BE49-F238E27FC236}">
+                <a16:creationId xmlns:a16="http://schemas.microsoft.com/office/drawing/2014/main" id="{77BB4ACB-8C26-D8C5-D887-0D40B86E94C0}"/>
+              </a:ext>
+            </a:extLst>
+          </p:cNvPr>
+          <p:cNvSpPr>
+            <a:spLocks noGrp="1"/>
+          </p:cNvSpPr>
+          <p:nvPr>
+            <p:ph type="sldNum" idx="12"/>
+          </p:nvPr>
+        </p:nvSpPr>
+        <p:spPr/>
+        <p:txBody>
+          <a:bodyPr/>
+          <a:lstStyle/>
+          <a:p>
+            <a:pPr marL="0" lvl="0" indent="0" algn="r" rtl="0">
+              <a:spcBef>
+                <a:spcPts val="0"/>
+              </a:spcBef>
+              <a:spcAft>
+                <a:spcPts val="0"/>
+              </a:spcAft>
+              <a:buNone/>
+            </a:pPr>
+            <a:fld id="{00000000-1234-1234-1234-123412341234}" type="slidenum">
+              <a:rPr lang="en" smtClean="0"/>
+              <a:t>7</a:t>
+            </a:fld>
+            <a:r>
+              <a:rPr lang="en" dirty="0"/>
+              <a:t>/14</a:t>
+            </a:r>
+          </a:p>
+        </p:txBody>
+      </p:sp>
+    </p:spTree>
+    <p:extLst>
+      <p:ext uri="{BB962C8B-B14F-4D97-AF65-F5344CB8AC3E}">
+        <p14:creationId xmlns:p14="http://schemas.microsoft.com/office/powerpoint/2010/main" val="1563125538"/>
+      </p:ext>
+    </p:extLst>
+  </p:cSld>
+  <p:clrMapOvr>
+    <a:masterClrMapping/>
+  </p:clrMapOvr>
+</p:sld>
+</file>
+
+<file path=ppt/slides/slide8.xml><?xml version="1.0" encoding="utf-8"?>
 <p:sld xmlns:a="http://schemas.openxmlformats.org/drawingml/2006/main" xmlns:r="http://schemas.openxmlformats.org/officeDocument/2006/relationships" xmlns:p="http://schemas.openxmlformats.org/presentationml/2006/main">
   <p:cSld>
     <p:spTree>
@@ -12985,11 +15169,11 @@
             </a:pPr>
             <a:fld id="{00000000-1234-1234-1234-123412341234}" type="slidenum">
               <a:rPr lang="en" smtClean="0"/>
-              <a:t>13</a:t>
+              <a:t>8</a:t>
             </a:fld>
             <a:r>
               <a:rPr lang="en" dirty="0"/>
-              <a:t>/15</a:t>
+              <a:t>/14</a:t>
             </a:r>
           </a:p>
         </p:txBody>
@@ -13007,7 +15191,7 @@
 </p:sld>
 </file>
 
-<file path=ppt/slides/slide14.xml><?xml version="1.0" encoding="utf-8"?>
+<file path=ppt/slides/slide9.xml><?xml version="1.0" encoding="utf-8"?>
 <p:sld xmlns:a="http://schemas.openxmlformats.org/drawingml/2006/main" xmlns:r="http://schemas.openxmlformats.org/officeDocument/2006/relationships" xmlns:p="http://schemas.openxmlformats.org/presentationml/2006/main">
   <p:cSld>
     <p:spTree>
@@ -13052,7 +15236,7 @@
             </a:pPr>
             <a:r>
               <a:rPr lang="en-US" sz="2000" dirty="0"/>
-              <a:t>Control Module</a:t>
+              <a:t>Input Format Module</a:t>
             </a:r>
           </a:p>
         </p:txBody>
@@ -13104,20 +15288,8 @@
                 <a:ea typeface="Roboto Condensed Light" panose="02000000000000000000" pitchFamily="2" charset="0"/>
                 <a:cs typeface="Roboto Condensed Light" panose="02000000000000000000" pitchFamily="2" charset="0"/>
               </a:rPr>
-              <a:t>Input Module, Output Format Module, </a:t>
+              <a:t>Hardware Hiding Modules</a:t>
             </a:r>
-            <a:r>
-              <a:rPr lang="en-US" sz="2000" dirty="0"/>
-              <a:t>Output Verification Module, Magnetic Core Module</a:t>
-            </a:r>
-            <a:endParaRPr lang="en-US" sz="2000" dirty="0">
-              <a:solidFill>
-                <a:srgbClr val="374151"/>
-              </a:solidFill>
-              <a:latin typeface="Roboto Condensed Light" panose="02000000000000000000" pitchFamily="2" charset="0"/>
-              <a:ea typeface="Roboto Condensed Light" panose="02000000000000000000" pitchFamily="2" charset="0"/>
-              <a:cs typeface="Roboto Condensed Light" panose="02000000000000000000" pitchFamily="2" charset="0"/>
-            </a:endParaRPr>
           </a:p>
           <a:p>
             <a:pPr algn="just"/>
@@ -13155,247 +15327,1181 @@
                 <a:ea typeface="Roboto Condensed Light" panose="02000000000000000000" pitchFamily="2" charset="0"/>
                 <a:cs typeface="Roboto Condensed Light" panose="02000000000000000000" pitchFamily="2" charset="0"/>
               </a:rPr>
-              <a:t>Environment Variable: -</a:t>
+              <a:t>Environment Variable: </a:t>
             </a:r>
-            <a:endParaRPr lang="en-CA" sz="2000" dirty="0">
-              <a:solidFill>
-                <a:srgbClr val="374151"/>
-              </a:solidFill>
-              <a:latin typeface="Roboto Condensed Light" panose="02000000000000000000" pitchFamily="2" charset="0"/>
-              <a:ea typeface="Roboto Condensed Light" panose="02000000000000000000" pitchFamily="2" charset="0"/>
-              <a:cs typeface="Roboto Condensed Light" panose="02000000000000000000" pitchFamily="2" charset="0"/>
-            </a:endParaRPr>
+            <a:r>
+              <a:rPr lang="en-CA" sz="2000" dirty="0">
+                <a:solidFill>
+                  <a:srgbClr val="374151"/>
+                </a:solidFill>
+                <a:latin typeface="Roboto Condensed Light" panose="02000000000000000000" pitchFamily="2" charset="0"/>
+                <a:ea typeface="Roboto Condensed Light" panose="02000000000000000000" pitchFamily="2" charset="0"/>
+                <a:cs typeface="Roboto Condensed Light" panose="02000000000000000000" pitchFamily="2" charset="0"/>
+              </a:rPr>
+              <a:t>file, command line input</a:t>
+            </a:r>
           </a:p>
         </p:txBody>
       </p:sp>
-      <p:graphicFrame>
-        <p:nvGraphicFramePr>
-          <p:cNvPr id="4" name="Table 3">
-            <a:extLst>
-              <a:ext uri="{FF2B5EF4-FFF2-40B4-BE49-F238E27FC236}">
-                <a16:creationId xmlns:a16="http://schemas.microsoft.com/office/drawing/2014/main" id="{EF58ADAC-52AF-D013-EEA2-B10E86F21E81}"/>
-              </a:ext>
-            </a:extLst>
-          </p:cNvPr>
-          <p:cNvGraphicFramePr>
-            <a:graphicFrameLocks noGrp="1"/>
-          </p:cNvGraphicFramePr>
-          <p:nvPr>
-            <p:extLst>
-              <p:ext uri="{D42A27DB-BD31-4B8C-83A1-F6EECF244321}">
-                <p14:modId xmlns:p14="http://schemas.microsoft.com/office/powerpoint/2010/main" val="2491987630"/>
-              </p:ext>
-            </p:extLst>
-          </p:nvPr>
-        </p:nvGraphicFramePr>
-        <p:xfrm>
-          <a:off x="1012294" y="3141980"/>
-          <a:ext cx="5488399" cy="741680"/>
-        </p:xfrm>
-        <a:graphic>
-          <a:graphicData uri="http://schemas.openxmlformats.org/drawingml/2006/table">
-            <a:tbl>
-              <a:tblPr firstRow="1" bandRow="1">
-                <a:tableStyleId>{E929F9F4-4A8F-4326-A1B4-22849713DDAB}</a:tableStyleId>
-              </a:tblPr>
-              <a:tblGrid>
-                <a:gridCol w="1524000">
-                  <a:extLst>
-                    <a:ext uri="{9D8B030D-6E8A-4147-A177-3AD203B41FA5}">
-                      <a16:colId xmlns:a16="http://schemas.microsoft.com/office/drawing/2014/main" val="1527678177"/>
-                    </a:ext>
-                  </a:extLst>
-                </a:gridCol>
-                <a:gridCol w="2450644">
-                  <a:extLst>
-                    <a:ext uri="{9D8B030D-6E8A-4147-A177-3AD203B41FA5}">
-                      <a16:colId xmlns:a16="http://schemas.microsoft.com/office/drawing/2014/main" val="529960761"/>
-                    </a:ext>
-                  </a:extLst>
-                </a:gridCol>
-                <a:gridCol w="1513755">
-                  <a:extLst>
-                    <a:ext uri="{9D8B030D-6E8A-4147-A177-3AD203B41FA5}">
-                      <a16:colId xmlns:a16="http://schemas.microsoft.com/office/drawing/2014/main" val="314431527"/>
-                    </a:ext>
-                  </a:extLst>
-                </a:gridCol>
-              </a:tblGrid>
-              <a:tr h="370840">
-                <a:tc>
-                  <a:txBody>
-                    <a:bodyPr/>
-                    <a:lstStyle/>
-                    <a:p>
-                      <a:pPr algn="ctr"/>
-                      <a:r>
-                        <a:rPr lang="en-US" dirty="0">
-                          <a:latin typeface="Roboto Condensed" panose="02000000000000000000" pitchFamily="2" charset="0"/>
-                          <a:ea typeface="Roboto Condensed" panose="02000000000000000000" pitchFamily="2" charset="0"/>
-                        </a:rPr>
-                        <a:t>Name</a:t>
-                      </a:r>
-                    </a:p>
-                  </a:txBody>
-                  <a:tcPr anchor="ctr"/>
-                </a:tc>
-                <a:tc>
-                  <a:txBody>
-                    <a:bodyPr/>
-                    <a:lstStyle/>
-                    <a:p>
-                      <a:pPr algn="ctr"/>
-                      <a:r>
-                        <a:rPr lang="en-US">
-                          <a:latin typeface="Roboto Condensed" panose="02000000000000000000" pitchFamily="2" charset="0"/>
-                          <a:ea typeface="Roboto Condensed" panose="02000000000000000000" pitchFamily="2" charset="0"/>
-                        </a:rPr>
-                        <a:t>In</a:t>
-                      </a:r>
-                      <a:endParaRPr lang="en-US" dirty="0">
-                        <a:latin typeface="Roboto Condensed" panose="02000000000000000000" pitchFamily="2" charset="0"/>
-                        <a:ea typeface="Roboto Condensed" panose="02000000000000000000" pitchFamily="2" charset="0"/>
-                      </a:endParaRPr>
-                    </a:p>
-                  </a:txBody>
-                  <a:tcPr anchor="ctr"/>
-                </a:tc>
-                <a:tc>
-                  <a:txBody>
-                    <a:bodyPr/>
-                    <a:lstStyle/>
-                    <a:p>
-                      <a:pPr algn="ctr"/>
-                      <a:r>
-                        <a:rPr lang="en-US">
-                          <a:latin typeface="Roboto Condensed" panose="02000000000000000000" pitchFamily="2" charset="0"/>
-                          <a:ea typeface="Roboto Condensed" panose="02000000000000000000" pitchFamily="2" charset="0"/>
-                        </a:rPr>
-                        <a:t>Out</a:t>
-                      </a:r>
-                      <a:endParaRPr lang="en-US" dirty="0">
-                        <a:latin typeface="Roboto Condensed" panose="02000000000000000000" pitchFamily="2" charset="0"/>
-                        <a:ea typeface="Roboto Condensed" panose="02000000000000000000" pitchFamily="2" charset="0"/>
-                      </a:endParaRPr>
-                    </a:p>
-                  </a:txBody>
-                  <a:tcPr anchor="ctr"/>
-                </a:tc>
+      <mc:AlternateContent xmlns:mc="http://schemas.openxmlformats.org/markup-compatibility/2006">
+        <mc:Choice xmlns:a14="http://schemas.microsoft.com/office/drawing/2010/main" Requires="a14">
+          <p:graphicFrame>
+            <p:nvGraphicFramePr>
+              <p:cNvPr id="4" name="Table 3">
                 <a:extLst>
-                  <a:ext uri="{0D108BD9-81ED-4DB2-BD59-A6C34878D82A}">
-                    <a16:rowId xmlns:a16="http://schemas.microsoft.com/office/drawing/2014/main" val="1781836610"/>
+                  <a:ext uri="{FF2B5EF4-FFF2-40B4-BE49-F238E27FC236}">
+                    <a16:creationId xmlns:a16="http://schemas.microsoft.com/office/drawing/2014/main" id="{EF58ADAC-52AF-D013-EEA2-B10E86F21E81}"/>
                   </a:ext>
                 </a:extLst>
-              </a:tr>
-              <a:tr h="370840">
-                <a:tc>
-                  <a:txBody>
-                    <a:bodyPr/>
-                    <a:lstStyle/>
-                    <a:p>
-                      <a:pPr algn="ctr"/>
-                      <a:r>
-                        <a:rPr lang="en-US" dirty="0">
-                          <a:solidFill>
-                            <a:schemeClr val="accent2">
-                              <a:lumMod val="50000"/>
-                            </a:schemeClr>
-                          </a:solidFill>
-                          <a:latin typeface="Roboto Condensed" panose="02000000000000000000" pitchFamily="2" charset="0"/>
-                          <a:ea typeface="Roboto Condensed" panose="02000000000000000000" pitchFamily="2" charset="0"/>
-                        </a:rPr>
-                        <a:t>main</a:t>
-                      </a:r>
-                    </a:p>
-                  </a:txBody>
-                  <a:tcPr anchor="ctr"/>
-                </a:tc>
-                <a:tc>
-                  <a:txBody>
-                    <a:bodyPr/>
-                    <a:lstStyle/>
-                    <a:p>
-                      <a:pPr marL="0" marR="0" lvl="0" indent="0" algn="ctr" defTabSz="914400" rtl="0" eaLnBrk="1" fontAlgn="auto" latinLnBrk="0" hangingPunct="1">
-                        <a:lnSpc>
-                          <a:spcPct val="100000"/>
-                        </a:lnSpc>
-                        <a:spcBef>
-                          <a:spcPts val="0"/>
-                        </a:spcBef>
-                        <a:spcAft>
-                          <a:spcPts val="0"/>
-                        </a:spcAft>
-                        <a:buClr>
-                          <a:srgbClr val="000000"/>
-                        </a:buClr>
-                        <a:buSzTx/>
-                        <a:buFont typeface="Arial"/>
-                        <a:buNone/>
-                        <a:tabLst/>
-                        <a:defRPr/>
-                      </a:pPr>
-                      <a:r>
-                        <a:rPr lang="en-CA" sz="1400" dirty="0">
-                          <a:solidFill>
-                            <a:srgbClr val="374151"/>
-                          </a:solidFill>
-                          <a:latin typeface="Roboto Condensed" panose="02000000000000000000" pitchFamily="2" charset="0"/>
-                          <a:ea typeface="Roboto Condensed" panose="02000000000000000000" pitchFamily="2" charset="0"/>
-                          <a:cs typeface="Roboto Condensed Light" panose="02000000000000000000" pitchFamily="2" charset="0"/>
-                        </a:rPr>
-                        <a:t>-</a:t>
-                      </a:r>
-                      <a:endParaRPr lang="en-US" dirty="0">
-                        <a:solidFill>
-                          <a:schemeClr val="accent2">
-                            <a:lumMod val="50000"/>
-                          </a:schemeClr>
-                        </a:solidFill>
-                        <a:latin typeface="Roboto Condensed" panose="02000000000000000000" pitchFamily="2" charset="0"/>
-                        <a:ea typeface="Roboto Condensed" panose="02000000000000000000" pitchFamily="2" charset="0"/>
-                      </a:endParaRPr>
-                    </a:p>
-                  </a:txBody>
-                  <a:tcPr anchor="ctr"/>
-                </a:tc>
-                <a:tc>
-                  <a:txBody>
-                    <a:bodyPr/>
-                    <a:lstStyle/>
-                    <a:p>
-                      <a:pPr algn="ctr"/>
-                      <a:r>
-                        <a:rPr lang="en-US" dirty="0">
-                          <a:solidFill>
-                            <a:schemeClr val="accent2">
-                              <a:lumMod val="50000"/>
-                            </a:schemeClr>
-                          </a:solidFill>
-                          <a:latin typeface="Roboto Condensed" panose="02000000000000000000" pitchFamily="2" charset="0"/>
-                          <a:ea typeface="Roboto Condensed" panose="02000000000000000000" pitchFamily="2" charset="0"/>
-                        </a:rPr>
-                        <a:t>-</a:t>
-                      </a:r>
-                    </a:p>
-                  </a:txBody>
-                  <a:tcPr anchor="ctr"/>
-                </a:tc>
+              </p:cNvPr>
+              <p:cNvGraphicFramePr>
+                <a:graphicFrameLocks noGrp="1"/>
+              </p:cNvGraphicFramePr>
+              <p:nvPr>
+                <p:extLst>
+                  <p:ext uri="{D42A27DB-BD31-4B8C-83A1-F6EECF244321}">
+                    <p14:modId xmlns:p14="http://schemas.microsoft.com/office/powerpoint/2010/main" val="1213372358"/>
+                  </p:ext>
+                </p:extLst>
+              </p:nvPr>
+            </p:nvGraphicFramePr>
+            <p:xfrm>
+              <a:off x="947698" y="3310940"/>
+              <a:ext cx="6096000" cy="1112520"/>
+            </p:xfrm>
+            <a:graphic>
+              <a:graphicData uri="http://schemas.openxmlformats.org/drawingml/2006/table">
+                <a:tbl>
+                  <a:tblPr firstRow="1" bandRow="1">
+                    <a:tableStyleId>{E929F9F4-4A8F-4326-A1B4-22849713DDAB}</a:tableStyleId>
+                  </a:tblPr>
+                  <a:tblGrid>
+                    <a:gridCol w="1524000">
+                      <a:extLst>
+                        <a:ext uri="{9D8B030D-6E8A-4147-A177-3AD203B41FA5}">
+                          <a16:colId xmlns:a16="http://schemas.microsoft.com/office/drawing/2014/main" val="1527678177"/>
+                        </a:ext>
+                      </a:extLst>
+                    </a:gridCol>
+                    <a:gridCol w="1524000">
+                      <a:extLst>
+                        <a:ext uri="{9D8B030D-6E8A-4147-A177-3AD203B41FA5}">
+                          <a16:colId xmlns:a16="http://schemas.microsoft.com/office/drawing/2014/main" val="529960761"/>
+                        </a:ext>
+                      </a:extLst>
+                    </a:gridCol>
+                    <a:gridCol w="1524000">
+                      <a:extLst>
+                        <a:ext uri="{9D8B030D-6E8A-4147-A177-3AD203B41FA5}">
+                          <a16:colId xmlns:a16="http://schemas.microsoft.com/office/drawing/2014/main" val="314431527"/>
+                        </a:ext>
+                      </a:extLst>
+                    </a:gridCol>
+                    <a:gridCol w="1524000">
+                      <a:extLst>
+                        <a:ext uri="{9D8B030D-6E8A-4147-A177-3AD203B41FA5}">
+                          <a16:colId xmlns:a16="http://schemas.microsoft.com/office/drawing/2014/main" val="2799991699"/>
+                        </a:ext>
+                      </a:extLst>
+                    </a:gridCol>
+                  </a:tblGrid>
+                  <a:tr h="370840">
+                    <a:tc>
+                      <a:txBody>
+                        <a:bodyPr/>
+                        <a:lstStyle/>
+                        <a:p>
+                          <a:pPr algn="ctr"/>
+                          <a:r>
+                            <a:rPr lang="en-US" dirty="0">
+                              <a:latin typeface="Roboto Condensed" panose="02000000000000000000" pitchFamily="2" charset="0"/>
+                              <a:ea typeface="Roboto Condensed" panose="02000000000000000000" pitchFamily="2" charset="0"/>
+                            </a:rPr>
+                            <a:t>Name</a:t>
+                          </a:r>
+                        </a:p>
+                      </a:txBody>
+                      <a:tcPr anchor="ctr"/>
+                    </a:tc>
+                    <a:tc>
+                      <a:txBody>
+                        <a:bodyPr/>
+                        <a:lstStyle/>
+                        <a:p>
+                          <a:pPr algn="ctr"/>
+                          <a:r>
+                            <a:rPr lang="en-US" dirty="0">
+                              <a:latin typeface="Roboto Condensed" panose="02000000000000000000" pitchFamily="2" charset="0"/>
+                              <a:ea typeface="Roboto Condensed" panose="02000000000000000000" pitchFamily="2" charset="0"/>
+                            </a:rPr>
+                            <a:t>In</a:t>
+                          </a:r>
+                        </a:p>
+                      </a:txBody>
+                      <a:tcPr anchor="ctr"/>
+                    </a:tc>
+                    <a:tc>
+                      <a:txBody>
+                        <a:bodyPr/>
+                        <a:lstStyle/>
+                        <a:p>
+                          <a:pPr algn="ctr"/>
+                          <a:r>
+                            <a:rPr lang="en-US" dirty="0">
+                              <a:latin typeface="Roboto Condensed" panose="02000000000000000000" pitchFamily="2" charset="0"/>
+                              <a:ea typeface="Roboto Condensed" panose="02000000000000000000" pitchFamily="2" charset="0"/>
+                            </a:rPr>
+                            <a:t>Out</a:t>
+                          </a:r>
+                        </a:p>
+                      </a:txBody>
+                      <a:tcPr anchor="ctr"/>
+                    </a:tc>
+                    <a:tc>
+                      <a:txBody>
+                        <a:bodyPr/>
+                        <a:lstStyle/>
+                        <a:p>
+                          <a:pPr algn="ctr"/>
+                          <a:r>
+                            <a:rPr lang="en-US" dirty="0"/>
+                            <a:t>Exceptions</a:t>
+                          </a:r>
+                          <a:endParaRPr lang="en-US" dirty="0">
+                            <a:latin typeface="Roboto Condensed" panose="02000000000000000000" pitchFamily="2" charset="0"/>
+                            <a:ea typeface="Roboto Condensed" panose="02000000000000000000" pitchFamily="2" charset="0"/>
+                          </a:endParaRPr>
+                        </a:p>
+                      </a:txBody>
+                      <a:tcPr anchor="ctr"/>
+                    </a:tc>
+                    <a:extLst>
+                      <a:ext uri="{0D108BD9-81ED-4DB2-BD59-A6C34878D82A}">
+                        <a16:rowId xmlns:a16="http://schemas.microsoft.com/office/drawing/2014/main" val="1781836610"/>
+                      </a:ext>
+                    </a:extLst>
+                  </a:tr>
+                  <a:tr h="370840">
+                    <a:tc>
+                      <a:txBody>
+                        <a:bodyPr/>
+                        <a:lstStyle/>
+                        <a:p>
+                          <a:pPr algn="ctr"/>
+                          <a:r>
+                            <a:rPr lang="en-US" dirty="0" err="1">
+                              <a:solidFill>
+                                <a:schemeClr val="accent2">
+                                  <a:lumMod val="50000"/>
+                                </a:schemeClr>
+                              </a:solidFill>
+                              <a:latin typeface="Roboto Condensed" panose="02000000000000000000" pitchFamily="2" charset="0"/>
+                              <a:ea typeface="Roboto Condensed" panose="02000000000000000000" pitchFamily="2" charset="0"/>
+                            </a:rPr>
+                            <a:t>load_coils</a:t>
+                          </a:r>
+                          <a:endParaRPr lang="en-US" dirty="0">
+                            <a:solidFill>
+                              <a:schemeClr val="accent2">
+                                <a:lumMod val="50000"/>
+                              </a:schemeClr>
+                            </a:solidFill>
+                            <a:latin typeface="Roboto Condensed" panose="02000000000000000000" pitchFamily="2" charset="0"/>
+                            <a:ea typeface="Roboto Condensed" panose="02000000000000000000" pitchFamily="2" charset="0"/>
+                          </a:endParaRPr>
+                        </a:p>
+                      </a:txBody>
+                      <a:tcPr anchor="ctr"/>
+                    </a:tc>
+                    <a:tc>
+                      <a:txBody>
+                        <a:bodyPr/>
+                        <a:lstStyle/>
+                        <a:p>
+                          <a:pPr algn="ctr"/>
+                          <a:r>
+                            <a:rPr lang="en-US" dirty="0">
+                              <a:solidFill>
+                                <a:schemeClr val="accent2">
+                                  <a:lumMod val="50000"/>
+                                </a:schemeClr>
+                              </a:solidFill>
+                              <a:latin typeface="Roboto Condensed" panose="02000000000000000000" pitchFamily="2" charset="0"/>
+                              <a:ea typeface="Roboto Condensed" panose="02000000000000000000" pitchFamily="2" charset="0"/>
+                            </a:rPr>
+                            <a:t>string</a:t>
+                          </a:r>
+                        </a:p>
+                      </a:txBody>
+                      <a:tcPr anchor="ctr"/>
+                    </a:tc>
+                    <a:tc>
+                      <a:txBody>
+                        <a:bodyPr/>
+                        <a:lstStyle/>
+                        <a:p>
+                          <a:pPr algn="ctr"/>
+                          <a:r>
+                            <a:rPr lang="en-US" dirty="0">
+                              <a:solidFill>
+                                <a:schemeClr val="accent2">
+                                  <a:lumMod val="50000"/>
+                                </a:schemeClr>
+                              </a:solidFill>
+                              <a:latin typeface="Roboto Condensed" panose="02000000000000000000" pitchFamily="2" charset="0"/>
+                              <a:ea typeface="Roboto Condensed" panose="02000000000000000000" pitchFamily="2" charset="0"/>
+                            </a:rPr>
+                            <a:t>[</a:t>
+                          </a:r>
+                          <a:r>
+                            <a:rPr lang="en-US" dirty="0" err="1">
+                              <a:solidFill>
+                                <a:schemeClr val="accent2">
+                                  <a:lumMod val="50000"/>
+                                </a:schemeClr>
+                              </a:solidFill>
+                              <a:latin typeface="Roboto Condensed" panose="02000000000000000000" pitchFamily="2" charset="0"/>
+                              <a:ea typeface="Roboto Condensed" panose="02000000000000000000" pitchFamily="2" charset="0"/>
+                            </a:rPr>
+                            <a:t>CoilT</a:t>
+                          </a:r>
+                          <a:r>
+                            <a:rPr lang="en-US" dirty="0">
+                              <a:solidFill>
+                                <a:schemeClr val="accent2">
+                                  <a:lumMod val="50000"/>
+                                </a:schemeClr>
+                              </a:solidFill>
+                              <a:latin typeface="Roboto Condensed" panose="02000000000000000000" pitchFamily="2" charset="0"/>
+                              <a:ea typeface="Roboto Condensed" panose="02000000000000000000" pitchFamily="2" charset="0"/>
+                            </a:rPr>
+                            <a:t>, </a:t>
+                          </a:r>
+                          <a:r>
+                            <a:rPr lang="en-US" dirty="0" err="1">
+                              <a:solidFill>
+                                <a:schemeClr val="accent2">
+                                  <a:lumMod val="50000"/>
+                                </a:schemeClr>
+                              </a:solidFill>
+                              <a:latin typeface="Roboto Condensed" panose="02000000000000000000" pitchFamily="2" charset="0"/>
+                              <a:ea typeface="Roboto Condensed" panose="02000000000000000000" pitchFamily="2" charset="0"/>
+                            </a:rPr>
+                            <a:t>CoilT</a:t>
+                          </a:r>
+                          <a:r>
+                            <a:rPr lang="en-US" dirty="0">
+                              <a:solidFill>
+                                <a:schemeClr val="accent2">
+                                  <a:lumMod val="50000"/>
+                                </a:schemeClr>
+                              </a:solidFill>
+                              <a:latin typeface="Roboto Condensed" panose="02000000000000000000" pitchFamily="2" charset="0"/>
+                              <a:ea typeface="Roboto Condensed" panose="02000000000000000000" pitchFamily="2" charset="0"/>
+                            </a:rPr>
+                            <a:t>, </a:t>
+                          </a:r>
+                          <a:r>
+                            <a:rPr lang="en-US" dirty="0" err="1">
+                              <a:solidFill>
+                                <a:schemeClr val="accent2">
+                                  <a:lumMod val="50000"/>
+                                </a:schemeClr>
+                              </a:solidFill>
+                              <a:latin typeface="Roboto Condensed" panose="02000000000000000000" pitchFamily="2" charset="0"/>
+                              <a:ea typeface="Roboto Condensed" panose="02000000000000000000" pitchFamily="2" charset="0"/>
+                            </a:rPr>
+                            <a:t>CoilT</a:t>
+                          </a:r>
+                          <a:r>
+                            <a:rPr lang="en-US" dirty="0">
+                              <a:solidFill>
+                                <a:schemeClr val="accent2">
+                                  <a:lumMod val="50000"/>
+                                </a:schemeClr>
+                              </a:solidFill>
+                              <a:latin typeface="Roboto Condensed" panose="02000000000000000000" pitchFamily="2" charset="0"/>
+                              <a:ea typeface="Roboto Condensed" panose="02000000000000000000" pitchFamily="2" charset="0"/>
+                            </a:rPr>
+                            <a:t>]</a:t>
+                          </a:r>
+                        </a:p>
+                      </a:txBody>
+                      <a:tcPr anchor="ctr"/>
+                    </a:tc>
+                    <a:tc>
+                      <a:txBody>
+                        <a:bodyPr/>
+                        <a:lstStyle/>
+                        <a:p>
+                          <a:pPr algn="ctr"/>
+                          <a:r>
+                            <a:rPr lang="en-US" dirty="0" err="1">
+                              <a:solidFill>
+                                <a:schemeClr val="accent2">
+                                  <a:lumMod val="50000"/>
+                                </a:schemeClr>
+                              </a:solidFill>
+                              <a:latin typeface="Roboto Condensed" panose="02000000000000000000" pitchFamily="2" charset="0"/>
+                              <a:ea typeface="Roboto Condensed" panose="02000000000000000000" pitchFamily="2" charset="0"/>
+                            </a:rPr>
+                            <a:t>ValueError</a:t>
+                          </a:r>
+                          <a:r>
+                            <a:rPr lang="en-US" sz="1400" b="0" i="0" u="none" strike="noStrike" cap="none" dirty="0">
+                              <a:solidFill>
+                                <a:schemeClr val="accent2">
+                                  <a:lumMod val="50000"/>
+                                </a:schemeClr>
+                              </a:solidFill>
+                              <a:effectLst/>
+                              <a:latin typeface="Roboto Condensed" panose="02000000000000000000" pitchFamily="2" charset="0"/>
+                              <a:ea typeface="Roboto Condensed" panose="02000000000000000000" pitchFamily="2" charset="0"/>
+                              <a:cs typeface="+mn-cs"/>
+                              <a:sym typeface="Arial"/>
+                            </a:rPr>
+                            <a:t> </a:t>
+                          </a:r>
+                          <a:endParaRPr lang="en-US" dirty="0">
+                            <a:solidFill>
+                              <a:schemeClr val="accent2">
+                                <a:lumMod val="50000"/>
+                              </a:schemeClr>
+                            </a:solidFill>
+                            <a:latin typeface="Roboto Condensed" panose="02000000000000000000" pitchFamily="2" charset="0"/>
+                            <a:ea typeface="Roboto Condensed" panose="02000000000000000000" pitchFamily="2" charset="0"/>
+                          </a:endParaRPr>
+                        </a:p>
+                      </a:txBody>
+                      <a:tcPr anchor="ctr"/>
+                    </a:tc>
+                    <a:extLst>
+                      <a:ext uri="{0D108BD9-81ED-4DB2-BD59-A6C34878D82A}">
+                        <a16:rowId xmlns:a16="http://schemas.microsoft.com/office/drawing/2014/main" val="2526313314"/>
+                      </a:ext>
+                    </a:extLst>
+                  </a:tr>
+                  <a:tr h="370840">
+                    <a:tc>
+                      <a:txBody>
+                        <a:bodyPr/>
+                        <a:lstStyle/>
+                        <a:p>
+                          <a:pPr algn="ctr"/>
+                          <a:r>
+                            <a:rPr lang="en-US" dirty="0" err="1">
+                              <a:solidFill>
+                                <a:schemeClr val="accent2">
+                                  <a:lumMod val="50000"/>
+                                </a:schemeClr>
+                              </a:solidFill>
+                              <a:latin typeface="Roboto Condensed" panose="02000000000000000000" pitchFamily="2" charset="0"/>
+                              <a:ea typeface="Roboto Condensed" panose="02000000000000000000" pitchFamily="2" charset="0"/>
+                            </a:rPr>
+                            <a:t>load_force_torque</a:t>
+                          </a:r>
+                          <a:endParaRPr lang="en-US" dirty="0">
+                            <a:solidFill>
+                              <a:schemeClr val="accent2">
+                                <a:lumMod val="50000"/>
+                              </a:schemeClr>
+                            </a:solidFill>
+                            <a:latin typeface="Roboto Condensed" panose="02000000000000000000" pitchFamily="2" charset="0"/>
+                            <a:ea typeface="Roboto Condensed" panose="02000000000000000000" pitchFamily="2" charset="0"/>
+                          </a:endParaRPr>
+                        </a:p>
+                      </a:txBody>
+                      <a:tcPr anchor="ctr"/>
+                    </a:tc>
+                    <a:tc>
+                      <a:txBody>
+                        <a:bodyPr/>
+                        <a:lstStyle/>
+                        <a:p>
+                          <a:pPr algn="ctr"/>
+                          <a:r>
+                            <a:rPr lang="en-US" dirty="0">
+                              <a:solidFill>
+                                <a:schemeClr val="accent2">
+                                  <a:lumMod val="50000"/>
+                                </a:schemeClr>
+                              </a:solidFill>
+                              <a:latin typeface="Roboto Condensed" panose="02000000000000000000" pitchFamily="2" charset="0"/>
+                              <a:ea typeface="Roboto Condensed" panose="02000000000000000000" pitchFamily="2" charset="0"/>
+                            </a:rPr>
+                            <a:t>string</a:t>
+                          </a:r>
+                        </a:p>
+                      </a:txBody>
+                      <a:tcPr anchor="ctr"/>
+                    </a:tc>
+                    <a:tc>
+                      <a:txBody>
+                        <a:bodyPr/>
+                        <a:lstStyle/>
+                        <a:p>
+                          <a:pPr marL="0" marR="0" lvl="0" indent="0" algn="ctr" defTabSz="914400" rtl="0" eaLnBrk="1" fontAlgn="auto" latinLnBrk="0" hangingPunct="1">
+                            <a:lnSpc>
+                              <a:spcPct val="100000"/>
+                            </a:lnSpc>
+                            <a:spcBef>
+                              <a:spcPts val="0"/>
+                            </a:spcBef>
+                            <a:spcAft>
+                              <a:spcPts val="0"/>
+                            </a:spcAft>
+                            <a:buClr>
+                              <a:srgbClr val="000000"/>
+                            </a:buClr>
+                            <a:buSzTx/>
+                            <a:buFont typeface="Arial"/>
+                            <a:buNone/>
+                            <a:tabLst/>
+                            <a:defRPr/>
+                          </a:pPr>
+                          <a14:m>
+                            <m:oMathPara xmlns:m="http://schemas.openxmlformats.org/officeDocument/2006/math">
+                              <m:oMathParaPr>
+                                <m:jc m:val="centerGroup"/>
+                              </m:oMathParaPr>
+                              <m:oMath xmlns:m="http://schemas.openxmlformats.org/officeDocument/2006/math">
+                                <m:r>
+                                  <a:rPr lang="en-US" sz="1400" b="0" i="1" smtClean="0">
+                                    <a:solidFill>
+                                      <a:schemeClr val="accent2">
+                                        <a:lumMod val="50000"/>
+                                      </a:schemeClr>
+                                    </a:solidFill>
+                                    <a:latin typeface="Cambria Math" panose="02040503050406030204" pitchFamily="18" charset="0"/>
+                                    <a:ea typeface="Roboto Condensed" panose="02000000000000000000" pitchFamily="2" charset="0"/>
+                                  </a:rPr>
+                                  <m:t>[</m:t>
+                                </m:r>
+                                <m:r>
+                                  <a:rPr lang="en-US" sz="1400" b="0" i="1" dirty="0" smtClean="0">
+                                    <a:solidFill>
+                                      <a:schemeClr val="accent2">
+                                        <a:lumMod val="50000"/>
+                                      </a:schemeClr>
+                                    </a:solidFill>
+                                    <a:latin typeface="Cambria Math" panose="02040503050406030204" pitchFamily="18" charset="0"/>
+                                    <a:ea typeface="Roboto Condensed" panose="02000000000000000000" pitchFamily="2" charset="0"/>
+                                  </a:rPr>
+                                  <m:t>ℝ</m:t>
+                                </m:r>
+                                <m:r>
+                                  <a:rPr lang="en-US" sz="1400" b="0" i="1" smtClean="0">
+                                    <a:solidFill>
+                                      <a:schemeClr val="accent2">
+                                        <a:lumMod val="50000"/>
+                                      </a:schemeClr>
+                                    </a:solidFill>
+                                    <a:latin typeface="Cambria Math" panose="02040503050406030204" pitchFamily="18" charset="0"/>
+                                    <a:ea typeface="Roboto Condensed" panose="02000000000000000000" pitchFamily="2" charset="0"/>
+                                  </a:rPr>
+                                  <m:t>,</m:t>
+                                </m:r>
+                                <m:r>
+                                  <a:rPr lang="en-US" sz="1400" b="0" i="1" dirty="0" smtClean="0">
+                                    <a:solidFill>
+                                      <a:schemeClr val="accent2">
+                                        <a:lumMod val="50000"/>
+                                      </a:schemeClr>
+                                    </a:solidFill>
+                                    <a:latin typeface="Cambria Math" panose="02040503050406030204" pitchFamily="18" charset="0"/>
+                                    <a:ea typeface="Roboto Condensed" panose="02000000000000000000" pitchFamily="2" charset="0"/>
+                                  </a:rPr>
+                                  <m:t>ℝ</m:t>
+                                </m:r>
+                                <m:r>
+                                  <a:rPr lang="en-US" sz="1400" b="0" i="1" smtClean="0">
+                                    <a:solidFill>
+                                      <a:schemeClr val="accent2">
+                                        <a:lumMod val="50000"/>
+                                      </a:schemeClr>
+                                    </a:solidFill>
+                                    <a:latin typeface="Cambria Math" panose="02040503050406030204" pitchFamily="18" charset="0"/>
+                                    <a:ea typeface="Cambria Math" panose="02040503050406030204" pitchFamily="18" charset="0"/>
+                                  </a:rPr>
+                                  <m:t>,</m:t>
+                                </m:r>
+                                <m:r>
+                                  <a:rPr lang="en-US" sz="1400" b="0" i="1" dirty="0" smtClean="0">
+                                    <a:solidFill>
+                                      <a:schemeClr val="accent2">
+                                        <a:lumMod val="50000"/>
+                                      </a:schemeClr>
+                                    </a:solidFill>
+                                    <a:latin typeface="Cambria Math" panose="02040503050406030204" pitchFamily="18" charset="0"/>
+                                    <a:ea typeface="Roboto Condensed" panose="02000000000000000000" pitchFamily="2" charset="0"/>
+                                  </a:rPr>
+                                  <m:t>ℝ</m:t>
+                                </m:r>
+                                <m:r>
+                                  <a:rPr lang="en-US" sz="1400" b="0" i="1" dirty="0" smtClean="0">
+                                    <a:solidFill>
+                                      <a:schemeClr val="accent2">
+                                        <a:lumMod val="50000"/>
+                                      </a:schemeClr>
+                                    </a:solidFill>
+                                    <a:latin typeface="Cambria Math" panose="02040503050406030204" pitchFamily="18" charset="0"/>
+                                    <a:ea typeface="Roboto Condensed" panose="02000000000000000000" pitchFamily="2" charset="0"/>
+                                  </a:rPr>
+                                  <m:t>,</m:t>
+                                </m:r>
+                                <m:r>
+                                  <a:rPr lang="en-US" sz="1400" b="0" i="1" dirty="0" smtClean="0">
+                                    <a:solidFill>
+                                      <a:schemeClr val="accent2">
+                                        <a:lumMod val="50000"/>
+                                      </a:schemeClr>
+                                    </a:solidFill>
+                                    <a:latin typeface="Cambria Math" panose="02040503050406030204" pitchFamily="18" charset="0"/>
+                                    <a:ea typeface="Roboto Condensed" panose="02000000000000000000" pitchFamily="2" charset="0"/>
+                                  </a:rPr>
+                                  <m:t>ℝ</m:t>
+                                </m:r>
+                                <m:r>
+                                  <a:rPr lang="en-US" sz="1400" b="0" i="1" smtClean="0">
+                                    <a:solidFill>
+                                      <a:schemeClr val="accent2">
+                                        <a:lumMod val="50000"/>
+                                      </a:schemeClr>
+                                    </a:solidFill>
+                                    <a:latin typeface="Cambria Math" panose="02040503050406030204" pitchFamily="18" charset="0"/>
+                                    <a:ea typeface="Roboto Condensed" panose="02000000000000000000" pitchFamily="2" charset="0"/>
+                                  </a:rPr>
+                                  <m:t>,</m:t>
+                                </m:r>
+                                <m:r>
+                                  <a:rPr lang="en-US" sz="1400" b="0" i="1" dirty="0" smtClean="0">
+                                    <a:solidFill>
+                                      <a:schemeClr val="accent2">
+                                        <a:lumMod val="50000"/>
+                                      </a:schemeClr>
+                                    </a:solidFill>
+                                    <a:latin typeface="Cambria Math" panose="02040503050406030204" pitchFamily="18" charset="0"/>
+                                    <a:ea typeface="Roboto Condensed" panose="02000000000000000000" pitchFamily="2" charset="0"/>
+                                  </a:rPr>
+                                  <m:t>ℝ</m:t>
+                                </m:r>
+                                <m:r>
+                                  <a:rPr lang="en-US" sz="1400" b="0" i="1" smtClean="0">
+                                    <a:solidFill>
+                                      <a:schemeClr val="accent2">
+                                        <a:lumMod val="50000"/>
+                                      </a:schemeClr>
+                                    </a:solidFill>
+                                    <a:latin typeface="Cambria Math" panose="02040503050406030204" pitchFamily="18" charset="0"/>
+                                    <a:ea typeface="Cambria Math" panose="02040503050406030204" pitchFamily="18" charset="0"/>
+                                  </a:rPr>
+                                  <m:t>,</m:t>
+                                </m:r>
+                                <m:r>
+                                  <a:rPr lang="en-US" sz="1400" b="0" i="1" dirty="0" smtClean="0">
+                                    <a:solidFill>
+                                      <a:schemeClr val="accent2">
+                                        <a:lumMod val="50000"/>
+                                      </a:schemeClr>
+                                    </a:solidFill>
+                                    <a:latin typeface="Cambria Math" panose="02040503050406030204" pitchFamily="18" charset="0"/>
+                                    <a:ea typeface="Roboto Condensed" panose="02000000000000000000" pitchFamily="2" charset="0"/>
+                                  </a:rPr>
+                                  <m:t>ℝ</m:t>
+                                </m:r>
+                                <m:r>
+                                  <a:rPr lang="en-US" sz="1400" b="0" i="1" smtClean="0">
+                                    <a:solidFill>
+                                      <a:schemeClr val="accent2">
+                                        <a:lumMod val="50000"/>
+                                      </a:schemeClr>
+                                    </a:solidFill>
+                                    <a:latin typeface="Cambria Math" panose="02040503050406030204" pitchFamily="18" charset="0"/>
+                                    <a:ea typeface="Cambria Math" panose="02040503050406030204" pitchFamily="18" charset="0"/>
+                                  </a:rPr>
+                                  <m:t>]</m:t>
+                                </m:r>
+                              </m:oMath>
+                            </m:oMathPara>
+                          </a14:m>
+                          <a:endParaRPr lang="en-US" sz="1400" dirty="0">
+                            <a:solidFill>
+                              <a:schemeClr val="accent2">
+                                <a:lumMod val="50000"/>
+                              </a:schemeClr>
+                            </a:solidFill>
+                            <a:latin typeface="Roboto Condensed" panose="02000000000000000000" pitchFamily="2" charset="0"/>
+                            <a:ea typeface="Roboto Condensed" panose="02000000000000000000" pitchFamily="2" charset="0"/>
+                          </a:endParaRPr>
+                        </a:p>
+                      </a:txBody>
+                      <a:tcPr anchor="ctr"/>
+                    </a:tc>
+                    <a:tc>
+                      <a:txBody>
+                        <a:bodyPr/>
+                        <a:lstStyle/>
+                        <a:p>
+                          <a:pPr marL="0" marR="0" lvl="0" indent="0" algn="ctr" defTabSz="914400" rtl="0" eaLnBrk="1" fontAlgn="auto" latinLnBrk="0" hangingPunct="1">
+                            <a:lnSpc>
+                              <a:spcPct val="100000"/>
+                            </a:lnSpc>
+                            <a:spcBef>
+                              <a:spcPts val="0"/>
+                            </a:spcBef>
+                            <a:spcAft>
+                              <a:spcPts val="0"/>
+                            </a:spcAft>
+                            <a:buClr>
+                              <a:srgbClr val="000000"/>
+                            </a:buClr>
+                            <a:buSzTx/>
+                            <a:buFont typeface="Arial"/>
+                            <a:buNone/>
+                            <a:tabLst/>
+                            <a:defRPr/>
+                          </a:pPr>
+                          <a:r>
+                            <a:rPr lang="en-US" dirty="0" err="1">
+                              <a:solidFill>
+                                <a:schemeClr val="accent2">
+                                  <a:lumMod val="50000"/>
+                                </a:schemeClr>
+                              </a:solidFill>
+                              <a:latin typeface="Roboto Condensed" panose="02000000000000000000" pitchFamily="2" charset="0"/>
+                              <a:ea typeface="Roboto Condensed" panose="02000000000000000000" pitchFamily="2" charset="0"/>
+                            </a:rPr>
+                            <a:t>ValueError</a:t>
+                          </a:r>
+                          <a:r>
+                            <a:rPr lang="en-US" sz="1400" b="0" i="0" u="none" strike="noStrike" cap="none" dirty="0">
+                              <a:solidFill>
+                                <a:schemeClr val="accent2">
+                                  <a:lumMod val="50000"/>
+                                </a:schemeClr>
+                              </a:solidFill>
+                              <a:effectLst/>
+                              <a:latin typeface="Roboto Condensed" panose="02000000000000000000" pitchFamily="2" charset="0"/>
+                              <a:ea typeface="Roboto Condensed" panose="02000000000000000000" pitchFamily="2" charset="0"/>
+                              <a:cs typeface="+mn-cs"/>
+                              <a:sym typeface="Arial"/>
+                            </a:rPr>
+                            <a:t> </a:t>
+                          </a:r>
+                          <a:endParaRPr lang="en-US" dirty="0">
+                            <a:solidFill>
+                              <a:schemeClr val="accent2">
+                                <a:lumMod val="50000"/>
+                              </a:schemeClr>
+                            </a:solidFill>
+                            <a:latin typeface="Roboto Condensed" panose="02000000000000000000" pitchFamily="2" charset="0"/>
+                            <a:ea typeface="Roboto Condensed" panose="02000000000000000000" pitchFamily="2" charset="0"/>
+                          </a:endParaRPr>
+                        </a:p>
+                      </a:txBody>
+                      <a:tcPr anchor="ctr"/>
+                    </a:tc>
+                    <a:extLst>
+                      <a:ext uri="{0D108BD9-81ED-4DB2-BD59-A6C34878D82A}">
+                        <a16:rowId xmlns:a16="http://schemas.microsoft.com/office/drawing/2014/main" val="823574980"/>
+                      </a:ext>
+                    </a:extLst>
+                  </a:tr>
+                </a:tbl>
+              </a:graphicData>
+            </a:graphic>
+          </p:graphicFrame>
+        </mc:Choice>
+        <mc:Fallback>
+          <p:graphicFrame>
+            <p:nvGraphicFramePr>
+              <p:cNvPr id="4" name="Table 3">
                 <a:extLst>
-                  <a:ext uri="{0D108BD9-81ED-4DB2-BD59-A6C34878D82A}">
-                    <a16:rowId xmlns:a16="http://schemas.microsoft.com/office/drawing/2014/main" val="4009617831"/>
+                  <a:ext uri="{FF2B5EF4-FFF2-40B4-BE49-F238E27FC236}">
+                    <a16:creationId xmlns:a16="http://schemas.microsoft.com/office/drawing/2014/main" id="{EF58ADAC-52AF-D013-EEA2-B10E86F21E81}"/>
                   </a:ext>
                 </a:extLst>
-              </a:tr>
-            </a:tbl>
-          </a:graphicData>
-        </a:graphic>
-      </p:graphicFrame>
+              </p:cNvPr>
+              <p:cNvGraphicFramePr>
+                <a:graphicFrameLocks noGrp="1"/>
+              </p:cNvGraphicFramePr>
+              <p:nvPr>
+                <p:extLst>
+                  <p:ext uri="{D42A27DB-BD31-4B8C-83A1-F6EECF244321}">
+                    <p14:modId xmlns:p14="http://schemas.microsoft.com/office/powerpoint/2010/main" val="1213372358"/>
+                  </p:ext>
+                </p:extLst>
+              </p:nvPr>
+            </p:nvGraphicFramePr>
+            <p:xfrm>
+              <a:off x="947698" y="3310940"/>
+              <a:ext cx="6096000" cy="1112520"/>
+            </p:xfrm>
+            <a:graphic>
+              <a:graphicData uri="http://schemas.openxmlformats.org/drawingml/2006/table">
+                <a:tbl>
+                  <a:tblPr firstRow="1" bandRow="1">
+                    <a:tableStyleId>{E929F9F4-4A8F-4326-A1B4-22849713DDAB}</a:tableStyleId>
+                  </a:tblPr>
+                  <a:tblGrid>
+                    <a:gridCol w="1524000">
+                      <a:extLst>
+                        <a:ext uri="{9D8B030D-6E8A-4147-A177-3AD203B41FA5}">
+                          <a16:colId xmlns:a16="http://schemas.microsoft.com/office/drawing/2014/main" val="1527678177"/>
+                        </a:ext>
+                      </a:extLst>
+                    </a:gridCol>
+                    <a:gridCol w="1524000">
+                      <a:extLst>
+                        <a:ext uri="{9D8B030D-6E8A-4147-A177-3AD203B41FA5}">
+                          <a16:colId xmlns:a16="http://schemas.microsoft.com/office/drawing/2014/main" val="529960761"/>
+                        </a:ext>
+                      </a:extLst>
+                    </a:gridCol>
+                    <a:gridCol w="1524000">
+                      <a:extLst>
+                        <a:ext uri="{9D8B030D-6E8A-4147-A177-3AD203B41FA5}">
+                          <a16:colId xmlns:a16="http://schemas.microsoft.com/office/drawing/2014/main" val="314431527"/>
+                        </a:ext>
+                      </a:extLst>
+                    </a:gridCol>
+                    <a:gridCol w="1524000">
+                      <a:extLst>
+                        <a:ext uri="{9D8B030D-6E8A-4147-A177-3AD203B41FA5}">
+                          <a16:colId xmlns:a16="http://schemas.microsoft.com/office/drawing/2014/main" val="2799991699"/>
+                        </a:ext>
+                      </a:extLst>
+                    </a:gridCol>
+                  </a:tblGrid>
+                  <a:tr h="370840">
+                    <a:tc>
+                      <a:txBody>
+                        <a:bodyPr/>
+                        <a:lstStyle/>
+                        <a:p>
+                          <a:pPr algn="ctr"/>
+                          <a:r>
+                            <a:rPr lang="en-US" dirty="0">
+                              <a:latin typeface="Roboto Condensed" panose="02000000000000000000" pitchFamily="2" charset="0"/>
+                              <a:ea typeface="Roboto Condensed" panose="02000000000000000000" pitchFamily="2" charset="0"/>
+                            </a:rPr>
+                            <a:t>Name</a:t>
+                          </a:r>
+                        </a:p>
+                      </a:txBody>
+                      <a:tcPr anchor="ctr"/>
+                    </a:tc>
+                    <a:tc>
+                      <a:txBody>
+                        <a:bodyPr/>
+                        <a:lstStyle/>
+                        <a:p>
+                          <a:pPr algn="ctr"/>
+                          <a:r>
+                            <a:rPr lang="en-US" dirty="0">
+                              <a:latin typeface="Roboto Condensed" panose="02000000000000000000" pitchFamily="2" charset="0"/>
+                              <a:ea typeface="Roboto Condensed" panose="02000000000000000000" pitchFamily="2" charset="0"/>
+                            </a:rPr>
+                            <a:t>In</a:t>
+                          </a:r>
+                        </a:p>
+                      </a:txBody>
+                      <a:tcPr anchor="ctr"/>
+                    </a:tc>
+                    <a:tc>
+                      <a:txBody>
+                        <a:bodyPr/>
+                        <a:lstStyle/>
+                        <a:p>
+                          <a:pPr algn="ctr"/>
+                          <a:r>
+                            <a:rPr lang="en-US" dirty="0">
+                              <a:latin typeface="Roboto Condensed" panose="02000000000000000000" pitchFamily="2" charset="0"/>
+                              <a:ea typeface="Roboto Condensed" panose="02000000000000000000" pitchFamily="2" charset="0"/>
+                            </a:rPr>
+                            <a:t>Out</a:t>
+                          </a:r>
+                        </a:p>
+                      </a:txBody>
+                      <a:tcPr anchor="ctr"/>
+                    </a:tc>
+                    <a:tc>
+                      <a:txBody>
+                        <a:bodyPr/>
+                        <a:lstStyle/>
+                        <a:p>
+                          <a:pPr algn="ctr"/>
+                          <a:r>
+                            <a:rPr lang="en-US" dirty="0"/>
+                            <a:t>Exceptions</a:t>
+                          </a:r>
+                          <a:endParaRPr lang="en-US" dirty="0">
+                            <a:latin typeface="Roboto Condensed" panose="02000000000000000000" pitchFamily="2" charset="0"/>
+                            <a:ea typeface="Roboto Condensed" panose="02000000000000000000" pitchFamily="2" charset="0"/>
+                          </a:endParaRPr>
+                        </a:p>
+                      </a:txBody>
+                      <a:tcPr anchor="ctr"/>
+                    </a:tc>
+                    <a:extLst>
+                      <a:ext uri="{0D108BD9-81ED-4DB2-BD59-A6C34878D82A}">
+                        <a16:rowId xmlns:a16="http://schemas.microsoft.com/office/drawing/2014/main" val="1781836610"/>
+                      </a:ext>
+                    </a:extLst>
+                  </a:tr>
+                  <a:tr h="370840">
+                    <a:tc>
+                      <a:txBody>
+                        <a:bodyPr/>
+                        <a:lstStyle/>
+                        <a:p>
+                          <a:pPr algn="ctr"/>
+                          <a:r>
+                            <a:rPr lang="en-US" dirty="0" err="1">
+                              <a:solidFill>
+                                <a:schemeClr val="accent2">
+                                  <a:lumMod val="50000"/>
+                                </a:schemeClr>
+                              </a:solidFill>
+                              <a:latin typeface="Roboto Condensed" panose="02000000000000000000" pitchFamily="2" charset="0"/>
+                              <a:ea typeface="Roboto Condensed" panose="02000000000000000000" pitchFamily="2" charset="0"/>
+                            </a:rPr>
+                            <a:t>load_coils</a:t>
+                          </a:r>
+                          <a:endParaRPr lang="en-US" dirty="0">
+                            <a:solidFill>
+                              <a:schemeClr val="accent2">
+                                <a:lumMod val="50000"/>
+                              </a:schemeClr>
+                            </a:solidFill>
+                            <a:latin typeface="Roboto Condensed" panose="02000000000000000000" pitchFamily="2" charset="0"/>
+                            <a:ea typeface="Roboto Condensed" panose="02000000000000000000" pitchFamily="2" charset="0"/>
+                          </a:endParaRPr>
+                        </a:p>
+                      </a:txBody>
+                      <a:tcPr anchor="ctr"/>
+                    </a:tc>
+                    <a:tc>
+                      <a:txBody>
+                        <a:bodyPr/>
+                        <a:lstStyle/>
+                        <a:p>
+                          <a:pPr algn="ctr"/>
+                          <a:r>
+                            <a:rPr lang="en-US" dirty="0">
+                              <a:solidFill>
+                                <a:schemeClr val="accent2">
+                                  <a:lumMod val="50000"/>
+                                </a:schemeClr>
+                              </a:solidFill>
+                              <a:latin typeface="Roboto Condensed" panose="02000000000000000000" pitchFamily="2" charset="0"/>
+                              <a:ea typeface="Roboto Condensed" panose="02000000000000000000" pitchFamily="2" charset="0"/>
+                            </a:rPr>
+                            <a:t>string</a:t>
+                          </a:r>
+                        </a:p>
+                      </a:txBody>
+                      <a:tcPr anchor="ctr"/>
+                    </a:tc>
+                    <a:tc>
+                      <a:txBody>
+                        <a:bodyPr/>
+                        <a:lstStyle/>
+                        <a:p>
+                          <a:pPr algn="ctr"/>
+                          <a:r>
+                            <a:rPr lang="en-US" dirty="0">
+                              <a:solidFill>
+                                <a:schemeClr val="accent2">
+                                  <a:lumMod val="50000"/>
+                                </a:schemeClr>
+                              </a:solidFill>
+                              <a:latin typeface="Roboto Condensed" panose="02000000000000000000" pitchFamily="2" charset="0"/>
+                              <a:ea typeface="Roboto Condensed" panose="02000000000000000000" pitchFamily="2" charset="0"/>
+                            </a:rPr>
+                            <a:t>[</a:t>
+                          </a:r>
+                          <a:r>
+                            <a:rPr lang="en-US" dirty="0" err="1">
+                              <a:solidFill>
+                                <a:schemeClr val="accent2">
+                                  <a:lumMod val="50000"/>
+                                </a:schemeClr>
+                              </a:solidFill>
+                              <a:latin typeface="Roboto Condensed" panose="02000000000000000000" pitchFamily="2" charset="0"/>
+                              <a:ea typeface="Roboto Condensed" panose="02000000000000000000" pitchFamily="2" charset="0"/>
+                            </a:rPr>
+                            <a:t>CoilT</a:t>
+                          </a:r>
+                          <a:r>
+                            <a:rPr lang="en-US" dirty="0">
+                              <a:solidFill>
+                                <a:schemeClr val="accent2">
+                                  <a:lumMod val="50000"/>
+                                </a:schemeClr>
+                              </a:solidFill>
+                              <a:latin typeface="Roboto Condensed" panose="02000000000000000000" pitchFamily="2" charset="0"/>
+                              <a:ea typeface="Roboto Condensed" panose="02000000000000000000" pitchFamily="2" charset="0"/>
+                            </a:rPr>
+                            <a:t>, </a:t>
+                          </a:r>
+                          <a:r>
+                            <a:rPr lang="en-US" dirty="0" err="1">
+                              <a:solidFill>
+                                <a:schemeClr val="accent2">
+                                  <a:lumMod val="50000"/>
+                                </a:schemeClr>
+                              </a:solidFill>
+                              <a:latin typeface="Roboto Condensed" panose="02000000000000000000" pitchFamily="2" charset="0"/>
+                              <a:ea typeface="Roboto Condensed" panose="02000000000000000000" pitchFamily="2" charset="0"/>
+                            </a:rPr>
+                            <a:t>CoilT</a:t>
+                          </a:r>
+                          <a:r>
+                            <a:rPr lang="en-US" dirty="0">
+                              <a:solidFill>
+                                <a:schemeClr val="accent2">
+                                  <a:lumMod val="50000"/>
+                                </a:schemeClr>
+                              </a:solidFill>
+                              <a:latin typeface="Roboto Condensed" panose="02000000000000000000" pitchFamily="2" charset="0"/>
+                              <a:ea typeface="Roboto Condensed" panose="02000000000000000000" pitchFamily="2" charset="0"/>
+                            </a:rPr>
+                            <a:t>, </a:t>
+                          </a:r>
+                          <a:r>
+                            <a:rPr lang="en-US" dirty="0" err="1">
+                              <a:solidFill>
+                                <a:schemeClr val="accent2">
+                                  <a:lumMod val="50000"/>
+                                </a:schemeClr>
+                              </a:solidFill>
+                              <a:latin typeface="Roboto Condensed" panose="02000000000000000000" pitchFamily="2" charset="0"/>
+                              <a:ea typeface="Roboto Condensed" panose="02000000000000000000" pitchFamily="2" charset="0"/>
+                            </a:rPr>
+                            <a:t>CoilT</a:t>
+                          </a:r>
+                          <a:r>
+                            <a:rPr lang="en-US" dirty="0">
+                              <a:solidFill>
+                                <a:schemeClr val="accent2">
+                                  <a:lumMod val="50000"/>
+                                </a:schemeClr>
+                              </a:solidFill>
+                              <a:latin typeface="Roboto Condensed" panose="02000000000000000000" pitchFamily="2" charset="0"/>
+                              <a:ea typeface="Roboto Condensed" panose="02000000000000000000" pitchFamily="2" charset="0"/>
+                            </a:rPr>
+                            <a:t>]</a:t>
+                          </a:r>
+                        </a:p>
+                      </a:txBody>
+                      <a:tcPr anchor="ctr"/>
+                    </a:tc>
+                    <a:tc>
+                      <a:txBody>
+                        <a:bodyPr/>
+                        <a:lstStyle/>
+                        <a:p>
+                          <a:pPr algn="ctr"/>
+                          <a:r>
+                            <a:rPr lang="en-US" dirty="0" err="1">
+                              <a:solidFill>
+                                <a:schemeClr val="accent2">
+                                  <a:lumMod val="50000"/>
+                                </a:schemeClr>
+                              </a:solidFill>
+                              <a:latin typeface="Roboto Condensed" panose="02000000000000000000" pitchFamily="2" charset="0"/>
+                              <a:ea typeface="Roboto Condensed" panose="02000000000000000000" pitchFamily="2" charset="0"/>
+                            </a:rPr>
+                            <a:t>ValueError</a:t>
+                          </a:r>
+                          <a:r>
+                            <a:rPr lang="en-US" sz="1400" b="0" i="0" u="none" strike="noStrike" cap="none" dirty="0">
+                              <a:solidFill>
+                                <a:schemeClr val="accent2">
+                                  <a:lumMod val="50000"/>
+                                </a:schemeClr>
+                              </a:solidFill>
+                              <a:effectLst/>
+                              <a:latin typeface="Roboto Condensed" panose="02000000000000000000" pitchFamily="2" charset="0"/>
+                              <a:ea typeface="Roboto Condensed" panose="02000000000000000000" pitchFamily="2" charset="0"/>
+                              <a:cs typeface="+mn-cs"/>
+                              <a:sym typeface="Arial"/>
+                            </a:rPr>
+                            <a:t> </a:t>
+                          </a:r>
+                          <a:endParaRPr lang="en-US" dirty="0">
+                            <a:solidFill>
+                              <a:schemeClr val="accent2">
+                                <a:lumMod val="50000"/>
+                              </a:schemeClr>
+                            </a:solidFill>
+                            <a:latin typeface="Roboto Condensed" panose="02000000000000000000" pitchFamily="2" charset="0"/>
+                            <a:ea typeface="Roboto Condensed" panose="02000000000000000000" pitchFamily="2" charset="0"/>
+                          </a:endParaRPr>
+                        </a:p>
+                      </a:txBody>
+                      <a:tcPr anchor="ctr"/>
+                    </a:tc>
+                    <a:extLst>
+                      <a:ext uri="{0D108BD9-81ED-4DB2-BD59-A6C34878D82A}">
+                        <a16:rowId xmlns:a16="http://schemas.microsoft.com/office/drawing/2014/main" val="2526313314"/>
+                      </a:ext>
+                    </a:extLst>
+                  </a:tr>
+                  <a:tr h="370840">
+                    <a:tc>
+                      <a:txBody>
+                        <a:bodyPr/>
+                        <a:lstStyle/>
+                        <a:p>
+                          <a:pPr algn="ctr"/>
+                          <a:r>
+                            <a:rPr lang="en-US" dirty="0" err="1">
+                              <a:solidFill>
+                                <a:schemeClr val="accent2">
+                                  <a:lumMod val="50000"/>
+                                </a:schemeClr>
+                              </a:solidFill>
+                              <a:latin typeface="Roboto Condensed" panose="02000000000000000000" pitchFamily="2" charset="0"/>
+                              <a:ea typeface="Roboto Condensed" panose="02000000000000000000" pitchFamily="2" charset="0"/>
+                            </a:rPr>
+                            <a:t>load_force_torque</a:t>
+                          </a:r>
+                          <a:endParaRPr lang="en-US" dirty="0">
+                            <a:solidFill>
+                              <a:schemeClr val="accent2">
+                                <a:lumMod val="50000"/>
+                              </a:schemeClr>
+                            </a:solidFill>
+                            <a:latin typeface="Roboto Condensed" panose="02000000000000000000" pitchFamily="2" charset="0"/>
+                            <a:ea typeface="Roboto Condensed" panose="02000000000000000000" pitchFamily="2" charset="0"/>
+                          </a:endParaRPr>
+                        </a:p>
+                      </a:txBody>
+                      <a:tcPr anchor="ctr"/>
+                    </a:tc>
+                    <a:tc>
+                      <a:txBody>
+                        <a:bodyPr/>
+                        <a:lstStyle/>
+                        <a:p>
+                          <a:pPr algn="ctr"/>
+                          <a:r>
+                            <a:rPr lang="en-US" dirty="0">
+                              <a:solidFill>
+                                <a:schemeClr val="accent2">
+                                  <a:lumMod val="50000"/>
+                                </a:schemeClr>
+                              </a:solidFill>
+                              <a:latin typeface="Roboto Condensed" panose="02000000000000000000" pitchFamily="2" charset="0"/>
+                              <a:ea typeface="Roboto Condensed" panose="02000000000000000000" pitchFamily="2" charset="0"/>
+                            </a:rPr>
+                            <a:t>string</a:t>
+                          </a:r>
+                        </a:p>
+                      </a:txBody>
+                      <a:tcPr anchor="ctr"/>
+                    </a:tc>
+                    <a:tc>
+                      <a:txBody>
+                        <a:bodyPr/>
+                        <a:lstStyle/>
+                        <a:p>
+                          <a:endParaRPr lang="en-US"/>
+                        </a:p>
+                      </a:txBody>
+                      <a:tcPr anchor="ctr">
+                        <a:blipFill>
+                          <a:blip r:embed="rId2"/>
+                          <a:stretch>
+                            <a:fillRect l="-200400" t="-200000" r="-100800" b="-8197"/>
+                          </a:stretch>
+                        </a:blipFill>
+                      </a:tcPr>
+                    </a:tc>
+                    <a:tc>
+                      <a:txBody>
+                        <a:bodyPr/>
+                        <a:lstStyle/>
+                        <a:p>
+                          <a:pPr marL="0" marR="0" lvl="0" indent="0" algn="ctr" defTabSz="914400" rtl="0" eaLnBrk="1" fontAlgn="auto" latinLnBrk="0" hangingPunct="1">
+                            <a:lnSpc>
+                              <a:spcPct val="100000"/>
+                            </a:lnSpc>
+                            <a:spcBef>
+                              <a:spcPts val="0"/>
+                            </a:spcBef>
+                            <a:spcAft>
+                              <a:spcPts val="0"/>
+                            </a:spcAft>
+                            <a:buClr>
+                              <a:srgbClr val="000000"/>
+                            </a:buClr>
+                            <a:buSzTx/>
+                            <a:buFont typeface="Arial"/>
+                            <a:buNone/>
+                            <a:tabLst/>
+                            <a:defRPr/>
+                          </a:pPr>
+                          <a:r>
+                            <a:rPr lang="en-US" dirty="0" err="1">
+                              <a:solidFill>
+                                <a:schemeClr val="accent2">
+                                  <a:lumMod val="50000"/>
+                                </a:schemeClr>
+                              </a:solidFill>
+                              <a:latin typeface="Roboto Condensed" panose="02000000000000000000" pitchFamily="2" charset="0"/>
+                              <a:ea typeface="Roboto Condensed" panose="02000000000000000000" pitchFamily="2" charset="0"/>
+                            </a:rPr>
+                            <a:t>ValueError</a:t>
+                          </a:r>
+                          <a:r>
+                            <a:rPr lang="en-US" sz="1400" b="0" i="0" u="none" strike="noStrike" cap="none" dirty="0">
+                              <a:solidFill>
+                                <a:schemeClr val="accent2">
+                                  <a:lumMod val="50000"/>
+                                </a:schemeClr>
+                              </a:solidFill>
+                              <a:effectLst/>
+                              <a:latin typeface="Roboto Condensed" panose="02000000000000000000" pitchFamily="2" charset="0"/>
+                              <a:ea typeface="Roboto Condensed" panose="02000000000000000000" pitchFamily="2" charset="0"/>
+                              <a:cs typeface="+mn-cs"/>
+                              <a:sym typeface="Arial"/>
+                            </a:rPr>
+                            <a:t> </a:t>
+                          </a:r>
+                          <a:endParaRPr lang="en-US" dirty="0">
+                            <a:solidFill>
+                              <a:schemeClr val="accent2">
+                                <a:lumMod val="50000"/>
+                              </a:schemeClr>
+                            </a:solidFill>
+                            <a:latin typeface="Roboto Condensed" panose="02000000000000000000" pitchFamily="2" charset="0"/>
+                            <a:ea typeface="Roboto Condensed" panose="02000000000000000000" pitchFamily="2" charset="0"/>
+                          </a:endParaRPr>
+                        </a:p>
+                      </a:txBody>
+                      <a:tcPr anchor="ctr"/>
+                    </a:tc>
+                    <a:extLst>
+                      <a:ext uri="{0D108BD9-81ED-4DB2-BD59-A6C34878D82A}">
+                        <a16:rowId xmlns:a16="http://schemas.microsoft.com/office/drawing/2014/main" val="823574980"/>
+                      </a:ext>
+                    </a:extLst>
+                  </a:tr>
+                </a:tbl>
+              </a:graphicData>
+            </a:graphic>
+          </p:graphicFrame>
+        </mc:Fallback>
+      </mc:AlternateContent>
       <p:sp>
         <p:nvSpPr>
           <p:cNvPr id="6" name="Slide Number Placeholder 4">
             <a:extLst>
               <a:ext uri="{FF2B5EF4-FFF2-40B4-BE49-F238E27FC236}">
-                <a16:creationId xmlns:a16="http://schemas.microsoft.com/office/drawing/2014/main" id="{EEA021BB-CB6B-1913-0BC8-8A560FFFE7F3}"/>
+                <a16:creationId xmlns:a16="http://schemas.microsoft.com/office/drawing/2014/main" id="{6B32BA04-D199-6875-E473-5EBE831CE3FF}"/>
               </a:ext>
             </a:extLst>
           </p:cNvPr>
@@ -13427,11 +16533,11 @@
             </a:pPr>
             <a:fld id="{00000000-1234-1234-1234-123412341234}" type="slidenum">
               <a:rPr lang="en" smtClean="0"/>
-              <a:t>14</a:t>
+              <a:t>9</a:t>
             </a:fld>
             <a:r>
               <a:rPr lang="en" dirty="0"/>
-              <a:t>/15</a:t>
+              <a:t>/14</a:t>
             </a:r>
           </a:p>
         </p:txBody>
@@ -13439,3146 +16545,9 @@
     </p:spTree>
     <p:extLst>
       <p:ext uri="{BB962C8B-B14F-4D97-AF65-F5344CB8AC3E}">
-        <p14:creationId xmlns:p14="http://schemas.microsoft.com/office/powerpoint/2010/main" val="1743083407"/>
+        <p14:creationId xmlns:p14="http://schemas.microsoft.com/office/powerpoint/2010/main" val="3596428012"/>
       </p:ext>
     </p:extLst>
-  </p:cSld>
-  <p:clrMapOvr>
-    <a:masterClrMapping/>
-  </p:clrMapOvr>
-</p:sld>
-</file>
-
-<file path=ppt/slides/slide15.xml><?xml version="1.0" encoding="utf-8"?>
-<p:sld xmlns:a="http://schemas.openxmlformats.org/drawingml/2006/main" xmlns:r="http://schemas.openxmlformats.org/officeDocument/2006/relationships" xmlns:p="http://schemas.openxmlformats.org/presentationml/2006/main">
-  <p:cSld>
-    <p:spTree>
-      <p:nvGrpSpPr>
-        <p:cNvPr id="1" name="Shape 522"/>
-        <p:cNvGrpSpPr/>
-        <p:nvPr/>
-      </p:nvGrpSpPr>
-      <p:grpSpPr>
-        <a:xfrm>
-          <a:off x="0" y="0"/>
-          <a:ext cx="0" cy="0"/>
-          <a:chOff x="0" y="0"/>
-          <a:chExt cx="0" cy="0"/>
-        </a:xfrm>
-      </p:grpSpPr>
-      <p:sp>
-        <p:nvSpPr>
-          <p:cNvPr id="524" name="Google Shape;524;p33"/>
-          <p:cNvSpPr txBox="1">
-            <a:spLocks noGrp="1"/>
-          </p:cNvSpPr>
-          <p:nvPr>
-            <p:ph type="ctrTitle" idx="4294967295"/>
-          </p:nvPr>
-        </p:nvSpPr>
-        <p:spPr>
-          <a:xfrm>
-            <a:off x="1275150" y="1849200"/>
-            <a:ext cx="6593700" cy="1159800"/>
-          </a:xfrm>
-          <a:prstGeom prst="rect">
-            <a:avLst/>
-          </a:prstGeom>
-        </p:spPr>
-        <p:txBody>
-          <a:bodyPr spcFirstLastPara="1" wrap="square" lIns="91425" tIns="91425" rIns="91425" bIns="91425" anchor="ctr" anchorCtr="0">
-            <a:noAutofit/>
-          </a:bodyPr>
-          <a:lstStyle/>
-          <a:p>
-            <a:pPr marL="0" lvl="0" indent="0" algn="ctr" rtl="0">
-              <a:spcBef>
-                <a:spcPts val="0"/>
-              </a:spcBef>
-              <a:spcAft>
-                <a:spcPts val="0"/>
-              </a:spcAft>
-              <a:buNone/>
-            </a:pPr>
-            <a:r>
-              <a:rPr lang="en" sz="6000" dirty="0">
-                <a:solidFill>
-                  <a:schemeClr val="accent5"/>
-                </a:solidFill>
-              </a:rPr>
-              <a:t>THANK You!</a:t>
-            </a:r>
-            <a:endParaRPr sz="6000" dirty="0">
-              <a:solidFill>
-                <a:schemeClr val="accent5"/>
-              </a:solidFill>
-            </a:endParaRPr>
-          </a:p>
-        </p:txBody>
-      </p:sp>
-      <p:sp>
-        <p:nvSpPr>
-          <p:cNvPr id="525" name="Google Shape;525;p33"/>
-          <p:cNvSpPr txBox="1">
-            <a:spLocks noGrp="1"/>
-          </p:cNvSpPr>
-          <p:nvPr>
-            <p:ph type="subTitle" idx="4294967295"/>
-          </p:nvPr>
-        </p:nvSpPr>
-        <p:spPr>
-          <a:xfrm>
-            <a:off x="1275150" y="2648590"/>
-            <a:ext cx="6593700" cy="1342200"/>
-          </a:xfrm>
-          <a:prstGeom prst="rect">
-            <a:avLst/>
-          </a:prstGeom>
-        </p:spPr>
-        <p:txBody>
-          <a:bodyPr spcFirstLastPara="1" wrap="square" lIns="91425" tIns="91425" rIns="91425" bIns="91425" anchor="ctr" anchorCtr="0">
-            <a:noAutofit/>
-          </a:bodyPr>
-          <a:lstStyle/>
-          <a:p>
-            <a:pPr marL="0" lvl="0" indent="0" algn="ctr" rtl="0">
-              <a:spcBef>
-                <a:spcPts val="0"/>
-              </a:spcBef>
-              <a:spcAft>
-                <a:spcPts val="0"/>
-              </a:spcAft>
-              <a:buNone/>
-            </a:pPr>
-            <a:r>
-              <a:rPr lang="en" sz="2000" b="1" dirty="0"/>
-              <a:t>Any questions?</a:t>
-            </a:r>
-            <a:endParaRPr sz="2000" b="1" dirty="0"/>
-          </a:p>
-        </p:txBody>
-      </p:sp>
-      <p:sp>
-        <p:nvSpPr>
-          <p:cNvPr id="3" name="Slide Number Placeholder 4">
-            <a:extLst>
-              <a:ext uri="{FF2B5EF4-FFF2-40B4-BE49-F238E27FC236}">
-                <a16:creationId xmlns:a16="http://schemas.microsoft.com/office/drawing/2014/main" id="{93CF12E6-2F04-6F88-6225-F817FA56E5A2}"/>
-              </a:ext>
-            </a:extLst>
-          </p:cNvPr>
-          <p:cNvSpPr>
-            <a:spLocks noGrp="1"/>
-          </p:cNvSpPr>
-          <p:nvPr>
-            <p:ph type="sldNum" idx="12"/>
-          </p:nvPr>
-        </p:nvSpPr>
-        <p:spPr>
-          <a:xfrm>
-            <a:off x="7618000" y="4636500"/>
-            <a:ext cx="1487400" cy="315600"/>
-          </a:xfrm>
-        </p:spPr>
-        <p:txBody>
-          <a:bodyPr/>
-          <a:lstStyle/>
-          <a:p>
-            <a:pPr marL="0" lvl="0" indent="0" algn="r" rtl="0">
-              <a:spcBef>
-                <a:spcPts val="0"/>
-              </a:spcBef>
-              <a:spcAft>
-                <a:spcPts val="0"/>
-              </a:spcAft>
-              <a:buNone/>
-            </a:pPr>
-            <a:fld id="{00000000-1234-1234-1234-123412341234}" type="slidenum">
-              <a:rPr lang="en" smtClean="0"/>
-              <a:t>15</a:t>
-            </a:fld>
-            <a:r>
-              <a:rPr lang="en" dirty="0"/>
-              <a:t>/15</a:t>
-            </a:r>
-          </a:p>
-        </p:txBody>
-      </p:sp>
-    </p:spTree>
-  </p:cSld>
-  <p:clrMapOvr>
-    <a:masterClrMapping/>
-  </p:clrMapOvr>
-</p:sld>
-</file>
-
-<file path=ppt/slides/slide2.xml><?xml version="1.0" encoding="utf-8"?>
-<p:sld xmlns:a="http://schemas.openxmlformats.org/drawingml/2006/main" xmlns:r="http://schemas.openxmlformats.org/officeDocument/2006/relationships" xmlns:p="http://schemas.openxmlformats.org/presentationml/2006/main">
-  <p:cSld>
-    <p:spTree>
-      <p:nvGrpSpPr>
-        <p:cNvPr id="1" name="Shape 235"/>
-        <p:cNvGrpSpPr/>
-        <p:nvPr/>
-      </p:nvGrpSpPr>
-      <p:grpSpPr>
-        <a:xfrm>
-          <a:off x="0" y="0"/>
-          <a:ext cx="0" cy="0"/>
-          <a:chOff x="0" y="0"/>
-          <a:chExt cx="0" cy="0"/>
-        </a:xfrm>
-      </p:grpSpPr>
-      <p:pic>
-        <p:nvPicPr>
-          <p:cNvPr id="3" name="Picture 2">
-            <a:extLst>
-              <a:ext uri="{FF2B5EF4-FFF2-40B4-BE49-F238E27FC236}">
-                <a16:creationId xmlns:a16="http://schemas.microsoft.com/office/drawing/2014/main" id="{A0FF39CB-14BA-48DE-8B49-206886FF504A}"/>
-              </a:ext>
-            </a:extLst>
-          </p:cNvPr>
-          <p:cNvPicPr>
-            <a:picLocks noChangeAspect="1"/>
-          </p:cNvPicPr>
-          <p:nvPr/>
-        </p:nvPicPr>
-        <p:blipFill>
-          <a:blip r:embed="rId3"/>
-          <a:stretch>
-            <a:fillRect/>
-          </a:stretch>
-        </p:blipFill>
-        <p:spPr>
-          <a:xfrm>
-            <a:off x="246919" y="2075244"/>
-            <a:ext cx="4678676" cy="2876856"/>
-          </a:xfrm>
-          <a:prstGeom prst="rect">
-            <a:avLst/>
-          </a:prstGeom>
-        </p:spPr>
-      </p:pic>
-      <p:sp>
-        <p:nvSpPr>
-          <p:cNvPr id="236" name="Google Shape;236;p16"/>
-          <p:cNvSpPr txBox="1">
-            <a:spLocks noGrp="1"/>
-          </p:cNvSpPr>
-          <p:nvPr>
-            <p:ph type="title"/>
-          </p:nvPr>
-        </p:nvSpPr>
-        <p:spPr>
-          <a:xfrm>
-            <a:off x="814275" y="392575"/>
-            <a:ext cx="5492400" cy="766200"/>
-          </a:xfrm>
-          <a:prstGeom prst="rect">
-            <a:avLst/>
-          </a:prstGeom>
-        </p:spPr>
-        <p:txBody>
-          <a:bodyPr spcFirstLastPara="1" wrap="square" lIns="91425" tIns="91425" rIns="91425" bIns="91425" anchor="ctr" anchorCtr="0">
-            <a:noAutofit/>
-          </a:bodyPr>
-          <a:lstStyle/>
-          <a:p>
-            <a:pPr marL="0" lvl="0" indent="0" algn="l" rtl="0">
-              <a:spcBef>
-                <a:spcPts val="0"/>
-              </a:spcBef>
-              <a:spcAft>
-                <a:spcPts val="0"/>
-              </a:spcAft>
-              <a:buNone/>
-            </a:pPr>
-            <a:r>
-              <a:rPr lang="en" dirty="0"/>
-              <a:t>Introduction</a:t>
-            </a:r>
-            <a:endParaRPr dirty="0"/>
-          </a:p>
-        </p:txBody>
-      </p:sp>
-      <p:sp>
-        <p:nvSpPr>
-          <p:cNvPr id="237" name="Google Shape;237;p16"/>
-          <p:cNvSpPr txBox="1">
-            <a:spLocks noGrp="1"/>
-          </p:cNvSpPr>
-          <p:nvPr>
-            <p:ph type="body" idx="1"/>
-          </p:nvPr>
-        </p:nvSpPr>
-        <p:spPr>
-          <a:xfrm>
-            <a:off x="814274" y="1327350"/>
-            <a:ext cx="6447137" cy="3145500"/>
-          </a:xfrm>
-          <a:prstGeom prst="rect">
-            <a:avLst/>
-          </a:prstGeom>
-        </p:spPr>
-        <p:txBody>
-          <a:bodyPr spcFirstLastPara="1" wrap="square" lIns="91425" tIns="91425" rIns="91425" bIns="91425" anchor="t" anchorCtr="0">
-            <a:noAutofit/>
-          </a:bodyPr>
-          <a:lstStyle/>
-          <a:p>
-            <a:pPr marL="457200" lvl="0" indent="-381000" algn="l" rtl="0">
-              <a:spcBef>
-                <a:spcPts val="0"/>
-              </a:spcBef>
-              <a:spcAft>
-                <a:spcPts val="0"/>
-              </a:spcAft>
-              <a:buSzPts val="2400"/>
-              <a:buChar char="▰"/>
-            </a:pPr>
-            <a:r>
-              <a:rPr lang="en-US" sz="1600" dirty="0">
-                <a:latin typeface="Arial Nova" panose="020F0502020204030204" pitchFamily="34" charset="0"/>
-                <a:ea typeface="+mn-lt"/>
-                <a:cs typeface="+mn-lt"/>
-              </a:rPr>
-              <a:t>Calculate the current required for each of the 3 pairs of coils of a three-axis Helmholtz coil system to achieve the</a:t>
-            </a:r>
-            <a:r>
-              <a:rPr lang="en-US" sz="1600" dirty="0">
-                <a:latin typeface="Arial Nova" panose="020F0502020204030204" pitchFamily="34" charset="0"/>
-              </a:rPr>
-              <a:t> target magnetic force and torque at the center.</a:t>
-            </a:r>
-          </a:p>
-          <a:p>
-            <a:pPr marL="457200" lvl="0" indent="-381000" algn="l" rtl="0">
-              <a:spcBef>
-                <a:spcPts val="0"/>
-              </a:spcBef>
-              <a:spcAft>
-                <a:spcPts val="0"/>
-              </a:spcAft>
-              <a:buSzPts val="2400"/>
-              <a:buChar char="▰"/>
-            </a:pPr>
-            <a:endParaRPr lang="en-US" sz="1600" dirty="0">
-              <a:latin typeface="Arial Nova" panose="020F0502020204030204" pitchFamily="34" charset="0"/>
-            </a:endParaRPr>
-          </a:p>
-          <a:p>
-            <a:pPr marL="457200" lvl="0" indent="-381000" algn="l" rtl="0">
-              <a:spcBef>
-                <a:spcPts val="0"/>
-              </a:spcBef>
-              <a:spcAft>
-                <a:spcPts val="0"/>
-              </a:spcAft>
-              <a:buSzPts val="2400"/>
-              <a:buChar char="▰"/>
-            </a:pPr>
-            <a:endParaRPr sz="1600" dirty="0">
-              <a:latin typeface="Arial Nova" panose="020F0502020204030204" pitchFamily="34" charset="0"/>
-            </a:endParaRPr>
-          </a:p>
-        </p:txBody>
-      </p:sp>
-      <p:sp>
-        <p:nvSpPr>
-          <p:cNvPr id="238" name="Google Shape;238;p16"/>
-          <p:cNvSpPr txBox="1">
-            <a:spLocks noGrp="1"/>
-          </p:cNvSpPr>
-          <p:nvPr>
-            <p:ph type="sldNum" idx="12"/>
-          </p:nvPr>
-        </p:nvSpPr>
-        <p:spPr>
-          <a:xfrm>
-            <a:off x="7618000" y="4636500"/>
-            <a:ext cx="1487400" cy="315600"/>
-          </a:xfrm>
-          <a:prstGeom prst="rect">
-            <a:avLst/>
-          </a:prstGeom>
-        </p:spPr>
-        <p:txBody>
-          <a:bodyPr spcFirstLastPara="1" wrap="square" lIns="91425" tIns="91425" rIns="91425" bIns="91425" anchor="ctr" anchorCtr="0">
-            <a:noAutofit/>
-          </a:bodyPr>
-          <a:lstStyle/>
-          <a:p>
-            <a:pPr marL="0" lvl="0" indent="0" algn="r" rtl="0">
-              <a:spcBef>
-                <a:spcPts val="0"/>
-              </a:spcBef>
-              <a:spcAft>
-                <a:spcPts val="0"/>
-              </a:spcAft>
-              <a:buNone/>
-            </a:pPr>
-            <a:fld id="{00000000-1234-1234-1234-123412341234}" type="slidenum">
-              <a:rPr lang="en" smtClean="0"/>
-              <a:t>2</a:t>
-            </a:fld>
-            <a:r>
-              <a:rPr lang="en" dirty="0"/>
-              <a:t>/15</a:t>
-            </a:r>
-            <a:endParaRPr dirty="0"/>
-          </a:p>
-        </p:txBody>
-      </p:sp>
-    </p:spTree>
-  </p:cSld>
-  <p:clrMapOvr>
-    <a:masterClrMapping/>
-  </p:clrMapOvr>
-</p:sld>
-</file>
-
-<file path=ppt/slides/slide3.xml><?xml version="1.0" encoding="utf-8"?>
-<p:sld xmlns:a="http://schemas.openxmlformats.org/drawingml/2006/main" xmlns:r="http://schemas.openxmlformats.org/officeDocument/2006/relationships" xmlns:p="http://schemas.openxmlformats.org/presentationml/2006/main">
-  <p:cSld>
-    <p:spTree>
-      <p:nvGrpSpPr>
-        <p:cNvPr id="1" name=""/>
-        <p:cNvGrpSpPr/>
-        <p:nvPr/>
-      </p:nvGrpSpPr>
-      <p:grpSpPr>
-        <a:xfrm>
-          <a:off x="0" y="0"/>
-          <a:ext cx="0" cy="0"/>
-          <a:chOff x="0" y="0"/>
-          <a:chExt cx="0" cy="0"/>
-        </a:xfrm>
-      </p:grpSpPr>
-      <p:sp>
-        <p:nvSpPr>
-          <p:cNvPr id="2" name="Title 1">
-            <a:extLst>
-              <a:ext uri="{FF2B5EF4-FFF2-40B4-BE49-F238E27FC236}">
-                <a16:creationId xmlns:a16="http://schemas.microsoft.com/office/drawing/2014/main" id="{6A631500-5AA0-43D2-352D-B5CED25798FF}"/>
-              </a:ext>
-            </a:extLst>
-          </p:cNvPr>
-          <p:cNvSpPr>
-            <a:spLocks noGrp="1"/>
-          </p:cNvSpPr>
-          <p:nvPr>
-            <p:ph type="title"/>
-          </p:nvPr>
-        </p:nvSpPr>
-        <p:spPr/>
-        <p:txBody>
-          <a:bodyPr/>
-          <a:lstStyle/>
-          <a:p>
-            <a:endParaRPr lang="en-US" dirty="0"/>
-          </a:p>
-        </p:txBody>
-      </p:sp>
-      <p:sp>
-        <p:nvSpPr>
-          <p:cNvPr id="5" name="Slide Number Placeholder 4">
-            <a:extLst>
-              <a:ext uri="{FF2B5EF4-FFF2-40B4-BE49-F238E27FC236}">
-                <a16:creationId xmlns:a16="http://schemas.microsoft.com/office/drawing/2014/main" id="{6EC4A460-0AD7-541D-6156-A75994767342}"/>
-              </a:ext>
-            </a:extLst>
-          </p:cNvPr>
-          <p:cNvSpPr>
-            <a:spLocks noGrp="1"/>
-          </p:cNvSpPr>
-          <p:nvPr>
-            <p:ph type="sldNum" idx="12"/>
-          </p:nvPr>
-        </p:nvSpPr>
-        <p:spPr/>
-        <p:txBody>
-          <a:bodyPr/>
-          <a:lstStyle/>
-          <a:p>
-            <a:pPr marL="0" lvl="0" indent="0" algn="r" rtl="0">
-              <a:spcBef>
-                <a:spcPts val="0"/>
-              </a:spcBef>
-              <a:spcAft>
-                <a:spcPts val="0"/>
-              </a:spcAft>
-              <a:buNone/>
-            </a:pPr>
-            <a:fld id="{00000000-1234-1234-1234-123412341234}" type="slidenum">
-              <a:rPr lang="en" smtClean="0"/>
-              <a:t>3</a:t>
-            </a:fld>
-            <a:r>
-              <a:rPr lang="en" dirty="0"/>
-              <a:t>/15</a:t>
-            </a:r>
-          </a:p>
-        </p:txBody>
-      </p:sp>
-      <p:graphicFrame>
-        <p:nvGraphicFramePr>
-          <p:cNvPr id="6" name="Table 5">
-            <a:extLst>
-              <a:ext uri="{FF2B5EF4-FFF2-40B4-BE49-F238E27FC236}">
-                <a16:creationId xmlns:a16="http://schemas.microsoft.com/office/drawing/2014/main" id="{1AC068BE-D220-E44A-399D-E0768AE6A4A0}"/>
-              </a:ext>
-            </a:extLst>
-          </p:cNvPr>
-          <p:cNvGraphicFramePr>
-            <a:graphicFrameLocks noGrp="1"/>
-          </p:cNvGraphicFramePr>
-          <p:nvPr>
-            <p:extLst>
-              <p:ext uri="{D42A27DB-BD31-4B8C-83A1-F6EECF244321}">
-                <p14:modId xmlns:p14="http://schemas.microsoft.com/office/powerpoint/2010/main" val="21485020"/>
-              </p:ext>
-            </p:extLst>
-          </p:nvPr>
-        </p:nvGraphicFramePr>
-        <p:xfrm>
-          <a:off x="755597" y="1830070"/>
-          <a:ext cx="6096000" cy="3084640"/>
-        </p:xfrm>
-        <a:graphic>
-          <a:graphicData uri="http://schemas.openxmlformats.org/drawingml/2006/table">
-            <a:tbl>
-              <a:tblPr firstRow="1" bandRow="1">
-                <a:tableStyleId>{17292A2E-F333-43FB-9621-5CBBE7FDCDCB}</a:tableStyleId>
-              </a:tblPr>
-              <a:tblGrid>
-                <a:gridCol w="3048000">
-                  <a:extLst>
-                    <a:ext uri="{9D8B030D-6E8A-4147-A177-3AD203B41FA5}">
-                      <a16:colId xmlns:a16="http://schemas.microsoft.com/office/drawing/2014/main" val="4052763119"/>
-                    </a:ext>
-                  </a:extLst>
-                </a:gridCol>
-                <a:gridCol w="3048000">
-                  <a:extLst>
-                    <a:ext uri="{9D8B030D-6E8A-4147-A177-3AD203B41FA5}">
-                      <a16:colId xmlns:a16="http://schemas.microsoft.com/office/drawing/2014/main" val="4102860638"/>
-                    </a:ext>
-                  </a:extLst>
-                </a:gridCol>
-              </a:tblGrid>
-              <a:tr h="370840">
-                <a:tc>
-                  <a:txBody>
-                    <a:bodyPr/>
-                    <a:lstStyle/>
-                    <a:p>
-                      <a:r>
-                        <a:rPr lang="en-US" sz="1400" dirty="0"/>
-                        <a:t>Level 1</a:t>
-                      </a:r>
-                    </a:p>
-                  </a:txBody>
-                  <a:tcPr>
-                    <a:lnL w="12700" cap="flat" cmpd="sng" algn="ctr">
-                      <a:solidFill>
-                        <a:schemeClr val="tx2"/>
-                      </a:solidFill>
-                      <a:prstDash val="solid"/>
-                      <a:round/>
-                      <a:headEnd type="none" w="med" len="med"/>
-                      <a:tailEnd type="none" w="med" len="med"/>
-                    </a:lnL>
-                    <a:lnR w="12700" cap="flat" cmpd="sng" algn="ctr">
-                      <a:solidFill>
-                        <a:schemeClr val="tx2"/>
-                      </a:solidFill>
-                      <a:prstDash val="solid"/>
-                      <a:round/>
-                      <a:headEnd type="none" w="med" len="med"/>
-                      <a:tailEnd type="none" w="med" len="med"/>
-                    </a:lnR>
-                    <a:lnT w="12700" cap="flat" cmpd="sng" algn="ctr">
-                      <a:solidFill>
-                        <a:schemeClr val="tx2"/>
-                      </a:solidFill>
-                      <a:prstDash val="solid"/>
-                      <a:round/>
-                      <a:headEnd type="none" w="med" len="med"/>
-                      <a:tailEnd type="none" w="med" len="med"/>
-                    </a:lnT>
-                    <a:lnB w="12700" cap="flat" cmpd="sng" algn="ctr">
-                      <a:solidFill>
-                        <a:schemeClr val="tx2"/>
-                      </a:solidFill>
-                      <a:prstDash val="solid"/>
-                      <a:round/>
-                      <a:headEnd type="none" w="med" len="med"/>
-                      <a:tailEnd type="none" w="med" len="med"/>
-                    </a:lnB>
-                  </a:tcPr>
-                </a:tc>
-                <a:tc>
-                  <a:txBody>
-                    <a:bodyPr/>
-                    <a:lstStyle/>
-                    <a:p>
-                      <a:r>
-                        <a:rPr lang="en-US" sz="1400" dirty="0"/>
-                        <a:t>Level 2</a:t>
-                      </a:r>
-                    </a:p>
-                  </a:txBody>
-                  <a:tcPr>
-                    <a:lnL w="12700" cap="flat" cmpd="sng" algn="ctr">
-                      <a:solidFill>
-                        <a:schemeClr val="tx2"/>
-                      </a:solidFill>
-                      <a:prstDash val="solid"/>
-                      <a:round/>
-                      <a:headEnd type="none" w="med" len="med"/>
-                      <a:tailEnd type="none" w="med" len="med"/>
-                    </a:lnL>
-                    <a:lnR w="12700" cap="flat" cmpd="sng" algn="ctr">
-                      <a:solidFill>
-                        <a:schemeClr val="tx2"/>
-                      </a:solidFill>
-                      <a:prstDash val="solid"/>
-                      <a:round/>
-                      <a:headEnd type="none" w="med" len="med"/>
-                      <a:tailEnd type="none" w="med" len="med"/>
-                    </a:lnR>
-                    <a:lnT w="12700" cap="flat" cmpd="sng" algn="ctr">
-                      <a:solidFill>
-                        <a:schemeClr val="tx2"/>
-                      </a:solidFill>
-                      <a:prstDash val="solid"/>
-                      <a:round/>
-                      <a:headEnd type="none" w="med" len="med"/>
-                      <a:tailEnd type="none" w="med" len="med"/>
-                    </a:lnT>
-                    <a:lnB w="12700" cap="flat" cmpd="sng" algn="ctr">
-                      <a:solidFill>
-                        <a:schemeClr val="tx2"/>
-                      </a:solidFill>
-                      <a:prstDash val="solid"/>
-                      <a:round/>
-                      <a:headEnd type="none" w="med" len="med"/>
-                      <a:tailEnd type="none" w="med" len="med"/>
-                    </a:lnB>
-                  </a:tcPr>
-                </a:tc>
-                <a:extLst>
-                  <a:ext uri="{0D108BD9-81ED-4DB2-BD59-A6C34878D82A}">
-                    <a16:rowId xmlns:a16="http://schemas.microsoft.com/office/drawing/2014/main" val="3499163293"/>
-                  </a:ext>
-                </a:extLst>
-              </a:tr>
-              <a:tr h="370840">
-                <a:tc>
-                  <a:txBody>
-                    <a:bodyPr/>
-                    <a:lstStyle/>
-                    <a:p>
-                      <a:pPr marL="0" marR="0" lvl="0" indent="0" algn="l" defTabSz="914400" rtl="0" eaLnBrk="1" fontAlgn="auto" latinLnBrk="0" hangingPunct="1">
-                        <a:lnSpc>
-                          <a:spcPct val="100000"/>
-                        </a:lnSpc>
-                        <a:spcBef>
-                          <a:spcPts val="0"/>
-                        </a:spcBef>
-                        <a:spcAft>
-                          <a:spcPts val="0"/>
-                        </a:spcAft>
-                        <a:buClr>
-                          <a:srgbClr val="000000"/>
-                        </a:buClr>
-                        <a:buSzTx/>
-                        <a:buFont typeface="Arial"/>
-                        <a:buNone/>
-                        <a:tabLst/>
-                        <a:defRPr/>
-                      </a:pPr>
-                      <a:r>
-                        <a:rPr lang="en-US" sz="1400" dirty="0"/>
-                        <a:t>Hardware Hiding Modules</a:t>
-                      </a:r>
-                    </a:p>
-                  </a:txBody>
-                  <a:tcPr>
-                    <a:lnL w="12700" cap="flat" cmpd="sng" algn="ctr">
-                      <a:solidFill>
-                        <a:schemeClr val="tx2"/>
-                      </a:solidFill>
-                      <a:prstDash val="solid"/>
-                      <a:round/>
-                      <a:headEnd type="none" w="med" len="med"/>
-                      <a:tailEnd type="none" w="med" len="med"/>
-                    </a:lnL>
-                    <a:lnR w="12700" cap="flat" cmpd="sng" algn="ctr">
-                      <a:solidFill>
-                        <a:schemeClr val="tx2"/>
-                      </a:solidFill>
-                      <a:prstDash val="solid"/>
-                      <a:round/>
-                      <a:headEnd type="none" w="med" len="med"/>
-                      <a:tailEnd type="none" w="med" len="med"/>
-                    </a:lnR>
-                    <a:lnT w="12700" cap="flat" cmpd="sng" algn="ctr">
-                      <a:solidFill>
-                        <a:schemeClr val="tx2"/>
-                      </a:solidFill>
-                      <a:prstDash val="solid"/>
-                      <a:round/>
-                      <a:headEnd type="none" w="med" len="med"/>
-                      <a:tailEnd type="none" w="med" len="med"/>
-                    </a:lnT>
-                    <a:lnB w="12700" cap="flat" cmpd="sng" algn="ctr">
-                      <a:solidFill>
-                        <a:schemeClr val="tx2"/>
-                      </a:solidFill>
-                      <a:prstDash val="solid"/>
-                      <a:round/>
-                      <a:headEnd type="none" w="med" len="med"/>
-                      <a:tailEnd type="none" w="med" len="med"/>
-                    </a:lnB>
-                  </a:tcPr>
-                </a:tc>
-                <a:tc>
-                  <a:txBody>
-                    <a:bodyPr/>
-                    <a:lstStyle/>
-                    <a:p>
-                      <a:endParaRPr lang="en-US" sz="1400" dirty="0"/>
-                    </a:p>
-                  </a:txBody>
-                  <a:tcPr>
-                    <a:lnL w="12700" cap="flat" cmpd="sng" algn="ctr">
-                      <a:solidFill>
-                        <a:schemeClr val="tx2"/>
-                      </a:solidFill>
-                      <a:prstDash val="solid"/>
-                      <a:round/>
-                      <a:headEnd type="none" w="med" len="med"/>
-                      <a:tailEnd type="none" w="med" len="med"/>
-                    </a:lnL>
-                    <a:lnR w="12700" cap="flat" cmpd="sng" algn="ctr">
-                      <a:solidFill>
-                        <a:schemeClr val="tx2"/>
-                      </a:solidFill>
-                      <a:prstDash val="solid"/>
-                      <a:round/>
-                      <a:headEnd type="none" w="med" len="med"/>
-                      <a:tailEnd type="none" w="med" len="med"/>
-                    </a:lnR>
-                    <a:lnT w="12700" cap="flat" cmpd="sng" algn="ctr">
-                      <a:solidFill>
-                        <a:schemeClr val="tx2"/>
-                      </a:solidFill>
-                      <a:prstDash val="solid"/>
-                      <a:round/>
-                      <a:headEnd type="none" w="med" len="med"/>
-                      <a:tailEnd type="none" w="med" len="med"/>
-                    </a:lnT>
-                    <a:lnB w="12700" cap="flat" cmpd="sng" algn="ctr">
-                      <a:solidFill>
-                        <a:schemeClr val="tx2"/>
-                      </a:solidFill>
-                      <a:prstDash val="solid"/>
-                      <a:round/>
-                      <a:headEnd type="none" w="med" len="med"/>
-                      <a:tailEnd type="none" w="med" len="med"/>
-                    </a:lnB>
-                  </a:tcPr>
-                </a:tc>
-                <a:extLst>
-                  <a:ext uri="{0D108BD9-81ED-4DB2-BD59-A6C34878D82A}">
-                    <a16:rowId xmlns:a16="http://schemas.microsoft.com/office/drawing/2014/main" val="366638094"/>
-                  </a:ext>
-                </a:extLst>
-              </a:tr>
-              <a:tr h="370840">
-                <a:tc>
-                  <a:txBody>
-                    <a:bodyPr/>
-                    <a:lstStyle/>
-                    <a:p>
-                      <a:pPr marL="0" marR="0" lvl="0" indent="0" algn="l" defTabSz="914400" rtl="0" eaLnBrk="1" fontAlgn="auto" latinLnBrk="0" hangingPunct="1">
-                        <a:lnSpc>
-                          <a:spcPct val="100000"/>
-                        </a:lnSpc>
-                        <a:spcBef>
-                          <a:spcPts val="0"/>
-                        </a:spcBef>
-                        <a:spcAft>
-                          <a:spcPts val="0"/>
-                        </a:spcAft>
-                        <a:buClr>
-                          <a:srgbClr val="000000"/>
-                        </a:buClr>
-                        <a:buSzTx/>
-                        <a:buFont typeface="Arial"/>
-                        <a:buNone/>
-                        <a:tabLst/>
-                        <a:defRPr/>
-                      </a:pPr>
-                      <a:r>
-                        <a:rPr lang="en-US" sz="1400" dirty="0"/>
-                        <a:t>Behavior-Hiding Module</a:t>
-                      </a:r>
-                    </a:p>
-                  </a:txBody>
-                  <a:tcPr>
-                    <a:lnL w="12700" cap="flat" cmpd="sng" algn="ctr">
-                      <a:solidFill>
-                        <a:schemeClr val="tx2"/>
-                      </a:solidFill>
-                      <a:prstDash val="solid"/>
-                      <a:round/>
-                      <a:headEnd type="none" w="med" len="med"/>
-                      <a:tailEnd type="none" w="med" len="med"/>
-                    </a:lnL>
-                    <a:lnR w="12700" cap="flat" cmpd="sng" algn="ctr">
-                      <a:solidFill>
-                        <a:schemeClr val="tx2"/>
-                      </a:solidFill>
-                      <a:prstDash val="solid"/>
-                      <a:round/>
-                      <a:headEnd type="none" w="med" len="med"/>
-                      <a:tailEnd type="none" w="med" len="med"/>
-                    </a:lnR>
-                    <a:lnT w="12700" cap="flat" cmpd="sng" algn="ctr">
-                      <a:solidFill>
-                        <a:schemeClr val="tx2"/>
-                      </a:solidFill>
-                      <a:prstDash val="solid"/>
-                      <a:round/>
-                      <a:headEnd type="none" w="med" len="med"/>
-                      <a:tailEnd type="none" w="med" len="med"/>
-                    </a:lnT>
-                    <a:lnB w="12700" cap="flat" cmpd="sng" algn="ctr">
-                      <a:solidFill>
-                        <a:schemeClr val="tx2"/>
-                      </a:solidFill>
-                      <a:prstDash val="solid"/>
-                      <a:round/>
-                      <a:headEnd type="none" w="med" len="med"/>
-                      <a:tailEnd type="none" w="med" len="med"/>
-                    </a:lnB>
-                  </a:tcPr>
-                </a:tc>
-                <a:tc>
-                  <a:txBody>
-                    <a:bodyPr/>
-                    <a:lstStyle/>
-                    <a:p>
-                      <a:pPr marL="0" marR="0" lvl="1" indent="0" algn="l" defTabSz="914400" rtl="0" eaLnBrk="1" fontAlgn="auto" latinLnBrk="0" hangingPunct="1">
-                        <a:lnSpc>
-                          <a:spcPct val="150000"/>
-                        </a:lnSpc>
-                        <a:spcBef>
-                          <a:spcPts val="0"/>
-                        </a:spcBef>
-                        <a:spcAft>
-                          <a:spcPts val="0"/>
-                        </a:spcAft>
-                        <a:buClr>
-                          <a:srgbClr val="000000"/>
-                        </a:buClr>
-                        <a:buSzTx/>
-                        <a:buFont typeface="Arial"/>
-                        <a:buNone/>
-                        <a:tabLst/>
-                        <a:defRPr/>
-                      </a:pPr>
-                      <a:r>
-                        <a:rPr lang="en-US" sz="1400" dirty="0"/>
-                        <a:t>Control Module</a:t>
-                      </a:r>
-                    </a:p>
-                    <a:p>
-                      <a:pPr lvl="1">
-                        <a:lnSpc>
-                          <a:spcPct val="150000"/>
-                        </a:lnSpc>
-                      </a:pPr>
-                      <a:r>
-                        <a:rPr lang="en-US" sz="1400" dirty="0"/>
-                        <a:t>Input Format Module</a:t>
-                      </a:r>
-                    </a:p>
-                    <a:p>
-                      <a:pPr lvl="1">
-                        <a:lnSpc>
-                          <a:spcPct val="150000"/>
-                        </a:lnSpc>
-                      </a:pPr>
-                      <a:r>
-                        <a:rPr lang="en-US" sz="1400" dirty="0"/>
-                        <a:t>Output Format Module </a:t>
-                      </a:r>
-                    </a:p>
-                    <a:p>
-                      <a:pPr lvl="1">
-                        <a:lnSpc>
-                          <a:spcPct val="150000"/>
-                        </a:lnSpc>
-                      </a:pPr>
-                      <a:r>
-                        <a:rPr lang="en-US" sz="1400" dirty="0"/>
-                        <a:t>Output Verification Module</a:t>
-                      </a:r>
-                    </a:p>
-                    <a:p>
-                      <a:pPr lvl="1">
-                        <a:lnSpc>
-                          <a:spcPct val="150000"/>
-                        </a:lnSpc>
-                      </a:pPr>
-                      <a:r>
-                        <a:rPr lang="en-US" sz="1400" dirty="0"/>
-                        <a:t>Magnetic Core Module</a:t>
-                      </a:r>
-                    </a:p>
-                    <a:p>
-                      <a:pPr lvl="1">
-                        <a:lnSpc>
-                          <a:spcPct val="150000"/>
-                        </a:lnSpc>
-                      </a:pPr>
-                      <a:r>
-                        <a:rPr lang="en-US" sz="1400" dirty="0" err="1"/>
-                        <a:t>CoilT</a:t>
-                      </a:r>
-                      <a:r>
-                        <a:rPr lang="en-US" sz="1400" dirty="0"/>
-                        <a:t> Module</a:t>
-                      </a:r>
-                    </a:p>
-                  </a:txBody>
-                  <a:tcPr>
-                    <a:lnL w="12700" cap="flat" cmpd="sng" algn="ctr">
-                      <a:solidFill>
-                        <a:schemeClr val="tx2"/>
-                      </a:solidFill>
-                      <a:prstDash val="solid"/>
-                      <a:round/>
-                      <a:headEnd type="none" w="med" len="med"/>
-                      <a:tailEnd type="none" w="med" len="med"/>
-                    </a:lnL>
-                    <a:lnR w="12700" cap="flat" cmpd="sng" algn="ctr">
-                      <a:solidFill>
-                        <a:schemeClr val="tx2"/>
-                      </a:solidFill>
-                      <a:prstDash val="solid"/>
-                      <a:round/>
-                      <a:headEnd type="none" w="med" len="med"/>
-                      <a:tailEnd type="none" w="med" len="med"/>
-                    </a:lnR>
-                    <a:lnT w="12700" cap="flat" cmpd="sng" algn="ctr">
-                      <a:solidFill>
-                        <a:schemeClr val="tx2"/>
-                      </a:solidFill>
-                      <a:prstDash val="solid"/>
-                      <a:round/>
-                      <a:headEnd type="none" w="med" len="med"/>
-                      <a:tailEnd type="none" w="med" len="med"/>
-                    </a:lnT>
-                    <a:lnB w="12700" cap="flat" cmpd="sng" algn="ctr">
-                      <a:solidFill>
-                        <a:schemeClr val="tx2"/>
-                      </a:solidFill>
-                      <a:prstDash val="solid"/>
-                      <a:round/>
-                      <a:headEnd type="none" w="med" len="med"/>
-                      <a:tailEnd type="none" w="med" len="med"/>
-                    </a:lnB>
-                  </a:tcPr>
-                </a:tc>
-                <a:extLst>
-                  <a:ext uri="{0D108BD9-81ED-4DB2-BD59-A6C34878D82A}">
-                    <a16:rowId xmlns:a16="http://schemas.microsoft.com/office/drawing/2014/main" val="4188371122"/>
-                  </a:ext>
-                </a:extLst>
-              </a:tr>
-              <a:tr h="370840">
-                <a:tc>
-                  <a:txBody>
-                    <a:bodyPr/>
-                    <a:lstStyle/>
-                    <a:p>
-                      <a:r>
-                        <a:rPr lang="en-US" sz="1400" dirty="0"/>
-                        <a:t>Software Decision Module </a:t>
-                      </a:r>
-                    </a:p>
-                  </a:txBody>
-                  <a:tcPr>
-                    <a:lnL w="12700" cap="flat" cmpd="sng" algn="ctr">
-                      <a:solidFill>
-                        <a:schemeClr val="tx2"/>
-                      </a:solidFill>
-                      <a:prstDash val="solid"/>
-                      <a:round/>
-                      <a:headEnd type="none" w="med" len="med"/>
-                      <a:tailEnd type="none" w="med" len="med"/>
-                    </a:lnL>
-                    <a:lnR w="12700" cap="flat" cmpd="sng" algn="ctr">
-                      <a:solidFill>
-                        <a:schemeClr val="tx2"/>
-                      </a:solidFill>
-                      <a:prstDash val="solid"/>
-                      <a:round/>
-                      <a:headEnd type="none" w="med" len="med"/>
-                      <a:tailEnd type="none" w="med" len="med"/>
-                    </a:lnR>
-                    <a:lnT w="12700" cap="flat" cmpd="sng" algn="ctr">
-                      <a:solidFill>
-                        <a:schemeClr val="tx2"/>
-                      </a:solidFill>
-                      <a:prstDash val="solid"/>
-                      <a:round/>
-                      <a:headEnd type="none" w="med" len="med"/>
-                      <a:tailEnd type="none" w="med" len="med"/>
-                    </a:lnT>
-                    <a:lnB w="12700" cap="flat" cmpd="sng" algn="ctr">
-                      <a:solidFill>
-                        <a:schemeClr val="tx2"/>
-                      </a:solidFill>
-                      <a:prstDash val="solid"/>
-                      <a:round/>
-                      <a:headEnd type="none" w="med" len="med"/>
-                      <a:tailEnd type="none" w="med" len="med"/>
-                    </a:lnB>
-                  </a:tcPr>
-                </a:tc>
-                <a:tc>
-                  <a:txBody>
-                    <a:bodyPr/>
-                    <a:lstStyle/>
-                    <a:p>
-                      <a:r>
-                        <a:rPr lang="en-US" sz="1400" dirty="0"/>
-                        <a:t>Vector Module</a:t>
-                      </a:r>
-                    </a:p>
-                  </a:txBody>
-                  <a:tcPr>
-                    <a:lnL w="12700" cap="flat" cmpd="sng" algn="ctr">
-                      <a:solidFill>
-                        <a:schemeClr val="tx2"/>
-                      </a:solidFill>
-                      <a:prstDash val="solid"/>
-                      <a:round/>
-                      <a:headEnd type="none" w="med" len="med"/>
-                      <a:tailEnd type="none" w="med" len="med"/>
-                    </a:lnL>
-                    <a:lnR w="12700" cap="flat" cmpd="sng" algn="ctr">
-                      <a:solidFill>
-                        <a:schemeClr val="tx2"/>
-                      </a:solidFill>
-                      <a:prstDash val="solid"/>
-                      <a:round/>
-                      <a:headEnd type="none" w="med" len="med"/>
-                      <a:tailEnd type="none" w="med" len="med"/>
-                    </a:lnR>
-                    <a:lnT w="12700" cap="flat" cmpd="sng" algn="ctr">
-                      <a:solidFill>
-                        <a:schemeClr val="tx2"/>
-                      </a:solidFill>
-                      <a:prstDash val="solid"/>
-                      <a:round/>
-                      <a:headEnd type="none" w="med" len="med"/>
-                      <a:tailEnd type="none" w="med" len="med"/>
-                    </a:lnT>
-                    <a:lnB w="12700" cap="flat" cmpd="sng" algn="ctr">
-                      <a:solidFill>
-                        <a:schemeClr val="tx2"/>
-                      </a:solidFill>
-                      <a:prstDash val="solid"/>
-                      <a:round/>
-                      <a:headEnd type="none" w="med" len="med"/>
-                      <a:tailEnd type="none" w="med" len="med"/>
-                    </a:lnB>
-                  </a:tcPr>
-                </a:tc>
-                <a:extLst>
-                  <a:ext uri="{0D108BD9-81ED-4DB2-BD59-A6C34878D82A}">
-                    <a16:rowId xmlns:a16="http://schemas.microsoft.com/office/drawing/2014/main" val="1381407181"/>
-                  </a:ext>
-                </a:extLst>
-              </a:tr>
-            </a:tbl>
-          </a:graphicData>
-        </a:graphic>
-      </p:graphicFrame>
-    </p:spTree>
-    <p:extLst>
-      <p:ext uri="{BB962C8B-B14F-4D97-AF65-F5344CB8AC3E}">
-        <p14:creationId xmlns:p14="http://schemas.microsoft.com/office/powerpoint/2010/main" val="686894175"/>
-      </p:ext>
-    </p:extLst>
-  </p:cSld>
-  <p:clrMapOvr>
-    <a:masterClrMapping/>
-  </p:clrMapOvr>
-</p:sld>
-</file>
-
-<file path=ppt/slides/slide4.xml><?xml version="1.0" encoding="utf-8"?>
-<p:sld xmlns:a="http://schemas.openxmlformats.org/drawingml/2006/main" xmlns:r="http://schemas.openxmlformats.org/officeDocument/2006/relationships" xmlns:p="http://schemas.openxmlformats.org/presentationml/2006/main">
-  <p:cSld>
-    <p:spTree>
-      <p:nvGrpSpPr>
-        <p:cNvPr id="1" name=""/>
-        <p:cNvGrpSpPr/>
-        <p:nvPr/>
-      </p:nvGrpSpPr>
-      <p:grpSpPr>
-        <a:xfrm>
-          <a:off x="0" y="0"/>
-          <a:ext cx="0" cy="0"/>
-          <a:chOff x="0" y="0"/>
-          <a:chExt cx="0" cy="0"/>
-        </a:xfrm>
-      </p:grpSpPr>
-      <p:sp>
-        <p:nvSpPr>
-          <p:cNvPr id="2" name="Title 1">
-            <a:extLst>
-              <a:ext uri="{FF2B5EF4-FFF2-40B4-BE49-F238E27FC236}">
-                <a16:creationId xmlns:a16="http://schemas.microsoft.com/office/drawing/2014/main" id="{BE65B89E-D4AA-0F19-8605-420D5082E0F1}"/>
-              </a:ext>
-            </a:extLst>
-          </p:cNvPr>
-          <p:cNvSpPr>
-            <a:spLocks noGrp="1"/>
-          </p:cNvSpPr>
-          <p:nvPr>
-            <p:ph type="title"/>
-          </p:nvPr>
-        </p:nvSpPr>
-        <p:spPr/>
-        <p:txBody>
-          <a:bodyPr/>
-          <a:lstStyle/>
-          <a:p>
-            <a:r>
-              <a:rPr lang="en-US" dirty="0"/>
-              <a:t>Hardware Hiding Modules </a:t>
-            </a:r>
-          </a:p>
-        </p:txBody>
-      </p:sp>
-      <p:sp>
-        <p:nvSpPr>
-          <p:cNvPr id="3" name="Text Placeholder 2">
-            <a:extLst>
-              <a:ext uri="{FF2B5EF4-FFF2-40B4-BE49-F238E27FC236}">
-                <a16:creationId xmlns:a16="http://schemas.microsoft.com/office/drawing/2014/main" id="{D9D3AE8E-2C35-A103-EF12-D3D3C362C4A3}"/>
-              </a:ext>
-            </a:extLst>
-          </p:cNvPr>
-          <p:cNvSpPr>
-            <a:spLocks noGrp="1"/>
-          </p:cNvSpPr>
-          <p:nvPr>
-            <p:ph type="body" idx="1"/>
-          </p:nvPr>
-        </p:nvSpPr>
-        <p:spPr>
-          <a:xfrm>
-            <a:off x="814275" y="1537988"/>
-            <a:ext cx="7630478" cy="2724300"/>
-          </a:xfrm>
-        </p:spPr>
-        <p:txBody>
-          <a:bodyPr/>
-          <a:lstStyle/>
-          <a:p>
-            <a:r>
-              <a:rPr lang="en-US" b="1" dirty="0">
-                <a:latin typeface="Roboto Condensed" panose="02000000000000000000" pitchFamily="2" charset="0"/>
-                <a:ea typeface="Roboto Condensed" panose="02000000000000000000" pitchFamily="2" charset="0"/>
-              </a:rPr>
-              <a:t>Secrets: </a:t>
-            </a:r>
-            <a:r>
-              <a:rPr lang="en-US" dirty="0"/>
-              <a:t>The data structure and algorithm used to implement the virtual hardware. </a:t>
-            </a:r>
-          </a:p>
-          <a:p>
-            <a:r>
-              <a:rPr lang="en-US" b="1" dirty="0">
-                <a:latin typeface="Roboto Condensed" panose="02000000000000000000" pitchFamily="2" charset="0"/>
-                <a:ea typeface="Roboto Condensed" panose="02000000000000000000" pitchFamily="2" charset="0"/>
-              </a:rPr>
-              <a:t>Services: </a:t>
-            </a:r>
-            <a:r>
-              <a:rPr lang="en-US" dirty="0"/>
-              <a:t>Serves as a virtual hardware used by the rest of the system. This module provides the interface between the hardware and the software. So, the system can use it to display outputs or to accept inputs.</a:t>
-            </a:r>
-          </a:p>
-          <a:p>
-            <a:r>
-              <a:rPr lang="en-US" b="1" dirty="0">
-                <a:latin typeface="Roboto Condensed" panose="02000000000000000000" pitchFamily="2" charset="0"/>
-                <a:ea typeface="Roboto Condensed" panose="02000000000000000000" pitchFamily="2" charset="0"/>
-              </a:rPr>
-              <a:t>Implemented By:</a:t>
-            </a:r>
-            <a:r>
-              <a:rPr lang="en-US" dirty="0"/>
-              <a:t> OS </a:t>
-            </a:r>
-          </a:p>
-        </p:txBody>
-      </p:sp>
-      <p:sp>
-        <p:nvSpPr>
-          <p:cNvPr id="5" name="Slide Number Placeholder 4">
-            <a:extLst>
-              <a:ext uri="{FF2B5EF4-FFF2-40B4-BE49-F238E27FC236}">
-                <a16:creationId xmlns:a16="http://schemas.microsoft.com/office/drawing/2014/main" id="{77BB4ACB-8C26-D8C5-D887-0D40B86E94C0}"/>
-              </a:ext>
-            </a:extLst>
-          </p:cNvPr>
-          <p:cNvSpPr>
-            <a:spLocks noGrp="1"/>
-          </p:cNvSpPr>
-          <p:nvPr>
-            <p:ph type="sldNum" idx="12"/>
-          </p:nvPr>
-        </p:nvSpPr>
-        <p:spPr/>
-        <p:txBody>
-          <a:bodyPr/>
-          <a:lstStyle/>
-          <a:p>
-            <a:pPr marL="0" lvl="0" indent="0" algn="r" rtl="0">
-              <a:spcBef>
-                <a:spcPts val="0"/>
-              </a:spcBef>
-              <a:spcAft>
-                <a:spcPts val="0"/>
-              </a:spcAft>
-              <a:buNone/>
-            </a:pPr>
-            <a:fld id="{00000000-1234-1234-1234-123412341234}" type="slidenum">
-              <a:rPr lang="en" smtClean="0"/>
-              <a:t>4</a:t>
-            </a:fld>
-            <a:r>
-              <a:rPr lang="en" dirty="0"/>
-              <a:t>/15</a:t>
-            </a:r>
-          </a:p>
-        </p:txBody>
-      </p:sp>
-    </p:spTree>
-    <p:extLst>
-      <p:ext uri="{BB962C8B-B14F-4D97-AF65-F5344CB8AC3E}">
-        <p14:creationId xmlns:p14="http://schemas.microsoft.com/office/powerpoint/2010/main" val="3535056049"/>
-      </p:ext>
-    </p:extLst>
-  </p:cSld>
-  <p:clrMapOvr>
-    <a:masterClrMapping/>
-  </p:clrMapOvr>
-</p:sld>
-</file>
-
-<file path=ppt/slides/slide5.xml><?xml version="1.0" encoding="utf-8"?>
-<p:sld xmlns:a="http://schemas.openxmlformats.org/drawingml/2006/main" xmlns:r="http://schemas.openxmlformats.org/officeDocument/2006/relationships" xmlns:p="http://schemas.openxmlformats.org/presentationml/2006/main">
-  <p:cSld>
-    <p:spTree>
-      <p:nvGrpSpPr>
-        <p:cNvPr id="1" name=""/>
-        <p:cNvGrpSpPr/>
-        <p:nvPr/>
-      </p:nvGrpSpPr>
-      <p:grpSpPr>
-        <a:xfrm>
-          <a:off x="0" y="0"/>
-          <a:ext cx="0" cy="0"/>
-          <a:chOff x="0" y="0"/>
-          <a:chExt cx="0" cy="0"/>
-        </a:xfrm>
-      </p:grpSpPr>
-      <p:sp>
-        <p:nvSpPr>
-          <p:cNvPr id="2" name="Title 1">
-            <a:extLst>
-              <a:ext uri="{FF2B5EF4-FFF2-40B4-BE49-F238E27FC236}">
-                <a16:creationId xmlns:a16="http://schemas.microsoft.com/office/drawing/2014/main" id="{BE65B89E-D4AA-0F19-8605-420D5082E0F1}"/>
-              </a:ext>
-            </a:extLst>
-          </p:cNvPr>
-          <p:cNvSpPr>
-            <a:spLocks noGrp="1"/>
-          </p:cNvSpPr>
-          <p:nvPr>
-            <p:ph type="title"/>
-          </p:nvPr>
-        </p:nvSpPr>
-        <p:spPr/>
-        <p:txBody>
-          <a:bodyPr/>
-          <a:lstStyle/>
-          <a:p>
-            <a:pPr lvl="1">
-              <a:lnSpc>
-                <a:spcPct val="150000"/>
-              </a:lnSpc>
-            </a:pPr>
-            <a:r>
-              <a:rPr lang="en-US" sz="2000" dirty="0"/>
-              <a:t>Magnetic Core Module</a:t>
-            </a:r>
-          </a:p>
-        </p:txBody>
-      </p:sp>
-      <p:sp>
-        <p:nvSpPr>
-          <p:cNvPr id="3" name="Text Placeholder 2">
-            <a:extLst>
-              <a:ext uri="{FF2B5EF4-FFF2-40B4-BE49-F238E27FC236}">
-                <a16:creationId xmlns:a16="http://schemas.microsoft.com/office/drawing/2014/main" id="{D9D3AE8E-2C35-A103-EF12-D3D3C362C4A3}"/>
-              </a:ext>
-            </a:extLst>
-          </p:cNvPr>
-          <p:cNvSpPr>
-            <a:spLocks noGrp="1"/>
-          </p:cNvSpPr>
-          <p:nvPr>
-            <p:ph type="body" idx="1"/>
-          </p:nvPr>
-        </p:nvSpPr>
-        <p:spPr>
-          <a:xfrm>
-            <a:off x="814275" y="1537988"/>
-            <a:ext cx="7630478" cy="2724300"/>
-          </a:xfrm>
-        </p:spPr>
-        <p:txBody>
-          <a:bodyPr/>
-          <a:lstStyle/>
-          <a:p>
-            <a:r>
-              <a:rPr lang="en-US" b="1" dirty="0">
-                <a:latin typeface="Roboto Condensed" panose="02000000000000000000" pitchFamily="2" charset="0"/>
-                <a:ea typeface="Roboto Condensed" panose="02000000000000000000" pitchFamily="2" charset="0"/>
-              </a:rPr>
-              <a:t>Secrets: </a:t>
-            </a:r>
-            <a:r>
-              <a:rPr lang="en-US" dirty="0"/>
-              <a:t>The physical constants and algorithm used to implement the magnetic equations to calculate the required currents</a:t>
-            </a:r>
-          </a:p>
-          <a:p>
-            <a:r>
-              <a:rPr lang="en-US" b="1" dirty="0">
-                <a:latin typeface="Roboto Condensed" panose="02000000000000000000" pitchFamily="2" charset="0"/>
-                <a:ea typeface="Roboto Condensed" panose="02000000000000000000" pitchFamily="2" charset="0"/>
-              </a:rPr>
-              <a:t>Services:  </a:t>
-            </a:r>
-            <a:r>
-              <a:rPr lang="en-US" dirty="0"/>
-              <a:t>Define the current calculator equations.</a:t>
-            </a:r>
-          </a:p>
-          <a:p>
-            <a:r>
-              <a:rPr lang="en-US" b="1" dirty="0">
-                <a:latin typeface="Roboto Condensed" panose="02000000000000000000" pitchFamily="2" charset="0"/>
-                <a:ea typeface="Roboto Condensed" panose="02000000000000000000" pitchFamily="2" charset="0"/>
-              </a:rPr>
-              <a:t>Implemented By:</a:t>
-            </a:r>
-            <a:r>
-              <a:rPr lang="en-US" dirty="0"/>
-              <a:t> 3D-HCCC </a:t>
-            </a:r>
-          </a:p>
-        </p:txBody>
-      </p:sp>
-      <p:sp>
-        <p:nvSpPr>
-          <p:cNvPr id="5" name="Slide Number Placeholder 4">
-            <a:extLst>
-              <a:ext uri="{FF2B5EF4-FFF2-40B4-BE49-F238E27FC236}">
-                <a16:creationId xmlns:a16="http://schemas.microsoft.com/office/drawing/2014/main" id="{77BB4ACB-8C26-D8C5-D887-0D40B86E94C0}"/>
-              </a:ext>
-            </a:extLst>
-          </p:cNvPr>
-          <p:cNvSpPr>
-            <a:spLocks noGrp="1"/>
-          </p:cNvSpPr>
-          <p:nvPr>
-            <p:ph type="sldNum" idx="12"/>
-          </p:nvPr>
-        </p:nvSpPr>
-        <p:spPr/>
-        <p:txBody>
-          <a:bodyPr/>
-          <a:lstStyle/>
-          <a:p>
-            <a:pPr marL="0" lvl="0" indent="0" algn="r" rtl="0">
-              <a:spcBef>
-                <a:spcPts val="0"/>
-              </a:spcBef>
-              <a:spcAft>
-                <a:spcPts val="0"/>
-              </a:spcAft>
-              <a:buNone/>
-            </a:pPr>
-            <a:fld id="{00000000-1234-1234-1234-123412341234}" type="slidenum">
-              <a:rPr lang="en" smtClean="0"/>
-              <a:t>5</a:t>
-            </a:fld>
-            <a:r>
-              <a:rPr lang="en" dirty="0"/>
-              <a:t>/15</a:t>
-            </a:r>
-          </a:p>
-        </p:txBody>
-      </p:sp>
-    </p:spTree>
-    <p:extLst>
-      <p:ext uri="{BB962C8B-B14F-4D97-AF65-F5344CB8AC3E}">
-        <p14:creationId xmlns:p14="http://schemas.microsoft.com/office/powerpoint/2010/main" val="3263853148"/>
-      </p:ext>
-    </p:extLst>
-  </p:cSld>
-  <p:clrMapOvr>
-    <a:masterClrMapping/>
-  </p:clrMapOvr>
-</p:sld>
-</file>
-
-<file path=ppt/slides/slide6.xml><?xml version="1.0" encoding="utf-8"?>
-<p:sld xmlns:a="http://schemas.openxmlformats.org/drawingml/2006/main" xmlns:r="http://schemas.openxmlformats.org/officeDocument/2006/relationships" xmlns:p="http://schemas.openxmlformats.org/presentationml/2006/main">
-  <p:cSld>
-    <p:spTree>
-      <p:nvGrpSpPr>
-        <p:cNvPr id="1" name=""/>
-        <p:cNvGrpSpPr/>
-        <p:nvPr/>
-      </p:nvGrpSpPr>
-      <p:grpSpPr>
-        <a:xfrm>
-          <a:off x="0" y="0"/>
-          <a:ext cx="0" cy="0"/>
-          <a:chOff x="0" y="0"/>
-          <a:chExt cx="0" cy="0"/>
-        </a:xfrm>
-      </p:grpSpPr>
-      <p:sp>
-        <p:nvSpPr>
-          <p:cNvPr id="2" name="Title 1">
-            <a:extLst>
-              <a:ext uri="{FF2B5EF4-FFF2-40B4-BE49-F238E27FC236}">
-                <a16:creationId xmlns:a16="http://schemas.microsoft.com/office/drawing/2014/main" id="{BE65B89E-D4AA-0F19-8605-420D5082E0F1}"/>
-              </a:ext>
-            </a:extLst>
-          </p:cNvPr>
-          <p:cNvSpPr>
-            <a:spLocks noGrp="1"/>
-          </p:cNvSpPr>
-          <p:nvPr>
-            <p:ph type="title"/>
-          </p:nvPr>
-        </p:nvSpPr>
-        <p:spPr/>
-        <p:txBody>
-          <a:bodyPr/>
-          <a:lstStyle/>
-          <a:p>
-            <a:pPr lvl="1">
-              <a:lnSpc>
-                <a:spcPct val="150000"/>
-              </a:lnSpc>
-            </a:pPr>
-            <a:r>
-              <a:rPr lang="en-US" sz="2000" dirty="0" err="1"/>
-              <a:t>CoilT</a:t>
-            </a:r>
-            <a:r>
-              <a:rPr lang="en-US" sz="2000" dirty="0"/>
-              <a:t> </a:t>
-            </a:r>
-            <a:r>
-              <a:rPr lang="en-US" dirty="0"/>
-              <a:t>M</a:t>
-            </a:r>
-            <a:r>
-              <a:rPr lang="en-US" sz="2000" dirty="0"/>
-              <a:t>odule</a:t>
-            </a:r>
-          </a:p>
-        </p:txBody>
-      </p:sp>
-      <p:sp>
-        <p:nvSpPr>
-          <p:cNvPr id="3" name="Text Placeholder 2">
-            <a:extLst>
-              <a:ext uri="{FF2B5EF4-FFF2-40B4-BE49-F238E27FC236}">
-                <a16:creationId xmlns:a16="http://schemas.microsoft.com/office/drawing/2014/main" id="{D9D3AE8E-2C35-A103-EF12-D3D3C362C4A3}"/>
-              </a:ext>
-            </a:extLst>
-          </p:cNvPr>
-          <p:cNvSpPr>
-            <a:spLocks noGrp="1"/>
-          </p:cNvSpPr>
-          <p:nvPr>
-            <p:ph type="body" idx="1"/>
-          </p:nvPr>
-        </p:nvSpPr>
-        <p:spPr>
-          <a:xfrm>
-            <a:off x="814275" y="1537988"/>
-            <a:ext cx="7630478" cy="2724300"/>
-          </a:xfrm>
-        </p:spPr>
-        <p:txBody>
-          <a:bodyPr/>
-          <a:lstStyle/>
-          <a:p>
-            <a:r>
-              <a:rPr lang="en-US" b="1" dirty="0">
-                <a:latin typeface="Roboto Condensed" panose="02000000000000000000" pitchFamily="2" charset="0"/>
-                <a:ea typeface="Roboto Condensed" panose="02000000000000000000" pitchFamily="2" charset="0"/>
-              </a:rPr>
-              <a:t>Secrets:</a:t>
-            </a:r>
-            <a:r>
-              <a:rPr lang="en-US" dirty="0">
-                <a:latin typeface="Roboto Condensed" panose="02000000000000000000" pitchFamily="2" charset="0"/>
-                <a:ea typeface="Roboto Condensed" panose="02000000000000000000" pitchFamily="2" charset="0"/>
-              </a:rPr>
-              <a:t> </a:t>
-            </a:r>
-            <a:r>
-              <a:rPr lang="en-US" dirty="0"/>
-              <a:t>The data structure of a pair of Coils</a:t>
-            </a:r>
-          </a:p>
-          <a:p>
-            <a:r>
-              <a:rPr lang="en-US" b="1" dirty="0">
-                <a:latin typeface="Roboto Condensed" panose="02000000000000000000" pitchFamily="2" charset="0"/>
-                <a:ea typeface="Roboto Condensed" panose="02000000000000000000" pitchFamily="2" charset="0"/>
-              </a:rPr>
-              <a:t>Services: </a:t>
-            </a:r>
-            <a:r>
-              <a:rPr lang="en-US" dirty="0"/>
-              <a:t>Provides comprehensive data on the coil pair's configuration, using the detailed coil parameters defined in the input parameters module. </a:t>
-            </a:r>
-            <a:endParaRPr lang="en-US" b="1" dirty="0">
-              <a:latin typeface="Roboto Condensed" panose="02000000000000000000" pitchFamily="2" charset="0"/>
-              <a:ea typeface="Roboto Condensed" panose="02000000000000000000" pitchFamily="2" charset="0"/>
-            </a:endParaRPr>
-          </a:p>
-          <a:p>
-            <a:r>
-              <a:rPr lang="en-US" b="1" dirty="0">
-                <a:latin typeface="Roboto Condensed" panose="02000000000000000000" pitchFamily="2" charset="0"/>
-                <a:ea typeface="Roboto Condensed" panose="02000000000000000000" pitchFamily="2" charset="0"/>
-              </a:rPr>
-              <a:t>Implemented By:</a:t>
-            </a:r>
-            <a:r>
-              <a:rPr lang="en-US" dirty="0"/>
-              <a:t> 3D-HCCC </a:t>
-            </a:r>
-          </a:p>
-        </p:txBody>
-      </p:sp>
-      <p:sp>
-        <p:nvSpPr>
-          <p:cNvPr id="5" name="Slide Number Placeholder 4">
-            <a:extLst>
-              <a:ext uri="{FF2B5EF4-FFF2-40B4-BE49-F238E27FC236}">
-                <a16:creationId xmlns:a16="http://schemas.microsoft.com/office/drawing/2014/main" id="{77BB4ACB-8C26-D8C5-D887-0D40B86E94C0}"/>
-              </a:ext>
-            </a:extLst>
-          </p:cNvPr>
-          <p:cNvSpPr>
-            <a:spLocks noGrp="1"/>
-          </p:cNvSpPr>
-          <p:nvPr>
-            <p:ph type="sldNum" idx="12"/>
-          </p:nvPr>
-        </p:nvSpPr>
-        <p:spPr/>
-        <p:txBody>
-          <a:bodyPr/>
-          <a:lstStyle/>
-          <a:p>
-            <a:pPr marL="0" lvl="0" indent="0" algn="r" rtl="0">
-              <a:spcBef>
-                <a:spcPts val="0"/>
-              </a:spcBef>
-              <a:spcAft>
-                <a:spcPts val="0"/>
-              </a:spcAft>
-              <a:buNone/>
-            </a:pPr>
-            <a:fld id="{00000000-1234-1234-1234-123412341234}" type="slidenum">
-              <a:rPr lang="en" smtClean="0"/>
-              <a:t>6</a:t>
-            </a:fld>
-            <a:r>
-              <a:rPr lang="en" dirty="0"/>
-              <a:t>/15</a:t>
-            </a:r>
-          </a:p>
-        </p:txBody>
-      </p:sp>
-    </p:spTree>
-    <p:extLst>
-      <p:ext uri="{BB962C8B-B14F-4D97-AF65-F5344CB8AC3E}">
-        <p14:creationId xmlns:p14="http://schemas.microsoft.com/office/powerpoint/2010/main" val="3917426726"/>
-      </p:ext>
-    </p:extLst>
-  </p:cSld>
-  <p:clrMapOvr>
-    <a:masterClrMapping/>
-  </p:clrMapOvr>
-</p:sld>
-</file>
-
-<file path=ppt/slides/slide7.xml><?xml version="1.0" encoding="utf-8"?>
-<p:sld xmlns:a="http://schemas.openxmlformats.org/drawingml/2006/main" xmlns:r="http://schemas.openxmlformats.org/officeDocument/2006/relationships" xmlns:p="http://schemas.openxmlformats.org/presentationml/2006/main">
-  <p:cSld>
-    <p:spTree>
-      <p:nvGrpSpPr>
-        <p:cNvPr id="1" name=""/>
-        <p:cNvGrpSpPr/>
-        <p:nvPr/>
-      </p:nvGrpSpPr>
-      <p:grpSpPr>
-        <a:xfrm>
-          <a:off x="0" y="0"/>
-          <a:ext cx="0" cy="0"/>
-          <a:chOff x="0" y="0"/>
-          <a:chExt cx="0" cy="0"/>
-        </a:xfrm>
-      </p:grpSpPr>
-      <p:sp>
-        <p:nvSpPr>
-          <p:cNvPr id="2" name="Title 1">
-            <a:extLst>
-              <a:ext uri="{FF2B5EF4-FFF2-40B4-BE49-F238E27FC236}">
-                <a16:creationId xmlns:a16="http://schemas.microsoft.com/office/drawing/2014/main" id="{BE65B89E-D4AA-0F19-8605-420D5082E0F1}"/>
-              </a:ext>
-            </a:extLst>
-          </p:cNvPr>
-          <p:cNvSpPr>
-            <a:spLocks noGrp="1"/>
-          </p:cNvSpPr>
-          <p:nvPr>
-            <p:ph type="title"/>
-          </p:nvPr>
-        </p:nvSpPr>
-        <p:spPr/>
-        <p:txBody>
-          <a:bodyPr/>
-          <a:lstStyle/>
-          <a:p>
-            <a:pPr lvl="1">
-              <a:lnSpc>
-                <a:spcPct val="150000"/>
-              </a:lnSpc>
-            </a:pPr>
-            <a:r>
-              <a:rPr lang="en-US" dirty="0"/>
-              <a:t>Control</a:t>
-            </a:r>
-            <a:r>
-              <a:rPr lang="en-US" sz="2000" dirty="0"/>
-              <a:t> Module</a:t>
-            </a:r>
-          </a:p>
-        </p:txBody>
-      </p:sp>
-      <p:sp>
-        <p:nvSpPr>
-          <p:cNvPr id="3" name="Text Placeholder 2">
-            <a:extLst>
-              <a:ext uri="{FF2B5EF4-FFF2-40B4-BE49-F238E27FC236}">
-                <a16:creationId xmlns:a16="http://schemas.microsoft.com/office/drawing/2014/main" id="{D9D3AE8E-2C35-A103-EF12-D3D3C362C4A3}"/>
-              </a:ext>
-            </a:extLst>
-          </p:cNvPr>
-          <p:cNvSpPr>
-            <a:spLocks noGrp="1"/>
-          </p:cNvSpPr>
-          <p:nvPr>
-            <p:ph type="body" idx="1"/>
-          </p:nvPr>
-        </p:nvSpPr>
-        <p:spPr>
-          <a:xfrm>
-            <a:off x="814275" y="1537988"/>
-            <a:ext cx="7630478" cy="2724300"/>
-          </a:xfrm>
-        </p:spPr>
-        <p:txBody>
-          <a:bodyPr/>
-          <a:lstStyle/>
-          <a:p>
-            <a:r>
-              <a:rPr lang="en-US" b="1" dirty="0">
-                <a:latin typeface="Roboto Condensed" panose="02000000000000000000" pitchFamily="2" charset="0"/>
-                <a:ea typeface="Roboto Condensed" panose="02000000000000000000" pitchFamily="2" charset="0"/>
-              </a:rPr>
-              <a:t>Secrets: </a:t>
-            </a:r>
-            <a:r>
-              <a:rPr lang="en-US" dirty="0"/>
-              <a:t>The algorithm for coordinating the running of the program</a:t>
-            </a:r>
-          </a:p>
-          <a:p>
-            <a:r>
-              <a:rPr lang="en-US" b="1" dirty="0">
-                <a:latin typeface="Roboto Condensed" panose="02000000000000000000" pitchFamily="2" charset="0"/>
-                <a:ea typeface="Roboto Condensed" panose="02000000000000000000" pitchFamily="2" charset="0"/>
-              </a:rPr>
-              <a:t>Services: </a:t>
-            </a:r>
-            <a:r>
-              <a:rPr lang="en-US" dirty="0"/>
-              <a:t>Provide the main program</a:t>
-            </a:r>
-          </a:p>
-          <a:p>
-            <a:r>
-              <a:rPr lang="en-US" b="1" dirty="0">
-                <a:latin typeface="Roboto Condensed" panose="02000000000000000000" pitchFamily="2" charset="0"/>
-                <a:ea typeface="Roboto Condensed" panose="02000000000000000000" pitchFamily="2" charset="0"/>
-              </a:rPr>
-              <a:t>Implemented By:</a:t>
-            </a:r>
-            <a:r>
-              <a:rPr lang="en-US" dirty="0"/>
-              <a:t> 3D-HCCC </a:t>
-            </a:r>
-          </a:p>
-        </p:txBody>
-      </p:sp>
-      <p:sp>
-        <p:nvSpPr>
-          <p:cNvPr id="5" name="Slide Number Placeholder 4">
-            <a:extLst>
-              <a:ext uri="{FF2B5EF4-FFF2-40B4-BE49-F238E27FC236}">
-                <a16:creationId xmlns:a16="http://schemas.microsoft.com/office/drawing/2014/main" id="{77BB4ACB-8C26-D8C5-D887-0D40B86E94C0}"/>
-              </a:ext>
-            </a:extLst>
-          </p:cNvPr>
-          <p:cNvSpPr>
-            <a:spLocks noGrp="1"/>
-          </p:cNvSpPr>
-          <p:nvPr>
-            <p:ph type="sldNum" idx="12"/>
-          </p:nvPr>
-        </p:nvSpPr>
-        <p:spPr/>
-        <p:txBody>
-          <a:bodyPr/>
-          <a:lstStyle/>
-          <a:p>
-            <a:pPr marL="0" lvl="0" indent="0" algn="r" rtl="0">
-              <a:spcBef>
-                <a:spcPts val="0"/>
-              </a:spcBef>
-              <a:spcAft>
-                <a:spcPts val="0"/>
-              </a:spcAft>
-              <a:buNone/>
-            </a:pPr>
-            <a:fld id="{00000000-1234-1234-1234-123412341234}" type="slidenum">
-              <a:rPr lang="en" smtClean="0"/>
-              <a:t>7</a:t>
-            </a:fld>
-            <a:r>
-              <a:rPr lang="en" dirty="0"/>
-              <a:t>/15</a:t>
-            </a:r>
-          </a:p>
-        </p:txBody>
-      </p:sp>
-    </p:spTree>
-    <p:extLst>
-      <p:ext uri="{BB962C8B-B14F-4D97-AF65-F5344CB8AC3E}">
-        <p14:creationId xmlns:p14="http://schemas.microsoft.com/office/powerpoint/2010/main" val="1563125538"/>
-      </p:ext>
-    </p:extLst>
-  </p:cSld>
-  <p:clrMapOvr>
-    <a:masterClrMapping/>
-  </p:clrMapOvr>
-</p:sld>
-</file>
-
-<file path=ppt/slides/slide8.xml><?xml version="1.0" encoding="utf-8"?>
-<p:sld xmlns:a="http://schemas.openxmlformats.org/drawingml/2006/main" xmlns:r="http://schemas.openxmlformats.org/officeDocument/2006/relationships" xmlns:p="http://schemas.openxmlformats.org/presentationml/2006/main">
-  <p:cSld>
-    <p:spTree>
-      <p:nvGrpSpPr>
-        <p:cNvPr id="1" name=""/>
-        <p:cNvGrpSpPr/>
-        <p:nvPr/>
-      </p:nvGrpSpPr>
-      <p:grpSpPr>
-        <a:xfrm>
-          <a:off x="0" y="0"/>
-          <a:ext cx="0" cy="0"/>
-          <a:chOff x="0" y="0"/>
-          <a:chExt cx="0" cy="0"/>
-        </a:xfrm>
-      </p:grpSpPr>
-      <p:sp>
-        <p:nvSpPr>
-          <p:cNvPr id="2" name="Title 1">
-            <a:extLst>
-              <a:ext uri="{FF2B5EF4-FFF2-40B4-BE49-F238E27FC236}">
-                <a16:creationId xmlns:a16="http://schemas.microsoft.com/office/drawing/2014/main" id="{BE65B89E-D4AA-0F19-8605-420D5082E0F1}"/>
-              </a:ext>
-            </a:extLst>
-          </p:cNvPr>
-          <p:cNvSpPr>
-            <a:spLocks noGrp="1"/>
-          </p:cNvSpPr>
-          <p:nvPr>
-            <p:ph type="title"/>
-          </p:nvPr>
-        </p:nvSpPr>
-        <p:spPr/>
-        <p:txBody>
-          <a:bodyPr/>
-          <a:lstStyle/>
-          <a:p>
-            <a:pPr lvl="1">
-              <a:lnSpc>
-                <a:spcPct val="150000"/>
-              </a:lnSpc>
-            </a:pPr>
-            <a:r>
-              <a:rPr lang="en-US" sz="2000" dirty="0"/>
-              <a:t>Vector Module</a:t>
-            </a:r>
-          </a:p>
-        </p:txBody>
-      </p:sp>
-      <p:sp>
-        <p:nvSpPr>
-          <p:cNvPr id="3" name="Text Placeholder 2">
-            <a:extLst>
-              <a:ext uri="{FF2B5EF4-FFF2-40B4-BE49-F238E27FC236}">
-                <a16:creationId xmlns:a16="http://schemas.microsoft.com/office/drawing/2014/main" id="{D9D3AE8E-2C35-A103-EF12-D3D3C362C4A3}"/>
-              </a:ext>
-            </a:extLst>
-          </p:cNvPr>
-          <p:cNvSpPr>
-            <a:spLocks noGrp="1"/>
-          </p:cNvSpPr>
-          <p:nvPr>
-            <p:ph type="body" idx="1"/>
-          </p:nvPr>
-        </p:nvSpPr>
-        <p:spPr>
-          <a:xfrm>
-            <a:off x="814274" y="1537988"/>
-            <a:ext cx="7860999" cy="2724300"/>
-          </a:xfrm>
-        </p:spPr>
-        <p:txBody>
-          <a:bodyPr/>
-          <a:lstStyle/>
-          <a:p>
-            <a:r>
-              <a:rPr lang="en-US" b="1" dirty="0">
-                <a:latin typeface="Roboto Condensed" panose="02000000000000000000" pitchFamily="2" charset="0"/>
-                <a:ea typeface="Roboto Condensed" panose="02000000000000000000" pitchFamily="2" charset="0"/>
-              </a:rPr>
-              <a:t>Secrets: </a:t>
-            </a:r>
-            <a:r>
-              <a:rPr lang="en-US" dirty="0"/>
-              <a:t>The algorithms for performing a wide range of vector operations</a:t>
-            </a:r>
-          </a:p>
-          <a:p>
-            <a:r>
-              <a:rPr lang="en-US" b="1" dirty="0">
-                <a:latin typeface="Roboto Condensed" panose="02000000000000000000" pitchFamily="2" charset="0"/>
-                <a:ea typeface="Roboto Condensed" panose="02000000000000000000" pitchFamily="2" charset="0"/>
-              </a:rPr>
-              <a:t>Services: </a:t>
-            </a:r>
-            <a:r>
-              <a:rPr lang="en-US" dirty="0"/>
-              <a:t>Provides functions executing various vector operations.</a:t>
-            </a:r>
-          </a:p>
-          <a:p>
-            <a:r>
-              <a:rPr lang="en-US" b="1" dirty="0">
-                <a:latin typeface="Roboto Condensed" panose="02000000000000000000" pitchFamily="2" charset="0"/>
-                <a:ea typeface="Roboto Condensed" panose="02000000000000000000" pitchFamily="2" charset="0"/>
-              </a:rPr>
-              <a:t>Implemented By:</a:t>
-            </a:r>
-            <a:r>
-              <a:rPr lang="en-US" dirty="0"/>
-              <a:t> NumPy</a:t>
-            </a:r>
-          </a:p>
-        </p:txBody>
-      </p:sp>
-      <p:sp>
-        <p:nvSpPr>
-          <p:cNvPr id="5" name="Slide Number Placeholder 4">
-            <a:extLst>
-              <a:ext uri="{FF2B5EF4-FFF2-40B4-BE49-F238E27FC236}">
-                <a16:creationId xmlns:a16="http://schemas.microsoft.com/office/drawing/2014/main" id="{77BB4ACB-8C26-D8C5-D887-0D40B86E94C0}"/>
-              </a:ext>
-            </a:extLst>
-          </p:cNvPr>
-          <p:cNvSpPr>
-            <a:spLocks noGrp="1"/>
-          </p:cNvSpPr>
-          <p:nvPr>
-            <p:ph type="sldNum" idx="12"/>
-          </p:nvPr>
-        </p:nvSpPr>
-        <p:spPr/>
-        <p:txBody>
-          <a:bodyPr/>
-          <a:lstStyle/>
-          <a:p>
-            <a:pPr marL="0" lvl="0" indent="0" algn="r" rtl="0">
-              <a:spcBef>
-                <a:spcPts val="0"/>
-              </a:spcBef>
-              <a:spcAft>
-                <a:spcPts val="0"/>
-              </a:spcAft>
-              <a:buNone/>
-            </a:pPr>
-            <a:fld id="{00000000-1234-1234-1234-123412341234}" type="slidenum">
-              <a:rPr lang="en" smtClean="0"/>
-              <a:t>8</a:t>
-            </a:fld>
-            <a:r>
-              <a:rPr lang="en" dirty="0"/>
-              <a:t>/15</a:t>
-            </a:r>
-          </a:p>
-        </p:txBody>
-      </p:sp>
-    </p:spTree>
-    <p:extLst>
-      <p:ext uri="{BB962C8B-B14F-4D97-AF65-F5344CB8AC3E}">
-        <p14:creationId xmlns:p14="http://schemas.microsoft.com/office/powerpoint/2010/main" val="3075611508"/>
-      </p:ext>
-    </p:extLst>
-  </p:cSld>
-  <p:clrMapOvr>
-    <a:masterClrMapping/>
-  </p:clrMapOvr>
-</p:sld>
-</file>
-
-<file path=ppt/slides/slide9.xml><?xml version="1.0" encoding="utf-8"?>
-<p:sld xmlns:a="http://schemas.openxmlformats.org/drawingml/2006/main" xmlns:r="http://schemas.openxmlformats.org/officeDocument/2006/relationships" xmlns:p="http://schemas.openxmlformats.org/presentationml/2006/main">
-  <p:cSld>
-    <p:spTree>
-      <p:nvGrpSpPr>
-        <p:cNvPr id="1" name="Shape 212"/>
-        <p:cNvGrpSpPr/>
-        <p:nvPr/>
-      </p:nvGrpSpPr>
-      <p:grpSpPr>
-        <a:xfrm>
-          <a:off x="0" y="0"/>
-          <a:ext cx="0" cy="0"/>
-          <a:chOff x="0" y="0"/>
-          <a:chExt cx="0" cy="0"/>
-        </a:xfrm>
-      </p:grpSpPr>
-      <p:sp>
-        <p:nvSpPr>
-          <p:cNvPr id="216" name="Google Shape;216;p13"/>
-          <p:cNvSpPr txBox="1">
-            <a:spLocks noGrp="1"/>
-          </p:cNvSpPr>
-          <p:nvPr>
-            <p:ph type="sldNum" idx="12"/>
-          </p:nvPr>
-        </p:nvSpPr>
-        <p:spPr>
-          <a:xfrm>
-            <a:off x="7656600" y="5620057"/>
-            <a:ext cx="1487400" cy="315600"/>
-          </a:xfrm>
-          <a:prstGeom prst="rect">
-            <a:avLst/>
-          </a:prstGeom>
-        </p:spPr>
-        <p:txBody>
-          <a:bodyPr spcFirstLastPara="1" wrap="square" lIns="91425" tIns="91425" rIns="91425" bIns="91425" anchor="ctr" anchorCtr="0">
-            <a:noAutofit/>
-          </a:bodyPr>
-          <a:lstStyle/>
-          <a:p>
-            <a:pPr marL="0" lvl="0" indent="0" algn="r" rtl="0">
-              <a:spcBef>
-                <a:spcPts val="0"/>
-              </a:spcBef>
-              <a:spcAft>
-                <a:spcPts val="0"/>
-              </a:spcAft>
-              <a:buNone/>
-            </a:pPr>
-            <a:fld id="{00000000-1234-1234-1234-123412341234}" type="slidenum">
-              <a:rPr lang="en"/>
-              <a:t>9</a:t>
-            </a:fld>
-            <a:endParaRPr/>
-          </a:p>
-        </p:txBody>
-      </p:sp>
-      <p:sp>
-        <p:nvSpPr>
-          <p:cNvPr id="6" name="Rectangle: Rounded Corners 5">
-            <a:extLst>
-              <a:ext uri="{FF2B5EF4-FFF2-40B4-BE49-F238E27FC236}">
-                <a16:creationId xmlns:a16="http://schemas.microsoft.com/office/drawing/2014/main" id="{80A8C3A7-539C-3B59-EAF8-034942678CEA}"/>
-              </a:ext>
-            </a:extLst>
-          </p:cNvPr>
-          <p:cNvSpPr/>
-          <p:nvPr/>
-        </p:nvSpPr>
-        <p:spPr>
-          <a:xfrm>
-            <a:off x="4654410" y="3507338"/>
-            <a:ext cx="1260182" cy="591671"/>
-          </a:xfrm>
-          <a:prstGeom prst="roundRect">
-            <a:avLst/>
-          </a:prstGeom>
-        </p:spPr>
-        <p:style>
-          <a:lnRef idx="2">
-            <a:schemeClr val="accent4"/>
-          </a:lnRef>
-          <a:fillRef idx="1">
-            <a:schemeClr val="lt1"/>
-          </a:fillRef>
-          <a:effectRef idx="0">
-            <a:schemeClr val="accent4"/>
-          </a:effectRef>
-          <a:fontRef idx="minor">
-            <a:schemeClr val="dk1"/>
-          </a:fontRef>
-        </p:style>
-        <p:txBody>
-          <a:bodyPr rtlCol="0" anchor="ctr"/>
-          <a:lstStyle/>
-          <a:p>
-            <a:pPr algn="ctr"/>
-            <a:r>
-              <a:rPr lang="en-US" sz="1100" dirty="0">
-                <a:latin typeface="Roboto Condensed" panose="02000000000000000000" pitchFamily="2" charset="0"/>
-                <a:ea typeface="Roboto Condensed" panose="02000000000000000000" pitchFamily="2" charset="0"/>
-              </a:rPr>
-              <a:t>Vector Module</a:t>
-            </a:r>
-          </a:p>
-        </p:txBody>
-      </p:sp>
-      <p:sp>
-        <p:nvSpPr>
-          <p:cNvPr id="7" name="Rectangle: Rounded Corners 6">
-            <a:extLst>
-              <a:ext uri="{FF2B5EF4-FFF2-40B4-BE49-F238E27FC236}">
-                <a16:creationId xmlns:a16="http://schemas.microsoft.com/office/drawing/2014/main" id="{96F57190-146A-1AA0-090A-F394651E2A03}"/>
-              </a:ext>
-            </a:extLst>
-          </p:cNvPr>
-          <p:cNvSpPr/>
-          <p:nvPr/>
-        </p:nvSpPr>
-        <p:spPr>
-          <a:xfrm>
-            <a:off x="3949593" y="2456346"/>
-            <a:ext cx="1260182" cy="591671"/>
-          </a:xfrm>
-          <a:prstGeom prst="roundRect">
-            <a:avLst/>
-          </a:prstGeom>
-        </p:spPr>
-        <p:style>
-          <a:lnRef idx="2">
-            <a:schemeClr val="accent4"/>
-          </a:lnRef>
-          <a:fillRef idx="1">
-            <a:schemeClr val="lt1"/>
-          </a:fillRef>
-          <a:effectRef idx="0">
-            <a:schemeClr val="accent4"/>
-          </a:effectRef>
-          <a:fontRef idx="minor">
-            <a:schemeClr val="dk1"/>
-          </a:fontRef>
-        </p:style>
-        <p:txBody>
-          <a:bodyPr rtlCol="0" anchor="ctr"/>
-          <a:lstStyle/>
-          <a:p>
-            <a:pPr algn="ctr"/>
-            <a:r>
-              <a:rPr lang="en-US" sz="1100" dirty="0">
-                <a:latin typeface="Roboto Condensed" panose="02000000000000000000" pitchFamily="2" charset="0"/>
-                <a:ea typeface="Roboto Condensed" panose="02000000000000000000" pitchFamily="2" charset="0"/>
-              </a:rPr>
-              <a:t>Magnetic Core Module</a:t>
-            </a:r>
-          </a:p>
-        </p:txBody>
-      </p:sp>
-      <p:sp>
-        <p:nvSpPr>
-          <p:cNvPr id="8" name="Rectangle: Rounded Corners 7">
-            <a:extLst>
-              <a:ext uri="{FF2B5EF4-FFF2-40B4-BE49-F238E27FC236}">
-                <a16:creationId xmlns:a16="http://schemas.microsoft.com/office/drawing/2014/main" id="{18E60DB1-F644-279C-E2B4-D40135866413}"/>
-              </a:ext>
-            </a:extLst>
-          </p:cNvPr>
-          <p:cNvSpPr/>
-          <p:nvPr/>
-        </p:nvSpPr>
-        <p:spPr>
-          <a:xfrm>
-            <a:off x="5043505" y="1679935"/>
-            <a:ext cx="1260182" cy="591671"/>
-          </a:xfrm>
-          <a:prstGeom prst="roundRect">
-            <a:avLst/>
-          </a:prstGeom>
-        </p:spPr>
-        <p:style>
-          <a:lnRef idx="2">
-            <a:schemeClr val="accent4"/>
-          </a:lnRef>
-          <a:fillRef idx="1">
-            <a:schemeClr val="lt1"/>
-          </a:fillRef>
-          <a:effectRef idx="0">
-            <a:schemeClr val="accent4"/>
-          </a:effectRef>
-          <a:fontRef idx="minor">
-            <a:schemeClr val="dk1"/>
-          </a:fontRef>
-        </p:style>
-        <p:txBody>
-          <a:bodyPr rtlCol="0" anchor="ctr"/>
-          <a:lstStyle/>
-          <a:p>
-            <a:pPr algn="ctr"/>
-            <a:r>
-              <a:rPr lang="en-US" sz="1100" dirty="0">
-                <a:latin typeface="Roboto Condensed" panose="02000000000000000000" pitchFamily="2" charset="0"/>
-                <a:ea typeface="Roboto Condensed" panose="02000000000000000000" pitchFamily="2" charset="0"/>
-              </a:rPr>
-              <a:t>Output Verification Module</a:t>
-            </a:r>
-          </a:p>
-        </p:txBody>
-      </p:sp>
-      <p:sp>
-        <p:nvSpPr>
-          <p:cNvPr id="9" name="Rectangle: Rounded Corners 8">
-            <a:extLst>
-              <a:ext uri="{FF2B5EF4-FFF2-40B4-BE49-F238E27FC236}">
-                <a16:creationId xmlns:a16="http://schemas.microsoft.com/office/drawing/2014/main" id="{2822B65E-B348-0F5B-2E3A-7B00D35A463C}"/>
-              </a:ext>
-            </a:extLst>
-          </p:cNvPr>
-          <p:cNvSpPr/>
-          <p:nvPr/>
-        </p:nvSpPr>
-        <p:spPr>
-          <a:xfrm>
-            <a:off x="6627093" y="1679934"/>
-            <a:ext cx="1260182" cy="591671"/>
-          </a:xfrm>
-          <a:prstGeom prst="roundRect">
-            <a:avLst/>
-          </a:prstGeom>
-        </p:spPr>
-        <p:style>
-          <a:lnRef idx="2">
-            <a:schemeClr val="accent4"/>
-          </a:lnRef>
-          <a:fillRef idx="1">
-            <a:schemeClr val="lt1"/>
-          </a:fillRef>
-          <a:effectRef idx="0">
-            <a:schemeClr val="accent4"/>
-          </a:effectRef>
-          <a:fontRef idx="minor">
-            <a:schemeClr val="dk1"/>
-          </a:fontRef>
-        </p:style>
-        <p:txBody>
-          <a:bodyPr rtlCol="0" anchor="ctr"/>
-          <a:lstStyle/>
-          <a:p>
-            <a:pPr algn="ctr"/>
-            <a:r>
-              <a:rPr lang="en-US" sz="1100" dirty="0">
-                <a:latin typeface="Roboto Condensed" panose="02000000000000000000" pitchFamily="2" charset="0"/>
-                <a:ea typeface="Roboto Condensed" panose="02000000000000000000" pitchFamily="2" charset="0"/>
-              </a:rPr>
-              <a:t>Output Format Module</a:t>
-            </a:r>
-          </a:p>
-        </p:txBody>
-      </p:sp>
-      <p:sp>
-        <p:nvSpPr>
-          <p:cNvPr id="10" name="Rectangle: Rounded Corners 9">
-            <a:extLst>
-              <a:ext uri="{FF2B5EF4-FFF2-40B4-BE49-F238E27FC236}">
-                <a16:creationId xmlns:a16="http://schemas.microsoft.com/office/drawing/2014/main" id="{25AFD70F-D1BD-D71A-9557-9D4D98B10CB0}"/>
-              </a:ext>
-            </a:extLst>
-          </p:cNvPr>
-          <p:cNvSpPr/>
-          <p:nvPr/>
-        </p:nvSpPr>
-        <p:spPr>
-          <a:xfrm>
-            <a:off x="1560467" y="1624387"/>
-            <a:ext cx="1260182" cy="591671"/>
-          </a:xfrm>
-          <a:prstGeom prst="roundRect">
-            <a:avLst/>
-          </a:prstGeom>
-        </p:spPr>
-        <p:style>
-          <a:lnRef idx="2">
-            <a:schemeClr val="accent4"/>
-          </a:lnRef>
-          <a:fillRef idx="1">
-            <a:schemeClr val="lt1"/>
-          </a:fillRef>
-          <a:effectRef idx="0">
-            <a:schemeClr val="accent4"/>
-          </a:effectRef>
-          <a:fontRef idx="minor">
-            <a:schemeClr val="dk1"/>
-          </a:fontRef>
-        </p:style>
-        <p:txBody>
-          <a:bodyPr rtlCol="0" anchor="ctr"/>
-          <a:lstStyle/>
-          <a:p>
-            <a:pPr lvl="1" algn="ctr">
-              <a:lnSpc>
-                <a:spcPct val="150000"/>
-              </a:lnSpc>
-            </a:pPr>
-            <a:r>
-              <a:rPr lang="en-US" sz="1100" dirty="0">
-                <a:latin typeface="Roboto Condensed" panose="02000000000000000000" pitchFamily="2" charset="0"/>
-                <a:ea typeface="Roboto Condensed" panose="02000000000000000000" pitchFamily="2" charset="0"/>
-              </a:rPr>
-              <a:t>Input Format Module</a:t>
-            </a:r>
-          </a:p>
-        </p:txBody>
-      </p:sp>
-      <p:sp>
-        <p:nvSpPr>
-          <p:cNvPr id="11" name="Rectangle: Rounded Corners 10">
-            <a:extLst>
-              <a:ext uri="{FF2B5EF4-FFF2-40B4-BE49-F238E27FC236}">
-                <a16:creationId xmlns:a16="http://schemas.microsoft.com/office/drawing/2014/main" id="{35C657C0-A43D-57F1-EBF6-DE8C4259A82D}"/>
-              </a:ext>
-            </a:extLst>
-          </p:cNvPr>
-          <p:cNvSpPr/>
-          <p:nvPr/>
-        </p:nvSpPr>
-        <p:spPr>
-          <a:xfrm>
-            <a:off x="3941909" y="4262494"/>
-            <a:ext cx="1260182" cy="591671"/>
-          </a:xfrm>
-          <a:prstGeom prst="roundRect">
-            <a:avLst/>
-          </a:prstGeom>
-        </p:spPr>
-        <p:style>
-          <a:lnRef idx="2">
-            <a:schemeClr val="accent4"/>
-          </a:lnRef>
-          <a:fillRef idx="1">
-            <a:schemeClr val="lt1"/>
-          </a:fillRef>
-          <a:effectRef idx="0">
-            <a:schemeClr val="accent4"/>
-          </a:effectRef>
-          <a:fontRef idx="minor">
-            <a:schemeClr val="dk1"/>
-          </a:fontRef>
-        </p:style>
-        <p:txBody>
-          <a:bodyPr rtlCol="0" anchor="ctr"/>
-          <a:lstStyle/>
-          <a:p>
-            <a:pPr algn="ctr"/>
-            <a:r>
-              <a:rPr lang="en-US" sz="1100" dirty="0">
-                <a:latin typeface="Roboto Condensed" panose="02000000000000000000" pitchFamily="2" charset="0"/>
-                <a:ea typeface="Roboto Condensed" panose="02000000000000000000" pitchFamily="2" charset="0"/>
-              </a:rPr>
-              <a:t>Hardware Hiding Modules</a:t>
-            </a:r>
-          </a:p>
-        </p:txBody>
-      </p:sp>
-      <p:sp>
-        <p:nvSpPr>
-          <p:cNvPr id="12" name="Rectangle: Rounded Corners 11">
-            <a:extLst>
-              <a:ext uri="{FF2B5EF4-FFF2-40B4-BE49-F238E27FC236}">
-                <a16:creationId xmlns:a16="http://schemas.microsoft.com/office/drawing/2014/main" id="{2B8C06D8-84DD-B62A-028A-B22D7DD0628D}"/>
-              </a:ext>
-            </a:extLst>
-          </p:cNvPr>
-          <p:cNvSpPr/>
-          <p:nvPr/>
-        </p:nvSpPr>
-        <p:spPr>
-          <a:xfrm>
-            <a:off x="3941909" y="452820"/>
-            <a:ext cx="1260182" cy="591671"/>
-          </a:xfrm>
-          <a:prstGeom prst="roundRect">
-            <a:avLst/>
-          </a:prstGeom>
-        </p:spPr>
-        <p:style>
-          <a:lnRef idx="2">
-            <a:schemeClr val="accent4"/>
-          </a:lnRef>
-          <a:fillRef idx="1">
-            <a:schemeClr val="lt1"/>
-          </a:fillRef>
-          <a:effectRef idx="0">
-            <a:schemeClr val="accent4"/>
-          </a:effectRef>
-          <a:fontRef idx="minor">
-            <a:schemeClr val="dk1"/>
-          </a:fontRef>
-        </p:style>
-        <p:txBody>
-          <a:bodyPr rtlCol="0" anchor="ctr"/>
-          <a:lstStyle/>
-          <a:p>
-            <a:pPr algn="ctr"/>
-            <a:r>
-              <a:rPr lang="en-US" sz="1100" dirty="0">
-                <a:latin typeface="Roboto Condensed" panose="02000000000000000000" pitchFamily="2" charset="0"/>
-                <a:ea typeface="Roboto Condensed" panose="02000000000000000000" pitchFamily="2" charset="0"/>
-              </a:rPr>
-              <a:t>Control Module</a:t>
-            </a:r>
-          </a:p>
-        </p:txBody>
-      </p:sp>
-      <p:sp>
-        <p:nvSpPr>
-          <p:cNvPr id="13" name="Rectangle: Rounded Corners 12">
-            <a:extLst>
-              <a:ext uri="{FF2B5EF4-FFF2-40B4-BE49-F238E27FC236}">
-                <a16:creationId xmlns:a16="http://schemas.microsoft.com/office/drawing/2014/main" id="{17F7BEC1-0344-B800-B880-431D52DAC291}"/>
-              </a:ext>
-            </a:extLst>
-          </p:cNvPr>
-          <p:cNvSpPr/>
-          <p:nvPr/>
-        </p:nvSpPr>
-        <p:spPr>
-          <a:xfrm>
-            <a:off x="3196885" y="3510593"/>
-            <a:ext cx="1260182" cy="591671"/>
-          </a:xfrm>
-          <a:prstGeom prst="roundRect">
-            <a:avLst/>
-          </a:prstGeom>
-        </p:spPr>
-        <p:style>
-          <a:lnRef idx="2">
-            <a:schemeClr val="accent4"/>
-          </a:lnRef>
-          <a:fillRef idx="1">
-            <a:schemeClr val="lt1"/>
-          </a:fillRef>
-          <a:effectRef idx="0">
-            <a:schemeClr val="accent4"/>
-          </a:effectRef>
-          <a:fontRef idx="minor">
-            <a:schemeClr val="dk1"/>
-          </a:fontRef>
-        </p:style>
-        <p:txBody>
-          <a:bodyPr rtlCol="0" anchor="ctr"/>
-          <a:lstStyle/>
-          <a:p>
-            <a:pPr algn="ctr"/>
-            <a:r>
-              <a:rPr lang="en-US" sz="1100" dirty="0" err="1">
-                <a:latin typeface="Roboto Condensed" panose="02000000000000000000" pitchFamily="2" charset="0"/>
-                <a:ea typeface="Roboto Condensed" panose="02000000000000000000" pitchFamily="2" charset="0"/>
-              </a:rPr>
-              <a:t>CoilT</a:t>
-            </a:r>
-            <a:r>
-              <a:rPr lang="en-US" sz="1100" dirty="0">
-                <a:latin typeface="Roboto Condensed" panose="02000000000000000000" pitchFamily="2" charset="0"/>
-                <a:ea typeface="Roboto Condensed" panose="02000000000000000000" pitchFamily="2" charset="0"/>
-              </a:rPr>
-              <a:t> module</a:t>
-            </a:r>
-          </a:p>
-        </p:txBody>
-      </p:sp>
-      <p:cxnSp>
-        <p:nvCxnSpPr>
-          <p:cNvPr id="19" name="Connector: Curved 18">
-            <a:extLst>
-              <a:ext uri="{FF2B5EF4-FFF2-40B4-BE49-F238E27FC236}">
-                <a16:creationId xmlns:a16="http://schemas.microsoft.com/office/drawing/2014/main" id="{DC1B663D-C64B-F7AC-57DB-56699A2BB49F}"/>
-              </a:ext>
-            </a:extLst>
-          </p:cNvPr>
-          <p:cNvCxnSpPr>
-            <a:cxnSpLocks/>
-            <a:stCxn id="12" idx="2"/>
-            <a:endCxn id="7" idx="0"/>
-          </p:cNvCxnSpPr>
-          <p:nvPr/>
-        </p:nvCxnSpPr>
-        <p:spPr>
-          <a:xfrm rot="16200000" flipH="1">
-            <a:off x="3869915" y="1746576"/>
-            <a:ext cx="1411855" cy="7684"/>
-          </a:xfrm>
-          <a:prstGeom prst="curvedConnector3">
-            <a:avLst/>
-          </a:prstGeom>
-          <a:ln>
-            <a:tailEnd type="triangle"/>
-          </a:ln>
-        </p:spPr>
-        <p:style>
-          <a:lnRef idx="1">
-            <a:schemeClr val="accent1"/>
-          </a:lnRef>
-          <a:fillRef idx="0">
-            <a:schemeClr val="accent1"/>
-          </a:fillRef>
-          <a:effectRef idx="0">
-            <a:schemeClr val="accent1"/>
-          </a:effectRef>
-          <a:fontRef idx="minor">
-            <a:schemeClr val="tx1"/>
-          </a:fontRef>
-        </p:style>
-      </p:cxnSp>
-      <p:cxnSp>
-        <p:nvCxnSpPr>
-          <p:cNvPr id="21" name="Connector: Curved 20">
-            <a:extLst>
-              <a:ext uri="{FF2B5EF4-FFF2-40B4-BE49-F238E27FC236}">
-                <a16:creationId xmlns:a16="http://schemas.microsoft.com/office/drawing/2014/main" id="{22C20C3E-496F-E275-C4D0-A754BCBB9AD1}"/>
-              </a:ext>
-            </a:extLst>
-          </p:cNvPr>
-          <p:cNvCxnSpPr>
-            <a:stCxn id="12" idx="2"/>
-            <a:endCxn id="9" idx="0"/>
-          </p:cNvCxnSpPr>
-          <p:nvPr/>
-        </p:nvCxnSpPr>
-        <p:spPr>
-          <a:xfrm rot="16200000" flipH="1">
-            <a:off x="5596871" y="19620"/>
-            <a:ext cx="635443" cy="2685184"/>
-          </a:xfrm>
-          <a:prstGeom prst="curvedConnector3">
-            <a:avLst/>
-          </a:prstGeom>
-          <a:ln>
-            <a:tailEnd type="triangle"/>
-          </a:ln>
-        </p:spPr>
-        <p:style>
-          <a:lnRef idx="1">
-            <a:schemeClr val="accent1"/>
-          </a:lnRef>
-          <a:fillRef idx="0">
-            <a:schemeClr val="accent1"/>
-          </a:fillRef>
-          <a:effectRef idx="0">
-            <a:schemeClr val="accent1"/>
-          </a:effectRef>
-          <a:fontRef idx="minor">
-            <a:schemeClr val="tx1"/>
-          </a:fontRef>
-        </p:style>
-      </p:cxnSp>
-      <p:cxnSp>
-        <p:nvCxnSpPr>
-          <p:cNvPr id="30" name="Connector: Curved 29">
-            <a:extLst>
-              <a:ext uri="{FF2B5EF4-FFF2-40B4-BE49-F238E27FC236}">
-                <a16:creationId xmlns:a16="http://schemas.microsoft.com/office/drawing/2014/main" id="{09EEE5FC-2E6C-9C36-2DFD-B514E72E27D3}"/>
-              </a:ext>
-            </a:extLst>
-          </p:cNvPr>
-          <p:cNvCxnSpPr>
-            <a:cxnSpLocks/>
-            <a:stCxn id="9" idx="2"/>
-            <a:endCxn id="11" idx="3"/>
-          </p:cNvCxnSpPr>
-          <p:nvPr/>
-        </p:nvCxnSpPr>
-        <p:spPr>
-          <a:xfrm rot="5400000">
-            <a:off x="5086276" y="2387421"/>
-            <a:ext cx="2286725" cy="2055093"/>
-          </a:xfrm>
-          <a:prstGeom prst="curvedConnector2">
-            <a:avLst/>
-          </a:prstGeom>
-          <a:ln>
-            <a:tailEnd type="triangle"/>
-          </a:ln>
-        </p:spPr>
-        <p:style>
-          <a:lnRef idx="1">
-            <a:schemeClr val="accent1"/>
-          </a:lnRef>
-          <a:fillRef idx="0">
-            <a:schemeClr val="accent1"/>
-          </a:fillRef>
-          <a:effectRef idx="0">
-            <a:schemeClr val="accent1"/>
-          </a:effectRef>
-          <a:fontRef idx="minor">
-            <a:schemeClr val="tx1"/>
-          </a:fontRef>
-        </p:style>
-      </p:cxnSp>
-      <p:cxnSp>
-        <p:nvCxnSpPr>
-          <p:cNvPr id="45" name="Connector: Curved 44">
-            <a:extLst>
-              <a:ext uri="{FF2B5EF4-FFF2-40B4-BE49-F238E27FC236}">
-                <a16:creationId xmlns:a16="http://schemas.microsoft.com/office/drawing/2014/main" id="{1F5C34E9-1A31-3F66-9C59-7C9CE941C612}"/>
-              </a:ext>
-            </a:extLst>
-          </p:cNvPr>
-          <p:cNvCxnSpPr>
-            <a:cxnSpLocks/>
-            <a:stCxn id="12" idx="2"/>
-            <a:endCxn id="8" idx="0"/>
-          </p:cNvCxnSpPr>
-          <p:nvPr/>
-        </p:nvCxnSpPr>
-        <p:spPr>
-          <a:xfrm rot="16200000" flipH="1">
-            <a:off x="4805076" y="811415"/>
-            <a:ext cx="635444" cy="1101596"/>
-          </a:xfrm>
-          <a:prstGeom prst="curvedConnector3">
-            <a:avLst>
-              <a:gd name="adj1" fmla="val 50000"/>
-            </a:avLst>
-          </a:prstGeom>
-          <a:ln>
-            <a:tailEnd type="triangle"/>
-          </a:ln>
-        </p:spPr>
-        <p:style>
-          <a:lnRef idx="1">
-            <a:schemeClr val="accent1"/>
-          </a:lnRef>
-          <a:fillRef idx="0">
-            <a:schemeClr val="accent1"/>
-          </a:fillRef>
-          <a:effectRef idx="0">
-            <a:schemeClr val="accent1"/>
-          </a:effectRef>
-          <a:fontRef idx="minor">
-            <a:schemeClr val="tx1"/>
-          </a:fontRef>
-        </p:style>
-      </p:cxnSp>
-      <p:cxnSp>
-        <p:nvCxnSpPr>
-          <p:cNvPr id="52" name="Connector: Curved 51">
-            <a:extLst>
-              <a:ext uri="{FF2B5EF4-FFF2-40B4-BE49-F238E27FC236}">
-                <a16:creationId xmlns:a16="http://schemas.microsoft.com/office/drawing/2014/main" id="{A3BCDC4B-909F-346D-ED73-4E49B4137FC2}"/>
-              </a:ext>
-            </a:extLst>
-          </p:cNvPr>
-          <p:cNvCxnSpPr>
-            <a:stCxn id="10" idx="2"/>
-            <a:endCxn id="11" idx="1"/>
-          </p:cNvCxnSpPr>
-          <p:nvPr/>
-        </p:nvCxnSpPr>
-        <p:spPr>
-          <a:xfrm rot="16200000" flipH="1">
-            <a:off x="1895097" y="2511518"/>
-            <a:ext cx="2342272" cy="1751351"/>
-          </a:xfrm>
-          <a:prstGeom prst="curvedConnector2">
-            <a:avLst/>
-          </a:prstGeom>
-          <a:ln>
-            <a:tailEnd type="triangle"/>
-          </a:ln>
-        </p:spPr>
-        <p:style>
-          <a:lnRef idx="1">
-            <a:schemeClr val="accent1"/>
-          </a:lnRef>
-          <a:fillRef idx="0">
-            <a:schemeClr val="accent1"/>
-          </a:fillRef>
-          <a:effectRef idx="0">
-            <a:schemeClr val="accent1"/>
-          </a:effectRef>
-          <a:fontRef idx="minor">
-            <a:schemeClr val="tx1"/>
-          </a:fontRef>
-        </p:style>
-      </p:cxnSp>
-      <p:sp>
-        <p:nvSpPr>
-          <p:cNvPr id="2" name="Slide Number Placeholder 4">
-            <a:extLst>
-              <a:ext uri="{FF2B5EF4-FFF2-40B4-BE49-F238E27FC236}">
-                <a16:creationId xmlns:a16="http://schemas.microsoft.com/office/drawing/2014/main" id="{42320851-7177-3E13-77EC-84A1C3548253}"/>
-              </a:ext>
-            </a:extLst>
-          </p:cNvPr>
-          <p:cNvSpPr txBox="1">
-            <a:spLocks/>
-          </p:cNvSpPr>
-          <p:nvPr/>
-        </p:nvSpPr>
-        <p:spPr>
-          <a:xfrm>
-            <a:off x="7618000" y="4636500"/>
-            <a:ext cx="1487400" cy="315600"/>
-          </a:xfrm>
-          <a:prstGeom prst="rect">
-            <a:avLst/>
-          </a:prstGeom>
-          <a:noFill/>
-          <a:ln>
-            <a:noFill/>
-          </a:ln>
-        </p:spPr>
-        <p:txBody>
-          <a:bodyPr spcFirstLastPara="1" wrap="square" lIns="91425" tIns="91425" rIns="91425" bIns="91425" anchor="ctr" anchorCtr="0">
-            <a:noAutofit/>
-          </a:bodyPr>
-          <a:lstStyle>
-            <a:defPPr marR="0" lvl="0" algn="l" rtl="0">
-              <a:lnSpc>
-                <a:spcPct val="100000"/>
-              </a:lnSpc>
-              <a:spcBef>
-                <a:spcPts val="0"/>
-              </a:spcBef>
-              <a:spcAft>
-                <a:spcPts val="0"/>
-              </a:spcAft>
-            </a:defPPr>
-            <a:lvl1pPr marR="0" lvl="0" algn="r" rtl="0">
-              <a:lnSpc>
-                <a:spcPct val="100000"/>
-              </a:lnSpc>
-              <a:spcBef>
-                <a:spcPts val="0"/>
-              </a:spcBef>
-              <a:spcAft>
-                <a:spcPts val="0"/>
-              </a:spcAft>
-              <a:buClr>
-                <a:srgbClr val="000000"/>
-              </a:buClr>
-              <a:buFont typeface="Arial"/>
-              <a:buNone/>
-              <a:defRPr sz="1200" b="1" i="0" u="none" strike="noStrike" cap="none">
-                <a:solidFill>
-                  <a:schemeClr val="lt1"/>
-                </a:solidFill>
-                <a:latin typeface="Roboto Condensed"/>
-                <a:ea typeface="Roboto Condensed"/>
-                <a:cs typeface="Roboto Condensed"/>
-                <a:sym typeface="Roboto Condensed"/>
-              </a:defRPr>
-            </a:lvl1pPr>
-            <a:lvl2pPr marR="0" lvl="1" algn="r" rtl="0">
-              <a:lnSpc>
-                <a:spcPct val="100000"/>
-              </a:lnSpc>
-              <a:spcBef>
-                <a:spcPts val="0"/>
-              </a:spcBef>
-              <a:spcAft>
-                <a:spcPts val="0"/>
-              </a:spcAft>
-              <a:buClr>
-                <a:srgbClr val="000000"/>
-              </a:buClr>
-              <a:buFont typeface="Arial"/>
-              <a:buNone/>
-              <a:defRPr sz="1200" b="1" i="0" u="none" strike="noStrike" cap="none">
-                <a:solidFill>
-                  <a:schemeClr val="lt1"/>
-                </a:solidFill>
-                <a:latin typeface="Roboto Condensed"/>
-                <a:ea typeface="Roboto Condensed"/>
-                <a:cs typeface="Roboto Condensed"/>
-                <a:sym typeface="Roboto Condensed"/>
-              </a:defRPr>
-            </a:lvl2pPr>
-            <a:lvl3pPr marR="0" lvl="2" algn="r" rtl="0">
-              <a:lnSpc>
-                <a:spcPct val="100000"/>
-              </a:lnSpc>
-              <a:spcBef>
-                <a:spcPts val="0"/>
-              </a:spcBef>
-              <a:spcAft>
-                <a:spcPts val="0"/>
-              </a:spcAft>
-              <a:buClr>
-                <a:srgbClr val="000000"/>
-              </a:buClr>
-              <a:buFont typeface="Arial"/>
-              <a:buNone/>
-              <a:defRPr sz="1200" b="1" i="0" u="none" strike="noStrike" cap="none">
-                <a:solidFill>
-                  <a:schemeClr val="lt1"/>
-                </a:solidFill>
-                <a:latin typeface="Roboto Condensed"/>
-                <a:ea typeface="Roboto Condensed"/>
-                <a:cs typeface="Roboto Condensed"/>
-                <a:sym typeface="Roboto Condensed"/>
-              </a:defRPr>
-            </a:lvl3pPr>
-            <a:lvl4pPr marR="0" lvl="3" algn="r" rtl="0">
-              <a:lnSpc>
-                <a:spcPct val="100000"/>
-              </a:lnSpc>
-              <a:spcBef>
-                <a:spcPts val="0"/>
-              </a:spcBef>
-              <a:spcAft>
-                <a:spcPts val="0"/>
-              </a:spcAft>
-              <a:buClr>
-                <a:srgbClr val="000000"/>
-              </a:buClr>
-              <a:buFont typeface="Arial"/>
-              <a:buNone/>
-              <a:defRPr sz="1200" b="1" i="0" u="none" strike="noStrike" cap="none">
-                <a:solidFill>
-                  <a:schemeClr val="lt1"/>
-                </a:solidFill>
-                <a:latin typeface="Roboto Condensed"/>
-                <a:ea typeface="Roboto Condensed"/>
-                <a:cs typeface="Roboto Condensed"/>
-                <a:sym typeface="Roboto Condensed"/>
-              </a:defRPr>
-            </a:lvl4pPr>
-            <a:lvl5pPr marR="0" lvl="4" algn="r" rtl="0">
-              <a:lnSpc>
-                <a:spcPct val="100000"/>
-              </a:lnSpc>
-              <a:spcBef>
-                <a:spcPts val="0"/>
-              </a:spcBef>
-              <a:spcAft>
-                <a:spcPts val="0"/>
-              </a:spcAft>
-              <a:buClr>
-                <a:srgbClr val="000000"/>
-              </a:buClr>
-              <a:buFont typeface="Arial"/>
-              <a:buNone/>
-              <a:defRPr sz="1200" b="1" i="0" u="none" strike="noStrike" cap="none">
-                <a:solidFill>
-                  <a:schemeClr val="lt1"/>
-                </a:solidFill>
-                <a:latin typeface="Roboto Condensed"/>
-                <a:ea typeface="Roboto Condensed"/>
-                <a:cs typeface="Roboto Condensed"/>
-                <a:sym typeface="Roboto Condensed"/>
-              </a:defRPr>
-            </a:lvl5pPr>
-            <a:lvl6pPr marR="0" lvl="5" algn="r" rtl="0">
-              <a:lnSpc>
-                <a:spcPct val="100000"/>
-              </a:lnSpc>
-              <a:spcBef>
-                <a:spcPts val="0"/>
-              </a:spcBef>
-              <a:spcAft>
-                <a:spcPts val="0"/>
-              </a:spcAft>
-              <a:buClr>
-                <a:srgbClr val="000000"/>
-              </a:buClr>
-              <a:buFont typeface="Arial"/>
-              <a:buNone/>
-              <a:defRPr sz="1200" b="1" i="0" u="none" strike="noStrike" cap="none">
-                <a:solidFill>
-                  <a:schemeClr val="lt1"/>
-                </a:solidFill>
-                <a:latin typeface="Roboto Condensed"/>
-                <a:ea typeface="Roboto Condensed"/>
-                <a:cs typeface="Roboto Condensed"/>
-                <a:sym typeface="Roboto Condensed"/>
-              </a:defRPr>
-            </a:lvl6pPr>
-            <a:lvl7pPr marR="0" lvl="6" algn="r" rtl="0">
-              <a:lnSpc>
-                <a:spcPct val="100000"/>
-              </a:lnSpc>
-              <a:spcBef>
-                <a:spcPts val="0"/>
-              </a:spcBef>
-              <a:spcAft>
-                <a:spcPts val="0"/>
-              </a:spcAft>
-              <a:buClr>
-                <a:srgbClr val="000000"/>
-              </a:buClr>
-              <a:buFont typeface="Arial"/>
-              <a:buNone/>
-              <a:defRPr sz="1200" b="1" i="0" u="none" strike="noStrike" cap="none">
-                <a:solidFill>
-                  <a:schemeClr val="lt1"/>
-                </a:solidFill>
-                <a:latin typeface="Roboto Condensed"/>
-                <a:ea typeface="Roboto Condensed"/>
-                <a:cs typeface="Roboto Condensed"/>
-                <a:sym typeface="Roboto Condensed"/>
-              </a:defRPr>
-            </a:lvl7pPr>
-            <a:lvl8pPr marR="0" lvl="7" algn="r" rtl="0">
-              <a:lnSpc>
-                <a:spcPct val="100000"/>
-              </a:lnSpc>
-              <a:spcBef>
-                <a:spcPts val="0"/>
-              </a:spcBef>
-              <a:spcAft>
-                <a:spcPts val="0"/>
-              </a:spcAft>
-              <a:buClr>
-                <a:srgbClr val="000000"/>
-              </a:buClr>
-              <a:buFont typeface="Arial"/>
-              <a:buNone/>
-              <a:defRPr sz="1200" b="1" i="0" u="none" strike="noStrike" cap="none">
-                <a:solidFill>
-                  <a:schemeClr val="lt1"/>
-                </a:solidFill>
-                <a:latin typeface="Roboto Condensed"/>
-                <a:ea typeface="Roboto Condensed"/>
-                <a:cs typeface="Roboto Condensed"/>
-                <a:sym typeface="Roboto Condensed"/>
-              </a:defRPr>
-            </a:lvl8pPr>
-            <a:lvl9pPr marR="0" lvl="8" algn="r" rtl="0">
-              <a:lnSpc>
-                <a:spcPct val="100000"/>
-              </a:lnSpc>
-              <a:spcBef>
-                <a:spcPts val="0"/>
-              </a:spcBef>
-              <a:spcAft>
-                <a:spcPts val="0"/>
-              </a:spcAft>
-              <a:buClr>
-                <a:srgbClr val="000000"/>
-              </a:buClr>
-              <a:buFont typeface="Arial"/>
-              <a:buNone/>
-              <a:defRPr sz="1200" b="1" i="0" u="none" strike="noStrike" cap="none">
-                <a:solidFill>
-                  <a:schemeClr val="lt1"/>
-                </a:solidFill>
-                <a:latin typeface="Roboto Condensed"/>
-                <a:ea typeface="Roboto Condensed"/>
-                <a:cs typeface="Roboto Condensed"/>
-                <a:sym typeface="Roboto Condensed"/>
-              </a:defRPr>
-            </a:lvl9pPr>
-          </a:lstStyle>
-          <a:p>
-            <a:fld id="{00000000-1234-1234-1234-123412341234}" type="slidenum">
-              <a:rPr lang="en" smtClean="0"/>
-              <a:pPr/>
-              <a:t>9</a:t>
-            </a:fld>
-            <a:r>
-              <a:rPr lang="en"/>
-              <a:t>/15</a:t>
-            </a:r>
-            <a:endParaRPr lang="en" dirty="0"/>
-          </a:p>
-        </p:txBody>
-      </p:sp>
-      <p:cxnSp>
-        <p:nvCxnSpPr>
-          <p:cNvPr id="41" name="Connector: Curved 40">
-            <a:extLst>
-              <a:ext uri="{FF2B5EF4-FFF2-40B4-BE49-F238E27FC236}">
-                <a16:creationId xmlns:a16="http://schemas.microsoft.com/office/drawing/2014/main" id="{96EC44A1-ED1A-B30A-B280-65BF54073E05}"/>
-              </a:ext>
-            </a:extLst>
-          </p:cNvPr>
-          <p:cNvCxnSpPr>
-            <a:stCxn id="12" idx="2"/>
-            <a:endCxn id="10" idx="0"/>
-          </p:cNvCxnSpPr>
-          <p:nvPr/>
-        </p:nvCxnSpPr>
-        <p:spPr>
-          <a:xfrm rot="5400000">
-            <a:off x="3091331" y="143718"/>
-            <a:ext cx="579896" cy="2381442"/>
-          </a:xfrm>
-          <a:prstGeom prst="curvedConnector3">
-            <a:avLst/>
-          </a:prstGeom>
-          <a:ln>
-            <a:tailEnd type="triangle"/>
-          </a:ln>
-        </p:spPr>
-        <p:style>
-          <a:lnRef idx="1">
-            <a:schemeClr val="accent1"/>
-          </a:lnRef>
-          <a:fillRef idx="0">
-            <a:schemeClr val="accent1"/>
-          </a:fillRef>
-          <a:effectRef idx="0">
-            <a:schemeClr val="accent1"/>
-          </a:effectRef>
-          <a:fontRef idx="minor">
-            <a:schemeClr val="tx1"/>
-          </a:fontRef>
-        </p:style>
-      </p:cxnSp>
-      <p:cxnSp>
-        <p:nvCxnSpPr>
-          <p:cNvPr id="192" name="Connector: Curved 191">
-            <a:extLst>
-              <a:ext uri="{FF2B5EF4-FFF2-40B4-BE49-F238E27FC236}">
-                <a16:creationId xmlns:a16="http://schemas.microsoft.com/office/drawing/2014/main" id="{1AD6C19E-2CC3-C45B-4A11-52BE6109A277}"/>
-              </a:ext>
-            </a:extLst>
-          </p:cNvPr>
-          <p:cNvCxnSpPr>
-            <a:cxnSpLocks/>
-            <a:stCxn id="8" idx="1"/>
-            <a:endCxn id="7" idx="0"/>
-          </p:cNvCxnSpPr>
-          <p:nvPr/>
-        </p:nvCxnSpPr>
-        <p:spPr>
-          <a:xfrm rot="10800000" flipV="1">
-            <a:off x="4579685" y="1975770"/>
-            <a:ext cx="463821" cy="480575"/>
-          </a:xfrm>
-          <a:prstGeom prst="curvedConnector2">
-            <a:avLst/>
-          </a:prstGeom>
-          <a:ln>
-            <a:tailEnd type="triangle"/>
-          </a:ln>
-        </p:spPr>
-        <p:style>
-          <a:lnRef idx="1">
-            <a:schemeClr val="accent1"/>
-          </a:lnRef>
-          <a:fillRef idx="0">
-            <a:schemeClr val="accent1"/>
-          </a:fillRef>
-          <a:effectRef idx="0">
-            <a:schemeClr val="accent1"/>
-          </a:effectRef>
-          <a:fontRef idx="minor">
-            <a:schemeClr val="tx1"/>
-          </a:fontRef>
-        </p:style>
-      </p:cxnSp>
-      <p:cxnSp>
-        <p:nvCxnSpPr>
-          <p:cNvPr id="196" name="Connector: Curved 195">
-            <a:extLst>
-              <a:ext uri="{FF2B5EF4-FFF2-40B4-BE49-F238E27FC236}">
-                <a16:creationId xmlns:a16="http://schemas.microsoft.com/office/drawing/2014/main" id="{FEC68094-4784-526A-826C-7E0698C388C3}"/>
-              </a:ext>
-            </a:extLst>
-          </p:cNvPr>
-          <p:cNvCxnSpPr>
-            <a:stCxn id="7" idx="2"/>
-            <a:endCxn id="13" idx="0"/>
-          </p:cNvCxnSpPr>
-          <p:nvPr/>
-        </p:nvCxnSpPr>
-        <p:spPr>
-          <a:xfrm rot="5400000">
-            <a:off x="3972042" y="2902951"/>
-            <a:ext cx="462576" cy="752708"/>
-          </a:xfrm>
-          <a:prstGeom prst="curvedConnector3">
-            <a:avLst/>
-          </a:prstGeom>
-          <a:ln>
-            <a:tailEnd type="triangle"/>
-          </a:ln>
-        </p:spPr>
-        <p:style>
-          <a:lnRef idx="1">
-            <a:schemeClr val="accent1"/>
-          </a:lnRef>
-          <a:fillRef idx="0">
-            <a:schemeClr val="accent1"/>
-          </a:fillRef>
-          <a:effectRef idx="0">
-            <a:schemeClr val="accent1"/>
-          </a:effectRef>
-          <a:fontRef idx="minor">
-            <a:schemeClr val="tx1"/>
-          </a:fontRef>
-        </p:style>
-      </p:cxnSp>
-      <p:cxnSp>
-        <p:nvCxnSpPr>
-          <p:cNvPr id="198" name="Connector: Curved 197">
-            <a:extLst>
-              <a:ext uri="{FF2B5EF4-FFF2-40B4-BE49-F238E27FC236}">
-                <a16:creationId xmlns:a16="http://schemas.microsoft.com/office/drawing/2014/main" id="{20EA595D-26BD-CAA6-ED75-8D0BBBB894C6}"/>
-              </a:ext>
-            </a:extLst>
-          </p:cNvPr>
-          <p:cNvCxnSpPr>
-            <a:cxnSpLocks/>
-            <a:stCxn id="10" idx="2"/>
-            <a:endCxn id="13" idx="0"/>
-          </p:cNvCxnSpPr>
-          <p:nvPr/>
-        </p:nvCxnSpPr>
-        <p:spPr>
-          <a:xfrm rot="16200000" flipH="1">
-            <a:off x="2361500" y="2045116"/>
-            <a:ext cx="1294535" cy="1636418"/>
-          </a:xfrm>
-          <a:prstGeom prst="curvedConnector3">
-            <a:avLst>
-              <a:gd name="adj1" fmla="val 50000"/>
-            </a:avLst>
-          </a:prstGeom>
-          <a:ln>
-            <a:tailEnd type="triangle"/>
-          </a:ln>
-        </p:spPr>
-        <p:style>
-          <a:lnRef idx="1">
-            <a:schemeClr val="accent1"/>
-          </a:lnRef>
-          <a:fillRef idx="0">
-            <a:schemeClr val="accent1"/>
-          </a:fillRef>
-          <a:effectRef idx="0">
-            <a:schemeClr val="accent1"/>
-          </a:effectRef>
-          <a:fontRef idx="minor">
-            <a:schemeClr val="tx1"/>
-          </a:fontRef>
-        </p:style>
-      </p:cxnSp>
-      <p:cxnSp>
-        <p:nvCxnSpPr>
-          <p:cNvPr id="205" name="Connector: Curved 204">
-            <a:extLst>
-              <a:ext uri="{FF2B5EF4-FFF2-40B4-BE49-F238E27FC236}">
-                <a16:creationId xmlns:a16="http://schemas.microsoft.com/office/drawing/2014/main" id="{D88B21D8-F84B-C760-2744-67A7299BC1A2}"/>
-              </a:ext>
-            </a:extLst>
-          </p:cNvPr>
-          <p:cNvCxnSpPr>
-            <a:stCxn id="7" idx="2"/>
-            <a:endCxn id="6" idx="0"/>
-          </p:cNvCxnSpPr>
-          <p:nvPr/>
-        </p:nvCxnSpPr>
-        <p:spPr>
-          <a:xfrm rot="16200000" flipH="1">
-            <a:off x="4702432" y="2925268"/>
-            <a:ext cx="459321" cy="704817"/>
-          </a:xfrm>
-          <a:prstGeom prst="curvedConnector3">
-            <a:avLst/>
-          </a:prstGeom>
-          <a:ln>
-            <a:tailEnd type="triangle"/>
-          </a:ln>
-        </p:spPr>
-        <p:style>
-          <a:lnRef idx="1">
-            <a:schemeClr val="accent1"/>
-          </a:lnRef>
-          <a:fillRef idx="0">
-            <a:schemeClr val="accent1"/>
-          </a:fillRef>
-          <a:effectRef idx="0">
-            <a:schemeClr val="accent1"/>
-          </a:effectRef>
-          <a:fontRef idx="minor">
-            <a:schemeClr val="tx1"/>
-          </a:fontRef>
-        </p:style>
-      </p:cxnSp>
-    </p:spTree>
   </p:cSld>
   <p:clrMapOvr>
     <a:masterClrMapping/>
